--- a/activemq.pptx
+++ b/activemq.pptx
@@ -2,10 +2,11 @@
 <file path=ppt/presentation.xml><?xml version="1.0" encoding="utf-8"?>
 <p:presentation xmlns:a="http://schemas.openxmlformats.org/drawingml/2006/main" xmlns:r="http://schemas.openxmlformats.org/officeDocument/2006/relationships" xmlns:p="http://schemas.openxmlformats.org/presentationml/2006/main" saveSubsetFonts="1">
   <p:sldMasterIdLst>
-    <p:sldMasterId id="2147483648" r:id="rId1"/>
+    <p:sldMasterId id="2147483718" r:id="rId1"/>
   </p:sldMasterIdLst>
   <p:sldIdLst>
     <p:sldId id="256" r:id="rId2"/>
+    <p:sldId id="257" r:id="rId3"/>
   </p:sldIdLst>
   <p:sldSz cx="12192000" cy="6858000"/>
   <p:notesSz cx="6858000" cy="9144000"/>
@@ -104,11 +105,16 @@
       </a:defRPr>
     </a:lvl9pPr>
   </p:defaultTextStyle>
+  <p:extLst>
+    <p:ext uri="{EFAFB233-063F-42B5-8137-9DF3F51BA10A}">
+      <p15:sldGuideLst xmlns:p15="http://schemas.microsoft.com/office/powerpoint/2012/main"/>
+    </p:ext>
+  </p:extLst>
 </p:presentation>
 </file>
 
 <file path=ppt/slideLayouts/slideLayout1.xml><?xml version="1.0" encoding="utf-8"?>
-<p:sldLayout xmlns:a="http://schemas.openxmlformats.org/drawingml/2006/main" xmlns:r="http://schemas.openxmlformats.org/officeDocument/2006/relationships" xmlns:p="http://schemas.openxmlformats.org/presentationml/2006/main" type="title" preserve="1">
+<p:sldLayout xmlns:a="http://schemas.openxmlformats.org/drawingml/2006/main" xmlns:r="http://schemas.openxmlformats.org/officeDocument/2006/relationships" xmlns:p="http://schemas.openxmlformats.org/presentationml/2006/main" showMasterSp="0" type="title" preserve="1">
   <p:cSld name="Title Slide">
     <p:spTree>
       <p:nvGrpSpPr>
@@ -126,31 +132,81 @@
       </p:grpSpPr>
       <p:sp>
         <p:nvSpPr>
-          <p:cNvPr id="2" name="Title 1">
+          <p:cNvPr id="10" name="Rectangle 9">
             <a:extLst>
               <a:ext uri="{FF2B5EF4-FFF2-40B4-BE49-F238E27FC236}">
-                <a16:creationId xmlns:a16="http://schemas.microsoft.com/office/drawing/2014/main" id="{A39F161D-1E3F-4FC7-8817-94376253F036}"/>
+                <a16:creationId xmlns:a16="http://schemas.microsoft.com/office/drawing/2014/main" id="{39E3965E-AC41-4711-9D10-E25ABB132D86}"/>
               </a:ext>
             </a:extLst>
           </p:cNvPr>
-          <p:cNvSpPr>
-            <a:spLocks noGrp="1"/>
-          </p:cNvSpPr>
-          <p:nvPr>
-            <p:ph type="ctrTitle"/>
-          </p:nvPr>
+          <p:cNvSpPr/>
+          <p:nvPr/>
         </p:nvSpPr>
         <p:spPr>
           <a:xfrm>
-            <a:off x="1524000" y="1122363"/>
-            <a:ext cx="9144000" cy="2387600"/>
+            <a:off x="3175" y="6400800"/>
+            <a:ext cx="12188825" cy="457200"/>
+          </a:xfrm>
+          <a:prstGeom prst="rect">
+            <a:avLst/>
+          </a:prstGeom>
+          <a:solidFill>
+            <a:srgbClr val="262626"/>
+          </a:solidFill>
+          <a:ln>
+            <a:noFill/>
+          </a:ln>
+        </p:spPr>
+        <p:style>
+          <a:lnRef idx="2">
+            <a:schemeClr val="accent1">
+              <a:shade val="50000"/>
+            </a:schemeClr>
+          </a:lnRef>
+          <a:fillRef idx="1">
+            <a:schemeClr val="accent1"/>
+          </a:fillRef>
+          <a:effectRef idx="0">
+            <a:schemeClr val="accent1"/>
+          </a:effectRef>
+          <a:fontRef idx="minor">
+            <a:schemeClr val="lt1"/>
+          </a:fontRef>
+        </p:style>
+      </p:sp>
+      <p:sp>
+        <p:nvSpPr>
+          <p:cNvPr id="2" name="Title 1"/>
+          <p:cNvSpPr>
+            <a:spLocks noGrp="1"/>
+          </p:cNvSpPr>
+          <p:nvPr>
+            <p:ph type="ctrTitle"/>
+          </p:nvPr>
+        </p:nvSpPr>
+        <p:spPr>
+          <a:xfrm>
+            <a:off x="1097280" y="758952"/>
+            <a:ext cx="10058400" cy="3566160"/>
           </a:xfrm>
         </p:spPr>
         <p:txBody>
-          <a:bodyPr anchor="b"/>
+          <a:bodyPr anchor="b">
+            <a:normAutofit/>
+          </a:bodyPr>
           <a:lstStyle>
-            <a:lvl1pPr algn="ctr">
-              <a:defRPr sz="6000"/>
+            <a:lvl1pPr algn="l">
+              <a:lnSpc>
+                <a:spcPct val="90000"/>
+              </a:lnSpc>
+              <a:defRPr sz="8000" spc="-50" baseline="0">
+                <a:solidFill>
+                  <a:schemeClr val="tx1">
+                    <a:lumMod val="85000"/>
+                    <a:lumOff val="15000"/>
+                  </a:schemeClr>
+                </a:solidFill>
+              </a:defRPr>
             </a:lvl1pPr>
           </a:lstStyle>
           <a:p>
@@ -158,18 +214,13 @@
               <a:rPr lang="en-US"/>
               <a:t>Click to edit Master title style</a:t>
             </a:r>
-          </a:p>
-        </p:txBody>
-      </p:sp>
-      <p:sp>
-        <p:nvSpPr>
-          <p:cNvPr id="3" name="Subtitle 2">
-            <a:extLst>
-              <a:ext uri="{FF2B5EF4-FFF2-40B4-BE49-F238E27FC236}">
-                <a16:creationId xmlns:a16="http://schemas.microsoft.com/office/drawing/2014/main" id="{A8980017-F690-4B3F-BD44-5375505E9A6C}"/>
-              </a:ext>
-            </a:extLst>
-          </p:cNvPr>
+            <a:endParaRPr lang="en-US" dirty="0"/>
+          </a:p>
+        </p:txBody>
+      </p:sp>
+      <p:sp>
+        <p:nvSpPr>
+          <p:cNvPr id="3" name="Subtitle 2"/>
           <p:cNvSpPr>
             <a:spLocks noGrp="1"/>
           </p:cNvSpPr>
@@ -179,48 +230,55 @@
         </p:nvSpPr>
         <p:spPr>
           <a:xfrm>
-            <a:off x="1524000" y="3602038"/>
-            <a:ext cx="9144000" cy="1655762"/>
+            <a:off x="1100051" y="4645152"/>
+            <a:ext cx="10058400" cy="1143000"/>
           </a:xfrm>
         </p:spPr>
         <p:txBody>
-          <a:bodyPr/>
+          <a:bodyPr lIns="91440" rIns="91440">
+            <a:normAutofit/>
+          </a:bodyPr>
           <a:lstStyle>
-            <a:lvl1pPr marL="0" indent="0" algn="ctr">
-              <a:buNone/>
-              <a:defRPr sz="2400"/>
+            <a:lvl1pPr marL="0" indent="0" algn="l">
+              <a:buNone/>
+              <a:defRPr sz="2400" cap="all" spc="200" baseline="0">
+                <a:solidFill>
+                  <a:schemeClr val="tx1"/>
+                </a:solidFill>
+                <a:latin typeface="+mn-lt"/>
+              </a:defRPr>
             </a:lvl1pPr>
             <a:lvl2pPr marL="457200" indent="0" algn="ctr">
               <a:buNone/>
-              <a:defRPr sz="2000"/>
+              <a:defRPr sz="2400"/>
             </a:lvl2pPr>
             <a:lvl3pPr marL="914400" indent="0" algn="ctr">
               <a:buNone/>
-              <a:defRPr sz="1800"/>
+              <a:defRPr sz="2400"/>
             </a:lvl3pPr>
             <a:lvl4pPr marL="1371600" indent="0" algn="ctr">
               <a:buNone/>
-              <a:defRPr sz="1600"/>
+              <a:defRPr sz="2000"/>
             </a:lvl4pPr>
             <a:lvl5pPr marL="1828800" indent="0" algn="ctr">
               <a:buNone/>
-              <a:defRPr sz="1600"/>
+              <a:defRPr sz="2000"/>
             </a:lvl5pPr>
             <a:lvl6pPr marL="2286000" indent="0" algn="ctr">
               <a:buNone/>
-              <a:defRPr sz="1600"/>
+              <a:defRPr sz="2000"/>
             </a:lvl6pPr>
             <a:lvl7pPr marL="2743200" indent="0" algn="ctr">
               <a:buNone/>
-              <a:defRPr sz="1600"/>
+              <a:defRPr sz="2000"/>
             </a:lvl7pPr>
             <a:lvl8pPr marL="3200400" indent="0" algn="ctr">
               <a:buNone/>
-              <a:defRPr sz="1600"/>
+              <a:defRPr sz="2000"/>
             </a:lvl8pPr>
             <a:lvl9pPr marL="3657600" indent="0" algn="ctr">
               <a:buNone/>
-              <a:defRPr sz="1600"/>
+              <a:defRPr sz="2000"/>
             </a:lvl9pPr>
           </a:lstStyle>
           <a:p>
@@ -228,15 +286,60 @@
               <a:rPr lang="en-US"/>
               <a:t>Click to edit Master subtitle style</a:t>
             </a:r>
-          </a:p>
-        </p:txBody>
-      </p:sp>
+            <a:endParaRPr lang="en-US" dirty="0"/>
+          </a:p>
+        </p:txBody>
+      </p:sp>
+      <p:cxnSp>
+        <p:nvCxnSpPr>
+          <p:cNvPr id="9" name="Straight Connector 8">
+            <a:extLst>
+              <a:ext uri="{FF2B5EF4-FFF2-40B4-BE49-F238E27FC236}">
+                <a16:creationId xmlns:a16="http://schemas.microsoft.com/office/drawing/2014/main" id="{1F5DC8C3-BA5F-4EED-BB9A-A14272BD82A1}"/>
+              </a:ext>
+            </a:extLst>
+          </p:cNvPr>
+          <p:cNvCxnSpPr/>
+          <p:nvPr/>
+        </p:nvCxnSpPr>
+        <p:spPr>
+          <a:xfrm>
+            <a:off x="1207658" y="4474741"/>
+            <a:ext cx="9875520" cy="0"/>
+          </a:xfrm>
+          <a:prstGeom prst="line">
+            <a:avLst/>
+          </a:prstGeom>
+          <a:ln w="12700">
+            <a:solidFill>
+              <a:schemeClr val="tx1">
+                <a:lumMod val="75000"/>
+                <a:lumOff val="25000"/>
+              </a:schemeClr>
+            </a:solidFill>
+          </a:ln>
+        </p:spPr>
+        <p:style>
+          <a:lnRef idx="1">
+            <a:schemeClr val="accent1"/>
+          </a:lnRef>
+          <a:fillRef idx="0">
+            <a:schemeClr val="accent1"/>
+          </a:fillRef>
+          <a:effectRef idx="0">
+            <a:schemeClr val="accent1"/>
+          </a:effectRef>
+          <a:fontRef idx="minor">
+            <a:schemeClr val="tx1"/>
+          </a:fontRef>
+        </p:style>
+      </p:cxnSp>
       <p:sp>
         <p:nvSpPr>
           <p:cNvPr id="4" name="Date Placeholder 3">
             <a:extLst>
               <a:ext uri="{FF2B5EF4-FFF2-40B4-BE49-F238E27FC236}">
-                <a16:creationId xmlns:a16="http://schemas.microsoft.com/office/drawing/2014/main" id="{E277552A-07F1-4004-9F1E-FDC7BC7E34B8}"/>
+                <a16:creationId xmlns:a16="http://schemas.microsoft.com/office/drawing/2014/main" id="{9925CCF1-92C0-4AF3-BFAF-4921631915AB}"/>
               </a:ext>
             </a:extLst>
           </p:cNvPr>
@@ -252,11 +355,11 @@
           <a:bodyPr/>
           <a:lstStyle/>
           <a:p>
-            <a:fld id="{20AC8E2E-539B-4AD0-BFB0-D5F6E1DAB194}" type="datetimeFigureOut">
+            <a:fld id="{9184DA70-C731-4C70-880D-CCD4705E623C}" type="datetime1">
               <a:rPr lang="en-US" smtClean="0"/>
-              <a:t>12/18/2019</a:t>
+              <a:t>12/29/2019</a:t>
             </a:fld>
-            <a:endParaRPr lang="en-US"/>
+            <a:endParaRPr lang="en-US" dirty="0"/>
           </a:p>
         </p:txBody>
       </p:sp>
@@ -265,7 +368,7 @@
           <p:cNvPr id="5" name="Footer Placeholder 4">
             <a:extLst>
               <a:ext uri="{FF2B5EF4-FFF2-40B4-BE49-F238E27FC236}">
-                <a16:creationId xmlns:a16="http://schemas.microsoft.com/office/drawing/2014/main" id="{153CC1A8-6D98-411B-84E5-AB0E07EC1C70}"/>
+                <a16:creationId xmlns:a16="http://schemas.microsoft.com/office/drawing/2014/main" id="{051A78A9-3DFF-4937-A9F2-5D8CF495F367}"/>
               </a:ext>
             </a:extLst>
           </p:cNvPr>
@@ -281,7 +384,7 @@
           <a:bodyPr/>
           <a:lstStyle/>
           <a:p>
-            <a:endParaRPr lang="en-US"/>
+            <a:endParaRPr lang="en-US" dirty="0"/>
           </a:p>
         </p:txBody>
       </p:sp>
@@ -290,7 +393,7 @@
           <p:cNvPr id="6" name="Slide Number Placeholder 5">
             <a:extLst>
               <a:ext uri="{FF2B5EF4-FFF2-40B4-BE49-F238E27FC236}">
-                <a16:creationId xmlns:a16="http://schemas.microsoft.com/office/drawing/2014/main" id="{C599E1BE-FEF4-4C9E-93E2-9B504AB325E2}"/>
+                <a16:creationId xmlns:a16="http://schemas.microsoft.com/office/drawing/2014/main" id="{5FAEB271-5CC0-4759-BC6E-8BE53AB227C0}"/>
               </a:ext>
             </a:extLst>
           </p:cNvPr>
@@ -306,18 +409,18 @@
           <a:bodyPr/>
           <a:lstStyle/>
           <a:p>
-            <a:fld id="{0CDBE20B-DD69-471F-AA8B-DBB03C93429C}" type="slidenum">
+            <a:fld id="{3A98EE3D-8CD1-4C3F-BD1C-C98C9596463C}" type="slidenum">
               <a:rPr lang="en-US" smtClean="0"/>
               <a:t>‹#›</a:t>
             </a:fld>
-            <a:endParaRPr lang="en-US"/>
+            <a:endParaRPr lang="en-US" dirty="0"/>
           </a:p>
         </p:txBody>
       </p:sp>
     </p:spTree>
     <p:extLst>
       <p:ext uri="{BB962C8B-B14F-4D97-AF65-F5344CB8AC3E}">
-        <p14:creationId xmlns:p14="http://schemas.microsoft.com/office/powerpoint/2010/main" val="880586403"/>
+        <p14:creationId xmlns:p14="http://schemas.microsoft.com/office/powerpoint/2010/main" val="1620220551"/>
       </p:ext>
     </p:extLst>
   </p:cSld>
@@ -346,10 +449,85 @@
       </p:grpSpPr>
       <p:sp>
         <p:nvSpPr>
-          <p:cNvPr id="2" name="Title 1">
+          <p:cNvPr id="2" name="Title 1"/>
+          <p:cNvSpPr>
+            <a:spLocks noGrp="1"/>
+          </p:cNvSpPr>
+          <p:nvPr>
+            <p:ph type="title"/>
+          </p:nvPr>
+        </p:nvSpPr>
+        <p:spPr/>
+        <p:txBody>
+          <a:bodyPr/>
+          <a:lstStyle/>
+          <a:p>
+            <a:r>
+              <a:rPr lang="en-US"/>
+              <a:t>Click to edit Master title style</a:t>
+            </a:r>
+            <a:endParaRPr lang="en-US" dirty="0"/>
+          </a:p>
+        </p:txBody>
+      </p:sp>
+      <p:sp>
+        <p:nvSpPr>
+          <p:cNvPr id="3" name="Vertical Text Placeholder 2"/>
+          <p:cNvSpPr>
+            <a:spLocks noGrp="1"/>
+          </p:cNvSpPr>
+          <p:nvPr>
+            <p:ph type="body" orient="vert" idx="1"/>
+          </p:nvPr>
+        </p:nvSpPr>
+        <p:spPr/>
+        <p:txBody>
+          <a:bodyPr vert="eaVert" lIns="45720" tIns="0" rIns="45720" bIns="0"/>
+          <a:lstStyle/>
+          <a:p>
+            <a:pPr lvl="0"/>
+            <a:r>
+              <a:rPr lang="en-US"/>
+              <a:t>Click to edit Master text styles</a:t>
+            </a:r>
+          </a:p>
+          <a:p>
+            <a:pPr lvl="1"/>
+            <a:r>
+              <a:rPr lang="en-US"/>
+              <a:t>Second level</a:t>
+            </a:r>
+          </a:p>
+          <a:p>
+            <a:pPr lvl="2"/>
+            <a:r>
+              <a:rPr lang="en-US"/>
+              <a:t>Third level</a:t>
+            </a:r>
+          </a:p>
+          <a:p>
+            <a:pPr lvl="3"/>
+            <a:r>
+              <a:rPr lang="en-US"/>
+              <a:t>Fourth level</a:t>
+            </a:r>
+          </a:p>
+          <a:p>
+            <a:pPr lvl="4"/>
+            <a:r>
+              <a:rPr lang="en-US"/>
+              <a:t>Fifth level</a:t>
+            </a:r>
+            <a:endParaRPr lang="en-US" dirty="0"/>
+          </a:p>
+        </p:txBody>
+      </p:sp>
+      <p:sp>
+        <p:nvSpPr>
+          <p:cNvPr id="7" name="Date Placeholder 6">
             <a:extLst>
               <a:ext uri="{FF2B5EF4-FFF2-40B4-BE49-F238E27FC236}">
-                <a16:creationId xmlns:a16="http://schemas.microsoft.com/office/drawing/2014/main" id="{25AD5F98-BEFD-4F8A-A922-7263A32C1625}"/>
+                <a16:creationId xmlns:a16="http://schemas.microsoft.com/office/drawing/2014/main" id="{7D5506EE-1026-4F35-9ACC-BD05BE0F9B36}"/>
               </a:ext>
             </a:extLst>
           </p:cNvPr>
@@ -357,7 +535,7 @@
             <a:spLocks noGrp="1"/>
           </p:cNvSpPr>
           <p:nvPr>
-            <p:ph type="title"/>
+            <p:ph type="dt" sz="half" idx="10"/>
           </p:nvPr>
         </p:nvSpPr>
         <p:spPr/>
@@ -365,19 +543,20 @@
           <a:bodyPr/>
           <a:lstStyle/>
           <a:p>
-            <a:r>
-              <a:rPr lang="en-US"/>
-              <a:t>Click to edit Master title style</a:t>
-            </a:r>
-          </a:p>
-        </p:txBody>
-      </p:sp>
-      <p:sp>
-        <p:nvSpPr>
-          <p:cNvPr id="3" name="Vertical Text Placeholder 2">
+            <a:fld id="{B612A279-0833-481D-8C56-F67FD0AC6C50}" type="datetime1">
+              <a:rPr lang="en-US" smtClean="0"/>
+              <a:t>12/29/2019</a:t>
+            </a:fld>
+            <a:endParaRPr lang="en-US" dirty="0"/>
+          </a:p>
+        </p:txBody>
+      </p:sp>
+      <p:sp>
+        <p:nvSpPr>
+          <p:cNvPr id="8" name="Footer Placeholder 7">
             <a:extLst>
               <a:ext uri="{FF2B5EF4-FFF2-40B4-BE49-F238E27FC236}">
-                <a16:creationId xmlns:a16="http://schemas.microsoft.com/office/drawing/2014/main" id="{037914EA-13E8-4EC2-9B88-F86E75FD471D}"/>
+                <a16:creationId xmlns:a16="http://schemas.microsoft.com/office/drawing/2014/main" id="{B7696E5F-8D95-4450-AE52-5438E6EDE2BF}"/>
               </a:ext>
             </a:extLst>
           </p:cNvPr>
@@ -385,56 +564,24 @@
             <a:spLocks noGrp="1"/>
           </p:cNvSpPr>
           <p:nvPr>
-            <p:ph type="body" orient="vert" idx="1"/>
+            <p:ph type="ftr" sz="quarter" idx="11"/>
           </p:nvPr>
         </p:nvSpPr>
         <p:spPr/>
         <p:txBody>
-          <a:bodyPr vert="eaVert"/>
-          <a:lstStyle/>
-          <a:p>
-            <a:pPr lvl="0"/>
-            <a:r>
-              <a:rPr lang="en-US"/>
-              <a:t>Click to edit Master text styles</a:t>
-            </a:r>
-          </a:p>
-          <a:p>
-            <a:pPr lvl="1"/>
-            <a:r>
-              <a:rPr lang="en-US"/>
-              <a:t>Second level</a:t>
-            </a:r>
-          </a:p>
-          <a:p>
-            <a:pPr lvl="2"/>
-            <a:r>
-              <a:rPr lang="en-US"/>
-              <a:t>Third level</a:t>
-            </a:r>
-          </a:p>
-          <a:p>
-            <a:pPr lvl="3"/>
-            <a:r>
-              <a:rPr lang="en-US"/>
-              <a:t>Fourth level</a:t>
-            </a:r>
-          </a:p>
-          <a:p>
-            <a:pPr lvl="4"/>
-            <a:r>
-              <a:rPr lang="en-US"/>
-              <a:t>Fifth level</a:t>
-            </a:r>
-          </a:p>
-        </p:txBody>
-      </p:sp>
-      <p:sp>
-        <p:nvSpPr>
-          <p:cNvPr id="4" name="Date Placeholder 3">
+          <a:bodyPr/>
+          <a:lstStyle/>
+          <a:p>
+            <a:endParaRPr lang="en-US" dirty="0"/>
+          </a:p>
+        </p:txBody>
+      </p:sp>
+      <p:sp>
+        <p:nvSpPr>
+          <p:cNvPr id="9" name="Slide Number Placeholder 8">
             <a:extLst>
               <a:ext uri="{FF2B5EF4-FFF2-40B4-BE49-F238E27FC236}">
-                <a16:creationId xmlns:a16="http://schemas.microsoft.com/office/drawing/2014/main" id="{FD5882F3-4660-4ADD-A175-6C38DE0C3D69}"/>
+                <a16:creationId xmlns:a16="http://schemas.microsoft.com/office/drawing/2014/main" id="{999B2253-74CC-409E-BEB0-F8EFCFCB5629}"/>
               </a:ext>
             </a:extLst>
           </p:cNvPr>
@@ -442,7 +589,7 @@
             <a:spLocks noGrp="1"/>
           </p:cNvSpPr>
           <p:nvPr>
-            <p:ph type="dt" sz="half" idx="10"/>
+            <p:ph type="sldNum" sz="quarter" idx="12"/>
           </p:nvPr>
         </p:nvSpPr>
         <p:spPr/>
@@ -450,72 +597,18 @@
           <a:bodyPr/>
           <a:lstStyle/>
           <a:p>
-            <a:fld id="{20AC8E2E-539B-4AD0-BFB0-D5F6E1DAB194}" type="datetimeFigureOut">
-              <a:rPr lang="en-US" smtClean="0"/>
-              <a:t>12/18/2019</a:t>
-            </a:fld>
-            <a:endParaRPr lang="en-US"/>
-          </a:p>
-        </p:txBody>
-      </p:sp>
-      <p:sp>
-        <p:nvSpPr>
-          <p:cNvPr id="5" name="Footer Placeholder 4">
-            <a:extLst>
-              <a:ext uri="{FF2B5EF4-FFF2-40B4-BE49-F238E27FC236}">
-                <a16:creationId xmlns:a16="http://schemas.microsoft.com/office/drawing/2014/main" id="{45D8D5BF-F5D6-4569-99C4-B886E422E857}"/>
-              </a:ext>
-            </a:extLst>
-          </p:cNvPr>
-          <p:cNvSpPr>
-            <a:spLocks noGrp="1"/>
-          </p:cNvSpPr>
-          <p:nvPr>
-            <p:ph type="ftr" sz="quarter" idx="11"/>
-          </p:nvPr>
-        </p:nvSpPr>
-        <p:spPr/>
-        <p:txBody>
-          <a:bodyPr/>
-          <a:lstStyle/>
-          <a:p>
-            <a:endParaRPr lang="en-US"/>
-          </a:p>
-        </p:txBody>
-      </p:sp>
-      <p:sp>
-        <p:nvSpPr>
-          <p:cNvPr id="6" name="Slide Number Placeholder 5">
-            <a:extLst>
-              <a:ext uri="{FF2B5EF4-FFF2-40B4-BE49-F238E27FC236}">
-                <a16:creationId xmlns:a16="http://schemas.microsoft.com/office/drawing/2014/main" id="{41D05897-16A3-4421-8513-EF53D4337915}"/>
-              </a:ext>
-            </a:extLst>
-          </p:cNvPr>
-          <p:cNvSpPr>
-            <a:spLocks noGrp="1"/>
-          </p:cNvSpPr>
-          <p:nvPr>
-            <p:ph type="sldNum" sz="quarter" idx="12"/>
-          </p:nvPr>
-        </p:nvSpPr>
-        <p:spPr/>
-        <p:txBody>
-          <a:bodyPr/>
-          <a:lstStyle/>
-          <a:p>
-            <a:fld id="{0CDBE20B-DD69-471F-AA8B-DBB03C93429C}" type="slidenum">
+            <a:fld id="{3A98EE3D-8CD1-4C3F-BD1C-C98C9596463C}" type="slidenum">
               <a:rPr lang="en-US" smtClean="0"/>
               <a:t>‹#›</a:t>
             </a:fld>
-            <a:endParaRPr lang="en-US"/>
+            <a:endParaRPr lang="en-US" dirty="0"/>
           </a:p>
         </p:txBody>
       </p:sp>
     </p:spTree>
     <p:extLst>
       <p:ext uri="{BB962C8B-B14F-4D97-AF65-F5344CB8AC3E}">
-        <p14:creationId xmlns:p14="http://schemas.microsoft.com/office/powerpoint/2010/main" val="3461614486"/>
+        <p14:creationId xmlns:p14="http://schemas.microsoft.com/office/powerpoint/2010/main" val="544455305"/>
       </p:ext>
     </p:extLst>
   </p:cSld>
@@ -526,7 +619,7 @@
 </file>
 
 <file path=ppt/slideLayouts/slideLayout11.xml><?xml version="1.0" encoding="utf-8"?>
-<p:sldLayout xmlns:a="http://schemas.openxmlformats.org/drawingml/2006/main" xmlns:r="http://schemas.openxmlformats.org/officeDocument/2006/relationships" xmlns:p="http://schemas.openxmlformats.org/presentationml/2006/main" type="vertTitleAndTx" preserve="1">
+<p:sldLayout xmlns:a="http://schemas.openxmlformats.org/drawingml/2006/main" xmlns:r="http://schemas.openxmlformats.org/officeDocument/2006/relationships" xmlns:p="http://schemas.openxmlformats.org/presentationml/2006/main" showMasterSp="0" type="vertTitleAndTx" preserve="1">
   <p:cSld name="Vertical Title and Text">
     <p:spTree>
       <p:nvGrpSpPr>
@@ -544,24 +637,62 @@
       </p:grpSpPr>
       <p:sp>
         <p:nvSpPr>
-          <p:cNvPr id="2" name="Vertical Title 1">
+          <p:cNvPr id="9" name="Rectangle 8">
             <a:extLst>
               <a:ext uri="{FF2B5EF4-FFF2-40B4-BE49-F238E27FC236}">
-                <a16:creationId xmlns:a16="http://schemas.microsoft.com/office/drawing/2014/main" id="{9AC8AE2F-7D10-4D81-9CA2-E432220F148A}"/>
+                <a16:creationId xmlns:a16="http://schemas.microsoft.com/office/drawing/2014/main" id="{E1B68A5B-D9FA-424B-A4EB-30E7223836B3}"/>
               </a:ext>
             </a:extLst>
           </p:cNvPr>
-          <p:cNvSpPr>
-            <a:spLocks noGrp="1"/>
-          </p:cNvSpPr>
-          <p:nvPr>
-            <p:ph type="title" orient="vert"/>
-          </p:nvPr>
+          <p:cNvSpPr/>
+          <p:nvPr/>
         </p:nvSpPr>
         <p:spPr>
           <a:xfrm>
-            <a:off x="8724900" y="365125"/>
-            <a:ext cx="2628900" cy="5811838"/>
+            <a:off x="3175" y="6400800"/>
+            <a:ext cx="12188825" cy="457200"/>
+          </a:xfrm>
+          <a:prstGeom prst="rect">
+            <a:avLst/>
+          </a:prstGeom>
+          <a:solidFill>
+            <a:srgbClr val="262626"/>
+          </a:solidFill>
+          <a:ln>
+            <a:noFill/>
+          </a:ln>
+        </p:spPr>
+        <p:style>
+          <a:lnRef idx="2">
+            <a:schemeClr val="accent1">
+              <a:shade val="50000"/>
+            </a:schemeClr>
+          </a:lnRef>
+          <a:fillRef idx="1">
+            <a:schemeClr val="accent1"/>
+          </a:fillRef>
+          <a:effectRef idx="0">
+            <a:schemeClr val="accent1"/>
+          </a:effectRef>
+          <a:fontRef idx="minor">
+            <a:schemeClr val="lt1"/>
+          </a:fontRef>
+        </p:style>
+      </p:sp>
+      <p:sp>
+        <p:nvSpPr>
+          <p:cNvPr id="2" name="Vertical Title 1"/>
+          <p:cNvSpPr>
+            <a:spLocks noGrp="1"/>
+          </p:cNvSpPr>
+          <p:nvPr>
+            <p:ph type="title" orient="vert"/>
+          </p:nvPr>
+        </p:nvSpPr>
+        <p:spPr>
+          <a:xfrm>
+            <a:off x="8724900" y="412302"/>
+            <a:ext cx="2628900" cy="5759898"/>
           </a:xfrm>
         </p:spPr>
         <p:txBody>
@@ -572,18 +703,13 @@
               <a:rPr lang="en-US"/>
               <a:t>Click to edit Master title style</a:t>
             </a:r>
-          </a:p>
-        </p:txBody>
-      </p:sp>
-      <p:sp>
-        <p:nvSpPr>
-          <p:cNvPr id="3" name="Vertical Text Placeholder 2">
-            <a:extLst>
-              <a:ext uri="{FF2B5EF4-FFF2-40B4-BE49-F238E27FC236}">
-                <a16:creationId xmlns:a16="http://schemas.microsoft.com/office/drawing/2014/main" id="{E66CB056-D0EF-4F3B-9995-9F9F1739A6B2}"/>
-              </a:ext>
-            </a:extLst>
-          </p:cNvPr>
+            <a:endParaRPr lang="en-US" dirty="0"/>
+          </a:p>
+        </p:txBody>
+      </p:sp>
+      <p:sp>
+        <p:nvSpPr>
+          <p:cNvPr id="3" name="Vertical Text Placeholder 2"/>
           <p:cNvSpPr>
             <a:spLocks noGrp="1"/>
           </p:cNvSpPr>
@@ -593,12 +719,12 @@
         </p:nvSpPr>
         <p:spPr>
           <a:xfrm>
-            <a:off x="838200" y="365125"/>
-            <a:ext cx="7734300" cy="5811838"/>
+            <a:off x="838200" y="412302"/>
+            <a:ext cx="7734300" cy="5759898"/>
           </a:xfrm>
         </p:spPr>
         <p:txBody>
-          <a:bodyPr vert="eaVert"/>
+          <a:bodyPr vert="eaVert" lIns="45720" tIns="0" rIns="45720" bIns="0"/>
           <a:lstStyle/>
           <a:p>
             <a:pPr lvl="0"/>
@@ -634,15 +760,16 @@
               <a:rPr lang="en-US"/>
               <a:t>Fifth level</a:t>
             </a:r>
-          </a:p>
-        </p:txBody>
-      </p:sp>
-      <p:sp>
-        <p:nvSpPr>
-          <p:cNvPr id="4" name="Date Placeholder 3">
+            <a:endParaRPr lang="en-US" dirty="0"/>
+          </a:p>
+        </p:txBody>
+      </p:sp>
+      <p:sp>
+        <p:nvSpPr>
+          <p:cNvPr id="7" name="Date Placeholder 6">
             <a:extLst>
               <a:ext uri="{FF2B5EF4-FFF2-40B4-BE49-F238E27FC236}">
-                <a16:creationId xmlns:a16="http://schemas.microsoft.com/office/drawing/2014/main" id="{70908894-E210-44B6-A3F1-CB3F03904739}"/>
+                <a16:creationId xmlns:a16="http://schemas.microsoft.com/office/drawing/2014/main" id="{AF33D6B0-F070-45C4-A472-19F432BE3932}"/>
               </a:ext>
             </a:extLst>
           </p:cNvPr>
@@ -658,20 +785,20 @@
           <a:bodyPr/>
           <a:lstStyle/>
           <a:p>
-            <a:fld id="{20AC8E2E-539B-4AD0-BFB0-D5F6E1DAB194}" type="datetimeFigureOut">
+            <a:fld id="{6587DA83-5663-4C9C-B9AA-0B40A3DAFF81}" type="datetime1">
               <a:rPr lang="en-US" smtClean="0"/>
-              <a:t>12/18/2019</a:t>
+              <a:t>12/29/2019</a:t>
             </a:fld>
-            <a:endParaRPr lang="en-US"/>
-          </a:p>
-        </p:txBody>
-      </p:sp>
-      <p:sp>
-        <p:nvSpPr>
-          <p:cNvPr id="5" name="Footer Placeholder 4">
+            <a:endParaRPr lang="en-US" dirty="0"/>
+          </a:p>
+        </p:txBody>
+      </p:sp>
+      <p:sp>
+        <p:nvSpPr>
+          <p:cNvPr id="8" name="Footer Placeholder 7">
             <a:extLst>
               <a:ext uri="{FF2B5EF4-FFF2-40B4-BE49-F238E27FC236}">
-                <a16:creationId xmlns:a16="http://schemas.microsoft.com/office/drawing/2014/main" id="{BFE9E2FF-241A-4E90-8548-CCA60E9CB571}"/>
+                <a16:creationId xmlns:a16="http://schemas.microsoft.com/office/drawing/2014/main" id="{9975399F-DAB2-410D-967F-ED17E6F796E7}"/>
               </a:ext>
             </a:extLst>
           </p:cNvPr>
@@ -687,16 +814,16 @@
           <a:bodyPr/>
           <a:lstStyle/>
           <a:p>
-            <a:endParaRPr lang="en-US"/>
-          </a:p>
-        </p:txBody>
-      </p:sp>
-      <p:sp>
-        <p:nvSpPr>
-          <p:cNvPr id="6" name="Slide Number Placeholder 5">
+            <a:endParaRPr lang="en-US" dirty="0"/>
+          </a:p>
+        </p:txBody>
+      </p:sp>
+      <p:sp>
+        <p:nvSpPr>
+          <p:cNvPr id="10" name="Slide Number Placeholder 9">
             <a:extLst>
               <a:ext uri="{FF2B5EF4-FFF2-40B4-BE49-F238E27FC236}">
-                <a16:creationId xmlns:a16="http://schemas.microsoft.com/office/drawing/2014/main" id="{5E180A62-AFB5-4C90-87DF-D774748D408D}"/>
+                <a16:creationId xmlns:a16="http://schemas.microsoft.com/office/drawing/2014/main" id="{F762A46F-6BE5-4D12-9412-5CA7672EA8EC}"/>
               </a:ext>
             </a:extLst>
           </p:cNvPr>
@@ -712,18 +839,18 @@
           <a:bodyPr/>
           <a:lstStyle/>
           <a:p>
-            <a:fld id="{0CDBE20B-DD69-471F-AA8B-DBB03C93429C}" type="slidenum">
+            <a:fld id="{3A98EE3D-8CD1-4C3F-BD1C-C98C9596463C}" type="slidenum">
               <a:rPr lang="en-US" smtClean="0"/>
               <a:t>‹#›</a:t>
             </a:fld>
-            <a:endParaRPr lang="en-US"/>
+            <a:endParaRPr lang="en-US" dirty="0"/>
           </a:p>
         </p:txBody>
       </p:sp>
     </p:spTree>
     <p:extLst>
       <p:ext uri="{BB962C8B-B14F-4D97-AF65-F5344CB8AC3E}">
-        <p14:creationId xmlns:p14="http://schemas.microsoft.com/office/powerpoint/2010/main" val="2293011558"/>
+        <p14:creationId xmlns:p14="http://schemas.microsoft.com/office/powerpoint/2010/main" val="3640962847"/>
       </p:ext>
     </p:extLst>
   </p:cSld>
@@ -752,10 +879,85 @@
       </p:grpSpPr>
       <p:sp>
         <p:nvSpPr>
-          <p:cNvPr id="2" name="Title 1">
+          <p:cNvPr id="2" name="Title 1"/>
+          <p:cNvSpPr>
+            <a:spLocks noGrp="1"/>
+          </p:cNvSpPr>
+          <p:nvPr>
+            <p:ph type="title"/>
+          </p:nvPr>
+        </p:nvSpPr>
+        <p:spPr/>
+        <p:txBody>
+          <a:bodyPr/>
+          <a:lstStyle/>
+          <a:p>
+            <a:r>
+              <a:rPr lang="en-US"/>
+              <a:t>Click to edit Master title style</a:t>
+            </a:r>
+            <a:endParaRPr lang="en-US" dirty="0"/>
+          </a:p>
+        </p:txBody>
+      </p:sp>
+      <p:sp>
+        <p:nvSpPr>
+          <p:cNvPr id="3" name="Content Placeholder 2"/>
+          <p:cNvSpPr>
+            <a:spLocks noGrp="1"/>
+          </p:cNvSpPr>
+          <p:nvPr>
+            <p:ph idx="1"/>
+          </p:nvPr>
+        </p:nvSpPr>
+        <p:spPr/>
+        <p:txBody>
+          <a:bodyPr/>
+          <a:lstStyle/>
+          <a:p>
+            <a:pPr lvl="0"/>
+            <a:r>
+              <a:rPr lang="en-US"/>
+              <a:t>Click to edit Master text styles</a:t>
+            </a:r>
+          </a:p>
+          <a:p>
+            <a:pPr lvl="1"/>
+            <a:r>
+              <a:rPr lang="en-US"/>
+              <a:t>Second level</a:t>
+            </a:r>
+          </a:p>
+          <a:p>
+            <a:pPr lvl="2"/>
+            <a:r>
+              <a:rPr lang="en-US"/>
+              <a:t>Third level</a:t>
+            </a:r>
+          </a:p>
+          <a:p>
+            <a:pPr lvl="3"/>
+            <a:r>
+              <a:rPr lang="en-US"/>
+              <a:t>Fourth level</a:t>
+            </a:r>
+          </a:p>
+          <a:p>
+            <a:pPr lvl="4"/>
+            <a:r>
+              <a:rPr lang="en-US"/>
+              <a:t>Fifth level</a:t>
+            </a:r>
+            <a:endParaRPr lang="en-US" dirty="0"/>
+          </a:p>
+        </p:txBody>
+      </p:sp>
+      <p:sp>
+        <p:nvSpPr>
+          <p:cNvPr id="7" name="Date Placeholder 6">
             <a:extLst>
               <a:ext uri="{FF2B5EF4-FFF2-40B4-BE49-F238E27FC236}">
-                <a16:creationId xmlns:a16="http://schemas.microsoft.com/office/drawing/2014/main" id="{0F831222-471F-4CEC-804E-0119C753870C}"/>
+                <a16:creationId xmlns:a16="http://schemas.microsoft.com/office/drawing/2014/main" id="{354D8B55-9EA8-4B81-8E84-9B93B0A27559}"/>
               </a:ext>
             </a:extLst>
           </p:cNvPr>
@@ -763,7 +965,7 @@
             <a:spLocks noGrp="1"/>
           </p:cNvSpPr>
           <p:nvPr>
-            <p:ph type="title"/>
+            <p:ph type="dt" sz="half" idx="10"/>
           </p:nvPr>
         </p:nvSpPr>
         <p:spPr/>
@@ -771,19 +973,20 @@
           <a:bodyPr/>
           <a:lstStyle/>
           <a:p>
-            <a:r>
-              <a:rPr lang="en-US"/>
-              <a:t>Click to edit Master title style</a:t>
-            </a:r>
-          </a:p>
-        </p:txBody>
-      </p:sp>
-      <p:sp>
-        <p:nvSpPr>
-          <p:cNvPr id="3" name="Content Placeholder 2">
+            <a:fld id="{4BE1D723-8F53-4F53-90B0-1982A396982E}" type="datetime1">
+              <a:rPr lang="en-US" smtClean="0"/>
+              <a:t>12/29/2019</a:t>
+            </a:fld>
+            <a:endParaRPr lang="en-US" dirty="0"/>
+          </a:p>
+        </p:txBody>
+      </p:sp>
+      <p:sp>
+        <p:nvSpPr>
+          <p:cNvPr id="8" name="Footer Placeholder 7">
             <a:extLst>
               <a:ext uri="{FF2B5EF4-FFF2-40B4-BE49-F238E27FC236}">
-                <a16:creationId xmlns:a16="http://schemas.microsoft.com/office/drawing/2014/main" id="{E12667E1-F0F8-4C70-9912-1287F3744EBF}"/>
+                <a16:creationId xmlns:a16="http://schemas.microsoft.com/office/drawing/2014/main" id="{062CA021-2578-47CB-822C-BDDFF7223B28}"/>
               </a:ext>
             </a:extLst>
           </p:cNvPr>
@@ -791,7 +994,7 @@
             <a:spLocks noGrp="1"/>
           </p:cNvSpPr>
           <p:nvPr>
-            <p:ph idx="1"/>
+            <p:ph type="ftr" sz="quarter" idx="11"/>
           </p:nvPr>
         </p:nvSpPr>
         <p:spPr/>
@@ -799,48 +1002,16 @@
           <a:bodyPr/>
           <a:lstStyle/>
           <a:p>
-            <a:pPr lvl="0"/>
-            <a:r>
-              <a:rPr lang="en-US"/>
-              <a:t>Click to edit Master text styles</a:t>
-            </a:r>
-          </a:p>
-          <a:p>
-            <a:pPr lvl="1"/>
-            <a:r>
-              <a:rPr lang="en-US"/>
-              <a:t>Second level</a:t>
-            </a:r>
-          </a:p>
-          <a:p>
-            <a:pPr lvl="2"/>
-            <a:r>
-              <a:rPr lang="en-US"/>
-              <a:t>Third level</a:t>
-            </a:r>
-          </a:p>
-          <a:p>
-            <a:pPr lvl="3"/>
-            <a:r>
-              <a:rPr lang="en-US"/>
-              <a:t>Fourth level</a:t>
-            </a:r>
-          </a:p>
-          <a:p>
-            <a:pPr lvl="4"/>
-            <a:r>
-              <a:rPr lang="en-US"/>
-              <a:t>Fifth level</a:t>
-            </a:r>
-          </a:p>
-        </p:txBody>
-      </p:sp>
-      <p:sp>
-        <p:nvSpPr>
-          <p:cNvPr id="4" name="Date Placeholder 3">
+            <a:endParaRPr lang="en-US" dirty="0"/>
+          </a:p>
+        </p:txBody>
+      </p:sp>
+      <p:sp>
+        <p:nvSpPr>
+          <p:cNvPr id="9" name="Slide Number Placeholder 8">
             <a:extLst>
               <a:ext uri="{FF2B5EF4-FFF2-40B4-BE49-F238E27FC236}">
-                <a16:creationId xmlns:a16="http://schemas.microsoft.com/office/drawing/2014/main" id="{959F6302-44D5-43A7-AE3D-68C59E374843}"/>
+                <a16:creationId xmlns:a16="http://schemas.microsoft.com/office/drawing/2014/main" id="{C4AAB51D-4141-4682-9375-DAFD5FB9DD10}"/>
               </a:ext>
             </a:extLst>
           </p:cNvPr>
@@ -848,7 +1019,7 @@
             <a:spLocks noGrp="1"/>
           </p:cNvSpPr>
           <p:nvPr>
-            <p:ph type="dt" sz="half" idx="10"/>
+            <p:ph type="sldNum" sz="quarter" idx="12"/>
           </p:nvPr>
         </p:nvSpPr>
         <p:spPr/>
@@ -856,72 +1027,18 @@
           <a:bodyPr/>
           <a:lstStyle/>
           <a:p>
-            <a:fld id="{20AC8E2E-539B-4AD0-BFB0-D5F6E1DAB194}" type="datetimeFigureOut">
-              <a:rPr lang="en-US" smtClean="0"/>
-              <a:t>12/18/2019</a:t>
-            </a:fld>
-            <a:endParaRPr lang="en-US"/>
-          </a:p>
-        </p:txBody>
-      </p:sp>
-      <p:sp>
-        <p:nvSpPr>
-          <p:cNvPr id="5" name="Footer Placeholder 4">
-            <a:extLst>
-              <a:ext uri="{FF2B5EF4-FFF2-40B4-BE49-F238E27FC236}">
-                <a16:creationId xmlns:a16="http://schemas.microsoft.com/office/drawing/2014/main" id="{C0F0E2F8-A5A0-405E-9529-14D9A43F0790}"/>
-              </a:ext>
-            </a:extLst>
-          </p:cNvPr>
-          <p:cNvSpPr>
-            <a:spLocks noGrp="1"/>
-          </p:cNvSpPr>
-          <p:nvPr>
-            <p:ph type="ftr" sz="quarter" idx="11"/>
-          </p:nvPr>
-        </p:nvSpPr>
-        <p:spPr/>
-        <p:txBody>
-          <a:bodyPr/>
-          <a:lstStyle/>
-          <a:p>
-            <a:endParaRPr lang="en-US"/>
-          </a:p>
-        </p:txBody>
-      </p:sp>
-      <p:sp>
-        <p:nvSpPr>
-          <p:cNvPr id="6" name="Slide Number Placeholder 5">
-            <a:extLst>
-              <a:ext uri="{FF2B5EF4-FFF2-40B4-BE49-F238E27FC236}">
-                <a16:creationId xmlns:a16="http://schemas.microsoft.com/office/drawing/2014/main" id="{A56B5630-D843-4032-9CE0-5F6024B7D093}"/>
-              </a:ext>
-            </a:extLst>
-          </p:cNvPr>
-          <p:cNvSpPr>
-            <a:spLocks noGrp="1"/>
-          </p:cNvSpPr>
-          <p:nvPr>
-            <p:ph type="sldNum" sz="quarter" idx="12"/>
-          </p:nvPr>
-        </p:nvSpPr>
-        <p:spPr/>
-        <p:txBody>
-          <a:bodyPr/>
-          <a:lstStyle/>
-          <a:p>
-            <a:fld id="{0CDBE20B-DD69-471F-AA8B-DBB03C93429C}" type="slidenum">
+            <a:fld id="{3A98EE3D-8CD1-4C3F-BD1C-C98C9596463C}" type="slidenum">
               <a:rPr lang="en-US" smtClean="0"/>
               <a:t>‹#›</a:t>
             </a:fld>
-            <a:endParaRPr lang="en-US"/>
+            <a:endParaRPr lang="en-US" dirty="0"/>
           </a:p>
         </p:txBody>
       </p:sp>
     </p:spTree>
     <p:extLst>
       <p:ext uri="{BB962C8B-B14F-4D97-AF65-F5344CB8AC3E}">
-        <p14:creationId xmlns:p14="http://schemas.microsoft.com/office/powerpoint/2010/main" val="1045623143"/>
+        <p14:creationId xmlns:p14="http://schemas.microsoft.com/office/powerpoint/2010/main" val="2851588108"/>
       </p:ext>
     </p:extLst>
   </p:cSld>
@@ -932,8 +1049,16 @@
 </file>
 
 <file path=ppt/slideLayouts/slideLayout3.xml><?xml version="1.0" encoding="utf-8"?>
-<p:sldLayout xmlns:a="http://schemas.openxmlformats.org/drawingml/2006/main" xmlns:r="http://schemas.openxmlformats.org/officeDocument/2006/relationships" xmlns:p="http://schemas.openxmlformats.org/presentationml/2006/main" type="secHead" preserve="1">
+<p:sldLayout xmlns:a="http://schemas.openxmlformats.org/drawingml/2006/main" xmlns:r="http://schemas.openxmlformats.org/officeDocument/2006/relationships" xmlns:p="http://schemas.openxmlformats.org/presentationml/2006/main" showMasterSp="0" type="secHead" preserve="1">
   <p:cSld name="Section Header">
+    <p:bg>
+      <p:bgPr>
+        <a:solidFill>
+          <a:schemeClr val="bg1"/>
+        </a:solidFill>
+        <a:effectLst/>
+      </p:bgPr>
+    </p:bg>
     <p:spTree>
       <p:nvGrpSpPr>
         <p:cNvPr id="1" name=""/>
@@ -950,79 +1075,125 @@
       </p:grpSpPr>
       <p:sp>
         <p:nvSpPr>
-          <p:cNvPr id="2" name="Title 1">
+          <p:cNvPr id="10" name="Rectangle 9">
             <a:extLst>
               <a:ext uri="{FF2B5EF4-FFF2-40B4-BE49-F238E27FC236}">
-                <a16:creationId xmlns:a16="http://schemas.microsoft.com/office/drawing/2014/main" id="{16807A6B-88C0-4F02-AEA1-8D08401CAF16}"/>
+                <a16:creationId xmlns:a16="http://schemas.microsoft.com/office/drawing/2014/main" id="{A585C21A-8B93-4657-B5DF-7EAEAD3BE127}"/>
               </a:ext>
             </a:extLst>
           </p:cNvPr>
-          <p:cNvSpPr>
-            <a:spLocks noGrp="1"/>
-          </p:cNvSpPr>
-          <p:nvPr>
-            <p:ph type="title"/>
-          </p:nvPr>
+          <p:cNvSpPr/>
+          <p:nvPr/>
         </p:nvSpPr>
         <p:spPr>
           <a:xfrm>
-            <a:off x="831850" y="1709738"/>
-            <a:ext cx="10515600" cy="2852737"/>
+            <a:off x="3175" y="6400800"/>
+            <a:ext cx="12188825" cy="457200"/>
+          </a:xfrm>
+          <a:prstGeom prst="rect">
+            <a:avLst/>
+          </a:prstGeom>
+          <a:solidFill>
+            <a:srgbClr val="262626"/>
+          </a:solidFill>
+          <a:ln>
+            <a:noFill/>
+          </a:ln>
+        </p:spPr>
+        <p:style>
+          <a:lnRef idx="2">
+            <a:schemeClr val="accent1">
+              <a:shade val="50000"/>
+            </a:schemeClr>
+          </a:lnRef>
+          <a:fillRef idx="1">
+            <a:schemeClr val="accent1"/>
+          </a:fillRef>
+          <a:effectRef idx="0">
+            <a:schemeClr val="accent1"/>
+          </a:effectRef>
+          <a:fontRef idx="minor">
+            <a:schemeClr val="lt1"/>
+          </a:fontRef>
+        </p:style>
+      </p:sp>
+      <p:sp>
+        <p:nvSpPr>
+          <p:cNvPr id="2" name="Title 1"/>
+          <p:cNvSpPr>
+            <a:spLocks noGrp="1"/>
+          </p:cNvSpPr>
+          <p:nvPr>
+            <p:ph type="title"/>
+          </p:nvPr>
+        </p:nvSpPr>
+        <p:spPr>
+          <a:xfrm>
+            <a:off x="1097280" y="758952"/>
+            <a:ext cx="10058400" cy="3566160"/>
           </a:xfrm>
         </p:spPr>
         <p:txBody>
-          <a:bodyPr anchor="b"/>
+          <a:bodyPr anchor="b" anchorCtr="0">
+            <a:normAutofit/>
+          </a:bodyPr>
           <a:lstStyle>
             <a:lvl1pPr>
-              <a:defRPr sz="6000"/>
-            </a:lvl1pPr>
-          </a:lstStyle>
-          <a:p>
-            <a:r>
-              <a:rPr lang="en-US"/>
-              <a:t>Click to edit Master title style</a:t>
-            </a:r>
-          </a:p>
-        </p:txBody>
-      </p:sp>
-      <p:sp>
-        <p:nvSpPr>
-          <p:cNvPr id="3" name="Text Placeholder 2">
-            <a:extLst>
-              <a:ext uri="{FF2B5EF4-FFF2-40B4-BE49-F238E27FC236}">
-                <a16:creationId xmlns:a16="http://schemas.microsoft.com/office/drawing/2014/main" id="{7E80F37B-858B-481E-9C42-55277661D6CB}"/>
-              </a:ext>
-            </a:extLst>
-          </p:cNvPr>
-          <p:cNvSpPr>
-            <a:spLocks noGrp="1"/>
-          </p:cNvSpPr>
-          <p:nvPr>
-            <p:ph type="body" idx="1"/>
-          </p:nvPr>
-        </p:nvSpPr>
-        <p:spPr>
-          <a:xfrm>
-            <a:off x="831850" y="4589463"/>
-            <a:ext cx="10515600" cy="1500187"/>
-          </a:xfrm>
-        </p:spPr>
-        <p:txBody>
-          <a:bodyPr/>
-          <a:lstStyle>
-            <a:lvl1pPr marL="0" indent="0">
-              <a:buNone/>
-              <a:defRPr sz="2400">
+              <a:lnSpc>
+                <a:spcPct val="90000"/>
+              </a:lnSpc>
+              <a:defRPr sz="8000" b="0">
                 <a:solidFill>
                   <a:schemeClr val="tx1">
-                    <a:tint val="75000"/>
+                    <a:lumMod val="85000"/>
+                    <a:lumOff val="15000"/>
                   </a:schemeClr>
                 </a:solidFill>
               </a:defRPr>
             </a:lvl1pPr>
+          </a:lstStyle>
+          <a:p>
+            <a:r>
+              <a:rPr lang="en-US"/>
+              <a:t>Click to edit Master title style</a:t>
+            </a:r>
+            <a:endParaRPr lang="en-US" dirty="0"/>
+          </a:p>
+        </p:txBody>
+      </p:sp>
+      <p:sp>
+        <p:nvSpPr>
+          <p:cNvPr id="3" name="Text Placeholder 2"/>
+          <p:cNvSpPr>
+            <a:spLocks noGrp="1"/>
+          </p:cNvSpPr>
+          <p:nvPr>
+            <p:ph type="body" idx="1"/>
+          </p:nvPr>
+        </p:nvSpPr>
+        <p:spPr>
+          <a:xfrm>
+            <a:off x="1097280" y="4663440"/>
+            <a:ext cx="10058400" cy="1143000"/>
+          </a:xfrm>
+        </p:spPr>
+        <p:txBody>
+          <a:bodyPr lIns="91440" rIns="91440" anchor="t" anchorCtr="0">
+            <a:normAutofit/>
+          </a:bodyPr>
+          <a:lstStyle>
+            <a:lvl1pPr marL="0" indent="0">
+              <a:buNone/>
+              <a:defRPr sz="2400" cap="all" spc="200" baseline="0">
+                <a:solidFill>
+                  <a:schemeClr val="tx1"/>
+                </a:solidFill>
+                <a:latin typeface="+mn-lt"/>
+              </a:defRPr>
+            </a:lvl1pPr>
             <a:lvl2pPr marL="457200" indent="0">
               <a:buNone/>
-              <a:defRPr sz="2000">
+              <a:defRPr sz="1800">
                 <a:solidFill>
                   <a:schemeClr val="tx1">
                     <a:tint val="75000"/>
@@ -1032,7 +1203,7 @@
             </a:lvl2pPr>
             <a:lvl3pPr marL="914400" indent="0">
               <a:buNone/>
-              <a:defRPr sz="1800">
+              <a:defRPr sz="1600">
                 <a:solidFill>
                   <a:schemeClr val="tx1">
                     <a:tint val="75000"/>
@@ -1042,7 +1213,7 @@
             </a:lvl3pPr>
             <a:lvl4pPr marL="1371600" indent="0">
               <a:buNone/>
-              <a:defRPr sz="1600">
+              <a:defRPr sz="1400">
                 <a:solidFill>
                   <a:schemeClr val="tx1">
                     <a:tint val="75000"/>
@@ -1052,7 +1223,7 @@
             </a:lvl4pPr>
             <a:lvl5pPr marL="1828800" indent="0">
               <a:buNone/>
-              <a:defRPr sz="1600">
+              <a:defRPr sz="1400">
                 <a:solidFill>
                   <a:schemeClr val="tx1">
                     <a:tint val="75000"/>
@@ -1062,7 +1233,7 @@
             </a:lvl5pPr>
             <a:lvl6pPr marL="2286000" indent="0">
               <a:buNone/>
-              <a:defRPr sz="1600">
+              <a:defRPr sz="1400">
                 <a:solidFill>
                   <a:schemeClr val="tx1">
                     <a:tint val="75000"/>
@@ -1072,7 +1243,7 @@
             </a:lvl6pPr>
             <a:lvl7pPr marL="2743200" indent="0">
               <a:buNone/>
-              <a:defRPr sz="1600">
+              <a:defRPr sz="1400">
                 <a:solidFill>
                   <a:schemeClr val="tx1">
                     <a:tint val="75000"/>
@@ -1082,7 +1253,7 @@
             </a:lvl7pPr>
             <a:lvl8pPr marL="3200400" indent="0">
               <a:buNone/>
-              <a:defRPr sz="1600">
+              <a:defRPr sz="1400">
                 <a:solidFill>
                   <a:schemeClr val="tx1">
                     <a:tint val="75000"/>
@@ -1092,7 +1263,7 @@
             </a:lvl8pPr>
             <a:lvl9pPr marL="3657600" indent="0">
               <a:buNone/>
-              <a:defRPr sz="1600">
+              <a:defRPr sz="1400">
                 <a:solidFill>
                   <a:schemeClr val="tx1">
                     <a:tint val="75000"/>
@@ -1110,15 +1281,59 @@
           </a:p>
         </p:txBody>
       </p:sp>
-      <p:sp>
-        <p:nvSpPr>
-          <p:cNvPr id="4" name="Date Placeholder 3">
+      <p:cxnSp>
+        <p:nvCxnSpPr>
+          <p:cNvPr id="9" name="Straight Connector 8">
             <a:extLst>
               <a:ext uri="{FF2B5EF4-FFF2-40B4-BE49-F238E27FC236}">
-                <a16:creationId xmlns:a16="http://schemas.microsoft.com/office/drawing/2014/main" id="{5412AB10-A768-49F8-9BE8-CC1CEC0A6215}"/>
+                <a16:creationId xmlns:a16="http://schemas.microsoft.com/office/drawing/2014/main" id="{459DE2C1-4C52-40A3-8959-27B2C1BEBFF6}"/>
               </a:ext>
             </a:extLst>
           </p:cNvPr>
+          <p:cNvCxnSpPr/>
+          <p:nvPr/>
+        </p:nvCxnSpPr>
+        <p:spPr>
+          <a:xfrm>
+            <a:off x="1207658" y="4485132"/>
+            <a:ext cx="9875520" cy="0"/>
+          </a:xfrm>
+          <a:prstGeom prst="line">
+            <a:avLst/>
+          </a:prstGeom>
+          <a:ln w="12700">
+            <a:solidFill>
+              <a:schemeClr val="tx1">
+                <a:lumMod val="75000"/>
+                <a:lumOff val="25000"/>
+              </a:schemeClr>
+            </a:solidFill>
+          </a:ln>
+        </p:spPr>
+        <p:style>
+          <a:lnRef idx="1">
+            <a:schemeClr val="accent1"/>
+          </a:lnRef>
+          <a:fillRef idx="0">
+            <a:schemeClr val="accent1"/>
+          </a:fillRef>
+          <a:effectRef idx="0">
+            <a:schemeClr val="accent1"/>
+          </a:effectRef>
+          <a:fontRef idx="minor">
+            <a:schemeClr val="tx1"/>
+          </a:fontRef>
+        </p:style>
+      </p:cxnSp>
+      <p:sp>
+        <p:nvSpPr>
+          <p:cNvPr id="7" name="Date Placeholder 6">
+            <a:extLst>
+              <a:ext uri="{FF2B5EF4-FFF2-40B4-BE49-F238E27FC236}">
+                <a16:creationId xmlns:a16="http://schemas.microsoft.com/office/drawing/2014/main" id="{AAF2E137-EC28-48F8-9198-1F02539029B6}"/>
+              </a:ext>
+            </a:extLst>
+          </p:cNvPr>
           <p:cNvSpPr>
             <a:spLocks noGrp="1"/>
           </p:cNvSpPr>
@@ -1131,20 +1346,20 @@
           <a:bodyPr/>
           <a:lstStyle/>
           <a:p>
-            <a:fld id="{20AC8E2E-539B-4AD0-BFB0-D5F6E1DAB194}" type="datetimeFigureOut">
+            <a:fld id="{97669AF7-7BEB-44E4-9852-375E34362B5B}" type="datetime1">
               <a:rPr lang="en-US" smtClean="0"/>
-              <a:t>12/18/2019</a:t>
+              <a:t>12/29/2019</a:t>
             </a:fld>
-            <a:endParaRPr lang="en-US"/>
-          </a:p>
-        </p:txBody>
-      </p:sp>
-      <p:sp>
-        <p:nvSpPr>
-          <p:cNvPr id="5" name="Footer Placeholder 4">
+            <a:endParaRPr lang="en-US" dirty="0"/>
+          </a:p>
+        </p:txBody>
+      </p:sp>
+      <p:sp>
+        <p:nvSpPr>
+          <p:cNvPr id="8" name="Footer Placeholder 7">
             <a:extLst>
               <a:ext uri="{FF2B5EF4-FFF2-40B4-BE49-F238E27FC236}">
-                <a16:creationId xmlns:a16="http://schemas.microsoft.com/office/drawing/2014/main" id="{FF1E2471-823F-4A47-9384-6EEB5CE4F679}"/>
+                <a16:creationId xmlns:a16="http://schemas.microsoft.com/office/drawing/2014/main" id="{189422CD-6F62-4DD6-89EF-07A60B42D219}"/>
               </a:ext>
             </a:extLst>
           </p:cNvPr>
@@ -1160,16 +1375,16 @@
           <a:bodyPr/>
           <a:lstStyle/>
           <a:p>
-            <a:endParaRPr lang="en-US"/>
-          </a:p>
-        </p:txBody>
-      </p:sp>
-      <p:sp>
-        <p:nvSpPr>
-          <p:cNvPr id="6" name="Slide Number Placeholder 5">
+            <a:endParaRPr lang="en-US" dirty="0"/>
+          </a:p>
+        </p:txBody>
+      </p:sp>
+      <p:sp>
+        <p:nvSpPr>
+          <p:cNvPr id="11" name="Slide Number Placeholder 10">
             <a:extLst>
               <a:ext uri="{FF2B5EF4-FFF2-40B4-BE49-F238E27FC236}">
-                <a16:creationId xmlns:a16="http://schemas.microsoft.com/office/drawing/2014/main" id="{0DA320EB-47EB-4C0B-AE19-DFD550A9AD22}"/>
+                <a16:creationId xmlns:a16="http://schemas.microsoft.com/office/drawing/2014/main" id="{69C6AFF8-42B4-4D05-969B-9F5FB3355555}"/>
               </a:ext>
             </a:extLst>
           </p:cNvPr>
@@ -1185,18 +1400,18 @@
           <a:bodyPr/>
           <a:lstStyle/>
           <a:p>
-            <a:fld id="{0CDBE20B-DD69-471F-AA8B-DBB03C93429C}" type="slidenum">
+            <a:fld id="{3A98EE3D-8CD1-4C3F-BD1C-C98C9596463C}" type="slidenum">
               <a:rPr lang="en-US" smtClean="0"/>
               <a:t>‹#›</a:t>
             </a:fld>
-            <a:endParaRPr lang="en-US"/>
+            <a:endParaRPr lang="en-US" dirty="0"/>
           </a:p>
         </p:txBody>
       </p:sp>
     </p:spTree>
     <p:extLst>
       <p:ext uri="{BB962C8B-B14F-4D97-AF65-F5344CB8AC3E}">
-        <p14:creationId xmlns:p14="http://schemas.microsoft.com/office/powerpoint/2010/main" val="101356210"/>
+        <p14:creationId xmlns:p14="http://schemas.microsoft.com/office/powerpoint/2010/main" val="231664524"/>
       </p:ext>
     </p:extLst>
   </p:cSld>
@@ -1225,114 +1440,46 @@
       </p:grpSpPr>
       <p:sp>
         <p:nvSpPr>
-          <p:cNvPr id="2" name="Title 1">
-            <a:extLst>
-              <a:ext uri="{FF2B5EF4-FFF2-40B4-BE49-F238E27FC236}">
-                <a16:creationId xmlns:a16="http://schemas.microsoft.com/office/drawing/2014/main" id="{AB8F4265-1103-44A6-97F5-3C509C5C0AE2}"/>
-              </a:ext>
-            </a:extLst>
-          </p:cNvPr>
+          <p:cNvPr id="8" name="Title 7"/>
           <p:cNvSpPr>
             <a:spLocks noGrp="1"/>
           </p:cNvSpPr>
           <p:nvPr>
             <p:ph type="title"/>
-          </p:nvPr>
-        </p:nvSpPr>
-        <p:spPr/>
-        <p:txBody>
-          <a:bodyPr/>
-          <a:lstStyle/>
-          <a:p>
-            <a:r>
-              <a:rPr lang="en-US"/>
-              <a:t>Click to edit Master title style</a:t>
-            </a:r>
-          </a:p>
-        </p:txBody>
-      </p:sp>
-      <p:sp>
-        <p:nvSpPr>
-          <p:cNvPr id="3" name="Content Placeholder 2">
-            <a:extLst>
-              <a:ext uri="{FF2B5EF4-FFF2-40B4-BE49-F238E27FC236}">
-                <a16:creationId xmlns:a16="http://schemas.microsoft.com/office/drawing/2014/main" id="{193B5C55-7A76-4974-811D-F14984D2564A}"/>
-              </a:ext>
-            </a:extLst>
-          </p:cNvPr>
-          <p:cNvSpPr>
-            <a:spLocks noGrp="1"/>
-          </p:cNvSpPr>
-          <p:nvPr>
-            <p:ph sz="half" idx="1"/>
           </p:nvPr>
         </p:nvSpPr>
         <p:spPr>
           <a:xfrm>
-            <a:off x="838200" y="1825625"/>
-            <a:ext cx="5181600" cy="4351338"/>
+            <a:off x="1097280" y="286603"/>
+            <a:ext cx="10058400" cy="1450757"/>
           </a:xfrm>
         </p:spPr>
         <p:txBody>
           <a:bodyPr/>
           <a:lstStyle/>
           <a:p>
-            <a:pPr lvl="0"/>
-            <a:r>
-              <a:rPr lang="en-US"/>
-              <a:t>Click to edit Master text styles</a:t>
-            </a:r>
-          </a:p>
-          <a:p>
-            <a:pPr lvl="1"/>
-            <a:r>
-              <a:rPr lang="en-US"/>
-              <a:t>Second level</a:t>
-            </a:r>
-          </a:p>
-          <a:p>
-            <a:pPr lvl="2"/>
-            <a:r>
-              <a:rPr lang="en-US"/>
-              <a:t>Third level</a:t>
-            </a:r>
-          </a:p>
-          <a:p>
-            <a:pPr lvl="3"/>
-            <a:r>
-              <a:rPr lang="en-US"/>
-              <a:t>Fourth level</a:t>
-            </a:r>
-          </a:p>
-          <a:p>
-            <a:pPr lvl="4"/>
-            <a:r>
-              <a:rPr lang="en-US"/>
-              <a:t>Fifth level</a:t>
-            </a:r>
-          </a:p>
-        </p:txBody>
-      </p:sp>
-      <p:sp>
-        <p:nvSpPr>
-          <p:cNvPr id="4" name="Content Placeholder 3">
-            <a:extLst>
-              <a:ext uri="{FF2B5EF4-FFF2-40B4-BE49-F238E27FC236}">
-                <a16:creationId xmlns:a16="http://schemas.microsoft.com/office/drawing/2014/main" id="{4778E3F6-284F-40E1-9F11-31CE29F4CFCE}"/>
-              </a:ext>
-            </a:extLst>
-          </p:cNvPr>
-          <p:cNvSpPr>
-            <a:spLocks noGrp="1"/>
-          </p:cNvSpPr>
-          <p:nvPr>
-            <p:ph sz="half" idx="2"/>
+            <a:r>
+              <a:rPr lang="en-US"/>
+              <a:t>Click to edit Master title style</a:t>
+            </a:r>
+            <a:endParaRPr lang="en-US" dirty="0"/>
+          </a:p>
+        </p:txBody>
+      </p:sp>
+      <p:sp>
+        <p:nvSpPr>
+          <p:cNvPr id="3" name="Content Placeholder 2"/>
+          <p:cNvSpPr>
+            <a:spLocks noGrp="1"/>
+          </p:cNvSpPr>
+          <p:nvPr>
+            <p:ph sz="half" idx="1"/>
           </p:nvPr>
         </p:nvSpPr>
         <p:spPr>
           <a:xfrm>
-            <a:off x="6172200" y="1825625"/>
-            <a:ext cx="5181600" cy="4351338"/>
+            <a:off x="1097280" y="2120900"/>
+            <a:ext cx="4639736" cy="3748193"/>
           </a:xfrm>
         </p:spPr>
         <p:txBody>
@@ -1372,15 +1519,73 @@
               <a:rPr lang="en-US"/>
               <a:t>Fifth level</a:t>
             </a:r>
-          </a:p>
-        </p:txBody>
-      </p:sp>
-      <p:sp>
-        <p:nvSpPr>
-          <p:cNvPr id="5" name="Date Placeholder 4">
+            <a:endParaRPr lang="en-US" dirty="0"/>
+          </a:p>
+        </p:txBody>
+      </p:sp>
+      <p:sp>
+        <p:nvSpPr>
+          <p:cNvPr id="4" name="Content Placeholder 3"/>
+          <p:cNvSpPr>
+            <a:spLocks noGrp="1"/>
+          </p:cNvSpPr>
+          <p:nvPr>
+            <p:ph sz="half" idx="2"/>
+          </p:nvPr>
+        </p:nvSpPr>
+        <p:spPr>
+          <a:xfrm>
+            <a:off x="6515944" y="2120900"/>
+            <a:ext cx="4639736" cy="3748194"/>
+          </a:xfrm>
+        </p:spPr>
+        <p:txBody>
+          <a:bodyPr/>
+          <a:lstStyle/>
+          <a:p>
+            <a:pPr lvl="0"/>
+            <a:r>
+              <a:rPr lang="en-US"/>
+              <a:t>Click to edit Master text styles</a:t>
+            </a:r>
+          </a:p>
+          <a:p>
+            <a:pPr lvl="1"/>
+            <a:r>
+              <a:rPr lang="en-US"/>
+              <a:t>Second level</a:t>
+            </a:r>
+          </a:p>
+          <a:p>
+            <a:pPr lvl="2"/>
+            <a:r>
+              <a:rPr lang="en-US"/>
+              <a:t>Third level</a:t>
+            </a:r>
+          </a:p>
+          <a:p>
+            <a:pPr lvl="3"/>
+            <a:r>
+              <a:rPr lang="en-US"/>
+              <a:t>Fourth level</a:t>
+            </a:r>
+          </a:p>
+          <a:p>
+            <a:pPr lvl="4"/>
+            <a:r>
+              <a:rPr lang="en-US"/>
+              <a:t>Fifth level</a:t>
+            </a:r>
+            <a:endParaRPr lang="en-US" dirty="0"/>
+          </a:p>
+        </p:txBody>
+      </p:sp>
+      <p:sp>
+        <p:nvSpPr>
+          <p:cNvPr id="2" name="Date Placeholder 1">
             <a:extLst>
               <a:ext uri="{FF2B5EF4-FFF2-40B4-BE49-F238E27FC236}">
-                <a16:creationId xmlns:a16="http://schemas.microsoft.com/office/drawing/2014/main" id="{D6590AE2-8948-40F6-9FA7-4788EE360B6D}"/>
+                <a16:creationId xmlns:a16="http://schemas.microsoft.com/office/drawing/2014/main" id="{5782D47D-B0DC-4C40-BCC6-BBBA32584A38}"/>
               </a:ext>
             </a:extLst>
           </p:cNvPr>
@@ -1396,20 +1601,20 @@
           <a:bodyPr/>
           <a:lstStyle/>
           <a:p>
-            <a:fld id="{20AC8E2E-539B-4AD0-BFB0-D5F6E1DAB194}" type="datetimeFigureOut">
+            <a:fld id="{BAAAC38D-0552-4C82-B593-E6124DFADBE2}" type="datetime1">
               <a:rPr lang="en-US" smtClean="0"/>
-              <a:t>12/18/2019</a:t>
+              <a:t>12/29/2019</a:t>
             </a:fld>
-            <a:endParaRPr lang="en-US"/>
-          </a:p>
-        </p:txBody>
-      </p:sp>
-      <p:sp>
-        <p:nvSpPr>
-          <p:cNvPr id="6" name="Footer Placeholder 5">
+            <a:endParaRPr lang="en-US" dirty="0"/>
+          </a:p>
+        </p:txBody>
+      </p:sp>
+      <p:sp>
+        <p:nvSpPr>
+          <p:cNvPr id="9" name="Footer Placeholder 8">
             <a:extLst>
               <a:ext uri="{FF2B5EF4-FFF2-40B4-BE49-F238E27FC236}">
-                <a16:creationId xmlns:a16="http://schemas.microsoft.com/office/drawing/2014/main" id="{C7D2AA54-3BC6-468A-898F-E0E3ED35606A}"/>
+                <a16:creationId xmlns:a16="http://schemas.microsoft.com/office/drawing/2014/main" id="{4690D34E-7EBD-44B2-83CA-4C126A18D7EF}"/>
               </a:ext>
             </a:extLst>
           </p:cNvPr>
@@ -1425,16 +1630,16 @@
           <a:bodyPr/>
           <a:lstStyle/>
           <a:p>
-            <a:endParaRPr lang="en-US"/>
-          </a:p>
-        </p:txBody>
-      </p:sp>
-      <p:sp>
-        <p:nvSpPr>
-          <p:cNvPr id="7" name="Slide Number Placeholder 6">
+            <a:endParaRPr lang="en-US" dirty="0"/>
+          </a:p>
+        </p:txBody>
+      </p:sp>
+      <p:sp>
+        <p:nvSpPr>
+          <p:cNvPr id="10" name="Slide Number Placeholder 9">
             <a:extLst>
               <a:ext uri="{FF2B5EF4-FFF2-40B4-BE49-F238E27FC236}">
-                <a16:creationId xmlns:a16="http://schemas.microsoft.com/office/drawing/2014/main" id="{D9DEE88B-EDF3-4B95-BE35-309B7577EB6D}"/>
+                <a16:creationId xmlns:a16="http://schemas.microsoft.com/office/drawing/2014/main" id="{2AC511A1-9BBD-42DE-92FB-2AF44F8E97A9}"/>
               </a:ext>
             </a:extLst>
           </p:cNvPr>
@@ -1450,18 +1655,18 @@
           <a:bodyPr/>
           <a:lstStyle/>
           <a:p>
-            <a:fld id="{0CDBE20B-DD69-471F-AA8B-DBB03C93429C}" type="slidenum">
+            <a:fld id="{3A98EE3D-8CD1-4C3F-BD1C-C98C9596463C}" type="slidenum">
               <a:rPr lang="en-US" smtClean="0"/>
               <a:t>‹#›</a:t>
             </a:fld>
-            <a:endParaRPr lang="en-US"/>
+            <a:endParaRPr lang="en-US" dirty="0"/>
           </a:p>
         </p:txBody>
       </p:sp>
     </p:spTree>
     <p:extLst>
       <p:ext uri="{BB962C8B-B14F-4D97-AF65-F5344CB8AC3E}">
-        <p14:creationId xmlns:p14="http://schemas.microsoft.com/office/powerpoint/2010/main" val="2824546300"/>
+        <p14:creationId xmlns:p14="http://schemas.microsoft.com/office/powerpoint/2010/main" val="274891580"/>
       </p:ext>
     </p:extLst>
   </p:cSld>
@@ -1490,13 +1695,7 @@
       </p:grpSpPr>
       <p:sp>
         <p:nvSpPr>
-          <p:cNvPr id="2" name="Title 1">
-            <a:extLst>
-              <a:ext uri="{FF2B5EF4-FFF2-40B4-BE49-F238E27FC236}">
-                <a16:creationId xmlns:a16="http://schemas.microsoft.com/office/drawing/2014/main" id="{E6F97564-6C85-49A2-8AE2-1D803917FCAC}"/>
-              </a:ext>
-            </a:extLst>
-          </p:cNvPr>
+          <p:cNvPr id="10" name="Title 9"/>
           <p:cNvSpPr>
             <a:spLocks noGrp="1"/>
           </p:cNvSpPr>
@@ -1506,8 +1705,8 @@
         </p:nvSpPr>
         <p:spPr>
           <a:xfrm>
-            <a:off x="839788" y="365125"/>
-            <a:ext cx="10515600" cy="1325563"/>
+            <a:off x="1097280" y="286603"/>
+            <a:ext cx="10058400" cy="1450757"/>
           </a:xfrm>
         </p:spPr>
         <p:txBody>
@@ -1518,18 +1717,13 @@
               <a:rPr lang="en-US"/>
               <a:t>Click to edit Master title style</a:t>
             </a:r>
-          </a:p>
-        </p:txBody>
-      </p:sp>
-      <p:sp>
-        <p:nvSpPr>
-          <p:cNvPr id="3" name="Text Placeholder 2">
-            <a:extLst>
-              <a:ext uri="{FF2B5EF4-FFF2-40B4-BE49-F238E27FC236}">
-                <a16:creationId xmlns:a16="http://schemas.microsoft.com/office/drawing/2014/main" id="{625642DB-F10F-4AD5-9A9A-25FCE584E91B}"/>
-              </a:ext>
-            </a:extLst>
-          </p:cNvPr>
+            <a:endParaRPr lang="en-US" dirty="0"/>
+          </a:p>
+        </p:txBody>
+      </p:sp>
+      <p:sp>
+        <p:nvSpPr>
+          <p:cNvPr id="3" name="Text Placeholder 2"/>
           <p:cNvSpPr>
             <a:spLocks noGrp="1"/>
           </p:cNvSpPr>
@@ -1539,16 +1733,22 @@
         </p:nvSpPr>
         <p:spPr>
           <a:xfrm>
-            <a:off x="839788" y="1681163"/>
-            <a:ext cx="5157787" cy="823912"/>
+            <a:off x="1097280" y="2057400"/>
+            <a:ext cx="4639736" cy="736282"/>
           </a:xfrm>
         </p:spPr>
         <p:txBody>
-          <a:bodyPr anchor="b"/>
+          <a:bodyPr lIns="91440" rIns="91440" anchor="ctr">
+            <a:normAutofit/>
+          </a:bodyPr>
           <a:lstStyle>
             <a:lvl1pPr marL="0" indent="0">
               <a:buNone/>
-              <a:defRPr sz="2400" b="1"/>
+              <a:defRPr sz="2000" b="0" cap="all" baseline="0">
+                <a:solidFill>
+                  <a:schemeClr val="tx1"/>
+                </a:solidFill>
+              </a:defRPr>
             </a:lvl1pPr>
             <a:lvl2pPr marL="457200" indent="0">
               <a:buNone/>
@@ -1594,13 +1794,7 @@
       </p:sp>
       <p:sp>
         <p:nvSpPr>
-          <p:cNvPr id="4" name="Content Placeholder 3">
-            <a:extLst>
-              <a:ext uri="{FF2B5EF4-FFF2-40B4-BE49-F238E27FC236}">
-                <a16:creationId xmlns:a16="http://schemas.microsoft.com/office/drawing/2014/main" id="{518E21FC-1F7E-40F2-90AA-5BD1A37B4C24}"/>
-              </a:ext>
-            </a:extLst>
-          </p:cNvPr>
+          <p:cNvPr id="4" name="Content Placeholder 3"/>
           <p:cNvSpPr>
             <a:spLocks noGrp="1"/>
           </p:cNvSpPr>
@@ -1610,8 +1804,8 @@
         </p:nvSpPr>
         <p:spPr>
           <a:xfrm>
-            <a:off x="839788" y="2505075"/>
-            <a:ext cx="5157787" cy="3684588"/>
+            <a:off x="1097280" y="2958274"/>
+            <a:ext cx="4639736" cy="2910821"/>
           </a:xfrm>
         </p:spPr>
         <p:txBody>
@@ -1651,18 +1845,13 @@
               <a:rPr lang="en-US"/>
               <a:t>Fifth level</a:t>
             </a:r>
-          </a:p>
-        </p:txBody>
-      </p:sp>
-      <p:sp>
-        <p:nvSpPr>
-          <p:cNvPr id="5" name="Text Placeholder 4">
-            <a:extLst>
-              <a:ext uri="{FF2B5EF4-FFF2-40B4-BE49-F238E27FC236}">
-                <a16:creationId xmlns:a16="http://schemas.microsoft.com/office/drawing/2014/main" id="{42EA8A43-7BDC-4480-BFFD-595F4B6990F8}"/>
-              </a:ext>
-            </a:extLst>
-          </p:cNvPr>
+            <a:endParaRPr lang="en-US" dirty="0"/>
+          </a:p>
+        </p:txBody>
+      </p:sp>
+      <p:sp>
+        <p:nvSpPr>
+          <p:cNvPr id="5" name="Text Placeholder 4"/>
           <p:cNvSpPr>
             <a:spLocks noGrp="1"/>
           </p:cNvSpPr>
@@ -1672,16 +1861,22 @@
         </p:nvSpPr>
         <p:spPr>
           <a:xfrm>
-            <a:off x="6172200" y="1681163"/>
-            <a:ext cx="5183188" cy="823912"/>
+            <a:off x="6515944" y="2057400"/>
+            <a:ext cx="4639736" cy="736282"/>
           </a:xfrm>
         </p:spPr>
         <p:txBody>
-          <a:bodyPr anchor="b"/>
+          <a:bodyPr lIns="91440" rIns="91440" anchor="ctr">
+            <a:normAutofit/>
+          </a:bodyPr>
           <a:lstStyle>
             <a:lvl1pPr marL="0" indent="0">
               <a:buNone/>
-              <a:defRPr sz="2400" b="1"/>
+              <a:defRPr sz="2000" b="0" cap="all" baseline="0">
+                <a:solidFill>
+                  <a:schemeClr val="tx1"/>
+                </a:solidFill>
+              </a:defRPr>
             </a:lvl1pPr>
             <a:lvl2pPr marL="457200" indent="0">
               <a:buNone/>
@@ -1727,13 +1922,7 @@
       </p:sp>
       <p:sp>
         <p:nvSpPr>
-          <p:cNvPr id="6" name="Content Placeholder 5">
-            <a:extLst>
-              <a:ext uri="{FF2B5EF4-FFF2-40B4-BE49-F238E27FC236}">
-                <a16:creationId xmlns:a16="http://schemas.microsoft.com/office/drawing/2014/main" id="{C4AB3103-A77A-4691-96FD-A0E265A663A5}"/>
-              </a:ext>
-            </a:extLst>
-          </p:cNvPr>
+          <p:cNvPr id="6" name="Content Placeholder 5"/>
           <p:cNvSpPr>
             <a:spLocks noGrp="1"/>
           </p:cNvSpPr>
@@ -1743,8 +1932,8 @@
         </p:nvSpPr>
         <p:spPr>
           <a:xfrm>
-            <a:off x="6172200" y="2505075"/>
-            <a:ext cx="5183188" cy="3684588"/>
+            <a:off x="6515944" y="2958273"/>
+            <a:ext cx="4639736" cy="2910821"/>
           </a:xfrm>
         </p:spPr>
         <p:txBody>
@@ -1784,15 +1973,16 @@
               <a:rPr lang="en-US"/>
               <a:t>Fifth level</a:t>
             </a:r>
-          </a:p>
-        </p:txBody>
-      </p:sp>
-      <p:sp>
-        <p:nvSpPr>
-          <p:cNvPr id="7" name="Date Placeholder 6">
+            <a:endParaRPr lang="en-US" dirty="0"/>
+          </a:p>
+        </p:txBody>
+      </p:sp>
+      <p:sp>
+        <p:nvSpPr>
+          <p:cNvPr id="2" name="Date Placeholder 1">
             <a:extLst>
               <a:ext uri="{FF2B5EF4-FFF2-40B4-BE49-F238E27FC236}">
-                <a16:creationId xmlns:a16="http://schemas.microsoft.com/office/drawing/2014/main" id="{25E8441E-EDC4-43C1-BA08-B580FFB0D93B}"/>
+                <a16:creationId xmlns:a16="http://schemas.microsoft.com/office/drawing/2014/main" id="{8AF8A515-AA94-45D1-9223-5C2272618D85}"/>
               </a:ext>
             </a:extLst>
           </p:cNvPr>
@@ -1808,20 +1998,20 @@
           <a:bodyPr/>
           <a:lstStyle/>
           <a:p>
-            <a:fld id="{20AC8E2E-539B-4AD0-BFB0-D5F6E1DAB194}" type="datetimeFigureOut">
+            <a:fld id="{D9DF0F1C-5577-4ACB-BB62-DF8F3C494C7E}" type="datetime1">
               <a:rPr lang="en-US" smtClean="0"/>
-              <a:t>12/18/2019</a:t>
+              <a:t>12/29/2019</a:t>
             </a:fld>
-            <a:endParaRPr lang="en-US"/>
-          </a:p>
-        </p:txBody>
-      </p:sp>
-      <p:sp>
-        <p:nvSpPr>
-          <p:cNvPr id="8" name="Footer Placeholder 7">
+            <a:endParaRPr lang="en-US" dirty="0"/>
+          </a:p>
+        </p:txBody>
+      </p:sp>
+      <p:sp>
+        <p:nvSpPr>
+          <p:cNvPr id="11" name="Footer Placeholder 10">
             <a:extLst>
               <a:ext uri="{FF2B5EF4-FFF2-40B4-BE49-F238E27FC236}">
-                <a16:creationId xmlns:a16="http://schemas.microsoft.com/office/drawing/2014/main" id="{6229E5CB-C57E-4C02-9F03-58E144CDE35C}"/>
+                <a16:creationId xmlns:a16="http://schemas.microsoft.com/office/drawing/2014/main" id="{D052F5BC-98E0-4D60-AD67-9547738B7DD4}"/>
               </a:ext>
             </a:extLst>
           </p:cNvPr>
@@ -1837,16 +2027,16 @@
           <a:bodyPr/>
           <a:lstStyle/>
           <a:p>
-            <a:endParaRPr lang="en-US"/>
-          </a:p>
-        </p:txBody>
-      </p:sp>
-      <p:sp>
-        <p:nvSpPr>
-          <p:cNvPr id="9" name="Slide Number Placeholder 8">
+            <a:endParaRPr lang="en-US" dirty="0"/>
+          </a:p>
+        </p:txBody>
+      </p:sp>
+      <p:sp>
+        <p:nvSpPr>
+          <p:cNvPr id="12" name="Slide Number Placeholder 11">
             <a:extLst>
               <a:ext uri="{FF2B5EF4-FFF2-40B4-BE49-F238E27FC236}">
-                <a16:creationId xmlns:a16="http://schemas.microsoft.com/office/drawing/2014/main" id="{728B803A-4CF6-4547-B6B8-01D6A9EF8670}"/>
+                <a16:creationId xmlns:a16="http://schemas.microsoft.com/office/drawing/2014/main" id="{A38552DC-952E-41EA-AAAF-C2187523C0B0}"/>
               </a:ext>
             </a:extLst>
           </p:cNvPr>
@@ -1862,18 +2052,18 @@
           <a:bodyPr/>
           <a:lstStyle/>
           <a:p>
-            <a:fld id="{0CDBE20B-DD69-471F-AA8B-DBB03C93429C}" type="slidenum">
+            <a:fld id="{3A98EE3D-8CD1-4C3F-BD1C-C98C9596463C}" type="slidenum">
               <a:rPr lang="en-US" smtClean="0"/>
               <a:t>‹#›</a:t>
             </a:fld>
-            <a:endParaRPr lang="en-US"/>
+            <a:endParaRPr lang="en-US" dirty="0"/>
           </a:p>
         </p:txBody>
       </p:sp>
     </p:spTree>
     <p:extLst>
       <p:ext uri="{BB962C8B-B14F-4D97-AF65-F5344CB8AC3E}">
-        <p14:creationId xmlns:p14="http://schemas.microsoft.com/office/powerpoint/2010/main" val="2067001140"/>
+        <p14:creationId xmlns:p14="http://schemas.microsoft.com/office/powerpoint/2010/main" val="3836046287"/>
       </p:ext>
     </p:extLst>
   </p:cSld>
@@ -1902,10 +2092,33 @@
       </p:grpSpPr>
       <p:sp>
         <p:nvSpPr>
-          <p:cNvPr id="2" name="Title 1">
+          <p:cNvPr id="2" name="Title 1"/>
+          <p:cNvSpPr>
+            <a:spLocks noGrp="1"/>
+          </p:cNvSpPr>
+          <p:nvPr>
+            <p:ph type="title"/>
+          </p:nvPr>
+        </p:nvSpPr>
+        <p:spPr/>
+        <p:txBody>
+          <a:bodyPr/>
+          <a:lstStyle/>
+          <a:p>
+            <a:r>
+              <a:rPr lang="en-US"/>
+              <a:t>Click to edit Master title style</a:t>
+            </a:r>
+            <a:endParaRPr lang="en-US" dirty="0"/>
+          </a:p>
+        </p:txBody>
+      </p:sp>
+      <p:sp>
+        <p:nvSpPr>
+          <p:cNvPr id="6" name="Date Placeholder 5">
             <a:extLst>
               <a:ext uri="{FF2B5EF4-FFF2-40B4-BE49-F238E27FC236}">
-                <a16:creationId xmlns:a16="http://schemas.microsoft.com/office/drawing/2014/main" id="{C1CD7118-4773-48E1-8DBF-AB0EB8B597E8}"/>
+                <a16:creationId xmlns:a16="http://schemas.microsoft.com/office/drawing/2014/main" id="{7392073F-158F-44A3-8913-917AFFC1BC20}"/>
               </a:ext>
             </a:extLst>
           </p:cNvPr>
@@ -1913,7 +2126,7 @@
             <a:spLocks noGrp="1"/>
           </p:cNvSpPr>
           <p:nvPr>
-            <p:ph type="title"/>
+            <p:ph type="dt" sz="half" idx="10"/>
           </p:nvPr>
         </p:nvSpPr>
         <p:spPr/>
@@ -1921,19 +2134,20 @@
           <a:bodyPr/>
           <a:lstStyle/>
           <a:p>
-            <a:r>
-              <a:rPr lang="en-US"/>
-              <a:t>Click to edit Master title style</a:t>
-            </a:r>
-          </a:p>
-        </p:txBody>
-      </p:sp>
-      <p:sp>
-        <p:nvSpPr>
-          <p:cNvPr id="3" name="Date Placeholder 2">
+            <a:fld id="{1775B394-D9F9-4F0C-B15D-605F45CB9E9F}" type="datetime1">
+              <a:rPr lang="en-US" smtClean="0"/>
+              <a:t>12/29/2019</a:t>
+            </a:fld>
+            <a:endParaRPr lang="en-US" dirty="0"/>
+          </a:p>
+        </p:txBody>
+      </p:sp>
+      <p:sp>
+        <p:nvSpPr>
+          <p:cNvPr id="7" name="Footer Placeholder 6">
             <a:extLst>
               <a:ext uri="{FF2B5EF4-FFF2-40B4-BE49-F238E27FC236}">
-                <a16:creationId xmlns:a16="http://schemas.microsoft.com/office/drawing/2014/main" id="{BDE68FD5-E0FA-433E-B27D-7EAD2C3656B7}"/>
+                <a16:creationId xmlns:a16="http://schemas.microsoft.com/office/drawing/2014/main" id="{EED72207-24CA-42B7-A975-2F8E41CBA904}"/>
               </a:ext>
             </a:extLst>
           </p:cNvPr>
@@ -1941,7 +2155,7 @@
             <a:spLocks noGrp="1"/>
           </p:cNvSpPr>
           <p:nvPr>
-            <p:ph type="dt" sz="half" idx="10"/>
+            <p:ph type="ftr" sz="quarter" idx="11"/>
           </p:nvPr>
         </p:nvSpPr>
         <p:spPr/>
@@ -1949,20 +2163,16 @@
           <a:bodyPr/>
           <a:lstStyle/>
           <a:p>
-            <a:fld id="{20AC8E2E-539B-4AD0-BFB0-D5F6E1DAB194}" type="datetimeFigureOut">
-              <a:rPr lang="en-US" smtClean="0"/>
-              <a:t>12/18/2019</a:t>
-            </a:fld>
-            <a:endParaRPr lang="en-US"/>
-          </a:p>
-        </p:txBody>
-      </p:sp>
-      <p:sp>
-        <p:nvSpPr>
-          <p:cNvPr id="4" name="Footer Placeholder 3">
+            <a:endParaRPr lang="en-US" dirty="0"/>
+          </a:p>
+        </p:txBody>
+      </p:sp>
+      <p:sp>
+        <p:nvSpPr>
+          <p:cNvPr id="8" name="Slide Number Placeholder 7">
             <a:extLst>
               <a:ext uri="{FF2B5EF4-FFF2-40B4-BE49-F238E27FC236}">
-                <a16:creationId xmlns:a16="http://schemas.microsoft.com/office/drawing/2014/main" id="{3BCEBEEF-475E-4E2F-BC14-A448F5903FBC}"/>
+                <a16:creationId xmlns:a16="http://schemas.microsoft.com/office/drawing/2014/main" id="{D01080F2-251A-4B88-9A62-16F46D724F83}"/>
               </a:ext>
             </a:extLst>
           </p:cNvPr>
@@ -1970,7 +2180,7 @@
             <a:spLocks noGrp="1"/>
           </p:cNvSpPr>
           <p:nvPr>
-            <p:ph type="ftr" sz="quarter" idx="11"/>
+            <p:ph type="sldNum" sz="quarter" idx="12"/>
           </p:nvPr>
         </p:nvSpPr>
         <p:spPr/>
@@ -1978,43 +2188,18 @@
           <a:bodyPr/>
           <a:lstStyle/>
           <a:p>
-            <a:endParaRPr lang="en-US"/>
-          </a:p>
-        </p:txBody>
-      </p:sp>
-      <p:sp>
-        <p:nvSpPr>
-          <p:cNvPr id="5" name="Slide Number Placeholder 4">
-            <a:extLst>
-              <a:ext uri="{FF2B5EF4-FFF2-40B4-BE49-F238E27FC236}">
-                <a16:creationId xmlns:a16="http://schemas.microsoft.com/office/drawing/2014/main" id="{2C0EC908-63DB-4661-9DDB-0BB8B8BEE1F2}"/>
-              </a:ext>
-            </a:extLst>
-          </p:cNvPr>
-          <p:cNvSpPr>
-            <a:spLocks noGrp="1"/>
-          </p:cNvSpPr>
-          <p:nvPr>
-            <p:ph type="sldNum" sz="quarter" idx="12"/>
-          </p:nvPr>
-        </p:nvSpPr>
-        <p:spPr/>
-        <p:txBody>
-          <a:bodyPr/>
-          <a:lstStyle/>
-          <a:p>
-            <a:fld id="{0CDBE20B-DD69-471F-AA8B-DBB03C93429C}" type="slidenum">
+            <a:fld id="{3A98EE3D-8CD1-4C3F-BD1C-C98C9596463C}" type="slidenum">
               <a:rPr lang="en-US" smtClean="0"/>
               <a:t>‹#›</a:t>
             </a:fld>
-            <a:endParaRPr lang="en-US"/>
+            <a:endParaRPr lang="en-US" dirty="0"/>
           </a:p>
         </p:txBody>
       </p:sp>
     </p:spTree>
     <p:extLst>
       <p:ext uri="{BB962C8B-B14F-4D97-AF65-F5344CB8AC3E}">
-        <p14:creationId xmlns:p14="http://schemas.microsoft.com/office/powerpoint/2010/main" val="2966730978"/>
+        <p14:creationId xmlns:p14="http://schemas.microsoft.com/office/powerpoint/2010/main" val="631461106"/>
       </p:ext>
     </p:extLst>
   </p:cSld>
@@ -2025,7 +2210,7 @@
 </file>
 
 <file path=ppt/slideLayouts/slideLayout7.xml><?xml version="1.0" encoding="utf-8"?>
-<p:sldLayout xmlns:a="http://schemas.openxmlformats.org/drawingml/2006/main" xmlns:r="http://schemas.openxmlformats.org/officeDocument/2006/relationships" xmlns:p="http://schemas.openxmlformats.org/presentationml/2006/main" type="blank" preserve="1">
+<p:sldLayout xmlns:a="http://schemas.openxmlformats.org/drawingml/2006/main" xmlns:r="http://schemas.openxmlformats.org/officeDocument/2006/relationships" xmlns:p="http://schemas.openxmlformats.org/presentationml/2006/main" showMasterSp="0" type="blank" preserve="1">
   <p:cSld name="Blank">
     <p:spTree>
       <p:nvGrpSpPr>
@@ -2043,10 +2228,54 @@
       </p:grpSpPr>
       <p:sp>
         <p:nvSpPr>
+          <p:cNvPr id="10" name="Rectangle 9">
+            <a:extLst>
+              <a:ext uri="{FF2B5EF4-FFF2-40B4-BE49-F238E27FC236}">
+                <a16:creationId xmlns:a16="http://schemas.microsoft.com/office/drawing/2014/main" id="{A8E9C91B-7EAD-4562-AB0E-DFB9663AECE3}"/>
+              </a:ext>
+            </a:extLst>
+          </p:cNvPr>
+          <p:cNvSpPr/>
+          <p:nvPr/>
+        </p:nvSpPr>
+        <p:spPr>
+          <a:xfrm>
+            <a:off x="3175" y="6400800"/>
+            <a:ext cx="12188825" cy="457200"/>
+          </a:xfrm>
+          <a:prstGeom prst="rect">
+            <a:avLst/>
+          </a:prstGeom>
+          <a:solidFill>
+            <a:srgbClr val="262626"/>
+          </a:solidFill>
+          <a:ln>
+            <a:noFill/>
+          </a:ln>
+        </p:spPr>
+        <p:style>
+          <a:lnRef idx="2">
+            <a:schemeClr val="accent1">
+              <a:shade val="50000"/>
+            </a:schemeClr>
+          </a:lnRef>
+          <a:fillRef idx="1">
+            <a:schemeClr val="accent1"/>
+          </a:fillRef>
+          <a:effectRef idx="0">
+            <a:schemeClr val="accent1"/>
+          </a:effectRef>
+          <a:fontRef idx="minor">
+            <a:schemeClr val="lt1"/>
+          </a:fontRef>
+        </p:style>
+      </p:sp>
+      <p:sp>
+        <p:nvSpPr>
           <p:cNvPr id="2" name="Date Placeholder 1">
             <a:extLst>
               <a:ext uri="{FF2B5EF4-FFF2-40B4-BE49-F238E27FC236}">
-                <a16:creationId xmlns:a16="http://schemas.microsoft.com/office/drawing/2014/main" id="{32B3C828-AD9C-4E91-8353-41F6DE077E2F}"/>
+                <a16:creationId xmlns:a16="http://schemas.microsoft.com/office/drawing/2014/main" id="{94E9223F-721F-47BF-9FD5-0F8D12FF0DE1}"/>
               </a:ext>
             </a:extLst>
           </p:cNvPr>
@@ -2062,11 +2291,11 @@
           <a:bodyPr/>
           <a:lstStyle/>
           <a:p>
-            <a:fld id="{20AC8E2E-539B-4AD0-BFB0-D5F6E1DAB194}" type="datetimeFigureOut">
+            <a:fld id="{39667345-2558-425A-8533-9BFDBCE15005}" type="datetime1">
               <a:rPr lang="en-US" smtClean="0"/>
-              <a:t>12/18/2019</a:t>
+              <a:t>12/29/2019</a:t>
             </a:fld>
-            <a:endParaRPr lang="en-US"/>
+            <a:endParaRPr lang="en-US" dirty="0"/>
           </a:p>
         </p:txBody>
       </p:sp>
@@ -2075,7 +2304,7 @@
           <p:cNvPr id="3" name="Footer Placeholder 2">
             <a:extLst>
               <a:ext uri="{FF2B5EF4-FFF2-40B4-BE49-F238E27FC236}">
-                <a16:creationId xmlns:a16="http://schemas.microsoft.com/office/drawing/2014/main" id="{F0943714-5047-4B04-B475-817F0F01E259}"/>
+                <a16:creationId xmlns:a16="http://schemas.microsoft.com/office/drawing/2014/main" id="{05915714-6BBA-4593-8591-4E26F7D58D9F}"/>
               </a:ext>
             </a:extLst>
           </p:cNvPr>
@@ -2091,7 +2320,7 @@
           <a:bodyPr/>
           <a:lstStyle/>
           <a:p>
-            <a:endParaRPr lang="en-US"/>
+            <a:endParaRPr lang="en-US" dirty="0"/>
           </a:p>
         </p:txBody>
       </p:sp>
@@ -2100,7 +2329,7 @@
           <p:cNvPr id="4" name="Slide Number Placeholder 3">
             <a:extLst>
               <a:ext uri="{FF2B5EF4-FFF2-40B4-BE49-F238E27FC236}">
-                <a16:creationId xmlns:a16="http://schemas.microsoft.com/office/drawing/2014/main" id="{E3AF78A3-FF61-4F2A-A019-7833C33342BE}"/>
+                <a16:creationId xmlns:a16="http://schemas.microsoft.com/office/drawing/2014/main" id="{BE06F857-D2E1-44DD-ABDD-EBB739645B67}"/>
               </a:ext>
             </a:extLst>
           </p:cNvPr>
@@ -2116,18 +2345,18 @@
           <a:bodyPr/>
           <a:lstStyle/>
           <a:p>
-            <a:fld id="{0CDBE20B-DD69-471F-AA8B-DBB03C93429C}" type="slidenum">
+            <a:fld id="{3A98EE3D-8CD1-4C3F-BD1C-C98C9596463C}" type="slidenum">
               <a:rPr lang="en-US" smtClean="0"/>
               <a:t>‹#›</a:t>
             </a:fld>
-            <a:endParaRPr lang="en-US"/>
+            <a:endParaRPr lang="en-US" dirty="0"/>
           </a:p>
         </p:txBody>
       </p:sp>
     </p:spTree>
     <p:extLst>
       <p:ext uri="{BB962C8B-B14F-4D97-AF65-F5344CB8AC3E}">
-        <p14:creationId xmlns:p14="http://schemas.microsoft.com/office/powerpoint/2010/main" val="1207139338"/>
+        <p14:creationId xmlns:p14="http://schemas.microsoft.com/office/powerpoint/2010/main" val="4259464100"/>
       </p:ext>
     </p:extLst>
   </p:cSld>
@@ -2138,7 +2367,7 @@
 </file>
 
 <file path=ppt/slideLayouts/slideLayout8.xml><?xml version="1.0" encoding="utf-8"?>
-<p:sldLayout xmlns:a="http://schemas.openxmlformats.org/drawingml/2006/main" xmlns:r="http://schemas.openxmlformats.org/officeDocument/2006/relationships" xmlns:p="http://schemas.openxmlformats.org/presentationml/2006/main" type="objTx" preserve="1">
+<p:sldLayout xmlns:a="http://schemas.openxmlformats.org/drawingml/2006/main" xmlns:r="http://schemas.openxmlformats.org/officeDocument/2006/relationships" xmlns:p="http://schemas.openxmlformats.org/presentationml/2006/main" showMasterSp="0" type="objTx" preserve="1">
   <p:cSld name="Content with Caption">
     <p:spTree>
       <p:nvGrpSpPr>
@@ -2156,31 +2385,78 @@
       </p:grpSpPr>
       <p:sp>
         <p:nvSpPr>
-          <p:cNvPr id="2" name="Title 1">
+          <p:cNvPr id="8" name="Rectangle 7">
             <a:extLst>
               <a:ext uri="{FF2B5EF4-FFF2-40B4-BE49-F238E27FC236}">
-                <a16:creationId xmlns:a16="http://schemas.microsoft.com/office/drawing/2014/main" id="{B964DE50-6760-4C97-99FD-0550B98F2F4C}"/>
+                <a16:creationId xmlns:a16="http://schemas.microsoft.com/office/drawing/2014/main" id="{16D90D66-BCB9-4229-A829-628874352AC0}"/>
               </a:ext>
             </a:extLst>
           </p:cNvPr>
-          <p:cNvSpPr>
-            <a:spLocks noGrp="1"/>
-          </p:cNvSpPr>
-          <p:nvPr>
-            <p:ph type="title"/>
-          </p:nvPr>
+          <p:cNvSpPr/>
+          <p:nvPr/>
         </p:nvSpPr>
         <p:spPr>
           <a:xfrm>
-            <a:off x="839788" y="457200"/>
-            <a:ext cx="3932237" cy="1600200"/>
+            <a:off x="16" y="0"/>
+            <a:ext cx="4654296" cy="6858000"/>
+          </a:xfrm>
+          <a:prstGeom prst="rect">
+            <a:avLst/>
+          </a:prstGeom>
+          <a:solidFill>
+            <a:srgbClr val="262626"/>
+          </a:solidFill>
+          <a:ln>
+            <a:noFill/>
+          </a:ln>
+        </p:spPr>
+        <p:style>
+          <a:lnRef idx="2">
+            <a:schemeClr val="accent1">
+              <a:shade val="50000"/>
+            </a:schemeClr>
+          </a:lnRef>
+          <a:fillRef idx="1">
+            <a:schemeClr val="accent1"/>
+          </a:fillRef>
+          <a:effectRef idx="0">
+            <a:schemeClr val="accent1"/>
+          </a:effectRef>
+          <a:fontRef idx="minor">
+            <a:schemeClr val="lt1"/>
+          </a:fontRef>
+        </p:style>
+      </p:sp>
+      <p:sp>
+        <p:nvSpPr>
+          <p:cNvPr id="2" name="Title 1"/>
+          <p:cNvSpPr>
+            <a:spLocks noGrp="1"/>
+          </p:cNvSpPr>
+          <p:nvPr>
+            <p:ph type="title"/>
+          </p:nvPr>
+        </p:nvSpPr>
+        <p:spPr>
+          <a:xfrm>
+            <a:off x="643466" y="786383"/>
+            <a:ext cx="3517567" cy="2093975"/>
           </a:xfrm>
         </p:spPr>
         <p:txBody>
-          <a:bodyPr anchor="b"/>
+          <a:bodyPr anchor="b">
+            <a:normAutofit/>
+          </a:bodyPr>
           <a:lstStyle>
             <a:lvl1pPr>
-              <a:defRPr sz="3200"/>
+              <a:lnSpc>
+                <a:spcPct val="90000"/>
+              </a:lnSpc>
+              <a:defRPr sz="3600" b="0">
+                <a:solidFill>
+                  <a:srgbClr val="FFFFFF"/>
+                </a:solidFill>
+              </a:defRPr>
             </a:lvl1pPr>
           </a:lstStyle>
           <a:p>
@@ -2188,18 +2464,13 @@
               <a:rPr lang="en-US"/>
               <a:t>Click to edit Master title style</a:t>
             </a:r>
-          </a:p>
-        </p:txBody>
-      </p:sp>
-      <p:sp>
-        <p:nvSpPr>
-          <p:cNvPr id="3" name="Content Placeholder 2">
-            <a:extLst>
-              <a:ext uri="{FF2B5EF4-FFF2-40B4-BE49-F238E27FC236}">
-                <a16:creationId xmlns:a16="http://schemas.microsoft.com/office/drawing/2014/main" id="{97126F33-6A7C-4741-B449-5D95C9EDBE5C}"/>
-              </a:ext>
-            </a:extLst>
-          </p:cNvPr>
+            <a:endParaRPr lang="en-US" dirty="0"/>
+          </a:p>
+        </p:txBody>
+      </p:sp>
+      <p:sp>
+        <p:nvSpPr>
+          <p:cNvPr id="3" name="Content Placeholder 2"/>
           <p:cNvSpPr>
             <a:spLocks noGrp="1"/>
           </p:cNvSpPr>
@@ -2209,236 +2480,222 @@
         </p:nvSpPr>
         <p:spPr>
           <a:xfrm>
-            <a:off x="5183188" y="987425"/>
-            <a:ext cx="6172200" cy="4873625"/>
+            <a:off x="5458984" y="812799"/>
+            <a:ext cx="5928344" cy="5294757"/>
           </a:xfrm>
         </p:spPr>
+        <p:txBody>
+          <a:bodyPr/>
+          <a:lstStyle/>
+          <a:p>
+            <a:pPr lvl="0"/>
+            <a:r>
+              <a:rPr lang="en-US"/>
+              <a:t>Click to edit Master text styles</a:t>
+            </a:r>
+          </a:p>
+          <a:p>
+            <a:pPr lvl="1"/>
+            <a:r>
+              <a:rPr lang="en-US"/>
+              <a:t>Second level</a:t>
+            </a:r>
+          </a:p>
+          <a:p>
+            <a:pPr lvl="2"/>
+            <a:r>
+              <a:rPr lang="en-US"/>
+              <a:t>Third level</a:t>
+            </a:r>
+          </a:p>
+          <a:p>
+            <a:pPr lvl="3"/>
+            <a:r>
+              <a:rPr lang="en-US"/>
+              <a:t>Fourth level</a:t>
+            </a:r>
+          </a:p>
+          <a:p>
+            <a:pPr lvl="4"/>
+            <a:r>
+              <a:rPr lang="en-US"/>
+              <a:t>Fifth level</a:t>
+            </a:r>
+            <a:endParaRPr lang="en-US" dirty="0"/>
+          </a:p>
+        </p:txBody>
+      </p:sp>
+      <p:sp>
+        <p:nvSpPr>
+          <p:cNvPr id="4" name="Text Placeholder 3"/>
+          <p:cNvSpPr>
+            <a:spLocks noGrp="1"/>
+          </p:cNvSpPr>
+          <p:nvPr>
+            <p:ph type="body" sz="half" idx="2"/>
+          </p:nvPr>
+        </p:nvSpPr>
+        <p:spPr>
+          <a:xfrm>
+            <a:off x="643465" y="3043050"/>
+            <a:ext cx="3517567" cy="3064505"/>
+          </a:xfrm>
+        </p:spPr>
+        <p:txBody>
+          <a:bodyPr lIns="91440" rIns="91440">
+            <a:normAutofit/>
+          </a:bodyPr>
+          <a:lstStyle>
+            <a:lvl1pPr marL="0" indent="0">
+              <a:buNone/>
+              <a:defRPr sz="1800">
+                <a:solidFill>
+                  <a:srgbClr val="FFFFFF"/>
+                </a:solidFill>
+              </a:defRPr>
+            </a:lvl1pPr>
+            <a:lvl2pPr marL="457200" indent="0">
+              <a:buNone/>
+              <a:defRPr sz="1200"/>
+            </a:lvl2pPr>
+            <a:lvl3pPr marL="914400" indent="0">
+              <a:buNone/>
+              <a:defRPr sz="1000"/>
+            </a:lvl3pPr>
+            <a:lvl4pPr marL="1371600" indent="0">
+              <a:buNone/>
+              <a:defRPr sz="900"/>
+            </a:lvl4pPr>
+            <a:lvl5pPr marL="1828800" indent="0">
+              <a:buNone/>
+              <a:defRPr sz="900"/>
+            </a:lvl5pPr>
+            <a:lvl6pPr marL="2286000" indent="0">
+              <a:buNone/>
+              <a:defRPr sz="900"/>
+            </a:lvl6pPr>
+            <a:lvl7pPr marL="2743200" indent="0">
+              <a:buNone/>
+              <a:defRPr sz="900"/>
+            </a:lvl7pPr>
+            <a:lvl8pPr marL="3200400" indent="0">
+              <a:buNone/>
+              <a:defRPr sz="900"/>
+            </a:lvl8pPr>
+            <a:lvl9pPr marL="3657600" indent="0">
+              <a:buNone/>
+              <a:defRPr sz="900"/>
+            </a:lvl9pPr>
+          </a:lstStyle>
+          <a:p>
+            <a:pPr lvl="0"/>
+            <a:r>
+              <a:rPr lang="en-US"/>
+              <a:t>Click to edit Master text styles</a:t>
+            </a:r>
+          </a:p>
+        </p:txBody>
+      </p:sp>
+      <p:sp>
+        <p:nvSpPr>
+          <p:cNvPr id="5" name="Date Placeholder 4"/>
+          <p:cNvSpPr>
+            <a:spLocks noGrp="1"/>
+          </p:cNvSpPr>
+          <p:nvPr>
+            <p:ph type="dt" sz="half" idx="10"/>
+          </p:nvPr>
+        </p:nvSpPr>
+        <p:spPr>
+          <a:xfrm>
+            <a:off x="643464" y="6446520"/>
+            <a:ext cx="3517568" cy="365125"/>
+          </a:xfrm>
+        </p:spPr>
+        <p:txBody>
+          <a:bodyPr/>
+          <a:lstStyle>
+            <a:lvl1pPr algn="l">
+              <a:defRPr/>
+            </a:lvl1pPr>
+          </a:lstStyle>
+          <a:p>
+            <a:fld id="{92BEA474-078D-4E9B-9B14-09A87B19DC46}" type="datetime1">
+              <a:rPr lang="en-US" smtClean="0"/>
+              <a:t>12/29/2019</a:t>
+            </a:fld>
+            <a:endParaRPr lang="en-US" dirty="0"/>
+          </a:p>
+        </p:txBody>
+      </p:sp>
+      <p:sp>
+        <p:nvSpPr>
+          <p:cNvPr id="6" name="Footer Placeholder 5"/>
+          <p:cNvSpPr>
+            <a:spLocks noGrp="1"/>
+          </p:cNvSpPr>
+          <p:nvPr>
+            <p:ph type="ftr" sz="quarter" idx="11"/>
+          </p:nvPr>
+        </p:nvSpPr>
+        <p:spPr>
+          <a:xfrm>
+            <a:off x="5458983" y="6446520"/>
+            <a:ext cx="5334019" cy="365125"/>
+          </a:xfrm>
+        </p:spPr>
+        <p:txBody>
+          <a:bodyPr/>
+          <a:lstStyle>
+            <a:lvl1pPr algn="l">
+              <a:defRPr>
+                <a:solidFill>
+                  <a:schemeClr val="tx2"/>
+                </a:solidFill>
+              </a:defRPr>
+            </a:lvl1pPr>
+          </a:lstStyle>
+          <a:p>
+            <a:endParaRPr lang="en-US" dirty="0"/>
+          </a:p>
+        </p:txBody>
+      </p:sp>
+      <p:sp>
+        <p:nvSpPr>
+          <p:cNvPr id="7" name="Slide Number Placeholder 6"/>
+          <p:cNvSpPr>
+            <a:spLocks noGrp="1"/>
+          </p:cNvSpPr>
+          <p:nvPr>
+            <p:ph type="sldNum" sz="quarter" idx="12"/>
+          </p:nvPr>
+        </p:nvSpPr>
+        <p:spPr/>
         <p:txBody>
           <a:bodyPr/>
           <a:lstStyle>
             <a:lvl1pPr>
-              <a:defRPr sz="3200"/>
+              <a:defRPr>
+                <a:solidFill>
+                  <a:schemeClr val="tx2"/>
+                </a:solidFill>
+              </a:defRPr>
             </a:lvl1pPr>
-            <a:lvl2pPr>
-              <a:defRPr sz="2800"/>
-            </a:lvl2pPr>
-            <a:lvl3pPr>
-              <a:defRPr sz="2400"/>
-            </a:lvl3pPr>
-            <a:lvl4pPr>
-              <a:defRPr sz="2000"/>
-            </a:lvl4pPr>
-            <a:lvl5pPr>
-              <a:defRPr sz="2000"/>
-            </a:lvl5pPr>
-            <a:lvl6pPr>
-              <a:defRPr sz="2000"/>
-            </a:lvl6pPr>
-            <a:lvl7pPr>
-              <a:defRPr sz="2000"/>
-            </a:lvl7pPr>
-            <a:lvl8pPr>
-              <a:defRPr sz="2000"/>
-            </a:lvl8pPr>
-            <a:lvl9pPr>
-              <a:defRPr sz="2000"/>
-            </a:lvl9pPr>
           </a:lstStyle>
           <a:p>
-            <a:pPr lvl="0"/>
-            <a:r>
-              <a:rPr lang="en-US"/>
-              <a:t>Click to edit Master text styles</a:t>
-            </a:r>
-          </a:p>
-          <a:p>
-            <a:pPr lvl="1"/>
-            <a:r>
-              <a:rPr lang="en-US"/>
-              <a:t>Second level</a:t>
-            </a:r>
-          </a:p>
-          <a:p>
-            <a:pPr lvl="2"/>
-            <a:r>
-              <a:rPr lang="en-US"/>
-              <a:t>Third level</a:t>
-            </a:r>
-          </a:p>
-          <a:p>
-            <a:pPr lvl="3"/>
-            <a:r>
-              <a:rPr lang="en-US"/>
-              <a:t>Fourth level</a:t>
-            </a:r>
-          </a:p>
-          <a:p>
-            <a:pPr lvl="4"/>
-            <a:r>
-              <a:rPr lang="en-US"/>
-              <a:t>Fifth level</a:t>
-            </a:r>
-          </a:p>
-        </p:txBody>
-      </p:sp>
-      <p:sp>
-        <p:nvSpPr>
-          <p:cNvPr id="4" name="Text Placeholder 3">
-            <a:extLst>
-              <a:ext uri="{FF2B5EF4-FFF2-40B4-BE49-F238E27FC236}">
-                <a16:creationId xmlns:a16="http://schemas.microsoft.com/office/drawing/2014/main" id="{0F7F4CA0-3249-4E6B-A347-B2019D0BBD14}"/>
-              </a:ext>
-            </a:extLst>
-          </p:cNvPr>
-          <p:cNvSpPr>
-            <a:spLocks noGrp="1"/>
-          </p:cNvSpPr>
-          <p:nvPr>
-            <p:ph type="body" sz="half" idx="2"/>
-          </p:nvPr>
-        </p:nvSpPr>
-        <p:spPr>
-          <a:xfrm>
-            <a:off x="839788" y="2057400"/>
-            <a:ext cx="3932237" cy="3811588"/>
-          </a:xfrm>
-        </p:spPr>
-        <p:txBody>
-          <a:bodyPr/>
-          <a:lstStyle>
-            <a:lvl1pPr marL="0" indent="0">
-              <a:buNone/>
-              <a:defRPr sz="1600"/>
-            </a:lvl1pPr>
-            <a:lvl2pPr marL="457200" indent="0">
-              <a:buNone/>
-              <a:defRPr sz="1400"/>
-            </a:lvl2pPr>
-            <a:lvl3pPr marL="914400" indent="0">
-              <a:buNone/>
-              <a:defRPr sz="1200"/>
-            </a:lvl3pPr>
-            <a:lvl4pPr marL="1371600" indent="0">
-              <a:buNone/>
-              <a:defRPr sz="1000"/>
-            </a:lvl4pPr>
-            <a:lvl5pPr marL="1828800" indent="0">
-              <a:buNone/>
-              <a:defRPr sz="1000"/>
-            </a:lvl5pPr>
-            <a:lvl6pPr marL="2286000" indent="0">
-              <a:buNone/>
-              <a:defRPr sz="1000"/>
-            </a:lvl6pPr>
-            <a:lvl7pPr marL="2743200" indent="0">
-              <a:buNone/>
-              <a:defRPr sz="1000"/>
-            </a:lvl7pPr>
-            <a:lvl8pPr marL="3200400" indent="0">
-              <a:buNone/>
-              <a:defRPr sz="1000"/>
-            </a:lvl8pPr>
-            <a:lvl9pPr marL="3657600" indent="0">
-              <a:buNone/>
-              <a:defRPr sz="1000"/>
-            </a:lvl9pPr>
-          </a:lstStyle>
-          <a:p>
-            <a:pPr lvl="0"/>
-            <a:r>
-              <a:rPr lang="en-US"/>
-              <a:t>Click to edit Master text styles</a:t>
-            </a:r>
-          </a:p>
-        </p:txBody>
-      </p:sp>
-      <p:sp>
-        <p:nvSpPr>
-          <p:cNvPr id="5" name="Date Placeholder 4">
-            <a:extLst>
-              <a:ext uri="{FF2B5EF4-FFF2-40B4-BE49-F238E27FC236}">
-                <a16:creationId xmlns:a16="http://schemas.microsoft.com/office/drawing/2014/main" id="{A137AFDC-BE6A-498E-8699-10245863F0B0}"/>
-              </a:ext>
-            </a:extLst>
-          </p:cNvPr>
-          <p:cNvSpPr>
-            <a:spLocks noGrp="1"/>
-          </p:cNvSpPr>
-          <p:nvPr>
-            <p:ph type="dt" sz="half" idx="10"/>
-          </p:nvPr>
-        </p:nvSpPr>
-        <p:spPr/>
-        <p:txBody>
-          <a:bodyPr/>
-          <a:lstStyle/>
-          <a:p>
-            <a:fld id="{20AC8E2E-539B-4AD0-BFB0-D5F6E1DAB194}" type="datetimeFigureOut">
+            <a:fld id="{3A98EE3D-8CD1-4C3F-BD1C-C98C9596463C}" type="slidenum">
               <a:rPr lang="en-US" smtClean="0"/>
-              <a:t>12/18/2019</a:t>
-            </a:fld>
-            <a:endParaRPr lang="en-US"/>
-          </a:p>
-        </p:txBody>
-      </p:sp>
-      <p:sp>
-        <p:nvSpPr>
-          <p:cNvPr id="6" name="Footer Placeholder 5">
-            <a:extLst>
-              <a:ext uri="{FF2B5EF4-FFF2-40B4-BE49-F238E27FC236}">
-                <a16:creationId xmlns:a16="http://schemas.microsoft.com/office/drawing/2014/main" id="{050FFA82-4FC2-464F-927D-87C8FE81AA2B}"/>
-              </a:ext>
-            </a:extLst>
-          </p:cNvPr>
-          <p:cNvSpPr>
-            <a:spLocks noGrp="1"/>
-          </p:cNvSpPr>
-          <p:nvPr>
-            <p:ph type="ftr" sz="quarter" idx="11"/>
-          </p:nvPr>
-        </p:nvSpPr>
-        <p:spPr/>
-        <p:txBody>
-          <a:bodyPr/>
-          <a:lstStyle/>
-          <a:p>
-            <a:endParaRPr lang="en-US"/>
-          </a:p>
-        </p:txBody>
-      </p:sp>
-      <p:sp>
-        <p:nvSpPr>
-          <p:cNvPr id="7" name="Slide Number Placeholder 6">
-            <a:extLst>
-              <a:ext uri="{FF2B5EF4-FFF2-40B4-BE49-F238E27FC236}">
-                <a16:creationId xmlns:a16="http://schemas.microsoft.com/office/drawing/2014/main" id="{7C327C10-F1DC-44AD-86F4-A464ACAFBBB7}"/>
-              </a:ext>
-            </a:extLst>
-          </p:cNvPr>
-          <p:cNvSpPr>
-            <a:spLocks noGrp="1"/>
-          </p:cNvSpPr>
-          <p:nvPr>
-            <p:ph type="sldNum" sz="quarter" idx="12"/>
-          </p:nvPr>
-        </p:nvSpPr>
-        <p:spPr/>
-        <p:txBody>
-          <a:bodyPr/>
-          <a:lstStyle/>
-          <a:p>
-            <a:fld id="{0CDBE20B-DD69-471F-AA8B-DBB03C93429C}" type="slidenum">
-              <a:rPr lang="en-US" smtClean="0"/>
+              <a:pPr/>
               <a:t>‹#›</a:t>
             </a:fld>
-            <a:endParaRPr lang="en-US"/>
+            <a:endParaRPr lang="en-US" dirty="0"/>
           </a:p>
         </p:txBody>
       </p:sp>
     </p:spTree>
     <p:extLst>
       <p:ext uri="{BB962C8B-B14F-4D97-AF65-F5344CB8AC3E}">
-        <p14:creationId xmlns:p14="http://schemas.microsoft.com/office/powerpoint/2010/main" val="1764706551"/>
+        <p14:creationId xmlns:p14="http://schemas.microsoft.com/office/powerpoint/2010/main" val="3080097147"/>
       </p:ext>
     </p:extLst>
   </p:cSld>
@@ -2449,7 +2706,7 @@
 </file>
 
 <file path=ppt/slideLayouts/slideLayout9.xml><?xml version="1.0" encoding="utf-8"?>
-<p:sldLayout xmlns:a="http://schemas.openxmlformats.org/drawingml/2006/main" xmlns:r="http://schemas.openxmlformats.org/officeDocument/2006/relationships" xmlns:p="http://schemas.openxmlformats.org/presentationml/2006/main" type="picTx" preserve="1">
+<p:sldLayout xmlns:a="http://schemas.openxmlformats.org/drawingml/2006/main" xmlns:r="http://schemas.openxmlformats.org/officeDocument/2006/relationships" xmlns:p="http://schemas.openxmlformats.org/presentationml/2006/main" showMasterSp="0" type="picTx" preserve="1">
   <p:cSld name="Picture with Caption">
     <p:spTree>
       <p:nvGrpSpPr>
@@ -2467,52 +2724,53 @@
       </p:grpSpPr>
       <p:sp>
         <p:nvSpPr>
-          <p:cNvPr id="2" name="Title 1">
+          <p:cNvPr id="8" name="Rectangle 7">
             <a:extLst>
               <a:ext uri="{FF2B5EF4-FFF2-40B4-BE49-F238E27FC236}">
-                <a16:creationId xmlns:a16="http://schemas.microsoft.com/office/drawing/2014/main" id="{FAF90247-5620-4EF3-900B-7392C2E7EFA6}"/>
+                <a16:creationId xmlns:a16="http://schemas.microsoft.com/office/drawing/2014/main" id="{DA134939-39C0-4522-A125-A13DFDA66490}"/>
               </a:ext>
             </a:extLst>
           </p:cNvPr>
-          <p:cNvSpPr>
-            <a:spLocks noGrp="1"/>
-          </p:cNvSpPr>
-          <p:nvPr>
-            <p:ph type="title"/>
-          </p:nvPr>
+          <p:cNvSpPr/>
+          <p:nvPr/>
         </p:nvSpPr>
         <p:spPr>
           <a:xfrm>
-            <a:off x="839788" y="457200"/>
-            <a:ext cx="3932237" cy="1600200"/>
+            <a:off x="0" y="4578350"/>
+            <a:ext cx="12188825" cy="2279650"/>
           </a:xfrm>
+          <a:prstGeom prst="rect">
+            <a:avLst/>
+          </a:prstGeom>
+          <a:solidFill>
+            <a:srgbClr val="262626"/>
+          </a:solidFill>
+          <a:ln>
+            <a:noFill/>
+          </a:ln>
         </p:spPr>
-        <p:txBody>
-          <a:bodyPr anchor="b"/>
-          <a:lstStyle>
-            <a:lvl1pPr>
-              <a:defRPr sz="3200"/>
-            </a:lvl1pPr>
-          </a:lstStyle>
-          <a:p>
-            <a:r>
-              <a:rPr lang="en-US"/>
-              <a:t>Click to edit Master title style</a:t>
-            </a:r>
-          </a:p>
-        </p:txBody>
-      </p:sp>
-      <p:sp>
-        <p:nvSpPr>
-          <p:cNvPr id="3" name="Picture Placeholder 2">
-            <a:extLst>
-              <a:ext uri="{FF2B5EF4-FFF2-40B4-BE49-F238E27FC236}">
-                <a16:creationId xmlns:a16="http://schemas.microsoft.com/office/drawing/2014/main" id="{7C949CE5-3892-4F15-87D2-C0B43D0DB1CB}"/>
-              </a:ext>
-            </a:extLst>
-          </p:cNvPr>
-          <p:cNvSpPr>
-            <a:spLocks noGrp="1"/>
+        <p:style>
+          <a:lnRef idx="2">
+            <a:schemeClr val="accent1">
+              <a:shade val="50000"/>
+            </a:schemeClr>
+          </a:lnRef>
+          <a:fillRef idx="1">
+            <a:schemeClr val="accent1"/>
+          </a:fillRef>
+          <a:effectRef idx="0">
+            <a:schemeClr val="accent1"/>
+          </a:effectRef>
+          <a:fontRef idx="minor">
+            <a:schemeClr val="lt1"/>
+          </a:fontRef>
+        </p:style>
+      </p:sp>
+      <p:sp>
+        <p:nvSpPr>
+          <p:cNvPr id="3" name="Picture Placeholder 2"/>
+          <p:cNvSpPr>
+            <a:spLocks noGrp="1" noChangeAspect="1"/>
           </p:cNvSpPr>
           <p:nvPr>
             <p:ph type="pic" idx="1"/>
@@ -2520,12 +2778,17 @@
         </p:nvSpPr>
         <p:spPr>
           <a:xfrm>
-            <a:off x="5183188" y="987425"/>
-            <a:ext cx="6172200" cy="4873625"/>
+            <a:off x="15" y="0"/>
+            <a:ext cx="12191985" cy="4578350"/>
           </a:xfrm>
+          <a:solidFill>
+            <a:schemeClr val="bg1">
+              <a:lumMod val="85000"/>
+            </a:schemeClr>
+          </a:solidFill>
         </p:spPr>
         <p:txBody>
-          <a:bodyPr/>
+          <a:bodyPr lIns="457200" tIns="457200" anchor="t"/>
           <a:lstStyle>
             <a:lvl1pPr marL="0" indent="0">
               <a:buNone/>
@@ -2565,95 +2828,189 @@
             </a:lvl9pPr>
           </a:lstStyle>
           <a:p>
-            <a:endParaRPr lang="en-US"/>
-          </a:p>
-        </p:txBody>
-      </p:sp>
-      <p:sp>
-        <p:nvSpPr>
-          <p:cNvPr id="4" name="Text Placeholder 3">
-            <a:extLst>
-              <a:ext uri="{FF2B5EF4-FFF2-40B4-BE49-F238E27FC236}">
-                <a16:creationId xmlns:a16="http://schemas.microsoft.com/office/drawing/2014/main" id="{2E96A59A-2413-435C-8262-A7819CE56C64}"/>
-              </a:ext>
-            </a:extLst>
-          </p:cNvPr>
-          <p:cNvSpPr>
-            <a:spLocks noGrp="1"/>
-          </p:cNvSpPr>
-          <p:nvPr>
-            <p:ph type="body" sz="half" idx="2"/>
+            <a:r>
+              <a:rPr lang="en-US"/>
+              <a:t>Click icon to add picture</a:t>
+            </a:r>
+            <a:endParaRPr lang="en-US" dirty="0"/>
+          </a:p>
+        </p:txBody>
+      </p:sp>
+      <p:sp>
+        <p:nvSpPr>
+          <p:cNvPr id="2" name="Title 1"/>
+          <p:cNvSpPr>
+            <a:spLocks noGrp="1"/>
+          </p:cNvSpPr>
+          <p:nvPr>
+            <p:ph type="title"/>
           </p:nvPr>
         </p:nvSpPr>
         <p:spPr>
           <a:xfrm>
-            <a:off x="839788" y="2057400"/>
-            <a:ext cx="3932237" cy="3811588"/>
+            <a:off x="1097279" y="4799362"/>
+            <a:ext cx="10113645" cy="743682"/>
           </a:xfrm>
         </p:spPr>
         <p:txBody>
+          <a:bodyPr tIns="0" bIns="0" anchor="b">
+            <a:noAutofit/>
+          </a:bodyPr>
+          <a:lstStyle>
+            <a:lvl1pPr>
+              <a:defRPr sz="3600" b="0">
+                <a:solidFill>
+                  <a:srgbClr val="FFFFFF"/>
+                </a:solidFill>
+              </a:defRPr>
+            </a:lvl1pPr>
+          </a:lstStyle>
+          <a:p>
+            <a:r>
+              <a:rPr lang="en-US"/>
+              <a:t>Click to edit Master title style</a:t>
+            </a:r>
+            <a:endParaRPr lang="en-US" dirty="0"/>
+          </a:p>
+        </p:txBody>
+      </p:sp>
+      <p:sp>
+        <p:nvSpPr>
+          <p:cNvPr id="4" name="Text Placeholder 3"/>
+          <p:cNvSpPr>
+            <a:spLocks noGrp="1"/>
+          </p:cNvSpPr>
+          <p:nvPr>
+            <p:ph type="body" sz="half" idx="2"/>
+          </p:nvPr>
+        </p:nvSpPr>
+        <p:spPr>
+          <a:xfrm>
+            <a:off x="1097279" y="5715000"/>
+            <a:ext cx="10113264" cy="609600"/>
+          </a:xfrm>
+        </p:spPr>
+        <p:txBody>
+          <a:bodyPr lIns="91440" tIns="0" rIns="91440" bIns="0">
+            <a:normAutofit/>
+          </a:bodyPr>
+          <a:lstStyle>
+            <a:lvl1pPr marL="0" indent="0">
+              <a:spcBef>
+                <a:spcPts val="0"/>
+              </a:spcBef>
+              <a:spcAft>
+                <a:spcPts val="600"/>
+              </a:spcAft>
+              <a:buNone/>
+              <a:defRPr sz="1800">
+                <a:solidFill>
+                  <a:srgbClr val="FFFFFF"/>
+                </a:solidFill>
+              </a:defRPr>
+            </a:lvl1pPr>
+            <a:lvl2pPr marL="457200" indent="0">
+              <a:buNone/>
+              <a:defRPr sz="1200"/>
+            </a:lvl2pPr>
+            <a:lvl3pPr marL="914400" indent="0">
+              <a:buNone/>
+              <a:defRPr sz="1000"/>
+            </a:lvl3pPr>
+            <a:lvl4pPr marL="1371600" indent="0">
+              <a:buNone/>
+              <a:defRPr sz="900"/>
+            </a:lvl4pPr>
+            <a:lvl5pPr marL="1828800" indent="0">
+              <a:buNone/>
+              <a:defRPr sz="900"/>
+            </a:lvl5pPr>
+            <a:lvl6pPr marL="2286000" indent="0">
+              <a:buNone/>
+              <a:defRPr sz="900"/>
+            </a:lvl6pPr>
+            <a:lvl7pPr marL="2743200" indent="0">
+              <a:buNone/>
+              <a:defRPr sz="900"/>
+            </a:lvl7pPr>
+            <a:lvl8pPr marL="3200400" indent="0">
+              <a:buNone/>
+              <a:defRPr sz="900"/>
+            </a:lvl8pPr>
+            <a:lvl9pPr marL="3657600" indent="0">
+              <a:buNone/>
+              <a:defRPr sz="900"/>
+            </a:lvl9pPr>
+          </a:lstStyle>
+          <a:p>
+            <a:pPr lvl="0"/>
+            <a:r>
+              <a:rPr lang="en-US"/>
+              <a:t>Click to edit Master text styles</a:t>
+            </a:r>
+          </a:p>
+        </p:txBody>
+      </p:sp>
+      <p:sp>
+        <p:nvSpPr>
+          <p:cNvPr id="5" name="Date Placeholder 4"/>
+          <p:cNvSpPr>
+            <a:spLocks noGrp="1"/>
+          </p:cNvSpPr>
+          <p:nvPr>
+            <p:ph type="dt" sz="half" idx="10"/>
+          </p:nvPr>
+        </p:nvSpPr>
+        <p:spPr/>
+        <p:txBody>
           <a:bodyPr/>
           <a:lstStyle>
-            <a:lvl1pPr marL="0" indent="0">
-              <a:buNone/>
-              <a:defRPr sz="1600"/>
+            <a:lvl1pPr>
+              <a:defRPr/>
             </a:lvl1pPr>
-            <a:lvl2pPr marL="457200" indent="0">
-              <a:buNone/>
-              <a:defRPr sz="1400"/>
-            </a:lvl2pPr>
-            <a:lvl3pPr marL="914400" indent="0">
-              <a:buNone/>
-              <a:defRPr sz="1200"/>
-            </a:lvl3pPr>
-            <a:lvl4pPr marL="1371600" indent="0">
-              <a:buNone/>
-              <a:defRPr sz="1000"/>
-            </a:lvl4pPr>
-            <a:lvl5pPr marL="1828800" indent="0">
-              <a:buNone/>
-              <a:defRPr sz="1000"/>
-            </a:lvl5pPr>
-            <a:lvl6pPr marL="2286000" indent="0">
-              <a:buNone/>
-              <a:defRPr sz="1000"/>
-            </a:lvl6pPr>
-            <a:lvl7pPr marL="2743200" indent="0">
-              <a:buNone/>
-              <a:defRPr sz="1000"/>
-            </a:lvl7pPr>
-            <a:lvl8pPr marL="3200400" indent="0">
-              <a:buNone/>
-              <a:defRPr sz="1000"/>
-            </a:lvl8pPr>
-            <a:lvl9pPr marL="3657600" indent="0">
-              <a:buNone/>
-              <a:defRPr sz="1000"/>
-            </a:lvl9pPr>
           </a:lstStyle>
           <a:p>
-            <a:pPr lvl="0"/>
-            <a:r>
-              <a:rPr lang="en-US"/>
-              <a:t>Click to edit Master text styles</a:t>
-            </a:r>
-          </a:p>
-        </p:txBody>
-      </p:sp>
-      <p:sp>
-        <p:nvSpPr>
-          <p:cNvPr id="5" name="Date Placeholder 4">
-            <a:extLst>
-              <a:ext uri="{FF2B5EF4-FFF2-40B4-BE49-F238E27FC236}">
-                <a16:creationId xmlns:a16="http://schemas.microsoft.com/office/drawing/2014/main" id="{479364FD-7134-4970-A9E9-C41C12D4677E}"/>
-              </a:ext>
-            </a:extLst>
-          </p:cNvPr>
-          <p:cNvSpPr>
-            <a:spLocks noGrp="1"/>
-          </p:cNvSpPr>
-          <p:nvPr>
-            <p:ph type="dt" sz="half" idx="10"/>
+            <a:fld id="{4907D986-8816-4272-A432-0437A28A9828}" type="datetime1">
+              <a:rPr lang="en-US" smtClean="0"/>
+              <a:t>12/29/2019</a:t>
+            </a:fld>
+            <a:endParaRPr lang="en-US" dirty="0"/>
+          </a:p>
+        </p:txBody>
+      </p:sp>
+      <p:sp>
+        <p:nvSpPr>
+          <p:cNvPr id="6" name="Footer Placeholder 5"/>
+          <p:cNvSpPr>
+            <a:spLocks noGrp="1"/>
+          </p:cNvSpPr>
+          <p:nvPr>
+            <p:ph type="ftr" sz="quarter" idx="11"/>
+          </p:nvPr>
+        </p:nvSpPr>
+        <p:spPr>
+          <a:xfrm>
+            <a:off x="1097279" y="6446838"/>
+            <a:ext cx="6818262" cy="365125"/>
+          </a:xfrm>
+        </p:spPr>
+        <p:txBody>
+          <a:bodyPr/>
+          <a:lstStyle/>
+          <a:p>
+            <a:pPr algn="l"/>
+            <a:endParaRPr lang="en-US" dirty="0"/>
+          </a:p>
+        </p:txBody>
+      </p:sp>
+      <p:sp>
+        <p:nvSpPr>
+          <p:cNvPr id="7" name="Slide Number Placeholder 6"/>
+          <p:cNvSpPr>
+            <a:spLocks noGrp="1"/>
+          </p:cNvSpPr>
+          <p:nvPr>
+            <p:ph type="sldNum" sz="quarter" idx="12"/>
           </p:nvPr>
         </p:nvSpPr>
         <p:spPr/>
@@ -2661,72 +3018,18 @@
           <a:bodyPr/>
           <a:lstStyle/>
           <a:p>
-            <a:fld id="{20AC8E2E-539B-4AD0-BFB0-D5F6E1DAB194}" type="datetimeFigureOut">
-              <a:rPr lang="en-US" smtClean="0"/>
-              <a:t>12/18/2019</a:t>
-            </a:fld>
-            <a:endParaRPr lang="en-US"/>
-          </a:p>
-        </p:txBody>
-      </p:sp>
-      <p:sp>
-        <p:nvSpPr>
-          <p:cNvPr id="6" name="Footer Placeholder 5">
-            <a:extLst>
-              <a:ext uri="{FF2B5EF4-FFF2-40B4-BE49-F238E27FC236}">
-                <a16:creationId xmlns:a16="http://schemas.microsoft.com/office/drawing/2014/main" id="{DFD1EAC9-D7B7-4587-8A5A-8CF8A1F69AB2}"/>
-              </a:ext>
-            </a:extLst>
-          </p:cNvPr>
-          <p:cNvSpPr>
-            <a:spLocks noGrp="1"/>
-          </p:cNvSpPr>
-          <p:nvPr>
-            <p:ph type="ftr" sz="quarter" idx="11"/>
-          </p:nvPr>
-        </p:nvSpPr>
-        <p:spPr/>
-        <p:txBody>
-          <a:bodyPr/>
-          <a:lstStyle/>
-          <a:p>
-            <a:endParaRPr lang="en-US"/>
-          </a:p>
-        </p:txBody>
-      </p:sp>
-      <p:sp>
-        <p:nvSpPr>
-          <p:cNvPr id="7" name="Slide Number Placeholder 6">
-            <a:extLst>
-              <a:ext uri="{FF2B5EF4-FFF2-40B4-BE49-F238E27FC236}">
-                <a16:creationId xmlns:a16="http://schemas.microsoft.com/office/drawing/2014/main" id="{DC681E83-8436-4460-917A-3821A1AEE944}"/>
-              </a:ext>
-            </a:extLst>
-          </p:cNvPr>
-          <p:cNvSpPr>
-            <a:spLocks noGrp="1"/>
-          </p:cNvSpPr>
-          <p:nvPr>
-            <p:ph type="sldNum" sz="quarter" idx="12"/>
-          </p:nvPr>
-        </p:nvSpPr>
-        <p:spPr/>
-        <p:txBody>
-          <a:bodyPr/>
-          <a:lstStyle/>
-          <a:p>
-            <a:fld id="{0CDBE20B-DD69-471F-AA8B-DBB03C93429C}" type="slidenum">
+            <a:fld id="{3A98EE3D-8CD1-4C3F-BD1C-C98C9596463C}" type="slidenum">
               <a:rPr lang="en-US" smtClean="0"/>
               <a:t>‹#›</a:t>
             </a:fld>
-            <a:endParaRPr lang="en-US"/>
+            <a:endParaRPr lang="en-US" dirty="0"/>
           </a:p>
         </p:txBody>
       </p:sp>
     </p:spTree>
     <p:extLst>
       <p:ext uri="{BB962C8B-B14F-4D97-AF65-F5344CB8AC3E}">
-        <p14:creationId xmlns:p14="http://schemas.microsoft.com/office/powerpoint/2010/main" val="4223217628"/>
+        <p14:creationId xmlns:p14="http://schemas.microsoft.com/office/powerpoint/2010/main" val="2054710699"/>
       </p:ext>
     </p:extLst>
   </p:cSld>
@@ -2760,31 +3063,69 @@
       </p:grpSpPr>
       <p:sp>
         <p:nvSpPr>
-          <p:cNvPr id="2" name="Title Placeholder 1">
+          <p:cNvPr id="7" name="Rectangle 6">
             <a:extLst>
               <a:ext uri="{FF2B5EF4-FFF2-40B4-BE49-F238E27FC236}">
-                <a16:creationId xmlns:a16="http://schemas.microsoft.com/office/drawing/2014/main" id="{4B6EADE1-D9B8-4F9A-BE8E-5BB590021081}"/>
+                <a16:creationId xmlns:a16="http://schemas.microsoft.com/office/drawing/2014/main" id="{416A0E3C-60E6-4F39-BC55-5F7C224E1F7C}"/>
               </a:ext>
             </a:extLst>
           </p:cNvPr>
-          <p:cNvSpPr>
-            <a:spLocks noGrp="1"/>
-          </p:cNvSpPr>
-          <p:nvPr>
-            <p:ph type="title"/>
-          </p:nvPr>
+          <p:cNvSpPr/>
+          <p:nvPr/>
         </p:nvSpPr>
         <p:spPr>
           <a:xfrm>
-            <a:off x="838200" y="365125"/>
-            <a:ext cx="10515600" cy="1325563"/>
+            <a:off x="3175" y="6400800"/>
+            <a:ext cx="12188825" cy="457200"/>
+          </a:xfrm>
+          <a:prstGeom prst="rect">
+            <a:avLst/>
+          </a:prstGeom>
+          <a:solidFill>
+            <a:srgbClr val="262626"/>
+          </a:solidFill>
+          <a:ln>
+            <a:noFill/>
+          </a:ln>
+        </p:spPr>
+        <p:style>
+          <a:lnRef idx="2">
+            <a:schemeClr val="accent1">
+              <a:shade val="50000"/>
+            </a:schemeClr>
+          </a:lnRef>
+          <a:fillRef idx="1">
+            <a:schemeClr val="accent1"/>
+          </a:fillRef>
+          <a:effectRef idx="0">
+            <a:schemeClr val="accent1"/>
+          </a:effectRef>
+          <a:fontRef idx="minor">
+            <a:schemeClr val="lt1"/>
+          </a:fontRef>
+        </p:style>
+      </p:sp>
+      <p:sp>
+        <p:nvSpPr>
+          <p:cNvPr id="2" name="Title Placeholder 1"/>
+          <p:cNvSpPr>
+            <a:spLocks noGrp="1"/>
+          </p:cNvSpPr>
+          <p:nvPr>
+            <p:ph type="title"/>
+          </p:nvPr>
+        </p:nvSpPr>
+        <p:spPr>
+          <a:xfrm>
+            <a:off x="1097280" y="286603"/>
+            <a:ext cx="10058400" cy="1450757"/>
           </a:xfrm>
           <a:prstGeom prst="rect">
             <a:avLst/>
           </a:prstGeom>
         </p:spPr>
         <p:txBody>
-          <a:bodyPr vert="horz" lIns="91440" tIns="45720" rIns="91440" bIns="45720" rtlCol="0" anchor="ctr">
+          <a:bodyPr vert="horz" lIns="91440" tIns="45720" rIns="91440" bIns="45720" rtlCol="0" anchor="b">
             <a:normAutofit/>
           </a:bodyPr>
           <a:lstStyle/>
@@ -2793,18 +3134,13 @@
               <a:rPr lang="en-US"/>
               <a:t>Click to edit Master title style</a:t>
             </a:r>
-          </a:p>
-        </p:txBody>
-      </p:sp>
-      <p:sp>
-        <p:nvSpPr>
-          <p:cNvPr id="3" name="Text Placeholder 2">
-            <a:extLst>
-              <a:ext uri="{FF2B5EF4-FFF2-40B4-BE49-F238E27FC236}">
-                <a16:creationId xmlns:a16="http://schemas.microsoft.com/office/drawing/2014/main" id="{7BD2AA43-5EDD-4060-A2EF-BE81AAB7FB6E}"/>
-              </a:ext>
-            </a:extLst>
-          </p:cNvPr>
+            <a:endParaRPr lang="en-US" dirty="0"/>
+          </a:p>
+        </p:txBody>
+      </p:sp>
+      <p:sp>
+        <p:nvSpPr>
+          <p:cNvPr id="3" name="Text Placeholder 2"/>
           <p:cNvSpPr>
             <a:spLocks noGrp="1"/>
           </p:cNvSpPr>
@@ -2814,15 +3150,15 @@
         </p:nvSpPr>
         <p:spPr>
           <a:xfrm>
-            <a:off x="838200" y="1825625"/>
-            <a:ext cx="10515600" cy="4351338"/>
+            <a:off x="1097280" y="2108201"/>
+            <a:ext cx="10058400" cy="3760891"/>
           </a:xfrm>
           <a:prstGeom prst="rect">
             <a:avLst/>
           </a:prstGeom>
         </p:spPr>
         <p:txBody>
-          <a:bodyPr vert="horz" lIns="91440" tIns="45720" rIns="91440" bIns="45720" rtlCol="0">
+          <a:bodyPr vert="horz" lIns="0" tIns="45720" rIns="0" bIns="45720" rtlCol="0">
             <a:normAutofit/>
           </a:bodyPr>
           <a:lstStyle/>
@@ -2860,18 +3196,13 @@
               <a:rPr lang="en-US"/>
               <a:t>Fifth level</a:t>
             </a:r>
-          </a:p>
-        </p:txBody>
-      </p:sp>
-      <p:sp>
-        <p:nvSpPr>
-          <p:cNvPr id="4" name="Date Placeholder 3">
-            <a:extLst>
-              <a:ext uri="{FF2B5EF4-FFF2-40B4-BE49-F238E27FC236}">
-                <a16:creationId xmlns:a16="http://schemas.microsoft.com/office/drawing/2014/main" id="{4AAEF29C-02E2-4A1D-B5B3-8881DD473439}"/>
-              </a:ext>
-            </a:extLst>
-          </p:cNvPr>
+            <a:endParaRPr lang="en-US" dirty="0"/>
+          </a:p>
+        </p:txBody>
+      </p:sp>
+      <p:sp>
+        <p:nvSpPr>
+          <p:cNvPr id="4" name="Date Placeholder 3"/>
           <p:cNvSpPr>
             <a:spLocks noGrp="1"/>
           </p:cNvSpPr>
@@ -2881,8 +3212,8 @@
         </p:nvSpPr>
         <p:spPr>
           <a:xfrm>
-            <a:off x="838200" y="6356350"/>
-            <a:ext cx="2743200" cy="365125"/>
+            <a:off x="8218426" y="6446838"/>
+            <a:ext cx="2584850" cy="365125"/>
           </a:xfrm>
           <a:prstGeom prst="rect">
             <a:avLst/>
@@ -2891,34 +3222,26 @@
         <p:txBody>
           <a:bodyPr vert="horz" lIns="91440" tIns="45720" rIns="91440" bIns="45720" rtlCol="0" anchor="ctr"/>
           <a:lstStyle>
-            <a:lvl1pPr algn="l">
-              <a:defRPr sz="1200">
+            <a:lvl1pPr algn="r">
+              <a:defRPr sz="900">
                 <a:solidFill>
-                  <a:schemeClr val="tx1">
-                    <a:tint val="75000"/>
-                  </a:schemeClr>
+                  <a:srgbClr val="FFFFFF"/>
                 </a:solidFill>
               </a:defRPr>
             </a:lvl1pPr>
           </a:lstStyle>
           <a:p>
-            <a:fld id="{20AC8E2E-539B-4AD0-BFB0-D5F6E1DAB194}" type="datetimeFigureOut">
+            <a:fld id="{62D6E202-B606-4609-B914-27C9371A1F6D}" type="datetime1">
               <a:rPr lang="en-US" smtClean="0"/>
-              <a:t>12/18/2019</a:t>
+              <a:t>12/29/2019</a:t>
             </a:fld>
-            <a:endParaRPr lang="en-US"/>
-          </a:p>
-        </p:txBody>
-      </p:sp>
-      <p:sp>
-        <p:nvSpPr>
-          <p:cNvPr id="5" name="Footer Placeholder 4">
-            <a:extLst>
-              <a:ext uri="{FF2B5EF4-FFF2-40B4-BE49-F238E27FC236}">
-                <a16:creationId xmlns:a16="http://schemas.microsoft.com/office/drawing/2014/main" id="{6920B0BC-351E-4BC1-8375-4D989A174885}"/>
-              </a:ext>
-            </a:extLst>
-          </p:cNvPr>
+            <a:endParaRPr lang="en-US" dirty="0"/>
+          </a:p>
+        </p:txBody>
+      </p:sp>
+      <p:sp>
+        <p:nvSpPr>
+          <p:cNvPr id="5" name="Footer Placeholder 4"/>
           <p:cNvSpPr>
             <a:spLocks noGrp="1"/>
           </p:cNvSpPr>
@@ -2928,8 +3251,8 @@
         </p:nvSpPr>
         <p:spPr>
           <a:xfrm>
-            <a:off x="4038600" y="6356350"/>
-            <a:ext cx="4114800" cy="365125"/>
+            <a:off x="1097279" y="6446838"/>
+            <a:ext cx="6818262" cy="365125"/>
           </a:xfrm>
           <a:prstGeom prst="rect">
             <a:avLst/>
@@ -2938,30 +3261,22 @@
         <p:txBody>
           <a:bodyPr vert="horz" lIns="91440" tIns="45720" rIns="91440" bIns="45720" rtlCol="0" anchor="ctr"/>
           <a:lstStyle>
-            <a:lvl1pPr algn="ctr">
-              <a:defRPr sz="1200">
+            <a:lvl1pPr algn="l">
+              <a:defRPr sz="900" cap="all" baseline="0">
                 <a:solidFill>
-                  <a:schemeClr val="tx1">
-                    <a:tint val="75000"/>
-                  </a:schemeClr>
+                  <a:srgbClr val="FFFFFF"/>
                 </a:solidFill>
               </a:defRPr>
             </a:lvl1pPr>
           </a:lstStyle>
           <a:p>
-            <a:endParaRPr lang="en-US"/>
-          </a:p>
-        </p:txBody>
-      </p:sp>
-      <p:sp>
-        <p:nvSpPr>
-          <p:cNvPr id="6" name="Slide Number Placeholder 5">
-            <a:extLst>
-              <a:ext uri="{FF2B5EF4-FFF2-40B4-BE49-F238E27FC236}">
-                <a16:creationId xmlns:a16="http://schemas.microsoft.com/office/drawing/2014/main" id="{E1AF4A24-E687-4042-A817-520F9BFB5498}"/>
-              </a:ext>
-            </a:extLst>
-          </p:cNvPr>
+            <a:endParaRPr lang="en-US" dirty="0"/>
+          </a:p>
+        </p:txBody>
+      </p:sp>
+      <p:sp>
+        <p:nvSpPr>
+          <p:cNvPr id="6" name="Slide Number Placeholder 5"/>
           <p:cNvSpPr>
             <a:spLocks noGrp="1"/>
           </p:cNvSpPr>
@@ -2971,8 +3286,8 @@
         </p:nvSpPr>
         <p:spPr>
           <a:xfrm>
-            <a:off x="8610600" y="6356350"/>
-            <a:ext cx="2743200" cy="365125"/>
+            <a:off x="10993582" y="6446838"/>
+            <a:ext cx="780010" cy="365125"/>
           </a:xfrm>
           <a:prstGeom prst="rect">
             <a:avLst/>
@@ -2981,46 +3296,89 @@
         <p:txBody>
           <a:bodyPr vert="horz" lIns="91440" tIns="45720" rIns="91440" bIns="45720" rtlCol="0" anchor="ctr"/>
           <a:lstStyle>
-            <a:lvl1pPr algn="r">
-              <a:defRPr sz="1200">
+            <a:lvl1pPr algn="l">
+              <a:defRPr sz="900">
                 <a:solidFill>
-                  <a:schemeClr val="tx1">
-                    <a:tint val="75000"/>
-                  </a:schemeClr>
+                  <a:srgbClr val="FFFFFF"/>
                 </a:solidFill>
               </a:defRPr>
             </a:lvl1pPr>
           </a:lstStyle>
           <a:p>
-            <a:fld id="{0CDBE20B-DD69-471F-AA8B-DBB03C93429C}" type="slidenum">
+            <a:fld id="{3A98EE3D-8CD1-4C3F-BD1C-C98C9596463C}" type="slidenum">
               <a:rPr lang="en-US" smtClean="0"/>
               <a:t>‹#›</a:t>
             </a:fld>
-            <a:endParaRPr lang="en-US"/>
-          </a:p>
-        </p:txBody>
-      </p:sp>
+            <a:endParaRPr lang="en-US" dirty="0"/>
+          </a:p>
+        </p:txBody>
+      </p:sp>
+      <p:cxnSp>
+        <p:nvCxnSpPr>
+          <p:cNvPr id="10" name="Straight Connector 9">
+            <a:extLst>
+              <a:ext uri="{FF2B5EF4-FFF2-40B4-BE49-F238E27FC236}">
+                <a16:creationId xmlns:a16="http://schemas.microsoft.com/office/drawing/2014/main" id="{C5025DAC-8B93-4160-B017-3A274A5828C0}"/>
+              </a:ext>
+            </a:extLst>
+          </p:cNvPr>
+          <p:cNvCxnSpPr/>
+          <p:nvPr/>
+        </p:nvCxnSpPr>
+        <p:spPr>
+          <a:xfrm>
+            <a:off x="1193532" y="1897380"/>
+            <a:ext cx="9966960" cy="0"/>
+          </a:xfrm>
+          <a:prstGeom prst="line">
+            <a:avLst/>
+          </a:prstGeom>
+          <a:ln w="12700">
+            <a:solidFill>
+              <a:schemeClr val="tx1">
+                <a:lumMod val="75000"/>
+                <a:lumOff val="25000"/>
+              </a:schemeClr>
+            </a:solidFill>
+          </a:ln>
+        </p:spPr>
+        <p:style>
+          <a:lnRef idx="1">
+            <a:schemeClr val="accent1"/>
+          </a:lnRef>
+          <a:fillRef idx="0">
+            <a:schemeClr val="accent1"/>
+          </a:fillRef>
+          <a:effectRef idx="0">
+            <a:schemeClr val="accent1"/>
+          </a:effectRef>
+          <a:fontRef idx="minor">
+            <a:schemeClr val="tx1"/>
+          </a:fontRef>
+        </p:style>
+      </p:cxnSp>
     </p:spTree>
     <p:extLst>
       <p:ext uri="{BB962C8B-B14F-4D97-AF65-F5344CB8AC3E}">
-        <p14:creationId xmlns:p14="http://schemas.microsoft.com/office/powerpoint/2010/main" val="2434828427"/>
+        <p14:creationId xmlns:p14="http://schemas.microsoft.com/office/powerpoint/2010/main" val="323843440"/>
       </p:ext>
     </p:extLst>
   </p:cSld>
   <p:clrMap bg1="lt1" tx1="dk1" bg2="lt2" tx2="dk2" accent1="accent1" accent2="accent2" accent3="accent3" accent4="accent4" accent5="accent5" accent6="accent6" hlink="hlink" folHlink="folHlink"/>
   <p:sldLayoutIdLst>
-    <p:sldLayoutId id="2147483649" r:id="rId1"/>
-    <p:sldLayoutId id="2147483650" r:id="rId2"/>
-    <p:sldLayoutId id="2147483651" r:id="rId3"/>
-    <p:sldLayoutId id="2147483652" r:id="rId4"/>
-    <p:sldLayoutId id="2147483653" r:id="rId5"/>
-    <p:sldLayoutId id="2147483654" r:id="rId6"/>
-    <p:sldLayoutId id="2147483655" r:id="rId7"/>
-    <p:sldLayoutId id="2147483656" r:id="rId8"/>
-    <p:sldLayoutId id="2147483657" r:id="rId9"/>
-    <p:sldLayoutId id="2147483658" r:id="rId10"/>
-    <p:sldLayoutId id="2147483659" r:id="rId11"/>
+    <p:sldLayoutId id="2147483707" r:id="rId1"/>
+    <p:sldLayoutId id="2147483708" r:id="rId2"/>
+    <p:sldLayoutId id="2147483709" r:id="rId3"/>
+    <p:sldLayoutId id="2147483710" r:id="rId4"/>
+    <p:sldLayoutId id="2147483717" r:id="rId5"/>
+    <p:sldLayoutId id="2147483711" r:id="rId6"/>
+    <p:sldLayoutId id="2147483712" r:id="rId7"/>
+    <p:sldLayoutId id="2147483713" r:id="rId8"/>
+    <p:sldLayoutId id="2147483716" r:id="rId9"/>
+    <p:sldLayoutId id="2147483714" r:id="rId10"/>
+    <p:sldLayoutId id="2147483715" r:id="rId11"/>
   </p:sldLayoutIdLst>
+  <p:hf sldNum="0" hdr="0" ftr="0" dt="0"/>
   <p:txStyles>
     <p:titleStyle>
       <a:lvl1pPr algn="l" defTabSz="914400" rtl="0" eaLnBrk="1" latinLnBrk="0" hangingPunct="1">
@@ -3031,9 +3389,12 @@
           <a:spcPct val="0"/>
         </a:spcBef>
         <a:buNone/>
-        <a:defRPr sz="4400" kern="1200">
+        <a:defRPr sz="5300" i="0" kern="1200" spc="-50" baseline="0">
           <a:solidFill>
-            <a:schemeClr val="tx1"/>
+            <a:schemeClr val="tx1">
+              <a:lumMod val="75000"/>
+              <a:lumOff val="25000"/>
+            </a:schemeClr>
           </a:solidFill>
           <a:latin typeface="+mj-lt"/>
           <a:ea typeface="+mj-ea"/>
@@ -3042,162 +3403,236 @@
       </a:lvl1pPr>
     </p:titleStyle>
     <p:bodyStyle>
-      <a:lvl1pPr marL="228600" indent="-228600" algn="l" defTabSz="914400" rtl="0" eaLnBrk="1" latinLnBrk="0" hangingPunct="1">
+      <a:lvl1pPr marL="91440" indent="-91440" algn="l" defTabSz="914400" rtl="0" eaLnBrk="1" latinLnBrk="0" hangingPunct="1">
         <a:lnSpc>
-          <a:spcPct val="90000"/>
+          <a:spcPct val="100000"/>
         </a:lnSpc>
         <a:spcBef>
-          <a:spcPts val="1000"/>
+          <a:spcPts val="1200"/>
         </a:spcBef>
-        <a:buFont typeface="Arial" panose="020B0604020202020204" pitchFamily="34" charset="0"/>
-        <a:buChar char="•"/>
-        <a:defRPr sz="2800" kern="1200">
+        <a:spcAft>
+          <a:spcPts val="200"/>
+        </a:spcAft>
+        <a:buClr>
+          <a:schemeClr val="accent1"/>
+        </a:buClr>
+        <a:buSzPct val="100000"/>
+        <a:buFont typeface="Calibri" panose="020F0502020204030204" pitchFamily="34" charset="0"/>
+        <a:buChar char=" "/>
+        <a:defRPr sz="2400" kern="1200">
           <a:solidFill>
-            <a:schemeClr val="tx1"/>
+            <a:schemeClr val="tx1">
+              <a:lumMod val="75000"/>
+              <a:lumOff val="25000"/>
+            </a:schemeClr>
           </a:solidFill>
           <a:latin typeface="+mn-lt"/>
           <a:ea typeface="+mn-ea"/>
           <a:cs typeface="+mn-cs"/>
         </a:defRPr>
       </a:lvl1pPr>
-      <a:lvl2pPr marL="685800" indent="-228600" algn="l" defTabSz="914400" rtl="0" eaLnBrk="1" latinLnBrk="0" hangingPunct="1">
+      <a:lvl2pPr marL="384048" indent="-182880" algn="l" defTabSz="914400" rtl="0" eaLnBrk="1" latinLnBrk="0" hangingPunct="1">
         <a:lnSpc>
-          <a:spcPct val="90000"/>
+          <a:spcPct val="100000"/>
         </a:lnSpc>
         <a:spcBef>
-          <a:spcPts val="500"/>
+          <a:spcPts val="200"/>
         </a:spcBef>
-        <a:buFont typeface="Arial" panose="020B0604020202020204" pitchFamily="34" charset="0"/>
-        <a:buChar char="•"/>
-        <a:defRPr sz="2400" kern="1200">
+        <a:spcAft>
+          <a:spcPts val="400"/>
+        </a:spcAft>
+        <a:buClrTx/>
+        <a:buFont typeface="Calibri" pitchFamily="34" charset="0"/>
+        <a:buChar char="◦"/>
+        <a:defRPr sz="2000" kern="1200">
           <a:solidFill>
-            <a:schemeClr val="tx1"/>
+            <a:schemeClr val="tx1">
+              <a:lumMod val="75000"/>
+              <a:lumOff val="25000"/>
+            </a:schemeClr>
           </a:solidFill>
           <a:latin typeface="+mn-lt"/>
           <a:ea typeface="+mn-ea"/>
           <a:cs typeface="+mn-cs"/>
         </a:defRPr>
       </a:lvl2pPr>
-      <a:lvl3pPr marL="1143000" indent="-228600" algn="l" defTabSz="914400" rtl="0" eaLnBrk="1" latinLnBrk="0" hangingPunct="1">
+      <a:lvl3pPr marL="566928" indent="-182880" algn="l" defTabSz="914400" rtl="0" eaLnBrk="1" latinLnBrk="0" hangingPunct="1">
         <a:lnSpc>
-          <a:spcPct val="90000"/>
+          <a:spcPct val="100000"/>
         </a:lnSpc>
         <a:spcBef>
-          <a:spcPts val="500"/>
+          <a:spcPts val="200"/>
         </a:spcBef>
-        <a:buFont typeface="Arial" panose="020B0604020202020204" pitchFamily="34" charset="0"/>
-        <a:buChar char="•"/>
-        <a:defRPr sz="2000" kern="1200">
+        <a:spcAft>
+          <a:spcPts val="400"/>
+        </a:spcAft>
+        <a:buClrTx/>
+        <a:buFont typeface="Calibri" pitchFamily="34" charset="0"/>
+        <a:buChar char="◦"/>
+        <a:defRPr sz="1600" kern="1200">
           <a:solidFill>
-            <a:schemeClr val="tx1"/>
+            <a:schemeClr val="tx1">
+              <a:lumMod val="75000"/>
+              <a:lumOff val="25000"/>
+            </a:schemeClr>
           </a:solidFill>
           <a:latin typeface="+mn-lt"/>
           <a:ea typeface="+mn-ea"/>
           <a:cs typeface="+mn-cs"/>
         </a:defRPr>
       </a:lvl3pPr>
-      <a:lvl4pPr marL="1600200" indent="-228600" algn="l" defTabSz="914400" rtl="0" eaLnBrk="1" latinLnBrk="0" hangingPunct="1">
+      <a:lvl4pPr marL="749808" indent="-182880" algn="l" defTabSz="914400" rtl="0" eaLnBrk="1" latinLnBrk="0" hangingPunct="1">
         <a:lnSpc>
-          <a:spcPct val="90000"/>
+          <a:spcPct val="100000"/>
         </a:lnSpc>
         <a:spcBef>
-          <a:spcPts val="500"/>
+          <a:spcPts val="200"/>
         </a:spcBef>
-        <a:buFont typeface="Arial" panose="020B0604020202020204" pitchFamily="34" charset="0"/>
-        <a:buChar char="•"/>
-        <a:defRPr sz="1800" kern="1200">
+        <a:spcAft>
+          <a:spcPts val="400"/>
+        </a:spcAft>
+        <a:buClrTx/>
+        <a:buFont typeface="Calibri" pitchFamily="34" charset="0"/>
+        <a:buChar char="◦"/>
+        <a:defRPr sz="1600" kern="1200">
           <a:solidFill>
-            <a:schemeClr val="tx1"/>
+            <a:schemeClr val="tx1">
+              <a:lumMod val="75000"/>
+              <a:lumOff val="25000"/>
+            </a:schemeClr>
           </a:solidFill>
           <a:latin typeface="+mn-lt"/>
           <a:ea typeface="+mn-ea"/>
           <a:cs typeface="+mn-cs"/>
         </a:defRPr>
       </a:lvl4pPr>
-      <a:lvl5pPr marL="2057400" indent="-228600" algn="l" defTabSz="914400" rtl="0" eaLnBrk="1" latinLnBrk="0" hangingPunct="1">
+      <a:lvl5pPr marL="932688" indent="-182880" algn="l" defTabSz="914400" rtl="0" eaLnBrk="1" latinLnBrk="0" hangingPunct="1">
         <a:lnSpc>
-          <a:spcPct val="90000"/>
+          <a:spcPct val="100000"/>
         </a:lnSpc>
         <a:spcBef>
-          <a:spcPts val="500"/>
+          <a:spcPts val="200"/>
         </a:spcBef>
-        <a:buFont typeface="Arial" panose="020B0604020202020204" pitchFamily="34" charset="0"/>
-        <a:buChar char="•"/>
-        <a:defRPr sz="1800" kern="1200">
+        <a:spcAft>
+          <a:spcPts val="400"/>
+        </a:spcAft>
+        <a:buClrTx/>
+        <a:buFont typeface="Calibri" pitchFamily="34" charset="0"/>
+        <a:buChar char="◦"/>
+        <a:defRPr sz="1600" kern="1200">
           <a:solidFill>
-            <a:schemeClr val="tx1"/>
+            <a:schemeClr val="tx1">
+              <a:lumMod val="75000"/>
+              <a:lumOff val="25000"/>
+            </a:schemeClr>
           </a:solidFill>
           <a:latin typeface="+mn-lt"/>
           <a:ea typeface="+mn-ea"/>
           <a:cs typeface="+mn-cs"/>
         </a:defRPr>
       </a:lvl5pPr>
-      <a:lvl6pPr marL="2514600" indent="-228600" algn="l" defTabSz="914400" rtl="0" eaLnBrk="1" latinLnBrk="0" hangingPunct="1">
+      <a:lvl6pPr marL="1100000" indent="-228600" algn="l" defTabSz="914400" rtl="0" eaLnBrk="1" latinLnBrk="0" hangingPunct="1">
         <a:lnSpc>
           <a:spcPct val="90000"/>
         </a:lnSpc>
         <a:spcBef>
-          <a:spcPts val="500"/>
+          <a:spcPts val="200"/>
         </a:spcBef>
-        <a:buFont typeface="Arial" panose="020B0604020202020204" pitchFamily="34" charset="0"/>
-        <a:buChar char="•"/>
-        <a:defRPr sz="1800" kern="1200">
+        <a:spcAft>
+          <a:spcPts val="400"/>
+        </a:spcAft>
+        <a:buClr>
+          <a:schemeClr val="accent1"/>
+        </a:buClr>
+        <a:buFont typeface="Calibri" pitchFamily="34" charset="0"/>
+        <a:buChar char="◦"/>
+        <a:defRPr sz="1400" kern="1200">
           <a:solidFill>
-            <a:schemeClr val="tx1"/>
+            <a:schemeClr val="tx1">
+              <a:lumMod val="75000"/>
+              <a:lumOff val="25000"/>
+            </a:schemeClr>
           </a:solidFill>
           <a:latin typeface="+mn-lt"/>
           <a:ea typeface="+mn-ea"/>
           <a:cs typeface="+mn-cs"/>
         </a:defRPr>
       </a:lvl6pPr>
-      <a:lvl7pPr marL="2971800" indent="-228600" algn="l" defTabSz="914400" rtl="0" eaLnBrk="1" latinLnBrk="0" hangingPunct="1">
+      <a:lvl7pPr marL="1300000" indent="-228600" algn="l" defTabSz="914400" rtl="0" eaLnBrk="1" latinLnBrk="0" hangingPunct="1">
         <a:lnSpc>
           <a:spcPct val="90000"/>
         </a:lnSpc>
         <a:spcBef>
-          <a:spcPts val="500"/>
+          <a:spcPts val="200"/>
         </a:spcBef>
-        <a:buFont typeface="Arial" panose="020B0604020202020204" pitchFamily="34" charset="0"/>
-        <a:buChar char="•"/>
-        <a:defRPr sz="1800" kern="1200">
+        <a:spcAft>
+          <a:spcPts val="400"/>
+        </a:spcAft>
+        <a:buClr>
+          <a:schemeClr val="accent1"/>
+        </a:buClr>
+        <a:buFont typeface="Calibri" pitchFamily="34" charset="0"/>
+        <a:buChar char="◦"/>
+        <a:defRPr sz="1400" kern="1200">
           <a:solidFill>
-            <a:schemeClr val="tx1"/>
+            <a:schemeClr val="tx1">
+              <a:lumMod val="75000"/>
+              <a:lumOff val="25000"/>
+            </a:schemeClr>
           </a:solidFill>
           <a:latin typeface="+mn-lt"/>
           <a:ea typeface="+mn-ea"/>
           <a:cs typeface="+mn-cs"/>
         </a:defRPr>
       </a:lvl7pPr>
-      <a:lvl8pPr marL="3429000" indent="-228600" algn="l" defTabSz="914400" rtl="0" eaLnBrk="1" latinLnBrk="0" hangingPunct="1">
+      <a:lvl8pPr marL="1500000" indent="-228600" algn="l" defTabSz="914400" rtl="0" eaLnBrk="1" latinLnBrk="0" hangingPunct="1">
         <a:lnSpc>
           <a:spcPct val="90000"/>
         </a:lnSpc>
         <a:spcBef>
-          <a:spcPts val="500"/>
+          <a:spcPts val="200"/>
         </a:spcBef>
-        <a:buFont typeface="Arial" panose="020B0604020202020204" pitchFamily="34" charset="0"/>
-        <a:buChar char="•"/>
-        <a:defRPr sz="1800" kern="1200">
+        <a:spcAft>
+          <a:spcPts val="400"/>
+        </a:spcAft>
+        <a:buClr>
+          <a:schemeClr val="accent1"/>
+        </a:buClr>
+        <a:buFont typeface="Calibri" pitchFamily="34" charset="0"/>
+        <a:buChar char="◦"/>
+        <a:defRPr sz="1400" kern="1200">
           <a:solidFill>
-            <a:schemeClr val="tx1"/>
+            <a:schemeClr val="tx1">
+              <a:lumMod val="75000"/>
+              <a:lumOff val="25000"/>
+            </a:schemeClr>
           </a:solidFill>
           <a:latin typeface="+mn-lt"/>
           <a:ea typeface="+mn-ea"/>
           <a:cs typeface="+mn-cs"/>
         </a:defRPr>
       </a:lvl8pPr>
-      <a:lvl9pPr marL="3886200" indent="-228600" algn="l" defTabSz="914400" rtl="0" eaLnBrk="1" latinLnBrk="0" hangingPunct="1">
+      <a:lvl9pPr marL="1700000" indent="-228600" algn="l" defTabSz="914400" rtl="0" eaLnBrk="1" latinLnBrk="0" hangingPunct="1">
         <a:lnSpc>
           <a:spcPct val="90000"/>
         </a:lnSpc>
         <a:spcBef>
-          <a:spcPts val="500"/>
+          <a:spcPts val="200"/>
         </a:spcBef>
-        <a:buFont typeface="Arial" panose="020B0604020202020204" pitchFamily="34" charset="0"/>
-        <a:buChar char="•"/>
-        <a:defRPr sz="1800" kern="1200">
+        <a:spcAft>
+          <a:spcPts val="400"/>
+        </a:spcAft>
+        <a:buClr>
+          <a:schemeClr val="accent1"/>
+        </a:buClr>
+        <a:buFont typeface="Calibri" pitchFamily="34" charset="0"/>
+        <a:buChar char="◦"/>
+        <a:defRPr sz="1400" kern="1200">
           <a:solidFill>
-            <a:schemeClr val="tx1"/>
+            <a:schemeClr val="tx1">
+              <a:lumMod val="75000"/>
+              <a:lumOff val="25000"/>
+            </a:schemeClr>
           </a:solidFill>
           <a:latin typeface="+mn-lt"/>
           <a:ea typeface="+mn-ea"/>
@@ -3307,6 +3742,14 @@
 <file path=ppt/slides/slide1.xml><?xml version="1.0" encoding="utf-8"?>
 <p:sld xmlns:a="http://schemas.openxmlformats.org/drawingml/2006/main" xmlns:r="http://schemas.openxmlformats.org/officeDocument/2006/relationships" xmlns:p="http://schemas.openxmlformats.org/presentationml/2006/main">
   <p:cSld>
+    <p:bg>
+      <p:bgPr>
+        <a:solidFill>
+          <a:schemeClr val="bg1"/>
+        </a:solidFill>
+        <a:effectLst/>
+      </p:bgPr>
+    </p:bg>
     <p:spTree>
       <p:nvGrpSpPr>
         <p:cNvPr id="1" name=""/>
@@ -3321,6 +3764,156 @@
           <a:chExt cx="0" cy="0"/>
         </a:xfrm>
       </p:grpSpPr>
+      <p:sp useBgFill="1">
+        <p:nvSpPr>
+          <p:cNvPr id="25" name="Rectangle 24">
+            <a:extLst>
+              <a:ext uri="{FF2B5EF4-FFF2-40B4-BE49-F238E27FC236}">
+                <a16:creationId xmlns:a16="http://schemas.microsoft.com/office/drawing/2014/main" id="{8638A98B-4B4B-4607-B11F-7DCA0D7CCE17}"/>
+              </a:ext>
+              <a:ext uri="{C183D7F6-B498-43B3-948B-1728B52AA6E4}">
+                <adec:decorative xmlns:adec="http://schemas.microsoft.com/office/drawing/2017/decorative" val="1"/>
+              </a:ext>
+            </a:extLst>
+          </p:cNvPr>
+          <p:cNvSpPr>
+            <a:spLocks noGrp="1" noRot="1" noChangeAspect="1" noMove="1" noResize="1" noEditPoints="1" noAdjustHandles="1" noChangeArrowheads="1" noChangeShapeType="1" noTextEdit="1"/>
+          </p:cNvSpPr>
+          <p:nvPr>
+            <p:extLst>
+              <p:ext uri="{386F3935-93C4-4BCD-93E2-E3B085C9AB24}">
+                <p16:designElem xmlns:p16="http://schemas.microsoft.com/office/powerpoint/2015/main" val="1"/>
+              </p:ext>
+            </p:extLst>
+          </p:nvPr>
+        </p:nvSpPr>
+        <p:spPr>
+          <a:xfrm>
+            <a:off x="0" y="0"/>
+            <a:ext cx="12192000" cy="6858000"/>
+          </a:xfrm>
+          <a:prstGeom prst="rect">
+            <a:avLst/>
+          </a:prstGeom>
+          <a:ln>
+            <a:noFill/>
+          </a:ln>
+        </p:spPr>
+        <p:style>
+          <a:lnRef idx="2">
+            <a:schemeClr val="accent1">
+              <a:shade val="50000"/>
+            </a:schemeClr>
+          </a:lnRef>
+          <a:fillRef idx="1001">
+            <a:schemeClr val="lt1"/>
+          </a:fillRef>
+          <a:effectRef idx="0">
+            <a:schemeClr val="accent1"/>
+          </a:effectRef>
+          <a:fontRef idx="minor">
+            <a:schemeClr val="lt1"/>
+          </a:fontRef>
+        </p:style>
+        <p:txBody>
+          <a:bodyPr rtlCol="0" anchor="ctr"/>
+          <a:lstStyle/>
+          <a:p>
+            <a:pPr algn="ctr"/>
+            <a:endParaRPr lang="en-US"/>
+          </a:p>
+        </p:txBody>
+      </p:sp>
+      <p:pic>
+        <p:nvPicPr>
+          <p:cNvPr id="4" name="Picture 3">
+            <a:extLst>
+              <a:ext uri="{FF2B5EF4-FFF2-40B4-BE49-F238E27FC236}">
+                <a16:creationId xmlns:a16="http://schemas.microsoft.com/office/drawing/2014/main" id="{A3CFC7E7-3C4C-4A4C-BDC6-6DE3C4FA65E6}"/>
+              </a:ext>
+            </a:extLst>
+          </p:cNvPr>
+          <p:cNvPicPr>
+            <a:picLocks noChangeAspect="1"/>
+          </p:cNvPicPr>
+          <p:nvPr/>
+        </p:nvPicPr>
+        <p:blipFill>
+          <a:blip r:embed="rId2">
+            <a:extLst>
+              <a:ext uri="{28A0092B-C50C-407E-A947-70E740481C1C}">
+                <a14:useLocalDpi xmlns:a14="http://schemas.microsoft.com/office/drawing/2010/main" val="0"/>
+              </a:ext>
+            </a:extLst>
+          </a:blip>
+          <a:srcRect/>
+          <a:stretch/>
+        </p:blipFill>
+        <p:spPr>
+          <a:xfrm>
+            <a:off x="-6220" y="214905"/>
+            <a:ext cx="7350995" cy="6003014"/>
+          </a:xfrm>
+          <a:prstGeom prst="rect">
+            <a:avLst/>
+          </a:prstGeom>
+        </p:spPr>
+      </p:pic>
+      <p:sp>
+        <p:nvSpPr>
+          <p:cNvPr id="27" name="Rectangle 26">
+            <a:extLst>
+              <a:ext uri="{FF2B5EF4-FFF2-40B4-BE49-F238E27FC236}">
+                <a16:creationId xmlns:a16="http://schemas.microsoft.com/office/drawing/2014/main" id="{8E3B9B0E-204E-4BFD-B58A-E71D9CDC37F3}"/>
+              </a:ext>
+              <a:ext uri="{C183D7F6-B498-43B3-948B-1728B52AA6E4}">
+                <adec:decorative xmlns:adec="http://schemas.microsoft.com/office/drawing/2017/decorative" val="1"/>
+              </a:ext>
+            </a:extLst>
+          </p:cNvPr>
+          <p:cNvSpPr>
+            <a:spLocks noGrp="1" noRot="1" noChangeAspect="1" noMove="1" noResize="1" noEditPoints="1" noAdjustHandles="1" noChangeArrowheads="1" noChangeShapeType="1" noTextEdit="1"/>
+          </p:cNvSpPr>
+          <p:nvPr>
+            <p:extLst>
+              <p:ext uri="{386F3935-93C4-4BCD-93E2-E3B085C9AB24}">
+                <p16:designElem xmlns:p16="http://schemas.microsoft.com/office/powerpoint/2015/main" val="1"/>
+              </p:ext>
+            </p:extLst>
+          </p:nvPr>
+        </p:nvSpPr>
+        <p:spPr bwMode="white">
+          <a:xfrm>
+            <a:off x="7543665" y="0"/>
+            <a:ext cx="4654555" cy="6858000"/>
+          </a:xfrm>
+          <a:prstGeom prst="rect">
+            <a:avLst/>
+          </a:prstGeom>
+          <a:solidFill>
+            <a:srgbClr val="262626"/>
+          </a:solidFill>
+          <a:ln>
+            <a:noFill/>
+          </a:ln>
+        </p:spPr>
+        <p:style>
+          <a:lnRef idx="2">
+            <a:schemeClr val="accent1">
+              <a:shade val="50000"/>
+            </a:schemeClr>
+          </a:lnRef>
+          <a:fillRef idx="1">
+            <a:schemeClr val="accent1"/>
+          </a:fillRef>
+          <a:effectRef idx="0">
+            <a:schemeClr val="accent1"/>
+          </a:effectRef>
+          <a:fontRef idx="minor">
+            <a:schemeClr val="lt1"/>
+          </a:fontRef>
+        </p:style>
+      </p:sp>
       <p:sp>
         <p:nvSpPr>
           <p:cNvPr id="2" name="Title 1">
@@ -3337,14 +3930,55 @@
             <p:ph type="ctrTitle"/>
           </p:nvPr>
         </p:nvSpPr>
-        <p:spPr/>
-        <p:txBody>
-          <a:bodyPr/>
-          <a:lstStyle/>
-          <a:p>
-            <a:r>
-              <a:rPr lang="en-US" dirty="0"/>
-              <a:t>Apache ActiveMQ</a:t>
+        <p:spPr>
+          <a:xfrm>
+            <a:off x="8096885" y="640080"/>
+            <a:ext cx="3659246" cy="2886145"/>
+          </a:xfrm>
+        </p:spPr>
+        <p:txBody>
+          <a:bodyPr>
+            <a:normAutofit/>
+          </a:bodyPr>
+          <a:lstStyle/>
+          <a:p>
+            <a:r>
+              <a:rPr lang="en-US" sz="4400" dirty="0">
+                <a:solidFill>
+                  <a:srgbClr val="FFFFFF"/>
+                </a:solidFill>
+              </a:rPr>
+              <a:t>Apache</a:t>
+            </a:r>
+            <a:br>
+              <a:rPr lang="en-US" sz="4400" dirty="0">
+                <a:solidFill>
+                  <a:srgbClr val="FFFFFF"/>
+                </a:solidFill>
+              </a:rPr>
+            </a:br>
+            <a:r>
+              <a:rPr lang="en-US" sz="4400" dirty="0">
+                <a:solidFill>
+                  <a:srgbClr val="FFFFFF"/>
+                </a:solidFill>
+              </a:rPr>
+              <a:t> Active Message Queuing</a:t>
+            </a:r>
+            <a:br>
+              <a:rPr lang="en-US" sz="4400" dirty="0">
+                <a:solidFill>
+                  <a:srgbClr val="FFFFFF"/>
+                </a:solidFill>
+              </a:rPr>
+            </a:br>
+            <a:r>
+              <a:rPr lang="en-US" sz="4400" dirty="0">
+                <a:solidFill>
+                  <a:srgbClr val="FFFFFF"/>
+                </a:solidFill>
+              </a:rPr>
+              <a:t>(Active MQ)</a:t>
             </a:r>
           </a:p>
         </p:txBody>
@@ -3365,22 +3999,81 @@
             <p:ph type="subTitle" idx="1"/>
           </p:nvPr>
         </p:nvSpPr>
-        <p:spPr/>
-        <p:txBody>
-          <a:bodyPr/>
-          <a:lstStyle/>
-          <a:p>
-            <a:r>
-              <a:rPr lang="en-US" dirty="0"/>
-              <a:t>An overview and usage in </a:t>
-            </a:r>
-            <a:r>
-              <a:rPr lang="en-US"/>
-              <a:t>the industry</a:t>
-            </a:r>
-          </a:p>
-        </p:txBody>
-      </p:sp>
+        <p:spPr>
+          <a:xfrm>
+            <a:off x="8096885" y="3847959"/>
+            <a:ext cx="3659246" cy="2369960"/>
+          </a:xfrm>
+        </p:spPr>
+        <p:txBody>
+          <a:bodyPr>
+            <a:normAutofit/>
+          </a:bodyPr>
+          <a:lstStyle/>
+          <a:p>
+            <a:r>
+              <a:rPr lang="en-US" sz="1500">
+                <a:solidFill>
+                  <a:srgbClr val="FFFFFF"/>
+                </a:solidFill>
+              </a:rPr>
+              <a:t>An overview and usage in the industry</a:t>
+            </a:r>
+          </a:p>
+        </p:txBody>
+      </p:sp>
+      <p:cxnSp>
+        <p:nvCxnSpPr>
+          <p:cNvPr id="29" name="Straight Connector 28">
+            <a:extLst>
+              <a:ext uri="{FF2B5EF4-FFF2-40B4-BE49-F238E27FC236}">
+                <a16:creationId xmlns:a16="http://schemas.microsoft.com/office/drawing/2014/main" id="{43F94007-F0C4-467F-8ED4-3E4844BFDA4B}"/>
+              </a:ext>
+              <a:ext uri="{C183D7F6-B498-43B3-948B-1728B52AA6E4}">
+                <adec:decorative xmlns:adec="http://schemas.microsoft.com/office/drawing/2017/decorative" val="1"/>
+              </a:ext>
+            </a:extLst>
+          </p:cNvPr>
+          <p:cNvCxnSpPr>
+            <a:cxnSpLocks noGrp="1" noRot="1" noChangeAspect="1" noMove="1" noResize="1" noEditPoints="1" noAdjustHandles="1" noChangeArrowheads="1" noChangeShapeType="1"/>
+          </p:cNvCxnSpPr>
+          <p:nvPr>
+            <p:extLst>
+              <p:ext uri="{386F3935-93C4-4BCD-93E2-E3B085C9AB24}">
+                <p16:designElem xmlns:p16="http://schemas.microsoft.com/office/powerpoint/2015/main" val="1"/>
+              </p:ext>
+            </p:extLst>
+          </p:nvPr>
+        </p:nvCxnSpPr>
+        <p:spPr>
+          <a:xfrm>
+            <a:off x="8185922" y="3687092"/>
+            <a:ext cx="3383280" cy="0"/>
+          </a:xfrm>
+          <a:prstGeom prst="line">
+            <a:avLst/>
+          </a:prstGeom>
+          <a:ln w="19050">
+            <a:solidFill>
+              <a:schemeClr val="accent1"/>
+            </a:solidFill>
+          </a:ln>
+        </p:spPr>
+        <p:style>
+          <a:lnRef idx="1">
+            <a:schemeClr val="accent1"/>
+          </a:lnRef>
+          <a:fillRef idx="0">
+            <a:schemeClr val="accent1"/>
+          </a:fillRef>
+          <a:effectRef idx="0">
+            <a:schemeClr val="accent1"/>
+          </a:effectRef>
+          <a:fontRef idx="minor">
+            <a:schemeClr val="tx1"/>
+          </a:fontRef>
+        </p:style>
+      </p:cxnSp>
     </p:spTree>
     <p:extLst>
       <p:ext uri="{BB962C8B-B14F-4D97-AF65-F5344CB8AC3E}">
@@ -3394,55 +4087,190 @@
 </p:sld>
 </file>
 
+<file path=ppt/slides/slide2.xml><?xml version="1.0" encoding="utf-8"?>
+<p:sld xmlns:a="http://schemas.openxmlformats.org/drawingml/2006/main" xmlns:r="http://schemas.openxmlformats.org/officeDocument/2006/relationships" xmlns:p="http://schemas.openxmlformats.org/presentationml/2006/main">
+  <p:cSld>
+    <p:spTree>
+      <p:nvGrpSpPr>
+        <p:cNvPr id="1" name=""/>
+        <p:cNvGrpSpPr/>
+        <p:nvPr/>
+      </p:nvGrpSpPr>
+      <p:grpSpPr>
+        <a:xfrm>
+          <a:off x="0" y="0"/>
+          <a:ext cx="0" cy="0"/>
+          <a:chOff x="0" y="0"/>
+          <a:chExt cx="0" cy="0"/>
+        </a:xfrm>
+      </p:grpSpPr>
+      <p:sp>
+        <p:nvSpPr>
+          <p:cNvPr id="2" name="Title 1">
+            <a:extLst>
+              <a:ext uri="{FF2B5EF4-FFF2-40B4-BE49-F238E27FC236}">
+                <a16:creationId xmlns:a16="http://schemas.microsoft.com/office/drawing/2014/main" id="{405FA95E-3AC8-4F3F-93D3-71D765C19FF9}"/>
+              </a:ext>
+            </a:extLst>
+          </p:cNvPr>
+          <p:cNvSpPr>
+            <a:spLocks noGrp="1"/>
+          </p:cNvSpPr>
+          <p:nvPr>
+            <p:ph type="title"/>
+          </p:nvPr>
+        </p:nvSpPr>
+        <p:spPr/>
+        <p:txBody>
+          <a:bodyPr/>
+          <a:lstStyle/>
+          <a:p>
+            <a:r>
+              <a:rPr lang="en-US" dirty="0"/>
+              <a:t>What is message queuing</a:t>
+            </a:r>
+          </a:p>
+        </p:txBody>
+      </p:sp>
+      <p:pic>
+        <p:nvPicPr>
+          <p:cNvPr id="5" name="Content Placeholder 4" descr="A picture containing toy&#10;&#10;Description automatically generated">
+            <a:extLst>
+              <a:ext uri="{FF2B5EF4-FFF2-40B4-BE49-F238E27FC236}">
+                <a16:creationId xmlns:a16="http://schemas.microsoft.com/office/drawing/2014/main" id="{118FB461-D882-4238-94A9-988FA327051A}"/>
+              </a:ext>
+            </a:extLst>
+          </p:cNvPr>
+          <p:cNvPicPr>
+            <a:picLocks noGrp="1" noChangeAspect="1"/>
+          </p:cNvPicPr>
+          <p:nvPr>
+            <p:ph sz="half" idx="1"/>
+          </p:nvPr>
+        </p:nvPicPr>
+        <p:blipFill>
+          <a:blip r:embed="rId2">
+            <a:extLst>
+              <a:ext uri="{28A0092B-C50C-407E-A947-70E740481C1C}">
+                <a14:useLocalDpi xmlns:a14="http://schemas.microsoft.com/office/drawing/2010/main" val="0"/>
+              </a:ext>
+            </a:extLst>
+          </a:blip>
+          <a:stretch>
+            <a:fillRect/>
+          </a:stretch>
+        </p:blipFill>
+        <p:spPr>
+          <a:xfrm>
+            <a:off x="1315656" y="2120900"/>
+            <a:ext cx="4202876" cy="3748088"/>
+          </a:xfrm>
+        </p:spPr>
+      </p:pic>
+      <p:sp>
+        <p:nvSpPr>
+          <p:cNvPr id="6" name="Content Placeholder 5">
+            <a:extLst>
+              <a:ext uri="{FF2B5EF4-FFF2-40B4-BE49-F238E27FC236}">
+                <a16:creationId xmlns:a16="http://schemas.microsoft.com/office/drawing/2014/main" id="{80C45F5A-3FA5-496F-A9B0-E41D70BEDFF2}"/>
+              </a:ext>
+            </a:extLst>
+          </p:cNvPr>
+          <p:cNvSpPr>
+            <a:spLocks noGrp="1"/>
+          </p:cNvSpPr>
+          <p:nvPr>
+            <p:ph sz="half" idx="2"/>
+          </p:nvPr>
+        </p:nvSpPr>
+        <p:spPr/>
+        <p:txBody>
+          <a:bodyPr/>
+          <a:lstStyle/>
+          <a:p>
+            <a:pPr>
+              <a:buFont typeface="Wingdings" panose="05000000000000000000" pitchFamily="2" charset="2"/>
+              <a:buChar char="§"/>
+            </a:pPr>
+            <a:r>
+              <a:rPr lang="en-US" dirty="0"/>
+              <a:t>Imagine that you have a web service that receives many requests every second, where no request can get lost</a:t>
+            </a:r>
+          </a:p>
+          <a:p>
+            <a:pPr>
+              <a:buFont typeface="Wingdings" panose="05000000000000000000" pitchFamily="2" charset="2"/>
+              <a:buChar char="§"/>
+            </a:pPr>
+            <a:endParaRPr lang="en-US" dirty="0"/>
+          </a:p>
+          <a:p>
+            <a:endParaRPr lang="en-US" dirty="0"/>
+          </a:p>
+        </p:txBody>
+      </p:sp>
+    </p:spTree>
+    <p:extLst>
+      <p:ext uri="{BB962C8B-B14F-4D97-AF65-F5344CB8AC3E}">
+        <p14:creationId xmlns:p14="http://schemas.microsoft.com/office/powerpoint/2010/main" val="219279454"/>
+      </p:ext>
+    </p:extLst>
+  </p:cSld>
+  <p:clrMapOvr>
+    <a:masterClrMapping/>
+  </p:clrMapOvr>
+</p:sld>
+</file>
+
 <file path=ppt/theme/theme1.xml><?xml version="1.0" encoding="utf-8"?>
-<a:theme xmlns:a="http://schemas.openxmlformats.org/drawingml/2006/main" name="Office Theme">
+<a:theme xmlns:a="http://schemas.openxmlformats.org/drawingml/2006/main" name="RetrospectVTI">
   <a:themeElements>
-    <a:clrScheme name="Office">
+    <a:clrScheme name="AnalogousFromDarkSeedLeftStep">
       <a:dk1>
-        <a:sysClr val="windowText" lastClr="000000"/>
+        <a:srgbClr val="000000"/>
       </a:dk1>
       <a:lt1>
-        <a:sysClr val="window" lastClr="FFFFFF"/>
+        <a:srgbClr val="FFFFFF"/>
       </a:lt1>
       <a:dk2>
-        <a:srgbClr val="44546A"/>
+        <a:srgbClr val="413324"/>
       </a:dk2>
       <a:lt2>
-        <a:srgbClr val="E7E6E6"/>
+        <a:srgbClr val="E8E2E7"/>
       </a:lt2>
       <a:accent1>
-        <a:srgbClr val="4472C4"/>
+        <a:srgbClr val="48B75B"/>
       </a:accent1>
       <a:accent2>
-        <a:srgbClr val="ED7D31"/>
+        <a:srgbClr val="58B13B"/>
       </a:accent2>
       <a:accent3>
-        <a:srgbClr val="A5A5A5"/>
+        <a:srgbClr val="89AD44"/>
       </a:accent3>
       <a:accent4>
-        <a:srgbClr val="FFC000"/>
+        <a:srgbClr val="ACA339"/>
       </a:accent4>
       <a:accent5>
-        <a:srgbClr val="5B9BD5"/>
+        <a:srgbClr val="C3884D"/>
       </a:accent5>
       <a:accent6>
-        <a:srgbClr val="70AD47"/>
+        <a:srgbClr val="B1453B"/>
       </a:accent6>
       <a:hlink>
-        <a:srgbClr val="0563C1"/>
+        <a:srgbClr val="A07D35"/>
       </a:hlink>
       <a:folHlink>
-        <a:srgbClr val="954F72"/>
+        <a:srgbClr val="7F7F7F"/>
       </a:folHlink>
     </a:clrScheme>
-    <a:fontScheme name="Office">
+    <a:fontScheme name="Retrospect">
       <a:majorFont>
-        <a:latin typeface="Calibri Light" panose="020F0302020204030204"/>
+        <a:latin typeface="Garamond" panose="020F0302020204030204"/>
         <a:ea typeface=""/>
         <a:cs typeface=""/>
-        <a:font script="Jpan" typeface="游ゴシック Light"/>
+        <a:font script="Jpan" typeface="ＭＳ Ｐゴシック"/>
         <a:font script="Hang" typeface="맑은 고딕"/>
-        <a:font script="Hans" typeface="等线 Light"/>
+        <a:font script="Hans" typeface="宋体"/>
         <a:font script="Hant" typeface="新細明體"/>
         <a:font script="Arab" typeface="Times New Roman"/>
         <a:font script="Hebr" typeface="Times New Roman"/>
@@ -3470,31 +4298,14 @@
         <a:font script="Viet" typeface="Times New Roman"/>
         <a:font script="Uigh" typeface="Microsoft Uighur"/>
         <a:font script="Geor" typeface="Sylfaen"/>
-        <a:font script="Armn" typeface="Arial"/>
-        <a:font script="Bugi" typeface="Leelawadee UI"/>
-        <a:font script="Bopo" typeface="Microsoft JhengHei"/>
-        <a:font script="Java" typeface="Javanese Text"/>
-        <a:font script="Lisu" typeface="Segoe UI"/>
-        <a:font script="Mymr" typeface="Myanmar Text"/>
-        <a:font script="Nkoo" typeface="Ebrima"/>
-        <a:font script="Olck" typeface="Nirmala UI"/>
-        <a:font script="Osma" typeface="Ebrima"/>
-        <a:font script="Phag" typeface="Phagspa"/>
-        <a:font script="Syrn" typeface="Estrangelo Edessa"/>
-        <a:font script="Syrj" typeface="Estrangelo Edessa"/>
-        <a:font script="Syre" typeface="Estrangelo Edessa"/>
-        <a:font script="Sora" typeface="Nirmala UI"/>
-        <a:font script="Tale" typeface="Microsoft Tai Le"/>
-        <a:font script="Talu" typeface="Microsoft New Tai Lue"/>
-        <a:font script="Tfng" typeface="Ebrima"/>
       </a:majorFont>
       <a:minorFont>
-        <a:latin typeface="Calibri" panose="020F0502020204030204"/>
+        <a:latin typeface="Garamond" panose="020F0502020204030204"/>
         <a:ea typeface=""/>
         <a:cs typeface=""/>
-        <a:font script="Jpan" typeface="游ゴシック"/>
+        <a:font script="Jpan" typeface="ＭＳ Ｐゴシック"/>
         <a:font script="Hang" typeface="맑은 고딕"/>
-        <a:font script="Hans" typeface="等线"/>
+        <a:font script="Hans" typeface="宋体"/>
         <a:font script="Hant" typeface="新細明體"/>
         <a:font script="Arab" typeface="Arial"/>
         <a:font script="Hebr" typeface="Arial"/>
@@ -3522,26 +4333,9 @@
         <a:font script="Viet" typeface="Arial"/>
         <a:font script="Uigh" typeface="Microsoft Uighur"/>
         <a:font script="Geor" typeface="Sylfaen"/>
-        <a:font script="Armn" typeface="Arial"/>
-        <a:font script="Bugi" typeface="Leelawadee UI"/>
-        <a:font script="Bopo" typeface="Microsoft JhengHei"/>
-        <a:font script="Java" typeface="Javanese Text"/>
-        <a:font script="Lisu" typeface="Segoe UI"/>
-        <a:font script="Mymr" typeface="Myanmar Text"/>
-        <a:font script="Nkoo" typeface="Ebrima"/>
-        <a:font script="Olck" typeface="Nirmala UI"/>
-        <a:font script="Osma" typeface="Ebrima"/>
-        <a:font script="Phag" typeface="Phagspa"/>
-        <a:font script="Syrn" typeface="Estrangelo Edessa"/>
-        <a:font script="Syrj" typeface="Estrangelo Edessa"/>
-        <a:font script="Syre" typeface="Estrangelo Edessa"/>
-        <a:font script="Sora" typeface="Nirmala UI"/>
-        <a:font script="Tale" typeface="Microsoft Tai Le"/>
-        <a:font script="Talu" typeface="Microsoft New Tai Lue"/>
-        <a:font script="Tfng" typeface="Ebrima"/>
       </a:minorFont>
     </a:fontScheme>
-    <a:fmtScheme name="Office">
+    <a:fmtScheme name="Retrospect">
       <a:fillStyleLst>
         <a:solidFill>
           <a:schemeClr val="phClr"/>
@@ -3550,76 +4344,81 @@
           <a:gsLst>
             <a:gs pos="0">
               <a:schemeClr val="phClr">
-                <a:lumMod val="110000"/>
-                <a:satMod val="105000"/>
-                <a:tint val="67000"/>
+                <a:tint val="65000"/>
+                <a:shade val="92000"/>
+                <a:satMod val="130000"/>
               </a:schemeClr>
             </a:gs>
-            <a:gs pos="50000">
+            <a:gs pos="45000">
               <a:schemeClr val="phClr">
-                <a:lumMod val="105000"/>
-                <a:satMod val="103000"/>
-                <a:tint val="73000"/>
+                <a:tint val="60000"/>
+                <a:shade val="99000"/>
+                <a:satMod val="120000"/>
               </a:schemeClr>
             </a:gs>
             <a:gs pos="100000">
               <a:schemeClr val="phClr">
-                <a:lumMod val="105000"/>
-                <a:satMod val="109000"/>
-                <a:tint val="81000"/>
+                <a:tint val="55000"/>
+                <a:satMod val="140000"/>
               </a:schemeClr>
             </a:gs>
           </a:gsLst>
-          <a:lin ang="5400000" scaled="0"/>
+          <a:path path="circle">
+            <a:fillToRect l="100000" t="100000" r="100000" b="100000"/>
+          </a:path>
         </a:gradFill>
         <a:gradFill rotWithShape="1">
           <a:gsLst>
             <a:gs pos="0">
               <a:schemeClr val="phClr">
-                <a:satMod val="103000"/>
-                <a:lumMod val="102000"/>
-                <a:tint val="94000"/>
+                <a:shade val="85000"/>
+                <a:satMod val="130000"/>
               </a:schemeClr>
             </a:gs>
-            <a:gs pos="50000">
+            <a:gs pos="34000">
               <a:schemeClr val="phClr">
-                <a:satMod val="110000"/>
-                <a:lumMod val="100000"/>
-                <a:shade val="100000"/>
+                <a:shade val="87000"/>
+                <a:satMod val="125000"/>
+              </a:schemeClr>
+            </a:gs>
+            <a:gs pos="70000">
+              <a:schemeClr val="phClr">
+                <a:tint val="100000"/>
+                <a:shade val="90000"/>
+                <a:satMod val="130000"/>
               </a:schemeClr>
             </a:gs>
             <a:gs pos="100000">
               <a:schemeClr val="phClr">
-                <a:lumMod val="99000"/>
-                <a:satMod val="120000"/>
-                <a:shade val="78000"/>
+                <a:tint val="100000"/>
+                <a:shade val="100000"/>
+                <a:satMod val="110000"/>
               </a:schemeClr>
             </a:gs>
           </a:gsLst>
-          <a:lin ang="5400000" scaled="0"/>
+          <a:path path="circle">
+            <a:fillToRect l="100000" t="100000" r="100000" b="100000"/>
+          </a:path>
         </a:gradFill>
       </a:fillStyleLst>
       <a:lnStyleLst>
-        <a:ln w="6350" cap="flat" cmpd="sng" algn="ctr">
-          <a:solidFill>
-            <a:schemeClr val="phClr"/>
-          </a:solidFill>
-          <a:prstDash val="solid"/>
-          <a:miter lim="800000"/>
-        </a:ln>
         <a:ln w="12700" cap="flat" cmpd="sng" algn="ctr">
           <a:solidFill>
             <a:schemeClr val="phClr"/>
           </a:solidFill>
           <a:prstDash val="solid"/>
-          <a:miter lim="800000"/>
         </a:ln>
-        <a:ln w="19050" cap="flat" cmpd="sng" algn="ctr">
+        <a:ln w="15875" cap="flat" cmpd="sng" algn="ctr">
           <a:solidFill>
             <a:schemeClr val="phClr"/>
           </a:solidFill>
           <a:prstDash val="solid"/>
-          <a:miter lim="800000"/>
+        </a:ln>
+        <a:ln w="25400" cap="flat" cmpd="sng" algn="ctr">
+          <a:solidFill>
+            <a:schemeClr val="phClr"/>
+          </a:solidFill>
+          <a:prstDash val="solid"/>
         </a:ln>
       </a:lnStyleLst>
       <a:effectStyleLst>
@@ -3627,16 +4426,33 @@
           <a:effectLst/>
         </a:effectStyle>
         <a:effectStyle>
-          <a:effectLst/>
+          <a:effectLst>
+            <a:outerShdw blurRad="38100" dist="25400" dir="2700000" algn="br" rotWithShape="0">
+              <a:srgbClr val="000000">
+                <a:alpha val="60000"/>
+              </a:srgbClr>
+            </a:outerShdw>
+          </a:effectLst>
         </a:effectStyle>
         <a:effectStyle>
           <a:effectLst>
-            <a:outerShdw blurRad="57150" dist="19050" dir="5400000" algn="ctr" rotWithShape="0">
+            <a:outerShdw blurRad="44450" dist="25400" dir="2700000" algn="br" rotWithShape="0">
               <a:srgbClr val="000000">
-                <a:alpha val="63000"/>
+                <a:alpha val="60000"/>
               </a:srgbClr>
             </a:outerShdw>
           </a:effectLst>
+          <a:scene3d>
+            <a:camera prst="orthographicFront">
+              <a:rot lat="0" lon="0" rev="0"/>
+            </a:camera>
+            <a:lightRig rig="threePt" dir="t">
+              <a:rot lat="0" lon="0" rev="19800000"/>
+            </a:lightRig>
+          </a:scene3d>
+          <a:sp3d prstMaterial="flat">
+            <a:bevelT w="25400" h="31750"/>
+          </a:sp3d>
         </a:effectStyle>
       </a:effectStyleLst>
       <a:bgFillStyleLst>
@@ -3645,36 +4461,36 @@
         </a:solidFill>
         <a:solidFill>
           <a:schemeClr val="phClr">
-            <a:tint val="95000"/>
-            <a:satMod val="170000"/>
+            <a:tint val="90000"/>
+            <a:shade val="97000"/>
+            <a:satMod val="130000"/>
           </a:schemeClr>
         </a:solidFill>
         <a:gradFill rotWithShape="1">
           <a:gsLst>
             <a:gs pos="0">
               <a:schemeClr val="phClr">
-                <a:tint val="93000"/>
-                <a:satMod val="150000"/>
-                <a:shade val="98000"/>
-                <a:lumMod val="102000"/>
+                <a:tint val="96000"/>
+                <a:shade val="99000"/>
+                <a:satMod val="140000"/>
               </a:schemeClr>
             </a:gs>
-            <a:gs pos="50000">
+            <a:gs pos="65000">
               <a:schemeClr val="phClr">
-                <a:tint val="98000"/>
+                <a:tint val="100000"/>
+                <a:shade val="80000"/>
                 <a:satMod val="130000"/>
-                <a:shade val="90000"/>
-                <a:lumMod val="103000"/>
               </a:schemeClr>
             </a:gs>
             <a:gs pos="100000">
               <a:schemeClr val="phClr">
-                <a:shade val="63000"/>
+                <a:tint val="100000"/>
+                <a:shade val="48000"/>
                 <a:satMod val="120000"/>
               </a:schemeClr>
             </a:gs>
           </a:gsLst>
-          <a:lin ang="5400000" scaled="0"/>
+          <a:lin ang="16200000" scaled="0"/>
         </a:gradFill>
       </a:bgFillStyleLst>
     </a:fmtScheme>
@@ -3683,7 +4499,7 @@
   <a:extraClrSchemeLst/>
   <a:extLst>
     <a:ext uri="{05A4C25C-085E-4340-85A3-A5531E510DB2}">
-      <thm15:themeFamily xmlns:thm15="http://schemas.microsoft.com/office/thememl/2012/main" name="Office Theme" id="{62F939B6-93AF-4DB8-9C6B-D6C7DFDC589F}" vid="{4A3C46E8-61CC-4603-A589-7422A47A8E4A}"/>
+      <thm15:themeFamily xmlns:thm15="http://schemas.microsoft.com/office/thememl/2012/main" name="RetrospectVTI" id="{ABE3C30C-0FC0-4450-828E-52DE70F1BCCB}" vid="{A6E2497D-935A-4CFD-B9FD-6DCB15FA68BF}"/>
     </a:ext>
   </a:extLst>
 </a:theme>

--- a/activemq.pptx
+++ b/activemq.pptx
@@ -6,7 +6,8 @@
   </p:sldMasterIdLst>
   <p:sldIdLst>
     <p:sldId id="256" r:id="rId2"/>
-    <p:sldId id="257" r:id="rId3"/>
+    <p:sldId id="258" r:id="rId3"/>
+    <p:sldId id="257" r:id="rId4"/>
   </p:sldIdLst>
   <p:sldSz cx="12192000" cy="6858000"/>
   <p:notesSz cx="6858000" cy="9144000"/>
@@ -4109,6 +4110,111 @@
           <p:cNvPr id="2" name="Title 1">
             <a:extLst>
               <a:ext uri="{FF2B5EF4-FFF2-40B4-BE49-F238E27FC236}">
+                <a16:creationId xmlns:a16="http://schemas.microsoft.com/office/drawing/2014/main" id="{494A1875-DCFF-48EC-959D-1191E134AEFF}"/>
+              </a:ext>
+            </a:extLst>
+          </p:cNvPr>
+          <p:cNvSpPr>
+            <a:spLocks noGrp="1"/>
+          </p:cNvSpPr>
+          <p:nvPr>
+            <p:ph type="title"/>
+          </p:nvPr>
+        </p:nvSpPr>
+        <p:spPr/>
+        <p:txBody>
+          <a:bodyPr/>
+          <a:lstStyle/>
+          <a:p>
+            <a:endParaRPr lang="en-US" dirty="0"/>
+          </a:p>
+        </p:txBody>
+      </p:sp>
+      <p:sp>
+        <p:nvSpPr>
+          <p:cNvPr id="3" name="Content Placeholder 2">
+            <a:extLst>
+              <a:ext uri="{FF2B5EF4-FFF2-40B4-BE49-F238E27FC236}">
+                <a16:creationId xmlns:a16="http://schemas.microsoft.com/office/drawing/2014/main" id="{CB351FFA-815E-46D3-859A-DC2FDF0B57EF}"/>
+              </a:ext>
+            </a:extLst>
+          </p:cNvPr>
+          <p:cNvSpPr>
+            <a:spLocks noGrp="1"/>
+          </p:cNvSpPr>
+          <p:nvPr>
+            <p:ph sz="half" idx="1"/>
+          </p:nvPr>
+        </p:nvSpPr>
+        <p:spPr/>
+        <p:txBody>
+          <a:bodyPr/>
+          <a:lstStyle/>
+          <a:p>
+            <a:endParaRPr lang="en-US"/>
+          </a:p>
+        </p:txBody>
+      </p:sp>
+      <p:sp>
+        <p:nvSpPr>
+          <p:cNvPr id="4" name="Content Placeholder 3">
+            <a:extLst>
+              <a:ext uri="{FF2B5EF4-FFF2-40B4-BE49-F238E27FC236}">
+                <a16:creationId xmlns:a16="http://schemas.microsoft.com/office/drawing/2014/main" id="{1858F7B6-2AE7-42AC-8C03-BAB38D8A3891}"/>
+              </a:ext>
+            </a:extLst>
+          </p:cNvPr>
+          <p:cNvSpPr>
+            <a:spLocks noGrp="1"/>
+          </p:cNvSpPr>
+          <p:nvPr>
+            <p:ph sz="half" idx="2"/>
+          </p:nvPr>
+        </p:nvSpPr>
+        <p:spPr/>
+        <p:txBody>
+          <a:bodyPr/>
+          <a:lstStyle/>
+          <a:p>
+            <a:endParaRPr lang="en-US"/>
+          </a:p>
+        </p:txBody>
+      </p:sp>
+    </p:spTree>
+    <p:extLst>
+      <p:ext uri="{BB962C8B-B14F-4D97-AF65-F5344CB8AC3E}">
+        <p14:creationId xmlns:p14="http://schemas.microsoft.com/office/powerpoint/2010/main" val="2176029349"/>
+      </p:ext>
+    </p:extLst>
+  </p:cSld>
+  <p:clrMapOvr>
+    <a:masterClrMapping/>
+  </p:clrMapOvr>
+</p:sld>
+</file>
+
+<file path=ppt/slides/slide3.xml><?xml version="1.0" encoding="utf-8"?>
+<p:sld xmlns:a="http://schemas.openxmlformats.org/drawingml/2006/main" xmlns:r="http://schemas.openxmlformats.org/officeDocument/2006/relationships" xmlns:p="http://schemas.openxmlformats.org/presentationml/2006/main">
+  <p:cSld>
+    <p:spTree>
+      <p:nvGrpSpPr>
+        <p:cNvPr id="1" name=""/>
+        <p:cNvGrpSpPr/>
+        <p:nvPr/>
+      </p:nvGrpSpPr>
+      <p:grpSpPr>
+        <a:xfrm>
+          <a:off x="0" y="0"/>
+          <a:ext cx="0" cy="0"/>
+          <a:chOff x="0" y="0"/>
+          <a:chExt cx="0" cy="0"/>
+        </a:xfrm>
+      </p:grpSpPr>
+      <p:sp>
+        <p:nvSpPr>
+          <p:cNvPr id="2" name="Title 1">
+            <a:extLst>
+              <a:ext uri="{FF2B5EF4-FFF2-40B4-BE49-F238E27FC236}">
                 <a16:creationId xmlns:a16="http://schemas.microsoft.com/office/drawing/2014/main" id="{405FA95E-3AC8-4F3F-93D3-71D765C19FF9}"/>
               </a:ext>
             </a:extLst>

--- a/activemq.pptx
+++ b/activemq.pptx
@@ -8,6 +8,8 @@
     <p:sldId id="256" r:id="rId2"/>
     <p:sldId id="258" r:id="rId3"/>
     <p:sldId id="257" r:id="rId4"/>
+    <p:sldId id="260" r:id="rId5"/>
+    <p:sldId id="261" r:id="rId6"/>
   </p:sldIdLst>
   <p:sldSz cx="12192000" cy="6858000"/>
   <p:notesSz cx="6858000" cy="9144000"/>
@@ -114,6 +116,3171 @@
 </p:presentation>
 </file>
 
+<file path=ppt/diagrams/colors1.xml><?xml version="1.0" encoding="utf-8"?>
+<dgm:colorsDef xmlns:dgm="http://schemas.openxmlformats.org/drawingml/2006/diagram" xmlns:a="http://schemas.openxmlformats.org/drawingml/2006/main" uniqueId="urn:microsoft.com/office/officeart/2018/5/colors/Iconchunking_neutralbg_colorful5">
+  <dgm:title val=""/>
+  <dgm:desc val=""/>
+  <dgm:catLst>
+    <dgm:cat type="colorful" pri="10500"/>
+  </dgm:catLst>
+  <dgm:styleLbl name="node0">
+    <dgm:fillClrLst meth="repeat">
+      <a:schemeClr val="accent4"/>
+    </dgm:fillClrLst>
+    <dgm:linClrLst meth="repeat">
+      <a:schemeClr val="lt1"/>
+    </dgm:linClrLst>
+    <dgm:effectClrLst/>
+    <dgm:txLinClrLst/>
+    <dgm:txFillClrLst/>
+    <dgm:txEffectClrLst/>
+  </dgm:styleLbl>
+  <dgm:styleLbl name="node1">
+    <dgm:fillClrLst>
+      <a:schemeClr val="accent5"/>
+      <a:schemeClr val="accent6"/>
+    </dgm:fillClrLst>
+    <dgm:linClrLst meth="repeat">
+      <a:schemeClr val="lt1">
+        <a:alpha val="0"/>
+      </a:schemeClr>
+    </dgm:linClrLst>
+    <dgm:effectClrLst/>
+    <dgm:txLinClrLst/>
+    <dgm:txFillClrLst/>
+    <dgm:txEffectClrLst/>
+  </dgm:styleLbl>
+  <dgm:styleLbl name="alignNode1">
+    <dgm:fillClrLst>
+      <a:schemeClr val="accent5"/>
+      <a:schemeClr val="accent6"/>
+    </dgm:fillClrLst>
+    <dgm:linClrLst>
+      <a:schemeClr val="accent5"/>
+      <a:schemeClr val="accent6"/>
+    </dgm:linClrLst>
+    <dgm:effectClrLst/>
+    <dgm:txLinClrLst/>
+    <dgm:txFillClrLst/>
+    <dgm:txEffectClrLst/>
+  </dgm:styleLbl>
+  <dgm:styleLbl name="lnNode1">
+    <dgm:fillClrLst>
+      <a:schemeClr val="accent5"/>
+      <a:schemeClr val="accent6"/>
+    </dgm:fillClrLst>
+    <dgm:linClrLst meth="repeat">
+      <a:schemeClr val="lt1"/>
+    </dgm:linClrLst>
+    <dgm:effectClrLst/>
+    <dgm:txLinClrLst/>
+    <dgm:txFillClrLst/>
+    <dgm:txEffectClrLst/>
+  </dgm:styleLbl>
+  <dgm:styleLbl name="vennNode1">
+    <dgm:fillClrLst>
+      <a:schemeClr val="accent5">
+        <a:alpha val="50000"/>
+      </a:schemeClr>
+      <a:schemeClr val="accent6">
+        <a:alpha val="50000"/>
+      </a:schemeClr>
+    </dgm:fillClrLst>
+    <dgm:linClrLst meth="repeat">
+      <a:schemeClr val="lt1"/>
+    </dgm:linClrLst>
+    <dgm:effectClrLst/>
+    <dgm:txLinClrLst/>
+    <dgm:txFillClrLst/>
+    <dgm:txEffectClrLst/>
+  </dgm:styleLbl>
+  <dgm:styleLbl name="node2">
+    <dgm:fillClrLst>
+      <a:schemeClr val="accent6"/>
+    </dgm:fillClrLst>
+    <dgm:linClrLst meth="repeat">
+      <a:schemeClr val="lt1"/>
+    </dgm:linClrLst>
+    <dgm:effectClrLst/>
+    <dgm:txLinClrLst/>
+    <dgm:txFillClrLst/>
+    <dgm:txEffectClrLst/>
+  </dgm:styleLbl>
+  <dgm:styleLbl name="node3">
+    <dgm:fillClrLst>
+      <a:schemeClr val="accent1"/>
+    </dgm:fillClrLst>
+    <dgm:linClrLst meth="repeat">
+      <a:schemeClr val="lt1"/>
+    </dgm:linClrLst>
+    <dgm:effectClrLst/>
+    <dgm:txLinClrLst/>
+    <dgm:txFillClrLst/>
+    <dgm:txEffectClrLst/>
+  </dgm:styleLbl>
+  <dgm:styleLbl name="node4">
+    <dgm:fillClrLst>
+      <a:schemeClr val="accent2"/>
+    </dgm:fillClrLst>
+    <dgm:linClrLst meth="repeat">
+      <a:schemeClr val="lt1"/>
+    </dgm:linClrLst>
+    <dgm:effectClrLst/>
+    <dgm:txLinClrLst/>
+    <dgm:txFillClrLst/>
+    <dgm:txEffectClrLst/>
+  </dgm:styleLbl>
+  <dgm:styleLbl name="fgImgPlace1">
+    <dgm:fillClrLst>
+      <a:schemeClr val="accent5">
+        <a:tint val="50000"/>
+      </a:schemeClr>
+      <a:schemeClr val="accent6">
+        <a:tint val="50000"/>
+      </a:schemeClr>
+    </dgm:fillClrLst>
+    <dgm:linClrLst meth="repeat">
+      <a:schemeClr val="lt1"/>
+    </dgm:linClrLst>
+    <dgm:effectClrLst/>
+    <dgm:txLinClrLst/>
+    <dgm:txFillClrLst meth="repeat">
+      <a:schemeClr val="lt1"/>
+    </dgm:txFillClrLst>
+    <dgm:txEffectClrLst/>
+  </dgm:styleLbl>
+  <dgm:styleLbl name="alignImgPlace1">
+    <dgm:fillClrLst>
+      <a:schemeClr val="accent5">
+        <a:tint val="50000"/>
+      </a:schemeClr>
+      <a:schemeClr val="accent6">
+        <a:tint val="20000"/>
+      </a:schemeClr>
+    </dgm:fillClrLst>
+    <dgm:linClrLst meth="repeat">
+      <a:schemeClr val="lt1"/>
+    </dgm:linClrLst>
+    <dgm:effectClrLst/>
+    <dgm:txLinClrLst/>
+    <dgm:txFillClrLst meth="repeat">
+      <a:schemeClr val="lt1"/>
+    </dgm:txFillClrLst>
+    <dgm:txEffectClrLst/>
+  </dgm:styleLbl>
+  <dgm:styleLbl name="bgImgPlace1">
+    <dgm:fillClrLst>
+      <a:schemeClr val="accent5">
+        <a:tint val="50000"/>
+      </a:schemeClr>
+      <a:schemeClr val="accent6">
+        <a:tint val="20000"/>
+      </a:schemeClr>
+    </dgm:fillClrLst>
+    <dgm:linClrLst meth="repeat">
+      <a:schemeClr val="lt1"/>
+    </dgm:linClrLst>
+    <dgm:effectClrLst/>
+    <dgm:txLinClrLst/>
+    <dgm:txFillClrLst meth="repeat">
+      <a:schemeClr val="lt1"/>
+    </dgm:txFillClrLst>
+    <dgm:txEffectClrLst/>
+  </dgm:styleLbl>
+  <dgm:styleLbl name="sibTrans2D1">
+    <dgm:fillClrLst>
+      <a:schemeClr val="accent5"/>
+      <a:schemeClr val="accent6"/>
+    </dgm:fillClrLst>
+    <dgm:linClrLst meth="repeat">
+      <a:schemeClr val="lt1"/>
+    </dgm:linClrLst>
+    <dgm:effectClrLst/>
+    <dgm:txLinClrLst/>
+    <dgm:txFillClrLst/>
+    <dgm:txEffectClrLst/>
+  </dgm:styleLbl>
+  <dgm:styleLbl name="fgSibTrans2D1">
+    <dgm:fillClrLst>
+      <a:schemeClr val="accent5"/>
+      <a:schemeClr val="accent6"/>
+    </dgm:fillClrLst>
+    <dgm:linClrLst meth="repeat">
+      <a:schemeClr val="lt1"/>
+    </dgm:linClrLst>
+    <dgm:effectClrLst/>
+    <dgm:txLinClrLst/>
+    <dgm:txFillClrLst meth="repeat">
+      <a:schemeClr val="lt1"/>
+    </dgm:txFillClrLst>
+    <dgm:txEffectClrLst/>
+  </dgm:styleLbl>
+  <dgm:styleLbl name="bgSibTrans2D1">
+    <dgm:fillClrLst>
+      <a:schemeClr val="accent5"/>
+      <a:schemeClr val="accent6"/>
+    </dgm:fillClrLst>
+    <dgm:linClrLst meth="repeat">
+      <a:schemeClr val="lt1"/>
+    </dgm:linClrLst>
+    <dgm:effectClrLst/>
+    <dgm:txLinClrLst/>
+    <dgm:txFillClrLst meth="repeat">
+      <a:schemeClr val="lt1"/>
+    </dgm:txFillClrLst>
+    <dgm:txEffectClrLst/>
+  </dgm:styleLbl>
+  <dgm:styleLbl name="sibTrans1D1">
+    <dgm:fillClrLst/>
+    <dgm:linClrLst>
+      <a:schemeClr val="accent5"/>
+      <a:schemeClr val="accent6"/>
+    </dgm:linClrLst>
+    <dgm:effectClrLst/>
+    <dgm:txLinClrLst/>
+    <dgm:txFillClrLst meth="repeat">
+      <a:schemeClr val="tx1"/>
+    </dgm:txFillClrLst>
+    <dgm:txEffectClrLst/>
+  </dgm:styleLbl>
+  <dgm:styleLbl name="callout">
+    <dgm:fillClrLst meth="repeat">
+      <a:schemeClr val="accent5"/>
+    </dgm:fillClrLst>
+    <dgm:linClrLst meth="repeat">
+      <a:schemeClr val="accent5">
+        <a:tint val="50000"/>
+      </a:schemeClr>
+    </dgm:linClrLst>
+    <dgm:effectClrLst/>
+    <dgm:txLinClrLst/>
+    <dgm:txFillClrLst meth="repeat">
+      <a:schemeClr val="tx1"/>
+    </dgm:txFillClrLst>
+    <dgm:txEffectClrLst/>
+  </dgm:styleLbl>
+  <dgm:styleLbl name="asst0">
+    <dgm:fillClrLst meth="repeat">
+      <a:schemeClr val="accent5"/>
+    </dgm:fillClrLst>
+    <dgm:linClrLst meth="repeat">
+      <a:schemeClr val="lt1">
+        <a:shade val="80000"/>
+      </a:schemeClr>
+    </dgm:linClrLst>
+    <dgm:effectClrLst/>
+    <dgm:txLinClrLst/>
+    <dgm:txFillClrLst/>
+    <dgm:txEffectClrLst/>
+  </dgm:styleLbl>
+  <dgm:styleLbl name="asst1">
+    <dgm:fillClrLst meth="repeat">
+      <a:schemeClr val="accent6"/>
+    </dgm:fillClrLst>
+    <dgm:linClrLst meth="repeat">
+      <a:schemeClr val="lt1">
+        <a:shade val="80000"/>
+      </a:schemeClr>
+    </dgm:linClrLst>
+    <dgm:effectClrLst/>
+    <dgm:txLinClrLst/>
+    <dgm:txFillClrLst/>
+    <dgm:txEffectClrLst/>
+  </dgm:styleLbl>
+  <dgm:styleLbl name="asst2">
+    <dgm:fillClrLst>
+      <a:schemeClr val="accent1"/>
+    </dgm:fillClrLst>
+    <dgm:linClrLst meth="repeat">
+      <a:schemeClr val="lt1"/>
+    </dgm:linClrLst>
+    <dgm:effectClrLst/>
+    <dgm:txLinClrLst/>
+    <dgm:txFillClrLst/>
+    <dgm:txEffectClrLst/>
+  </dgm:styleLbl>
+  <dgm:styleLbl name="asst3">
+    <dgm:fillClrLst>
+      <a:schemeClr val="accent2"/>
+    </dgm:fillClrLst>
+    <dgm:linClrLst meth="repeat">
+      <a:schemeClr val="lt1"/>
+    </dgm:linClrLst>
+    <dgm:effectClrLst/>
+    <dgm:txLinClrLst/>
+    <dgm:txFillClrLst/>
+    <dgm:txEffectClrLst/>
+  </dgm:styleLbl>
+  <dgm:styleLbl name="asst4">
+    <dgm:fillClrLst>
+      <a:schemeClr val="accent3"/>
+    </dgm:fillClrLst>
+    <dgm:linClrLst meth="repeat">
+      <a:schemeClr val="lt1"/>
+    </dgm:linClrLst>
+    <dgm:effectClrLst/>
+    <dgm:txLinClrLst/>
+    <dgm:txFillClrLst/>
+    <dgm:txEffectClrLst/>
+  </dgm:styleLbl>
+  <dgm:styleLbl name="parChTrans2D1">
+    <dgm:fillClrLst meth="repeat">
+      <a:schemeClr val="accent5"/>
+    </dgm:fillClrLst>
+    <dgm:linClrLst meth="repeat">
+      <a:schemeClr val="lt1"/>
+    </dgm:linClrLst>
+    <dgm:effectClrLst/>
+    <dgm:txLinClrLst/>
+    <dgm:txFillClrLst meth="repeat">
+      <a:schemeClr val="lt1"/>
+    </dgm:txFillClrLst>
+    <dgm:txEffectClrLst/>
+  </dgm:styleLbl>
+  <dgm:styleLbl name="parChTrans2D2">
+    <dgm:fillClrLst meth="repeat">
+      <a:schemeClr val="accent6"/>
+    </dgm:fillClrLst>
+    <dgm:linClrLst meth="repeat">
+      <a:schemeClr val="lt1"/>
+    </dgm:linClrLst>
+    <dgm:effectClrLst/>
+    <dgm:txLinClrLst/>
+    <dgm:txFillClrLst/>
+    <dgm:txEffectClrLst/>
+  </dgm:styleLbl>
+  <dgm:styleLbl name="parChTrans2D3">
+    <dgm:fillClrLst meth="repeat">
+      <a:schemeClr val="accent6"/>
+    </dgm:fillClrLst>
+    <dgm:linClrLst meth="repeat">
+      <a:schemeClr val="lt1"/>
+    </dgm:linClrLst>
+    <dgm:effectClrLst/>
+    <dgm:txLinClrLst/>
+    <dgm:txFillClrLst/>
+    <dgm:txEffectClrLst/>
+  </dgm:styleLbl>
+  <dgm:styleLbl name="parChTrans2D4">
+    <dgm:fillClrLst meth="repeat">
+      <a:schemeClr val="accent1"/>
+    </dgm:fillClrLst>
+    <dgm:linClrLst meth="repeat">
+      <a:schemeClr val="lt1"/>
+    </dgm:linClrLst>
+    <dgm:effectClrLst/>
+    <dgm:txLinClrLst/>
+    <dgm:txFillClrLst meth="repeat">
+      <a:schemeClr val="lt1"/>
+    </dgm:txFillClrLst>
+    <dgm:txEffectClrLst/>
+  </dgm:styleLbl>
+  <dgm:styleLbl name="parChTrans1D1">
+    <dgm:fillClrLst meth="repeat">
+      <a:schemeClr val="accent5"/>
+    </dgm:fillClrLst>
+    <dgm:linClrLst meth="repeat">
+      <a:schemeClr val="accent5"/>
+    </dgm:linClrLst>
+    <dgm:effectClrLst/>
+    <dgm:txLinClrLst/>
+    <dgm:txFillClrLst meth="repeat">
+      <a:schemeClr val="tx1"/>
+    </dgm:txFillClrLst>
+    <dgm:txEffectClrLst/>
+  </dgm:styleLbl>
+  <dgm:styleLbl name="parChTrans1D2">
+    <dgm:fillClrLst meth="repeat">
+      <a:schemeClr val="accent6">
+        <a:tint val="90000"/>
+      </a:schemeClr>
+    </dgm:fillClrLst>
+    <dgm:linClrLst meth="repeat">
+      <a:schemeClr val="accent6"/>
+    </dgm:linClrLst>
+    <dgm:effectClrLst/>
+    <dgm:txLinClrLst/>
+    <dgm:txFillClrLst meth="repeat">
+      <a:schemeClr val="tx1"/>
+    </dgm:txFillClrLst>
+    <dgm:txEffectClrLst/>
+  </dgm:styleLbl>
+  <dgm:styleLbl name="parChTrans1D3">
+    <dgm:fillClrLst meth="repeat">
+      <a:schemeClr val="accent6">
+        <a:tint val="70000"/>
+      </a:schemeClr>
+    </dgm:fillClrLst>
+    <dgm:linClrLst meth="repeat">
+      <a:schemeClr val="accent1"/>
+    </dgm:linClrLst>
+    <dgm:effectClrLst/>
+    <dgm:txLinClrLst/>
+    <dgm:txFillClrLst meth="repeat">
+      <a:schemeClr val="tx1"/>
+    </dgm:txFillClrLst>
+    <dgm:txEffectClrLst/>
+  </dgm:styleLbl>
+  <dgm:styleLbl name="parChTrans1D4">
+    <dgm:fillClrLst meth="repeat">
+      <a:schemeClr val="accent6">
+        <a:tint val="50000"/>
+      </a:schemeClr>
+    </dgm:fillClrLst>
+    <dgm:linClrLst meth="repeat">
+      <a:schemeClr val="accent2"/>
+    </dgm:linClrLst>
+    <dgm:effectClrLst/>
+    <dgm:txLinClrLst/>
+    <dgm:txFillClrLst meth="repeat">
+      <a:schemeClr val="tx1"/>
+    </dgm:txFillClrLst>
+    <dgm:txEffectClrLst/>
+  </dgm:styleLbl>
+  <dgm:styleLbl name="fgAcc1">
+    <dgm:fillClrLst meth="repeat">
+      <a:schemeClr val="lt1">
+        <a:alpha val="90000"/>
+      </a:schemeClr>
+    </dgm:fillClrLst>
+    <dgm:linClrLst>
+      <a:schemeClr val="accent5"/>
+      <a:schemeClr val="accent6"/>
+    </dgm:linClrLst>
+    <dgm:effectClrLst/>
+    <dgm:txLinClrLst/>
+    <dgm:txFillClrLst meth="repeat">
+      <a:schemeClr val="dk1"/>
+    </dgm:txFillClrLst>
+    <dgm:txEffectClrLst/>
+  </dgm:styleLbl>
+  <dgm:styleLbl name="conFgAcc1">
+    <dgm:fillClrLst meth="repeat">
+      <a:schemeClr val="lt1">
+        <a:alpha val="90000"/>
+      </a:schemeClr>
+    </dgm:fillClrLst>
+    <dgm:linClrLst>
+      <a:schemeClr val="accent5"/>
+      <a:schemeClr val="accent6"/>
+    </dgm:linClrLst>
+    <dgm:effectClrLst/>
+    <dgm:txLinClrLst/>
+    <dgm:txFillClrLst meth="repeat">
+      <a:schemeClr val="dk1"/>
+    </dgm:txFillClrLst>
+    <dgm:txEffectClrLst/>
+  </dgm:styleLbl>
+  <dgm:styleLbl name="alignAcc1">
+    <dgm:fillClrLst meth="repeat">
+      <a:schemeClr val="lt1">
+        <a:alpha val="90000"/>
+      </a:schemeClr>
+    </dgm:fillClrLst>
+    <dgm:linClrLst>
+      <a:schemeClr val="accent5"/>
+      <a:schemeClr val="accent6"/>
+    </dgm:linClrLst>
+    <dgm:effectClrLst/>
+    <dgm:txLinClrLst/>
+    <dgm:txFillClrLst meth="repeat">
+      <a:schemeClr val="dk1"/>
+    </dgm:txFillClrLst>
+    <dgm:txEffectClrLst/>
+  </dgm:styleLbl>
+  <dgm:styleLbl name="trAlignAcc1">
+    <dgm:fillClrLst meth="repeat">
+      <a:schemeClr val="lt1">
+        <a:alpha val="40000"/>
+      </a:schemeClr>
+    </dgm:fillClrLst>
+    <dgm:linClrLst meth="repeat">
+      <a:schemeClr val="accent5"/>
+    </dgm:linClrLst>
+    <dgm:effectClrLst/>
+    <dgm:txLinClrLst/>
+    <dgm:txFillClrLst meth="repeat">
+      <a:schemeClr val="dk1"/>
+    </dgm:txFillClrLst>
+    <dgm:txEffectClrLst/>
+  </dgm:styleLbl>
+  <dgm:styleLbl name="bgAcc1">
+    <dgm:fillClrLst meth="repeat">
+      <a:schemeClr val="lt1">
+        <a:alpha val="90000"/>
+      </a:schemeClr>
+    </dgm:fillClrLst>
+    <dgm:linClrLst>
+      <a:schemeClr val="accent5"/>
+      <a:schemeClr val="accent6"/>
+    </dgm:linClrLst>
+    <dgm:effectClrLst/>
+    <dgm:txLinClrLst/>
+    <dgm:txFillClrLst meth="repeat">
+      <a:schemeClr val="dk1"/>
+    </dgm:txFillClrLst>
+    <dgm:txEffectClrLst/>
+  </dgm:styleLbl>
+  <dgm:styleLbl name="solidFgAcc1">
+    <dgm:fillClrLst meth="repeat">
+      <a:schemeClr val="lt1"/>
+    </dgm:fillClrLst>
+    <dgm:linClrLst>
+      <a:schemeClr val="accent5"/>
+      <a:schemeClr val="accent6"/>
+    </dgm:linClrLst>
+    <dgm:effectClrLst/>
+    <dgm:txLinClrLst/>
+    <dgm:txFillClrLst meth="repeat">
+      <a:schemeClr val="dk1"/>
+    </dgm:txFillClrLst>
+    <dgm:txEffectClrLst/>
+  </dgm:styleLbl>
+  <dgm:styleLbl name="solidAlignAcc1">
+    <dgm:fillClrLst meth="repeat">
+      <a:schemeClr val="lt1"/>
+    </dgm:fillClrLst>
+    <dgm:linClrLst>
+      <a:schemeClr val="accent5"/>
+      <a:schemeClr val="accent6"/>
+    </dgm:linClrLst>
+    <dgm:effectClrLst/>
+    <dgm:txLinClrLst/>
+    <dgm:txFillClrLst meth="repeat">
+      <a:schemeClr val="dk1"/>
+    </dgm:txFillClrLst>
+    <dgm:txEffectClrLst/>
+  </dgm:styleLbl>
+  <dgm:styleLbl name="solidBgAcc1">
+    <dgm:fillClrLst meth="repeat">
+      <a:schemeClr val="lt1"/>
+    </dgm:fillClrLst>
+    <dgm:linClrLst>
+      <a:schemeClr val="accent5"/>
+      <a:schemeClr val="accent6"/>
+    </dgm:linClrLst>
+    <dgm:effectClrLst/>
+    <dgm:txLinClrLst/>
+    <dgm:txFillClrLst meth="repeat">
+      <a:schemeClr val="dk1"/>
+    </dgm:txFillClrLst>
+    <dgm:txEffectClrLst/>
+  </dgm:styleLbl>
+  <dgm:styleLbl name="fgAccFollowNode1">
+    <dgm:fillClrLst>
+      <a:schemeClr val="accent5">
+        <a:tint val="40000"/>
+        <a:alpha val="90000"/>
+      </a:schemeClr>
+      <a:schemeClr val="accent6">
+        <a:tint val="40000"/>
+        <a:alpha val="90000"/>
+      </a:schemeClr>
+    </dgm:fillClrLst>
+    <dgm:linClrLst>
+      <a:schemeClr val="accent5">
+        <a:tint val="40000"/>
+        <a:alpha val="90000"/>
+      </a:schemeClr>
+      <a:schemeClr val="accent5">
+        <a:tint val="40000"/>
+        <a:alpha val="90000"/>
+      </a:schemeClr>
+    </dgm:linClrLst>
+    <dgm:effectClrLst/>
+    <dgm:txLinClrLst/>
+    <dgm:txFillClrLst meth="repeat">
+      <a:schemeClr val="dk1"/>
+    </dgm:txFillClrLst>
+    <dgm:txEffectClrLst/>
+  </dgm:styleLbl>
+  <dgm:styleLbl name="alignAccFollowNode1">
+    <dgm:fillClrLst>
+      <a:schemeClr val="accent5">
+        <a:tint val="40000"/>
+        <a:alpha val="90000"/>
+      </a:schemeClr>
+      <a:schemeClr val="accent6">
+        <a:tint val="40000"/>
+        <a:alpha val="90000"/>
+      </a:schemeClr>
+    </dgm:fillClrLst>
+    <dgm:linClrLst>
+      <a:schemeClr val="accent5">
+        <a:tint val="40000"/>
+        <a:alpha val="90000"/>
+      </a:schemeClr>
+      <a:schemeClr val="accent6">
+        <a:tint val="40000"/>
+        <a:alpha val="90000"/>
+      </a:schemeClr>
+    </dgm:linClrLst>
+    <dgm:effectClrLst/>
+    <dgm:txLinClrLst/>
+    <dgm:txFillClrLst meth="repeat">
+      <a:schemeClr val="dk1"/>
+    </dgm:txFillClrLst>
+    <dgm:txEffectClrLst/>
+  </dgm:styleLbl>
+  <dgm:styleLbl name="bgAccFollowNode1">
+    <dgm:fillClrLst>
+      <a:schemeClr val="accent5">
+        <a:tint val="40000"/>
+        <a:alpha val="90000"/>
+      </a:schemeClr>
+      <a:schemeClr val="accent6">
+        <a:tint val="40000"/>
+        <a:alpha val="90000"/>
+      </a:schemeClr>
+    </dgm:fillClrLst>
+    <dgm:linClrLst>
+      <a:schemeClr val="accent5">
+        <a:tint val="40000"/>
+        <a:alpha val="90000"/>
+      </a:schemeClr>
+      <a:schemeClr val="accent6">
+        <a:tint val="40000"/>
+        <a:alpha val="90000"/>
+      </a:schemeClr>
+    </dgm:linClrLst>
+    <dgm:effectClrLst/>
+    <dgm:txLinClrLst/>
+    <dgm:txFillClrLst meth="repeat">
+      <a:schemeClr val="dk1"/>
+    </dgm:txFillClrLst>
+    <dgm:txEffectClrLst/>
+  </dgm:styleLbl>
+  <dgm:styleLbl name="fgAcc0">
+    <dgm:fillClrLst meth="repeat">
+      <a:schemeClr val="lt1">
+        <a:alpha val="90000"/>
+      </a:schemeClr>
+    </dgm:fillClrLst>
+    <dgm:linClrLst>
+      <a:schemeClr val="accent4"/>
+    </dgm:linClrLst>
+    <dgm:effectClrLst/>
+    <dgm:txLinClrLst/>
+    <dgm:txFillClrLst meth="repeat">
+      <a:schemeClr val="dk1"/>
+    </dgm:txFillClrLst>
+    <dgm:txEffectClrLst/>
+  </dgm:styleLbl>
+  <dgm:styleLbl name="fgAcc2">
+    <dgm:fillClrLst meth="repeat">
+      <a:schemeClr val="lt1">
+        <a:alpha val="90000"/>
+      </a:schemeClr>
+    </dgm:fillClrLst>
+    <dgm:linClrLst>
+      <a:schemeClr val="accent6"/>
+    </dgm:linClrLst>
+    <dgm:effectClrLst/>
+    <dgm:txLinClrLst/>
+    <dgm:txFillClrLst meth="repeat">
+      <a:schemeClr val="dk1"/>
+    </dgm:txFillClrLst>
+    <dgm:txEffectClrLst/>
+  </dgm:styleLbl>
+  <dgm:styleLbl name="fgAcc3">
+    <dgm:fillClrLst meth="repeat">
+      <a:schemeClr val="lt1">
+        <a:alpha val="90000"/>
+      </a:schemeClr>
+    </dgm:fillClrLst>
+    <dgm:linClrLst>
+      <a:schemeClr val="accent1"/>
+    </dgm:linClrLst>
+    <dgm:effectClrLst/>
+    <dgm:txLinClrLst/>
+    <dgm:txFillClrLst meth="repeat">
+      <a:schemeClr val="dk1"/>
+    </dgm:txFillClrLst>
+    <dgm:txEffectClrLst/>
+  </dgm:styleLbl>
+  <dgm:styleLbl name="fgAcc4">
+    <dgm:fillClrLst meth="repeat">
+      <a:schemeClr val="lt1">
+        <a:alpha val="90000"/>
+      </a:schemeClr>
+    </dgm:fillClrLst>
+    <dgm:linClrLst>
+      <a:schemeClr val="accent2"/>
+    </dgm:linClrLst>
+    <dgm:effectClrLst/>
+    <dgm:txLinClrLst/>
+    <dgm:txFillClrLst meth="repeat">
+      <a:schemeClr val="dk1"/>
+    </dgm:txFillClrLst>
+    <dgm:txEffectClrLst/>
+  </dgm:styleLbl>
+  <dgm:styleLbl name="bgShp">
+    <dgm:fillClrLst meth="repeat">
+      <a:schemeClr val="bg1">
+        <a:lumMod val="95000"/>
+      </a:schemeClr>
+    </dgm:fillClrLst>
+    <dgm:linClrLst meth="repeat">
+      <a:schemeClr val="dk1"/>
+    </dgm:linClrLst>
+    <dgm:effectClrLst/>
+    <dgm:txLinClrLst/>
+    <dgm:txFillClrLst meth="repeat">
+      <a:schemeClr val="dk1"/>
+    </dgm:txFillClrLst>
+    <dgm:txEffectClrLst/>
+  </dgm:styleLbl>
+  <dgm:styleLbl name="dkBgShp">
+    <dgm:fillClrLst meth="repeat">
+      <a:schemeClr val="accent5">
+        <a:shade val="90000"/>
+      </a:schemeClr>
+    </dgm:fillClrLst>
+    <dgm:linClrLst meth="repeat">
+      <a:schemeClr val="dk1"/>
+    </dgm:linClrLst>
+    <dgm:effectClrLst/>
+    <dgm:txLinClrLst/>
+    <dgm:txFillClrLst meth="repeat">
+      <a:schemeClr val="lt1"/>
+    </dgm:txFillClrLst>
+    <dgm:txEffectClrLst/>
+  </dgm:styleLbl>
+  <dgm:styleLbl name="trBgShp">
+    <dgm:fillClrLst meth="repeat">
+      <a:schemeClr val="accent5">
+        <a:tint val="50000"/>
+        <a:alpha val="40000"/>
+      </a:schemeClr>
+    </dgm:fillClrLst>
+    <dgm:linClrLst meth="repeat">
+      <a:schemeClr val="accent5"/>
+    </dgm:linClrLst>
+    <dgm:effectClrLst/>
+    <dgm:txLinClrLst/>
+    <dgm:txFillClrLst meth="repeat">
+      <a:schemeClr val="lt1"/>
+    </dgm:txFillClrLst>
+    <dgm:txEffectClrLst/>
+  </dgm:styleLbl>
+  <dgm:styleLbl name="fgShp">
+    <dgm:fillClrLst meth="repeat">
+      <a:schemeClr val="accent5">
+        <a:tint val="40000"/>
+      </a:schemeClr>
+    </dgm:fillClrLst>
+    <dgm:linClrLst meth="repeat">
+      <a:schemeClr val="lt1"/>
+    </dgm:linClrLst>
+    <dgm:effectClrLst/>
+    <dgm:txLinClrLst/>
+    <dgm:txFillClrLst meth="repeat">
+      <a:schemeClr val="dk1"/>
+    </dgm:txFillClrLst>
+    <dgm:txEffectClrLst/>
+  </dgm:styleLbl>
+  <dgm:styleLbl name="revTx">
+    <dgm:fillClrLst meth="repeat">
+      <a:schemeClr val="lt1">
+        <a:alpha val="0"/>
+      </a:schemeClr>
+    </dgm:fillClrLst>
+    <dgm:linClrLst meth="repeat">
+      <a:schemeClr val="dk1">
+        <a:alpha val="0"/>
+      </a:schemeClr>
+    </dgm:linClrLst>
+    <dgm:effectClrLst/>
+    <dgm:txLinClrLst/>
+    <dgm:txFillClrLst meth="repeat">
+      <a:schemeClr val="tx1"/>
+    </dgm:txFillClrLst>
+    <dgm:txEffectClrLst/>
+  </dgm:styleLbl>
+</dgm:colorsDef>
+</file>
+
+<file path=ppt/diagrams/data1.xml><?xml version="1.0" encoding="utf-8"?>
+<dgm:dataModel xmlns:dgm="http://schemas.openxmlformats.org/drawingml/2006/diagram" xmlns:a="http://schemas.openxmlformats.org/drawingml/2006/main">
+  <dgm:ptLst>
+    <dgm:pt modelId="{2F95C1F8-A501-498B-9BCA-D8954745FC11}" type="doc">
+      <dgm:prSet loTypeId="urn:microsoft.com/office/officeart/2018/5/layout/IconLeafLabelList" loCatId="icon" qsTypeId="urn:microsoft.com/office/officeart/2005/8/quickstyle/simple1" qsCatId="simple" csTypeId="urn:microsoft.com/office/officeart/2018/5/colors/Iconchunking_neutralbg_colorful5" csCatId="colorful" phldr="1"/>
+      <dgm:spPr/>
+      <dgm:t>
+        <a:bodyPr/>
+        <a:lstStyle/>
+        <a:p>
+          <a:endParaRPr lang="en-US"/>
+        </a:p>
+      </dgm:t>
+    </dgm:pt>
+    <dgm:pt modelId="{A9769D80-3D9C-41C4-A152-05A8761A4455}">
+      <dgm:prSet/>
+      <dgm:spPr/>
+      <dgm:t>
+        <a:bodyPr/>
+        <a:lstStyle/>
+        <a:p>
+          <a:pPr>
+            <a:lnSpc>
+              <a:spcPct val="100000"/>
+            </a:lnSpc>
+            <a:defRPr cap="all"/>
+          </a:pPr>
+          <a:r>
+            <a:rPr lang="en-US" dirty="0">
+              <a:latin typeface="+mn-lt"/>
+            </a:rPr>
+            <a:t>Developed by the </a:t>
+          </a:r>
+          <a:r>
+            <a:rPr lang="en-US" dirty="0">
+              <a:latin typeface="+mn-lt"/>
+              <a:hlinkClick xmlns:r="http://schemas.openxmlformats.org/officeDocument/2006/relationships" r:id="rId1"/>
+            </a:rPr>
+            <a:t>Apache Software Foundation</a:t>
+          </a:r>
+          <a:endParaRPr lang="en-US" dirty="0">
+            <a:latin typeface="+mn-lt"/>
+          </a:endParaRPr>
+        </a:p>
+      </dgm:t>
+    </dgm:pt>
+    <dgm:pt modelId="{3FEF808D-82C4-4199-871F-B89B9632DB53}" type="parTrans" cxnId="{9189B4E5-1FAF-4768-86B4-011617BD49C2}">
+      <dgm:prSet/>
+      <dgm:spPr/>
+      <dgm:t>
+        <a:bodyPr/>
+        <a:lstStyle/>
+        <a:p>
+          <a:endParaRPr lang="en-US"/>
+        </a:p>
+      </dgm:t>
+    </dgm:pt>
+    <dgm:pt modelId="{B76FF107-C17E-40FD-8D23-F21DBBE1E30B}" type="sibTrans" cxnId="{9189B4E5-1FAF-4768-86B4-011617BD49C2}">
+      <dgm:prSet/>
+      <dgm:spPr/>
+      <dgm:t>
+        <a:bodyPr/>
+        <a:lstStyle/>
+        <a:p>
+          <a:endParaRPr lang="en-US"/>
+        </a:p>
+      </dgm:t>
+    </dgm:pt>
+    <dgm:pt modelId="{DD706381-7816-411C-8827-863AEC6052EA}">
+      <dgm:prSet/>
+      <dgm:spPr/>
+      <dgm:t>
+        <a:bodyPr/>
+        <a:lstStyle/>
+        <a:p>
+          <a:pPr>
+            <a:lnSpc>
+              <a:spcPct val="100000"/>
+            </a:lnSpc>
+            <a:defRPr cap="all"/>
+          </a:pPr>
+          <a:r>
+            <a:rPr lang="en-US"/>
+            <a:t>Message-oriented middleware (MOM)</a:t>
+          </a:r>
+        </a:p>
+      </dgm:t>
+    </dgm:pt>
+    <dgm:pt modelId="{2F4BFF8B-AD4F-413A-877F-0F7ABE1E8CDE}" type="parTrans" cxnId="{1C640FAA-F423-43E4-A2DE-B6564D0A2746}">
+      <dgm:prSet/>
+      <dgm:spPr/>
+      <dgm:t>
+        <a:bodyPr/>
+        <a:lstStyle/>
+        <a:p>
+          <a:endParaRPr lang="en-US"/>
+        </a:p>
+      </dgm:t>
+    </dgm:pt>
+    <dgm:pt modelId="{53656E5C-3798-4EFF-AE59-C02326E309A1}" type="sibTrans" cxnId="{1C640FAA-F423-43E4-A2DE-B6564D0A2746}">
+      <dgm:prSet/>
+      <dgm:spPr/>
+      <dgm:t>
+        <a:bodyPr/>
+        <a:lstStyle/>
+        <a:p>
+          <a:endParaRPr lang="en-US"/>
+        </a:p>
+      </dgm:t>
+    </dgm:pt>
+    <dgm:pt modelId="{10185A1A-E2A9-48FF-9BD3-AFFC35803E9F}">
+      <dgm:prSet/>
+      <dgm:spPr/>
+      <dgm:t>
+        <a:bodyPr/>
+        <a:lstStyle/>
+        <a:p>
+          <a:pPr>
+            <a:lnSpc>
+              <a:spcPct val="100000"/>
+            </a:lnSpc>
+            <a:defRPr cap="all"/>
+          </a:pPr>
+          <a:r>
+            <a:rPr lang="en-US"/>
+            <a:t>Allows loose coupling of the elements</a:t>
+          </a:r>
+        </a:p>
+      </dgm:t>
+    </dgm:pt>
+    <dgm:pt modelId="{800563E3-BF02-4E63-890C-A26531DDCBC8}" type="parTrans" cxnId="{597CB97F-9179-4AE3-97BD-17188FE000FB}">
+      <dgm:prSet/>
+      <dgm:spPr/>
+      <dgm:t>
+        <a:bodyPr/>
+        <a:lstStyle/>
+        <a:p>
+          <a:endParaRPr lang="en-US"/>
+        </a:p>
+      </dgm:t>
+    </dgm:pt>
+    <dgm:pt modelId="{7D9CF3B2-0A16-49C3-BA7F-65BA640F61CD}" type="sibTrans" cxnId="{597CB97F-9179-4AE3-97BD-17188FE000FB}">
+      <dgm:prSet/>
+      <dgm:spPr/>
+      <dgm:t>
+        <a:bodyPr/>
+        <a:lstStyle/>
+        <a:p>
+          <a:endParaRPr lang="en-US"/>
+        </a:p>
+      </dgm:t>
+    </dgm:pt>
+    <dgm:pt modelId="{8E0C4D9F-A935-4DF5-9717-A595449C0EBF}">
+      <dgm:prSet/>
+      <dgm:spPr/>
+      <dgm:t>
+        <a:bodyPr/>
+        <a:lstStyle/>
+        <a:p>
+          <a:pPr>
+            <a:lnSpc>
+              <a:spcPct val="100000"/>
+            </a:lnSpc>
+            <a:defRPr cap="all"/>
+          </a:pPr>
+          <a:r>
+            <a:rPr lang="en-US"/>
+            <a:t>Java based-makes use of the Java Message Service (JMS) API</a:t>
+          </a:r>
+        </a:p>
+      </dgm:t>
+    </dgm:pt>
+    <dgm:pt modelId="{DD3CDE15-0847-4304-9708-3839C7503FCE}" type="parTrans" cxnId="{6938EFF2-55D6-489E-8DB7-4EFBA5DD1DBC}">
+      <dgm:prSet/>
+      <dgm:spPr/>
+      <dgm:t>
+        <a:bodyPr/>
+        <a:lstStyle/>
+        <a:p>
+          <a:endParaRPr lang="en-US"/>
+        </a:p>
+      </dgm:t>
+    </dgm:pt>
+    <dgm:pt modelId="{74205D37-C4FC-43A6-BE89-7DCA7E1F9717}" type="sibTrans" cxnId="{6938EFF2-55D6-489E-8DB7-4EFBA5DD1DBC}">
+      <dgm:prSet/>
+      <dgm:spPr/>
+      <dgm:t>
+        <a:bodyPr/>
+        <a:lstStyle/>
+        <a:p>
+          <a:endParaRPr lang="en-US"/>
+        </a:p>
+      </dgm:t>
+    </dgm:pt>
+    <dgm:pt modelId="{DC4AC02F-D5BA-4A28-979A-CD99B5AE9BBC}" type="pres">
+      <dgm:prSet presAssocID="{2F95C1F8-A501-498B-9BCA-D8954745FC11}" presName="root" presStyleCnt="0">
+        <dgm:presLayoutVars>
+          <dgm:dir/>
+          <dgm:resizeHandles val="exact"/>
+        </dgm:presLayoutVars>
+      </dgm:prSet>
+      <dgm:spPr/>
+    </dgm:pt>
+    <dgm:pt modelId="{487FAA2F-F228-41B7-BC5F-FBD7D1110CB3}" type="pres">
+      <dgm:prSet presAssocID="{A9769D80-3D9C-41C4-A152-05A8761A4455}" presName="compNode" presStyleCnt="0"/>
+      <dgm:spPr/>
+    </dgm:pt>
+    <dgm:pt modelId="{A29E99C5-61CD-4F4C-8EC2-274C5B64A599}" type="pres">
+      <dgm:prSet presAssocID="{A9769D80-3D9C-41C4-A152-05A8761A4455}" presName="iconBgRect" presStyleLbl="bgShp" presStyleIdx="0" presStyleCnt="4"/>
+      <dgm:spPr>
+        <a:prstGeom prst="round2DiagRect">
+          <a:avLst>
+            <a:gd name="adj1" fmla="val 29727"/>
+            <a:gd name="adj2" fmla="val 0"/>
+          </a:avLst>
+        </a:prstGeom>
+      </dgm:spPr>
+    </dgm:pt>
+    <dgm:pt modelId="{DD1B885E-07DD-4749-99EF-B2EC3FDA3992}" type="pres">
+      <dgm:prSet presAssocID="{A9769D80-3D9C-41C4-A152-05A8761A4455}" presName="iconRect" presStyleLbl="node1" presStyleIdx="0" presStyleCnt="4"/>
+      <dgm:spPr>
+        <a:blipFill>
+          <a:blip xmlns:r="http://schemas.openxmlformats.org/officeDocument/2006/relationships" r:embed="rId2">
+            <a:extLst>
+              <a:ext uri="{28A0092B-C50C-407E-A947-70E740481C1C}">
+                <a14:useLocalDpi xmlns:a14="http://schemas.microsoft.com/office/drawing/2010/main" val="0"/>
+              </a:ext>
+              <a:ext uri="{96DAC541-7B7A-43D3-8B79-37D633B846F1}">
+                <asvg:svgBlip xmlns:asvg="http://schemas.microsoft.com/office/drawing/2016/SVG/main" r:embed="rId3"/>
+              </a:ext>
+            </a:extLst>
+          </a:blip>
+          <a:stretch>
+            <a:fillRect/>
+          </a:stretch>
+        </a:blipFill>
+        <a:ln>
+          <a:noFill/>
+        </a:ln>
+      </dgm:spPr>
+      <dgm:extLst>
+        <a:ext uri="{E40237B7-FDA0-4F09-8148-C483321AD2D9}">
+          <dgm14:cNvPr xmlns:dgm14="http://schemas.microsoft.com/office/drawing/2010/diagram" id="0" name="" descr="Cloud Computing"/>
+        </a:ext>
+      </dgm:extLst>
+    </dgm:pt>
+    <dgm:pt modelId="{127B2AD1-56F2-4AF3-AF8B-61D2166DFD94}" type="pres">
+      <dgm:prSet presAssocID="{A9769D80-3D9C-41C4-A152-05A8761A4455}" presName="spaceRect" presStyleCnt="0"/>
+      <dgm:spPr/>
+    </dgm:pt>
+    <dgm:pt modelId="{E0454BDA-BE3E-44FB-94FF-1D6F636F52A2}" type="pres">
+      <dgm:prSet presAssocID="{A9769D80-3D9C-41C4-A152-05A8761A4455}" presName="textRect" presStyleLbl="revTx" presStyleIdx="0" presStyleCnt="4">
+        <dgm:presLayoutVars>
+          <dgm:chMax val="1"/>
+          <dgm:chPref val="1"/>
+        </dgm:presLayoutVars>
+      </dgm:prSet>
+      <dgm:spPr/>
+    </dgm:pt>
+    <dgm:pt modelId="{2BAA1A67-6C05-48FD-8449-941474F946C5}" type="pres">
+      <dgm:prSet presAssocID="{B76FF107-C17E-40FD-8D23-F21DBBE1E30B}" presName="sibTrans" presStyleCnt="0"/>
+      <dgm:spPr/>
+    </dgm:pt>
+    <dgm:pt modelId="{A7ACCA1A-E388-433C-ACE5-080F94265B5C}" type="pres">
+      <dgm:prSet presAssocID="{DD706381-7816-411C-8827-863AEC6052EA}" presName="compNode" presStyleCnt="0"/>
+      <dgm:spPr/>
+    </dgm:pt>
+    <dgm:pt modelId="{64E685C7-48C5-408D-829E-D84DAB553A87}" type="pres">
+      <dgm:prSet presAssocID="{DD706381-7816-411C-8827-863AEC6052EA}" presName="iconBgRect" presStyleLbl="bgShp" presStyleIdx="1" presStyleCnt="4"/>
+      <dgm:spPr>
+        <a:prstGeom prst="round2DiagRect">
+          <a:avLst>
+            <a:gd name="adj1" fmla="val 29727"/>
+            <a:gd name="adj2" fmla="val 0"/>
+          </a:avLst>
+        </a:prstGeom>
+      </dgm:spPr>
+    </dgm:pt>
+    <dgm:pt modelId="{91D0E9FC-0453-434B-81A4-F8D592CC2A35}" type="pres">
+      <dgm:prSet presAssocID="{DD706381-7816-411C-8827-863AEC6052EA}" presName="iconRect" presStyleLbl="node1" presStyleIdx="1" presStyleCnt="4"/>
+      <dgm:spPr>
+        <a:blipFill>
+          <a:blip xmlns:r="http://schemas.openxmlformats.org/officeDocument/2006/relationships" r:embed="rId4">
+            <a:extLst>
+              <a:ext uri="{28A0092B-C50C-407E-A947-70E740481C1C}">
+                <a14:useLocalDpi xmlns:a14="http://schemas.microsoft.com/office/drawing/2010/main" val="0"/>
+              </a:ext>
+              <a:ext uri="{96DAC541-7B7A-43D3-8B79-37D633B846F1}">
+                <asvg:svgBlip xmlns:asvg="http://schemas.microsoft.com/office/drawing/2016/SVG/main" r:embed="rId5"/>
+              </a:ext>
+            </a:extLst>
+          </a:blip>
+          <a:stretch>
+            <a:fillRect/>
+          </a:stretch>
+        </a:blipFill>
+        <a:ln>
+          <a:noFill/>
+        </a:ln>
+      </dgm:spPr>
+      <dgm:extLst>
+        <a:ext uri="{E40237B7-FDA0-4F09-8148-C483321AD2D9}">
+          <dgm14:cNvPr xmlns:dgm14="http://schemas.microsoft.com/office/drawing/2010/diagram" id="0" name="" descr="Envelope"/>
+        </a:ext>
+      </dgm:extLst>
+    </dgm:pt>
+    <dgm:pt modelId="{8EB0A249-DC02-4B93-A87F-36E6EC8DF9D1}" type="pres">
+      <dgm:prSet presAssocID="{DD706381-7816-411C-8827-863AEC6052EA}" presName="spaceRect" presStyleCnt="0"/>
+      <dgm:spPr/>
+    </dgm:pt>
+    <dgm:pt modelId="{6718CC1F-304B-4C1C-9C4A-8437F7E90DE5}" type="pres">
+      <dgm:prSet presAssocID="{DD706381-7816-411C-8827-863AEC6052EA}" presName="textRect" presStyleLbl="revTx" presStyleIdx="1" presStyleCnt="4">
+        <dgm:presLayoutVars>
+          <dgm:chMax val="1"/>
+          <dgm:chPref val="1"/>
+        </dgm:presLayoutVars>
+      </dgm:prSet>
+      <dgm:spPr/>
+    </dgm:pt>
+    <dgm:pt modelId="{FA2C1D61-E625-40EB-8D5F-A97BECD0E014}" type="pres">
+      <dgm:prSet presAssocID="{53656E5C-3798-4EFF-AE59-C02326E309A1}" presName="sibTrans" presStyleCnt="0"/>
+      <dgm:spPr/>
+    </dgm:pt>
+    <dgm:pt modelId="{87889843-BB43-437B-9515-0030D4A5402B}" type="pres">
+      <dgm:prSet presAssocID="{10185A1A-E2A9-48FF-9BD3-AFFC35803E9F}" presName="compNode" presStyleCnt="0"/>
+      <dgm:spPr/>
+    </dgm:pt>
+    <dgm:pt modelId="{4E583FB2-9103-4C12-9DDD-6D4135381072}" type="pres">
+      <dgm:prSet presAssocID="{10185A1A-E2A9-48FF-9BD3-AFFC35803E9F}" presName="iconBgRect" presStyleLbl="bgShp" presStyleIdx="2" presStyleCnt="4"/>
+      <dgm:spPr>
+        <a:prstGeom prst="round2DiagRect">
+          <a:avLst>
+            <a:gd name="adj1" fmla="val 29727"/>
+            <a:gd name="adj2" fmla="val 0"/>
+          </a:avLst>
+        </a:prstGeom>
+      </dgm:spPr>
+    </dgm:pt>
+    <dgm:pt modelId="{B369BE71-5E31-4C28-A810-B7793A802C21}" type="pres">
+      <dgm:prSet presAssocID="{10185A1A-E2A9-48FF-9BD3-AFFC35803E9F}" presName="iconRect" presStyleLbl="node1" presStyleIdx="2" presStyleCnt="4"/>
+      <dgm:spPr>
+        <a:blipFill>
+          <a:blip xmlns:r="http://schemas.openxmlformats.org/officeDocument/2006/relationships" r:embed="rId6">
+            <a:extLst>
+              <a:ext uri="{28A0092B-C50C-407E-A947-70E740481C1C}">
+                <a14:useLocalDpi xmlns:a14="http://schemas.microsoft.com/office/drawing/2010/main" val="0"/>
+              </a:ext>
+              <a:ext uri="{96DAC541-7B7A-43D3-8B79-37D633B846F1}">
+                <asvg:svgBlip xmlns:asvg="http://schemas.microsoft.com/office/drawing/2016/SVG/main" r:embed="rId7"/>
+              </a:ext>
+            </a:extLst>
+          </a:blip>
+          <a:stretch>
+            <a:fillRect/>
+          </a:stretch>
+        </a:blipFill>
+        <a:ln>
+          <a:noFill/>
+        </a:ln>
+      </dgm:spPr>
+      <dgm:extLst>
+        <a:ext uri="{E40237B7-FDA0-4F09-8148-C483321AD2D9}">
+          <dgm14:cNvPr xmlns:dgm14="http://schemas.microsoft.com/office/drawing/2010/diagram" id="0" name="" descr="Disconnected"/>
+        </a:ext>
+      </dgm:extLst>
+    </dgm:pt>
+    <dgm:pt modelId="{13AA6616-4331-46E3-B9BD-BD3039B666BC}" type="pres">
+      <dgm:prSet presAssocID="{10185A1A-E2A9-48FF-9BD3-AFFC35803E9F}" presName="spaceRect" presStyleCnt="0"/>
+      <dgm:spPr/>
+    </dgm:pt>
+    <dgm:pt modelId="{D605DE3E-38B7-4866-8160-02CAFD82A033}" type="pres">
+      <dgm:prSet presAssocID="{10185A1A-E2A9-48FF-9BD3-AFFC35803E9F}" presName="textRect" presStyleLbl="revTx" presStyleIdx="2" presStyleCnt="4">
+        <dgm:presLayoutVars>
+          <dgm:chMax val="1"/>
+          <dgm:chPref val="1"/>
+        </dgm:presLayoutVars>
+      </dgm:prSet>
+      <dgm:spPr/>
+    </dgm:pt>
+    <dgm:pt modelId="{845DA130-4D43-4E95-93ED-79209D3480B8}" type="pres">
+      <dgm:prSet presAssocID="{7D9CF3B2-0A16-49C3-BA7F-65BA640F61CD}" presName="sibTrans" presStyleCnt="0"/>
+      <dgm:spPr/>
+    </dgm:pt>
+    <dgm:pt modelId="{6E708299-FFC7-49AC-BE53-7B604D84FF4E}" type="pres">
+      <dgm:prSet presAssocID="{8E0C4D9F-A935-4DF5-9717-A595449C0EBF}" presName="compNode" presStyleCnt="0"/>
+      <dgm:spPr/>
+    </dgm:pt>
+    <dgm:pt modelId="{0A4CA08E-A087-4DB4-990B-AFF04BD9D28B}" type="pres">
+      <dgm:prSet presAssocID="{8E0C4D9F-A935-4DF5-9717-A595449C0EBF}" presName="iconBgRect" presStyleLbl="bgShp" presStyleIdx="3" presStyleCnt="4"/>
+      <dgm:spPr>
+        <a:prstGeom prst="round2DiagRect">
+          <a:avLst>
+            <a:gd name="adj1" fmla="val 29727"/>
+            <a:gd name="adj2" fmla="val 0"/>
+          </a:avLst>
+        </a:prstGeom>
+      </dgm:spPr>
+    </dgm:pt>
+    <dgm:pt modelId="{8400DD4C-38F9-4056-93D0-D4424B77D865}" type="pres">
+      <dgm:prSet presAssocID="{8E0C4D9F-A935-4DF5-9717-A595449C0EBF}" presName="iconRect" presStyleLbl="node1" presStyleIdx="3" presStyleCnt="4"/>
+      <dgm:spPr>
+        <a:blipFill>
+          <a:blip xmlns:r="http://schemas.openxmlformats.org/officeDocument/2006/relationships" r:embed="rId8">
+            <a:extLst>
+              <a:ext uri="{28A0092B-C50C-407E-A947-70E740481C1C}">
+                <a14:useLocalDpi xmlns:a14="http://schemas.microsoft.com/office/drawing/2010/main" val="0"/>
+              </a:ext>
+              <a:ext uri="{96DAC541-7B7A-43D3-8B79-37D633B846F1}">
+                <asvg:svgBlip xmlns:asvg="http://schemas.microsoft.com/office/drawing/2016/SVG/main" r:embed="rId9"/>
+              </a:ext>
+            </a:extLst>
+          </a:blip>
+          <a:stretch>
+            <a:fillRect/>
+          </a:stretch>
+        </a:blipFill>
+        <a:ln>
+          <a:noFill/>
+        </a:ln>
+      </dgm:spPr>
+      <dgm:extLst>
+        <a:ext uri="{E40237B7-FDA0-4F09-8148-C483321AD2D9}">
+          <dgm14:cNvPr xmlns:dgm14="http://schemas.microsoft.com/office/drawing/2010/diagram" id="0" name="" descr="Processor"/>
+        </a:ext>
+      </dgm:extLst>
+    </dgm:pt>
+    <dgm:pt modelId="{9F5A2D1F-441B-4F8B-A0C6-370C1A02E678}" type="pres">
+      <dgm:prSet presAssocID="{8E0C4D9F-A935-4DF5-9717-A595449C0EBF}" presName="spaceRect" presStyleCnt="0"/>
+      <dgm:spPr/>
+    </dgm:pt>
+    <dgm:pt modelId="{6DCEA4BC-39A5-4150-A7BD-875EACADB5DF}" type="pres">
+      <dgm:prSet presAssocID="{8E0C4D9F-A935-4DF5-9717-A595449C0EBF}" presName="textRect" presStyleLbl="revTx" presStyleIdx="3" presStyleCnt="4">
+        <dgm:presLayoutVars>
+          <dgm:chMax val="1"/>
+          <dgm:chPref val="1"/>
+        </dgm:presLayoutVars>
+      </dgm:prSet>
+      <dgm:spPr/>
+    </dgm:pt>
+  </dgm:ptLst>
+  <dgm:cxnLst>
+    <dgm:cxn modelId="{850F7818-8C8E-478C-B075-8B49AB6AD8B9}" type="presOf" srcId="{2F95C1F8-A501-498B-9BCA-D8954745FC11}" destId="{DC4AC02F-D5BA-4A28-979A-CD99B5AE9BBC}" srcOrd="0" destOrd="0" presId="urn:microsoft.com/office/officeart/2018/5/layout/IconLeafLabelList"/>
+    <dgm:cxn modelId="{05CB6F5D-62AF-4327-AE21-7088EE157DEB}" type="presOf" srcId="{A9769D80-3D9C-41C4-A152-05A8761A4455}" destId="{E0454BDA-BE3E-44FB-94FF-1D6F636F52A2}" srcOrd="0" destOrd="0" presId="urn:microsoft.com/office/officeart/2018/5/layout/IconLeafLabelList"/>
+    <dgm:cxn modelId="{53E7E95F-A1F8-4819-A984-942D01798D07}" type="presOf" srcId="{10185A1A-E2A9-48FF-9BD3-AFFC35803E9F}" destId="{D605DE3E-38B7-4866-8160-02CAFD82A033}" srcOrd="0" destOrd="0" presId="urn:microsoft.com/office/officeart/2018/5/layout/IconLeafLabelList"/>
+    <dgm:cxn modelId="{597CB97F-9179-4AE3-97BD-17188FE000FB}" srcId="{2F95C1F8-A501-498B-9BCA-D8954745FC11}" destId="{10185A1A-E2A9-48FF-9BD3-AFFC35803E9F}" srcOrd="2" destOrd="0" parTransId="{800563E3-BF02-4E63-890C-A26531DDCBC8}" sibTransId="{7D9CF3B2-0A16-49C3-BA7F-65BA640F61CD}"/>
+    <dgm:cxn modelId="{93DF83A8-25D6-4563-B186-06FD9934933D}" type="presOf" srcId="{8E0C4D9F-A935-4DF5-9717-A595449C0EBF}" destId="{6DCEA4BC-39A5-4150-A7BD-875EACADB5DF}" srcOrd="0" destOrd="0" presId="urn:microsoft.com/office/officeart/2018/5/layout/IconLeafLabelList"/>
+    <dgm:cxn modelId="{1C640FAA-F423-43E4-A2DE-B6564D0A2746}" srcId="{2F95C1F8-A501-498B-9BCA-D8954745FC11}" destId="{DD706381-7816-411C-8827-863AEC6052EA}" srcOrd="1" destOrd="0" parTransId="{2F4BFF8B-AD4F-413A-877F-0F7ABE1E8CDE}" sibTransId="{53656E5C-3798-4EFF-AE59-C02326E309A1}"/>
+    <dgm:cxn modelId="{A69857AB-A0BD-4535-B964-3D184824E63D}" type="presOf" srcId="{DD706381-7816-411C-8827-863AEC6052EA}" destId="{6718CC1F-304B-4C1C-9C4A-8437F7E90DE5}" srcOrd="0" destOrd="0" presId="urn:microsoft.com/office/officeart/2018/5/layout/IconLeafLabelList"/>
+    <dgm:cxn modelId="{9189B4E5-1FAF-4768-86B4-011617BD49C2}" srcId="{2F95C1F8-A501-498B-9BCA-D8954745FC11}" destId="{A9769D80-3D9C-41C4-A152-05A8761A4455}" srcOrd="0" destOrd="0" parTransId="{3FEF808D-82C4-4199-871F-B89B9632DB53}" sibTransId="{B76FF107-C17E-40FD-8D23-F21DBBE1E30B}"/>
+    <dgm:cxn modelId="{6938EFF2-55D6-489E-8DB7-4EFBA5DD1DBC}" srcId="{2F95C1F8-A501-498B-9BCA-D8954745FC11}" destId="{8E0C4D9F-A935-4DF5-9717-A595449C0EBF}" srcOrd="3" destOrd="0" parTransId="{DD3CDE15-0847-4304-9708-3839C7503FCE}" sibTransId="{74205D37-C4FC-43A6-BE89-7DCA7E1F9717}"/>
+    <dgm:cxn modelId="{28A0483F-115D-4549-AF5B-0E99FE5D4FBA}" type="presParOf" srcId="{DC4AC02F-D5BA-4A28-979A-CD99B5AE9BBC}" destId="{487FAA2F-F228-41B7-BC5F-FBD7D1110CB3}" srcOrd="0" destOrd="0" presId="urn:microsoft.com/office/officeart/2018/5/layout/IconLeafLabelList"/>
+    <dgm:cxn modelId="{DFC402BA-BCD6-4FAA-9155-D2984636C9D6}" type="presParOf" srcId="{487FAA2F-F228-41B7-BC5F-FBD7D1110CB3}" destId="{A29E99C5-61CD-4F4C-8EC2-274C5B64A599}" srcOrd="0" destOrd="0" presId="urn:microsoft.com/office/officeart/2018/5/layout/IconLeafLabelList"/>
+    <dgm:cxn modelId="{0395378A-369F-4488-9F42-80DAF47BC49B}" type="presParOf" srcId="{487FAA2F-F228-41B7-BC5F-FBD7D1110CB3}" destId="{DD1B885E-07DD-4749-99EF-B2EC3FDA3992}" srcOrd="1" destOrd="0" presId="urn:microsoft.com/office/officeart/2018/5/layout/IconLeafLabelList"/>
+    <dgm:cxn modelId="{CA6D7A30-607F-42DF-BCF7-91B14368559A}" type="presParOf" srcId="{487FAA2F-F228-41B7-BC5F-FBD7D1110CB3}" destId="{127B2AD1-56F2-4AF3-AF8B-61D2166DFD94}" srcOrd="2" destOrd="0" presId="urn:microsoft.com/office/officeart/2018/5/layout/IconLeafLabelList"/>
+    <dgm:cxn modelId="{AF8FE5A3-F496-4AA4-BEF3-7149615741E3}" type="presParOf" srcId="{487FAA2F-F228-41B7-BC5F-FBD7D1110CB3}" destId="{E0454BDA-BE3E-44FB-94FF-1D6F636F52A2}" srcOrd="3" destOrd="0" presId="urn:microsoft.com/office/officeart/2018/5/layout/IconLeafLabelList"/>
+    <dgm:cxn modelId="{2804C028-C766-4CC3-80FD-29107F2DD201}" type="presParOf" srcId="{DC4AC02F-D5BA-4A28-979A-CD99B5AE9BBC}" destId="{2BAA1A67-6C05-48FD-8449-941474F946C5}" srcOrd="1" destOrd="0" presId="urn:microsoft.com/office/officeart/2018/5/layout/IconLeafLabelList"/>
+    <dgm:cxn modelId="{50C5DF06-92E0-4054-9625-79713B104172}" type="presParOf" srcId="{DC4AC02F-D5BA-4A28-979A-CD99B5AE9BBC}" destId="{A7ACCA1A-E388-433C-ACE5-080F94265B5C}" srcOrd="2" destOrd="0" presId="urn:microsoft.com/office/officeart/2018/5/layout/IconLeafLabelList"/>
+    <dgm:cxn modelId="{CADC31E1-E4D4-4C23-8231-D1AFE576FF09}" type="presParOf" srcId="{A7ACCA1A-E388-433C-ACE5-080F94265B5C}" destId="{64E685C7-48C5-408D-829E-D84DAB553A87}" srcOrd="0" destOrd="0" presId="urn:microsoft.com/office/officeart/2018/5/layout/IconLeafLabelList"/>
+    <dgm:cxn modelId="{17B1A4AB-8367-41DD-AF70-6B257FD45A52}" type="presParOf" srcId="{A7ACCA1A-E388-433C-ACE5-080F94265B5C}" destId="{91D0E9FC-0453-434B-81A4-F8D592CC2A35}" srcOrd="1" destOrd="0" presId="urn:microsoft.com/office/officeart/2018/5/layout/IconLeafLabelList"/>
+    <dgm:cxn modelId="{08BA2C40-F1E5-487B-9F41-E06CA48C578E}" type="presParOf" srcId="{A7ACCA1A-E388-433C-ACE5-080F94265B5C}" destId="{8EB0A249-DC02-4B93-A87F-36E6EC8DF9D1}" srcOrd="2" destOrd="0" presId="urn:microsoft.com/office/officeart/2018/5/layout/IconLeafLabelList"/>
+    <dgm:cxn modelId="{315284AB-651B-4574-A53B-5C8C64B2CED4}" type="presParOf" srcId="{A7ACCA1A-E388-433C-ACE5-080F94265B5C}" destId="{6718CC1F-304B-4C1C-9C4A-8437F7E90DE5}" srcOrd="3" destOrd="0" presId="urn:microsoft.com/office/officeart/2018/5/layout/IconLeafLabelList"/>
+    <dgm:cxn modelId="{0E1AC731-49A0-41D3-879A-BBE1F3A24594}" type="presParOf" srcId="{DC4AC02F-D5BA-4A28-979A-CD99B5AE9BBC}" destId="{FA2C1D61-E625-40EB-8D5F-A97BECD0E014}" srcOrd="3" destOrd="0" presId="urn:microsoft.com/office/officeart/2018/5/layout/IconLeafLabelList"/>
+    <dgm:cxn modelId="{9DCD7F64-4AD9-4439-B401-8A874204FAA3}" type="presParOf" srcId="{DC4AC02F-D5BA-4A28-979A-CD99B5AE9BBC}" destId="{87889843-BB43-437B-9515-0030D4A5402B}" srcOrd="4" destOrd="0" presId="urn:microsoft.com/office/officeart/2018/5/layout/IconLeafLabelList"/>
+    <dgm:cxn modelId="{43D29BE1-F82F-48FD-9927-EE65EA39FDE6}" type="presParOf" srcId="{87889843-BB43-437B-9515-0030D4A5402B}" destId="{4E583FB2-9103-4C12-9DDD-6D4135381072}" srcOrd="0" destOrd="0" presId="urn:microsoft.com/office/officeart/2018/5/layout/IconLeafLabelList"/>
+    <dgm:cxn modelId="{7C13F18D-ED69-485E-86E5-5E13B374E43D}" type="presParOf" srcId="{87889843-BB43-437B-9515-0030D4A5402B}" destId="{B369BE71-5E31-4C28-A810-B7793A802C21}" srcOrd="1" destOrd="0" presId="urn:microsoft.com/office/officeart/2018/5/layout/IconLeafLabelList"/>
+    <dgm:cxn modelId="{68D83875-5673-419D-9C82-9D71495D1B74}" type="presParOf" srcId="{87889843-BB43-437B-9515-0030D4A5402B}" destId="{13AA6616-4331-46E3-B9BD-BD3039B666BC}" srcOrd="2" destOrd="0" presId="urn:microsoft.com/office/officeart/2018/5/layout/IconLeafLabelList"/>
+    <dgm:cxn modelId="{9472D55D-E824-4514-A643-217C6A0A6517}" type="presParOf" srcId="{87889843-BB43-437B-9515-0030D4A5402B}" destId="{D605DE3E-38B7-4866-8160-02CAFD82A033}" srcOrd="3" destOrd="0" presId="urn:microsoft.com/office/officeart/2018/5/layout/IconLeafLabelList"/>
+    <dgm:cxn modelId="{4D05DD41-80BE-46C2-8F5D-CB3CC7E48336}" type="presParOf" srcId="{DC4AC02F-D5BA-4A28-979A-CD99B5AE9BBC}" destId="{845DA130-4D43-4E95-93ED-79209D3480B8}" srcOrd="5" destOrd="0" presId="urn:microsoft.com/office/officeart/2018/5/layout/IconLeafLabelList"/>
+    <dgm:cxn modelId="{2866FADC-1701-44D6-90D6-7EF4212AA8F0}" type="presParOf" srcId="{DC4AC02F-D5BA-4A28-979A-CD99B5AE9BBC}" destId="{6E708299-FFC7-49AC-BE53-7B604D84FF4E}" srcOrd="6" destOrd="0" presId="urn:microsoft.com/office/officeart/2018/5/layout/IconLeafLabelList"/>
+    <dgm:cxn modelId="{34B3CEE8-1C07-4415-84F5-BE3E52B0397E}" type="presParOf" srcId="{6E708299-FFC7-49AC-BE53-7B604D84FF4E}" destId="{0A4CA08E-A087-4DB4-990B-AFF04BD9D28B}" srcOrd="0" destOrd="0" presId="urn:microsoft.com/office/officeart/2018/5/layout/IconLeafLabelList"/>
+    <dgm:cxn modelId="{B3BBD1B7-1D22-4C1E-ACC9-ABF98F1C8935}" type="presParOf" srcId="{6E708299-FFC7-49AC-BE53-7B604D84FF4E}" destId="{8400DD4C-38F9-4056-93D0-D4424B77D865}" srcOrd="1" destOrd="0" presId="urn:microsoft.com/office/officeart/2018/5/layout/IconLeafLabelList"/>
+    <dgm:cxn modelId="{5DDAB654-A366-4F54-8ED4-2C2AA6A7E6A1}" type="presParOf" srcId="{6E708299-FFC7-49AC-BE53-7B604D84FF4E}" destId="{9F5A2D1F-441B-4F8B-A0C6-370C1A02E678}" srcOrd="2" destOrd="0" presId="urn:microsoft.com/office/officeart/2018/5/layout/IconLeafLabelList"/>
+    <dgm:cxn modelId="{6D11FD9D-32D6-4453-AD4D-AAE8F0737F70}" type="presParOf" srcId="{6E708299-FFC7-49AC-BE53-7B604D84FF4E}" destId="{6DCEA4BC-39A5-4150-A7BD-875EACADB5DF}" srcOrd="3" destOrd="0" presId="urn:microsoft.com/office/officeart/2018/5/layout/IconLeafLabelList"/>
+  </dgm:cxnLst>
+  <dgm:bg/>
+  <dgm:whole/>
+  <dgm:extLst>
+    <a:ext uri="http://schemas.microsoft.com/office/drawing/2008/diagram">
+      <dsp:dataModelExt xmlns:dsp="http://schemas.microsoft.com/office/drawing/2008/diagram" relId="rId6" minVer="http://schemas.openxmlformats.org/drawingml/2006/diagram"/>
+    </a:ext>
+  </dgm:extLst>
+</dgm:dataModel>
+</file>
+
+<file path=ppt/diagrams/drawing1.xml><?xml version="1.0" encoding="utf-8"?>
+<dsp:drawing xmlns:dgm="http://schemas.openxmlformats.org/drawingml/2006/diagram" xmlns:dsp="http://schemas.microsoft.com/office/drawing/2008/diagram" xmlns:a="http://schemas.openxmlformats.org/drawingml/2006/main">
+  <dsp:spTree>
+    <dsp:nvGrpSpPr>
+      <dsp:cNvPr id="0" name=""/>
+      <dsp:cNvGrpSpPr/>
+    </dsp:nvGrpSpPr>
+    <dsp:grpSpPr/>
+    <dsp:sp modelId="{A29E99C5-61CD-4F4C-8EC2-274C5B64A599}">
+      <dsp:nvSpPr>
+        <dsp:cNvPr id="0" name=""/>
+        <dsp:cNvSpPr/>
+      </dsp:nvSpPr>
+      <dsp:spPr>
+        <a:xfrm>
+          <a:off x="1374172" y="6563"/>
+          <a:ext cx="1383804" cy="1383804"/>
+        </a:xfrm>
+        <a:prstGeom prst="round2DiagRect">
+          <a:avLst>
+            <a:gd name="adj1" fmla="val 29727"/>
+            <a:gd name="adj2" fmla="val 0"/>
+          </a:avLst>
+        </a:prstGeom>
+        <a:solidFill>
+          <a:schemeClr val="bg1">
+            <a:lumMod val="95000"/>
+            <a:hueOff val="0"/>
+            <a:satOff val="0"/>
+            <a:lumOff val="0"/>
+            <a:alphaOff val="0"/>
+          </a:schemeClr>
+        </a:solidFill>
+        <a:ln>
+          <a:noFill/>
+        </a:ln>
+        <a:effectLst/>
+      </dsp:spPr>
+      <dsp:style>
+        <a:lnRef idx="0">
+          <a:scrgbClr r="0" g="0" b="0"/>
+        </a:lnRef>
+        <a:fillRef idx="1">
+          <a:scrgbClr r="0" g="0" b="0"/>
+        </a:fillRef>
+        <a:effectRef idx="0">
+          <a:scrgbClr r="0" g="0" b="0"/>
+        </a:effectRef>
+        <a:fontRef idx="minor"/>
+      </dsp:style>
+    </dsp:sp>
+    <dsp:sp modelId="{DD1B885E-07DD-4749-99EF-B2EC3FDA3992}">
+      <dsp:nvSpPr>
+        <dsp:cNvPr id="0" name=""/>
+        <dsp:cNvSpPr/>
+      </dsp:nvSpPr>
+      <dsp:spPr>
+        <a:xfrm>
+          <a:off x="1669081" y="301473"/>
+          <a:ext cx="793986" cy="793986"/>
+        </a:xfrm>
+        <a:prstGeom prst="rect">
+          <a:avLst/>
+        </a:prstGeom>
+        <a:blipFill>
+          <a:blip xmlns:r="http://schemas.openxmlformats.org/officeDocument/2006/relationships" r:embed="rId1">
+            <a:extLst>
+              <a:ext uri="{28A0092B-C50C-407E-A947-70E740481C1C}">
+                <a14:useLocalDpi xmlns:a14="http://schemas.microsoft.com/office/drawing/2010/main" val="0"/>
+              </a:ext>
+              <a:ext uri="{96DAC541-7B7A-43D3-8B79-37D633B846F1}">
+                <asvg:svgBlip xmlns:asvg="http://schemas.microsoft.com/office/drawing/2016/SVG/main" r:embed="rId2"/>
+              </a:ext>
+            </a:extLst>
+          </a:blip>
+          <a:stretch>
+            <a:fillRect/>
+          </a:stretch>
+        </a:blipFill>
+        <a:ln w="15875" cap="flat" cmpd="sng" algn="ctr">
+          <a:noFill/>
+          <a:prstDash val="solid"/>
+        </a:ln>
+        <a:effectLst/>
+      </dsp:spPr>
+      <dsp:style>
+        <a:lnRef idx="2">
+          <a:scrgbClr r="0" g="0" b="0"/>
+        </a:lnRef>
+        <a:fillRef idx="1">
+          <a:scrgbClr r="0" g="0" b="0"/>
+        </a:fillRef>
+        <a:effectRef idx="0">
+          <a:scrgbClr r="0" g="0" b="0"/>
+        </a:effectRef>
+        <a:fontRef idx="minor">
+          <a:schemeClr val="lt1"/>
+        </a:fontRef>
+      </dsp:style>
+    </dsp:sp>
+    <dsp:sp modelId="{E0454BDA-BE3E-44FB-94FF-1D6F636F52A2}">
+      <dsp:nvSpPr>
+        <dsp:cNvPr id="0" name=""/>
+        <dsp:cNvSpPr/>
+      </dsp:nvSpPr>
+      <dsp:spPr>
+        <a:xfrm>
+          <a:off x="931808" y="1821389"/>
+          <a:ext cx="2268532" cy="720000"/>
+        </a:xfrm>
+        <a:prstGeom prst="rect">
+          <a:avLst/>
+        </a:prstGeom>
+        <a:noFill/>
+        <a:ln>
+          <a:noFill/>
+        </a:ln>
+        <a:effectLst/>
+      </dsp:spPr>
+      <dsp:style>
+        <a:lnRef idx="0">
+          <a:scrgbClr r="0" g="0" b="0"/>
+        </a:lnRef>
+        <a:fillRef idx="0">
+          <a:scrgbClr r="0" g="0" b="0"/>
+        </a:fillRef>
+        <a:effectRef idx="0">
+          <a:scrgbClr r="0" g="0" b="0"/>
+        </a:effectRef>
+        <a:fontRef idx="minor"/>
+      </dsp:style>
+      <dsp:txBody>
+        <a:bodyPr spcFirstLastPara="0" vert="horz" wrap="square" lIns="0" tIns="0" rIns="0" bIns="0" numCol="1" spcCol="1270" anchor="t" anchorCtr="0">
+          <a:noAutofit/>
+        </a:bodyPr>
+        <a:lstStyle/>
+        <a:p>
+          <a:pPr marL="0" lvl="0" indent="0" algn="ctr" defTabSz="666750">
+            <a:lnSpc>
+              <a:spcPct val="100000"/>
+            </a:lnSpc>
+            <a:spcBef>
+              <a:spcPct val="0"/>
+            </a:spcBef>
+            <a:spcAft>
+              <a:spcPct val="35000"/>
+            </a:spcAft>
+            <a:buNone/>
+            <a:defRPr cap="all"/>
+          </a:pPr>
+          <a:r>
+            <a:rPr lang="en-US" sz="1500" kern="1200" dirty="0">
+              <a:latin typeface="+mn-lt"/>
+            </a:rPr>
+            <a:t>Developed by the </a:t>
+          </a:r>
+          <a:r>
+            <a:rPr lang="en-US" sz="1500" kern="1200" dirty="0">
+              <a:latin typeface="+mn-lt"/>
+              <a:hlinkClick xmlns:r="http://schemas.openxmlformats.org/officeDocument/2006/relationships" r:id="rId3"/>
+            </a:rPr>
+            <a:t>Apache Software Foundation</a:t>
+          </a:r>
+          <a:endParaRPr lang="en-US" sz="1500" kern="1200" dirty="0">
+            <a:latin typeface="+mn-lt"/>
+          </a:endParaRPr>
+        </a:p>
+      </dsp:txBody>
+      <dsp:txXfrm>
+        <a:off x="931808" y="1821389"/>
+        <a:ext cx="2268532" cy="720000"/>
+      </dsp:txXfrm>
+    </dsp:sp>
+    <dsp:sp modelId="{64E685C7-48C5-408D-829E-D84DAB553A87}">
+      <dsp:nvSpPr>
+        <dsp:cNvPr id="0" name=""/>
+        <dsp:cNvSpPr/>
+      </dsp:nvSpPr>
+      <dsp:spPr>
+        <a:xfrm>
+          <a:off x="4039697" y="6563"/>
+          <a:ext cx="1383804" cy="1383804"/>
+        </a:xfrm>
+        <a:prstGeom prst="round2DiagRect">
+          <a:avLst>
+            <a:gd name="adj1" fmla="val 29727"/>
+            <a:gd name="adj2" fmla="val 0"/>
+          </a:avLst>
+        </a:prstGeom>
+        <a:solidFill>
+          <a:schemeClr val="bg1">
+            <a:lumMod val="95000"/>
+            <a:hueOff val="0"/>
+            <a:satOff val="0"/>
+            <a:lumOff val="0"/>
+            <a:alphaOff val="0"/>
+          </a:schemeClr>
+        </a:solidFill>
+        <a:ln>
+          <a:noFill/>
+        </a:ln>
+        <a:effectLst/>
+      </dsp:spPr>
+      <dsp:style>
+        <a:lnRef idx="0">
+          <a:scrgbClr r="0" g="0" b="0"/>
+        </a:lnRef>
+        <a:fillRef idx="1">
+          <a:scrgbClr r="0" g="0" b="0"/>
+        </a:fillRef>
+        <a:effectRef idx="0">
+          <a:scrgbClr r="0" g="0" b="0"/>
+        </a:effectRef>
+        <a:fontRef idx="minor"/>
+      </dsp:style>
+    </dsp:sp>
+    <dsp:sp modelId="{91D0E9FC-0453-434B-81A4-F8D592CC2A35}">
+      <dsp:nvSpPr>
+        <dsp:cNvPr id="0" name=""/>
+        <dsp:cNvSpPr/>
+      </dsp:nvSpPr>
+      <dsp:spPr>
+        <a:xfrm>
+          <a:off x="4334606" y="301473"/>
+          <a:ext cx="793986" cy="793986"/>
+        </a:xfrm>
+        <a:prstGeom prst="rect">
+          <a:avLst/>
+        </a:prstGeom>
+        <a:blipFill>
+          <a:blip xmlns:r="http://schemas.openxmlformats.org/officeDocument/2006/relationships" r:embed="rId4">
+            <a:extLst>
+              <a:ext uri="{28A0092B-C50C-407E-A947-70E740481C1C}">
+                <a14:useLocalDpi xmlns:a14="http://schemas.microsoft.com/office/drawing/2010/main" val="0"/>
+              </a:ext>
+              <a:ext uri="{96DAC541-7B7A-43D3-8B79-37D633B846F1}">
+                <asvg:svgBlip xmlns:asvg="http://schemas.microsoft.com/office/drawing/2016/SVG/main" r:embed="rId5"/>
+              </a:ext>
+            </a:extLst>
+          </a:blip>
+          <a:stretch>
+            <a:fillRect/>
+          </a:stretch>
+        </a:blipFill>
+        <a:ln w="15875" cap="flat" cmpd="sng" algn="ctr">
+          <a:noFill/>
+          <a:prstDash val="solid"/>
+        </a:ln>
+        <a:effectLst/>
+      </dsp:spPr>
+      <dsp:style>
+        <a:lnRef idx="2">
+          <a:scrgbClr r="0" g="0" b="0"/>
+        </a:lnRef>
+        <a:fillRef idx="1">
+          <a:scrgbClr r="0" g="0" b="0"/>
+        </a:fillRef>
+        <a:effectRef idx="0">
+          <a:scrgbClr r="0" g="0" b="0"/>
+        </a:effectRef>
+        <a:fontRef idx="minor">
+          <a:schemeClr val="lt1"/>
+        </a:fontRef>
+      </dsp:style>
+    </dsp:sp>
+    <dsp:sp modelId="{6718CC1F-304B-4C1C-9C4A-8437F7E90DE5}">
+      <dsp:nvSpPr>
+        <dsp:cNvPr id="0" name=""/>
+        <dsp:cNvSpPr/>
+      </dsp:nvSpPr>
+      <dsp:spPr>
+        <a:xfrm>
+          <a:off x="3597334" y="1821389"/>
+          <a:ext cx="2268532" cy="720000"/>
+        </a:xfrm>
+        <a:prstGeom prst="rect">
+          <a:avLst/>
+        </a:prstGeom>
+        <a:noFill/>
+        <a:ln>
+          <a:noFill/>
+        </a:ln>
+        <a:effectLst/>
+      </dsp:spPr>
+      <dsp:style>
+        <a:lnRef idx="0">
+          <a:scrgbClr r="0" g="0" b="0"/>
+        </a:lnRef>
+        <a:fillRef idx="0">
+          <a:scrgbClr r="0" g="0" b="0"/>
+        </a:fillRef>
+        <a:effectRef idx="0">
+          <a:scrgbClr r="0" g="0" b="0"/>
+        </a:effectRef>
+        <a:fontRef idx="minor"/>
+      </dsp:style>
+      <dsp:txBody>
+        <a:bodyPr spcFirstLastPara="0" vert="horz" wrap="square" lIns="0" tIns="0" rIns="0" bIns="0" numCol="1" spcCol="1270" anchor="t" anchorCtr="0">
+          <a:noAutofit/>
+        </a:bodyPr>
+        <a:lstStyle/>
+        <a:p>
+          <a:pPr marL="0" lvl="0" indent="0" algn="ctr" defTabSz="666750">
+            <a:lnSpc>
+              <a:spcPct val="100000"/>
+            </a:lnSpc>
+            <a:spcBef>
+              <a:spcPct val="0"/>
+            </a:spcBef>
+            <a:spcAft>
+              <a:spcPct val="35000"/>
+            </a:spcAft>
+            <a:buNone/>
+            <a:defRPr cap="all"/>
+          </a:pPr>
+          <a:r>
+            <a:rPr lang="en-US" sz="1500" kern="1200"/>
+            <a:t>Message-oriented middleware (MOM)</a:t>
+          </a:r>
+        </a:p>
+      </dsp:txBody>
+      <dsp:txXfrm>
+        <a:off x="3597334" y="1821389"/>
+        <a:ext cx="2268532" cy="720000"/>
+      </dsp:txXfrm>
+    </dsp:sp>
+    <dsp:sp modelId="{4E583FB2-9103-4C12-9DDD-6D4135381072}">
+      <dsp:nvSpPr>
+        <dsp:cNvPr id="0" name=""/>
+        <dsp:cNvSpPr/>
+      </dsp:nvSpPr>
+      <dsp:spPr>
+        <a:xfrm>
+          <a:off x="1374172" y="3108522"/>
+          <a:ext cx="1383804" cy="1383804"/>
+        </a:xfrm>
+        <a:prstGeom prst="round2DiagRect">
+          <a:avLst>
+            <a:gd name="adj1" fmla="val 29727"/>
+            <a:gd name="adj2" fmla="val 0"/>
+          </a:avLst>
+        </a:prstGeom>
+        <a:solidFill>
+          <a:schemeClr val="bg1">
+            <a:lumMod val="95000"/>
+            <a:hueOff val="0"/>
+            <a:satOff val="0"/>
+            <a:lumOff val="0"/>
+            <a:alphaOff val="0"/>
+          </a:schemeClr>
+        </a:solidFill>
+        <a:ln>
+          <a:noFill/>
+        </a:ln>
+        <a:effectLst/>
+      </dsp:spPr>
+      <dsp:style>
+        <a:lnRef idx="0">
+          <a:scrgbClr r="0" g="0" b="0"/>
+        </a:lnRef>
+        <a:fillRef idx="1">
+          <a:scrgbClr r="0" g="0" b="0"/>
+        </a:fillRef>
+        <a:effectRef idx="0">
+          <a:scrgbClr r="0" g="0" b="0"/>
+        </a:effectRef>
+        <a:fontRef idx="minor"/>
+      </dsp:style>
+    </dsp:sp>
+    <dsp:sp modelId="{B369BE71-5E31-4C28-A810-B7793A802C21}">
+      <dsp:nvSpPr>
+        <dsp:cNvPr id="0" name=""/>
+        <dsp:cNvSpPr/>
+      </dsp:nvSpPr>
+      <dsp:spPr>
+        <a:xfrm>
+          <a:off x="1669081" y="3403431"/>
+          <a:ext cx="793986" cy="793986"/>
+        </a:xfrm>
+        <a:prstGeom prst="rect">
+          <a:avLst/>
+        </a:prstGeom>
+        <a:blipFill>
+          <a:blip xmlns:r="http://schemas.openxmlformats.org/officeDocument/2006/relationships" r:embed="rId6">
+            <a:extLst>
+              <a:ext uri="{28A0092B-C50C-407E-A947-70E740481C1C}">
+                <a14:useLocalDpi xmlns:a14="http://schemas.microsoft.com/office/drawing/2010/main" val="0"/>
+              </a:ext>
+              <a:ext uri="{96DAC541-7B7A-43D3-8B79-37D633B846F1}">
+                <asvg:svgBlip xmlns:asvg="http://schemas.microsoft.com/office/drawing/2016/SVG/main" r:embed="rId7"/>
+              </a:ext>
+            </a:extLst>
+          </a:blip>
+          <a:stretch>
+            <a:fillRect/>
+          </a:stretch>
+        </a:blipFill>
+        <a:ln w="15875" cap="flat" cmpd="sng" algn="ctr">
+          <a:noFill/>
+          <a:prstDash val="solid"/>
+        </a:ln>
+        <a:effectLst/>
+      </dsp:spPr>
+      <dsp:style>
+        <a:lnRef idx="2">
+          <a:scrgbClr r="0" g="0" b="0"/>
+        </a:lnRef>
+        <a:fillRef idx="1">
+          <a:scrgbClr r="0" g="0" b="0"/>
+        </a:fillRef>
+        <a:effectRef idx="0">
+          <a:scrgbClr r="0" g="0" b="0"/>
+        </a:effectRef>
+        <a:fontRef idx="minor">
+          <a:schemeClr val="lt1"/>
+        </a:fontRef>
+      </dsp:style>
+    </dsp:sp>
+    <dsp:sp modelId="{D605DE3E-38B7-4866-8160-02CAFD82A033}">
+      <dsp:nvSpPr>
+        <dsp:cNvPr id="0" name=""/>
+        <dsp:cNvSpPr/>
+      </dsp:nvSpPr>
+      <dsp:spPr>
+        <a:xfrm>
+          <a:off x="931808" y="4923348"/>
+          <a:ext cx="2268532" cy="720000"/>
+        </a:xfrm>
+        <a:prstGeom prst="rect">
+          <a:avLst/>
+        </a:prstGeom>
+        <a:noFill/>
+        <a:ln>
+          <a:noFill/>
+        </a:ln>
+        <a:effectLst/>
+      </dsp:spPr>
+      <dsp:style>
+        <a:lnRef idx="0">
+          <a:scrgbClr r="0" g="0" b="0"/>
+        </a:lnRef>
+        <a:fillRef idx="0">
+          <a:scrgbClr r="0" g="0" b="0"/>
+        </a:fillRef>
+        <a:effectRef idx="0">
+          <a:scrgbClr r="0" g="0" b="0"/>
+        </a:effectRef>
+        <a:fontRef idx="minor"/>
+      </dsp:style>
+      <dsp:txBody>
+        <a:bodyPr spcFirstLastPara="0" vert="horz" wrap="square" lIns="0" tIns="0" rIns="0" bIns="0" numCol="1" spcCol="1270" anchor="t" anchorCtr="0">
+          <a:noAutofit/>
+        </a:bodyPr>
+        <a:lstStyle/>
+        <a:p>
+          <a:pPr marL="0" lvl="0" indent="0" algn="ctr" defTabSz="666750">
+            <a:lnSpc>
+              <a:spcPct val="100000"/>
+            </a:lnSpc>
+            <a:spcBef>
+              <a:spcPct val="0"/>
+            </a:spcBef>
+            <a:spcAft>
+              <a:spcPct val="35000"/>
+            </a:spcAft>
+            <a:buNone/>
+            <a:defRPr cap="all"/>
+          </a:pPr>
+          <a:r>
+            <a:rPr lang="en-US" sz="1500" kern="1200"/>
+            <a:t>Allows loose coupling of the elements</a:t>
+          </a:r>
+        </a:p>
+      </dsp:txBody>
+      <dsp:txXfrm>
+        <a:off x="931808" y="4923348"/>
+        <a:ext cx="2268532" cy="720000"/>
+      </dsp:txXfrm>
+    </dsp:sp>
+    <dsp:sp modelId="{0A4CA08E-A087-4DB4-990B-AFF04BD9D28B}">
+      <dsp:nvSpPr>
+        <dsp:cNvPr id="0" name=""/>
+        <dsp:cNvSpPr/>
+      </dsp:nvSpPr>
+      <dsp:spPr>
+        <a:xfrm>
+          <a:off x="4039697" y="3108522"/>
+          <a:ext cx="1383804" cy="1383804"/>
+        </a:xfrm>
+        <a:prstGeom prst="round2DiagRect">
+          <a:avLst>
+            <a:gd name="adj1" fmla="val 29727"/>
+            <a:gd name="adj2" fmla="val 0"/>
+          </a:avLst>
+        </a:prstGeom>
+        <a:solidFill>
+          <a:schemeClr val="bg1">
+            <a:lumMod val="95000"/>
+            <a:hueOff val="0"/>
+            <a:satOff val="0"/>
+            <a:lumOff val="0"/>
+            <a:alphaOff val="0"/>
+          </a:schemeClr>
+        </a:solidFill>
+        <a:ln>
+          <a:noFill/>
+        </a:ln>
+        <a:effectLst/>
+      </dsp:spPr>
+      <dsp:style>
+        <a:lnRef idx="0">
+          <a:scrgbClr r="0" g="0" b="0"/>
+        </a:lnRef>
+        <a:fillRef idx="1">
+          <a:scrgbClr r="0" g="0" b="0"/>
+        </a:fillRef>
+        <a:effectRef idx="0">
+          <a:scrgbClr r="0" g="0" b="0"/>
+        </a:effectRef>
+        <a:fontRef idx="minor"/>
+      </dsp:style>
+    </dsp:sp>
+    <dsp:sp modelId="{8400DD4C-38F9-4056-93D0-D4424B77D865}">
+      <dsp:nvSpPr>
+        <dsp:cNvPr id="0" name=""/>
+        <dsp:cNvSpPr/>
+      </dsp:nvSpPr>
+      <dsp:spPr>
+        <a:xfrm>
+          <a:off x="4334606" y="3403431"/>
+          <a:ext cx="793986" cy="793986"/>
+        </a:xfrm>
+        <a:prstGeom prst="rect">
+          <a:avLst/>
+        </a:prstGeom>
+        <a:blipFill>
+          <a:blip xmlns:r="http://schemas.openxmlformats.org/officeDocument/2006/relationships" r:embed="rId8">
+            <a:extLst>
+              <a:ext uri="{28A0092B-C50C-407E-A947-70E740481C1C}">
+                <a14:useLocalDpi xmlns:a14="http://schemas.microsoft.com/office/drawing/2010/main" val="0"/>
+              </a:ext>
+              <a:ext uri="{96DAC541-7B7A-43D3-8B79-37D633B846F1}">
+                <asvg:svgBlip xmlns:asvg="http://schemas.microsoft.com/office/drawing/2016/SVG/main" r:embed="rId9"/>
+              </a:ext>
+            </a:extLst>
+          </a:blip>
+          <a:stretch>
+            <a:fillRect/>
+          </a:stretch>
+        </a:blipFill>
+        <a:ln w="15875" cap="flat" cmpd="sng" algn="ctr">
+          <a:noFill/>
+          <a:prstDash val="solid"/>
+        </a:ln>
+        <a:effectLst/>
+      </dsp:spPr>
+      <dsp:style>
+        <a:lnRef idx="2">
+          <a:scrgbClr r="0" g="0" b="0"/>
+        </a:lnRef>
+        <a:fillRef idx="1">
+          <a:scrgbClr r="0" g="0" b="0"/>
+        </a:fillRef>
+        <a:effectRef idx="0">
+          <a:scrgbClr r="0" g="0" b="0"/>
+        </a:effectRef>
+        <a:fontRef idx="minor">
+          <a:schemeClr val="lt1"/>
+        </a:fontRef>
+      </dsp:style>
+    </dsp:sp>
+    <dsp:sp modelId="{6DCEA4BC-39A5-4150-A7BD-875EACADB5DF}">
+      <dsp:nvSpPr>
+        <dsp:cNvPr id="0" name=""/>
+        <dsp:cNvSpPr/>
+      </dsp:nvSpPr>
+      <dsp:spPr>
+        <a:xfrm>
+          <a:off x="3597334" y="4923348"/>
+          <a:ext cx="2268532" cy="720000"/>
+        </a:xfrm>
+        <a:prstGeom prst="rect">
+          <a:avLst/>
+        </a:prstGeom>
+        <a:noFill/>
+        <a:ln>
+          <a:noFill/>
+        </a:ln>
+        <a:effectLst/>
+      </dsp:spPr>
+      <dsp:style>
+        <a:lnRef idx="0">
+          <a:scrgbClr r="0" g="0" b="0"/>
+        </a:lnRef>
+        <a:fillRef idx="0">
+          <a:scrgbClr r="0" g="0" b="0"/>
+        </a:fillRef>
+        <a:effectRef idx="0">
+          <a:scrgbClr r="0" g="0" b="0"/>
+        </a:effectRef>
+        <a:fontRef idx="minor"/>
+      </dsp:style>
+      <dsp:txBody>
+        <a:bodyPr spcFirstLastPara="0" vert="horz" wrap="square" lIns="0" tIns="0" rIns="0" bIns="0" numCol="1" spcCol="1270" anchor="t" anchorCtr="0">
+          <a:noAutofit/>
+        </a:bodyPr>
+        <a:lstStyle/>
+        <a:p>
+          <a:pPr marL="0" lvl="0" indent="0" algn="ctr" defTabSz="666750">
+            <a:lnSpc>
+              <a:spcPct val="100000"/>
+            </a:lnSpc>
+            <a:spcBef>
+              <a:spcPct val="0"/>
+            </a:spcBef>
+            <a:spcAft>
+              <a:spcPct val="35000"/>
+            </a:spcAft>
+            <a:buNone/>
+            <a:defRPr cap="all"/>
+          </a:pPr>
+          <a:r>
+            <a:rPr lang="en-US" sz="1500" kern="1200"/>
+            <a:t>Java based-makes use of the Java Message Service (JMS) API</a:t>
+          </a:r>
+        </a:p>
+      </dsp:txBody>
+      <dsp:txXfrm>
+        <a:off x="3597334" y="4923348"/>
+        <a:ext cx="2268532" cy="720000"/>
+      </dsp:txXfrm>
+    </dsp:sp>
+  </dsp:spTree>
+</dsp:drawing>
+</file>
+
+<file path=ppt/diagrams/layout1.xml><?xml version="1.0" encoding="utf-8"?>
+<dgm:layoutDef xmlns:dgm="http://schemas.openxmlformats.org/drawingml/2006/diagram" xmlns:a="http://schemas.openxmlformats.org/drawingml/2006/main" uniqueId="urn:microsoft.com/office/officeart/2018/5/layout/IconLeafLabelList">
+  <dgm:title val="Icon Leaf Label List"/>
+  <dgm:desc val="Use to show non-sequential or grouped chunks of information accompanied by a related visuals. Works best with icons or small pictures with short text captions."/>
+  <dgm:catLst>
+    <dgm:cat type="icon" pri="500"/>
+  </dgm:catLst>
+  <dgm:sampData useDef="1">
+    <dgm:dataModel>
+      <dgm:ptLst/>
+      <dgm:bg/>
+      <dgm:whole/>
+    </dgm:dataModel>
+  </dgm:sampData>
+  <dgm:styleData useDef="1">
+    <dgm:dataModel>
+      <dgm:ptLst/>
+      <dgm:bg/>
+      <dgm:whole/>
+    </dgm:dataModel>
+  </dgm:styleData>
+  <dgm:clrData useDef="1">
+    <dgm:dataModel>
+      <dgm:ptLst/>
+      <dgm:bg/>
+      <dgm:whole/>
+    </dgm:dataModel>
+  </dgm:clrData>
+  <dgm:layoutNode name="root">
+    <dgm:varLst>
+      <dgm:dir/>
+      <dgm:resizeHandles val="exact"/>
+    </dgm:varLst>
+    <dgm:choose name="Name0">
+      <dgm:if name="Name1" axis="self" func="var" arg="dir" op="equ" val="norm">
+        <dgm:alg type="snake">
+          <dgm:param type="grDir" val="tL"/>
+          <dgm:param type="flowDir" val="row"/>
+          <dgm:param type="contDir" val="sameDir"/>
+          <dgm:param type="off" val="ctr"/>
+          <dgm:param type="vertAlign" val="mid"/>
+          <dgm:param type="horzAlign" val="ctr"/>
+        </dgm:alg>
+      </dgm:if>
+      <dgm:else name="Name2">
+        <dgm:alg type="snake">
+          <dgm:param type="grDir" val="tR"/>
+          <dgm:param type="flowDir" val="row"/>
+          <dgm:param type="contDir" val="sameDir"/>
+          <dgm:param type="off" val="ctr"/>
+          <dgm:param type="vertAlign" val="mid"/>
+          <dgm:param type="horzAlign" val="ctr"/>
+        </dgm:alg>
+      </dgm:else>
+    </dgm:choose>
+    <dgm:shape xmlns:r="http://schemas.openxmlformats.org/officeDocument/2006/relationships" r:blip="">
+      <dgm:adjLst/>
+    </dgm:shape>
+    <dgm:presOf/>
+    <dgm:choose name="Name3">
+      <dgm:if name="Name4" axis="ch" ptType="node" func="cnt" op="lte" val="2">
+        <dgm:constrLst>
+          <dgm:constr type="h" for="ch" forName="compNode" refType="h" fact="0.4"/>
+          <dgm:constr type="w" for="ch" forName="compNode" val="100"/>
+          <dgm:constr type="w" for="ch" forName="sibTrans" refType="w" refFor="ch" refForName="compNode" fact="0.175"/>
+          <dgm:constr type="sp" refType="w" refFor="ch" refForName="compNode" op="equ" fact="0.25"/>
+          <dgm:constr type="primFontSz" for="des" ptType="node" op="equ" val="44"/>
+          <dgm:constr type="h" for="des" forName="compNode" op="equ"/>
+          <dgm:constr type="h" for="des" forName="textRect" op="equ"/>
+        </dgm:constrLst>
+      </dgm:if>
+      <dgm:if name="Name5" axis="ch" ptType="node" func="cnt" op="lte" val="3">
+        <dgm:constrLst>
+          <dgm:constr type="h" for="ch" forName="compNode" refType="h" fact="0.4"/>
+          <dgm:constr type="w" for="ch" forName="compNode" val="100"/>
+          <dgm:constr type="w" for="ch" forName="sibTrans" refType="w" refFor="ch" refForName="compNode" fact="0.175"/>
+          <dgm:constr type="sp" refType="w" refFor="ch" refForName="compNode" op="equ" fact="0.25"/>
+          <dgm:constr type="primFontSz" for="des" ptType="node" op="equ" val="40"/>
+          <dgm:constr type="h" for="des" forName="compNode" op="equ"/>
+          <dgm:constr type="h" for="des" forName="textRect" op="equ"/>
+        </dgm:constrLst>
+      </dgm:if>
+      <dgm:if name="Name6" axis="ch" ptType="node" func="cnt" op="lte" val="4">
+        <dgm:constrLst>
+          <dgm:constr type="h" for="ch" forName="compNode" refType="h" fact="0.4"/>
+          <dgm:constr type="w" for="ch" forName="compNode" refType="w"/>
+          <dgm:constr type="w" for="ch" forName="sibTrans" refType="w" refFor="ch" refForName="compNode" fact="0.175"/>
+          <dgm:constr type="sp" refType="w" refFor="ch" refForName="compNode" op="equ" fact="0.25"/>
+          <dgm:constr type="primFontSz" for="des" ptType="node" op="equ" val="32"/>
+          <dgm:constr type="h" for="des" forName="compNode" op="equ"/>
+          <dgm:constr type="h" for="des" forName="textRect" op="equ"/>
+        </dgm:constrLst>
+      </dgm:if>
+      <dgm:else name="Name7">
+        <dgm:constrLst>
+          <dgm:constr type="h" for="ch" forName="compNode" refType="h" fact="0.4"/>
+          <dgm:constr type="w" for="ch" forName="compNode" refType="w"/>
+          <dgm:constr type="w" for="ch" forName="sibTrans" refType="w" refFor="ch" refForName="compNode" fact="0.175"/>
+          <dgm:constr type="sp" refType="w" refFor="ch" refForName="compNode" op="equ" fact="0.25"/>
+          <dgm:constr type="primFontSz" for="des" ptType="node" op="equ" val="24"/>
+          <dgm:constr type="h" for="des" forName="compNode" op="equ"/>
+          <dgm:constr type="h" for="des" forName="textRect" op="equ"/>
+        </dgm:constrLst>
+      </dgm:else>
+    </dgm:choose>
+    <dgm:ruleLst>
+      <dgm:rule type="w" for="ch" forName="compNode" val="50" fact="NaN" max="NaN"/>
+    </dgm:ruleLst>
+    <dgm:forEach name="Name8" axis="ch" ptType="node">
+      <dgm:layoutNode name="compNode">
+        <dgm:alg type="composite"/>
+        <dgm:shape xmlns:r="http://schemas.openxmlformats.org/officeDocument/2006/relationships" r:blip="">
+          <dgm:adjLst/>
+        </dgm:shape>
+        <dgm:presOf axis="self"/>
+        <dgm:constrLst>
+          <dgm:constr type="w" for="ch" forName="iconBgRect" refType="w" fact="0.61"/>
+          <dgm:constr type="h" for="ch" forName="iconBgRect" refType="w" refFor="ch" refForName="iconBgRect"/>
+          <dgm:constr type="t" for="ch" forName="iconBgRect"/>
+          <dgm:constr type="ctrX" for="ch" forName="iconBgRect" refType="w" fact="0.5"/>
+          <dgm:constr type="w" for="ch" forName="iconRect" refType="w" fact="0.35"/>
+          <dgm:constr type="h" for="ch" forName="iconRect" refType="w" refFor="ch" refForName="iconRect"/>
+          <dgm:constr type="ctrX" for="ch" forName="iconRect" refType="ctrX" refFor="ch" refForName="iconBgRect"/>
+          <dgm:constr type="ctrY" for="ch" forName="iconRect" refType="ctrY" refFor="ch" refForName="iconBgRect"/>
+          <dgm:constr type="h" for="ch" forName="spaceRect" refType="w" fact="0.19"/>
+          <dgm:constr type="w" for="ch" forName="spaceRect" refType="w"/>
+          <dgm:constr type="l" for="ch" forName="spaceRect"/>
+          <dgm:constr type="t" for="ch" forName="spaceRect" refType="b" refFor="ch" refForName="iconBgRect"/>
+          <dgm:constr type="h" for="ch" forName="textRect" val="20"/>
+          <dgm:constr type="w" for="ch" forName="textRect" refType="w"/>
+          <dgm:constr type="l" for="ch" forName="textRect"/>
+          <dgm:constr type="t" for="ch" forName="textRect" refType="b" refFor="ch" refForName="spaceRect"/>
+        </dgm:constrLst>
+        <dgm:ruleLst>
+          <dgm:rule type="h" val="INF" fact="NaN" max="NaN"/>
+        </dgm:ruleLst>
+        <dgm:layoutNode name="iconBgRect" styleLbl="bgShp">
+          <dgm:alg type="sp"/>
+          <dgm:shape xmlns:r="http://schemas.openxmlformats.org/officeDocument/2006/relationships" type="round2DiagRect" r:blip="">
+            <dgm:adjLst/>
+            <dgm:extLst>
+              <a:ext uri="{B698B0E9-8C71-41B9-8309-B3DCBF30829C}">
+                <dgm1612:spPr xmlns:dgm1612="http://schemas.microsoft.com/office/drawing/2016/12/diagram">
+                  <a:prstGeom prst="round2DiagRect">
+                    <a:avLst>
+                      <a:gd name="adj1" fmla="val 29727"/>
+                      <a:gd name="adj2" fmla="val 0"/>
+                    </a:avLst>
+                  </a:prstGeom>
+                </dgm1612:spPr>
+              </a:ext>
+            </dgm:extLst>
+          </dgm:shape>
+          <dgm:presOf/>
+          <dgm:constrLst/>
+          <dgm:ruleLst/>
+        </dgm:layoutNode>
+        <dgm:layoutNode name="iconRect" styleLbl="node1">
+          <dgm:alg type="sp"/>
+          <dgm:shape xmlns:r="http://schemas.openxmlformats.org/officeDocument/2006/relationships" type="rect" r:blip="" blipPhldr="1">
+            <dgm:adjLst/>
+          </dgm:shape>
+          <dgm:presOf/>
+          <dgm:constrLst/>
+          <dgm:ruleLst/>
+        </dgm:layoutNode>
+        <dgm:layoutNode name="spaceRect">
+          <dgm:alg type="sp"/>
+          <dgm:shape xmlns:r="http://schemas.openxmlformats.org/officeDocument/2006/relationships" r:blip="">
+            <dgm:adjLst/>
+          </dgm:shape>
+          <dgm:presOf/>
+          <dgm:constrLst/>
+          <dgm:ruleLst/>
+        </dgm:layoutNode>
+        <dgm:layoutNode name="textRect" styleLbl="revTx">
+          <dgm:varLst>
+            <dgm:chMax val="1"/>
+            <dgm:chPref val="1"/>
+          </dgm:varLst>
+          <dgm:alg type="tx">
+            <dgm:param type="txAnchorVert" val="t"/>
+          </dgm:alg>
+          <dgm:shape xmlns:r="http://schemas.openxmlformats.org/officeDocument/2006/relationships" type="rect" r:blip="">
+            <dgm:adjLst/>
+          </dgm:shape>
+          <dgm:presOf axis="self" ptType="node"/>
+          <dgm:constrLst>
+            <dgm:constr type="lMarg"/>
+            <dgm:constr type="rMarg"/>
+            <dgm:constr type="tMarg"/>
+            <dgm:constr type="bMarg"/>
+          </dgm:constrLst>
+          <dgm:ruleLst>
+            <dgm:rule type="primFontSz" val="11" fact="NaN" max="NaN"/>
+            <dgm:rule type="h" val="INF" fact="NaN" max="NaN"/>
+          </dgm:ruleLst>
+        </dgm:layoutNode>
+      </dgm:layoutNode>
+      <dgm:forEach name="Name9" axis="followSib" ptType="sibTrans" cnt="1">
+        <dgm:layoutNode name="sibTrans">
+          <dgm:alg type="sp"/>
+          <dgm:shape xmlns:r="http://schemas.openxmlformats.org/officeDocument/2006/relationships" r:blip="">
+            <dgm:adjLst/>
+          </dgm:shape>
+          <dgm:presOf axis="self"/>
+          <dgm:constrLst/>
+          <dgm:ruleLst/>
+        </dgm:layoutNode>
+      </dgm:forEach>
+    </dgm:forEach>
+  </dgm:layoutNode>
+  <dgm:extLst>
+    <a:ext uri="{68A01E43-0DF5-4B5B-8FA6-DAF915123BFB}">
+      <dgm1612:lstStyle xmlns:dgm1612="http://schemas.microsoft.com/office/drawing/2016/12/diagram">
+        <a:lvl1pPr>
+          <a:lnSpc>
+            <a:spcPct val="100000"/>
+          </a:lnSpc>
+          <a:defRPr cap="all"/>
+        </a:lvl1pPr>
+      </dgm1612:lstStyle>
+    </a:ext>
+  </dgm:extLst>
+</dgm:layoutDef>
+</file>
+
+<file path=ppt/diagrams/quickStyle1.xml><?xml version="1.0" encoding="utf-8"?>
+<dgm:styleDef xmlns:dgm="http://schemas.openxmlformats.org/drawingml/2006/diagram" xmlns:a="http://schemas.openxmlformats.org/drawingml/2006/main" uniqueId="urn:microsoft.com/office/officeart/2005/8/quickstyle/simple1">
+  <dgm:title val=""/>
+  <dgm:desc val=""/>
+  <dgm:catLst>
+    <dgm:cat type="simple" pri="10100"/>
+  </dgm:catLst>
+  <dgm:scene3d>
+    <a:camera prst="orthographicFront"/>
+    <a:lightRig rig="threePt" dir="t"/>
+  </dgm:scene3d>
+  <dgm:styleLbl name="node0">
+    <dgm:scene3d>
+      <a:camera prst="orthographicFront"/>
+      <a:lightRig rig="threePt" dir="t"/>
+    </dgm:scene3d>
+    <dgm:sp3d/>
+    <dgm:txPr/>
+    <dgm:style>
+      <a:lnRef idx="2">
+        <a:scrgbClr r="0" g="0" b="0"/>
+      </a:lnRef>
+      <a:fillRef idx="1">
+        <a:scrgbClr r="0" g="0" b="0"/>
+      </a:fillRef>
+      <a:effectRef idx="0">
+        <a:scrgbClr r="0" g="0" b="0"/>
+      </a:effectRef>
+      <a:fontRef idx="minor">
+        <a:schemeClr val="lt1"/>
+      </a:fontRef>
+    </dgm:style>
+  </dgm:styleLbl>
+  <dgm:styleLbl name="lnNode1">
+    <dgm:scene3d>
+      <a:camera prst="orthographicFront"/>
+      <a:lightRig rig="threePt" dir="t"/>
+    </dgm:scene3d>
+    <dgm:sp3d/>
+    <dgm:txPr/>
+    <dgm:style>
+      <a:lnRef idx="2">
+        <a:scrgbClr r="0" g="0" b="0"/>
+      </a:lnRef>
+      <a:fillRef idx="1">
+        <a:scrgbClr r="0" g="0" b="0"/>
+      </a:fillRef>
+      <a:effectRef idx="0">
+        <a:scrgbClr r="0" g="0" b="0"/>
+      </a:effectRef>
+      <a:fontRef idx="minor">
+        <a:schemeClr val="lt1"/>
+      </a:fontRef>
+    </dgm:style>
+  </dgm:styleLbl>
+  <dgm:styleLbl name="vennNode1">
+    <dgm:scene3d>
+      <a:camera prst="orthographicFront"/>
+      <a:lightRig rig="threePt" dir="t"/>
+    </dgm:scene3d>
+    <dgm:sp3d/>
+    <dgm:txPr/>
+    <dgm:style>
+      <a:lnRef idx="2">
+        <a:scrgbClr r="0" g="0" b="0"/>
+      </a:lnRef>
+      <a:fillRef idx="1">
+        <a:scrgbClr r="0" g="0" b="0"/>
+      </a:fillRef>
+      <a:effectRef idx="0">
+        <a:scrgbClr r="0" g="0" b="0"/>
+      </a:effectRef>
+      <a:fontRef idx="minor">
+        <a:schemeClr val="tx1"/>
+      </a:fontRef>
+    </dgm:style>
+  </dgm:styleLbl>
+  <dgm:styleLbl name="alignNode1">
+    <dgm:scene3d>
+      <a:camera prst="orthographicFront"/>
+      <a:lightRig rig="threePt" dir="t"/>
+    </dgm:scene3d>
+    <dgm:sp3d/>
+    <dgm:txPr/>
+    <dgm:style>
+      <a:lnRef idx="2">
+        <a:scrgbClr r="0" g="0" b="0"/>
+      </a:lnRef>
+      <a:fillRef idx="1">
+        <a:scrgbClr r="0" g="0" b="0"/>
+      </a:fillRef>
+      <a:effectRef idx="0">
+        <a:scrgbClr r="0" g="0" b="0"/>
+      </a:effectRef>
+      <a:fontRef idx="minor">
+        <a:schemeClr val="lt1"/>
+      </a:fontRef>
+    </dgm:style>
+  </dgm:styleLbl>
+  <dgm:styleLbl name="node1">
+    <dgm:scene3d>
+      <a:camera prst="orthographicFront"/>
+      <a:lightRig rig="threePt" dir="t"/>
+    </dgm:scene3d>
+    <dgm:sp3d/>
+    <dgm:txPr/>
+    <dgm:style>
+      <a:lnRef idx="2">
+        <a:scrgbClr r="0" g="0" b="0"/>
+      </a:lnRef>
+      <a:fillRef idx="1">
+        <a:scrgbClr r="0" g="0" b="0"/>
+      </a:fillRef>
+      <a:effectRef idx="0">
+        <a:scrgbClr r="0" g="0" b="0"/>
+      </a:effectRef>
+      <a:fontRef idx="minor">
+        <a:schemeClr val="lt1"/>
+      </a:fontRef>
+    </dgm:style>
+  </dgm:styleLbl>
+  <dgm:styleLbl name="node2">
+    <dgm:scene3d>
+      <a:camera prst="orthographicFront"/>
+      <a:lightRig rig="threePt" dir="t"/>
+    </dgm:scene3d>
+    <dgm:sp3d/>
+    <dgm:txPr/>
+    <dgm:style>
+      <a:lnRef idx="2">
+        <a:scrgbClr r="0" g="0" b="0"/>
+      </a:lnRef>
+      <a:fillRef idx="1">
+        <a:scrgbClr r="0" g="0" b="0"/>
+      </a:fillRef>
+      <a:effectRef idx="0">
+        <a:scrgbClr r="0" g="0" b="0"/>
+      </a:effectRef>
+      <a:fontRef idx="minor">
+        <a:schemeClr val="lt1"/>
+      </a:fontRef>
+    </dgm:style>
+  </dgm:styleLbl>
+  <dgm:styleLbl name="node3">
+    <dgm:scene3d>
+      <a:camera prst="orthographicFront"/>
+      <a:lightRig rig="threePt" dir="t"/>
+    </dgm:scene3d>
+    <dgm:sp3d/>
+    <dgm:txPr/>
+    <dgm:style>
+      <a:lnRef idx="2">
+        <a:scrgbClr r="0" g="0" b="0"/>
+      </a:lnRef>
+      <a:fillRef idx="1">
+        <a:scrgbClr r="0" g="0" b="0"/>
+      </a:fillRef>
+      <a:effectRef idx="0">
+        <a:scrgbClr r="0" g="0" b="0"/>
+      </a:effectRef>
+      <a:fontRef idx="minor">
+        <a:schemeClr val="lt1"/>
+      </a:fontRef>
+    </dgm:style>
+  </dgm:styleLbl>
+  <dgm:styleLbl name="node4">
+    <dgm:scene3d>
+      <a:camera prst="orthographicFront"/>
+      <a:lightRig rig="threePt" dir="t"/>
+    </dgm:scene3d>
+    <dgm:sp3d/>
+    <dgm:txPr/>
+    <dgm:style>
+      <a:lnRef idx="2">
+        <a:scrgbClr r="0" g="0" b="0"/>
+      </a:lnRef>
+      <a:fillRef idx="1">
+        <a:scrgbClr r="0" g="0" b="0"/>
+      </a:fillRef>
+      <a:effectRef idx="0">
+        <a:scrgbClr r="0" g="0" b="0"/>
+      </a:effectRef>
+      <a:fontRef idx="minor">
+        <a:schemeClr val="lt1"/>
+      </a:fontRef>
+    </dgm:style>
+  </dgm:styleLbl>
+  <dgm:styleLbl name="fgImgPlace1">
+    <dgm:scene3d>
+      <a:camera prst="orthographicFront"/>
+      <a:lightRig rig="threePt" dir="t"/>
+    </dgm:scene3d>
+    <dgm:sp3d/>
+    <dgm:txPr/>
+    <dgm:style>
+      <a:lnRef idx="2">
+        <a:scrgbClr r="0" g="0" b="0"/>
+      </a:lnRef>
+      <a:fillRef idx="1">
+        <a:scrgbClr r="0" g="0" b="0"/>
+      </a:fillRef>
+      <a:effectRef idx="0">
+        <a:scrgbClr r="0" g="0" b="0"/>
+      </a:effectRef>
+      <a:fontRef idx="minor"/>
+    </dgm:style>
+  </dgm:styleLbl>
+  <dgm:styleLbl name="alignImgPlace1">
+    <dgm:scene3d>
+      <a:camera prst="orthographicFront"/>
+      <a:lightRig rig="threePt" dir="t"/>
+    </dgm:scene3d>
+    <dgm:sp3d/>
+    <dgm:txPr/>
+    <dgm:style>
+      <a:lnRef idx="2">
+        <a:scrgbClr r="0" g="0" b="0"/>
+      </a:lnRef>
+      <a:fillRef idx="1">
+        <a:scrgbClr r="0" g="0" b="0"/>
+      </a:fillRef>
+      <a:effectRef idx="0">
+        <a:scrgbClr r="0" g="0" b="0"/>
+      </a:effectRef>
+      <a:fontRef idx="minor"/>
+    </dgm:style>
+  </dgm:styleLbl>
+  <dgm:styleLbl name="bgImgPlace1">
+    <dgm:scene3d>
+      <a:camera prst="orthographicFront"/>
+      <a:lightRig rig="threePt" dir="t"/>
+    </dgm:scene3d>
+    <dgm:sp3d/>
+    <dgm:txPr/>
+    <dgm:style>
+      <a:lnRef idx="2">
+        <a:scrgbClr r="0" g="0" b="0"/>
+      </a:lnRef>
+      <a:fillRef idx="1">
+        <a:scrgbClr r="0" g="0" b="0"/>
+      </a:fillRef>
+      <a:effectRef idx="0">
+        <a:scrgbClr r="0" g="0" b="0"/>
+      </a:effectRef>
+      <a:fontRef idx="minor"/>
+    </dgm:style>
+  </dgm:styleLbl>
+  <dgm:styleLbl name="sibTrans2D1">
+    <dgm:scene3d>
+      <a:camera prst="orthographicFront"/>
+      <a:lightRig rig="threePt" dir="t"/>
+    </dgm:scene3d>
+    <dgm:sp3d/>
+    <dgm:txPr/>
+    <dgm:style>
+      <a:lnRef idx="0">
+        <a:scrgbClr r="0" g="0" b="0"/>
+      </a:lnRef>
+      <a:fillRef idx="1">
+        <a:scrgbClr r="0" g="0" b="0"/>
+      </a:fillRef>
+      <a:effectRef idx="0">
+        <a:scrgbClr r="0" g="0" b="0"/>
+      </a:effectRef>
+      <a:fontRef idx="minor">
+        <a:schemeClr val="lt1"/>
+      </a:fontRef>
+    </dgm:style>
+  </dgm:styleLbl>
+  <dgm:styleLbl name="fgSibTrans2D1">
+    <dgm:scene3d>
+      <a:camera prst="orthographicFront"/>
+      <a:lightRig rig="threePt" dir="t"/>
+    </dgm:scene3d>
+    <dgm:sp3d/>
+    <dgm:txPr/>
+    <dgm:style>
+      <a:lnRef idx="0">
+        <a:scrgbClr r="0" g="0" b="0"/>
+      </a:lnRef>
+      <a:fillRef idx="1">
+        <a:scrgbClr r="0" g="0" b="0"/>
+      </a:fillRef>
+      <a:effectRef idx="0">
+        <a:scrgbClr r="0" g="0" b="0"/>
+      </a:effectRef>
+      <a:fontRef idx="minor">
+        <a:schemeClr val="lt1"/>
+      </a:fontRef>
+    </dgm:style>
+  </dgm:styleLbl>
+  <dgm:styleLbl name="bgSibTrans2D1">
+    <dgm:scene3d>
+      <a:camera prst="orthographicFront"/>
+      <a:lightRig rig="threePt" dir="t"/>
+    </dgm:scene3d>
+    <dgm:sp3d/>
+    <dgm:txPr/>
+    <dgm:style>
+      <a:lnRef idx="0">
+        <a:scrgbClr r="0" g="0" b="0"/>
+      </a:lnRef>
+      <a:fillRef idx="1">
+        <a:scrgbClr r="0" g="0" b="0"/>
+      </a:fillRef>
+      <a:effectRef idx="0">
+        <a:scrgbClr r="0" g="0" b="0"/>
+      </a:effectRef>
+      <a:fontRef idx="minor">
+        <a:schemeClr val="lt1"/>
+      </a:fontRef>
+    </dgm:style>
+  </dgm:styleLbl>
+  <dgm:styleLbl name="sibTrans1D1">
+    <dgm:scene3d>
+      <a:camera prst="orthographicFront"/>
+      <a:lightRig rig="threePt" dir="t"/>
+    </dgm:scene3d>
+    <dgm:sp3d/>
+    <dgm:txPr/>
+    <dgm:style>
+      <a:lnRef idx="1">
+        <a:scrgbClr r="0" g="0" b="0"/>
+      </a:lnRef>
+      <a:fillRef idx="0">
+        <a:scrgbClr r="0" g="0" b="0"/>
+      </a:fillRef>
+      <a:effectRef idx="0">
+        <a:scrgbClr r="0" g="0" b="0"/>
+      </a:effectRef>
+      <a:fontRef idx="minor"/>
+    </dgm:style>
+  </dgm:styleLbl>
+  <dgm:styleLbl name="callout">
+    <dgm:scene3d>
+      <a:camera prst="orthographicFront"/>
+      <a:lightRig rig="threePt" dir="t"/>
+    </dgm:scene3d>
+    <dgm:sp3d/>
+    <dgm:txPr/>
+    <dgm:style>
+      <a:lnRef idx="2">
+        <a:scrgbClr r="0" g="0" b="0"/>
+      </a:lnRef>
+      <a:fillRef idx="1">
+        <a:scrgbClr r="0" g="0" b="0"/>
+      </a:fillRef>
+      <a:effectRef idx="0">
+        <a:scrgbClr r="0" g="0" b="0"/>
+      </a:effectRef>
+      <a:fontRef idx="minor"/>
+    </dgm:style>
+  </dgm:styleLbl>
+  <dgm:styleLbl name="asst0">
+    <dgm:scene3d>
+      <a:camera prst="orthographicFront"/>
+      <a:lightRig rig="threePt" dir="t"/>
+    </dgm:scene3d>
+    <dgm:sp3d/>
+    <dgm:txPr/>
+    <dgm:style>
+      <a:lnRef idx="2">
+        <a:scrgbClr r="0" g="0" b="0"/>
+      </a:lnRef>
+      <a:fillRef idx="1">
+        <a:scrgbClr r="0" g="0" b="0"/>
+      </a:fillRef>
+      <a:effectRef idx="0">
+        <a:scrgbClr r="0" g="0" b="0"/>
+      </a:effectRef>
+      <a:fontRef idx="minor">
+        <a:schemeClr val="lt1"/>
+      </a:fontRef>
+    </dgm:style>
+  </dgm:styleLbl>
+  <dgm:styleLbl name="asst1">
+    <dgm:scene3d>
+      <a:camera prst="orthographicFront"/>
+      <a:lightRig rig="threePt" dir="t"/>
+    </dgm:scene3d>
+    <dgm:sp3d/>
+    <dgm:txPr/>
+    <dgm:style>
+      <a:lnRef idx="2">
+        <a:scrgbClr r="0" g="0" b="0"/>
+      </a:lnRef>
+      <a:fillRef idx="1">
+        <a:scrgbClr r="0" g="0" b="0"/>
+      </a:fillRef>
+      <a:effectRef idx="0">
+        <a:scrgbClr r="0" g="0" b="0"/>
+      </a:effectRef>
+      <a:fontRef idx="minor">
+        <a:schemeClr val="lt1"/>
+      </a:fontRef>
+    </dgm:style>
+  </dgm:styleLbl>
+  <dgm:styleLbl name="asst2">
+    <dgm:scene3d>
+      <a:camera prst="orthographicFront"/>
+      <a:lightRig rig="threePt" dir="t"/>
+    </dgm:scene3d>
+    <dgm:sp3d/>
+    <dgm:txPr/>
+    <dgm:style>
+      <a:lnRef idx="2">
+        <a:scrgbClr r="0" g="0" b="0"/>
+      </a:lnRef>
+      <a:fillRef idx="1">
+        <a:scrgbClr r="0" g="0" b="0"/>
+      </a:fillRef>
+      <a:effectRef idx="0">
+        <a:scrgbClr r="0" g="0" b="0"/>
+      </a:effectRef>
+      <a:fontRef idx="minor">
+        <a:schemeClr val="lt1"/>
+      </a:fontRef>
+    </dgm:style>
+  </dgm:styleLbl>
+  <dgm:styleLbl name="asst3">
+    <dgm:scene3d>
+      <a:camera prst="orthographicFront"/>
+      <a:lightRig rig="threePt" dir="t"/>
+    </dgm:scene3d>
+    <dgm:sp3d/>
+    <dgm:txPr/>
+    <dgm:style>
+      <a:lnRef idx="2">
+        <a:scrgbClr r="0" g="0" b="0"/>
+      </a:lnRef>
+      <a:fillRef idx="1">
+        <a:scrgbClr r="0" g="0" b="0"/>
+      </a:fillRef>
+      <a:effectRef idx="0">
+        <a:scrgbClr r="0" g="0" b="0"/>
+      </a:effectRef>
+      <a:fontRef idx="minor">
+        <a:schemeClr val="lt1"/>
+      </a:fontRef>
+    </dgm:style>
+  </dgm:styleLbl>
+  <dgm:styleLbl name="asst4">
+    <dgm:scene3d>
+      <a:camera prst="orthographicFront"/>
+      <a:lightRig rig="threePt" dir="t"/>
+    </dgm:scene3d>
+    <dgm:sp3d/>
+    <dgm:txPr/>
+    <dgm:style>
+      <a:lnRef idx="2">
+        <a:scrgbClr r="0" g="0" b="0"/>
+      </a:lnRef>
+      <a:fillRef idx="1">
+        <a:scrgbClr r="0" g="0" b="0"/>
+      </a:fillRef>
+      <a:effectRef idx="0">
+        <a:scrgbClr r="0" g="0" b="0"/>
+      </a:effectRef>
+      <a:fontRef idx="minor">
+        <a:schemeClr val="lt1"/>
+      </a:fontRef>
+    </dgm:style>
+  </dgm:styleLbl>
+  <dgm:styleLbl name="parChTrans2D1">
+    <dgm:scene3d>
+      <a:camera prst="orthographicFront"/>
+      <a:lightRig rig="threePt" dir="t"/>
+    </dgm:scene3d>
+    <dgm:sp3d/>
+    <dgm:txPr/>
+    <dgm:style>
+      <a:lnRef idx="2">
+        <a:scrgbClr r="0" g="0" b="0"/>
+      </a:lnRef>
+      <a:fillRef idx="1">
+        <a:scrgbClr r="0" g="0" b="0"/>
+      </a:fillRef>
+      <a:effectRef idx="0">
+        <a:scrgbClr r="0" g="0" b="0"/>
+      </a:effectRef>
+      <a:fontRef idx="minor">
+        <a:schemeClr val="lt1"/>
+      </a:fontRef>
+    </dgm:style>
+  </dgm:styleLbl>
+  <dgm:styleLbl name="parChTrans2D2">
+    <dgm:scene3d>
+      <a:camera prst="orthographicFront"/>
+      <a:lightRig rig="threePt" dir="t"/>
+    </dgm:scene3d>
+    <dgm:sp3d/>
+    <dgm:txPr/>
+    <dgm:style>
+      <a:lnRef idx="2">
+        <a:scrgbClr r="0" g="0" b="0"/>
+      </a:lnRef>
+      <a:fillRef idx="1">
+        <a:scrgbClr r="0" g="0" b="0"/>
+      </a:fillRef>
+      <a:effectRef idx="0">
+        <a:scrgbClr r="0" g="0" b="0"/>
+      </a:effectRef>
+      <a:fontRef idx="minor">
+        <a:schemeClr val="lt1"/>
+      </a:fontRef>
+    </dgm:style>
+  </dgm:styleLbl>
+  <dgm:styleLbl name="parChTrans2D3">
+    <dgm:scene3d>
+      <a:camera prst="orthographicFront"/>
+      <a:lightRig rig="threePt" dir="t"/>
+    </dgm:scene3d>
+    <dgm:sp3d/>
+    <dgm:txPr/>
+    <dgm:style>
+      <a:lnRef idx="2">
+        <a:scrgbClr r="0" g="0" b="0"/>
+      </a:lnRef>
+      <a:fillRef idx="1">
+        <a:scrgbClr r="0" g="0" b="0"/>
+      </a:fillRef>
+      <a:effectRef idx="0">
+        <a:scrgbClr r="0" g="0" b="0"/>
+      </a:effectRef>
+      <a:fontRef idx="minor">
+        <a:schemeClr val="lt1"/>
+      </a:fontRef>
+    </dgm:style>
+  </dgm:styleLbl>
+  <dgm:styleLbl name="parChTrans2D4">
+    <dgm:scene3d>
+      <a:camera prst="orthographicFront"/>
+      <a:lightRig rig="threePt" dir="t"/>
+    </dgm:scene3d>
+    <dgm:sp3d/>
+    <dgm:txPr/>
+    <dgm:style>
+      <a:lnRef idx="2">
+        <a:scrgbClr r="0" g="0" b="0"/>
+      </a:lnRef>
+      <a:fillRef idx="1">
+        <a:scrgbClr r="0" g="0" b="0"/>
+      </a:fillRef>
+      <a:effectRef idx="0">
+        <a:scrgbClr r="0" g="0" b="0"/>
+      </a:effectRef>
+      <a:fontRef idx="minor">
+        <a:schemeClr val="lt1"/>
+      </a:fontRef>
+    </dgm:style>
+  </dgm:styleLbl>
+  <dgm:styleLbl name="parChTrans1D1">
+    <dgm:scene3d>
+      <a:camera prst="orthographicFront"/>
+      <a:lightRig rig="threePt" dir="t"/>
+    </dgm:scene3d>
+    <dgm:sp3d/>
+    <dgm:txPr/>
+    <dgm:style>
+      <a:lnRef idx="2">
+        <a:scrgbClr r="0" g="0" b="0"/>
+      </a:lnRef>
+      <a:fillRef idx="0">
+        <a:scrgbClr r="0" g="0" b="0"/>
+      </a:fillRef>
+      <a:effectRef idx="0">
+        <a:scrgbClr r="0" g="0" b="0"/>
+      </a:effectRef>
+      <a:fontRef idx="minor"/>
+    </dgm:style>
+  </dgm:styleLbl>
+  <dgm:styleLbl name="parChTrans1D2">
+    <dgm:scene3d>
+      <a:camera prst="orthographicFront"/>
+      <a:lightRig rig="threePt" dir="t"/>
+    </dgm:scene3d>
+    <dgm:sp3d/>
+    <dgm:txPr/>
+    <dgm:style>
+      <a:lnRef idx="2">
+        <a:scrgbClr r="0" g="0" b="0"/>
+      </a:lnRef>
+      <a:fillRef idx="0">
+        <a:scrgbClr r="0" g="0" b="0"/>
+      </a:fillRef>
+      <a:effectRef idx="0">
+        <a:scrgbClr r="0" g="0" b="0"/>
+      </a:effectRef>
+      <a:fontRef idx="minor"/>
+    </dgm:style>
+  </dgm:styleLbl>
+  <dgm:styleLbl name="parChTrans1D3">
+    <dgm:scene3d>
+      <a:camera prst="orthographicFront"/>
+      <a:lightRig rig="threePt" dir="t"/>
+    </dgm:scene3d>
+    <dgm:sp3d/>
+    <dgm:txPr/>
+    <dgm:style>
+      <a:lnRef idx="2">
+        <a:scrgbClr r="0" g="0" b="0"/>
+      </a:lnRef>
+      <a:fillRef idx="0">
+        <a:scrgbClr r="0" g="0" b="0"/>
+      </a:fillRef>
+      <a:effectRef idx="0">
+        <a:scrgbClr r="0" g="0" b="0"/>
+      </a:effectRef>
+      <a:fontRef idx="minor"/>
+    </dgm:style>
+  </dgm:styleLbl>
+  <dgm:styleLbl name="parChTrans1D4">
+    <dgm:scene3d>
+      <a:camera prst="orthographicFront"/>
+      <a:lightRig rig="threePt" dir="t"/>
+    </dgm:scene3d>
+    <dgm:sp3d/>
+    <dgm:txPr/>
+    <dgm:style>
+      <a:lnRef idx="2">
+        <a:scrgbClr r="0" g="0" b="0"/>
+      </a:lnRef>
+      <a:fillRef idx="0">
+        <a:scrgbClr r="0" g="0" b="0"/>
+      </a:fillRef>
+      <a:effectRef idx="0">
+        <a:scrgbClr r="0" g="0" b="0"/>
+      </a:effectRef>
+      <a:fontRef idx="minor"/>
+    </dgm:style>
+  </dgm:styleLbl>
+  <dgm:styleLbl name="fgAcc1">
+    <dgm:scene3d>
+      <a:camera prst="orthographicFront"/>
+      <a:lightRig rig="threePt" dir="t"/>
+    </dgm:scene3d>
+    <dgm:sp3d/>
+    <dgm:txPr/>
+    <dgm:style>
+      <a:lnRef idx="2">
+        <a:scrgbClr r="0" g="0" b="0"/>
+      </a:lnRef>
+      <a:fillRef idx="1">
+        <a:scrgbClr r="0" g="0" b="0"/>
+      </a:fillRef>
+      <a:effectRef idx="0">
+        <a:scrgbClr r="0" g="0" b="0"/>
+      </a:effectRef>
+      <a:fontRef idx="minor"/>
+    </dgm:style>
+  </dgm:styleLbl>
+  <dgm:styleLbl name="conFgAcc1">
+    <dgm:scene3d>
+      <a:camera prst="orthographicFront"/>
+      <a:lightRig rig="threePt" dir="t"/>
+    </dgm:scene3d>
+    <dgm:sp3d/>
+    <dgm:txPr/>
+    <dgm:style>
+      <a:lnRef idx="2">
+        <a:scrgbClr r="0" g="0" b="0"/>
+      </a:lnRef>
+      <a:fillRef idx="1">
+        <a:scrgbClr r="0" g="0" b="0"/>
+      </a:fillRef>
+      <a:effectRef idx="0">
+        <a:scrgbClr r="0" g="0" b="0"/>
+      </a:effectRef>
+      <a:fontRef idx="minor"/>
+    </dgm:style>
+  </dgm:styleLbl>
+  <dgm:styleLbl name="alignAcc1">
+    <dgm:scene3d>
+      <a:camera prst="orthographicFront"/>
+      <a:lightRig rig="threePt" dir="t"/>
+    </dgm:scene3d>
+    <dgm:sp3d/>
+    <dgm:txPr/>
+    <dgm:style>
+      <a:lnRef idx="2">
+        <a:scrgbClr r="0" g="0" b="0"/>
+      </a:lnRef>
+      <a:fillRef idx="1">
+        <a:scrgbClr r="0" g="0" b="0"/>
+      </a:fillRef>
+      <a:effectRef idx="0">
+        <a:scrgbClr r="0" g="0" b="0"/>
+      </a:effectRef>
+      <a:fontRef idx="minor"/>
+    </dgm:style>
+  </dgm:styleLbl>
+  <dgm:styleLbl name="trAlignAcc1">
+    <dgm:scene3d>
+      <a:camera prst="orthographicFront"/>
+      <a:lightRig rig="threePt" dir="t"/>
+    </dgm:scene3d>
+    <dgm:sp3d/>
+    <dgm:txPr/>
+    <dgm:style>
+      <a:lnRef idx="1">
+        <a:scrgbClr r="0" g="0" b="0"/>
+      </a:lnRef>
+      <a:fillRef idx="1">
+        <a:scrgbClr r="0" g="0" b="0"/>
+      </a:fillRef>
+      <a:effectRef idx="0">
+        <a:scrgbClr r="0" g="0" b="0"/>
+      </a:effectRef>
+      <a:fontRef idx="minor"/>
+    </dgm:style>
+  </dgm:styleLbl>
+  <dgm:styleLbl name="bgAcc1">
+    <dgm:scene3d>
+      <a:camera prst="orthographicFront"/>
+      <a:lightRig rig="threePt" dir="t"/>
+    </dgm:scene3d>
+    <dgm:sp3d/>
+    <dgm:txPr/>
+    <dgm:style>
+      <a:lnRef idx="2">
+        <a:scrgbClr r="0" g="0" b="0"/>
+      </a:lnRef>
+      <a:fillRef idx="1">
+        <a:scrgbClr r="0" g="0" b="0"/>
+      </a:fillRef>
+      <a:effectRef idx="0">
+        <a:scrgbClr r="0" g="0" b="0"/>
+      </a:effectRef>
+      <a:fontRef idx="minor"/>
+    </dgm:style>
+  </dgm:styleLbl>
+  <dgm:styleLbl name="solidFgAcc1">
+    <dgm:scene3d>
+      <a:camera prst="orthographicFront"/>
+      <a:lightRig rig="threePt" dir="t"/>
+    </dgm:scene3d>
+    <dgm:sp3d/>
+    <dgm:txPr/>
+    <dgm:style>
+      <a:lnRef idx="2">
+        <a:scrgbClr r="0" g="0" b="0"/>
+      </a:lnRef>
+      <a:fillRef idx="1">
+        <a:scrgbClr r="0" g="0" b="0"/>
+      </a:fillRef>
+      <a:effectRef idx="0">
+        <a:scrgbClr r="0" g="0" b="0"/>
+      </a:effectRef>
+      <a:fontRef idx="minor"/>
+    </dgm:style>
+  </dgm:styleLbl>
+  <dgm:styleLbl name="solidAlignAcc1">
+    <dgm:scene3d>
+      <a:camera prst="orthographicFront"/>
+      <a:lightRig rig="threePt" dir="t"/>
+    </dgm:scene3d>
+    <dgm:sp3d/>
+    <dgm:txPr/>
+    <dgm:style>
+      <a:lnRef idx="2">
+        <a:scrgbClr r="0" g="0" b="0"/>
+      </a:lnRef>
+      <a:fillRef idx="1">
+        <a:scrgbClr r="0" g="0" b="0"/>
+      </a:fillRef>
+      <a:effectRef idx="0">
+        <a:scrgbClr r="0" g="0" b="0"/>
+      </a:effectRef>
+      <a:fontRef idx="minor"/>
+    </dgm:style>
+  </dgm:styleLbl>
+  <dgm:styleLbl name="solidBgAcc1">
+    <dgm:scene3d>
+      <a:camera prst="orthographicFront"/>
+      <a:lightRig rig="threePt" dir="t"/>
+    </dgm:scene3d>
+    <dgm:sp3d/>
+    <dgm:txPr/>
+    <dgm:style>
+      <a:lnRef idx="2">
+        <a:scrgbClr r="0" g="0" b="0"/>
+      </a:lnRef>
+      <a:fillRef idx="1">
+        <a:scrgbClr r="0" g="0" b="0"/>
+      </a:fillRef>
+      <a:effectRef idx="0">
+        <a:scrgbClr r="0" g="0" b="0"/>
+      </a:effectRef>
+      <a:fontRef idx="minor"/>
+    </dgm:style>
+  </dgm:styleLbl>
+  <dgm:styleLbl name="fgAccFollowNode1">
+    <dgm:scene3d>
+      <a:camera prst="orthographicFront"/>
+      <a:lightRig rig="threePt" dir="t"/>
+    </dgm:scene3d>
+    <dgm:sp3d/>
+    <dgm:txPr/>
+    <dgm:style>
+      <a:lnRef idx="2">
+        <a:scrgbClr r="0" g="0" b="0"/>
+      </a:lnRef>
+      <a:fillRef idx="1">
+        <a:scrgbClr r="0" g="0" b="0"/>
+      </a:fillRef>
+      <a:effectRef idx="0">
+        <a:scrgbClr r="0" g="0" b="0"/>
+      </a:effectRef>
+      <a:fontRef idx="minor"/>
+    </dgm:style>
+  </dgm:styleLbl>
+  <dgm:styleLbl name="alignAccFollowNode1">
+    <dgm:scene3d>
+      <a:camera prst="orthographicFront"/>
+      <a:lightRig rig="threePt" dir="t"/>
+    </dgm:scene3d>
+    <dgm:sp3d/>
+    <dgm:txPr/>
+    <dgm:style>
+      <a:lnRef idx="2">
+        <a:scrgbClr r="0" g="0" b="0"/>
+      </a:lnRef>
+      <a:fillRef idx="1">
+        <a:scrgbClr r="0" g="0" b="0"/>
+      </a:fillRef>
+      <a:effectRef idx="0">
+        <a:scrgbClr r="0" g="0" b="0"/>
+      </a:effectRef>
+      <a:fontRef idx="minor"/>
+    </dgm:style>
+  </dgm:styleLbl>
+  <dgm:styleLbl name="bgAccFollowNode1">
+    <dgm:scene3d>
+      <a:camera prst="orthographicFront"/>
+      <a:lightRig rig="threePt" dir="t"/>
+    </dgm:scene3d>
+    <dgm:sp3d/>
+    <dgm:txPr/>
+    <dgm:style>
+      <a:lnRef idx="2">
+        <a:scrgbClr r="0" g="0" b="0"/>
+      </a:lnRef>
+      <a:fillRef idx="1">
+        <a:scrgbClr r="0" g="0" b="0"/>
+      </a:fillRef>
+      <a:effectRef idx="0">
+        <a:scrgbClr r="0" g="0" b="0"/>
+      </a:effectRef>
+      <a:fontRef idx="minor"/>
+    </dgm:style>
+  </dgm:styleLbl>
+  <dgm:styleLbl name="fgAcc0">
+    <dgm:scene3d>
+      <a:camera prst="orthographicFront"/>
+      <a:lightRig rig="threePt" dir="t"/>
+    </dgm:scene3d>
+    <dgm:sp3d/>
+    <dgm:txPr/>
+    <dgm:style>
+      <a:lnRef idx="2">
+        <a:scrgbClr r="0" g="0" b="0"/>
+      </a:lnRef>
+      <a:fillRef idx="1">
+        <a:scrgbClr r="0" g="0" b="0"/>
+      </a:fillRef>
+      <a:effectRef idx="0">
+        <a:scrgbClr r="0" g="0" b="0"/>
+      </a:effectRef>
+      <a:fontRef idx="minor"/>
+    </dgm:style>
+  </dgm:styleLbl>
+  <dgm:styleLbl name="fgAcc2">
+    <dgm:scene3d>
+      <a:camera prst="orthographicFront"/>
+      <a:lightRig rig="threePt" dir="t"/>
+    </dgm:scene3d>
+    <dgm:sp3d/>
+    <dgm:txPr/>
+    <dgm:style>
+      <a:lnRef idx="2">
+        <a:scrgbClr r="0" g="0" b="0"/>
+      </a:lnRef>
+      <a:fillRef idx="1">
+        <a:scrgbClr r="0" g="0" b="0"/>
+      </a:fillRef>
+      <a:effectRef idx="0">
+        <a:scrgbClr r="0" g="0" b="0"/>
+      </a:effectRef>
+      <a:fontRef idx="minor"/>
+    </dgm:style>
+  </dgm:styleLbl>
+  <dgm:styleLbl name="fgAcc3">
+    <dgm:scene3d>
+      <a:camera prst="orthographicFront"/>
+      <a:lightRig rig="threePt" dir="t"/>
+    </dgm:scene3d>
+    <dgm:sp3d/>
+    <dgm:txPr/>
+    <dgm:style>
+      <a:lnRef idx="2">
+        <a:scrgbClr r="0" g="0" b="0"/>
+      </a:lnRef>
+      <a:fillRef idx="1">
+        <a:scrgbClr r="0" g="0" b="0"/>
+      </a:fillRef>
+      <a:effectRef idx="0">
+        <a:scrgbClr r="0" g="0" b="0"/>
+      </a:effectRef>
+      <a:fontRef idx="minor"/>
+    </dgm:style>
+  </dgm:styleLbl>
+  <dgm:styleLbl name="fgAcc4">
+    <dgm:scene3d>
+      <a:camera prst="orthographicFront"/>
+      <a:lightRig rig="threePt" dir="t"/>
+    </dgm:scene3d>
+    <dgm:sp3d/>
+    <dgm:txPr/>
+    <dgm:style>
+      <a:lnRef idx="2">
+        <a:scrgbClr r="0" g="0" b="0"/>
+      </a:lnRef>
+      <a:fillRef idx="1">
+        <a:scrgbClr r="0" g="0" b="0"/>
+      </a:fillRef>
+      <a:effectRef idx="0">
+        <a:scrgbClr r="0" g="0" b="0"/>
+      </a:effectRef>
+      <a:fontRef idx="minor"/>
+    </dgm:style>
+  </dgm:styleLbl>
+  <dgm:styleLbl name="bgShp">
+    <dgm:scene3d>
+      <a:camera prst="orthographicFront"/>
+      <a:lightRig rig="threePt" dir="t"/>
+    </dgm:scene3d>
+    <dgm:sp3d/>
+    <dgm:txPr/>
+    <dgm:style>
+      <a:lnRef idx="0">
+        <a:scrgbClr r="0" g="0" b="0"/>
+      </a:lnRef>
+      <a:fillRef idx="1">
+        <a:scrgbClr r="0" g="0" b="0"/>
+      </a:fillRef>
+      <a:effectRef idx="0">
+        <a:scrgbClr r="0" g="0" b="0"/>
+      </a:effectRef>
+      <a:fontRef idx="minor"/>
+    </dgm:style>
+  </dgm:styleLbl>
+  <dgm:styleLbl name="dkBgShp">
+    <dgm:scene3d>
+      <a:camera prst="orthographicFront"/>
+      <a:lightRig rig="threePt" dir="t"/>
+    </dgm:scene3d>
+    <dgm:sp3d/>
+    <dgm:txPr/>
+    <dgm:style>
+      <a:lnRef idx="0">
+        <a:scrgbClr r="0" g="0" b="0"/>
+      </a:lnRef>
+      <a:fillRef idx="1">
+        <a:scrgbClr r="0" g="0" b="0"/>
+      </a:fillRef>
+      <a:effectRef idx="0">
+        <a:scrgbClr r="0" g="0" b="0"/>
+      </a:effectRef>
+      <a:fontRef idx="minor"/>
+    </dgm:style>
+  </dgm:styleLbl>
+  <dgm:styleLbl name="trBgShp">
+    <dgm:scene3d>
+      <a:camera prst="orthographicFront"/>
+      <a:lightRig rig="threePt" dir="t"/>
+    </dgm:scene3d>
+    <dgm:sp3d/>
+    <dgm:txPr/>
+    <dgm:style>
+      <a:lnRef idx="0">
+        <a:scrgbClr r="0" g="0" b="0"/>
+      </a:lnRef>
+      <a:fillRef idx="1">
+        <a:scrgbClr r="0" g="0" b="0"/>
+      </a:fillRef>
+      <a:effectRef idx="0">
+        <a:scrgbClr r="0" g="0" b="0"/>
+      </a:effectRef>
+      <a:fontRef idx="minor"/>
+    </dgm:style>
+  </dgm:styleLbl>
+  <dgm:styleLbl name="fgShp">
+    <dgm:scene3d>
+      <a:camera prst="orthographicFront"/>
+      <a:lightRig rig="threePt" dir="t"/>
+    </dgm:scene3d>
+    <dgm:sp3d/>
+    <dgm:txPr/>
+    <dgm:style>
+      <a:lnRef idx="2">
+        <a:scrgbClr r="0" g="0" b="0"/>
+      </a:lnRef>
+      <a:fillRef idx="1">
+        <a:scrgbClr r="0" g="0" b="0"/>
+      </a:fillRef>
+      <a:effectRef idx="0">
+        <a:scrgbClr r="0" g="0" b="0"/>
+      </a:effectRef>
+      <a:fontRef idx="minor"/>
+    </dgm:style>
+  </dgm:styleLbl>
+  <dgm:styleLbl name="revTx">
+    <dgm:scene3d>
+      <a:camera prst="orthographicFront"/>
+      <a:lightRig rig="threePt" dir="t"/>
+    </dgm:scene3d>
+    <dgm:sp3d/>
+    <dgm:txPr/>
+    <dgm:style>
+      <a:lnRef idx="0">
+        <a:scrgbClr r="0" g="0" b="0"/>
+      </a:lnRef>
+      <a:fillRef idx="0">
+        <a:scrgbClr r="0" g="0" b="0"/>
+      </a:fillRef>
+      <a:effectRef idx="0">
+        <a:scrgbClr r="0" g="0" b="0"/>
+      </a:effectRef>
+      <a:fontRef idx="minor"/>
+    </dgm:style>
+  </dgm:styleLbl>
+</dgm:styleDef>
+</file>
+
 <file path=ppt/slideLayouts/slideLayout1.xml><?xml version="1.0" encoding="utf-8"?>
 <p:sldLayout xmlns:a="http://schemas.openxmlformats.org/drawingml/2006/main" xmlns:r="http://schemas.openxmlformats.org/officeDocument/2006/relationships" xmlns:p="http://schemas.openxmlformats.org/presentationml/2006/main" showMasterSp="0" type="title" preserve="1">
   <p:cSld name="Title Slide">
@@ -358,7 +3525,7 @@
           <a:p>
             <a:fld id="{9184DA70-C731-4C70-880D-CCD4705E623C}" type="datetime1">
               <a:rPr lang="en-US" smtClean="0"/>
-              <a:t>12/29/2019</a:t>
+              <a:t>12/31/2019</a:t>
             </a:fld>
             <a:endParaRPr lang="en-US" dirty="0"/>
           </a:p>
@@ -546,7 +3713,7 @@
           <a:p>
             <a:fld id="{B612A279-0833-481D-8C56-F67FD0AC6C50}" type="datetime1">
               <a:rPr lang="en-US" smtClean="0"/>
-              <a:t>12/29/2019</a:t>
+              <a:t>12/31/2019</a:t>
             </a:fld>
             <a:endParaRPr lang="en-US" dirty="0"/>
           </a:p>
@@ -788,7 +3955,7 @@
           <a:p>
             <a:fld id="{6587DA83-5663-4C9C-B9AA-0B40A3DAFF81}" type="datetime1">
               <a:rPr lang="en-US" smtClean="0"/>
-              <a:t>12/29/2019</a:t>
+              <a:t>12/31/2019</a:t>
             </a:fld>
             <a:endParaRPr lang="en-US" dirty="0"/>
           </a:p>
@@ -976,7 +4143,7 @@
           <a:p>
             <a:fld id="{4BE1D723-8F53-4F53-90B0-1982A396982E}" type="datetime1">
               <a:rPr lang="en-US" smtClean="0"/>
-              <a:t>12/29/2019</a:t>
+              <a:t>12/31/2019</a:t>
             </a:fld>
             <a:endParaRPr lang="en-US" dirty="0"/>
           </a:p>
@@ -1349,7 +4516,7 @@
           <a:p>
             <a:fld id="{97669AF7-7BEB-44E4-9852-375E34362B5B}" type="datetime1">
               <a:rPr lang="en-US" smtClean="0"/>
-              <a:t>12/29/2019</a:t>
+              <a:t>12/31/2019</a:t>
             </a:fld>
             <a:endParaRPr lang="en-US" dirty="0"/>
           </a:p>
@@ -1604,7 +4771,7 @@
           <a:p>
             <a:fld id="{BAAAC38D-0552-4C82-B593-E6124DFADBE2}" type="datetime1">
               <a:rPr lang="en-US" smtClean="0"/>
-              <a:t>12/29/2019</a:t>
+              <a:t>12/31/2019</a:t>
             </a:fld>
             <a:endParaRPr lang="en-US" dirty="0"/>
           </a:p>
@@ -2001,7 +5168,7 @@
           <a:p>
             <a:fld id="{D9DF0F1C-5577-4ACB-BB62-DF8F3C494C7E}" type="datetime1">
               <a:rPr lang="en-US" smtClean="0"/>
-              <a:t>12/29/2019</a:t>
+              <a:t>12/31/2019</a:t>
             </a:fld>
             <a:endParaRPr lang="en-US" dirty="0"/>
           </a:p>
@@ -2137,7 +5304,7 @@
           <a:p>
             <a:fld id="{1775B394-D9F9-4F0C-B15D-605F45CB9E9F}" type="datetime1">
               <a:rPr lang="en-US" smtClean="0"/>
-              <a:t>12/29/2019</a:t>
+              <a:t>12/31/2019</a:t>
             </a:fld>
             <a:endParaRPr lang="en-US" dirty="0"/>
           </a:p>
@@ -2294,7 +5461,7 @@
           <a:p>
             <a:fld id="{39667345-2558-425A-8533-9BFDBCE15005}" type="datetime1">
               <a:rPr lang="en-US" smtClean="0"/>
-              <a:t>12/29/2019</a:t>
+              <a:t>12/31/2019</a:t>
             </a:fld>
             <a:endParaRPr lang="en-US" dirty="0"/>
           </a:p>
@@ -2623,7 +5790,7 @@
           <a:p>
             <a:fld id="{92BEA474-078D-4E9B-9B14-09A87B19DC46}" type="datetime1">
               <a:rPr lang="en-US" smtClean="0"/>
-              <a:t>12/29/2019</a:t>
+              <a:t>12/31/2019</a:t>
             </a:fld>
             <a:endParaRPr lang="en-US" dirty="0"/>
           </a:p>
@@ -2973,7 +6140,7 @@
           <a:p>
             <a:fld id="{4907D986-8816-4272-A432-0437A28A9828}" type="datetime1">
               <a:rPr lang="en-US" smtClean="0"/>
-              <a:t>12/29/2019</a:t>
+              <a:t>12/31/2019</a:t>
             </a:fld>
             <a:endParaRPr lang="en-US" dirty="0"/>
           </a:p>
@@ -3234,7 +6401,7 @@
           <a:p>
             <a:fld id="{62D6E202-B606-4609-B914-27C9371A1F6D}" type="datetime1">
               <a:rPr lang="en-US" smtClean="0"/>
-              <a:t>12/29/2019</a:t>
+              <a:t>12/31/2019</a:t>
             </a:fld>
             <a:endParaRPr lang="en-US" dirty="0"/>
           </a:p>
@@ -4126,7 +7293,14 @@
           <a:bodyPr/>
           <a:lstStyle/>
           <a:p>
-            <a:endParaRPr lang="en-US" dirty="0"/>
+            <a:r>
+              <a:rPr lang="en-US" dirty="0" err="1"/>
+              <a:t>Uthpala</a:t>
+            </a:r>
+            <a:r>
+              <a:rPr lang="en-US" dirty="0"/>
+              <a:t> diagram</a:t>
+            </a:r>
           </a:p>
         </p:txBody>
       </p:sp>
@@ -4151,7 +7325,7 @@
           <a:bodyPr/>
           <a:lstStyle/>
           <a:p>
-            <a:endParaRPr lang="en-US"/>
+            <a:endParaRPr lang="en-US" dirty="0"/>
           </a:p>
         </p:txBody>
       </p:sp>
@@ -4176,7 +7350,7 @@
           <a:bodyPr/>
           <a:lstStyle/>
           <a:p>
-            <a:endParaRPr lang="en-US"/>
+            <a:endParaRPr lang="en-US" dirty="0"/>
           </a:p>
         </p:txBody>
       </p:sp>
@@ -4238,12 +7412,54 @@
           </a:p>
         </p:txBody>
       </p:sp>
+      <p:sp>
+        <p:nvSpPr>
+          <p:cNvPr id="6" name="Content Placeholder 5">
+            <a:extLst>
+              <a:ext uri="{FF2B5EF4-FFF2-40B4-BE49-F238E27FC236}">
+                <a16:creationId xmlns:a16="http://schemas.microsoft.com/office/drawing/2014/main" id="{80C45F5A-3FA5-496F-A9B0-E41D70BEDFF2}"/>
+              </a:ext>
+            </a:extLst>
+          </p:cNvPr>
+          <p:cNvSpPr>
+            <a:spLocks noGrp="1"/>
+          </p:cNvSpPr>
+          <p:nvPr>
+            <p:ph sz="half" idx="2"/>
+          </p:nvPr>
+        </p:nvSpPr>
+        <p:spPr/>
+        <p:txBody>
+          <a:bodyPr/>
+          <a:lstStyle/>
+          <a:p>
+            <a:pPr>
+              <a:buFont typeface="Wingdings" panose="05000000000000000000" pitchFamily="2" charset="2"/>
+              <a:buChar char="§"/>
+            </a:pPr>
+            <a:r>
+              <a:rPr lang="en-US" dirty="0"/>
+              <a:t>Imagine that you have a web service that receives many requests every second, where no request can get lost</a:t>
+            </a:r>
+          </a:p>
+          <a:p>
+            <a:pPr>
+              <a:buFont typeface="Wingdings" panose="05000000000000000000" pitchFamily="2" charset="2"/>
+              <a:buChar char="§"/>
+            </a:pPr>
+            <a:endParaRPr lang="en-US" dirty="0"/>
+          </a:p>
+          <a:p>
+            <a:endParaRPr lang="en-US" dirty="0"/>
+          </a:p>
+        </p:txBody>
+      </p:sp>
       <p:pic>
         <p:nvPicPr>
-          <p:cNvPr id="5" name="Content Placeholder 4" descr="A picture containing toy&#10;&#10;Description automatically generated">
+          <p:cNvPr id="8" name="Content Placeholder 7" descr="A screenshot of a cell phone&#10;&#10;Description automatically generated">
             <a:extLst>
               <a:ext uri="{FF2B5EF4-FFF2-40B4-BE49-F238E27FC236}">
-                <a16:creationId xmlns:a16="http://schemas.microsoft.com/office/drawing/2014/main" id="{118FB461-D882-4238-94A9-988FA327051A}"/>
+                <a16:creationId xmlns:a16="http://schemas.microsoft.com/office/drawing/2014/main" id="{F8AFBC6A-63D3-4C0A-925F-B889A4F4DC45}"/>
               </a:ext>
             </a:extLst>
           </p:cNvPr>
@@ -4268,17 +7484,173 @@
         </p:blipFill>
         <p:spPr>
           <a:xfrm>
-            <a:off x="1315656" y="2120900"/>
-            <a:ext cx="4202876" cy="3748088"/>
+            <a:off x="1097280" y="2007220"/>
+            <a:ext cx="4640262" cy="3621667"/>
           </a:xfrm>
         </p:spPr>
       </p:pic>
-      <p:sp>
-        <p:nvSpPr>
-          <p:cNvPr id="6" name="Content Placeholder 5">
+    </p:spTree>
+    <p:extLst>
+      <p:ext uri="{BB962C8B-B14F-4D97-AF65-F5344CB8AC3E}">
+        <p14:creationId xmlns:p14="http://schemas.microsoft.com/office/powerpoint/2010/main" val="219279454"/>
+      </p:ext>
+    </p:extLst>
+  </p:cSld>
+  <p:clrMapOvr>
+    <a:masterClrMapping/>
+  </p:clrMapOvr>
+</p:sld>
+</file>
+
+<file path=ppt/slides/slide4.xml><?xml version="1.0" encoding="utf-8"?>
+<p:sld xmlns:a="http://schemas.openxmlformats.org/drawingml/2006/main" xmlns:r="http://schemas.openxmlformats.org/officeDocument/2006/relationships" xmlns:p="http://schemas.openxmlformats.org/presentationml/2006/main">
+  <p:cSld>
+    <p:bg>
+      <p:bgPr>
+        <a:solidFill>
+          <a:schemeClr val="bg1"/>
+        </a:solidFill>
+        <a:effectLst/>
+      </p:bgPr>
+    </p:bg>
+    <p:spTree>
+      <p:nvGrpSpPr>
+        <p:cNvPr id="1" name=""/>
+        <p:cNvGrpSpPr/>
+        <p:nvPr/>
+      </p:nvGrpSpPr>
+      <p:grpSpPr>
+        <a:xfrm>
+          <a:off x="0" y="0"/>
+          <a:ext cx="0" cy="0"/>
+          <a:chOff x="0" y="0"/>
+          <a:chExt cx="0" cy="0"/>
+        </a:xfrm>
+      </p:grpSpPr>
+      <p:sp useBgFill="1">
+        <p:nvSpPr>
+          <p:cNvPr id="19" name="Rectangle 18">
             <a:extLst>
               <a:ext uri="{FF2B5EF4-FFF2-40B4-BE49-F238E27FC236}">
-                <a16:creationId xmlns:a16="http://schemas.microsoft.com/office/drawing/2014/main" id="{80C45F5A-3FA5-496F-A9B0-E41D70BEDFF2}"/>
+                <a16:creationId xmlns:a16="http://schemas.microsoft.com/office/drawing/2014/main" id="{EE1530B0-6F96-46C0-8B3E-3215CB756BE4}"/>
+              </a:ext>
+              <a:ext uri="{C183D7F6-B498-43B3-948B-1728B52AA6E4}">
+                <adec:decorative xmlns:adec="http://schemas.microsoft.com/office/drawing/2017/decorative" val="1"/>
+              </a:ext>
+            </a:extLst>
+          </p:cNvPr>
+          <p:cNvSpPr>
+            <a:spLocks noGrp="1" noRot="1" noChangeAspect="1" noMove="1" noResize="1" noEditPoints="1" noAdjustHandles="1" noChangeArrowheads="1" noChangeShapeType="1" noTextEdit="1"/>
+          </p:cNvSpPr>
+          <p:nvPr>
+            <p:extLst>
+              <p:ext uri="{386F3935-93C4-4BCD-93E2-E3B085C9AB24}">
+                <p16:designElem xmlns:p16="http://schemas.microsoft.com/office/powerpoint/2015/main" val="1"/>
+              </p:ext>
+            </p:extLst>
+          </p:nvPr>
+        </p:nvSpPr>
+        <p:spPr>
+          <a:xfrm>
+            <a:off x="5685" y="0"/>
+            <a:ext cx="12186315" cy="6858000"/>
+          </a:xfrm>
+          <a:prstGeom prst="rect">
+            <a:avLst/>
+          </a:prstGeom>
+          <a:ln>
+            <a:noFill/>
+          </a:ln>
+        </p:spPr>
+        <p:style>
+          <a:lnRef idx="2">
+            <a:schemeClr val="accent6">
+              <a:shade val="50000"/>
+            </a:schemeClr>
+          </a:lnRef>
+          <a:fillRef idx="1001">
+            <a:schemeClr val="lt1"/>
+          </a:fillRef>
+          <a:effectRef idx="0">
+            <a:schemeClr val="accent6"/>
+          </a:effectRef>
+          <a:fontRef idx="minor">
+            <a:schemeClr val="lt1"/>
+          </a:fontRef>
+        </p:style>
+        <p:txBody>
+          <a:bodyPr rtlCol="0" anchor="ctr"/>
+          <a:lstStyle/>
+          <a:p>
+            <a:pPr algn="ctr"/>
+            <a:endParaRPr lang="en-US"/>
+          </a:p>
+        </p:txBody>
+      </p:sp>
+      <p:sp>
+        <p:nvSpPr>
+          <p:cNvPr id="21" name="Rectangle 20">
+            <a:extLst>
+              <a:ext uri="{FF2B5EF4-FFF2-40B4-BE49-F238E27FC236}">
+                <a16:creationId xmlns:a16="http://schemas.microsoft.com/office/drawing/2014/main" id="{754910CF-1B56-45D3-960A-E89F7B3B9131}"/>
+              </a:ext>
+              <a:ext uri="{C183D7F6-B498-43B3-948B-1728B52AA6E4}">
+                <adec:decorative xmlns:adec="http://schemas.microsoft.com/office/drawing/2017/decorative" val="1"/>
+              </a:ext>
+            </a:extLst>
+          </p:cNvPr>
+          <p:cNvSpPr>
+            <a:spLocks noGrp="1" noRot="1" noChangeAspect="1" noMove="1" noResize="1" noEditPoints="1" noAdjustHandles="1" noChangeArrowheads="1" noChangeShapeType="1" noTextEdit="1"/>
+          </p:cNvSpPr>
+          <p:nvPr>
+            <p:extLst>
+              <p:ext uri="{386F3935-93C4-4BCD-93E2-E3B085C9AB24}">
+                <p16:designElem xmlns:p16="http://schemas.microsoft.com/office/powerpoint/2015/main" val="1"/>
+              </p:ext>
+            </p:extLst>
+          </p:nvPr>
+        </p:nvSpPr>
+        <p:spPr>
+          <a:xfrm>
+            <a:off x="16" y="0"/>
+            <a:ext cx="4050791" cy="6858000"/>
+          </a:xfrm>
+          <a:prstGeom prst="rect">
+            <a:avLst/>
+          </a:prstGeom>
+          <a:solidFill>
+            <a:schemeClr val="tx1">
+              <a:lumMod val="85000"/>
+              <a:lumOff val="15000"/>
+            </a:schemeClr>
+          </a:solidFill>
+          <a:ln>
+            <a:noFill/>
+          </a:ln>
+        </p:spPr>
+        <p:style>
+          <a:lnRef idx="2">
+            <a:schemeClr val="accent1">
+              <a:shade val="50000"/>
+            </a:schemeClr>
+          </a:lnRef>
+          <a:fillRef idx="1">
+            <a:schemeClr val="accent1"/>
+          </a:fillRef>
+          <a:effectRef idx="0">
+            <a:schemeClr val="accent1"/>
+          </a:effectRef>
+          <a:fontRef idx="minor">
+            <a:schemeClr val="lt1"/>
+          </a:fontRef>
+        </p:style>
+      </p:sp>
+      <p:sp>
+        <p:nvSpPr>
+          <p:cNvPr id="2" name="Title 1">
+            <a:extLst>
+              <a:ext uri="{FF2B5EF4-FFF2-40B4-BE49-F238E27FC236}">
+                <a16:creationId xmlns:a16="http://schemas.microsoft.com/office/drawing/2014/main" id="{C5444CEA-BD6E-404A-8CBA-C1B42384DD1A}"/>
               </a:ext>
             </a:extLst>
           </p:cNvPr>
@@ -4286,7 +7658,107 @@
             <a:spLocks noGrp="1"/>
           </p:cNvSpPr>
           <p:nvPr>
-            <p:ph sz="half" idx="2"/>
+            <p:ph type="title"/>
+          </p:nvPr>
+        </p:nvSpPr>
+        <p:spPr>
+          <a:xfrm>
+            <a:off x="492370" y="516835"/>
+            <a:ext cx="3084844" cy="5772840"/>
+          </a:xfrm>
+        </p:spPr>
+        <p:txBody>
+          <a:bodyPr anchor="ctr">
+            <a:normAutofit/>
+          </a:bodyPr>
+          <a:lstStyle/>
+          <a:p>
+            <a:r>
+              <a:rPr lang="en-US" sz="3600" dirty="0">
+                <a:solidFill>
+                  <a:schemeClr val="bg1"/>
+                </a:solidFill>
+              </a:rPr>
+              <a:t>ActiveMQ by Apache</a:t>
+            </a:r>
+          </a:p>
+        </p:txBody>
+      </p:sp>
+      <p:graphicFrame>
+        <p:nvGraphicFramePr>
+          <p:cNvPr id="5" name="Content Placeholder 2">
+            <a:extLst>
+              <a:ext uri="{FF2B5EF4-FFF2-40B4-BE49-F238E27FC236}">
+                <a16:creationId xmlns:a16="http://schemas.microsoft.com/office/drawing/2014/main" id="{39ABB62E-2521-4508-BCD2-7203B746D992}"/>
+              </a:ext>
+            </a:extLst>
+          </p:cNvPr>
+          <p:cNvGraphicFramePr>
+            <a:graphicFrameLocks noGrp="1"/>
+          </p:cNvGraphicFramePr>
+          <p:nvPr>
+            <p:ph idx="1"/>
+            <p:extLst>
+              <p:ext uri="{D42A27DB-BD31-4B8C-83A1-F6EECF244321}">
+                <p14:modId xmlns:p14="http://schemas.microsoft.com/office/powerpoint/2010/main" val="811018590"/>
+              </p:ext>
+            </p:extLst>
+          </p:nvPr>
+        </p:nvGraphicFramePr>
+        <p:xfrm>
+          <a:off x="4741863" y="639763"/>
+          <a:ext cx="6797675" cy="5649912"/>
+        </p:xfrm>
+        <a:graphic>
+          <a:graphicData uri="http://schemas.openxmlformats.org/drawingml/2006/diagram">
+            <dgm:relIds xmlns:dgm="http://schemas.openxmlformats.org/drawingml/2006/diagram" xmlns:r="http://schemas.openxmlformats.org/officeDocument/2006/relationships" r:dm="rId2" r:lo="rId3" r:qs="rId4" r:cs="rId5"/>
+          </a:graphicData>
+        </a:graphic>
+      </p:graphicFrame>
+    </p:spTree>
+    <p:extLst>
+      <p:ext uri="{BB962C8B-B14F-4D97-AF65-F5344CB8AC3E}">
+        <p14:creationId xmlns:p14="http://schemas.microsoft.com/office/powerpoint/2010/main" val="1957715269"/>
+      </p:ext>
+    </p:extLst>
+  </p:cSld>
+  <p:clrMapOvr>
+    <a:masterClrMapping/>
+  </p:clrMapOvr>
+</p:sld>
+</file>
+
+<file path=ppt/slides/slide5.xml><?xml version="1.0" encoding="utf-8"?>
+<p:sld xmlns:a="http://schemas.openxmlformats.org/drawingml/2006/main" xmlns:r="http://schemas.openxmlformats.org/officeDocument/2006/relationships" xmlns:p="http://schemas.openxmlformats.org/presentationml/2006/main">
+  <p:cSld>
+    <p:spTree>
+      <p:nvGrpSpPr>
+        <p:cNvPr id="1" name=""/>
+        <p:cNvGrpSpPr/>
+        <p:nvPr/>
+      </p:nvGrpSpPr>
+      <p:grpSpPr>
+        <a:xfrm>
+          <a:off x="0" y="0"/>
+          <a:ext cx="0" cy="0"/>
+          <a:chOff x="0" y="0"/>
+          <a:chExt cx="0" cy="0"/>
+        </a:xfrm>
+      </p:grpSpPr>
+      <p:sp>
+        <p:nvSpPr>
+          <p:cNvPr id="2" name="Title 1">
+            <a:extLst>
+              <a:ext uri="{FF2B5EF4-FFF2-40B4-BE49-F238E27FC236}">
+                <a16:creationId xmlns:a16="http://schemas.microsoft.com/office/drawing/2014/main" id="{CA8B0EF9-FB90-4C75-8DD0-09EFF35E5A56}"/>
+              </a:ext>
+            </a:extLst>
+          </p:cNvPr>
+          <p:cNvSpPr>
+            <a:spLocks noGrp="1"/>
+          </p:cNvSpPr>
+          <p:nvPr>
+            <p:ph type="title"/>
           </p:nvPr>
         </p:nvSpPr>
         <p:spPr/>
@@ -4294,22 +7766,33 @@
           <a:bodyPr/>
           <a:lstStyle/>
           <a:p>
-            <a:pPr>
-              <a:buFont typeface="Wingdings" panose="05000000000000000000" pitchFamily="2" charset="2"/>
-              <a:buChar char="§"/>
-            </a:pPr>
             <a:r>
               <a:rPr lang="en-US" dirty="0"/>
-              <a:t>Imagine that you have a web service that receives many requests every second, where no request can get lost</a:t>
+              <a:t>Advantages and disadvantages</a:t>
             </a:r>
           </a:p>
-          <a:p>
-            <a:pPr>
-              <a:buFont typeface="Wingdings" panose="05000000000000000000" pitchFamily="2" charset="2"/>
-              <a:buChar char="§"/>
-            </a:pPr>
-            <a:endParaRPr lang="en-US" dirty="0"/>
-          </a:p>
+        </p:txBody>
+      </p:sp>
+      <p:sp>
+        <p:nvSpPr>
+          <p:cNvPr id="3" name="Content Placeholder 2">
+            <a:extLst>
+              <a:ext uri="{FF2B5EF4-FFF2-40B4-BE49-F238E27FC236}">
+                <a16:creationId xmlns:a16="http://schemas.microsoft.com/office/drawing/2014/main" id="{DDF2E1EE-B4CB-4A52-8114-9A13B5B6DE4A}"/>
+              </a:ext>
+            </a:extLst>
+          </p:cNvPr>
+          <p:cNvSpPr>
+            <a:spLocks noGrp="1"/>
+          </p:cNvSpPr>
+          <p:nvPr>
+            <p:ph idx="1"/>
+          </p:nvPr>
+        </p:nvSpPr>
+        <p:spPr/>
+        <p:txBody>
+          <a:bodyPr/>
+          <a:lstStyle/>
           <a:p>
             <a:endParaRPr lang="en-US" dirty="0"/>
           </a:p>
@@ -4318,7 +7801,7 @@
     </p:spTree>
     <p:extLst>
       <p:ext uri="{BB962C8B-B14F-4D97-AF65-F5344CB8AC3E}">
-        <p14:creationId xmlns:p14="http://schemas.microsoft.com/office/powerpoint/2010/main" val="219279454"/>
+        <p14:creationId xmlns:p14="http://schemas.microsoft.com/office/powerpoint/2010/main" val="1851174275"/>
       </p:ext>
     </p:extLst>
   </p:cSld>

--- a/activemq.pptx
+++ b/activemq.pptx
@@ -9,7 +9,8 @@
     <p:sldId id="258" r:id="rId3"/>
     <p:sldId id="257" r:id="rId4"/>
     <p:sldId id="260" r:id="rId5"/>
-    <p:sldId id="261" r:id="rId6"/>
+    <p:sldId id="262" r:id="rId6"/>
+    <p:sldId id="261" r:id="rId7"/>
   </p:sldIdLst>
   <p:sldSz cx="12192000" cy="6858000"/>
   <p:notesSz cx="6858000" cy="9144000"/>
@@ -3525,7 +3526,7 @@
           <a:p>
             <a:fld id="{9184DA70-C731-4C70-880D-CCD4705E623C}" type="datetime1">
               <a:rPr lang="en-US" smtClean="0"/>
-              <a:t>12/31/2019</a:t>
+              <a:t>1/1/2020</a:t>
             </a:fld>
             <a:endParaRPr lang="en-US" dirty="0"/>
           </a:p>
@@ -3713,7 +3714,7 @@
           <a:p>
             <a:fld id="{B612A279-0833-481D-8C56-F67FD0AC6C50}" type="datetime1">
               <a:rPr lang="en-US" smtClean="0"/>
-              <a:t>12/31/2019</a:t>
+              <a:t>1/1/2020</a:t>
             </a:fld>
             <a:endParaRPr lang="en-US" dirty="0"/>
           </a:p>
@@ -3955,7 +3956,7 @@
           <a:p>
             <a:fld id="{6587DA83-5663-4C9C-B9AA-0B40A3DAFF81}" type="datetime1">
               <a:rPr lang="en-US" smtClean="0"/>
-              <a:t>12/31/2019</a:t>
+              <a:t>1/1/2020</a:t>
             </a:fld>
             <a:endParaRPr lang="en-US" dirty="0"/>
           </a:p>
@@ -4143,7 +4144,7 @@
           <a:p>
             <a:fld id="{4BE1D723-8F53-4F53-90B0-1982A396982E}" type="datetime1">
               <a:rPr lang="en-US" smtClean="0"/>
-              <a:t>12/31/2019</a:t>
+              <a:t>1/1/2020</a:t>
             </a:fld>
             <a:endParaRPr lang="en-US" dirty="0"/>
           </a:p>
@@ -4516,7 +4517,7 @@
           <a:p>
             <a:fld id="{97669AF7-7BEB-44E4-9852-375E34362B5B}" type="datetime1">
               <a:rPr lang="en-US" smtClean="0"/>
-              <a:t>12/31/2019</a:t>
+              <a:t>1/1/2020</a:t>
             </a:fld>
             <a:endParaRPr lang="en-US" dirty="0"/>
           </a:p>
@@ -4771,7 +4772,7 @@
           <a:p>
             <a:fld id="{BAAAC38D-0552-4C82-B593-E6124DFADBE2}" type="datetime1">
               <a:rPr lang="en-US" smtClean="0"/>
-              <a:t>12/31/2019</a:t>
+              <a:t>1/1/2020</a:t>
             </a:fld>
             <a:endParaRPr lang="en-US" dirty="0"/>
           </a:p>
@@ -5168,7 +5169,7 @@
           <a:p>
             <a:fld id="{D9DF0F1C-5577-4ACB-BB62-DF8F3C494C7E}" type="datetime1">
               <a:rPr lang="en-US" smtClean="0"/>
-              <a:t>12/31/2019</a:t>
+              <a:t>1/1/2020</a:t>
             </a:fld>
             <a:endParaRPr lang="en-US" dirty="0"/>
           </a:p>
@@ -5304,7 +5305,7 @@
           <a:p>
             <a:fld id="{1775B394-D9F9-4F0C-B15D-605F45CB9E9F}" type="datetime1">
               <a:rPr lang="en-US" smtClean="0"/>
-              <a:t>12/31/2019</a:t>
+              <a:t>1/1/2020</a:t>
             </a:fld>
             <a:endParaRPr lang="en-US" dirty="0"/>
           </a:p>
@@ -5461,7 +5462,7 @@
           <a:p>
             <a:fld id="{39667345-2558-425A-8533-9BFDBCE15005}" type="datetime1">
               <a:rPr lang="en-US" smtClean="0"/>
-              <a:t>12/31/2019</a:t>
+              <a:t>1/1/2020</a:t>
             </a:fld>
             <a:endParaRPr lang="en-US" dirty="0"/>
           </a:p>
@@ -5790,7 +5791,7 @@
           <a:p>
             <a:fld id="{92BEA474-078D-4E9B-9B14-09A87B19DC46}" type="datetime1">
               <a:rPr lang="en-US" smtClean="0"/>
-              <a:t>12/31/2019</a:t>
+              <a:t>1/1/2020</a:t>
             </a:fld>
             <a:endParaRPr lang="en-US" dirty="0"/>
           </a:p>
@@ -6140,7 +6141,7 @@
           <a:p>
             <a:fld id="{4907D986-8816-4272-A432-0437A28A9828}" type="datetime1">
               <a:rPr lang="en-US" smtClean="0"/>
-              <a:t>12/31/2019</a:t>
+              <a:t>1/1/2020</a:t>
             </a:fld>
             <a:endParaRPr lang="en-US" dirty="0"/>
           </a:p>
@@ -6401,7 +6402,7 @@
           <a:p>
             <a:fld id="{62D6E202-B606-4609-B914-27C9371A1F6D}" type="datetime1">
               <a:rPr lang="en-US" smtClean="0"/>
-              <a:t>12/31/2019</a:t>
+              <a:t>1/1/2020</a:t>
             </a:fld>
             <a:endParaRPr lang="en-US" dirty="0"/>
           </a:p>
@@ -7750,6 +7751,89 @@
           <p:cNvPr id="2" name="Title 1">
             <a:extLst>
               <a:ext uri="{FF2B5EF4-FFF2-40B4-BE49-F238E27FC236}">
+                <a16:creationId xmlns:a16="http://schemas.microsoft.com/office/drawing/2014/main" id="{3E0BF12A-25C8-478A-94D9-F56163BC2EB1}"/>
+              </a:ext>
+            </a:extLst>
+          </p:cNvPr>
+          <p:cNvSpPr>
+            <a:spLocks noGrp="1"/>
+          </p:cNvSpPr>
+          <p:nvPr>
+            <p:ph type="title"/>
+          </p:nvPr>
+        </p:nvSpPr>
+        <p:spPr/>
+        <p:txBody>
+          <a:bodyPr/>
+          <a:lstStyle/>
+          <a:p>
+            <a:r>
+              <a:rPr lang="en-US" dirty="0"/>
+              <a:t>Organizations :</a:t>
+            </a:r>
+          </a:p>
+        </p:txBody>
+      </p:sp>
+      <p:sp>
+        <p:nvSpPr>
+          <p:cNvPr id="3" name="Content Placeholder 2">
+            <a:extLst>
+              <a:ext uri="{FF2B5EF4-FFF2-40B4-BE49-F238E27FC236}">
+                <a16:creationId xmlns:a16="http://schemas.microsoft.com/office/drawing/2014/main" id="{623AE6FD-BDFB-4986-B44A-747A50ED551D}"/>
+              </a:ext>
+            </a:extLst>
+          </p:cNvPr>
+          <p:cNvSpPr>
+            <a:spLocks noGrp="1"/>
+          </p:cNvSpPr>
+          <p:nvPr>
+            <p:ph idx="1"/>
+          </p:nvPr>
+        </p:nvSpPr>
+        <p:spPr/>
+        <p:txBody>
+          <a:bodyPr/>
+          <a:lstStyle/>
+          <a:p>
+            <a:endParaRPr lang="en-US"/>
+          </a:p>
+        </p:txBody>
+      </p:sp>
+    </p:spTree>
+    <p:extLst>
+      <p:ext uri="{BB962C8B-B14F-4D97-AF65-F5344CB8AC3E}">
+        <p14:creationId xmlns:p14="http://schemas.microsoft.com/office/powerpoint/2010/main" val="3238597577"/>
+      </p:ext>
+    </p:extLst>
+  </p:cSld>
+  <p:clrMapOvr>
+    <a:masterClrMapping/>
+  </p:clrMapOvr>
+</p:sld>
+</file>
+
+<file path=ppt/slides/slide6.xml><?xml version="1.0" encoding="utf-8"?>
+<p:sld xmlns:a="http://schemas.openxmlformats.org/drawingml/2006/main" xmlns:r="http://schemas.openxmlformats.org/officeDocument/2006/relationships" xmlns:p="http://schemas.openxmlformats.org/presentationml/2006/main">
+  <p:cSld>
+    <p:spTree>
+      <p:nvGrpSpPr>
+        <p:cNvPr id="1" name=""/>
+        <p:cNvGrpSpPr/>
+        <p:nvPr/>
+      </p:nvGrpSpPr>
+      <p:grpSpPr>
+        <a:xfrm>
+          <a:off x="0" y="0"/>
+          <a:ext cx="0" cy="0"/>
+          <a:chOff x="0" y="0"/>
+          <a:chExt cx="0" cy="0"/>
+        </a:xfrm>
+      </p:grpSpPr>
+      <p:sp>
+        <p:nvSpPr>
+          <p:cNvPr id="2" name="Title 1">
+            <a:extLst>
+              <a:ext uri="{FF2B5EF4-FFF2-40B4-BE49-F238E27FC236}">
                 <a16:creationId xmlns:a16="http://schemas.microsoft.com/office/drawing/2014/main" id="{CA8B0EF9-FB90-4C75-8DD0-09EFF35E5A56}"/>
               </a:ext>
             </a:extLst>

--- a/activemq.pptx
+++ b/activemq.pptx
@@ -6,11 +6,14 @@
   </p:sldMasterIdLst>
   <p:sldIdLst>
     <p:sldId id="256" r:id="rId2"/>
-    <p:sldId id="258" r:id="rId3"/>
-    <p:sldId id="257" r:id="rId4"/>
-    <p:sldId id="260" r:id="rId5"/>
-    <p:sldId id="262" r:id="rId6"/>
-    <p:sldId id="261" r:id="rId7"/>
+    <p:sldId id="264" r:id="rId3"/>
+    <p:sldId id="260" r:id="rId4"/>
+    <p:sldId id="258" r:id="rId5"/>
+    <p:sldId id="257" r:id="rId6"/>
+    <p:sldId id="263" r:id="rId7"/>
+    <p:sldId id="262" r:id="rId8"/>
+    <p:sldId id="261" r:id="rId9"/>
+    <p:sldId id="265" r:id="rId10"/>
   </p:sldIdLst>
   <p:sldSz cx="12192000" cy="6858000"/>
   <p:notesSz cx="6858000" cy="9144000"/>
@@ -118,15 +121,15 @@
 </file>
 
 <file path=ppt/diagrams/colors1.xml><?xml version="1.0" encoding="utf-8"?>
-<dgm:colorsDef xmlns:dgm="http://schemas.openxmlformats.org/drawingml/2006/diagram" xmlns:a="http://schemas.openxmlformats.org/drawingml/2006/main" uniqueId="urn:microsoft.com/office/officeart/2018/5/colors/Iconchunking_neutralbg_colorful5">
+<dgm:colorsDef xmlns:dgm="http://schemas.openxmlformats.org/drawingml/2006/diagram" xmlns:a="http://schemas.openxmlformats.org/drawingml/2006/main" uniqueId="urn:microsoft.com/office/officeart/2018/5/colors/Iconchunking_coloredtext_colorful1">
   <dgm:title val=""/>
   <dgm:desc val=""/>
   <dgm:catLst>
-    <dgm:cat type="colorful" pri="10500"/>
+    <dgm:cat type="colorful" pri="10100"/>
   </dgm:catLst>
   <dgm:styleLbl name="node0">
     <dgm:fillClrLst meth="repeat">
-      <a:schemeClr val="accent4"/>
+      <a:schemeClr val="accent1"/>
     </dgm:fillClrLst>
     <dgm:linClrLst meth="repeat">
       <a:schemeClr val="lt1"/>
@@ -137,9 +140,8 @@
     <dgm:txEffectClrLst/>
   </dgm:styleLbl>
   <dgm:styleLbl name="node1">
-    <dgm:fillClrLst>
-      <a:schemeClr val="accent5"/>
-      <a:schemeClr val="accent6"/>
+    <dgm:fillClrLst meth="repeat">
+      <a:schemeClr val="bg1"/>
     </dgm:fillClrLst>
     <dgm:linClrLst meth="repeat">
       <a:schemeClr val="lt1">
@@ -148,15 +150,23 @@
     </dgm:linClrLst>
     <dgm:effectClrLst/>
     <dgm:txLinClrLst/>
-    <dgm:txFillClrLst/>
+    <dgm:txFillClrLst meth="repeat">
+      <a:schemeClr val="dk1"/>
+    </dgm:txFillClrLst>
     <dgm:txEffectClrLst/>
   </dgm:styleLbl>
   <dgm:styleLbl name="alignNode1">
-    <dgm:fillClrLst>
+    <dgm:fillClrLst meth="repeat">
+      <a:schemeClr val="accent2"/>
+      <a:schemeClr val="accent3"/>
+      <a:schemeClr val="accent4"/>
       <a:schemeClr val="accent5"/>
       <a:schemeClr val="accent6"/>
     </dgm:fillClrLst>
-    <dgm:linClrLst>
+    <dgm:linClrLst meth="repeat">
+      <a:schemeClr val="accent2"/>
+      <a:schemeClr val="accent3"/>
+      <a:schemeClr val="accent4"/>
       <a:schemeClr val="accent5"/>
       <a:schemeClr val="accent6"/>
     </dgm:linClrLst>
@@ -166,7 +176,10 @@
     <dgm:txEffectClrLst/>
   </dgm:styleLbl>
   <dgm:styleLbl name="lnNode1">
-    <dgm:fillClrLst>
+    <dgm:fillClrLst meth="repeat">
+      <a:schemeClr val="accent2"/>
+      <a:schemeClr val="accent3"/>
+      <a:schemeClr val="accent4"/>
       <a:schemeClr val="accent5"/>
       <a:schemeClr val="accent6"/>
     </dgm:fillClrLst>
@@ -179,7 +192,16 @@
     <dgm:txEffectClrLst/>
   </dgm:styleLbl>
   <dgm:styleLbl name="vennNode1">
-    <dgm:fillClrLst>
+    <dgm:fillClrLst meth="repeat">
+      <a:schemeClr val="accent2">
+        <a:alpha val="50000"/>
+      </a:schemeClr>
+      <a:schemeClr val="accent3">
+        <a:alpha val="50000"/>
+      </a:schemeClr>
+      <a:schemeClr val="accent4">
+        <a:alpha val="50000"/>
+      </a:schemeClr>
       <a:schemeClr val="accent5">
         <a:alpha val="50000"/>
       </a:schemeClr>
@@ -197,30 +219,6 @@
   </dgm:styleLbl>
   <dgm:styleLbl name="node2">
     <dgm:fillClrLst>
-      <a:schemeClr val="accent6"/>
-    </dgm:fillClrLst>
-    <dgm:linClrLst meth="repeat">
-      <a:schemeClr val="lt1"/>
-    </dgm:linClrLst>
-    <dgm:effectClrLst/>
-    <dgm:txLinClrLst/>
-    <dgm:txFillClrLst/>
-    <dgm:txEffectClrLst/>
-  </dgm:styleLbl>
-  <dgm:styleLbl name="node3">
-    <dgm:fillClrLst>
-      <a:schemeClr val="accent1"/>
-    </dgm:fillClrLst>
-    <dgm:linClrLst meth="repeat">
-      <a:schemeClr val="lt1"/>
-    </dgm:linClrLst>
-    <dgm:effectClrLst/>
-    <dgm:txLinClrLst/>
-    <dgm:txFillClrLst/>
-    <dgm:txEffectClrLst/>
-  </dgm:styleLbl>
-  <dgm:styleLbl name="node4">
-    <dgm:fillClrLst>
       <a:schemeClr val="accent2"/>
     </dgm:fillClrLst>
     <dgm:linClrLst meth="repeat">
@@ -231,8 +229,41 @@
     <dgm:txFillClrLst/>
     <dgm:txEffectClrLst/>
   </dgm:styleLbl>
+  <dgm:styleLbl name="node3">
+    <dgm:fillClrLst>
+      <a:schemeClr val="accent3"/>
+    </dgm:fillClrLst>
+    <dgm:linClrLst meth="repeat">
+      <a:schemeClr val="lt1"/>
+    </dgm:linClrLst>
+    <dgm:effectClrLst/>
+    <dgm:txLinClrLst/>
+    <dgm:txFillClrLst/>
+    <dgm:txEffectClrLst/>
+  </dgm:styleLbl>
+  <dgm:styleLbl name="node4">
+    <dgm:fillClrLst>
+      <a:schemeClr val="accent4"/>
+    </dgm:fillClrLst>
+    <dgm:linClrLst meth="repeat">
+      <a:schemeClr val="lt1"/>
+    </dgm:linClrLst>
+    <dgm:effectClrLst/>
+    <dgm:txLinClrLst/>
+    <dgm:txFillClrLst/>
+    <dgm:txEffectClrLst/>
+  </dgm:styleLbl>
   <dgm:styleLbl name="fgImgPlace1">
-    <dgm:fillClrLst>
+    <dgm:fillClrLst meth="repeat">
+      <a:schemeClr val="accent2">
+        <a:tint val="50000"/>
+      </a:schemeClr>
+      <a:schemeClr val="accent3">
+        <a:tint val="50000"/>
+      </a:schemeClr>
+      <a:schemeClr val="accent4">
+        <a:tint val="50000"/>
+      </a:schemeClr>
       <a:schemeClr val="accent5">
         <a:tint val="50000"/>
       </a:schemeClr>
@@ -252,10 +283,10 @@
   </dgm:styleLbl>
   <dgm:styleLbl name="alignImgPlace1">
     <dgm:fillClrLst>
-      <a:schemeClr val="accent5">
+      <a:schemeClr val="accent1">
         <a:tint val="50000"/>
       </a:schemeClr>
-      <a:schemeClr val="accent6">
+      <a:schemeClr val="accent2">
         <a:tint val="20000"/>
       </a:schemeClr>
     </dgm:fillClrLst>
@@ -271,10 +302,10 @@
   </dgm:styleLbl>
   <dgm:styleLbl name="bgImgPlace1">
     <dgm:fillClrLst>
-      <a:schemeClr val="accent5">
+      <a:schemeClr val="accent1">
         <a:tint val="50000"/>
       </a:schemeClr>
-      <a:schemeClr val="accent6">
+      <a:schemeClr val="accent2">
         <a:tint val="20000"/>
       </a:schemeClr>
     </dgm:fillClrLst>
@@ -289,9 +320,98 @@
     <dgm:txEffectClrLst/>
   </dgm:styleLbl>
   <dgm:styleLbl name="sibTrans2D1">
-    <dgm:fillClrLst>
+    <dgm:fillClrLst meth="repeat">
+      <a:schemeClr val="accent2"/>
+      <a:schemeClr val="accent3"/>
+      <a:schemeClr val="accent4"/>
       <a:schemeClr val="accent5"/>
       <a:schemeClr val="accent6"/>
+    </dgm:fillClrLst>
+    <dgm:linClrLst meth="cycle">
+      <a:schemeClr val="lt1"/>
+    </dgm:linClrLst>
+    <dgm:effectClrLst/>
+    <dgm:txLinClrLst/>
+    <dgm:txFillClrLst/>
+    <dgm:txEffectClrLst/>
+  </dgm:styleLbl>
+  <dgm:styleLbl name="fgSibTrans2D1">
+    <dgm:fillClrLst meth="repeat">
+      <a:schemeClr val="accent2"/>
+      <a:schemeClr val="accent3"/>
+      <a:schemeClr val="accent4"/>
+      <a:schemeClr val="accent5"/>
+      <a:schemeClr val="accent6"/>
+    </dgm:fillClrLst>
+    <dgm:linClrLst meth="cycle">
+      <a:schemeClr val="lt1"/>
+    </dgm:linClrLst>
+    <dgm:effectClrLst/>
+    <dgm:txLinClrLst/>
+    <dgm:txFillClrLst meth="repeat">
+      <a:schemeClr val="lt1"/>
+    </dgm:txFillClrLst>
+    <dgm:txEffectClrLst/>
+  </dgm:styleLbl>
+  <dgm:styleLbl name="bgSibTrans2D1">
+    <dgm:fillClrLst meth="repeat">
+      <a:schemeClr val="accent2"/>
+      <a:schemeClr val="accent3"/>
+      <a:schemeClr val="accent4"/>
+      <a:schemeClr val="accent5"/>
+      <a:schemeClr val="accent6"/>
+    </dgm:fillClrLst>
+    <dgm:linClrLst meth="cycle">
+      <a:schemeClr val="lt1"/>
+    </dgm:linClrLst>
+    <dgm:effectClrLst/>
+    <dgm:txLinClrLst/>
+    <dgm:txFillClrLst meth="repeat">
+      <a:schemeClr val="lt1"/>
+    </dgm:txFillClrLst>
+    <dgm:txEffectClrLst/>
+  </dgm:styleLbl>
+  <dgm:styleLbl name="sibTrans1D1">
+    <dgm:fillClrLst meth="repeat">
+      <a:schemeClr val="accent2"/>
+      <a:schemeClr val="accent3"/>
+      <a:schemeClr val="accent4"/>
+      <a:schemeClr val="accent5"/>
+      <a:schemeClr val="accent6"/>
+    </dgm:fillClrLst>
+    <dgm:linClrLst meth="repeat">
+      <a:schemeClr val="accent2"/>
+      <a:schemeClr val="accent3"/>
+      <a:schemeClr val="accent4"/>
+      <a:schemeClr val="accent5"/>
+      <a:schemeClr val="accent6"/>
+    </dgm:linClrLst>
+    <dgm:effectClrLst/>
+    <dgm:txLinClrLst/>
+    <dgm:txFillClrLst meth="repeat">
+      <a:schemeClr val="tx1"/>
+    </dgm:txFillClrLst>
+    <dgm:txEffectClrLst/>
+  </dgm:styleLbl>
+  <dgm:styleLbl name="callout">
+    <dgm:fillClrLst meth="repeat">
+      <a:schemeClr val="accent2"/>
+    </dgm:fillClrLst>
+    <dgm:linClrLst meth="repeat">
+      <a:schemeClr val="accent2">
+        <a:tint val="50000"/>
+      </a:schemeClr>
+    </dgm:linClrLst>
+    <dgm:effectClrLst/>
+    <dgm:txLinClrLst/>
+    <dgm:txFillClrLst meth="repeat">
+      <a:schemeClr val="tx1"/>
+    </dgm:txFillClrLst>
+    <dgm:txEffectClrLst/>
+  </dgm:styleLbl>
+  <dgm:styleLbl name="asst0">
+    <dgm:fillClrLst meth="repeat">
+      <a:schemeClr val="accent1"/>
     </dgm:fillClrLst>
     <dgm:linClrLst meth="repeat">
       <a:schemeClr val="lt1"/>
@@ -301,10 +421,57 @@
     <dgm:txFillClrLst/>
     <dgm:txEffectClrLst/>
   </dgm:styleLbl>
-  <dgm:styleLbl name="fgSibTrans2D1">
+  <dgm:styleLbl name="asst1">
+    <dgm:fillClrLst meth="repeat">
+      <a:schemeClr val="accent2"/>
+    </dgm:fillClrLst>
+    <dgm:linClrLst meth="repeat">
+      <a:schemeClr val="lt1"/>
+    </dgm:linClrLst>
+    <dgm:effectClrLst/>
+    <dgm:txLinClrLst/>
+    <dgm:txFillClrLst/>
+    <dgm:txEffectClrLst/>
+  </dgm:styleLbl>
+  <dgm:styleLbl name="asst2">
+    <dgm:fillClrLst>
+      <a:schemeClr val="accent3"/>
+    </dgm:fillClrLst>
+    <dgm:linClrLst meth="repeat">
+      <a:schemeClr val="lt1"/>
+    </dgm:linClrLst>
+    <dgm:effectClrLst/>
+    <dgm:txLinClrLst/>
+    <dgm:txFillClrLst/>
+    <dgm:txEffectClrLst/>
+  </dgm:styleLbl>
+  <dgm:styleLbl name="asst3">
+    <dgm:fillClrLst>
+      <a:schemeClr val="accent4"/>
+    </dgm:fillClrLst>
+    <dgm:linClrLst meth="repeat">
+      <a:schemeClr val="lt1"/>
+    </dgm:linClrLst>
+    <dgm:effectClrLst/>
+    <dgm:txLinClrLst/>
+    <dgm:txFillClrLst/>
+    <dgm:txEffectClrLst/>
+  </dgm:styleLbl>
+  <dgm:styleLbl name="asst4">
     <dgm:fillClrLst>
       <a:schemeClr val="accent5"/>
-      <a:schemeClr val="accent6"/>
+    </dgm:fillClrLst>
+    <dgm:linClrLst meth="repeat">
+      <a:schemeClr val="lt1"/>
+    </dgm:linClrLst>
+    <dgm:effectClrLst/>
+    <dgm:txLinClrLst/>
+    <dgm:txFillClrLst/>
+    <dgm:txEffectClrLst/>
+  </dgm:styleLbl>
+  <dgm:styleLbl name="parChTrans2D1">
+    <dgm:fillClrLst meth="repeat">
+      <a:schemeClr val="accent2"/>
     </dgm:fillClrLst>
     <dgm:linClrLst meth="repeat">
       <a:schemeClr val="lt1"/>
@@ -316,104 +483,8 @@
     </dgm:txFillClrLst>
     <dgm:txEffectClrLst/>
   </dgm:styleLbl>
-  <dgm:styleLbl name="bgSibTrans2D1">
-    <dgm:fillClrLst>
-      <a:schemeClr val="accent5"/>
-      <a:schemeClr val="accent6"/>
-    </dgm:fillClrLst>
-    <dgm:linClrLst meth="repeat">
-      <a:schemeClr val="lt1"/>
-    </dgm:linClrLst>
-    <dgm:effectClrLst/>
-    <dgm:txLinClrLst/>
-    <dgm:txFillClrLst meth="repeat">
-      <a:schemeClr val="lt1"/>
-    </dgm:txFillClrLst>
-    <dgm:txEffectClrLst/>
-  </dgm:styleLbl>
-  <dgm:styleLbl name="sibTrans1D1">
-    <dgm:fillClrLst/>
-    <dgm:linClrLst>
-      <a:schemeClr val="accent5"/>
-      <a:schemeClr val="accent6"/>
-    </dgm:linClrLst>
-    <dgm:effectClrLst/>
-    <dgm:txLinClrLst/>
-    <dgm:txFillClrLst meth="repeat">
-      <a:schemeClr val="tx1"/>
-    </dgm:txFillClrLst>
-    <dgm:txEffectClrLst/>
-  </dgm:styleLbl>
-  <dgm:styleLbl name="callout">
+  <dgm:styleLbl name="parChTrans2D2">
     <dgm:fillClrLst meth="repeat">
-      <a:schemeClr val="accent5"/>
-    </dgm:fillClrLst>
-    <dgm:linClrLst meth="repeat">
-      <a:schemeClr val="accent5">
-        <a:tint val="50000"/>
-      </a:schemeClr>
-    </dgm:linClrLst>
-    <dgm:effectClrLst/>
-    <dgm:txLinClrLst/>
-    <dgm:txFillClrLst meth="repeat">
-      <a:schemeClr val="tx1"/>
-    </dgm:txFillClrLst>
-    <dgm:txEffectClrLst/>
-  </dgm:styleLbl>
-  <dgm:styleLbl name="asst0">
-    <dgm:fillClrLst meth="repeat">
-      <a:schemeClr val="accent5"/>
-    </dgm:fillClrLst>
-    <dgm:linClrLst meth="repeat">
-      <a:schemeClr val="lt1">
-        <a:shade val="80000"/>
-      </a:schemeClr>
-    </dgm:linClrLst>
-    <dgm:effectClrLst/>
-    <dgm:txLinClrLst/>
-    <dgm:txFillClrLst/>
-    <dgm:txEffectClrLst/>
-  </dgm:styleLbl>
-  <dgm:styleLbl name="asst1">
-    <dgm:fillClrLst meth="repeat">
-      <a:schemeClr val="accent6"/>
-    </dgm:fillClrLst>
-    <dgm:linClrLst meth="repeat">
-      <a:schemeClr val="lt1">
-        <a:shade val="80000"/>
-      </a:schemeClr>
-    </dgm:linClrLst>
-    <dgm:effectClrLst/>
-    <dgm:txLinClrLst/>
-    <dgm:txFillClrLst/>
-    <dgm:txEffectClrLst/>
-  </dgm:styleLbl>
-  <dgm:styleLbl name="asst2">
-    <dgm:fillClrLst>
-      <a:schemeClr val="accent1"/>
-    </dgm:fillClrLst>
-    <dgm:linClrLst meth="repeat">
-      <a:schemeClr val="lt1"/>
-    </dgm:linClrLst>
-    <dgm:effectClrLst/>
-    <dgm:txLinClrLst/>
-    <dgm:txFillClrLst/>
-    <dgm:txEffectClrLst/>
-  </dgm:styleLbl>
-  <dgm:styleLbl name="asst3">
-    <dgm:fillClrLst>
-      <a:schemeClr val="accent2"/>
-    </dgm:fillClrLst>
-    <dgm:linClrLst meth="repeat">
-      <a:schemeClr val="lt1"/>
-    </dgm:linClrLst>
-    <dgm:effectClrLst/>
-    <dgm:txLinClrLst/>
-    <dgm:txFillClrLst/>
-    <dgm:txEffectClrLst/>
-  </dgm:styleLbl>
-  <dgm:styleLbl name="asst4">
-    <dgm:fillClrLst>
       <a:schemeClr val="accent3"/>
     </dgm:fillClrLst>
     <dgm:linClrLst meth="repeat">
@@ -424,7 +495,19 @@
     <dgm:txFillClrLst/>
     <dgm:txEffectClrLst/>
   </dgm:styleLbl>
-  <dgm:styleLbl name="parChTrans2D1">
+  <dgm:styleLbl name="parChTrans2D3">
+    <dgm:fillClrLst meth="repeat">
+      <a:schemeClr val="accent4"/>
+    </dgm:fillClrLst>
+    <dgm:linClrLst meth="repeat">
+      <a:schemeClr val="lt1"/>
+    </dgm:linClrLst>
+    <dgm:effectClrLst/>
+    <dgm:txLinClrLst/>
+    <dgm:txFillClrLst/>
+    <dgm:txEffectClrLst/>
+  </dgm:styleLbl>
+  <dgm:styleLbl name="parChTrans2D4">
     <dgm:fillClrLst meth="repeat">
       <a:schemeClr val="accent5"/>
     </dgm:fillClrLst>
@@ -438,79 +521,9 @@
     </dgm:txFillClrLst>
     <dgm:txEffectClrLst/>
   </dgm:styleLbl>
-  <dgm:styleLbl name="parChTrans2D2">
-    <dgm:fillClrLst meth="repeat">
-      <a:schemeClr val="accent6"/>
-    </dgm:fillClrLst>
-    <dgm:linClrLst meth="repeat">
-      <a:schemeClr val="lt1"/>
-    </dgm:linClrLst>
-    <dgm:effectClrLst/>
-    <dgm:txLinClrLst/>
-    <dgm:txFillClrLst/>
-    <dgm:txEffectClrLst/>
-  </dgm:styleLbl>
-  <dgm:styleLbl name="parChTrans2D3">
-    <dgm:fillClrLst meth="repeat">
-      <a:schemeClr val="accent6"/>
-    </dgm:fillClrLst>
-    <dgm:linClrLst meth="repeat">
-      <a:schemeClr val="lt1"/>
-    </dgm:linClrLst>
-    <dgm:effectClrLst/>
-    <dgm:txLinClrLst/>
-    <dgm:txFillClrLst/>
-    <dgm:txEffectClrLst/>
-  </dgm:styleLbl>
-  <dgm:styleLbl name="parChTrans2D4">
-    <dgm:fillClrLst meth="repeat">
-      <a:schemeClr val="accent1"/>
-    </dgm:fillClrLst>
-    <dgm:linClrLst meth="repeat">
-      <a:schemeClr val="lt1"/>
-    </dgm:linClrLst>
-    <dgm:effectClrLst/>
-    <dgm:txLinClrLst/>
-    <dgm:txFillClrLst meth="repeat">
-      <a:schemeClr val="lt1"/>
-    </dgm:txFillClrLst>
-    <dgm:txEffectClrLst/>
-  </dgm:styleLbl>
   <dgm:styleLbl name="parChTrans1D1">
     <dgm:fillClrLst meth="repeat">
-      <a:schemeClr val="accent5"/>
-    </dgm:fillClrLst>
-    <dgm:linClrLst meth="repeat">
-      <a:schemeClr val="accent5"/>
-    </dgm:linClrLst>
-    <dgm:effectClrLst/>
-    <dgm:txLinClrLst/>
-    <dgm:txFillClrLst meth="repeat">
-      <a:schemeClr val="tx1"/>
-    </dgm:txFillClrLst>
-    <dgm:txEffectClrLst/>
-  </dgm:styleLbl>
-  <dgm:styleLbl name="parChTrans1D2">
-    <dgm:fillClrLst meth="repeat">
-      <a:schemeClr val="accent6">
-        <a:tint val="90000"/>
-      </a:schemeClr>
-    </dgm:fillClrLst>
-    <dgm:linClrLst meth="repeat">
-      <a:schemeClr val="accent6"/>
-    </dgm:linClrLst>
-    <dgm:effectClrLst/>
-    <dgm:txLinClrLst/>
-    <dgm:txFillClrLst meth="repeat">
-      <a:schemeClr val="tx1"/>
-    </dgm:txFillClrLst>
-    <dgm:txEffectClrLst/>
-  </dgm:styleLbl>
-  <dgm:styleLbl name="parChTrans1D3">
-    <dgm:fillClrLst meth="repeat">
-      <a:schemeClr val="accent6">
-        <a:tint val="70000"/>
-      </a:schemeClr>
+      <a:schemeClr val="accent2"/>
     </dgm:fillClrLst>
     <dgm:linClrLst meth="repeat">
       <a:schemeClr val="accent1"/>
@@ -522,10 +535,10 @@
     </dgm:txFillClrLst>
     <dgm:txEffectClrLst/>
   </dgm:styleLbl>
-  <dgm:styleLbl name="parChTrans1D4">
+  <dgm:styleLbl name="parChTrans1D2">
     <dgm:fillClrLst meth="repeat">
-      <a:schemeClr val="accent6">
-        <a:tint val="50000"/>
+      <a:schemeClr val="accent3">
+        <a:tint val="90000"/>
       </a:schemeClr>
     </dgm:fillClrLst>
     <dgm:linClrLst meth="repeat">
@@ -538,13 +551,48 @@
     </dgm:txFillClrLst>
     <dgm:txEffectClrLst/>
   </dgm:styleLbl>
+  <dgm:styleLbl name="parChTrans1D3">
+    <dgm:fillClrLst meth="repeat">
+      <a:schemeClr val="accent4">
+        <a:tint val="70000"/>
+      </a:schemeClr>
+    </dgm:fillClrLst>
+    <dgm:linClrLst meth="repeat">
+      <a:schemeClr val="accent3"/>
+    </dgm:linClrLst>
+    <dgm:effectClrLst/>
+    <dgm:txLinClrLst/>
+    <dgm:txFillClrLst meth="repeat">
+      <a:schemeClr val="tx1"/>
+    </dgm:txFillClrLst>
+    <dgm:txEffectClrLst/>
+  </dgm:styleLbl>
+  <dgm:styleLbl name="parChTrans1D4">
+    <dgm:fillClrLst meth="repeat">
+      <a:schemeClr val="accent5">
+        <a:tint val="50000"/>
+      </a:schemeClr>
+    </dgm:fillClrLst>
+    <dgm:linClrLst meth="repeat">
+      <a:schemeClr val="accent4"/>
+    </dgm:linClrLst>
+    <dgm:effectClrLst/>
+    <dgm:txLinClrLst/>
+    <dgm:txFillClrLst meth="repeat">
+      <a:schemeClr val="tx1"/>
+    </dgm:txFillClrLst>
+    <dgm:txEffectClrLst/>
+  </dgm:styleLbl>
   <dgm:styleLbl name="fgAcc1">
     <dgm:fillClrLst meth="repeat">
       <a:schemeClr val="lt1">
         <a:alpha val="90000"/>
       </a:schemeClr>
     </dgm:fillClrLst>
-    <dgm:linClrLst>
+    <dgm:linClrLst meth="repeat">
+      <a:schemeClr val="accent2"/>
+      <a:schemeClr val="accent3"/>
+      <a:schemeClr val="accent4"/>
       <a:schemeClr val="accent5"/>
       <a:schemeClr val="accent6"/>
     </dgm:linClrLst>
@@ -561,7 +609,10 @@
         <a:alpha val="90000"/>
       </a:schemeClr>
     </dgm:fillClrLst>
-    <dgm:linClrLst>
+    <dgm:linClrLst meth="repeat">
+      <a:schemeClr val="accent2"/>
+      <a:schemeClr val="accent3"/>
+      <a:schemeClr val="accent4"/>
       <a:schemeClr val="accent5"/>
       <a:schemeClr val="accent6"/>
     </dgm:linClrLst>
@@ -578,7 +629,10 @@
         <a:alpha val="90000"/>
       </a:schemeClr>
     </dgm:fillClrLst>
-    <dgm:linClrLst>
+    <dgm:linClrLst meth="repeat">
+      <a:schemeClr val="accent2"/>
+      <a:schemeClr val="accent3"/>
+      <a:schemeClr val="accent4"/>
       <a:schemeClr val="accent5"/>
       <a:schemeClr val="accent6"/>
     </dgm:linClrLst>
@@ -592,26 +646,13 @@
   <dgm:styleLbl name="trAlignAcc1">
     <dgm:fillClrLst meth="repeat">
       <a:schemeClr val="lt1">
-        <a:alpha val="40000"/>
+        <a:alpha val="0"/>
       </a:schemeClr>
     </dgm:fillClrLst>
     <dgm:linClrLst meth="repeat">
-      <a:schemeClr val="accent5"/>
-    </dgm:linClrLst>
-    <dgm:effectClrLst/>
-    <dgm:txLinClrLst/>
-    <dgm:txFillClrLst meth="repeat">
-      <a:schemeClr val="dk1"/>
-    </dgm:txFillClrLst>
-    <dgm:txEffectClrLst/>
-  </dgm:styleLbl>
-  <dgm:styleLbl name="bgAcc1">
-    <dgm:fillClrLst meth="repeat">
-      <a:schemeClr val="lt1">
-        <a:alpha val="90000"/>
-      </a:schemeClr>
-    </dgm:fillClrLst>
-    <dgm:linClrLst>
+      <a:schemeClr val="accent2"/>
+      <a:schemeClr val="accent3"/>
+      <a:schemeClr val="accent4"/>
       <a:schemeClr val="accent5"/>
       <a:schemeClr val="accent6"/>
     </dgm:linClrLst>
@@ -622,11 +663,16 @@
     </dgm:txFillClrLst>
     <dgm:txEffectClrLst/>
   </dgm:styleLbl>
-  <dgm:styleLbl name="solidFgAcc1">
+  <dgm:styleLbl name="bgAcc1">
     <dgm:fillClrLst meth="repeat">
-      <a:schemeClr val="lt1"/>
+      <a:schemeClr val="lt1">
+        <a:alpha val="90000"/>
+      </a:schemeClr>
     </dgm:fillClrLst>
-    <dgm:linClrLst>
+    <dgm:linClrLst meth="repeat">
+      <a:schemeClr val="accent2"/>
+      <a:schemeClr val="accent3"/>
+      <a:schemeClr val="accent4"/>
       <a:schemeClr val="accent5"/>
       <a:schemeClr val="accent6"/>
     </dgm:linClrLst>
@@ -637,11 +683,14 @@
     </dgm:txFillClrLst>
     <dgm:txEffectClrLst/>
   </dgm:styleLbl>
-  <dgm:styleLbl name="solidAlignAcc1">
+  <dgm:styleLbl name="solidFgAcc1">
     <dgm:fillClrLst meth="repeat">
       <a:schemeClr val="lt1"/>
     </dgm:fillClrLst>
-    <dgm:linClrLst>
+    <dgm:linClrLst meth="repeat">
+      <a:schemeClr val="accent2"/>
+      <a:schemeClr val="accent3"/>
+      <a:schemeClr val="accent4"/>
       <a:schemeClr val="accent5"/>
       <a:schemeClr val="accent6"/>
     </dgm:linClrLst>
@@ -652,11 +701,14 @@
     </dgm:txFillClrLst>
     <dgm:txEffectClrLst/>
   </dgm:styleLbl>
-  <dgm:styleLbl name="solidBgAcc1">
+  <dgm:styleLbl name="solidAlignAcc1">
     <dgm:fillClrLst meth="repeat">
       <a:schemeClr val="lt1"/>
     </dgm:fillClrLst>
-    <dgm:linClrLst>
+    <dgm:linClrLst meth="repeat">
+      <a:schemeClr val="accent2"/>
+      <a:schemeClr val="accent3"/>
+      <a:schemeClr val="accent4"/>
       <a:schemeClr val="accent5"/>
       <a:schemeClr val="accent6"/>
     </dgm:linClrLst>
@@ -667,8 +719,38 @@
     </dgm:txFillClrLst>
     <dgm:txEffectClrLst/>
   </dgm:styleLbl>
+  <dgm:styleLbl name="solidBgAcc1">
+    <dgm:fillClrLst meth="repeat">
+      <a:schemeClr val="lt1"/>
+    </dgm:fillClrLst>
+    <dgm:linClrLst meth="repeat">
+      <a:schemeClr val="accent2"/>
+      <a:schemeClr val="accent3"/>
+      <a:schemeClr val="accent4"/>
+      <a:schemeClr val="accent5"/>
+      <a:schemeClr val="accent6"/>
+    </dgm:linClrLst>
+    <dgm:effectClrLst/>
+    <dgm:txLinClrLst/>
+    <dgm:txFillClrLst meth="repeat">
+      <a:schemeClr val="dk1"/>
+    </dgm:txFillClrLst>
+    <dgm:txEffectClrLst/>
+  </dgm:styleLbl>
   <dgm:styleLbl name="fgAccFollowNode1">
-    <dgm:fillClrLst>
+    <dgm:fillClrLst meth="repeat">
+      <a:schemeClr val="accent2">
+        <a:tint val="40000"/>
+        <a:alpha val="90000"/>
+      </a:schemeClr>
+      <a:schemeClr val="accent3">
+        <a:tint val="40000"/>
+        <a:alpha val="90000"/>
+      </a:schemeClr>
+      <a:schemeClr val="accent4">
+        <a:tint val="40000"/>
+        <a:alpha val="90000"/>
+      </a:schemeClr>
       <a:schemeClr val="accent5">
         <a:tint val="40000"/>
         <a:alpha val="90000"/>
@@ -678,35 +760,19 @@
         <a:alpha val="90000"/>
       </a:schemeClr>
     </dgm:fillClrLst>
-    <dgm:linClrLst>
-      <a:schemeClr val="accent5">
+    <dgm:linClrLst meth="repeat">
+      <a:schemeClr val="accent2">
         <a:tint val="40000"/>
         <a:alpha val="90000"/>
       </a:schemeClr>
-      <a:schemeClr val="accent5">
+      <a:schemeClr val="accent3">
         <a:tint val="40000"/>
         <a:alpha val="90000"/>
       </a:schemeClr>
-    </dgm:linClrLst>
-    <dgm:effectClrLst/>
-    <dgm:txLinClrLst/>
-    <dgm:txFillClrLst meth="repeat">
-      <a:schemeClr val="dk1"/>
-    </dgm:txFillClrLst>
-    <dgm:txEffectClrLst/>
-  </dgm:styleLbl>
-  <dgm:styleLbl name="alignAccFollowNode1">
-    <dgm:fillClrLst>
-      <a:schemeClr val="accent5">
+      <a:schemeClr val="accent4">
         <a:tint val="40000"/>
         <a:alpha val="90000"/>
       </a:schemeClr>
-      <a:schemeClr val="accent6">
-        <a:tint val="40000"/>
-        <a:alpha val="90000"/>
-      </a:schemeClr>
-    </dgm:fillClrLst>
-    <dgm:linClrLst>
       <a:schemeClr val="accent5">
         <a:tint val="40000"/>
         <a:alpha val="90000"/>
@@ -723,8 +789,20 @@
     </dgm:txFillClrLst>
     <dgm:txEffectClrLst/>
   </dgm:styleLbl>
-  <dgm:styleLbl name="bgAccFollowNode1">
-    <dgm:fillClrLst>
+  <dgm:styleLbl name="alignAccFollowNode1">
+    <dgm:fillClrLst meth="repeat">
+      <a:schemeClr val="accent2">
+        <a:tint val="40000"/>
+        <a:alpha val="90000"/>
+      </a:schemeClr>
+      <a:schemeClr val="accent3">
+        <a:tint val="40000"/>
+        <a:alpha val="90000"/>
+      </a:schemeClr>
+      <a:schemeClr val="accent4">
+        <a:tint val="40000"/>
+        <a:alpha val="90000"/>
+      </a:schemeClr>
       <a:schemeClr val="accent5">
         <a:tint val="40000"/>
         <a:alpha val="90000"/>
@@ -734,7 +812,19 @@
         <a:alpha val="90000"/>
       </a:schemeClr>
     </dgm:fillClrLst>
-    <dgm:linClrLst>
+    <dgm:linClrLst meth="repeat">
+      <a:schemeClr val="accent2">
+        <a:tint val="40000"/>
+        <a:alpha val="90000"/>
+      </a:schemeClr>
+      <a:schemeClr val="accent3">
+        <a:tint val="40000"/>
+        <a:alpha val="90000"/>
+      </a:schemeClr>
+      <a:schemeClr val="accent4">
+        <a:tint val="40000"/>
+        <a:alpha val="90000"/>
+      </a:schemeClr>
       <a:schemeClr val="accent5">
         <a:tint val="40000"/>
         <a:alpha val="90000"/>
@@ -751,7 +841,107 @@
     </dgm:txFillClrLst>
     <dgm:txEffectClrLst/>
   </dgm:styleLbl>
+  <dgm:styleLbl name="bgAccFollowNode1">
+    <dgm:fillClrLst meth="repeat">
+      <a:schemeClr val="accent2">
+        <a:tint val="40000"/>
+        <a:alpha val="90000"/>
+      </a:schemeClr>
+      <a:schemeClr val="accent3">
+        <a:tint val="40000"/>
+        <a:alpha val="90000"/>
+      </a:schemeClr>
+      <a:schemeClr val="accent4">
+        <a:tint val="40000"/>
+        <a:alpha val="90000"/>
+      </a:schemeClr>
+      <a:schemeClr val="accent5">
+        <a:tint val="40000"/>
+        <a:alpha val="90000"/>
+      </a:schemeClr>
+      <a:schemeClr val="accent6">
+        <a:tint val="40000"/>
+        <a:alpha val="90000"/>
+      </a:schemeClr>
+    </dgm:fillClrLst>
+    <dgm:linClrLst meth="repeat">
+      <a:schemeClr val="accent2">
+        <a:tint val="40000"/>
+        <a:alpha val="90000"/>
+      </a:schemeClr>
+      <a:schemeClr val="accent3">
+        <a:tint val="40000"/>
+        <a:alpha val="90000"/>
+      </a:schemeClr>
+      <a:schemeClr val="accent4">
+        <a:tint val="40000"/>
+        <a:alpha val="90000"/>
+      </a:schemeClr>
+      <a:schemeClr val="accent5">
+        <a:tint val="40000"/>
+        <a:alpha val="90000"/>
+      </a:schemeClr>
+      <a:schemeClr val="accent6">
+        <a:tint val="40000"/>
+        <a:alpha val="90000"/>
+      </a:schemeClr>
+    </dgm:linClrLst>
+    <dgm:effectClrLst/>
+    <dgm:txLinClrLst/>
+    <dgm:txFillClrLst meth="repeat">
+      <a:schemeClr val="dk1"/>
+    </dgm:txFillClrLst>
+    <dgm:txEffectClrLst/>
+  </dgm:styleLbl>
   <dgm:styleLbl name="fgAcc0">
+    <dgm:fillClrLst meth="repeat">
+      <a:schemeClr val="lt1">
+        <a:alpha val="90000"/>
+      </a:schemeClr>
+    </dgm:fillClrLst>
+    <dgm:linClrLst>
+      <a:schemeClr val="accent1"/>
+    </dgm:linClrLst>
+    <dgm:effectClrLst/>
+    <dgm:txLinClrLst/>
+    <dgm:txFillClrLst meth="repeat">
+      <a:schemeClr val="dk1"/>
+    </dgm:txFillClrLst>
+    <dgm:txEffectClrLst/>
+  </dgm:styleLbl>
+  <dgm:styleLbl name="fgAcc2">
+    <dgm:fillClrLst meth="repeat">
+      <a:schemeClr val="lt1">
+        <a:alpha val="90000"/>
+      </a:schemeClr>
+    </dgm:fillClrLst>
+    <dgm:linClrLst>
+      <a:schemeClr val="accent2"/>
+    </dgm:linClrLst>
+    <dgm:effectClrLst/>
+    <dgm:txLinClrLst/>
+    <dgm:txFillClrLst meth="repeat">
+      <a:schemeClr val="dk1"/>
+    </dgm:txFillClrLst>
+    <dgm:txEffectClrLst/>
+  </dgm:styleLbl>
+  <dgm:styleLbl name="fgAcc3">
+    <dgm:fillClrLst meth="repeat">
+      <a:schemeClr val="lt1">
+        <a:alpha val="90000"/>
+      </a:schemeClr>
+    </dgm:fillClrLst>
+    <dgm:linClrLst>
+      <a:schemeClr val="accent3"/>
+    </dgm:linClrLst>
+    <dgm:effectClrLst/>
+    <dgm:txLinClrLst/>
+    <dgm:txFillClrLst meth="repeat">
+      <a:schemeClr val="dk1"/>
+    </dgm:txFillClrLst>
+    <dgm:txEffectClrLst/>
+  </dgm:styleLbl>
+  <dgm:styleLbl name="fgAcc4">
     <dgm:fillClrLst meth="repeat">
       <a:schemeClr val="lt1">
         <a:alpha val="90000"/>
@@ -767,73 +957,27 @@
     </dgm:txFillClrLst>
     <dgm:txEffectClrLst/>
   </dgm:styleLbl>
-  <dgm:styleLbl name="fgAcc2">
+  <dgm:styleLbl name="bgShp">
     <dgm:fillClrLst meth="repeat">
+      <a:schemeClr val="accent2"/>
+      <a:schemeClr val="accent3"/>
+      <a:schemeClr val="accent4"/>
+      <a:schemeClr val="accent5"/>
+      <a:schemeClr val="accent6"/>
+    </dgm:fillClrLst>
+    <dgm:linClrLst meth="repeat">
       <a:schemeClr val="lt1">
-        <a:alpha val="90000"/>
+        <a:alpha val="0"/>
       </a:schemeClr>
-    </dgm:fillClrLst>
-    <dgm:linClrLst>
-      <a:schemeClr val="accent6"/>
     </dgm:linClrLst>
     <dgm:effectClrLst/>
     <dgm:txLinClrLst/>
-    <dgm:txFillClrLst meth="repeat">
-      <a:schemeClr val="dk1"/>
-    </dgm:txFillClrLst>
-    <dgm:txEffectClrLst/>
-  </dgm:styleLbl>
-  <dgm:styleLbl name="fgAcc3">
-    <dgm:fillClrLst meth="repeat">
-      <a:schemeClr val="lt1">
-        <a:alpha val="90000"/>
-      </a:schemeClr>
-    </dgm:fillClrLst>
-    <dgm:linClrLst>
-      <a:schemeClr val="accent1"/>
-    </dgm:linClrLst>
-    <dgm:effectClrLst/>
-    <dgm:txLinClrLst/>
-    <dgm:txFillClrLst meth="repeat">
-      <a:schemeClr val="dk1"/>
-    </dgm:txFillClrLst>
-    <dgm:txEffectClrLst/>
-  </dgm:styleLbl>
-  <dgm:styleLbl name="fgAcc4">
-    <dgm:fillClrLst meth="repeat">
-      <a:schemeClr val="lt1">
-        <a:alpha val="90000"/>
-      </a:schemeClr>
-    </dgm:fillClrLst>
-    <dgm:linClrLst>
-      <a:schemeClr val="accent2"/>
-    </dgm:linClrLst>
-    <dgm:effectClrLst/>
-    <dgm:txLinClrLst/>
-    <dgm:txFillClrLst meth="repeat">
-      <a:schemeClr val="dk1"/>
-    </dgm:txFillClrLst>
-    <dgm:txEffectClrLst/>
-  </dgm:styleLbl>
-  <dgm:styleLbl name="bgShp">
-    <dgm:fillClrLst meth="repeat">
-      <a:schemeClr val="bg1">
-        <a:lumMod val="95000"/>
-      </a:schemeClr>
-    </dgm:fillClrLst>
-    <dgm:linClrLst meth="repeat">
-      <a:schemeClr val="dk1"/>
-    </dgm:linClrLst>
-    <dgm:effectClrLst/>
-    <dgm:txLinClrLst/>
-    <dgm:txFillClrLst meth="repeat">
-      <a:schemeClr val="dk1"/>
-    </dgm:txFillClrLst>
+    <dgm:txFillClrLst/>
     <dgm:txEffectClrLst/>
   </dgm:styleLbl>
   <dgm:styleLbl name="dkBgShp">
     <dgm:fillClrLst meth="repeat">
-      <a:schemeClr val="accent5">
+      <a:schemeClr val="accent2">
         <a:shade val="90000"/>
       </a:schemeClr>
     </dgm:fillClrLst>
@@ -849,13 +993,13 @@
   </dgm:styleLbl>
   <dgm:styleLbl name="trBgShp">
     <dgm:fillClrLst meth="repeat">
-      <a:schemeClr val="accent5">
+      <a:schemeClr val="accent1">
         <a:tint val="50000"/>
         <a:alpha val="40000"/>
       </a:schemeClr>
     </dgm:fillClrLst>
     <dgm:linClrLst meth="repeat">
-      <a:schemeClr val="accent5"/>
+      <a:schemeClr val="accent2"/>
     </dgm:linClrLst>
     <dgm:effectClrLst/>
     <dgm:txLinClrLst/>
@@ -866,7 +1010,7 @@
   </dgm:styleLbl>
   <dgm:styleLbl name="fgShp">
     <dgm:fillClrLst meth="repeat">
-      <a:schemeClr val="accent5">
+      <a:schemeClr val="accent2">
         <a:tint val="40000"/>
       </a:schemeClr>
     </dgm:fillClrLst>
@@ -882,19 +1026,23 @@
   </dgm:styleLbl>
   <dgm:styleLbl name="revTx">
     <dgm:fillClrLst meth="repeat">
-      <a:schemeClr val="lt1">
+      <a:schemeClr val="accent2">
         <a:alpha val="0"/>
       </a:schemeClr>
     </dgm:fillClrLst>
     <dgm:linClrLst meth="repeat">
-      <a:schemeClr val="dk1">
+      <a:schemeClr val="accent2">
         <a:alpha val="0"/>
       </a:schemeClr>
     </dgm:linClrLst>
     <dgm:effectClrLst/>
     <dgm:txLinClrLst/>
     <dgm:txFillClrLst meth="repeat">
-      <a:schemeClr val="tx1"/>
+      <a:schemeClr val="accent2"/>
+      <a:schemeClr val="accent3"/>
+      <a:schemeClr val="accent4"/>
+      <a:schemeClr val="accent5"/>
+      <a:schemeClr val="accent6"/>
     </dgm:txFillClrLst>
     <dgm:txEffectClrLst/>
   </dgm:styleLbl>
@@ -905,7 +1053,7 @@
 <dgm:dataModel xmlns:dgm="http://schemas.openxmlformats.org/drawingml/2006/diagram" xmlns:a="http://schemas.openxmlformats.org/drawingml/2006/main">
   <dgm:ptLst>
     <dgm:pt modelId="{2F95C1F8-A501-498B-9BCA-D8954745FC11}" type="doc">
-      <dgm:prSet loTypeId="urn:microsoft.com/office/officeart/2018/5/layout/IconLeafLabelList" loCatId="icon" qsTypeId="urn:microsoft.com/office/officeart/2005/8/quickstyle/simple1" qsCatId="simple" csTypeId="urn:microsoft.com/office/officeart/2018/5/colors/Iconchunking_neutralbg_colorful5" csCatId="colorful" phldr="1"/>
+      <dgm:prSet loTypeId="urn:microsoft.com/office/officeart/2018/5/layout/IconCircleLabelList" loCatId="icon" qsTypeId="urn:microsoft.com/office/officeart/2005/8/quickstyle/simple1" qsCatId="simple" csTypeId="urn:microsoft.com/office/officeart/2018/5/colors/Iconchunking_coloredtext_colorful1" csCatId="colorful" phldr="1"/>
       <dgm:spPr/>
       <dgm:t>
         <a:bodyPr/>
@@ -929,19 +1077,19 @@
             <a:defRPr cap="all"/>
           </a:pPr>
           <a:r>
-            <a:rPr lang="en-US" dirty="0">
+            <a:rPr lang="en-US">
               <a:latin typeface="+mn-lt"/>
             </a:rPr>
             <a:t>Developed by the </a:t>
           </a:r>
           <a:r>
-            <a:rPr lang="en-US" dirty="0">
+            <a:rPr lang="en-US">
               <a:latin typeface="+mn-lt"/>
               <a:hlinkClick xmlns:r="http://schemas.openxmlformats.org/officeDocument/2006/relationships" r:id="rId1"/>
             </a:rPr>
             <a:t>Apache Software Foundation</a:t>
           </a:r>
-          <a:endParaRPr lang="en-US" dirty="0">
+          <a:endParaRPr lang="en-US">
             <a:latin typeface="+mn-lt"/>
           </a:endParaRPr>
         </a:p>
@@ -1095,7 +1243,7 @@
         </a:p>
       </dgm:t>
     </dgm:pt>
-    <dgm:pt modelId="{DC4AC02F-D5BA-4A28-979A-CD99B5AE9BBC}" type="pres">
+    <dgm:pt modelId="{DE036409-CEE1-491C-A5FF-1EC866CDC2B1}" type="pres">
       <dgm:prSet presAssocID="{2F95C1F8-A501-498B-9BCA-D8954745FC11}" presName="root" presStyleCnt="0">
         <dgm:presLayoutVars>
           <dgm:dir/>
@@ -1104,22 +1252,15 @@
       </dgm:prSet>
       <dgm:spPr/>
     </dgm:pt>
-    <dgm:pt modelId="{487FAA2F-F228-41B7-BC5F-FBD7D1110CB3}" type="pres">
+    <dgm:pt modelId="{D70B791A-2DEF-4442-920B-404787516D5C}" type="pres">
       <dgm:prSet presAssocID="{A9769D80-3D9C-41C4-A152-05A8761A4455}" presName="compNode" presStyleCnt="0"/>
       <dgm:spPr/>
     </dgm:pt>
-    <dgm:pt modelId="{A29E99C5-61CD-4F4C-8EC2-274C5B64A599}" type="pres">
+    <dgm:pt modelId="{540830F5-A124-4D23-8C43-15BCE93393CC}" type="pres">
       <dgm:prSet presAssocID="{A9769D80-3D9C-41C4-A152-05A8761A4455}" presName="iconBgRect" presStyleLbl="bgShp" presStyleIdx="0" presStyleCnt="4"/>
-      <dgm:spPr>
-        <a:prstGeom prst="round2DiagRect">
-          <a:avLst>
-            <a:gd name="adj1" fmla="val 29727"/>
-            <a:gd name="adj2" fmla="val 0"/>
-          </a:avLst>
-        </a:prstGeom>
-      </dgm:spPr>
+      <dgm:spPr/>
     </dgm:pt>
-    <dgm:pt modelId="{DD1B885E-07DD-4749-99EF-B2EC3FDA3992}" type="pres">
+    <dgm:pt modelId="{8F5BF8FA-51B2-49D1-85A2-8606BCDF0C93}" type="pres">
       <dgm:prSet presAssocID="{A9769D80-3D9C-41C4-A152-05A8761A4455}" presName="iconRect" presStyleLbl="node1" presStyleIdx="0" presStyleCnt="4"/>
       <dgm:spPr>
         <a:blipFill>
@@ -1147,11 +1288,11 @@
         </a:ext>
       </dgm:extLst>
     </dgm:pt>
-    <dgm:pt modelId="{127B2AD1-56F2-4AF3-AF8B-61D2166DFD94}" type="pres">
+    <dgm:pt modelId="{DB4056CB-B2CA-4178-B114-F6AC6AF68D55}" type="pres">
       <dgm:prSet presAssocID="{A9769D80-3D9C-41C4-A152-05A8761A4455}" presName="spaceRect" presStyleCnt="0"/>
       <dgm:spPr/>
     </dgm:pt>
-    <dgm:pt modelId="{E0454BDA-BE3E-44FB-94FF-1D6F636F52A2}" type="pres">
+    <dgm:pt modelId="{5B669C4C-9BCC-4F31-BF25-25234B1C2009}" type="pres">
       <dgm:prSet presAssocID="{A9769D80-3D9C-41C4-A152-05A8761A4455}" presName="textRect" presStyleLbl="revTx" presStyleIdx="0" presStyleCnt="4">
         <dgm:presLayoutVars>
           <dgm:chMax val="1"/>
@@ -1160,26 +1301,19 @@
       </dgm:prSet>
       <dgm:spPr/>
     </dgm:pt>
-    <dgm:pt modelId="{2BAA1A67-6C05-48FD-8449-941474F946C5}" type="pres">
+    <dgm:pt modelId="{C4B0852B-CC88-4E8A-9C3B-DAD4F3B69269}" type="pres">
       <dgm:prSet presAssocID="{B76FF107-C17E-40FD-8D23-F21DBBE1E30B}" presName="sibTrans" presStyleCnt="0"/>
       <dgm:spPr/>
     </dgm:pt>
-    <dgm:pt modelId="{A7ACCA1A-E388-433C-ACE5-080F94265B5C}" type="pres">
+    <dgm:pt modelId="{B0CF0BCF-C628-489F-BBEA-433A6FB22C1B}" type="pres">
       <dgm:prSet presAssocID="{DD706381-7816-411C-8827-863AEC6052EA}" presName="compNode" presStyleCnt="0"/>
       <dgm:spPr/>
     </dgm:pt>
-    <dgm:pt modelId="{64E685C7-48C5-408D-829E-D84DAB553A87}" type="pres">
+    <dgm:pt modelId="{ED04965E-2E86-47ED-BE2F-9C7ED4B99BB2}" type="pres">
       <dgm:prSet presAssocID="{DD706381-7816-411C-8827-863AEC6052EA}" presName="iconBgRect" presStyleLbl="bgShp" presStyleIdx="1" presStyleCnt="4"/>
-      <dgm:spPr>
-        <a:prstGeom prst="round2DiagRect">
-          <a:avLst>
-            <a:gd name="adj1" fmla="val 29727"/>
-            <a:gd name="adj2" fmla="val 0"/>
-          </a:avLst>
-        </a:prstGeom>
-      </dgm:spPr>
+      <dgm:spPr/>
     </dgm:pt>
-    <dgm:pt modelId="{91D0E9FC-0453-434B-81A4-F8D592CC2A35}" type="pres">
+    <dgm:pt modelId="{D7C5DF02-CEFD-4D40-A874-518C2F0F9EEE}" type="pres">
       <dgm:prSet presAssocID="{DD706381-7816-411C-8827-863AEC6052EA}" presName="iconRect" presStyleLbl="node1" presStyleIdx="1" presStyleCnt="4"/>
       <dgm:spPr>
         <a:blipFill>
@@ -1207,11 +1341,11 @@
         </a:ext>
       </dgm:extLst>
     </dgm:pt>
-    <dgm:pt modelId="{8EB0A249-DC02-4B93-A87F-36E6EC8DF9D1}" type="pres">
+    <dgm:pt modelId="{ADB45ECE-D0E5-49B5-8461-A9F28A353759}" type="pres">
       <dgm:prSet presAssocID="{DD706381-7816-411C-8827-863AEC6052EA}" presName="spaceRect" presStyleCnt="0"/>
       <dgm:spPr/>
     </dgm:pt>
-    <dgm:pt modelId="{6718CC1F-304B-4C1C-9C4A-8437F7E90DE5}" type="pres">
+    <dgm:pt modelId="{F2AEC75B-F39E-469A-895E-E93E9F7F5A16}" type="pres">
       <dgm:prSet presAssocID="{DD706381-7816-411C-8827-863AEC6052EA}" presName="textRect" presStyleLbl="revTx" presStyleIdx="1" presStyleCnt="4">
         <dgm:presLayoutVars>
           <dgm:chMax val="1"/>
@@ -1220,26 +1354,19 @@
       </dgm:prSet>
       <dgm:spPr/>
     </dgm:pt>
-    <dgm:pt modelId="{FA2C1D61-E625-40EB-8D5F-A97BECD0E014}" type="pres">
+    <dgm:pt modelId="{3A77701F-0E9F-42C4-BACE-BE2C632329D9}" type="pres">
       <dgm:prSet presAssocID="{53656E5C-3798-4EFF-AE59-C02326E309A1}" presName="sibTrans" presStyleCnt="0"/>
       <dgm:spPr/>
     </dgm:pt>
-    <dgm:pt modelId="{87889843-BB43-437B-9515-0030D4A5402B}" type="pres">
+    <dgm:pt modelId="{19009CF6-D48F-46C9-8FD3-F87C52E7CDFF}" type="pres">
       <dgm:prSet presAssocID="{10185A1A-E2A9-48FF-9BD3-AFFC35803E9F}" presName="compNode" presStyleCnt="0"/>
       <dgm:spPr/>
     </dgm:pt>
-    <dgm:pt modelId="{4E583FB2-9103-4C12-9DDD-6D4135381072}" type="pres">
+    <dgm:pt modelId="{97016CA0-DCF9-4455-9898-27F21E208D31}" type="pres">
       <dgm:prSet presAssocID="{10185A1A-E2A9-48FF-9BD3-AFFC35803E9F}" presName="iconBgRect" presStyleLbl="bgShp" presStyleIdx="2" presStyleCnt="4"/>
-      <dgm:spPr>
-        <a:prstGeom prst="round2DiagRect">
-          <a:avLst>
-            <a:gd name="adj1" fmla="val 29727"/>
-            <a:gd name="adj2" fmla="val 0"/>
-          </a:avLst>
-        </a:prstGeom>
-      </dgm:spPr>
+      <dgm:spPr/>
     </dgm:pt>
-    <dgm:pt modelId="{B369BE71-5E31-4C28-A810-B7793A802C21}" type="pres">
+    <dgm:pt modelId="{1F91EFAB-310E-4271-8D17-BDB3D39681C3}" type="pres">
       <dgm:prSet presAssocID="{10185A1A-E2A9-48FF-9BD3-AFFC35803E9F}" presName="iconRect" presStyleLbl="node1" presStyleIdx="2" presStyleCnt="4"/>
       <dgm:spPr>
         <a:blipFill>
@@ -1267,11 +1394,11 @@
         </a:ext>
       </dgm:extLst>
     </dgm:pt>
-    <dgm:pt modelId="{13AA6616-4331-46E3-B9BD-BD3039B666BC}" type="pres">
+    <dgm:pt modelId="{981C7661-1A30-4136-A147-617C1AAD1915}" type="pres">
       <dgm:prSet presAssocID="{10185A1A-E2A9-48FF-9BD3-AFFC35803E9F}" presName="spaceRect" presStyleCnt="0"/>
       <dgm:spPr/>
     </dgm:pt>
-    <dgm:pt modelId="{D605DE3E-38B7-4866-8160-02CAFD82A033}" type="pres">
+    <dgm:pt modelId="{CFB46806-CB90-4982-9A13-A5802C984125}" type="pres">
       <dgm:prSet presAssocID="{10185A1A-E2A9-48FF-9BD3-AFFC35803E9F}" presName="textRect" presStyleLbl="revTx" presStyleIdx="2" presStyleCnt="4">
         <dgm:presLayoutVars>
           <dgm:chMax val="1"/>
@@ -1280,26 +1407,19 @@
       </dgm:prSet>
       <dgm:spPr/>
     </dgm:pt>
-    <dgm:pt modelId="{845DA130-4D43-4E95-93ED-79209D3480B8}" type="pres">
+    <dgm:pt modelId="{7D41C075-E791-4EF7-BFCA-13E66B1161B7}" type="pres">
       <dgm:prSet presAssocID="{7D9CF3B2-0A16-49C3-BA7F-65BA640F61CD}" presName="sibTrans" presStyleCnt="0"/>
       <dgm:spPr/>
     </dgm:pt>
-    <dgm:pt modelId="{6E708299-FFC7-49AC-BE53-7B604D84FF4E}" type="pres">
+    <dgm:pt modelId="{7FBF1DA0-CC2B-4EFA-ACDD-5060EBD1A022}" type="pres">
       <dgm:prSet presAssocID="{8E0C4D9F-A935-4DF5-9717-A595449C0EBF}" presName="compNode" presStyleCnt="0"/>
       <dgm:spPr/>
     </dgm:pt>
-    <dgm:pt modelId="{0A4CA08E-A087-4DB4-990B-AFF04BD9D28B}" type="pres">
+    <dgm:pt modelId="{2C67A5BC-33EE-4B2B-9409-8C312C3AFEF8}" type="pres">
       <dgm:prSet presAssocID="{8E0C4D9F-A935-4DF5-9717-A595449C0EBF}" presName="iconBgRect" presStyleLbl="bgShp" presStyleIdx="3" presStyleCnt="4"/>
-      <dgm:spPr>
-        <a:prstGeom prst="round2DiagRect">
-          <a:avLst>
-            <a:gd name="adj1" fmla="val 29727"/>
-            <a:gd name="adj2" fmla="val 0"/>
-          </a:avLst>
-        </a:prstGeom>
-      </dgm:spPr>
+      <dgm:spPr/>
     </dgm:pt>
-    <dgm:pt modelId="{8400DD4C-38F9-4056-93D0-D4424B77D865}" type="pres">
+    <dgm:pt modelId="{794D8FE4-DE72-4C13-865D-B5599195DE8F}" type="pres">
       <dgm:prSet presAssocID="{8E0C4D9F-A935-4DF5-9717-A595449C0EBF}" presName="iconRect" presStyleLbl="node1" presStyleIdx="3" presStyleCnt="4"/>
       <dgm:spPr>
         <a:blipFill>
@@ -1327,11 +1447,11 @@
         </a:ext>
       </dgm:extLst>
     </dgm:pt>
-    <dgm:pt modelId="{9F5A2D1F-441B-4F8B-A0C6-370C1A02E678}" type="pres">
+    <dgm:pt modelId="{86B53293-EFDA-4E2D-8578-D26AC230ADD6}" type="pres">
       <dgm:prSet presAssocID="{8E0C4D9F-A935-4DF5-9717-A595449C0EBF}" presName="spaceRect" presStyleCnt="0"/>
       <dgm:spPr/>
     </dgm:pt>
-    <dgm:pt modelId="{6DCEA4BC-39A5-4150-A7BD-875EACADB5DF}" type="pres">
+    <dgm:pt modelId="{6016309B-C2EA-431D-B923-1D8CC398D7B2}" type="pres">
       <dgm:prSet presAssocID="{8E0C4D9F-A935-4DF5-9717-A595449C0EBF}" presName="textRect" presStyleLbl="revTx" presStyleIdx="3" presStyleCnt="4">
         <dgm:presLayoutVars>
           <dgm:chMax val="1"/>
@@ -1342,38 +1462,38 @@
     </dgm:pt>
   </dgm:ptLst>
   <dgm:cxnLst>
-    <dgm:cxn modelId="{850F7818-8C8E-478C-B075-8B49AB6AD8B9}" type="presOf" srcId="{2F95C1F8-A501-498B-9BCA-D8954745FC11}" destId="{DC4AC02F-D5BA-4A28-979A-CD99B5AE9BBC}" srcOrd="0" destOrd="0" presId="urn:microsoft.com/office/officeart/2018/5/layout/IconLeafLabelList"/>
-    <dgm:cxn modelId="{05CB6F5D-62AF-4327-AE21-7088EE157DEB}" type="presOf" srcId="{A9769D80-3D9C-41C4-A152-05A8761A4455}" destId="{E0454BDA-BE3E-44FB-94FF-1D6F636F52A2}" srcOrd="0" destOrd="0" presId="urn:microsoft.com/office/officeart/2018/5/layout/IconLeafLabelList"/>
-    <dgm:cxn modelId="{53E7E95F-A1F8-4819-A984-942D01798D07}" type="presOf" srcId="{10185A1A-E2A9-48FF-9BD3-AFFC35803E9F}" destId="{D605DE3E-38B7-4866-8160-02CAFD82A033}" srcOrd="0" destOrd="0" presId="urn:microsoft.com/office/officeart/2018/5/layout/IconLeafLabelList"/>
+    <dgm:cxn modelId="{97DE400D-49F9-4F1D-A9B6-6E330FE51051}" type="presOf" srcId="{A9769D80-3D9C-41C4-A152-05A8761A4455}" destId="{5B669C4C-9BCC-4F31-BF25-25234B1C2009}" srcOrd="0" destOrd="0" presId="urn:microsoft.com/office/officeart/2018/5/layout/IconCircleLabelList"/>
+    <dgm:cxn modelId="{D5170E31-47F2-408B-90D9-0F4DDE9A3ACE}" type="presOf" srcId="{DD706381-7816-411C-8827-863AEC6052EA}" destId="{F2AEC75B-F39E-469A-895E-E93E9F7F5A16}" srcOrd="0" destOrd="0" presId="urn:microsoft.com/office/officeart/2018/5/layout/IconCircleLabelList"/>
     <dgm:cxn modelId="{597CB97F-9179-4AE3-97BD-17188FE000FB}" srcId="{2F95C1F8-A501-498B-9BCA-D8954745FC11}" destId="{10185A1A-E2A9-48FF-9BD3-AFFC35803E9F}" srcOrd="2" destOrd="0" parTransId="{800563E3-BF02-4E63-890C-A26531DDCBC8}" sibTransId="{7D9CF3B2-0A16-49C3-BA7F-65BA640F61CD}"/>
-    <dgm:cxn modelId="{93DF83A8-25D6-4563-B186-06FD9934933D}" type="presOf" srcId="{8E0C4D9F-A935-4DF5-9717-A595449C0EBF}" destId="{6DCEA4BC-39A5-4150-A7BD-875EACADB5DF}" srcOrd="0" destOrd="0" presId="urn:microsoft.com/office/officeart/2018/5/layout/IconLeafLabelList"/>
     <dgm:cxn modelId="{1C640FAA-F423-43E4-A2DE-B6564D0A2746}" srcId="{2F95C1F8-A501-498B-9BCA-D8954745FC11}" destId="{DD706381-7816-411C-8827-863AEC6052EA}" srcOrd="1" destOrd="0" parTransId="{2F4BFF8B-AD4F-413A-877F-0F7ABE1E8CDE}" sibTransId="{53656E5C-3798-4EFF-AE59-C02326E309A1}"/>
-    <dgm:cxn modelId="{A69857AB-A0BD-4535-B964-3D184824E63D}" type="presOf" srcId="{DD706381-7816-411C-8827-863AEC6052EA}" destId="{6718CC1F-304B-4C1C-9C4A-8437F7E90DE5}" srcOrd="0" destOrd="0" presId="urn:microsoft.com/office/officeart/2018/5/layout/IconLeafLabelList"/>
+    <dgm:cxn modelId="{4DB359C0-B99E-4900-9A09-B23AAFD59BB0}" type="presOf" srcId="{10185A1A-E2A9-48FF-9BD3-AFFC35803E9F}" destId="{CFB46806-CB90-4982-9A13-A5802C984125}" srcOrd="0" destOrd="0" presId="urn:microsoft.com/office/officeart/2018/5/layout/IconCircleLabelList"/>
+    <dgm:cxn modelId="{6D5852D8-D86C-483F-8869-804F58CBC323}" type="presOf" srcId="{8E0C4D9F-A935-4DF5-9717-A595449C0EBF}" destId="{6016309B-C2EA-431D-B923-1D8CC398D7B2}" srcOrd="0" destOrd="0" presId="urn:microsoft.com/office/officeart/2018/5/layout/IconCircleLabelList"/>
     <dgm:cxn modelId="{9189B4E5-1FAF-4768-86B4-011617BD49C2}" srcId="{2F95C1F8-A501-498B-9BCA-D8954745FC11}" destId="{A9769D80-3D9C-41C4-A152-05A8761A4455}" srcOrd="0" destOrd="0" parTransId="{3FEF808D-82C4-4199-871F-B89B9632DB53}" sibTransId="{B76FF107-C17E-40FD-8D23-F21DBBE1E30B}"/>
     <dgm:cxn modelId="{6938EFF2-55D6-489E-8DB7-4EFBA5DD1DBC}" srcId="{2F95C1F8-A501-498B-9BCA-D8954745FC11}" destId="{8E0C4D9F-A935-4DF5-9717-A595449C0EBF}" srcOrd="3" destOrd="0" parTransId="{DD3CDE15-0847-4304-9708-3839C7503FCE}" sibTransId="{74205D37-C4FC-43A6-BE89-7DCA7E1F9717}"/>
-    <dgm:cxn modelId="{28A0483F-115D-4549-AF5B-0E99FE5D4FBA}" type="presParOf" srcId="{DC4AC02F-D5BA-4A28-979A-CD99B5AE9BBC}" destId="{487FAA2F-F228-41B7-BC5F-FBD7D1110CB3}" srcOrd="0" destOrd="0" presId="urn:microsoft.com/office/officeart/2018/5/layout/IconLeafLabelList"/>
-    <dgm:cxn modelId="{DFC402BA-BCD6-4FAA-9155-D2984636C9D6}" type="presParOf" srcId="{487FAA2F-F228-41B7-BC5F-FBD7D1110CB3}" destId="{A29E99C5-61CD-4F4C-8EC2-274C5B64A599}" srcOrd="0" destOrd="0" presId="urn:microsoft.com/office/officeart/2018/5/layout/IconLeafLabelList"/>
-    <dgm:cxn modelId="{0395378A-369F-4488-9F42-80DAF47BC49B}" type="presParOf" srcId="{487FAA2F-F228-41B7-BC5F-FBD7D1110CB3}" destId="{DD1B885E-07DD-4749-99EF-B2EC3FDA3992}" srcOrd="1" destOrd="0" presId="urn:microsoft.com/office/officeart/2018/5/layout/IconLeafLabelList"/>
-    <dgm:cxn modelId="{CA6D7A30-607F-42DF-BCF7-91B14368559A}" type="presParOf" srcId="{487FAA2F-F228-41B7-BC5F-FBD7D1110CB3}" destId="{127B2AD1-56F2-4AF3-AF8B-61D2166DFD94}" srcOrd="2" destOrd="0" presId="urn:microsoft.com/office/officeart/2018/5/layout/IconLeafLabelList"/>
-    <dgm:cxn modelId="{AF8FE5A3-F496-4AA4-BEF3-7149615741E3}" type="presParOf" srcId="{487FAA2F-F228-41B7-BC5F-FBD7D1110CB3}" destId="{E0454BDA-BE3E-44FB-94FF-1D6F636F52A2}" srcOrd="3" destOrd="0" presId="urn:microsoft.com/office/officeart/2018/5/layout/IconLeafLabelList"/>
-    <dgm:cxn modelId="{2804C028-C766-4CC3-80FD-29107F2DD201}" type="presParOf" srcId="{DC4AC02F-D5BA-4A28-979A-CD99B5AE9BBC}" destId="{2BAA1A67-6C05-48FD-8449-941474F946C5}" srcOrd="1" destOrd="0" presId="urn:microsoft.com/office/officeart/2018/5/layout/IconLeafLabelList"/>
-    <dgm:cxn modelId="{50C5DF06-92E0-4054-9625-79713B104172}" type="presParOf" srcId="{DC4AC02F-D5BA-4A28-979A-CD99B5AE9BBC}" destId="{A7ACCA1A-E388-433C-ACE5-080F94265B5C}" srcOrd="2" destOrd="0" presId="urn:microsoft.com/office/officeart/2018/5/layout/IconLeafLabelList"/>
-    <dgm:cxn modelId="{CADC31E1-E4D4-4C23-8231-D1AFE576FF09}" type="presParOf" srcId="{A7ACCA1A-E388-433C-ACE5-080F94265B5C}" destId="{64E685C7-48C5-408D-829E-D84DAB553A87}" srcOrd="0" destOrd="0" presId="urn:microsoft.com/office/officeart/2018/5/layout/IconLeafLabelList"/>
-    <dgm:cxn modelId="{17B1A4AB-8367-41DD-AF70-6B257FD45A52}" type="presParOf" srcId="{A7ACCA1A-E388-433C-ACE5-080F94265B5C}" destId="{91D0E9FC-0453-434B-81A4-F8D592CC2A35}" srcOrd="1" destOrd="0" presId="urn:microsoft.com/office/officeart/2018/5/layout/IconLeafLabelList"/>
-    <dgm:cxn modelId="{08BA2C40-F1E5-487B-9F41-E06CA48C578E}" type="presParOf" srcId="{A7ACCA1A-E388-433C-ACE5-080F94265B5C}" destId="{8EB0A249-DC02-4B93-A87F-36E6EC8DF9D1}" srcOrd="2" destOrd="0" presId="urn:microsoft.com/office/officeart/2018/5/layout/IconLeafLabelList"/>
-    <dgm:cxn modelId="{315284AB-651B-4574-A53B-5C8C64B2CED4}" type="presParOf" srcId="{A7ACCA1A-E388-433C-ACE5-080F94265B5C}" destId="{6718CC1F-304B-4C1C-9C4A-8437F7E90DE5}" srcOrd="3" destOrd="0" presId="urn:microsoft.com/office/officeart/2018/5/layout/IconLeafLabelList"/>
-    <dgm:cxn modelId="{0E1AC731-49A0-41D3-879A-BBE1F3A24594}" type="presParOf" srcId="{DC4AC02F-D5BA-4A28-979A-CD99B5AE9BBC}" destId="{FA2C1D61-E625-40EB-8D5F-A97BECD0E014}" srcOrd="3" destOrd="0" presId="urn:microsoft.com/office/officeart/2018/5/layout/IconLeafLabelList"/>
-    <dgm:cxn modelId="{9DCD7F64-4AD9-4439-B401-8A874204FAA3}" type="presParOf" srcId="{DC4AC02F-D5BA-4A28-979A-CD99B5AE9BBC}" destId="{87889843-BB43-437B-9515-0030D4A5402B}" srcOrd="4" destOrd="0" presId="urn:microsoft.com/office/officeart/2018/5/layout/IconLeafLabelList"/>
-    <dgm:cxn modelId="{43D29BE1-F82F-48FD-9927-EE65EA39FDE6}" type="presParOf" srcId="{87889843-BB43-437B-9515-0030D4A5402B}" destId="{4E583FB2-9103-4C12-9DDD-6D4135381072}" srcOrd="0" destOrd="0" presId="urn:microsoft.com/office/officeart/2018/5/layout/IconLeafLabelList"/>
-    <dgm:cxn modelId="{7C13F18D-ED69-485E-86E5-5E13B374E43D}" type="presParOf" srcId="{87889843-BB43-437B-9515-0030D4A5402B}" destId="{B369BE71-5E31-4C28-A810-B7793A802C21}" srcOrd="1" destOrd="0" presId="urn:microsoft.com/office/officeart/2018/5/layout/IconLeafLabelList"/>
-    <dgm:cxn modelId="{68D83875-5673-419D-9C82-9D71495D1B74}" type="presParOf" srcId="{87889843-BB43-437B-9515-0030D4A5402B}" destId="{13AA6616-4331-46E3-B9BD-BD3039B666BC}" srcOrd="2" destOrd="0" presId="urn:microsoft.com/office/officeart/2018/5/layout/IconLeafLabelList"/>
-    <dgm:cxn modelId="{9472D55D-E824-4514-A643-217C6A0A6517}" type="presParOf" srcId="{87889843-BB43-437B-9515-0030D4A5402B}" destId="{D605DE3E-38B7-4866-8160-02CAFD82A033}" srcOrd="3" destOrd="0" presId="urn:microsoft.com/office/officeart/2018/5/layout/IconLeafLabelList"/>
-    <dgm:cxn modelId="{4D05DD41-80BE-46C2-8F5D-CB3CC7E48336}" type="presParOf" srcId="{DC4AC02F-D5BA-4A28-979A-CD99B5AE9BBC}" destId="{845DA130-4D43-4E95-93ED-79209D3480B8}" srcOrd="5" destOrd="0" presId="urn:microsoft.com/office/officeart/2018/5/layout/IconLeafLabelList"/>
-    <dgm:cxn modelId="{2866FADC-1701-44D6-90D6-7EF4212AA8F0}" type="presParOf" srcId="{DC4AC02F-D5BA-4A28-979A-CD99B5AE9BBC}" destId="{6E708299-FFC7-49AC-BE53-7B604D84FF4E}" srcOrd="6" destOrd="0" presId="urn:microsoft.com/office/officeart/2018/5/layout/IconLeafLabelList"/>
-    <dgm:cxn modelId="{34B3CEE8-1C07-4415-84F5-BE3E52B0397E}" type="presParOf" srcId="{6E708299-FFC7-49AC-BE53-7B604D84FF4E}" destId="{0A4CA08E-A087-4DB4-990B-AFF04BD9D28B}" srcOrd="0" destOrd="0" presId="urn:microsoft.com/office/officeart/2018/5/layout/IconLeafLabelList"/>
-    <dgm:cxn modelId="{B3BBD1B7-1D22-4C1E-ACC9-ABF98F1C8935}" type="presParOf" srcId="{6E708299-FFC7-49AC-BE53-7B604D84FF4E}" destId="{8400DD4C-38F9-4056-93D0-D4424B77D865}" srcOrd="1" destOrd="0" presId="urn:microsoft.com/office/officeart/2018/5/layout/IconLeafLabelList"/>
-    <dgm:cxn modelId="{5DDAB654-A366-4F54-8ED4-2C2AA6A7E6A1}" type="presParOf" srcId="{6E708299-FFC7-49AC-BE53-7B604D84FF4E}" destId="{9F5A2D1F-441B-4F8B-A0C6-370C1A02E678}" srcOrd="2" destOrd="0" presId="urn:microsoft.com/office/officeart/2018/5/layout/IconLeafLabelList"/>
-    <dgm:cxn modelId="{6D11FD9D-32D6-4453-AD4D-AAE8F0737F70}" type="presParOf" srcId="{6E708299-FFC7-49AC-BE53-7B604D84FF4E}" destId="{6DCEA4BC-39A5-4150-A7BD-875EACADB5DF}" srcOrd="3" destOrd="0" presId="urn:microsoft.com/office/officeart/2018/5/layout/IconLeafLabelList"/>
+    <dgm:cxn modelId="{1D4FC5FE-FE05-4AA7-9018-31C9C10EB369}" type="presOf" srcId="{2F95C1F8-A501-498B-9BCA-D8954745FC11}" destId="{DE036409-CEE1-491C-A5FF-1EC866CDC2B1}" srcOrd="0" destOrd="0" presId="urn:microsoft.com/office/officeart/2018/5/layout/IconCircleLabelList"/>
+    <dgm:cxn modelId="{81290BCD-A134-4E25-97ED-C32C4F6314EE}" type="presParOf" srcId="{DE036409-CEE1-491C-A5FF-1EC866CDC2B1}" destId="{D70B791A-2DEF-4442-920B-404787516D5C}" srcOrd="0" destOrd="0" presId="urn:microsoft.com/office/officeart/2018/5/layout/IconCircleLabelList"/>
+    <dgm:cxn modelId="{523E0BD2-3849-40BE-901E-A17B0FBCB0AA}" type="presParOf" srcId="{D70B791A-2DEF-4442-920B-404787516D5C}" destId="{540830F5-A124-4D23-8C43-15BCE93393CC}" srcOrd="0" destOrd="0" presId="urn:microsoft.com/office/officeart/2018/5/layout/IconCircleLabelList"/>
+    <dgm:cxn modelId="{C320F6DE-79DF-49E4-9AEA-BD8BDE2C8ADA}" type="presParOf" srcId="{D70B791A-2DEF-4442-920B-404787516D5C}" destId="{8F5BF8FA-51B2-49D1-85A2-8606BCDF0C93}" srcOrd="1" destOrd="0" presId="urn:microsoft.com/office/officeart/2018/5/layout/IconCircleLabelList"/>
+    <dgm:cxn modelId="{FF11DBE1-922D-4504-96F4-3F74706D808B}" type="presParOf" srcId="{D70B791A-2DEF-4442-920B-404787516D5C}" destId="{DB4056CB-B2CA-4178-B114-F6AC6AF68D55}" srcOrd="2" destOrd="0" presId="urn:microsoft.com/office/officeart/2018/5/layout/IconCircleLabelList"/>
+    <dgm:cxn modelId="{40CDD9B9-2A71-4B2D-99B1-D39729BCE69E}" type="presParOf" srcId="{D70B791A-2DEF-4442-920B-404787516D5C}" destId="{5B669C4C-9BCC-4F31-BF25-25234B1C2009}" srcOrd="3" destOrd="0" presId="urn:microsoft.com/office/officeart/2018/5/layout/IconCircleLabelList"/>
+    <dgm:cxn modelId="{5DD6D0D9-2537-4839-99C6-8D19D5F20B32}" type="presParOf" srcId="{DE036409-CEE1-491C-A5FF-1EC866CDC2B1}" destId="{C4B0852B-CC88-4E8A-9C3B-DAD4F3B69269}" srcOrd="1" destOrd="0" presId="urn:microsoft.com/office/officeart/2018/5/layout/IconCircleLabelList"/>
+    <dgm:cxn modelId="{D63E8340-E59B-40B7-9B40-792F53343672}" type="presParOf" srcId="{DE036409-CEE1-491C-A5FF-1EC866CDC2B1}" destId="{B0CF0BCF-C628-489F-BBEA-433A6FB22C1B}" srcOrd="2" destOrd="0" presId="urn:microsoft.com/office/officeart/2018/5/layout/IconCircleLabelList"/>
+    <dgm:cxn modelId="{A6E8C038-78F4-4AE5-9E01-FAAC049D0211}" type="presParOf" srcId="{B0CF0BCF-C628-489F-BBEA-433A6FB22C1B}" destId="{ED04965E-2E86-47ED-BE2F-9C7ED4B99BB2}" srcOrd="0" destOrd="0" presId="urn:microsoft.com/office/officeart/2018/5/layout/IconCircleLabelList"/>
+    <dgm:cxn modelId="{F3FBD2B5-4C80-4840-8CE1-E4F95A85E817}" type="presParOf" srcId="{B0CF0BCF-C628-489F-BBEA-433A6FB22C1B}" destId="{D7C5DF02-CEFD-4D40-A874-518C2F0F9EEE}" srcOrd="1" destOrd="0" presId="urn:microsoft.com/office/officeart/2018/5/layout/IconCircleLabelList"/>
+    <dgm:cxn modelId="{DCE23473-5548-48E8-9961-9C5A5756BFA8}" type="presParOf" srcId="{B0CF0BCF-C628-489F-BBEA-433A6FB22C1B}" destId="{ADB45ECE-D0E5-49B5-8461-A9F28A353759}" srcOrd="2" destOrd="0" presId="urn:microsoft.com/office/officeart/2018/5/layout/IconCircleLabelList"/>
+    <dgm:cxn modelId="{2D18927B-C2B1-41BB-B0B1-3A11A89186F9}" type="presParOf" srcId="{B0CF0BCF-C628-489F-BBEA-433A6FB22C1B}" destId="{F2AEC75B-F39E-469A-895E-E93E9F7F5A16}" srcOrd="3" destOrd="0" presId="urn:microsoft.com/office/officeart/2018/5/layout/IconCircleLabelList"/>
+    <dgm:cxn modelId="{5CFC34D8-5F18-472D-8135-ACB10339E294}" type="presParOf" srcId="{DE036409-CEE1-491C-A5FF-1EC866CDC2B1}" destId="{3A77701F-0E9F-42C4-BACE-BE2C632329D9}" srcOrd="3" destOrd="0" presId="urn:microsoft.com/office/officeart/2018/5/layout/IconCircleLabelList"/>
+    <dgm:cxn modelId="{65B51F1F-B474-4C72-AA6F-D509DA06E219}" type="presParOf" srcId="{DE036409-CEE1-491C-A5FF-1EC866CDC2B1}" destId="{19009CF6-D48F-46C9-8FD3-F87C52E7CDFF}" srcOrd="4" destOrd="0" presId="urn:microsoft.com/office/officeart/2018/5/layout/IconCircleLabelList"/>
+    <dgm:cxn modelId="{8821D883-8364-44DE-8620-B7B1334D4D51}" type="presParOf" srcId="{19009CF6-D48F-46C9-8FD3-F87C52E7CDFF}" destId="{97016CA0-DCF9-4455-9898-27F21E208D31}" srcOrd="0" destOrd="0" presId="urn:microsoft.com/office/officeart/2018/5/layout/IconCircleLabelList"/>
+    <dgm:cxn modelId="{B09BA552-25B7-42C7-88ED-1D99B98FA928}" type="presParOf" srcId="{19009CF6-D48F-46C9-8FD3-F87C52E7CDFF}" destId="{1F91EFAB-310E-4271-8D17-BDB3D39681C3}" srcOrd="1" destOrd="0" presId="urn:microsoft.com/office/officeart/2018/5/layout/IconCircleLabelList"/>
+    <dgm:cxn modelId="{72F88FDE-7491-4D97-A6D7-27A944055CA5}" type="presParOf" srcId="{19009CF6-D48F-46C9-8FD3-F87C52E7CDFF}" destId="{981C7661-1A30-4136-A147-617C1AAD1915}" srcOrd="2" destOrd="0" presId="urn:microsoft.com/office/officeart/2018/5/layout/IconCircleLabelList"/>
+    <dgm:cxn modelId="{B671B72B-5E4F-4C5D-8797-FCDA1B564643}" type="presParOf" srcId="{19009CF6-D48F-46C9-8FD3-F87C52E7CDFF}" destId="{CFB46806-CB90-4982-9A13-A5802C984125}" srcOrd="3" destOrd="0" presId="urn:microsoft.com/office/officeart/2018/5/layout/IconCircleLabelList"/>
+    <dgm:cxn modelId="{F1649274-6C44-4C88-A015-BB5317B4304D}" type="presParOf" srcId="{DE036409-CEE1-491C-A5FF-1EC866CDC2B1}" destId="{7D41C075-E791-4EF7-BFCA-13E66B1161B7}" srcOrd="5" destOrd="0" presId="urn:microsoft.com/office/officeart/2018/5/layout/IconCircleLabelList"/>
+    <dgm:cxn modelId="{A94D5E7D-F8C1-4516-8565-5D6E8B2EEA8C}" type="presParOf" srcId="{DE036409-CEE1-491C-A5FF-1EC866CDC2B1}" destId="{7FBF1DA0-CC2B-4EFA-ACDD-5060EBD1A022}" srcOrd="6" destOrd="0" presId="urn:microsoft.com/office/officeart/2018/5/layout/IconCircleLabelList"/>
+    <dgm:cxn modelId="{6C8CC141-C9B7-4ABC-B35B-711FAE79F2BC}" type="presParOf" srcId="{7FBF1DA0-CC2B-4EFA-ACDD-5060EBD1A022}" destId="{2C67A5BC-33EE-4B2B-9409-8C312C3AFEF8}" srcOrd="0" destOrd="0" presId="urn:microsoft.com/office/officeart/2018/5/layout/IconCircleLabelList"/>
+    <dgm:cxn modelId="{64F160EE-4744-4522-9282-1D9383683877}" type="presParOf" srcId="{7FBF1DA0-CC2B-4EFA-ACDD-5060EBD1A022}" destId="{794D8FE4-DE72-4C13-865D-B5599195DE8F}" srcOrd="1" destOrd="0" presId="urn:microsoft.com/office/officeart/2018/5/layout/IconCircleLabelList"/>
+    <dgm:cxn modelId="{5E5EA30E-9826-41C1-A09E-0610CAC81C82}" type="presParOf" srcId="{7FBF1DA0-CC2B-4EFA-ACDD-5060EBD1A022}" destId="{86B53293-EFDA-4E2D-8578-D26AC230ADD6}" srcOrd="2" destOrd="0" presId="urn:microsoft.com/office/officeart/2018/5/layout/IconCircleLabelList"/>
+    <dgm:cxn modelId="{517017C4-8797-45C5-896F-0FCB6B5C6580}" type="presParOf" srcId="{7FBF1DA0-CC2B-4EFA-ACDD-5060EBD1A022}" destId="{6016309B-C2EA-431D-B923-1D8CC398D7B2}" srcOrd="3" destOrd="0" presId="urn:microsoft.com/office/officeart/2018/5/layout/IconCircleLabelList"/>
   </dgm:cxnLst>
   <dgm:bg/>
   <dgm:whole/>
@@ -1393,25 +1513,21 @@
       <dsp:cNvGrpSpPr/>
     </dsp:nvGrpSpPr>
     <dsp:grpSpPr/>
-    <dsp:sp modelId="{A29E99C5-61CD-4F4C-8EC2-274C5B64A599}">
+    <dsp:sp modelId="{540830F5-A124-4D23-8C43-15BCE93393CC}">
       <dsp:nvSpPr>
         <dsp:cNvPr id="0" name=""/>
         <dsp:cNvSpPr/>
       </dsp:nvSpPr>
       <dsp:spPr>
         <a:xfrm>
-          <a:off x="1374172" y="6563"/>
-          <a:ext cx="1383804" cy="1383804"/>
+          <a:off x="774129" y="709809"/>
+          <a:ext cx="1255425" cy="1255425"/>
         </a:xfrm>
-        <a:prstGeom prst="round2DiagRect">
-          <a:avLst>
-            <a:gd name="adj1" fmla="val 29727"/>
-            <a:gd name="adj2" fmla="val 0"/>
-          </a:avLst>
+        <a:prstGeom prst="ellipse">
+          <a:avLst/>
         </a:prstGeom>
         <a:solidFill>
-          <a:schemeClr val="bg1">
-            <a:lumMod val="95000"/>
+          <a:schemeClr val="accent2">
             <a:hueOff val="0"/>
             <a:satOff val="0"/>
             <a:lumOff val="0"/>
@@ -1436,15 +1552,15 @@
         <a:fontRef idx="minor"/>
       </dsp:style>
     </dsp:sp>
-    <dsp:sp modelId="{DD1B885E-07DD-4749-99EF-B2EC3FDA3992}">
+    <dsp:sp modelId="{8F5BF8FA-51B2-49D1-85A2-8606BCDF0C93}">
       <dsp:nvSpPr>
         <dsp:cNvPr id="0" name=""/>
         <dsp:cNvSpPr/>
       </dsp:nvSpPr>
       <dsp:spPr>
         <a:xfrm>
-          <a:off x="1669081" y="301473"/>
-          <a:ext cx="793986" cy="793986"/>
+          <a:off x="1041679" y="977359"/>
+          <a:ext cx="720326" cy="720326"/>
         </a:xfrm>
         <a:prstGeom prst="rect">
           <a:avLst/>
@@ -1485,15 +1601,15 @@
         </a:fontRef>
       </dsp:style>
     </dsp:sp>
-    <dsp:sp modelId="{E0454BDA-BE3E-44FB-94FF-1D6F636F52A2}">
+    <dsp:sp modelId="{5B669C4C-9BCC-4F31-BF25-25234B1C2009}">
       <dsp:nvSpPr>
         <dsp:cNvPr id="0" name=""/>
         <dsp:cNvSpPr/>
       </dsp:nvSpPr>
       <dsp:spPr>
         <a:xfrm>
-          <a:off x="931808" y="1821389"/>
-          <a:ext cx="2268532" cy="720000"/>
+          <a:off x="372805" y="2356270"/>
+          <a:ext cx="2058075" cy="720000"/>
         </a:xfrm>
         <a:prstGeom prst="rect">
           <a:avLst/>
@@ -1522,7 +1638,7 @@
         </a:bodyPr>
         <a:lstStyle/>
         <a:p>
-          <a:pPr marL="0" lvl="0" indent="0" algn="ctr" defTabSz="666750">
+          <a:pPr marL="0" lvl="0" indent="0" algn="ctr" defTabSz="577850">
             <a:lnSpc>
               <a:spcPct val="100000"/>
             </a:lnSpc>
@@ -1536,47 +1652,43 @@
             <a:defRPr cap="all"/>
           </a:pPr>
           <a:r>
-            <a:rPr lang="en-US" sz="1500" kern="1200" dirty="0">
+            <a:rPr lang="en-US" sz="1300" kern="1200">
               <a:latin typeface="+mn-lt"/>
             </a:rPr>
             <a:t>Developed by the </a:t>
           </a:r>
           <a:r>
-            <a:rPr lang="en-US" sz="1500" kern="1200" dirty="0">
+            <a:rPr lang="en-US" sz="1300" kern="1200">
               <a:latin typeface="+mn-lt"/>
               <a:hlinkClick xmlns:r="http://schemas.openxmlformats.org/officeDocument/2006/relationships" r:id="rId3"/>
             </a:rPr>
             <a:t>Apache Software Foundation</a:t>
           </a:r>
-          <a:endParaRPr lang="en-US" sz="1500" kern="1200" dirty="0">
+          <a:endParaRPr lang="en-US" sz="1300" kern="1200">
             <a:latin typeface="+mn-lt"/>
           </a:endParaRPr>
         </a:p>
       </dsp:txBody>
       <dsp:txXfrm>
-        <a:off x="931808" y="1821389"/>
-        <a:ext cx="2268532" cy="720000"/>
+        <a:off x="372805" y="2356270"/>
+        <a:ext cx="2058075" cy="720000"/>
       </dsp:txXfrm>
     </dsp:sp>
-    <dsp:sp modelId="{64E685C7-48C5-408D-829E-D84DAB553A87}">
+    <dsp:sp modelId="{ED04965E-2E86-47ED-BE2F-9C7ED4B99BB2}">
       <dsp:nvSpPr>
         <dsp:cNvPr id="0" name=""/>
         <dsp:cNvSpPr/>
       </dsp:nvSpPr>
       <dsp:spPr>
         <a:xfrm>
-          <a:off x="4039697" y="6563"/>
-          <a:ext cx="1383804" cy="1383804"/>
+          <a:off x="3192368" y="709809"/>
+          <a:ext cx="1255425" cy="1255425"/>
         </a:xfrm>
-        <a:prstGeom prst="round2DiagRect">
-          <a:avLst>
-            <a:gd name="adj1" fmla="val 29727"/>
-            <a:gd name="adj2" fmla="val 0"/>
-          </a:avLst>
+        <a:prstGeom prst="ellipse">
+          <a:avLst/>
         </a:prstGeom>
         <a:solidFill>
-          <a:schemeClr val="bg1">
-            <a:lumMod val="95000"/>
+          <a:schemeClr val="accent3">
             <a:hueOff val="0"/>
             <a:satOff val="0"/>
             <a:lumOff val="0"/>
@@ -1601,15 +1713,15 @@
         <a:fontRef idx="minor"/>
       </dsp:style>
     </dsp:sp>
-    <dsp:sp modelId="{91D0E9FC-0453-434B-81A4-F8D592CC2A35}">
+    <dsp:sp modelId="{D7C5DF02-CEFD-4D40-A874-518C2F0F9EEE}">
       <dsp:nvSpPr>
         <dsp:cNvPr id="0" name=""/>
         <dsp:cNvSpPr/>
       </dsp:nvSpPr>
       <dsp:spPr>
         <a:xfrm>
-          <a:off x="4334606" y="301473"/>
-          <a:ext cx="793986" cy="793986"/>
+          <a:off x="3459917" y="977359"/>
+          <a:ext cx="720326" cy="720326"/>
         </a:xfrm>
         <a:prstGeom prst="rect">
           <a:avLst/>
@@ -1650,15 +1762,15 @@
         </a:fontRef>
       </dsp:style>
     </dsp:sp>
-    <dsp:sp modelId="{6718CC1F-304B-4C1C-9C4A-8437F7E90DE5}">
+    <dsp:sp modelId="{F2AEC75B-F39E-469A-895E-E93E9F7F5A16}">
       <dsp:nvSpPr>
         <dsp:cNvPr id="0" name=""/>
         <dsp:cNvSpPr/>
       </dsp:nvSpPr>
       <dsp:spPr>
         <a:xfrm>
-          <a:off x="3597334" y="1821389"/>
-          <a:ext cx="2268532" cy="720000"/>
+          <a:off x="2791043" y="2356270"/>
+          <a:ext cx="2058075" cy="720000"/>
         </a:xfrm>
         <a:prstGeom prst="rect">
           <a:avLst/>
@@ -1687,7 +1799,7 @@
         </a:bodyPr>
         <a:lstStyle/>
         <a:p>
-          <a:pPr marL="0" lvl="0" indent="0" algn="ctr" defTabSz="666750">
+          <a:pPr marL="0" lvl="0" indent="0" algn="ctr" defTabSz="577850">
             <a:lnSpc>
               <a:spcPct val="100000"/>
             </a:lnSpc>
@@ -1701,35 +1813,31 @@
             <a:defRPr cap="all"/>
           </a:pPr>
           <a:r>
-            <a:rPr lang="en-US" sz="1500" kern="1200"/>
+            <a:rPr lang="en-US" sz="1300" kern="1200"/>
             <a:t>Message-oriented middleware (MOM)</a:t>
           </a:r>
         </a:p>
       </dsp:txBody>
       <dsp:txXfrm>
-        <a:off x="3597334" y="1821389"/>
-        <a:ext cx="2268532" cy="720000"/>
+        <a:off x="2791043" y="2356270"/>
+        <a:ext cx="2058075" cy="720000"/>
       </dsp:txXfrm>
     </dsp:sp>
-    <dsp:sp modelId="{4E583FB2-9103-4C12-9DDD-6D4135381072}">
+    <dsp:sp modelId="{97016CA0-DCF9-4455-9898-27F21E208D31}">
       <dsp:nvSpPr>
         <dsp:cNvPr id="0" name=""/>
         <dsp:cNvSpPr/>
       </dsp:nvSpPr>
       <dsp:spPr>
         <a:xfrm>
-          <a:off x="1374172" y="3108522"/>
-          <a:ext cx="1383804" cy="1383804"/>
+          <a:off x="5610606" y="709809"/>
+          <a:ext cx="1255425" cy="1255425"/>
         </a:xfrm>
-        <a:prstGeom prst="round2DiagRect">
-          <a:avLst>
-            <a:gd name="adj1" fmla="val 29727"/>
-            <a:gd name="adj2" fmla="val 0"/>
-          </a:avLst>
+        <a:prstGeom prst="ellipse">
+          <a:avLst/>
         </a:prstGeom>
         <a:solidFill>
-          <a:schemeClr val="bg1">
-            <a:lumMod val="95000"/>
+          <a:schemeClr val="accent4">
             <a:hueOff val="0"/>
             <a:satOff val="0"/>
             <a:lumOff val="0"/>
@@ -1754,15 +1862,15 @@
         <a:fontRef idx="minor"/>
       </dsp:style>
     </dsp:sp>
-    <dsp:sp modelId="{B369BE71-5E31-4C28-A810-B7793A802C21}">
+    <dsp:sp modelId="{1F91EFAB-310E-4271-8D17-BDB3D39681C3}">
       <dsp:nvSpPr>
         <dsp:cNvPr id="0" name=""/>
         <dsp:cNvSpPr/>
       </dsp:nvSpPr>
       <dsp:spPr>
         <a:xfrm>
-          <a:off x="1669081" y="3403431"/>
-          <a:ext cx="793986" cy="793986"/>
+          <a:off x="5878155" y="977359"/>
+          <a:ext cx="720326" cy="720326"/>
         </a:xfrm>
         <a:prstGeom prst="rect">
           <a:avLst/>
@@ -1803,15 +1911,15 @@
         </a:fontRef>
       </dsp:style>
     </dsp:sp>
-    <dsp:sp modelId="{D605DE3E-38B7-4866-8160-02CAFD82A033}">
+    <dsp:sp modelId="{CFB46806-CB90-4982-9A13-A5802C984125}">
       <dsp:nvSpPr>
         <dsp:cNvPr id="0" name=""/>
         <dsp:cNvSpPr/>
       </dsp:nvSpPr>
       <dsp:spPr>
         <a:xfrm>
-          <a:off x="931808" y="4923348"/>
-          <a:ext cx="2268532" cy="720000"/>
+          <a:off x="5209281" y="2356270"/>
+          <a:ext cx="2058075" cy="720000"/>
         </a:xfrm>
         <a:prstGeom prst="rect">
           <a:avLst/>
@@ -1840,7 +1948,7 @@
         </a:bodyPr>
         <a:lstStyle/>
         <a:p>
-          <a:pPr marL="0" lvl="0" indent="0" algn="ctr" defTabSz="666750">
+          <a:pPr marL="0" lvl="0" indent="0" algn="ctr" defTabSz="577850">
             <a:lnSpc>
               <a:spcPct val="100000"/>
             </a:lnSpc>
@@ -1854,35 +1962,31 @@
             <a:defRPr cap="all"/>
           </a:pPr>
           <a:r>
-            <a:rPr lang="en-US" sz="1500" kern="1200"/>
+            <a:rPr lang="en-US" sz="1300" kern="1200"/>
             <a:t>Allows loose coupling of the elements</a:t>
           </a:r>
         </a:p>
       </dsp:txBody>
       <dsp:txXfrm>
-        <a:off x="931808" y="4923348"/>
-        <a:ext cx="2268532" cy="720000"/>
+        <a:off x="5209281" y="2356270"/>
+        <a:ext cx="2058075" cy="720000"/>
       </dsp:txXfrm>
     </dsp:sp>
-    <dsp:sp modelId="{0A4CA08E-A087-4DB4-990B-AFF04BD9D28B}">
+    <dsp:sp modelId="{2C67A5BC-33EE-4B2B-9409-8C312C3AFEF8}">
       <dsp:nvSpPr>
         <dsp:cNvPr id="0" name=""/>
         <dsp:cNvSpPr/>
       </dsp:nvSpPr>
       <dsp:spPr>
         <a:xfrm>
-          <a:off x="4039697" y="3108522"/>
-          <a:ext cx="1383804" cy="1383804"/>
+          <a:off x="8028844" y="709809"/>
+          <a:ext cx="1255425" cy="1255425"/>
         </a:xfrm>
-        <a:prstGeom prst="round2DiagRect">
-          <a:avLst>
-            <a:gd name="adj1" fmla="val 29727"/>
-            <a:gd name="adj2" fmla="val 0"/>
-          </a:avLst>
+        <a:prstGeom prst="ellipse">
+          <a:avLst/>
         </a:prstGeom>
         <a:solidFill>
-          <a:schemeClr val="bg1">
-            <a:lumMod val="95000"/>
+          <a:schemeClr val="accent5">
             <a:hueOff val="0"/>
             <a:satOff val="0"/>
             <a:lumOff val="0"/>
@@ -1907,15 +2011,15 @@
         <a:fontRef idx="minor"/>
       </dsp:style>
     </dsp:sp>
-    <dsp:sp modelId="{8400DD4C-38F9-4056-93D0-D4424B77D865}">
+    <dsp:sp modelId="{794D8FE4-DE72-4C13-865D-B5599195DE8F}">
       <dsp:nvSpPr>
         <dsp:cNvPr id="0" name=""/>
         <dsp:cNvSpPr/>
       </dsp:nvSpPr>
       <dsp:spPr>
         <a:xfrm>
-          <a:off x="4334606" y="3403431"/>
-          <a:ext cx="793986" cy="793986"/>
+          <a:off x="8296394" y="977359"/>
+          <a:ext cx="720326" cy="720326"/>
         </a:xfrm>
         <a:prstGeom prst="rect">
           <a:avLst/>
@@ -1956,15 +2060,15 @@
         </a:fontRef>
       </dsp:style>
     </dsp:sp>
-    <dsp:sp modelId="{6DCEA4BC-39A5-4150-A7BD-875EACADB5DF}">
+    <dsp:sp modelId="{6016309B-C2EA-431D-B923-1D8CC398D7B2}">
       <dsp:nvSpPr>
         <dsp:cNvPr id="0" name=""/>
         <dsp:cNvSpPr/>
       </dsp:nvSpPr>
       <dsp:spPr>
         <a:xfrm>
-          <a:off x="3597334" y="4923348"/>
-          <a:ext cx="2268532" cy="720000"/>
+          <a:off x="7627519" y="2356270"/>
+          <a:ext cx="2058075" cy="720000"/>
         </a:xfrm>
         <a:prstGeom prst="rect">
           <a:avLst/>
@@ -1993,7 +2097,7 @@
         </a:bodyPr>
         <a:lstStyle/>
         <a:p>
-          <a:pPr marL="0" lvl="0" indent="0" algn="ctr" defTabSz="666750">
+          <a:pPr marL="0" lvl="0" indent="0" algn="ctr" defTabSz="577850">
             <a:lnSpc>
               <a:spcPct val="100000"/>
             </a:lnSpc>
@@ -2007,14 +2111,14 @@
             <a:defRPr cap="all"/>
           </a:pPr>
           <a:r>
-            <a:rPr lang="en-US" sz="1500" kern="1200"/>
+            <a:rPr lang="en-US" sz="1300" kern="1200"/>
             <a:t>Java based-makes use of the Java Message Service (JMS) API</a:t>
           </a:r>
         </a:p>
       </dsp:txBody>
       <dsp:txXfrm>
-        <a:off x="3597334" y="4923348"/>
-        <a:ext cx="2268532" cy="720000"/>
+        <a:off x="7627519" y="2356270"/>
+        <a:ext cx="2058075" cy="720000"/>
       </dsp:txXfrm>
     </dsp:sp>
   </dsp:spTree>
@@ -2022,8 +2126,8 @@
 </file>
 
 <file path=ppt/diagrams/layout1.xml><?xml version="1.0" encoding="utf-8"?>
-<dgm:layoutDef xmlns:dgm="http://schemas.openxmlformats.org/drawingml/2006/diagram" xmlns:a="http://schemas.openxmlformats.org/drawingml/2006/main" uniqueId="urn:microsoft.com/office/officeart/2018/5/layout/IconLeafLabelList">
-  <dgm:title val="Icon Leaf Label List"/>
+<dgm:layoutDef xmlns:dgm="http://schemas.openxmlformats.org/drawingml/2006/diagram" xmlns:a="http://schemas.openxmlformats.org/drawingml/2006/main" uniqueId="urn:microsoft.com/office/officeart/2018/5/layout/IconCircleLabelList">
+  <dgm:title val="Icon Circle Label List"/>
   <dgm:desc val="Use to show non-sequential or grouped chunks of information accompanied by a related visuals. Works best with icons or small pictures with short text captions."/>
   <dgm:catLst>
     <dgm:cat type="icon" pri="500"/>
@@ -2159,20 +2263,8 @@
         </dgm:ruleLst>
         <dgm:layoutNode name="iconBgRect" styleLbl="bgShp">
           <dgm:alg type="sp"/>
-          <dgm:shape xmlns:r="http://schemas.openxmlformats.org/officeDocument/2006/relationships" type="round2DiagRect" r:blip="">
+          <dgm:shape xmlns:r="http://schemas.openxmlformats.org/officeDocument/2006/relationships" type="ellipse" r:blip="">
             <dgm:adjLst/>
-            <dgm:extLst>
-              <a:ext uri="{B698B0E9-8C71-41B9-8309-B3DCBF30829C}">
-                <dgm1612:spPr xmlns:dgm1612="http://schemas.microsoft.com/office/drawing/2016/12/diagram">
-                  <a:prstGeom prst="round2DiagRect">
-                    <a:avLst>
-                      <a:gd name="adj1" fmla="val 29727"/>
-                      <a:gd name="adj2" fmla="val 0"/>
-                    </a:avLst>
-                  </a:prstGeom>
-                </dgm1612:spPr>
-              </a:ext>
-            </dgm:extLst>
           </dgm:shape>
           <dgm:presOf/>
           <dgm:constrLst/>
@@ -3526,7 +3618,7 @@
           <a:p>
             <a:fld id="{9184DA70-C731-4C70-880D-CCD4705E623C}" type="datetime1">
               <a:rPr lang="en-US" smtClean="0"/>
-              <a:t>1/1/2020</a:t>
+              <a:t>1/3/2020</a:t>
             </a:fld>
             <a:endParaRPr lang="en-US" dirty="0"/>
           </a:p>
@@ -3714,7 +3806,7 @@
           <a:p>
             <a:fld id="{B612A279-0833-481D-8C56-F67FD0AC6C50}" type="datetime1">
               <a:rPr lang="en-US" smtClean="0"/>
-              <a:t>1/1/2020</a:t>
+              <a:t>1/3/2020</a:t>
             </a:fld>
             <a:endParaRPr lang="en-US" dirty="0"/>
           </a:p>
@@ -3956,7 +4048,7 @@
           <a:p>
             <a:fld id="{6587DA83-5663-4C9C-B9AA-0B40A3DAFF81}" type="datetime1">
               <a:rPr lang="en-US" smtClean="0"/>
-              <a:t>1/1/2020</a:t>
+              <a:t>1/3/2020</a:t>
             </a:fld>
             <a:endParaRPr lang="en-US" dirty="0"/>
           </a:p>
@@ -4144,7 +4236,7 @@
           <a:p>
             <a:fld id="{4BE1D723-8F53-4F53-90B0-1982A396982E}" type="datetime1">
               <a:rPr lang="en-US" smtClean="0"/>
-              <a:t>1/1/2020</a:t>
+              <a:t>1/3/2020</a:t>
             </a:fld>
             <a:endParaRPr lang="en-US" dirty="0"/>
           </a:p>
@@ -4517,7 +4609,7 @@
           <a:p>
             <a:fld id="{97669AF7-7BEB-44E4-9852-375E34362B5B}" type="datetime1">
               <a:rPr lang="en-US" smtClean="0"/>
-              <a:t>1/1/2020</a:t>
+              <a:t>1/3/2020</a:t>
             </a:fld>
             <a:endParaRPr lang="en-US" dirty="0"/>
           </a:p>
@@ -4772,7 +4864,7 @@
           <a:p>
             <a:fld id="{BAAAC38D-0552-4C82-B593-E6124DFADBE2}" type="datetime1">
               <a:rPr lang="en-US" smtClean="0"/>
-              <a:t>1/1/2020</a:t>
+              <a:t>1/3/2020</a:t>
             </a:fld>
             <a:endParaRPr lang="en-US" dirty="0"/>
           </a:p>
@@ -5169,7 +5261,7 @@
           <a:p>
             <a:fld id="{D9DF0F1C-5577-4ACB-BB62-DF8F3C494C7E}" type="datetime1">
               <a:rPr lang="en-US" smtClean="0"/>
-              <a:t>1/1/2020</a:t>
+              <a:t>1/3/2020</a:t>
             </a:fld>
             <a:endParaRPr lang="en-US" dirty="0"/>
           </a:p>
@@ -5305,7 +5397,7 @@
           <a:p>
             <a:fld id="{1775B394-D9F9-4F0C-B15D-605F45CB9E9F}" type="datetime1">
               <a:rPr lang="en-US" smtClean="0"/>
-              <a:t>1/1/2020</a:t>
+              <a:t>1/3/2020</a:t>
             </a:fld>
             <a:endParaRPr lang="en-US" dirty="0"/>
           </a:p>
@@ -5462,7 +5554,7 @@
           <a:p>
             <a:fld id="{39667345-2558-425A-8533-9BFDBCE15005}" type="datetime1">
               <a:rPr lang="en-US" smtClean="0"/>
-              <a:t>1/1/2020</a:t>
+              <a:t>1/3/2020</a:t>
             </a:fld>
             <a:endParaRPr lang="en-US" dirty="0"/>
           </a:p>
@@ -5791,7 +5883,7 @@
           <a:p>
             <a:fld id="{92BEA474-078D-4E9B-9B14-09A87B19DC46}" type="datetime1">
               <a:rPr lang="en-US" smtClean="0"/>
-              <a:t>1/1/2020</a:t>
+              <a:t>1/3/2020</a:t>
             </a:fld>
             <a:endParaRPr lang="en-US" dirty="0"/>
           </a:p>
@@ -6141,7 +6233,7 @@
           <a:p>
             <a:fld id="{4907D986-8816-4272-A432-0437A28A9828}" type="datetime1">
               <a:rPr lang="en-US" smtClean="0"/>
-              <a:t>1/1/2020</a:t>
+              <a:t>1/3/2020</a:t>
             </a:fld>
             <a:endParaRPr lang="en-US" dirty="0"/>
           </a:p>
@@ -6402,7 +6494,7 @@
           <a:p>
             <a:fld id="{62D6E202-B606-4609-B914-27C9371A1F6D}" type="datetime1">
               <a:rPr lang="en-US" smtClean="0"/>
-              <a:t>1/1/2020</a:t>
+              <a:t>1/3/2020</a:t>
             </a:fld>
             <a:endParaRPr lang="en-US" dirty="0"/>
           </a:p>
@@ -7278,6 +7370,220 @@
           <p:cNvPr id="2" name="Title 1">
             <a:extLst>
               <a:ext uri="{FF2B5EF4-FFF2-40B4-BE49-F238E27FC236}">
+                <a16:creationId xmlns:a16="http://schemas.microsoft.com/office/drawing/2014/main" id="{A0BF57E4-2370-4045-A834-B3DA6CE1798B}"/>
+              </a:ext>
+            </a:extLst>
+          </p:cNvPr>
+          <p:cNvSpPr>
+            <a:spLocks noGrp="1"/>
+          </p:cNvSpPr>
+          <p:nvPr>
+            <p:ph type="title"/>
+          </p:nvPr>
+        </p:nvSpPr>
+        <p:spPr>
+          <a:xfrm>
+            <a:off x="1097280" y="19744"/>
+            <a:ext cx="10058400" cy="1860508"/>
+          </a:xfrm>
+        </p:spPr>
+        <p:txBody>
+          <a:bodyPr>
+            <a:normAutofit/>
+          </a:bodyPr>
+          <a:lstStyle/>
+          <a:p>
+            <a:r>
+              <a:rPr lang="en-US" dirty="0"/>
+              <a:t>What is Apache ActiveMQ  </a:t>
+            </a:r>
+          </a:p>
+        </p:txBody>
+      </p:sp>
+      <p:sp>
+        <p:nvSpPr>
+          <p:cNvPr id="3" name="Content Placeholder 2">
+            <a:extLst>
+              <a:ext uri="{FF2B5EF4-FFF2-40B4-BE49-F238E27FC236}">
+                <a16:creationId xmlns:a16="http://schemas.microsoft.com/office/drawing/2014/main" id="{3FB7FA1D-6A93-41E2-B2AB-C75F78184B3F}"/>
+              </a:ext>
+            </a:extLst>
+          </p:cNvPr>
+          <p:cNvSpPr>
+            <a:spLocks noGrp="1"/>
+          </p:cNvSpPr>
+          <p:nvPr>
+            <p:ph idx="1"/>
+          </p:nvPr>
+        </p:nvSpPr>
+        <p:spPr>
+          <a:xfrm>
+            <a:off x="1097280" y="2147111"/>
+            <a:ext cx="10058400" cy="3760891"/>
+          </a:xfrm>
+        </p:spPr>
+        <p:txBody>
+          <a:bodyPr/>
+          <a:lstStyle/>
+          <a:p>
+            <a:pPr>
+              <a:buFont typeface="Wingdings" panose="05000000000000000000" pitchFamily="2" charset="2"/>
+              <a:buChar char="§"/>
+            </a:pPr>
+            <a:r>
+              <a:rPr lang="en-US" dirty="0"/>
+              <a:t>Apache </a:t>
+            </a:r>
+            <a:r>
+              <a:rPr lang="en-US" b="1" dirty="0"/>
+              <a:t>ActiveMQ</a:t>
+            </a:r>
+            <a:r>
+              <a:rPr lang="en-US" dirty="0"/>
+              <a:t> translates messages from sender to receiver. It can connect multiple clients and servers and allows messages to be held in queue, instead of requiring both the client and server to be available simultaneously in order to communicate </a:t>
+            </a:r>
+          </a:p>
+        </p:txBody>
+      </p:sp>
+    </p:spTree>
+    <p:extLst>
+      <p:ext uri="{BB962C8B-B14F-4D97-AF65-F5344CB8AC3E}">
+        <p14:creationId xmlns:p14="http://schemas.microsoft.com/office/powerpoint/2010/main" val="2924102296"/>
+      </p:ext>
+    </p:extLst>
+  </p:cSld>
+  <p:clrMapOvr>
+    <a:masterClrMapping/>
+  </p:clrMapOvr>
+</p:sld>
+</file>
+
+<file path=ppt/slides/slide3.xml><?xml version="1.0" encoding="utf-8"?>
+<p:sld xmlns:a="http://schemas.openxmlformats.org/drawingml/2006/main" xmlns:r="http://schemas.openxmlformats.org/officeDocument/2006/relationships" xmlns:p="http://schemas.openxmlformats.org/presentationml/2006/main">
+  <p:cSld>
+    <p:bg>
+      <p:bgPr>
+        <a:solidFill>
+          <a:schemeClr val="bg1"/>
+        </a:solidFill>
+        <a:effectLst/>
+      </p:bgPr>
+    </p:bg>
+    <p:spTree>
+      <p:nvGrpSpPr>
+        <p:cNvPr id="1" name=""/>
+        <p:cNvGrpSpPr/>
+        <p:nvPr/>
+      </p:nvGrpSpPr>
+      <p:grpSpPr>
+        <a:xfrm>
+          <a:off x="0" y="0"/>
+          <a:ext cx="0" cy="0"/>
+          <a:chOff x="0" y="0"/>
+          <a:chExt cx="0" cy="0"/>
+        </a:xfrm>
+      </p:grpSpPr>
+      <p:sp>
+        <p:nvSpPr>
+          <p:cNvPr id="2" name="Title 1">
+            <a:extLst>
+              <a:ext uri="{FF2B5EF4-FFF2-40B4-BE49-F238E27FC236}">
+                <a16:creationId xmlns:a16="http://schemas.microsoft.com/office/drawing/2014/main" id="{C5444CEA-BD6E-404A-8CBA-C1B42384DD1A}"/>
+              </a:ext>
+            </a:extLst>
+          </p:cNvPr>
+          <p:cNvSpPr>
+            <a:spLocks noGrp="1"/>
+          </p:cNvSpPr>
+          <p:nvPr>
+            <p:ph type="title"/>
+          </p:nvPr>
+        </p:nvSpPr>
+        <p:spPr>
+          <a:xfrm>
+            <a:off x="1097280" y="286603"/>
+            <a:ext cx="10058400" cy="1450757"/>
+          </a:xfrm>
+        </p:spPr>
+        <p:txBody>
+          <a:bodyPr>
+            <a:normAutofit/>
+          </a:bodyPr>
+          <a:lstStyle/>
+          <a:p>
+            <a:r>
+              <a:rPr lang="en-US"/>
+              <a:t>ActiveMQ by Apache</a:t>
+            </a:r>
+          </a:p>
+        </p:txBody>
+      </p:sp>
+      <p:graphicFrame>
+        <p:nvGraphicFramePr>
+          <p:cNvPr id="5" name="Content Placeholder 2">
+            <a:extLst>
+              <a:ext uri="{FF2B5EF4-FFF2-40B4-BE49-F238E27FC236}">
+                <a16:creationId xmlns:a16="http://schemas.microsoft.com/office/drawing/2014/main" id="{39ABB62E-2521-4508-BCD2-7203B746D992}"/>
+              </a:ext>
+            </a:extLst>
+          </p:cNvPr>
+          <p:cNvGraphicFramePr>
+            <a:graphicFrameLocks noGrp="1"/>
+          </p:cNvGraphicFramePr>
+          <p:nvPr>
+            <p:ph idx="1"/>
+            <p:extLst>
+              <p:ext uri="{D42A27DB-BD31-4B8C-83A1-F6EECF244321}">
+                <p14:modId xmlns:p14="http://schemas.microsoft.com/office/powerpoint/2010/main" val="2001564848"/>
+              </p:ext>
+            </p:extLst>
+          </p:nvPr>
+        </p:nvGraphicFramePr>
+        <p:xfrm>
+          <a:off x="1096963" y="2098515"/>
+          <a:ext cx="10058400" cy="3786080"/>
+        </p:xfrm>
+        <a:graphic>
+          <a:graphicData uri="http://schemas.openxmlformats.org/drawingml/2006/diagram">
+            <dgm:relIds xmlns:dgm="http://schemas.openxmlformats.org/drawingml/2006/diagram" xmlns:r="http://schemas.openxmlformats.org/officeDocument/2006/relationships" r:dm="rId2" r:lo="rId3" r:qs="rId4" r:cs="rId5"/>
+          </a:graphicData>
+        </a:graphic>
+      </p:graphicFrame>
+    </p:spTree>
+    <p:extLst>
+      <p:ext uri="{BB962C8B-B14F-4D97-AF65-F5344CB8AC3E}">
+        <p14:creationId xmlns:p14="http://schemas.microsoft.com/office/powerpoint/2010/main" val="1957715269"/>
+      </p:ext>
+    </p:extLst>
+  </p:cSld>
+  <p:clrMapOvr>
+    <a:masterClrMapping/>
+  </p:clrMapOvr>
+</p:sld>
+</file>
+
+<file path=ppt/slides/slide4.xml><?xml version="1.0" encoding="utf-8"?>
+<p:sld xmlns:a="http://schemas.openxmlformats.org/drawingml/2006/main" xmlns:r="http://schemas.openxmlformats.org/officeDocument/2006/relationships" xmlns:p="http://schemas.openxmlformats.org/presentationml/2006/main">
+  <p:cSld>
+    <p:spTree>
+      <p:nvGrpSpPr>
+        <p:cNvPr id="1" name=""/>
+        <p:cNvGrpSpPr/>
+        <p:nvPr/>
+      </p:nvGrpSpPr>
+      <p:grpSpPr>
+        <a:xfrm>
+          <a:off x="0" y="0"/>
+          <a:ext cx="0" cy="0"/>
+          <a:chOff x="0" y="0"/>
+          <a:chExt cx="0" cy="0"/>
+        </a:xfrm>
+      </p:grpSpPr>
+      <p:sp>
+        <p:nvSpPr>
+          <p:cNvPr id="2" name="Title 1">
+            <a:extLst>
+              <a:ext uri="{FF2B5EF4-FFF2-40B4-BE49-F238E27FC236}">
                 <a16:creationId xmlns:a16="http://schemas.microsoft.com/office/drawing/2014/main" id="{494A1875-DCFF-48EC-959D-1191E134AEFF}"/>
               </a:ext>
             </a:extLst>
@@ -7368,7 +7674,7 @@
 </p:sld>
 </file>
 
-<file path=ppt/slides/slide3.xml><?xml version="1.0" encoding="utf-8"?>
+<file path=ppt/slides/slide5.xml><?xml version="1.0" encoding="utf-8"?>
 <p:sld xmlns:a="http://schemas.openxmlformats.org/drawingml/2006/main" xmlns:r="http://schemas.openxmlformats.org/officeDocument/2006/relationships" xmlns:p="http://schemas.openxmlformats.org/presentationml/2006/main">
   <p:cSld>
     <p:spTree>
@@ -7503,315 +7809,6 @@
 </p:sld>
 </file>
 
-<file path=ppt/slides/slide4.xml><?xml version="1.0" encoding="utf-8"?>
-<p:sld xmlns:a="http://schemas.openxmlformats.org/drawingml/2006/main" xmlns:r="http://schemas.openxmlformats.org/officeDocument/2006/relationships" xmlns:p="http://schemas.openxmlformats.org/presentationml/2006/main">
-  <p:cSld>
-    <p:bg>
-      <p:bgPr>
-        <a:solidFill>
-          <a:schemeClr val="bg1"/>
-        </a:solidFill>
-        <a:effectLst/>
-      </p:bgPr>
-    </p:bg>
-    <p:spTree>
-      <p:nvGrpSpPr>
-        <p:cNvPr id="1" name=""/>
-        <p:cNvGrpSpPr/>
-        <p:nvPr/>
-      </p:nvGrpSpPr>
-      <p:grpSpPr>
-        <a:xfrm>
-          <a:off x="0" y="0"/>
-          <a:ext cx="0" cy="0"/>
-          <a:chOff x="0" y="0"/>
-          <a:chExt cx="0" cy="0"/>
-        </a:xfrm>
-      </p:grpSpPr>
-      <p:sp useBgFill="1">
-        <p:nvSpPr>
-          <p:cNvPr id="19" name="Rectangle 18">
-            <a:extLst>
-              <a:ext uri="{FF2B5EF4-FFF2-40B4-BE49-F238E27FC236}">
-                <a16:creationId xmlns:a16="http://schemas.microsoft.com/office/drawing/2014/main" id="{EE1530B0-6F96-46C0-8B3E-3215CB756BE4}"/>
-              </a:ext>
-              <a:ext uri="{C183D7F6-B498-43B3-948B-1728B52AA6E4}">
-                <adec:decorative xmlns:adec="http://schemas.microsoft.com/office/drawing/2017/decorative" val="1"/>
-              </a:ext>
-            </a:extLst>
-          </p:cNvPr>
-          <p:cNvSpPr>
-            <a:spLocks noGrp="1" noRot="1" noChangeAspect="1" noMove="1" noResize="1" noEditPoints="1" noAdjustHandles="1" noChangeArrowheads="1" noChangeShapeType="1" noTextEdit="1"/>
-          </p:cNvSpPr>
-          <p:nvPr>
-            <p:extLst>
-              <p:ext uri="{386F3935-93C4-4BCD-93E2-E3B085C9AB24}">
-                <p16:designElem xmlns:p16="http://schemas.microsoft.com/office/powerpoint/2015/main" val="1"/>
-              </p:ext>
-            </p:extLst>
-          </p:nvPr>
-        </p:nvSpPr>
-        <p:spPr>
-          <a:xfrm>
-            <a:off x="5685" y="0"/>
-            <a:ext cx="12186315" cy="6858000"/>
-          </a:xfrm>
-          <a:prstGeom prst="rect">
-            <a:avLst/>
-          </a:prstGeom>
-          <a:ln>
-            <a:noFill/>
-          </a:ln>
-        </p:spPr>
-        <p:style>
-          <a:lnRef idx="2">
-            <a:schemeClr val="accent6">
-              <a:shade val="50000"/>
-            </a:schemeClr>
-          </a:lnRef>
-          <a:fillRef idx="1001">
-            <a:schemeClr val="lt1"/>
-          </a:fillRef>
-          <a:effectRef idx="0">
-            <a:schemeClr val="accent6"/>
-          </a:effectRef>
-          <a:fontRef idx="minor">
-            <a:schemeClr val="lt1"/>
-          </a:fontRef>
-        </p:style>
-        <p:txBody>
-          <a:bodyPr rtlCol="0" anchor="ctr"/>
-          <a:lstStyle/>
-          <a:p>
-            <a:pPr algn="ctr"/>
-            <a:endParaRPr lang="en-US"/>
-          </a:p>
-        </p:txBody>
-      </p:sp>
-      <p:sp>
-        <p:nvSpPr>
-          <p:cNvPr id="21" name="Rectangle 20">
-            <a:extLst>
-              <a:ext uri="{FF2B5EF4-FFF2-40B4-BE49-F238E27FC236}">
-                <a16:creationId xmlns:a16="http://schemas.microsoft.com/office/drawing/2014/main" id="{754910CF-1B56-45D3-960A-E89F7B3B9131}"/>
-              </a:ext>
-              <a:ext uri="{C183D7F6-B498-43B3-948B-1728B52AA6E4}">
-                <adec:decorative xmlns:adec="http://schemas.microsoft.com/office/drawing/2017/decorative" val="1"/>
-              </a:ext>
-            </a:extLst>
-          </p:cNvPr>
-          <p:cNvSpPr>
-            <a:spLocks noGrp="1" noRot="1" noChangeAspect="1" noMove="1" noResize="1" noEditPoints="1" noAdjustHandles="1" noChangeArrowheads="1" noChangeShapeType="1" noTextEdit="1"/>
-          </p:cNvSpPr>
-          <p:nvPr>
-            <p:extLst>
-              <p:ext uri="{386F3935-93C4-4BCD-93E2-E3B085C9AB24}">
-                <p16:designElem xmlns:p16="http://schemas.microsoft.com/office/powerpoint/2015/main" val="1"/>
-              </p:ext>
-            </p:extLst>
-          </p:nvPr>
-        </p:nvSpPr>
-        <p:spPr>
-          <a:xfrm>
-            <a:off x="16" y="0"/>
-            <a:ext cx="4050791" cy="6858000"/>
-          </a:xfrm>
-          <a:prstGeom prst="rect">
-            <a:avLst/>
-          </a:prstGeom>
-          <a:solidFill>
-            <a:schemeClr val="tx1">
-              <a:lumMod val="85000"/>
-              <a:lumOff val="15000"/>
-            </a:schemeClr>
-          </a:solidFill>
-          <a:ln>
-            <a:noFill/>
-          </a:ln>
-        </p:spPr>
-        <p:style>
-          <a:lnRef idx="2">
-            <a:schemeClr val="accent1">
-              <a:shade val="50000"/>
-            </a:schemeClr>
-          </a:lnRef>
-          <a:fillRef idx="1">
-            <a:schemeClr val="accent1"/>
-          </a:fillRef>
-          <a:effectRef idx="0">
-            <a:schemeClr val="accent1"/>
-          </a:effectRef>
-          <a:fontRef idx="minor">
-            <a:schemeClr val="lt1"/>
-          </a:fontRef>
-        </p:style>
-      </p:sp>
-      <p:sp>
-        <p:nvSpPr>
-          <p:cNvPr id="2" name="Title 1">
-            <a:extLst>
-              <a:ext uri="{FF2B5EF4-FFF2-40B4-BE49-F238E27FC236}">
-                <a16:creationId xmlns:a16="http://schemas.microsoft.com/office/drawing/2014/main" id="{C5444CEA-BD6E-404A-8CBA-C1B42384DD1A}"/>
-              </a:ext>
-            </a:extLst>
-          </p:cNvPr>
-          <p:cNvSpPr>
-            <a:spLocks noGrp="1"/>
-          </p:cNvSpPr>
-          <p:nvPr>
-            <p:ph type="title"/>
-          </p:nvPr>
-        </p:nvSpPr>
-        <p:spPr>
-          <a:xfrm>
-            <a:off x="492370" y="516835"/>
-            <a:ext cx="3084844" cy="5772840"/>
-          </a:xfrm>
-        </p:spPr>
-        <p:txBody>
-          <a:bodyPr anchor="ctr">
-            <a:normAutofit/>
-          </a:bodyPr>
-          <a:lstStyle/>
-          <a:p>
-            <a:r>
-              <a:rPr lang="en-US" sz="3600" dirty="0">
-                <a:solidFill>
-                  <a:schemeClr val="bg1"/>
-                </a:solidFill>
-              </a:rPr>
-              <a:t>ActiveMQ by Apache</a:t>
-            </a:r>
-          </a:p>
-        </p:txBody>
-      </p:sp>
-      <p:graphicFrame>
-        <p:nvGraphicFramePr>
-          <p:cNvPr id="5" name="Content Placeholder 2">
-            <a:extLst>
-              <a:ext uri="{FF2B5EF4-FFF2-40B4-BE49-F238E27FC236}">
-                <a16:creationId xmlns:a16="http://schemas.microsoft.com/office/drawing/2014/main" id="{39ABB62E-2521-4508-BCD2-7203B746D992}"/>
-              </a:ext>
-            </a:extLst>
-          </p:cNvPr>
-          <p:cNvGraphicFramePr>
-            <a:graphicFrameLocks noGrp="1"/>
-          </p:cNvGraphicFramePr>
-          <p:nvPr>
-            <p:ph idx="1"/>
-            <p:extLst>
-              <p:ext uri="{D42A27DB-BD31-4B8C-83A1-F6EECF244321}">
-                <p14:modId xmlns:p14="http://schemas.microsoft.com/office/powerpoint/2010/main" val="811018590"/>
-              </p:ext>
-            </p:extLst>
-          </p:nvPr>
-        </p:nvGraphicFramePr>
-        <p:xfrm>
-          <a:off x="4741863" y="639763"/>
-          <a:ext cx="6797675" cy="5649912"/>
-        </p:xfrm>
-        <a:graphic>
-          <a:graphicData uri="http://schemas.openxmlformats.org/drawingml/2006/diagram">
-            <dgm:relIds xmlns:dgm="http://schemas.openxmlformats.org/drawingml/2006/diagram" xmlns:r="http://schemas.openxmlformats.org/officeDocument/2006/relationships" r:dm="rId2" r:lo="rId3" r:qs="rId4" r:cs="rId5"/>
-          </a:graphicData>
-        </a:graphic>
-      </p:graphicFrame>
-    </p:spTree>
-    <p:extLst>
-      <p:ext uri="{BB962C8B-B14F-4D97-AF65-F5344CB8AC3E}">
-        <p14:creationId xmlns:p14="http://schemas.microsoft.com/office/powerpoint/2010/main" val="1957715269"/>
-      </p:ext>
-    </p:extLst>
-  </p:cSld>
-  <p:clrMapOvr>
-    <a:masterClrMapping/>
-  </p:clrMapOvr>
-</p:sld>
-</file>
-
-<file path=ppt/slides/slide5.xml><?xml version="1.0" encoding="utf-8"?>
-<p:sld xmlns:a="http://schemas.openxmlformats.org/drawingml/2006/main" xmlns:r="http://schemas.openxmlformats.org/officeDocument/2006/relationships" xmlns:p="http://schemas.openxmlformats.org/presentationml/2006/main">
-  <p:cSld>
-    <p:spTree>
-      <p:nvGrpSpPr>
-        <p:cNvPr id="1" name=""/>
-        <p:cNvGrpSpPr/>
-        <p:nvPr/>
-      </p:nvGrpSpPr>
-      <p:grpSpPr>
-        <a:xfrm>
-          <a:off x="0" y="0"/>
-          <a:ext cx="0" cy="0"/>
-          <a:chOff x="0" y="0"/>
-          <a:chExt cx="0" cy="0"/>
-        </a:xfrm>
-      </p:grpSpPr>
-      <p:sp>
-        <p:nvSpPr>
-          <p:cNvPr id="2" name="Title 1">
-            <a:extLst>
-              <a:ext uri="{FF2B5EF4-FFF2-40B4-BE49-F238E27FC236}">
-                <a16:creationId xmlns:a16="http://schemas.microsoft.com/office/drawing/2014/main" id="{3E0BF12A-25C8-478A-94D9-F56163BC2EB1}"/>
-              </a:ext>
-            </a:extLst>
-          </p:cNvPr>
-          <p:cNvSpPr>
-            <a:spLocks noGrp="1"/>
-          </p:cNvSpPr>
-          <p:nvPr>
-            <p:ph type="title"/>
-          </p:nvPr>
-        </p:nvSpPr>
-        <p:spPr/>
-        <p:txBody>
-          <a:bodyPr/>
-          <a:lstStyle/>
-          <a:p>
-            <a:r>
-              <a:rPr lang="en-US" dirty="0"/>
-              <a:t>Organizations :</a:t>
-            </a:r>
-          </a:p>
-        </p:txBody>
-      </p:sp>
-      <p:sp>
-        <p:nvSpPr>
-          <p:cNvPr id="3" name="Content Placeholder 2">
-            <a:extLst>
-              <a:ext uri="{FF2B5EF4-FFF2-40B4-BE49-F238E27FC236}">
-                <a16:creationId xmlns:a16="http://schemas.microsoft.com/office/drawing/2014/main" id="{623AE6FD-BDFB-4986-B44A-747A50ED551D}"/>
-              </a:ext>
-            </a:extLst>
-          </p:cNvPr>
-          <p:cNvSpPr>
-            <a:spLocks noGrp="1"/>
-          </p:cNvSpPr>
-          <p:nvPr>
-            <p:ph idx="1"/>
-          </p:nvPr>
-        </p:nvSpPr>
-        <p:spPr/>
-        <p:txBody>
-          <a:bodyPr/>
-          <a:lstStyle/>
-          <a:p>
-            <a:endParaRPr lang="en-US"/>
-          </a:p>
-        </p:txBody>
-      </p:sp>
-    </p:spTree>
-    <p:extLst>
-      <p:ext uri="{BB962C8B-B14F-4D97-AF65-F5344CB8AC3E}">
-        <p14:creationId xmlns:p14="http://schemas.microsoft.com/office/powerpoint/2010/main" val="3238597577"/>
-      </p:ext>
-    </p:extLst>
-  </p:cSld>
-  <p:clrMapOvr>
-    <a:masterClrMapping/>
-  </p:clrMapOvr>
-</p:sld>
-</file>
-
 <file path=ppt/slides/slide6.xml><?xml version="1.0" encoding="utf-8"?>
 <p:sld xmlns:a="http://schemas.openxmlformats.org/drawingml/2006/main" xmlns:r="http://schemas.openxmlformats.org/officeDocument/2006/relationships" xmlns:p="http://schemas.openxmlformats.org/presentationml/2006/main">
   <p:cSld>
@@ -7834,6 +7831,172 @@
           <p:cNvPr id="2" name="Title 1">
             <a:extLst>
               <a:ext uri="{FF2B5EF4-FFF2-40B4-BE49-F238E27FC236}">
+                <a16:creationId xmlns:a16="http://schemas.microsoft.com/office/drawing/2014/main" id="{EE2B2BD2-598C-4E0F-9CB5-A499374D7AA6}"/>
+              </a:ext>
+            </a:extLst>
+          </p:cNvPr>
+          <p:cNvSpPr>
+            <a:spLocks noGrp="1"/>
+          </p:cNvSpPr>
+          <p:nvPr>
+            <p:ph type="title"/>
+          </p:nvPr>
+        </p:nvSpPr>
+        <p:spPr/>
+        <p:txBody>
+          <a:bodyPr/>
+          <a:lstStyle/>
+          <a:p>
+            <a:r>
+              <a:rPr lang="en-US" dirty="0"/>
+              <a:t>How does ActiveMQ work?</a:t>
+            </a:r>
+          </a:p>
+        </p:txBody>
+      </p:sp>
+      <p:sp>
+        <p:nvSpPr>
+          <p:cNvPr id="3" name="Content Placeholder 2">
+            <a:extLst>
+              <a:ext uri="{FF2B5EF4-FFF2-40B4-BE49-F238E27FC236}">
+                <a16:creationId xmlns:a16="http://schemas.microsoft.com/office/drawing/2014/main" id="{7B11AC4D-DE83-483D-A2B2-BF91A35F6D74}"/>
+              </a:ext>
+            </a:extLst>
+          </p:cNvPr>
+          <p:cNvSpPr>
+            <a:spLocks noGrp="1"/>
+          </p:cNvSpPr>
+          <p:nvPr>
+            <p:ph idx="1"/>
+          </p:nvPr>
+        </p:nvSpPr>
+        <p:spPr/>
+        <p:txBody>
+          <a:bodyPr/>
+          <a:lstStyle/>
+          <a:p>
+            <a:endParaRPr lang="en-US"/>
+          </a:p>
+        </p:txBody>
+      </p:sp>
+    </p:spTree>
+    <p:extLst>
+      <p:ext uri="{BB962C8B-B14F-4D97-AF65-F5344CB8AC3E}">
+        <p14:creationId xmlns:p14="http://schemas.microsoft.com/office/powerpoint/2010/main" val="3352120477"/>
+      </p:ext>
+    </p:extLst>
+  </p:cSld>
+  <p:clrMapOvr>
+    <a:masterClrMapping/>
+  </p:clrMapOvr>
+</p:sld>
+</file>
+
+<file path=ppt/slides/slide7.xml><?xml version="1.0" encoding="utf-8"?>
+<p:sld xmlns:a="http://schemas.openxmlformats.org/drawingml/2006/main" xmlns:r="http://schemas.openxmlformats.org/officeDocument/2006/relationships" xmlns:p="http://schemas.openxmlformats.org/presentationml/2006/main">
+  <p:cSld>
+    <p:spTree>
+      <p:nvGrpSpPr>
+        <p:cNvPr id="1" name=""/>
+        <p:cNvGrpSpPr/>
+        <p:nvPr/>
+      </p:nvGrpSpPr>
+      <p:grpSpPr>
+        <a:xfrm>
+          <a:off x="0" y="0"/>
+          <a:ext cx="0" cy="0"/>
+          <a:chOff x="0" y="0"/>
+          <a:chExt cx="0" cy="0"/>
+        </a:xfrm>
+      </p:grpSpPr>
+      <p:sp>
+        <p:nvSpPr>
+          <p:cNvPr id="2" name="Title 1">
+            <a:extLst>
+              <a:ext uri="{FF2B5EF4-FFF2-40B4-BE49-F238E27FC236}">
+                <a16:creationId xmlns:a16="http://schemas.microsoft.com/office/drawing/2014/main" id="{3E0BF12A-25C8-478A-94D9-F56163BC2EB1}"/>
+              </a:ext>
+            </a:extLst>
+          </p:cNvPr>
+          <p:cNvSpPr>
+            <a:spLocks noGrp="1"/>
+          </p:cNvSpPr>
+          <p:nvPr>
+            <p:ph type="title"/>
+          </p:nvPr>
+        </p:nvSpPr>
+        <p:spPr/>
+        <p:txBody>
+          <a:bodyPr/>
+          <a:lstStyle/>
+          <a:p>
+            <a:r>
+              <a:rPr lang="en-US" dirty="0"/>
+              <a:t>Organizations :</a:t>
+            </a:r>
+          </a:p>
+        </p:txBody>
+      </p:sp>
+      <p:sp>
+        <p:nvSpPr>
+          <p:cNvPr id="3" name="Content Placeholder 2">
+            <a:extLst>
+              <a:ext uri="{FF2B5EF4-FFF2-40B4-BE49-F238E27FC236}">
+                <a16:creationId xmlns:a16="http://schemas.microsoft.com/office/drawing/2014/main" id="{623AE6FD-BDFB-4986-B44A-747A50ED551D}"/>
+              </a:ext>
+            </a:extLst>
+          </p:cNvPr>
+          <p:cNvSpPr>
+            <a:spLocks noGrp="1"/>
+          </p:cNvSpPr>
+          <p:nvPr>
+            <p:ph idx="1"/>
+          </p:nvPr>
+        </p:nvSpPr>
+        <p:spPr/>
+        <p:txBody>
+          <a:bodyPr/>
+          <a:lstStyle/>
+          <a:p>
+            <a:endParaRPr lang="en-US" dirty="0"/>
+          </a:p>
+        </p:txBody>
+      </p:sp>
+    </p:spTree>
+    <p:extLst>
+      <p:ext uri="{BB962C8B-B14F-4D97-AF65-F5344CB8AC3E}">
+        <p14:creationId xmlns:p14="http://schemas.microsoft.com/office/powerpoint/2010/main" val="3238597577"/>
+      </p:ext>
+    </p:extLst>
+  </p:cSld>
+  <p:clrMapOvr>
+    <a:masterClrMapping/>
+  </p:clrMapOvr>
+</p:sld>
+</file>
+
+<file path=ppt/slides/slide8.xml><?xml version="1.0" encoding="utf-8"?>
+<p:sld xmlns:a="http://schemas.openxmlformats.org/drawingml/2006/main" xmlns:r="http://schemas.openxmlformats.org/officeDocument/2006/relationships" xmlns:p="http://schemas.openxmlformats.org/presentationml/2006/main">
+  <p:cSld>
+    <p:spTree>
+      <p:nvGrpSpPr>
+        <p:cNvPr id="1" name=""/>
+        <p:cNvGrpSpPr/>
+        <p:nvPr/>
+      </p:nvGrpSpPr>
+      <p:grpSpPr>
+        <a:xfrm>
+          <a:off x="0" y="0"/>
+          <a:ext cx="0" cy="0"/>
+          <a:chOff x="0" y="0"/>
+          <a:chExt cx="0" cy="0"/>
+        </a:xfrm>
+      </p:grpSpPr>
+      <p:sp>
+        <p:nvSpPr>
+          <p:cNvPr id="2" name="Title 1">
+            <a:extLst>
+              <a:ext uri="{FF2B5EF4-FFF2-40B4-BE49-F238E27FC236}">
                 <a16:creationId xmlns:a16="http://schemas.microsoft.com/office/drawing/2014/main" id="{CA8B0EF9-FB90-4C75-8DD0-09EFF35E5A56}"/>
               </a:ext>
             </a:extLst>
@@ -7886,6 +8049,86 @@
     <p:extLst>
       <p:ext uri="{BB962C8B-B14F-4D97-AF65-F5344CB8AC3E}">
         <p14:creationId xmlns:p14="http://schemas.microsoft.com/office/powerpoint/2010/main" val="1851174275"/>
+      </p:ext>
+    </p:extLst>
+  </p:cSld>
+  <p:clrMapOvr>
+    <a:masterClrMapping/>
+  </p:clrMapOvr>
+</p:sld>
+</file>
+
+<file path=ppt/slides/slide9.xml><?xml version="1.0" encoding="utf-8"?>
+<p:sld xmlns:a="http://schemas.openxmlformats.org/drawingml/2006/main" xmlns:r="http://schemas.openxmlformats.org/officeDocument/2006/relationships" xmlns:p="http://schemas.openxmlformats.org/presentationml/2006/main">
+  <p:cSld>
+    <p:spTree>
+      <p:nvGrpSpPr>
+        <p:cNvPr id="1" name=""/>
+        <p:cNvGrpSpPr/>
+        <p:nvPr/>
+      </p:nvGrpSpPr>
+      <p:grpSpPr>
+        <a:xfrm>
+          <a:off x="0" y="0"/>
+          <a:ext cx="0" cy="0"/>
+          <a:chOff x="0" y="0"/>
+          <a:chExt cx="0" cy="0"/>
+        </a:xfrm>
+      </p:grpSpPr>
+      <p:sp>
+        <p:nvSpPr>
+          <p:cNvPr id="2" name="Title 1">
+            <a:extLst>
+              <a:ext uri="{FF2B5EF4-FFF2-40B4-BE49-F238E27FC236}">
+                <a16:creationId xmlns:a16="http://schemas.microsoft.com/office/drawing/2014/main" id="{93D981D2-3704-46D2-A3E6-644C1BA96ABB}"/>
+              </a:ext>
+            </a:extLst>
+          </p:cNvPr>
+          <p:cNvSpPr>
+            <a:spLocks noGrp="1"/>
+          </p:cNvSpPr>
+          <p:nvPr>
+            <p:ph type="title"/>
+          </p:nvPr>
+        </p:nvSpPr>
+        <p:spPr/>
+        <p:txBody>
+          <a:bodyPr/>
+          <a:lstStyle/>
+          <a:p>
+            <a:endParaRPr lang="en-US"/>
+          </a:p>
+        </p:txBody>
+      </p:sp>
+      <p:sp>
+        <p:nvSpPr>
+          <p:cNvPr id="3" name="Content Placeholder 2">
+            <a:extLst>
+              <a:ext uri="{FF2B5EF4-FFF2-40B4-BE49-F238E27FC236}">
+                <a16:creationId xmlns:a16="http://schemas.microsoft.com/office/drawing/2014/main" id="{AF2395B2-7399-4902-B8BA-B8834EC334B7}"/>
+              </a:ext>
+            </a:extLst>
+          </p:cNvPr>
+          <p:cNvSpPr>
+            <a:spLocks noGrp="1"/>
+          </p:cNvSpPr>
+          <p:nvPr>
+            <p:ph idx="1"/>
+          </p:nvPr>
+        </p:nvSpPr>
+        <p:spPr/>
+        <p:txBody>
+          <a:bodyPr/>
+          <a:lstStyle/>
+          <a:p>
+            <a:endParaRPr lang="en-US"/>
+          </a:p>
+        </p:txBody>
+      </p:sp>
+    </p:spTree>
+    <p:extLst>
+      <p:ext uri="{BB962C8B-B14F-4D97-AF65-F5344CB8AC3E}">
+        <p14:creationId xmlns:p14="http://schemas.microsoft.com/office/powerpoint/2010/main" val="2362074978"/>
       </p:ext>
     </p:extLst>
   </p:cSld>

--- a/activemq.pptx
+++ b/activemq.pptx
@@ -11,20 +11,24 @@
     <p:sldId id="274" r:id="rId5"/>
     <p:sldId id="275" r:id="rId6"/>
     <p:sldId id="276" r:id="rId7"/>
-    <p:sldId id="257" r:id="rId8"/>
-    <p:sldId id="273" r:id="rId9"/>
-    <p:sldId id="258" r:id="rId10"/>
-    <p:sldId id="272" r:id="rId11"/>
-    <p:sldId id="278" r:id="rId12"/>
-    <p:sldId id="263" r:id="rId13"/>
-    <p:sldId id="262" r:id="rId14"/>
-    <p:sldId id="266" r:id="rId15"/>
-    <p:sldId id="265" r:id="rId16"/>
-    <p:sldId id="264" r:id="rId17"/>
-    <p:sldId id="261" r:id="rId18"/>
-    <p:sldId id="271" r:id="rId19"/>
-    <p:sldId id="268" r:id="rId20"/>
-    <p:sldId id="269" r:id="rId21"/>
+    <p:sldId id="279" r:id="rId8"/>
+    <p:sldId id="257" r:id="rId9"/>
+    <p:sldId id="273" r:id="rId10"/>
+    <p:sldId id="258" r:id="rId11"/>
+    <p:sldId id="272" r:id="rId12"/>
+    <p:sldId id="284" r:id="rId13"/>
+    <p:sldId id="278" r:id="rId14"/>
+    <p:sldId id="263" r:id="rId15"/>
+    <p:sldId id="266" r:id="rId16"/>
+    <p:sldId id="262" r:id="rId17"/>
+    <p:sldId id="282" r:id="rId18"/>
+    <p:sldId id="283" r:id="rId19"/>
+    <p:sldId id="281" r:id="rId20"/>
+    <p:sldId id="280" r:id="rId21"/>
+    <p:sldId id="285" r:id="rId22"/>
+    <p:sldId id="265" r:id="rId23"/>
+    <p:sldId id="261" r:id="rId24"/>
+    <p:sldId id="271" r:id="rId25"/>
   </p:sldIdLst>
   <p:sldSz cx="12192000" cy="6858000"/>
   <p:notesSz cx="6858000" cy="9144000"/>
@@ -23860,6 +23864,14 @@
 <file path=ppt/slides/slide1.xml><?xml version="1.0" encoding="utf-8"?>
 <p:sld xmlns:a="http://schemas.openxmlformats.org/drawingml/2006/main" xmlns:r="http://schemas.openxmlformats.org/officeDocument/2006/relationships" xmlns:p="http://schemas.openxmlformats.org/presentationml/2006/main">
   <p:cSld>
+    <p:bg>
+      <p:bgPr>
+        <a:solidFill>
+          <a:schemeClr val="bg1"/>
+        </a:solidFill>
+        <a:effectLst/>
+      </p:bgPr>
+    </p:bg>
     <p:spTree>
       <p:nvGrpSpPr>
         <p:cNvPr id="1" name=""/>
@@ -23876,59 +23888,10 @@
       </p:grpSpPr>
       <p:sp>
         <p:nvSpPr>
-          <p:cNvPr id="2" name="Title 1">
+          <p:cNvPr id="19" name="Content Placeholder 8">
             <a:extLst>
               <a:ext uri="{FF2B5EF4-FFF2-40B4-BE49-F238E27FC236}">
-                <a16:creationId xmlns:a16="http://schemas.microsoft.com/office/drawing/2014/main" id="{15689642-911B-40CE-A780-EF4325C9EB91}"/>
-              </a:ext>
-            </a:extLst>
-          </p:cNvPr>
-          <p:cNvSpPr>
-            <a:spLocks noGrp="1"/>
-          </p:cNvSpPr>
-          <p:nvPr>
-            <p:ph type="title"/>
-          </p:nvPr>
-        </p:nvSpPr>
-        <p:spPr/>
-        <p:txBody>
-          <a:bodyPr/>
-          <a:lstStyle/>
-          <a:p>
-            <a:r>
-              <a:rPr lang="en-US" dirty="0"/>
-              <a:t>Communication </a:t>
-            </a:r>
-            <a:r>
-              <a:rPr lang="en-US" dirty="0" err="1"/>
-              <a:t>gana</a:t>
-            </a:r>
-            <a:r>
-              <a:rPr lang="en-US" dirty="0"/>
-              <a:t> </a:t>
-            </a:r>
-            <a:r>
-              <a:rPr lang="en-US" dirty="0" err="1"/>
-              <a:t>lassana</a:t>
-            </a:r>
-            <a:r>
-              <a:rPr lang="en-US" dirty="0"/>
-              <a:t> </a:t>
-            </a:r>
-            <a:r>
-              <a:rPr lang="en-US" dirty="0" err="1"/>
-              <a:t>wadana</a:t>
-            </a:r>
-            <a:endParaRPr lang="en-US" dirty="0"/>
-          </a:p>
-        </p:txBody>
-      </p:sp>
-      <p:sp>
-        <p:nvSpPr>
-          <p:cNvPr id="3" name="Content Placeholder 2">
-            <a:extLst>
-              <a:ext uri="{FF2B5EF4-FFF2-40B4-BE49-F238E27FC236}">
-                <a16:creationId xmlns:a16="http://schemas.microsoft.com/office/drawing/2014/main" id="{B720A90D-4D58-4B00-BA93-EF92F23FB4BC}"/>
+                <a16:creationId xmlns:a16="http://schemas.microsoft.com/office/drawing/2014/main" id="{F122B07B-EE60-4787-8D3B-3EE6F81CDDA9}"/>
               </a:ext>
             </a:extLst>
           </p:cNvPr>
@@ -23939,15 +23902,57 @@
             <p:ph idx="1"/>
           </p:nvPr>
         </p:nvSpPr>
-        <p:spPr/>
+        <p:spPr>
+          <a:xfrm>
+            <a:off x="1024128" y="2286000"/>
+            <a:ext cx="4429615" cy="3931920"/>
+          </a:xfrm>
+        </p:spPr>
         <p:txBody>
-          <a:bodyPr/>
+          <a:bodyPr>
+            <a:normAutofit/>
+          </a:bodyPr>
           <a:lstStyle/>
           <a:p>
             <a:endParaRPr lang="en-US"/>
           </a:p>
         </p:txBody>
       </p:sp>
+      <p:pic>
+        <p:nvPicPr>
+          <p:cNvPr id="5" name="Content Placeholder 4" descr="A picture containing indoor, food&#10;&#10;Description automatically generated">
+            <a:extLst>
+              <a:ext uri="{FF2B5EF4-FFF2-40B4-BE49-F238E27FC236}">
+                <a16:creationId xmlns:a16="http://schemas.microsoft.com/office/drawing/2014/main" id="{8449ABA1-9253-4B48-87E6-7D3E19A87ACA}"/>
+              </a:ext>
+            </a:extLst>
+          </p:cNvPr>
+          <p:cNvPicPr>
+            <a:picLocks noChangeAspect="1"/>
+          </p:cNvPicPr>
+          <p:nvPr/>
+        </p:nvPicPr>
+        <p:blipFill rotWithShape="1">
+          <a:blip r:embed="rId2">
+            <a:extLst>
+              <a:ext uri="{28A0092B-C50C-407E-A947-70E740481C1C}">
+                <a14:useLocalDpi xmlns:a14="http://schemas.microsoft.com/office/drawing/2010/main" val="0"/>
+              </a:ext>
+            </a:extLst>
+          </a:blip>
+          <a:srcRect t="12348" r="-1" b="12632"/>
+          <a:stretch/>
+        </p:blipFill>
+        <p:spPr>
+          <a:xfrm>
+            <a:off x="6096000" y="1894129"/>
+            <a:ext cx="5455921" cy="3069742"/>
+          </a:xfrm>
+          <a:prstGeom prst="rect">
+            <a:avLst/>
+          </a:prstGeom>
+        </p:spPr>
+      </p:pic>
     </p:spTree>
     <p:extLst>
       <p:ext uri="{BB962C8B-B14F-4D97-AF65-F5344CB8AC3E}">
@@ -23962,6 +23967,734 @@
 </file>
 
 <file path=ppt/slides/slide10.xml><?xml version="1.0" encoding="utf-8"?>
+<p:sld xmlns:a="http://schemas.openxmlformats.org/drawingml/2006/main" xmlns:r="http://schemas.openxmlformats.org/officeDocument/2006/relationships" xmlns:p="http://schemas.openxmlformats.org/presentationml/2006/main">
+  <p:cSld>
+    <p:spTree>
+      <p:nvGrpSpPr>
+        <p:cNvPr id="1" name=""/>
+        <p:cNvGrpSpPr/>
+        <p:nvPr/>
+      </p:nvGrpSpPr>
+      <p:grpSpPr>
+        <a:xfrm>
+          <a:off x="0" y="0"/>
+          <a:ext cx="0" cy="0"/>
+          <a:chOff x="0" y="0"/>
+          <a:chExt cx="0" cy="0"/>
+        </a:xfrm>
+      </p:grpSpPr>
+      <p:sp>
+        <p:nvSpPr>
+          <p:cNvPr id="19" name="Rectangle 18">
+            <a:extLst>
+              <a:ext uri="{FF2B5EF4-FFF2-40B4-BE49-F238E27FC236}">
+                <a16:creationId xmlns:a16="http://schemas.microsoft.com/office/drawing/2014/main" id="{AC77C847-D7A0-4C68-83CC-06E6B9D267B6}"/>
+              </a:ext>
+            </a:extLst>
+          </p:cNvPr>
+          <p:cNvSpPr/>
+          <p:nvPr/>
+        </p:nvSpPr>
+        <p:spPr>
+          <a:xfrm>
+            <a:off x="8463897" y="1833663"/>
+            <a:ext cx="1723812" cy="904673"/>
+          </a:xfrm>
+          <a:prstGeom prst="rect">
+            <a:avLst/>
+          </a:prstGeom>
+        </p:spPr>
+        <p:style>
+          <a:lnRef idx="2">
+            <a:schemeClr val="accent1">
+              <a:shade val="50000"/>
+            </a:schemeClr>
+          </a:lnRef>
+          <a:fillRef idx="1">
+            <a:schemeClr val="accent1"/>
+          </a:fillRef>
+          <a:effectRef idx="0">
+            <a:schemeClr val="accent1"/>
+          </a:effectRef>
+          <a:fontRef idx="minor">
+            <a:schemeClr val="lt1"/>
+          </a:fontRef>
+        </p:style>
+        <p:txBody>
+          <a:bodyPr rtlCol="0" anchor="ctr"/>
+          <a:lstStyle/>
+          <a:p>
+            <a:pPr algn="ctr"/>
+            <a:r>
+              <a:rPr lang="en-US" dirty="0" err="1"/>
+              <a:t>LeadDeveloper</a:t>
+            </a:r>
+            <a:r>
+              <a:rPr lang="en-US" dirty="0"/>
+              <a:t> </a:t>
+            </a:r>
+          </a:p>
+        </p:txBody>
+      </p:sp>
+      <p:sp>
+        <p:nvSpPr>
+          <p:cNvPr id="18" name="Rectangle 17">
+            <a:extLst>
+              <a:ext uri="{FF2B5EF4-FFF2-40B4-BE49-F238E27FC236}">
+                <a16:creationId xmlns:a16="http://schemas.microsoft.com/office/drawing/2014/main" id="{905C2A49-C0FC-433D-B072-C014F836C6DD}"/>
+              </a:ext>
+            </a:extLst>
+          </p:cNvPr>
+          <p:cNvSpPr/>
+          <p:nvPr/>
+        </p:nvSpPr>
+        <p:spPr>
+          <a:xfrm>
+            <a:off x="4711398" y="2224283"/>
+            <a:ext cx="2145593" cy="3071630"/>
+          </a:xfrm>
+          <a:prstGeom prst="rect">
+            <a:avLst/>
+          </a:prstGeom>
+        </p:spPr>
+        <p:style>
+          <a:lnRef idx="2">
+            <a:schemeClr val="accent1">
+              <a:shade val="50000"/>
+            </a:schemeClr>
+          </a:lnRef>
+          <a:fillRef idx="1">
+            <a:schemeClr val="accent1"/>
+          </a:fillRef>
+          <a:effectRef idx="0">
+            <a:schemeClr val="accent1"/>
+          </a:effectRef>
+          <a:fontRef idx="minor">
+            <a:schemeClr val="lt1"/>
+          </a:fontRef>
+        </p:style>
+        <p:txBody>
+          <a:bodyPr rtlCol="0" anchor="ctr"/>
+          <a:lstStyle/>
+          <a:p>
+            <a:pPr algn="ctr"/>
+            <a:endParaRPr lang="en-US"/>
+          </a:p>
+        </p:txBody>
+      </p:sp>
+      <p:sp>
+        <p:nvSpPr>
+          <p:cNvPr id="20" name="Title 19">
+            <a:extLst>
+              <a:ext uri="{FF2B5EF4-FFF2-40B4-BE49-F238E27FC236}">
+                <a16:creationId xmlns:a16="http://schemas.microsoft.com/office/drawing/2014/main" id="{3BC17FBD-F549-4A1B-BF8F-041A262C252E}"/>
+              </a:ext>
+            </a:extLst>
+          </p:cNvPr>
+          <p:cNvSpPr>
+            <a:spLocks noGrp="1"/>
+          </p:cNvSpPr>
+          <p:nvPr>
+            <p:ph type="title"/>
+          </p:nvPr>
+        </p:nvSpPr>
+        <p:spPr>
+          <a:xfrm>
+            <a:off x="972084" y="55801"/>
+            <a:ext cx="9720072" cy="1499616"/>
+          </a:xfrm>
+        </p:spPr>
+        <p:txBody>
+          <a:bodyPr/>
+          <a:lstStyle/>
+          <a:p>
+            <a:r>
+              <a:rPr lang="en-US" dirty="0"/>
+              <a:t>1.Client send requirements to Lead dev</a:t>
+            </a:r>
+          </a:p>
+        </p:txBody>
+      </p:sp>
+      <p:pic>
+        <p:nvPicPr>
+          <p:cNvPr id="43" name="Content Placeholder 42" descr="Envelope">
+            <a:extLst>
+              <a:ext uri="{FF2B5EF4-FFF2-40B4-BE49-F238E27FC236}">
+                <a16:creationId xmlns:a16="http://schemas.microsoft.com/office/drawing/2014/main" id="{569E3787-C5D2-4455-9ABE-C177C5AC1B61}"/>
+              </a:ext>
+            </a:extLst>
+          </p:cNvPr>
+          <p:cNvPicPr>
+            <a:picLocks noGrp="1" noChangeAspect="1"/>
+          </p:cNvPicPr>
+          <p:nvPr>
+            <p:ph idx="1"/>
+          </p:nvPr>
+        </p:nvPicPr>
+        <p:blipFill>
+          <a:blip r:embed="rId2">
+            <a:extLst>
+              <a:ext uri="{28A0092B-C50C-407E-A947-70E740481C1C}">
+                <a14:useLocalDpi xmlns:a14="http://schemas.microsoft.com/office/drawing/2010/main" val="0"/>
+              </a:ext>
+              <a:ext uri="{96DAC541-7B7A-43D3-8B79-37D633B846F1}">
+                <asvg:svgBlip xmlns:asvg="http://schemas.microsoft.com/office/drawing/2016/SVG/main" r:embed="rId3"/>
+              </a:ext>
+            </a:extLst>
+          </a:blip>
+          <a:stretch>
+            <a:fillRect/>
+          </a:stretch>
+        </p:blipFill>
+        <p:spPr>
+          <a:xfrm>
+            <a:off x="2616160" y="2218266"/>
+            <a:ext cx="519357" cy="519357"/>
+          </a:xfrm>
+        </p:spPr>
+      </p:pic>
+      <p:sp>
+        <p:nvSpPr>
+          <p:cNvPr id="14" name="Rectangle 13">
+            <a:extLst>
+              <a:ext uri="{FF2B5EF4-FFF2-40B4-BE49-F238E27FC236}">
+                <a16:creationId xmlns:a16="http://schemas.microsoft.com/office/drawing/2014/main" id="{AEC843BC-9B10-4EFC-97E3-F30986411000}"/>
+              </a:ext>
+            </a:extLst>
+          </p:cNvPr>
+          <p:cNvSpPr/>
+          <p:nvPr/>
+        </p:nvSpPr>
+        <p:spPr>
+          <a:xfrm>
+            <a:off x="989924" y="2265648"/>
+            <a:ext cx="1575881" cy="904673"/>
+          </a:xfrm>
+          <a:prstGeom prst="rect">
+            <a:avLst/>
+          </a:prstGeom>
+        </p:spPr>
+        <p:style>
+          <a:lnRef idx="2">
+            <a:schemeClr val="accent1">
+              <a:shade val="50000"/>
+            </a:schemeClr>
+          </a:lnRef>
+          <a:fillRef idx="1">
+            <a:schemeClr val="accent1"/>
+          </a:fillRef>
+          <a:effectRef idx="0">
+            <a:schemeClr val="accent1"/>
+          </a:effectRef>
+          <a:fontRef idx="minor">
+            <a:schemeClr val="lt1"/>
+          </a:fontRef>
+        </p:style>
+        <p:txBody>
+          <a:bodyPr rtlCol="0" anchor="ctr"/>
+          <a:lstStyle/>
+          <a:p>
+            <a:pPr algn="ctr"/>
+            <a:r>
+              <a:rPr lang="en-US" dirty="0"/>
+              <a:t>Client 1</a:t>
+            </a:r>
+          </a:p>
+        </p:txBody>
+      </p:sp>
+      <p:sp>
+        <p:nvSpPr>
+          <p:cNvPr id="15" name="Rectangle 14">
+            <a:extLst>
+              <a:ext uri="{FF2B5EF4-FFF2-40B4-BE49-F238E27FC236}">
+                <a16:creationId xmlns:a16="http://schemas.microsoft.com/office/drawing/2014/main" id="{9CE504D8-2A5E-44F8-8DEA-B04191D05410}"/>
+              </a:ext>
+            </a:extLst>
+          </p:cNvPr>
+          <p:cNvSpPr/>
+          <p:nvPr/>
+        </p:nvSpPr>
+        <p:spPr>
+          <a:xfrm>
+            <a:off x="1024128" y="4311916"/>
+            <a:ext cx="1575881" cy="904673"/>
+          </a:xfrm>
+          <a:prstGeom prst="rect">
+            <a:avLst/>
+          </a:prstGeom>
+        </p:spPr>
+        <p:style>
+          <a:lnRef idx="2">
+            <a:schemeClr val="accent1">
+              <a:shade val="50000"/>
+            </a:schemeClr>
+          </a:lnRef>
+          <a:fillRef idx="1">
+            <a:schemeClr val="accent1"/>
+          </a:fillRef>
+          <a:effectRef idx="0">
+            <a:schemeClr val="accent1"/>
+          </a:effectRef>
+          <a:fontRef idx="minor">
+            <a:schemeClr val="lt1"/>
+          </a:fontRef>
+        </p:style>
+        <p:txBody>
+          <a:bodyPr rtlCol="0" anchor="ctr"/>
+          <a:lstStyle/>
+          <a:p>
+            <a:pPr algn="ctr"/>
+            <a:r>
+              <a:rPr lang="en-US" dirty="0"/>
+              <a:t>Client 2</a:t>
+            </a:r>
+          </a:p>
+        </p:txBody>
+      </p:sp>
+      <p:sp>
+        <p:nvSpPr>
+          <p:cNvPr id="16" name="Rectangle 15">
+            <a:extLst>
+              <a:ext uri="{FF2B5EF4-FFF2-40B4-BE49-F238E27FC236}">
+                <a16:creationId xmlns:a16="http://schemas.microsoft.com/office/drawing/2014/main" id="{49DF2B84-8A85-43D9-B3DC-F8B2421B784C}"/>
+              </a:ext>
+            </a:extLst>
+          </p:cNvPr>
+          <p:cNvSpPr/>
+          <p:nvPr/>
+        </p:nvSpPr>
+        <p:spPr>
+          <a:xfrm>
+            <a:off x="8427587" y="4907192"/>
+            <a:ext cx="1575881" cy="904673"/>
+          </a:xfrm>
+          <a:prstGeom prst="rect">
+            <a:avLst/>
+          </a:prstGeom>
+        </p:spPr>
+        <p:style>
+          <a:lnRef idx="2">
+            <a:schemeClr val="accent1">
+              <a:shade val="50000"/>
+            </a:schemeClr>
+          </a:lnRef>
+          <a:fillRef idx="1">
+            <a:schemeClr val="accent1"/>
+          </a:fillRef>
+          <a:effectRef idx="0">
+            <a:schemeClr val="accent1"/>
+          </a:effectRef>
+          <a:fontRef idx="minor">
+            <a:schemeClr val="lt1"/>
+          </a:fontRef>
+        </p:style>
+        <p:txBody>
+          <a:bodyPr rtlCol="0" anchor="ctr"/>
+          <a:lstStyle/>
+          <a:p>
+            <a:pPr algn="ctr"/>
+            <a:r>
+              <a:rPr lang="en-US" dirty="0"/>
+              <a:t>Developer 3</a:t>
+            </a:r>
+          </a:p>
+        </p:txBody>
+      </p:sp>
+      <p:sp>
+        <p:nvSpPr>
+          <p:cNvPr id="17" name="Rectangle 16">
+            <a:extLst>
+              <a:ext uri="{FF2B5EF4-FFF2-40B4-BE49-F238E27FC236}">
+                <a16:creationId xmlns:a16="http://schemas.microsoft.com/office/drawing/2014/main" id="{2DF050B6-73C1-4DF2-86F9-8BAE3CD612CC}"/>
+              </a:ext>
+            </a:extLst>
+          </p:cNvPr>
+          <p:cNvSpPr/>
+          <p:nvPr/>
+        </p:nvSpPr>
+        <p:spPr>
+          <a:xfrm>
+            <a:off x="8463897" y="3375353"/>
+            <a:ext cx="1575881" cy="904673"/>
+          </a:xfrm>
+          <a:prstGeom prst="rect">
+            <a:avLst/>
+          </a:prstGeom>
+        </p:spPr>
+        <p:style>
+          <a:lnRef idx="2">
+            <a:schemeClr val="accent1">
+              <a:shade val="50000"/>
+            </a:schemeClr>
+          </a:lnRef>
+          <a:fillRef idx="1">
+            <a:schemeClr val="accent1"/>
+          </a:fillRef>
+          <a:effectRef idx="0">
+            <a:schemeClr val="accent1"/>
+          </a:effectRef>
+          <a:fontRef idx="minor">
+            <a:schemeClr val="lt1"/>
+          </a:fontRef>
+        </p:style>
+        <p:txBody>
+          <a:bodyPr rtlCol="0" anchor="ctr"/>
+          <a:lstStyle/>
+          <a:p>
+            <a:pPr algn="ctr"/>
+            <a:r>
+              <a:rPr lang="en-US" dirty="0"/>
+              <a:t>Developer 2</a:t>
+            </a:r>
+          </a:p>
+        </p:txBody>
+      </p:sp>
+      <p:cxnSp>
+        <p:nvCxnSpPr>
+          <p:cNvPr id="23" name="Straight Connector 22">
+            <a:extLst>
+              <a:ext uri="{FF2B5EF4-FFF2-40B4-BE49-F238E27FC236}">
+                <a16:creationId xmlns:a16="http://schemas.microsoft.com/office/drawing/2014/main" id="{AFA8F0AF-91BC-48C8-9EF5-583ECECE51B8}"/>
+              </a:ext>
+            </a:extLst>
+          </p:cNvPr>
+          <p:cNvCxnSpPr>
+            <a:cxnSpLocks/>
+            <a:stCxn id="14" idx="3"/>
+          </p:cNvCxnSpPr>
+          <p:nvPr/>
+        </p:nvCxnSpPr>
+        <p:spPr>
+          <a:xfrm>
+            <a:off x="2565805" y="2717985"/>
+            <a:ext cx="1978862" cy="653393"/>
+          </a:xfrm>
+          <a:prstGeom prst="line">
+            <a:avLst/>
+          </a:prstGeom>
+        </p:spPr>
+        <p:style>
+          <a:lnRef idx="1">
+            <a:schemeClr val="accent1"/>
+          </a:lnRef>
+          <a:fillRef idx="0">
+            <a:schemeClr val="accent1"/>
+          </a:fillRef>
+          <a:effectRef idx="0">
+            <a:schemeClr val="accent1"/>
+          </a:effectRef>
+          <a:fontRef idx="minor">
+            <a:schemeClr val="tx1"/>
+          </a:fontRef>
+        </p:style>
+      </p:cxnSp>
+      <p:cxnSp>
+        <p:nvCxnSpPr>
+          <p:cNvPr id="24" name="Straight Connector 23">
+            <a:extLst>
+              <a:ext uri="{FF2B5EF4-FFF2-40B4-BE49-F238E27FC236}">
+                <a16:creationId xmlns:a16="http://schemas.microsoft.com/office/drawing/2014/main" id="{3AB406F6-C97F-4541-BBC7-65F3D8D3FD00}"/>
+              </a:ext>
+            </a:extLst>
+          </p:cNvPr>
+          <p:cNvCxnSpPr>
+            <a:cxnSpLocks/>
+            <a:stCxn id="15" idx="3"/>
+            <a:endCxn id="18" idx="1"/>
+          </p:cNvCxnSpPr>
+          <p:nvPr/>
+        </p:nvCxnSpPr>
+        <p:spPr>
+          <a:xfrm flipV="1">
+            <a:off x="2600009" y="3760098"/>
+            <a:ext cx="2111389" cy="1004155"/>
+          </a:xfrm>
+          <a:prstGeom prst="line">
+            <a:avLst/>
+          </a:prstGeom>
+        </p:spPr>
+        <p:style>
+          <a:lnRef idx="1">
+            <a:schemeClr val="accent1"/>
+          </a:lnRef>
+          <a:fillRef idx="0">
+            <a:schemeClr val="accent1"/>
+          </a:fillRef>
+          <a:effectRef idx="0">
+            <a:schemeClr val="accent1"/>
+          </a:effectRef>
+          <a:fontRef idx="minor">
+            <a:schemeClr val="tx1"/>
+          </a:fontRef>
+        </p:style>
+      </p:cxnSp>
+      <p:cxnSp>
+        <p:nvCxnSpPr>
+          <p:cNvPr id="26" name="Straight Connector 25">
+            <a:extLst>
+              <a:ext uri="{FF2B5EF4-FFF2-40B4-BE49-F238E27FC236}">
+                <a16:creationId xmlns:a16="http://schemas.microsoft.com/office/drawing/2014/main" id="{B8C2FA0F-68C6-4085-BAF2-F33CB5401ABA}"/>
+              </a:ext>
+            </a:extLst>
+          </p:cNvPr>
+          <p:cNvCxnSpPr>
+            <a:cxnSpLocks/>
+            <a:stCxn id="18" idx="3"/>
+          </p:cNvCxnSpPr>
+          <p:nvPr/>
+        </p:nvCxnSpPr>
+        <p:spPr>
+          <a:xfrm flipV="1">
+            <a:off x="6856991" y="3678874"/>
+            <a:ext cx="1737327" cy="81224"/>
+          </a:xfrm>
+          <a:prstGeom prst="line">
+            <a:avLst/>
+          </a:prstGeom>
+        </p:spPr>
+        <p:style>
+          <a:lnRef idx="1">
+            <a:schemeClr val="accent1"/>
+          </a:lnRef>
+          <a:fillRef idx="0">
+            <a:schemeClr val="accent1"/>
+          </a:fillRef>
+          <a:effectRef idx="0">
+            <a:schemeClr val="accent1"/>
+          </a:effectRef>
+          <a:fontRef idx="minor">
+            <a:schemeClr val="tx1"/>
+          </a:fontRef>
+        </p:style>
+      </p:cxnSp>
+      <p:cxnSp>
+        <p:nvCxnSpPr>
+          <p:cNvPr id="27" name="Straight Connector 26">
+            <a:extLst>
+              <a:ext uri="{FF2B5EF4-FFF2-40B4-BE49-F238E27FC236}">
+                <a16:creationId xmlns:a16="http://schemas.microsoft.com/office/drawing/2014/main" id="{5943D79C-B3C6-4360-99A3-EF60DE91B68D}"/>
+              </a:ext>
+            </a:extLst>
+          </p:cNvPr>
+          <p:cNvCxnSpPr>
+            <a:cxnSpLocks/>
+            <a:endCxn id="19" idx="1"/>
+          </p:cNvCxnSpPr>
+          <p:nvPr/>
+        </p:nvCxnSpPr>
+        <p:spPr>
+          <a:xfrm flipV="1">
+            <a:off x="6652071" y="2286000"/>
+            <a:ext cx="1811826" cy="296056"/>
+          </a:xfrm>
+          <a:prstGeom prst="line">
+            <a:avLst/>
+          </a:prstGeom>
+        </p:spPr>
+        <p:style>
+          <a:lnRef idx="1">
+            <a:schemeClr val="accent1"/>
+          </a:lnRef>
+          <a:fillRef idx="0">
+            <a:schemeClr val="accent1"/>
+          </a:fillRef>
+          <a:effectRef idx="0">
+            <a:schemeClr val="accent1"/>
+          </a:effectRef>
+          <a:fontRef idx="minor">
+            <a:schemeClr val="tx1"/>
+          </a:fontRef>
+        </p:style>
+      </p:cxnSp>
+      <p:cxnSp>
+        <p:nvCxnSpPr>
+          <p:cNvPr id="39" name="Straight Connector 38">
+            <a:extLst>
+              <a:ext uri="{FF2B5EF4-FFF2-40B4-BE49-F238E27FC236}">
+                <a16:creationId xmlns:a16="http://schemas.microsoft.com/office/drawing/2014/main" id="{68A4E07B-4335-4886-8576-0BC132906274}"/>
+              </a:ext>
+            </a:extLst>
+          </p:cNvPr>
+          <p:cNvCxnSpPr>
+            <a:cxnSpLocks/>
+            <a:endCxn id="16" idx="1"/>
+          </p:cNvCxnSpPr>
+          <p:nvPr/>
+        </p:nvCxnSpPr>
+        <p:spPr>
+          <a:xfrm>
+            <a:off x="6523529" y="4845476"/>
+            <a:ext cx="1904058" cy="514053"/>
+          </a:xfrm>
+          <a:prstGeom prst="line">
+            <a:avLst/>
+          </a:prstGeom>
+        </p:spPr>
+        <p:style>
+          <a:lnRef idx="1">
+            <a:schemeClr val="accent1"/>
+          </a:lnRef>
+          <a:fillRef idx="0">
+            <a:schemeClr val="accent1"/>
+          </a:fillRef>
+          <a:effectRef idx="0">
+            <a:schemeClr val="accent1"/>
+          </a:effectRef>
+          <a:fontRef idx="minor">
+            <a:schemeClr val="tx1"/>
+          </a:fontRef>
+        </p:style>
+      </p:cxnSp>
+      <p:sp>
+        <p:nvSpPr>
+          <p:cNvPr id="41" name="TextBox 40">
+            <a:extLst>
+              <a:ext uri="{FF2B5EF4-FFF2-40B4-BE49-F238E27FC236}">
+                <a16:creationId xmlns:a16="http://schemas.microsoft.com/office/drawing/2014/main" id="{828555BC-CB02-4C9B-91FE-07FC51E54A0E}"/>
+              </a:ext>
+            </a:extLst>
+          </p:cNvPr>
+          <p:cNvSpPr txBox="1"/>
+          <p:nvPr/>
+        </p:nvSpPr>
+        <p:spPr>
+          <a:xfrm>
+            <a:off x="4544667" y="1833663"/>
+            <a:ext cx="1978862" cy="369332"/>
+          </a:xfrm>
+          <a:prstGeom prst="rect">
+            <a:avLst/>
+          </a:prstGeom>
+          <a:noFill/>
+        </p:spPr>
+        <p:txBody>
+          <a:bodyPr wrap="square" rtlCol="0">
+            <a:spAutoFit/>
+          </a:bodyPr>
+          <a:lstStyle/>
+          <a:p>
+            <a:r>
+              <a:rPr lang="en-US" dirty="0"/>
+              <a:t>Active MQ:</a:t>
+            </a:r>
+          </a:p>
+        </p:txBody>
+      </p:sp>
+    </p:spTree>
+    <p:extLst>
+      <p:ext uri="{BB962C8B-B14F-4D97-AF65-F5344CB8AC3E}">
+        <p14:creationId xmlns:p14="http://schemas.microsoft.com/office/powerpoint/2010/main" val="2176029349"/>
+      </p:ext>
+    </p:extLst>
+  </p:cSld>
+  <p:clrMapOvr>
+    <a:masterClrMapping/>
+  </p:clrMapOvr>
+  <p:timing>
+    <p:tnLst>
+      <p:par>
+        <p:cTn id="1" dur="indefinite" restart="never" nodeType="tmRoot">
+          <p:childTnLst>
+            <p:seq concurrent="1" nextAc="seek">
+              <p:cTn id="2" dur="indefinite" nodeType="mainSeq">
+                <p:childTnLst>
+                  <p:par>
+                    <p:cTn id="3" fill="hold">
+                      <p:stCondLst>
+                        <p:cond delay="indefinite"/>
+                      </p:stCondLst>
+                      <p:childTnLst>
+                        <p:par>
+                          <p:cTn id="4" fill="hold">
+                            <p:stCondLst>
+                              <p:cond delay="0"/>
+                            </p:stCondLst>
+                            <p:childTnLst>
+                              <p:par>
+                                <p:cTn id="5" presetID="42" presetClass="path" presetSubtype="0" accel="50000" decel="50000" fill="hold" nodeType="clickEffect">
+                                  <p:stCondLst>
+                                    <p:cond delay="0"/>
+                                  </p:stCondLst>
+                                  <p:childTnLst>
+                                    <p:animMotion origin="layout" path="M 2.70833E-6 -1.11111E-6 L 0.22409 0.13472 " pathEditMode="relative" rAng="0" ptsTypes="AA">
+                                      <p:cBhvr>
+                                        <p:cTn id="6" dur="1000" fill="hold"/>
+                                        <p:tgtEl>
+                                          <p:spTgt spid="43"/>
+                                        </p:tgtEl>
+                                        <p:attrNameLst>
+                                          <p:attrName>ppt_x</p:attrName>
+                                          <p:attrName>ppt_y</p:attrName>
+                                        </p:attrNameLst>
+                                      </p:cBhvr>
+                                      <p:rCtr x="11198" y="6736"/>
+                                    </p:animMotion>
+                                  </p:childTnLst>
+                                </p:cTn>
+                              </p:par>
+                            </p:childTnLst>
+                          </p:cTn>
+                        </p:par>
+                        <p:par>
+                          <p:cTn id="7" fill="hold">
+                            <p:stCondLst>
+                              <p:cond delay="1000"/>
+                            </p:stCondLst>
+                            <p:childTnLst>
+                              <p:par>
+                                <p:cTn id="8" presetID="42" presetClass="path" presetSubtype="0" accel="50000" decel="50000" fill="hold" nodeType="afterEffect">
+                                  <p:stCondLst>
+                                    <p:cond delay="0"/>
+                                  </p:stCondLst>
+                                  <p:childTnLst>
+                                    <p:animMotion origin="layout" path="M 0.22409 0.13473 L 0.47474 0.0007 " pathEditMode="relative" rAng="0" ptsTypes="AA">
+                                      <p:cBhvr>
+                                        <p:cTn id="9" dur="1000" fill="hold"/>
+                                        <p:tgtEl>
+                                          <p:spTgt spid="43"/>
+                                        </p:tgtEl>
+                                        <p:attrNameLst>
+                                          <p:attrName>ppt_x</p:attrName>
+                                          <p:attrName>ppt_y</p:attrName>
+                                        </p:attrNameLst>
+                                      </p:cBhvr>
+                                      <p:rCtr x="12526" y="-7199"/>
+                                    </p:animMotion>
+                                  </p:childTnLst>
+                                </p:cTn>
+                              </p:par>
+                            </p:childTnLst>
+                          </p:cTn>
+                        </p:par>
+                      </p:childTnLst>
+                    </p:cTn>
+                  </p:par>
+                </p:childTnLst>
+              </p:cTn>
+              <p:prevCondLst>
+                <p:cond evt="onPrev" delay="0">
+                  <p:tgtEl>
+                    <p:sldTgt/>
+                  </p:tgtEl>
+                </p:cond>
+              </p:prevCondLst>
+              <p:nextCondLst>
+                <p:cond evt="onNext" delay="0">
+                  <p:tgtEl>
+                    <p:sldTgt/>
+                  </p:tgtEl>
+                </p:cond>
+              </p:nextCondLst>
+            </p:seq>
+          </p:childTnLst>
+        </p:cTn>
+      </p:par>
+    </p:tnLst>
+  </p:timing>
+</p:sld>
+</file>
+
+<file path=ppt/slides/slide11.xml><?xml version="1.0" encoding="utf-8"?>
 <p:sld xmlns:a="http://schemas.openxmlformats.org/drawingml/2006/main" xmlns:r="http://schemas.openxmlformats.org/officeDocument/2006/relationships" xmlns:p="http://schemas.openxmlformats.org/presentationml/2006/main">
   <p:cSld>
     <p:spTree>
@@ -24006,13 +24739,8 @@
           <a:p>
             <a:r>
               <a:rPr lang="en-US" dirty="0"/>
-              <a:t>Lead dev asking requirements from </a:t>
+              <a:t>Lead dev asking requirements from separate clients</a:t>
             </a:r>
-            <a:r>
-              <a:rPr lang="en-US" dirty="0" err="1"/>
-              <a:t>sep.clients</a:t>
-            </a:r>
-            <a:endParaRPr lang="en-US" dirty="0"/>
           </a:p>
         </p:txBody>
       </p:sp>
@@ -24113,8 +24841,8 @@
         </p:nvSpPr>
         <p:spPr>
           <a:xfrm>
-            <a:off x="4664163" y="2287899"/>
-            <a:ext cx="2223674" cy="3071630"/>
+            <a:off x="4664163" y="2400019"/>
+            <a:ext cx="2223674" cy="3411845"/>
           </a:xfrm>
           <a:prstGeom prst="rect">
             <a:avLst/>
@@ -24445,8 +25173,8 @@
         </p:nvCxnSpPr>
         <p:spPr>
           <a:xfrm flipV="1">
-            <a:off x="2600009" y="3823714"/>
-            <a:ext cx="2064154" cy="940539"/>
+            <a:off x="2600009" y="4105942"/>
+            <a:ext cx="2064154" cy="658311"/>
           </a:xfrm>
           <a:prstGeom prst="line">
             <a:avLst/>
@@ -24484,8 +25212,8 @@
         </p:nvCxnSpPr>
         <p:spPr>
           <a:xfrm flipV="1">
-            <a:off x="6887837" y="3742490"/>
-            <a:ext cx="1659246" cy="81224"/>
+            <a:off x="6887837" y="3742492"/>
+            <a:ext cx="1659246" cy="363450"/>
           </a:xfrm>
           <a:prstGeom prst="line">
             <a:avLst/>
@@ -24598,7 +25326,7 @@
         </p:nvSpPr>
         <p:spPr>
           <a:xfrm>
-            <a:off x="4544667" y="1833663"/>
+            <a:off x="4664163" y="1861575"/>
             <a:ext cx="1978862" cy="369332"/>
           </a:xfrm>
           <a:prstGeom prst="rect">
@@ -24614,7 +25342,7 @@
           <a:p>
             <a:r>
               <a:rPr lang="en-US" dirty="0"/>
-              <a:t>Active MQ queue:</a:t>
+              <a:t>Active MQ  broker:</a:t>
             </a:r>
           </a:p>
         </p:txBody>
@@ -24711,7 +25439,7 @@
         </p:nvSpPr>
         <p:spPr>
           <a:xfrm>
-            <a:off x="4878791" y="2326198"/>
+            <a:off x="4992386" y="5856493"/>
             <a:ext cx="1575881" cy="923330"/>
           </a:xfrm>
           <a:prstGeom prst="rect">
@@ -24750,7 +25478,7 @@
         </p:nvGrpSpPr>
         <p:grpSpPr>
           <a:xfrm>
-            <a:off x="4878791" y="3371378"/>
+            <a:off x="4902499" y="3360081"/>
             <a:ext cx="1411973" cy="680531"/>
             <a:chOff x="2893209" y="5127126"/>
             <a:chExt cx="1411973" cy="680531"/>
@@ -24930,6 +25658,90 @@
           </p:style>
         </p:cxnSp>
       </p:grpSp>
+      <p:sp>
+        <p:nvSpPr>
+          <p:cNvPr id="32" name="TextBox 31">
+            <a:extLst>
+              <a:ext uri="{FF2B5EF4-FFF2-40B4-BE49-F238E27FC236}">
+                <a16:creationId xmlns:a16="http://schemas.microsoft.com/office/drawing/2014/main" id="{AB90E374-EB81-4A6C-82EC-A11BFEDB2EF1}"/>
+              </a:ext>
+            </a:extLst>
+          </p:cNvPr>
+          <p:cNvSpPr txBox="1"/>
+          <p:nvPr/>
+        </p:nvSpPr>
+        <p:spPr>
+          <a:xfrm>
+            <a:off x="4690089" y="2963203"/>
+            <a:ext cx="1978862" cy="369332"/>
+          </a:xfrm>
+          <a:prstGeom prst="rect">
+            <a:avLst/>
+          </a:prstGeom>
+          <a:noFill/>
+        </p:spPr>
+        <p:txBody>
+          <a:bodyPr wrap="square" rtlCol="0">
+            <a:spAutoFit/>
+          </a:bodyPr>
+          <a:lstStyle/>
+          <a:p>
+            <a:pPr algn="ctr"/>
+            <a:r>
+              <a:rPr lang="en-US" dirty="0">
+                <a:solidFill>
+                  <a:schemeClr val="accent2">
+                    <a:lumMod val="50000"/>
+                  </a:schemeClr>
+                </a:solidFill>
+              </a:rPr>
+              <a:t>Queue 1</a:t>
+            </a:r>
+          </a:p>
+        </p:txBody>
+      </p:sp>
+      <p:sp>
+        <p:nvSpPr>
+          <p:cNvPr id="34" name="TextBox 33">
+            <a:extLst>
+              <a:ext uri="{FF2B5EF4-FFF2-40B4-BE49-F238E27FC236}">
+                <a16:creationId xmlns:a16="http://schemas.microsoft.com/office/drawing/2014/main" id="{5E080792-FFD4-4941-B5C9-FF6A7D924C09}"/>
+              </a:ext>
+            </a:extLst>
+          </p:cNvPr>
+          <p:cNvSpPr txBox="1"/>
+          <p:nvPr/>
+        </p:nvSpPr>
+        <p:spPr>
+          <a:xfrm>
+            <a:off x="4664163" y="4998615"/>
+            <a:ext cx="1978862" cy="369332"/>
+          </a:xfrm>
+          <a:prstGeom prst="rect">
+            <a:avLst/>
+          </a:prstGeom>
+          <a:noFill/>
+        </p:spPr>
+        <p:txBody>
+          <a:bodyPr wrap="square" rtlCol="0">
+            <a:spAutoFit/>
+          </a:bodyPr>
+          <a:lstStyle/>
+          <a:p>
+            <a:pPr algn="ctr"/>
+            <a:r>
+              <a:rPr lang="en-US" dirty="0">
+                <a:solidFill>
+                  <a:schemeClr val="accent2">
+                    <a:lumMod val="50000"/>
+                  </a:schemeClr>
+                </a:solidFill>
+              </a:rPr>
+              <a:t>Queue 2</a:t>
+            </a:r>
+          </a:p>
+        </p:txBody>
+      </p:sp>
     </p:spTree>
     <p:extLst>
       <p:ext uri="{BB962C8B-B14F-4D97-AF65-F5344CB8AC3E}">
@@ -24985,30 +25797,21 @@
                             </p:childTnLst>
                           </p:cTn>
                         </p:par>
-                      </p:childTnLst>
-                    </p:cTn>
-                  </p:par>
-                  <p:par>
-                    <p:cTn id="7" fill="hold">
-                      <p:stCondLst>
-                        <p:cond delay="indefinite"/>
-                      </p:stCondLst>
-                      <p:childTnLst>
                         <p:par>
-                          <p:cTn id="8" fill="hold">
+                          <p:cTn id="7" fill="hold">
                             <p:stCondLst>
-                              <p:cond delay="0"/>
+                              <p:cond delay="1000"/>
                             </p:stCondLst>
                             <p:childTnLst>
                               <p:par>
-                                <p:cTn id="9" presetID="1" presetClass="entr" presetSubtype="0" fill="hold" grpId="0" nodeType="clickEffect">
+                                <p:cTn id="8" presetID="10" presetClass="entr" presetSubtype="0" fill="hold" grpId="0" nodeType="afterEffect">
                                   <p:stCondLst>
                                     <p:cond delay="0"/>
                                   </p:stCondLst>
                                   <p:childTnLst>
                                     <p:set>
                                       <p:cBhvr>
-                                        <p:cTn id="10" dur="1" fill="hold">
+                                        <p:cTn id="9" dur="1" fill="hold">
                                           <p:stCondLst>
                                             <p:cond delay="0"/>
                                           </p:stCondLst>
@@ -25024,6 +25827,14 @@
                                         <p:strVal val="visible"/>
                                       </p:to>
                                     </p:set>
+                                    <p:animEffect transition="in" filter="fade">
+                                      <p:cBhvr>
+                                        <p:cTn id="10" dur="500"/>
+                                        <p:tgtEl>
+                                          <p:spTgt spid="24"/>
+                                        </p:tgtEl>
+                                      </p:cBhvr>
+                                    </p:animEffect>
                                   </p:childTnLst>
                                 </p:cTn>
                               </p:par>
@@ -25033,7 +25844,7 @@
                         <p:par>
                           <p:cTn id="11" fill="hold">
                             <p:stCondLst>
-                              <p:cond delay="0"/>
+                              <p:cond delay="1500"/>
                             </p:stCondLst>
                             <p:childTnLst>
                               <p:par>
@@ -25086,7 +25897,7 @@
                         <p:par>
                           <p:cTn id="16" fill="hold">
                             <p:stCondLst>
-                              <p:cond delay="2000"/>
+                              <p:cond delay="3500"/>
                             </p:stCondLst>
                             <p:childTnLst>
                               <p:par>
@@ -25139,7 +25950,7 @@
                         <p:par>
                           <p:cTn id="21" fill="hold">
                             <p:stCondLst>
-                              <p:cond delay="4000"/>
+                              <p:cond delay="5500"/>
                             </p:stCondLst>
                             <p:childTnLst>
                               <p:par>
@@ -25170,7 +25981,7 @@
                         <p:par>
                           <p:cTn id="24" fill="hold">
                             <p:stCondLst>
-                              <p:cond delay="6000"/>
+                              <p:cond delay="7500"/>
                             </p:stCondLst>
                             <p:childTnLst>
                               <p:par>
@@ -25198,30 +26009,21 @@
                             </p:childTnLst>
                           </p:cTn>
                         </p:par>
-                      </p:childTnLst>
-                    </p:cTn>
-                  </p:par>
-                  <p:par>
-                    <p:cTn id="27" fill="hold">
-                      <p:stCondLst>
-                        <p:cond delay="indefinite"/>
-                      </p:stCondLst>
-                      <p:childTnLst>
                         <p:par>
-                          <p:cTn id="28" fill="hold">
+                          <p:cTn id="27" fill="hold">
                             <p:stCondLst>
-                              <p:cond delay="0"/>
+                              <p:cond delay="9500"/>
                             </p:stCondLst>
                             <p:childTnLst>
                               <p:par>
-                                <p:cTn id="29" presetID="10" presetClass="exit" presetSubtype="0" fill="hold" grpId="1" nodeType="clickEffect">
+                                <p:cTn id="28" presetID="10" presetClass="exit" presetSubtype="0" fill="hold" grpId="1" nodeType="afterEffect">
                                   <p:stCondLst>
                                     <p:cond delay="0"/>
                                   </p:stCondLst>
                                   <p:childTnLst>
                                     <p:animEffect transition="out" filter="fade">
                                       <p:cBhvr>
-                                        <p:cTn id="30" dur="500"/>
+                                        <p:cTn id="29" dur="500"/>
                                         <p:tgtEl>
                                           <p:spTgt spid="24"/>
                                         </p:tgtEl>
@@ -25229,7 +26031,7 @@
                                     </p:animEffect>
                                     <p:set>
                                       <p:cBhvr>
-                                        <p:cTn id="31" dur="1" fill="hold">
+                                        <p:cTn id="30" dur="1" fill="hold">
                                           <p:stCondLst>
                                             <p:cond delay="499"/>
                                           </p:stCondLst>
@@ -25252,20 +26054,20 @@
                           </p:cTn>
                         </p:par>
                         <p:par>
-                          <p:cTn id="32" fill="hold">
+                          <p:cTn id="31" fill="hold">
                             <p:stCondLst>
-                              <p:cond delay="500"/>
+                              <p:cond delay="10000"/>
                             </p:stCondLst>
                             <p:childTnLst>
                               <p:par>
-                                <p:cTn id="33" presetID="42" presetClass="path" presetSubtype="0" accel="50000" decel="50000" fill="hold" nodeType="afterEffect">
+                                <p:cTn id="32" presetID="42" presetClass="path" presetSubtype="0" accel="50000" decel="50000" fill="hold" nodeType="afterEffect">
                                   <p:stCondLst>
                                     <p:cond delay="0"/>
                                   </p:stCondLst>
                                   <p:childTnLst>
                                     <p:animMotion origin="layout" path="M -0.28841 0.17453 L -0.59102 0.13842 " pathEditMode="relative" rAng="0" ptsTypes="AA">
                                       <p:cBhvr>
-                                        <p:cTn id="34" dur="2000" fill="hold"/>
+                                        <p:cTn id="33" dur="2000" fill="hold"/>
                                         <p:tgtEl>
                                           <p:spTgt spid="17"/>
                                         </p:tgtEl>
@@ -25283,20 +26085,20 @@
                           </p:cTn>
                         </p:par>
                         <p:par>
-                          <p:cTn id="35" fill="hold">
+                          <p:cTn id="34" fill="hold">
                             <p:stCondLst>
-                              <p:cond delay="2500"/>
+                              <p:cond delay="12000"/>
                             </p:stCondLst>
                             <p:childTnLst>
                               <p:par>
-                                <p:cTn id="36" presetID="42" presetClass="path" presetSubtype="0" accel="50000" decel="50000" fill="hold" nodeType="afterEffect">
+                                <p:cTn id="35" presetID="42" presetClass="path" presetSubtype="0" accel="50000" decel="50000" fill="hold" nodeType="afterEffect">
                                   <p:stCondLst>
                                     <p:cond delay="0"/>
                                   </p:stCondLst>
                                   <p:childTnLst>
                                     <p:animMotion origin="layout" path="M -0.38033 0.30393 L -0.62369 0.42315 " pathEditMode="relative" rAng="0" ptsTypes="AA">
                                       <p:cBhvr>
-                                        <p:cTn id="37" dur="2000" fill="hold"/>
+                                        <p:cTn id="36" dur="2000" fill="hold"/>
                                         <p:tgtEl>
                                           <p:spTgt spid="20"/>
                                         </p:tgtEl>
@@ -25345,7 +26147,1396 @@
 </p:sld>
 </file>
 
-<file path=ppt/slides/slide11.xml><?xml version="1.0" encoding="utf-8"?>
+<file path=ppt/slides/slide12.xml><?xml version="1.0" encoding="utf-8"?>
+<p:sld xmlns:a="http://schemas.openxmlformats.org/drawingml/2006/main" xmlns:r="http://schemas.openxmlformats.org/officeDocument/2006/relationships" xmlns:p="http://schemas.openxmlformats.org/presentationml/2006/main">
+  <p:cSld>
+    <p:spTree>
+      <p:nvGrpSpPr>
+        <p:cNvPr id="1" name=""/>
+        <p:cNvGrpSpPr/>
+        <p:nvPr/>
+      </p:nvGrpSpPr>
+      <p:grpSpPr>
+        <a:xfrm>
+          <a:off x="0" y="0"/>
+          <a:ext cx="0" cy="0"/>
+          <a:chOff x="0" y="0"/>
+          <a:chExt cx="0" cy="0"/>
+        </a:xfrm>
+      </p:grpSpPr>
+      <p:sp>
+        <p:nvSpPr>
+          <p:cNvPr id="10" name="Rectangle 9">
+            <a:extLst>
+              <a:ext uri="{FF2B5EF4-FFF2-40B4-BE49-F238E27FC236}">
+                <a16:creationId xmlns:a16="http://schemas.microsoft.com/office/drawing/2014/main" id="{487B3330-54C4-4CCD-AC43-350CB3B2F1E5}"/>
+              </a:ext>
+            </a:extLst>
+          </p:cNvPr>
+          <p:cNvSpPr/>
+          <p:nvPr/>
+        </p:nvSpPr>
+        <p:spPr>
+          <a:xfrm>
+            <a:off x="8489823" y="3121412"/>
+            <a:ext cx="1575881" cy="904673"/>
+          </a:xfrm>
+          <a:prstGeom prst="rect">
+            <a:avLst/>
+          </a:prstGeom>
+        </p:spPr>
+        <p:style>
+          <a:lnRef idx="2">
+            <a:schemeClr val="accent1">
+              <a:shade val="50000"/>
+            </a:schemeClr>
+          </a:lnRef>
+          <a:fillRef idx="1">
+            <a:schemeClr val="accent1"/>
+          </a:fillRef>
+          <a:effectRef idx="0">
+            <a:schemeClr val="accent1"/>
+          </a:effectRef>
+          <a:fontRef idx="minor">
+            <a:schemeClr val="lt1"/>
+          </a:fontRef>
+        </p:style>
+        <p:txBody>
+          <a:bodyPr rtlCol="0" anchor="ctr"/>
+          <a:lstStyle/>
+          <a:p>
+            <a:pPr algn="ctr"/>
+            <a:r>
+              <a:rPr lang="en-US" dirty="0"/>
+              <a:t>Developer 2</a:t>
+            </a:r>
+          </a:p>
+        </p:txBody>
+      </p:sp>
+      <p:sp>
+        <p:nvSpPr>
+          <p:cNvPr id="2" name="Title 1">
+            <a:extLst>
+              <a:ext uri="{FF2B5EF4-FFF2-40B4-BE49-F238E27FC236}">
+                <a16:creationId xmlns:a16="http://schemas.microsoft.com/office/drawing/2014/main" id="{A0DB771C-1B77-4847-A835-056E968C5539}"/>
+              </a:ext>
+            </a:extLst>
+          </p:cNvPr>
+          <p:cNvSpPr>
+            <a:spLocks noGrp="1"/>
+          </p:cNvSpPr>
+          <p:nvPr>
+            <p:ph type="title"/>
+          </p:nvPr>
+        </p:nvSpPr>
+        <p:spPr>
+          <a:xfrm>
+            <a:off x="1146048" y="52455"/>
+            <a:ext cx="9720072" cy="1499616"/>
+          </a:xfrm>
+        </p:spPr>
+        <p:txBody>
+          <a:bodyPr>
+            <a:normAutofit/>
+          </a:bodyPr>
+          <a:lstStyle/>
+          <a:p>
+            <a:pPr algn="ctr"/>
+            <a:r>
+              <a:rPr lang="en-US" sz="4800" dirty="0"/>
+              <a:t>Lead dev assigning tasks to other developers</a:t>
+            </a:r>
+          </a:p>
+        </p:txBody>
+      </p:sp>
+      <p:sp>
+        <p:nvSpPr>
+          <p:cNvPr id="3" name="Content Placeholder 2">
+            <a:extLst>
+              <a:ext uri="{FF2B5EF4-FFF2-40B4-BE49-F238E27FC236}">
+                <a16:creationId xmlns:a16="http://schemas.microsoft.com/office/drawing/2014/main" id="{4F441E09-108B-4962-BAD6-6524D76CBBBC}"/>
+              </a:ext>
+            </a:extLst>
+          </p:cNvPr>
+          <p:cNvSpPr>
+            <a:spLocks noGrp="1"/>
+          </p:cNvSpPr>
+          <p:nvPr>
+            <p:ph idx="1"/>
+          </p:nvPr>
+        </p:nvSpPr>
+        <p:spPr>
+          <a:xfrm>
+            <a:off x="1024128" y="2286000"/>
+            <a:ext cx="9720073" cy="4023360"/>
+          </a:xfrm>
+        </p:spPr>
+        <p:txBody>
+          <a:bodyPr/>
+          <a:lstStyle/>
+          <a:p>
+            <a:endParaRPr lang="en-US" dirty="0">
+              <a:solidFill>
+                <a:srgbClr val="FFC000"/>
+              </a:solidFill>
+            </a:endParaRPr>
+          </a:p>
+        </p:txBody>
+      </p:sp>
+      <p:sp>
+        <p:nvSpPr>
+          <p:cNvPr id="4" name="Rectangle 3">
+            <a:extLst>
+              <a:ext uri="{FF2B5EF4-FFF2-40B4-BE49-F238E27FC236}">
+                <a16:creationId xmlns:a16="http://schemas.microsoft.com/office/drawing/2014/main" id="{9087D93F-8FFB-42AA-B11F-458895D0A278}"/>
+              </a:ext>
+            </a:extLst>
+          </p:cNvPr>
+          <p:cNvSpPr/>
+          <p:nvPr/>
+        </p:nvSpPr>
+        <p:spPr>
+          <a:xfrm>
+            <a:off x="8463897" y="1833663"/>
+            <a:ext cx="1723812" cy="904673"/>
+          </a:xfrm>
+          <a:prstGeom prst="rect">
+            <a:avLst/>
+          </a:prstGeom>
+        </p:spPr>
+        <p:style>
+          <a:lnRef idx="2">
+            <a:schemeClr val="accent1">
+              <a:shade val="50000"/>
+            </a:schemeClr>
+          </a:lnRef>
+          <a:fillRef idx="1">
+            <a:schemeClr val="accent1"/>
+          </a:fillRef>
+          <a:effectRef idx="0">
+            <a:schemeClr val="accent1"/>
+          </a:effectRef>
+          <a:fontRef idx="minor">
+            <a:schemeClr val="lt1"/>
+          </a:fontRef>
+        </p:style>
+        <p:txBody>
+          <a:bodyPr rtlCol="0" anchor="ctr"/>
+          <a:lstStyle/>
+          <a:p>
+            <a:pPr algn="ctr"/>
+            <a:r>
+              <a:rPr lang="en-US" dirty="0" err="1"/>
+              <a:t>LeadDeveloper</a:t>
+            </a:r>
+            <a:r>
+              <a:rPr lang="en-US" dirty="0"/>
+              <a:t> </a:t>
+            </a:r>
+          </a:p>
+        </p:txBody>
+      </p:sp>
+      <p:sp>
+        <p:nvSpPr>
+          <p:cNvPr id="5" name="Rectangle 4">
+            <a:extLst>
+              <a:ext uri="{FF2B5EF4-FFF2-40B4-BE49-F238E27FC236}">
+                <a16:creationId xmlns:a16="http://schemas.microsoft.com/office/drawing/2014/main" id="{1B69CB99-5499-49D4-BBFA-5F03273C6CB9}"/>
+              </a:ext>
+            </a:extLst>
+          </p:cNvPr>
+          <p:cNvSpPr/>
+          <p:nvPr/>
+        </p:nvSpPr>
+        <p:spPr>
+          <a:xfrm>
+            <a:off x="4212200" y="2400019"/>
+            <a:ext cx="2675637" cy="3411845"/>
+          </a:xfrm>
+          <a:prstGeom prst="rect">
+            <a:avLst/>
+          </a:prstGeom>
+        </p:spPr>
+        <p:style>
+          <a:lnRef idx="2">
+            <a:schemeClr val="accent1">
+              <a:shade val="50000"/>
+            </a:schemeClr>
+          </a:lnRef>
+          <a:fillRef idx="1">
+            <a:schemeClr val="accent1"/>
+          </a:fillRef>
+          <a:effectRef idx="0">
+            <a:schemeClr val="accent1"/>
+          </a:effectRef>
+          <a:fontRef idx="minor">
+            <a:schemeClr val="lt1"/>
+          </a:fontRef>
+        </p:style>
+        <p:txBody>
+          <a:bodyPr rtlCol="0" anchor="ctr"/>
+          <a:lstStyle/>
+          <a:p>
+            <a:pPr algn="ctr"/>
+            <a:endParaRPr lang="en-US" dirty="0"/>
+          </a:p>
+        </p:txBody>
+      </p:sp>
+      <p:pic>
+        <p:nvPicPr>
+          <p:cNvPr id="6" name="Content Placeholder 42" descr="Envelope">
+            <a:extLst>
+              <a:ext uri="{FF2B5EF4-FFF2-40B4-BE49-F238E27FC236}">
+                <a16:creationId xmlns:a16="http://schemas.microsoft.com/office/drawing/2014/main" id="{424508B4-2D03-4E11-A51A-A7858F60889F}"/>
+              </a:ext>
+            </a:extLst>
+          </p:cNvPr>
+          <p:cNvPicPr>
+            <a:picLocks noChangeAspect="1"/>
+          </p:cNvPicPr>
+          <p:nvPr/>
+        </p:nvPicPr>
+        <p:blipFill>
+          <a:blip r:embed="rId2">
+            <a:extLst>
+              <a:ext uri="{28A0092B-C50C-407E-A947-70E740481C1C}">
+                <a14:useLocalDpi xmlns:a14="http://schemas.microsoft.com/office/drawing/2010/main" val="0"/>
+              </a:ext>
+              <a:ext uri="{96DAC541-7B7A-43D3-8B79-37D633B846F1}">
+                <asvg:svgBlip xmlns:asvg="http://schemas.microsoft.com/office/drawing/2016/SVG/main" r:embed="rId3"/>
+              </a:ext>
+            </a:extLst>
+          </a:blip>
+          <a:stretch>
+            <a:fillRect/>
+          </a:stretch>
+        </p:blipFill>
+        <p:spPr>
+          <a:xfrm>
+            <a:off x="8594318" y="2320463"/>
+            <a:ext cx="519357" cy="519357"/>
+          </a:xfrm>
+          <a:prstGeom prst="rect">
+            <a:avLst/>
+          </a:prstGeom>
+        </p:spPr>
+      </p:pic>
+      <p:sp>
+        <p:nvSpPr>
+          <p:cNvPr id="7" name="Rectangle 6">
+            <a:extLst>
+              <a:ext uri="{FF2B5EF4-FFF2-40B4-BE49-F238E27FC236}">
+                <a16:creationId xmlns:a16="http://schemas.microsoft.com/office/drawing/2014/main" id="{6BD4A080-9B66-45D6-8A7A-A466A006D7BB}"/>
+              </a:ext>
+            </a:extLst>
+          </p:cNvPr>
+          <p:cNvSpPr/>
+          <p:nvPr/>
+        </p:nvSpPr>
+        <p:spPr>
+          <a:xfrm>
+            <a:off x="989924" y="2265648"/>
+            <a:ext cx="1575881" cy="904673"/>
+          </a:xfrm>
+          <a:prstGeom prst="rect">
+            <a:avLst/>
+          </a:prstGeom>
+        </p:spPr>
+        <p:style>
+          <a:lnRef idx="2">
+            <a:schemeClr val="accent1">
+              <a:shade val="50000"/>
+            </a:schemeClr>
+          </a:lnRef>
+          <a:fillRef idx="1">
+            <a:schemeClr val="accent1"/>
+          </a:fillRef>
+          <a:effectRef idx="0">
+            <a:schemeClr val="accent1"/>
+          </a:effectRef>
+          <a:fontRef idx="minor">
+            <a:schemeClr val="lt1"/>
+          </a:fontRef>
+        </p:style>
+        <p:txBody>
+          <a:bodyPr rtlCol="0" anchor="ctr"/>
+          <a:lstStyle/>
+          <a:p>
+            <a:pPr algn="ctr"/>
+            <a:r>
+              <a:rPr lang="en-US" dirty="0">
+                <a:solidFill>
+                  <a:schemeClr val="bg1"/>
+                </a:solidFill>
+              </a:rPr>
+              <a:t>Client 1</a:t>
+            </a:r>
+          </a:p>
+        </p:txBody>
+      </p:sp>
+      <p:sp>
+        <p:nvSpPr>
+          <p:cNvPr id="8" name="Rectangle 7">
+            <a:extLst>
+              <a:ext uri="{FF2B5EF4-FFF2-40B4-BE49-F238E27FC236}">
+                <a16:creationId xmlns:a16="http://schemas.microsoft.com/office/drawing/2014/main" id="{D19CCA3A-6075-4619-8B4E-6250ED10278F}"/>
+              </a:ext>
+            </a:extLst>
+          </p:cNvPr>
+          <p:cNvSpPr/>
+          <p:nvPr/>
+        </p:nvSpPr>
+        <p:spPr>
+          <a:xfrm>
+            <a:off x="1024128" y="4311916"/>
+            <a:ext cx="1575881" cy="904673"/>
+          </a:xfrm>
+          <a:prstGeom prst="rect">
+            <a:avLst/>
+          </a:prstGeom>
+        </p:spPr>
+        <p:style>
+          <a:lnRef idx="2">
+            <a:schemeClr val="accent1">
+              <a:shade val="50000"/>
+            </a:schemeClr>
+          </a:lnRef>
+          <a:fillRef idx="1">
+            <a:schemeClr val="accent1"/>
+          </a:fillRef>
+          <a:effectRef idx="0">
+            <a:schemeClr val="accent1"/>
+          </a:effectRef>
+          <a:fontRef idx="minor">
+            <a:schemeClr val="lt1"/>
+          </a:fontRef>
+        </p:style>
+        <p:txBody>
+          <a:bodyPr rtlCol="0" anchor="ctr"/>
+          <a:lstStyle/>
+          <a:p>
+            <a:pPr algn="ctr"/>
+            <a:r>
+              <a:rPr lang="en-US" dirty="0">
+                <a:solidFill>
+                  <a:schemeClr val="bg1"/>
+                </a:solidFill>
+              </a:rPr>
+              <a:t>Client 2</a:t>
+            </a:r>
+          </a:p>
+        </p:txBody>
+      </p:sp>
+      <p:sp>
+        <p:nvSpPr>
+          <p:cNvPr id="9" name="Rectangle 8">
+            <a:extLst>
+              <a:ext uri="{FF2B5EF4-FFF2-40B4-BE49-F238E27FC236}">
+                <a16:creationId xmlns:a16="http://schemas.microsoft.com/office/drawing/2014/main" id="{519B70E0-3F89-44CE-9F2D-79CA6C318533}"/>
+              </a:ext>
+            </a:extLst>
+          </p:cNvPr>
+          <p:cNvSpPr/>
+          <p:nvPr/>
+        </p:nvSpPr>
+        <p:spPr>
+          <a:xfrm>
+            <a:off x="8440275" y="4350833"/>
+            <a:ext cx="1575881" cy="904673"/>
+          </a:xfrm>
+          <a:prstGeom prst="rect">
+            <a:avLst/>
+          </a:prstGeom>
+        </p:spPr>
+        <p:style>
+          <a:lnRef idx="2">
+            <a:schemeClr val="accent1">
+              <a:shade val="50000"/>
+            </a:schemeClr>
+          </a:lnRef>
+          <a:fillRef idx="1">
+            <a:schemeClr val="accent1"/>
+          </a:fillRef>
+          <a:effectRef idx="0">
+            <a:schemeClr val="accent1"/>
+          </a:effectRef>
+          <a:fontRef idx="minor">
+            <a:schemeClr val="lt1"/>
+          </a:fontRef>
+        </p:style>
+        <p:txBody>
+          <a:bodyPr rtlCol="0" anchor="ctr"/>
+          <a:lstStyle/>
+          <a:p>
+            <a:pPr algn="ctr"/>
+            <a:r>
+              <a:rPr lang="en-US" dirty="0">
+                <a:solidFill>
+                  <a:srgbClr val="FFC000"/>
+                </a:solidFill>
+              </a:rPr>
+              <a:t>Developer 3</a:t>
+            </a:r>
+          </a:p>
+        </p:txBody>
+      </p:sp>
+      <p:cxnSp>
+        <p:nvCxnSpPr>
+          <p:cNvPr id="11" name="Straight Connector 10">
+            <a:extLst>
+              <a:ext uri="{FF2B5EF4-FFF2-40B4-BE49-F238E27FC236}">
+                <a16:creationId xmlns:a16="http://schemas.microsoft.com/office/drawing/2014/main" id="{F1749355-07BE-46E4-AC82-4B17A736F8D3}"/>
+              </a:ext>
+            </a:extLst>
+          </p:cNvPr>
+          <p:cNvCxnSpPr>
+            <a:cxnSpLocks/>
+            <a:stCxn id="7" idx="3"/>
+          </p:cNvCxnSpPr>
+          <p:nvPr/>
+        </p:nvCxnSpPr>
+        <p:spPr>
+          <a:xfrm>
+            <a:off x="2565805" y="2717985"/>
+            <a:ext cx="1646395" cy="452336"/>
+          </a:xfrm>
+          <a:prstGeom prst="line">
+            <a:avLst/>
+          </a:prstGeom>
+        </p:spPr>
+        <p:style>
+          <a:lnRef idx="1">
+            <a:schemeClr val="accent1"/>
+          </a:lnRef>
+          <a:fillRef idx="0">
+            <a:schemeClr val="accent1"/>
+          </a:fillRef>
+          <a:effectRef idx="0">
+            <a:schemeClr val="accent1"/>
+          </a:effectRef>
+          <a:fontRef idx="minor">
+            <a:schemeClr val="tx1"/>
+          </a:fontRef>
+        </p:style>
+      </p:cxnSp>
+      <p:cxnSp>
+        <p:nvCxnSpPr>
+          <p:cNvPr id="12" name="Straight Connector 11">
+            <a:extLst>
+              <a:ext uri="{FF2B5EF4-FFF2-40B4-BE49-F238E27FC236}">
+                <a16:creationId xmlns:a16="http://schemas.microsoft.com/office/drawing/2014/main" id="{D866C589-493A-4BE0-B02D-1D402E09C9B0}"/>
+              </a:ext>
+            </a:extLst>
+          </p:cNvPr>
+          <p:cNvCxnSpPr>
+            <a:cxnSpLocks/>
+            <a:stCxn id="8" idx="3"/>
+            <a:endCxn id="5" idx="1"/>
+          </p:cNvCxnSpPr>
+          <p:nvPr/>
+        </p:nvCxnSpPr>
+        <p:spPr>
+          <a:xfrm flipV="1">
+            <a:off x="2600009" y="4105942"/>
+            <a:ext cx="1612191" cy="658311"/>
+          </a:xfrm>
+          <a:prstGeom prst="line">
+            <a:avLst/>
+          </a:prstGeom>
+        </p:spPr>
+        <p:style>
+          <a:lnRef idx="1">
+            <a:schemeClr val="accent1"/>
+          </a:lnRef>
+          <a:fillRef idx="0">
+            <a:schemeClr val="accent1"/>
+          </a:fillRef>
+          <a:effectRef idx="0">
+            <a:schemeClr val="accent1"/>
+          </a:effectRef>
+          <a:fontRef idx="minor">
+            <a:schemeClr val="tx1"/>
+          </a:fontRef>
+        </p:style>
+      </p:cxnSp>
+      <p:cxnSp>
+        <p:nvCxnSpPr>
+          <p:cNvPr id="13" name="Straight Connector 12">
+            <a:extLst>
+              <a:ext uri="{FF2B5EF4-FFF2-40B4-BE49-F238E27FC236}">
+                <a16:creationId xmlns:a16="http://schemas.microsoft.com/office/drawing/2014/main" id="{F7521BC7-CAD7-4158-9F50-BA2ECCC1C1AA}"/>
+              </a:ext>
+            </a:extLst>
+          </p:cNvPr>
+          <p:cNvCxnSpPr>
+            <a:cxnSpLocks/>
+            <a:stCxn id="5" idx="3"/>
+          </p:cNvCxnSpPr>
+          <p:nvPr/>
+        </p:nvCxnSpPr>
+        <p:spPr>
+          <a:xfrm flipV="1">
+            <a:off x="6887837" y="3742492"/>
+            <a:ext cx="1659246" cy="363450"/>
+          </a:xfrm>
+          <a:prstGeom prst="line">
+            <a:avLst/>
+          </a:prstGeom>
+        </p:spPr>
+        <p:style>
+          <a:lnRef idx="1">
+            <a:schemeClr val="accent1"/>
+          </a:lnRef>
+          <a:fillRef idx="0">
+            <a:schemeClr val="accent1"/>
+          </a:fillRef>
+          <a:effectRef idx="0">
+            <a:schemeClr val="accent1"/>
+          </a:effectRef>
+          <a:fontRef idx="minor">
+            <a:schemeClr val="tx1"/>
+          </a:fontRef>
+        </p:style>
+      </p:cxnSp>
+      <p:cxnSp>
+        <p:nvCxnSpPr>
+          <p:cNvPr id="14" name="Straight Connector 13">
+            <a:extLst>
+              <a:ext uri="{FF2B5EF4-FFF2-40B4-BE49-F238E27FC236}">
+                <a16:creationId xmlns:a16="http://schemas.microsoft.com/office/drawing/2014/main" id="{D96080A0-C3C1-4F5E-94B5-11A30BCAD372}"/>
+              </a:ext>
+            </a:extLst>
+          </p:cNvPr>
+          <p:cNvCxnSpPr>
+            <a:cxnSpLocks/>
+            <a:endCxn id="4" idx="1"/>
+          </p:cNvCxnSpPr>
+          <p:nvPr/>
+        </p:nvCxnSpPr>
+        <p:spPr>
+          <a:xfrm flipV="1">
+            <a:off x="6851706" y="2286000"/>
+            <a:ext cx="1612191" cy="459078"/>
+          </a:xfrm>
+          <a:prstGeom prst="line">
+            <a:avLst/>
+          </a:prstGeom>
+        </p:spPr>
+        <p:style>
+          <a:lnRef idx="1">
+            <a:schemeClr val="accent1"/>
+          </a:lnRef>
+          <a:fillRef idx="0">
+            <a:schemeClr val="accent1"/>
+          </a:fillRef>
+          <a:effectRef idx="0">
+            <a:schemeClr val="accent1"/>
+          </a:effectRef>
+          <a:fontRef idx="minor">
+            <a:schemeClr val="tx1"/>
+          </a:fontRef>
+        </p:style>
+      </p:cxnSp>
+      <p:cxnSp>
+        <p:nvCxnSpPr>
+          <p:cNvPr id="15" name="Straight Connector 14">
+            <a:extLst>
+              <a:ext uri="{FF2B5EF4-FFF2-40B4-BE49-F238E27FC236}">
+                <a16:creationId xmlns:a16="http://schemas.microsoft.com/office/drawing/2014/main" id="{D9F3BF83-89B9-4A95-9C1C-88AE3FD73752}"/>
+              </a:ext>
+            </a:extLst>
+          </p:cNvPr>
+          <p:cNvCxnSpPr>
+            <a:cxnSpLocks/>
+            <a:endCxn id="9" idx="1"/>
+          </p:cNvCxnSpPr>
+          <p:nvPr/>
+        </p:nvCxnSpPr>
+        <p:spPr>
+          <a:xfrm>
+            <a:off x="6864394" y="4350833"/>
+            <a:ext cx="1575881" cy="452337"/>
+          </a:xfrm>
+          <a:prstGeom prst="line">
+            <a:avLst/>
+          </a:prstGeom>
+        </p:spPr>
+        <p:style>
+          <a:lnRef idx="1">
+            <a:schemeClr val="accent1"/>
+          </a:lnRef>
+          <a:fillRef idx="0">
+            <a:schemeClr val="accent1"/>
+          </a:fillRef>
+          <a:effectRef idx="0">
+            <a:schemeClr val="accent1"/>
+          </a:effectRef>
+          <a:fontRef idx="minor">
+            <a:schemeClr val="tx1"/>
+          </a:fontRef>
+        </p:style>
+      </p:cxnSp>
+      <p:sp>
+        <p:nvSpPr>
+          <p:cNvPr id="16" name="TextBox 15">
+            <a:extLst>
+              <a:ext uri="{FF2B5EF4-FFF2-40B4-BE49-F238E27FC236}">
+                <a16:creationId xmlns:a16="http://schemas.microsoft.com/office/drawing/2014/main" id="{D76EA434-408E-4FB2-9FD9-52A1443E330C}"/>
+              </a:ext>
+            </a:extLst>
+          </p:cNvPr>
+          <p:cNvSpPr txBox="1"/>
+          <p:nvPr/>
+        </p:nvSpPr>
+        <p:spPr>
+          <a:xfrm>
+            <a:off x="4664163" y="1861575"/>
+            <a:ext cx="1978862" cy="369332"/>
+          </a:xfrm>
+          <a:prstGeom prst="rect">
+            <a:avLst/>
+          </a:prstGeom>
+          <a:noFill/>
+        </p:spPr>
+        <p:txBody>
+          <a:bodyPr wrap="square" rtlCol="0">
+            <a:spAutoFit/>
+          </a:bodyPr>
+          <a:lstStyle/>
+          <a:p>
+            <a:r>
+              <a:rPr lang="en-US" dirty="0"/>
+              <a:t>Active MQ  broker:</a:t>
+            </a:r>
+          </a:p>
+        </p:txBody>
+      </p:sp>
+      <p:pic>
+        <p:nvPicPr>
+          <p:cNvPr id="17" name="Content Placeholder 42" descr="Envelope">
+            <a:extLst>
+              <a:ext uri="{FF2B5EF4-FFF2-40B4-BE49-F238E27FC236}">
+                <a16:creationId xmlns:a16="http://schemas.microsoft.com/office/drawing/2014/main" id="{418AC1C2-EED5-4FC8-96E0-389DB2ADC0F5}"/>
+              </a:ext>
+            </a:extLst>
+          </p:cNvPr>
+          <p:cNvPicPr>
+            <a:picLocks noChangeAspect="1"/>
+          </p:cNvPicPr>
+          <p:nvPr/>
+        </p:nvPicPr>
+        <p:blipFill>
+          <a:blip r:embed="rId4">
+            <a:extLst>
+              <a:ext uri="{28A0092B-C50C-407E-A947-70E740481C1C}">
+                <a14:useLocalDpi xmlns:a14="http://schemas.microsoft.com/office/drawing/2010/main" val="0"/>
+              </a:ext>
+              <a:ext uri="{96DAC541-7B7A-43D3-8B79-37D633B846F1}">
+                <asvg:svgBlip xmlns:asvg="http://schemas.microsoft.com/office/drawing/2016/SVG/main" r:embed="rId5"/>
+              </a:ext>
+            </a:extLst>
+          </a:blip>
+          <a:stretch>
+            <a:fillRect/>
+          </a:stretch>
+        </p:blipFill>
+        <p:spPr>
+          <a:xfrm>
+            <a:off x="8955848" y="2277202"/>
+            <a:ext cx="519357" cy="519357"/>
+          </a:xfrm>
+          <a:prstGeom prst="rect">
+            <a:avLst/>
+          </a:prstGeom>
+        </p:spPr>
+      </p:pic>
+      <p:pic>
+        <p:nvPicPr>
+          <p:cNvPr id="20" name="Content Placeholder 42" descr="Envelope">
+            <a:extLst>
+              <a:ext uri="{FF2B5EF4-FFF2-40B4-BE49-F238E27FC236}">
+                <a16:creationId xmlns:a16="http://schemas.microsoft.com/office/drawing/2014/main" id="{8FBB15F1-2C16-4C6E-B855-9359F9272D7C}"/>
+              </a:ext>
+            </a:extLst>
+          </p:cNvPr>
+          <p:cNvPicPr>
+            <a:picLocks noChangeAspect="1"/>
+          </p:cNvPicPr>
+          <p:nvPr/>
+        </p:nvPicPr>
+        <p:blipFill>
+          <a:blip r:embed="rId6">
+            <a:extLst>
+              <a:ext uri="{28A0092B-C50C-407E-A947-70E740481C1C}">
+                <a14:useLocalDpi xmlns:a14="http://schemas.microsoft.com/office/drawing/2010/main" val="0"/>
+              </a:ext>
+              <a:ext uri="{96DAC541-7B7A-43D3-8B79-37D633B846F1}">
+                <asvg:svgBlip xmlns:asvg="http://schemas.microsoft.com/office/drawing/2016/SVG/main" r:embed="rId7"/>
+              </a:ext>
+            </a:extLst>
+          </a:blip>
+          <a:stretch>
+            <a:fillRect/>
+          </a:stretch>
+        </p:blipFill>
+        <p:spPr>
+          <a:xfrm>
+            <a:off x="9447799" y="2320463"/>
+            <a:ext cx="519357" cy="519357"/>
+          </a:xfrm>
+          <a:prstGeom prst="rect">
+            <a:avLst/>
+          </a:prstGeom>
+        </p:spPr>
+      </p:pic>
+      <p:grpSp>
+        <p:nvGrpSpPr>
+          <p:cNvPr id="35" name="Group 34">
+            <a:extLst>
+              <a:ext uri="{FF2B5EF4-FFF2-40B4-BE49-F238E27FC236}">
+                <a16:creationId xmlns:a16="http://schemas.microsoft.com/office/drawing/2014/main" id="{262270C9-86CC-45D0-A5FC-1AEF496CCECE}"/>
+              </a:ext>
+            </a:extLst>
+          </p:cNvPr>
+          <p:cNvGrpSpPr/>
+          <p:nvPr/>
+        </p:nvGrpSpPr>
+        <p:grpSpPr>
+          <a:xfrm>
+            <a:off x="4490721" y="3360081"/>
+            <a:ext cx="1823752" cy="680531"/>
+            <a:chOff x="2893209" y="5127126"/>
+            <a:chExt cx="1411973" cy="680531"/>
+          </a:xfrm>
+        </p:grpSpPr>
+        <p:cxnSp>
+          <p:nvCxnSpPr>
+            <p:cNvPr id="30" name="Straight Connector 29">
+              <a:extLst>
+                <a:ext uri="{FF2B5EF4-FFF2-40B4-BE49-F238E27FC236}">
+                  <a16:creationId xmlns:a16="http://schemas.microsoft.com/office/drawing/2014/main" id="{B896FB8C-E24C-4826-9ED2-1840F0422640}"/>
+                </a:ext>
+              </a:extLst>
+            </p:cNvPr>
+            <p:cNvCxnSpPr>
+              <a:cxnSpLocks/>
+            </p:cNvCxnSpPr>
+            <p:nvPr/>
+          </p:nvCxnSpPr>
+          <p:spPr>
+            <a:xfrm>
+              <a:off x="2922858" y="5127126"/>
+              <a:ext cx="1382324" cy="0"/>
+            </a:xfrm>
+            <a:prstGeom prst="line">
+              <a:avLst/>
+            </a:prstGeom>
+          </p:spPr>
+          <p:style>
+            <a:lnRef idx="1">
+              <a:schemeClr val="dk1"/>
+            </a:lnRef>
+            <a:fillRef idx="0">
+              <a:schemeClr val="dk1"/>
+            </a:fillRef>
+            <a:effectRef idx="0">
+              <a:schemeClr val="dk1"/>
+            </a:effectRef>
+            <a:fontRef idx="minor">
+              <a:schemeClr val="tx1"/>
+            </a:fontRef>
+          </p:style>
+        </p:cxnSp>
+        <p:cxnSp>
+          <p:nvCxnSpPr>
+            <p:cNvPr id="33" name="Straight Connector 32">
+              <a:extLst>
+                <a:ext uri="{FF2B5EF4-FFF2-40B4-BE49-F238E27FC236}">
+                  <a16:creationId xmlns:a16="http://schemas.microsoft.com/office/drawing/2014/main" id="{41CDC44C-AC36-41DB-9676-C340B629C448}"/>
+                </a:ext>
+              </a:extLst>
+            </p:cNvPr>
+            <p:cNvCxnSpPr>
+              <a:cxnSpLocks/>
+            </p:cNvCxnSpPr>
+            <p:nvPr/>
+          </p:nvCxnSpPr>
+          <p:spPr>
+            <a:xfrm>
+              <a:off x="2893209" y="5807657"/>
+              <a:ext cx="1411973" cy="0"/>
+            </a:xfrm>
+            <a:prstGeom prst="line">
+              <a:avLst/>
+            </a:prstGeom>
+          </p:spPr>
+          <p:style>
+            <a:lnRef idx="1">
+              <a:schemeClr val="dk1"/>
+            </a:lnRef>
+            <a:fillRef idx="0">
+              <a:schemeClr val="dk1"/>
+            </a:fillRef>
+            <a:effectRef idx="0">
+              <a:schemeClr val="dk1"/>
+            </a:effectRef>
+            <a:fontRef idx="minor">
+              <a:schemeClr val="tx1"/>
+            </a:fontRef>
+          </p:style>
+        </p:cxnSp>
+      </p:grpSp>
+      <p:grpSp>
+        <p:nvGrpSpPr>
+          <p:cNvPr id="36" name="Group 35">
+            <a:extLst>
+              <a:ext uri="{FF2B5EF4-FFF2-40B4-BE49-F238E27FC236}">
+                <a16:creationId xmlns:a16="http://schemas.microsoft.com/office/drawing/2014/main" id="{8B5BAE84-A42E-410D-903F-D306416F9DA3}"/>
+              </a:ext>
+            </a:extLst>
+          </p:cNvPr>
+          <p:cNvGrpSpPr/>
+          <p:nvPr/>
+        </p:nvGrpSpPr>
+        <p:grpSpPr>
+          <a:xfrm>
+            <a:off x="4872850" y="4289663"/>
+            <a:ext cx="1411973" cy="680531"/>
+            <a:chOff x="2893209" y="5127126"/>
+            <a:chExt cx="1411973" cy="680531"/>
+          </a:xfrm>
+        </p:grpSpPr>
+        <p:cxnSp>
+          <p:nvCxnSpPr>
+            <p:cNvPr id="37" name="Straight Connector 36">
+              <a:extLst>
+                <a:ext uri="{FF2B5EF4-FFF2-40B4-BE49-F238E27FC236}">
+                  <a16:creationId xmlns:a16="http://schemas.microsoft.com/office/drawing/2014/main" id="{2F9EF297-F534-4649-A962-0EF15B8B9855}"/>
+                </a:ext>
+              </a:extLst>
+            </p:cNvPr>
+            <p:cNvCxnSpPr>
+              <a:cxnSpLocks/>
+            </p:cNvCxnSpPr>
+            <p:nvPr/>
+          </p:nvCxnSpPr>
+          <p:spPr>
+            <a:xfrm>
+              <a:off x="2922858" y="5127126"/>
+              <a:ext cx="1382324" cy="0"/>
+            </a:xfrm>
+            <a:prstGeom prst="line">
+              <a:avLst/>
+            </a:prstGeom>
+          </p:spPr>
+          <p:style>
+            <a:lnRef idx="1">
+              <a:schemeClr val="dk1"/>
+            </a:lnRef>
+            <a:fillRef idx="0">
+              <a:schemeClr val="dk1"/>
+            </a:fillRef>
+            <a:effectRef idx="0">
+              <a:schemeClr val="dk1"/>
+            </a:effectRef>
+            <a:fontRef idx="minor">
+              <a:schemeClr val="tx1"/>
+            </a:fontRef>
+          </p:style>
+        </p:cxnSp>
+        <p:cxnSp>
+          <p:nvCxnSpPr>
+            <p:cNvPr id="38" name="Straight Connector 37">
+              <a:extLst>
+                <a:ext uri="{FF2B5EF4-FFF2-40B4-BE49-F238E27FC236}">
+                  <a16:creationId xmlns:a16="http://schemas.microsoft.com/office/drawing/2014/main" id="{BFC2F44C-751C-45DB-BEDF-03AE2CBBF616}"/>
+                </a:ext>
+              </a:extLst>
+            </p:cNvPr>
+            <p:cNvCxnSpPr>
+              <a:cxnSpLocks/>
+            </p:cNvCxnSpPr>
+            <p:nvPr/>
+          </p:nvCxnSpPr>
+          <p:spPr>
+            <a:xfrm>
+              <a:off x="2893209" y="5807657"/>
+              <a:ext cx="1411973" cy="0"/>
+            </a:xfrm>
+            <a:prstGeom prst="line">
+              <a:avLst/>
+            </a:prstGeom>
+          </p:spPr>
+          <p:style>
+            <a:lnRef idx="1">
+              <a:schemeClr val="dk1"/>
+            </a:lnRef>
+            <a:fillRef idx="0">
+              <a:schemeClr val="dk1"/>
+            </a:fillRef>
+            <a:effectRef idx="0">
+              <a:schemeClr val="dk1"/>
+            </a:effectRef>
+            <a:fontRef idx="minor">
+              <a:schemeClr val="tx1"/>
+            </a:fontRef>
+          </p:style>
+        </p:cxnSp>
+      </p:grpSp>
+      <p:sp>
+        <p:nvSpPr>
+          <p:cNvPr id="32" name="TextBox 31">
+            <a:extLst>
+              <a:ext uri="{FF2B5EF4-FFF2-40B4-BE49-F238E27FC236}">
+                <a16:creationId xmlns:a16="http://schemas.microsoft.com/office/drawing/2014/main" id="{AB90E374-EB81-4A6C-82EC-A11BFEDB2EF1}"/>
+              </a:ext>
+            </a:extLst>
+          </p:cNvPr>
+          <p:cNvSpPr txBox="1"/>
+          <p:nvPr/>
+        </p:nvSpPr>
+        <p:spPr>
+          <a:xfrm>
+            <a:off x="4690089" y="2963203"/>
+            <a:ext cx="1978862" cy="369332"/>
+          </a:xfrm>
+          <a:prstGeom prst="rect">
+            <a:avLst/>
+          </a:prstGeom>
+          <a:noFill/>
+        </p:spPr>
+        <p:txBody>
+          <a:bodyPr wrap="square" rtlCol="0">
+            <a:spAutoFit/>
+          </a:bodyPr>
+          <a:lstStyle/>
+          <a:p>
+            <a:pPr algn="ctr"/>
+            <a:r>
+              <a:rPr lang="en-US" dirty="0">
+                <a:solidFill>
+                  <a:schemeClr val="accent2">
+                    <a:lumMod val="50000"/>
+                  </a:schemeClr>
+                </a:solidFill>
+              </a:rPr>
+              <a:t>Queue 1</a:t>
+            </a:r>
+          </a:p>
+        </p:txBody>
+      </p:sp>
+      <p:sp>
+        <p:nvSpPr>
+          <p:cNvPr id="34" name="TextBox 33">
+            <a:extLst>
+              <a:ext uri="{FF2B5EF4-FFF2-40B4-BE49-F238E27FC236}">
+                <a16:creationId xmlns:a16="http://schemas.microsoft.com/office/drawing/2014/main" id="{5E080792-FFD4-4941-B5C9-FF6A7D924C09}"/>
+              </a:ext>
+            </a:extLst>
+          </p:cNvPr>
+          <p:cNvSpPr txBox="1"/>
+          <p:nvPr/>
+        </p:nvSpPr>
+        <p:spPr>
+          <a:xfrm>
+            <a:off x="4664163" y="4998615"/>
+            <a:ext cx="1978862" cy="369332"/>
+          </a:xfrm>
+          <a:prstGeom prst="rect">
+            <a:avLst/>
+          </a:prstGeom>
+          <a:noFill/>
+        </p:spPr>
+        <p:txBody>
+          <a:bodyPr wrap="square" rtlCol="0">
+            <a:spAutoFit/>
+          </a:bodyPr>
+          <a:lstStyle/>
+          <a:p>
+            <a:pPr algn="ctr"/>
+            <a:r>
+              <a:rPr lang="en-US" dirty="0">
+                <a:solidFill>
+                  <a:schemeClr val="accent2">
+                    <a:lumMod val="50000"/>
+                  </a:schemeClr>
+                </a:solidFill>
+              </a:rPr>
+              <a:t>Queue 2</a:t>
+            </a:r>
+          </a:p>
+        </p:txBody>
+      </p:sp>
+      <p:sp>
+        <p:nvSpPr>
+          <p:cNvPr id="29" name="Rectangle 28">
+            <a:extLst>
+              <a:ext uri="{FF2B5EF4-FFF2-40B4-BE49-F238E27FC236}">
+                <a16:creationId xmlns:a16="http://schemas.microsoft.com/office/drawing/2014/main" id="{3B4AA8F2-A98E-4DBB-970D-B83A7DEE3BC3}"/>
+              </a:ext>
+            </a:extLst>
+          </p:cNvPr>
+          <p:cNvSpPr/>
+          <p:nvPr/>
+        </p:nvSpPr>
+        <p:spPr>
+          <a:xfrm>
+            <a:off x="8436278" y="5510851"/>
+            <a:ext cx="1575881" cy="904673"/>
+          </a:xfrm>
+          <a:prstGeom prst="rect">
+            <a:avLst/>
+          </a:prstGeom>
+        </p:spPr>
+        <p:style>
+          <a:lnRef idx="2">
+            <a:schemeClr val="accent1">
+              <a:shade val="50000"/>
+            </a:schemeClr>
+          </a:lnRef>
+          <a:fillRef idx="1">
+            <a:schemeClr val="accent1"/>
+          </a:fillRef>
+          <a:effectRef idx="0">
+            <a:schemeClr val="accent1"/>
+          </a:effectRef>
+          <a:fontRef idx="minor">
+            <a:schemeClr val="lt1"/>
+          </a:fontRef>
+        </p:style>
+        <p:txBody>
+          <a:bodyPr rtlCol="0" anchor="ctr"/>
+          <a:lstStyle/>
+          <a:p>
+            <a:pPr algn="ctr"/>
+            <a:r>
+              <a:rPr lang="en-US" dirty="0"/>
+              <a:t>Developer 4</a:t>
+            </a:r>
+          </a:p>
+        </p:txBody>
+      </p:sp>
+      <p:cxnSp>
+        <p:nvCxnSpPr>
+          <p:cNvPr id="31" name="Straight Connector 30">
+            <a:extLst>
+              <a:ext uri="{FF2B5EF4-FFF2-40B4-BE49-F238E27FC236}">
+                <a16:creationId xmlns:a16="http://schemas.microsoft.com/office/drawing/2014/main" id="{9DA90CEC-C3D0-4C19-8EFB-3D58B0630C5C}"/>
+              </a:ext>
+            </a:extLst>
+          </p:cNvPr>
+          <p:cNvCxnSpPr>
+            <a:cxnSpLocks/>
+          </p:cNvCxnSpPr>
+          <p:nvPr/>
+        </p:nvCxnSpPr>
+        <p:spPr>
+          <a:xfrm>
+            <a:off x="6924147" y="5481674"/>
+            <a:ext cx="1575881" cy="452337"/>
+          </a:xfrm>
+          <a:prstGeom prst="line">
+            <a:avLst/>
+          </a:prstGeom>
+        </p:spPr>
+        <p:style>
+          <a:lnRef idx="1">
+            <a:schemeClr val="accent1"/>
+          </a:lnRef>
+          <a:fillRef idx="0">
+            <a:schemeClr val="accent1"/>
+          </a:fillRef>
+          <a:effectRef idx="0">
+            <a:schemeClr val="accent1"/>
+          </a:effectRef>
+          <a:fontRef idx="minor">
+            <a:schemeClr val="tx1"/>
+          </a:fontRef>
+        </p:style>
+      </p:cxnSp>
+    </p:spTree>
+    <p:extLst>
+      <p:ext uri="{BB962C8B-B14F-4D97-AF65-F5344CB8AC3E}">
+        <p14:creationId xmlns:p14="http://schemas.microsoft.com/office/powerpoint/2010/main" val="1517680716"/>
+      </p:ext>
+    </p:extLst>
+  </p:cSld>
+  <p:clrMapOvr>
+    <a:masterClrMapping/>
+  </p:clrMapOvr>
+  <p:timing>
+    <p:tnLst>
+      <p:par>
+        <p:cTn id="1" dur="indefinite" restart="never" nodeType="tmRoot">
+          <p:childTnLst>
+            <p:seq concurrent="1" nextAc="seek">
+              <p:cTn id="2" dur="indefinite" nodeType="mainSeq">
+                <p:childTnLst>
+                  <p:par>
+                    <p:cTn id="3" fill="hold">
+                      <p:stCondLst>
+                        <p:cond delay="indefinite"/>
+                      </p:stCondLst>
+                      <p:childTnLst>
+                        <p:par>
+                          <p:cTn id="4" fill="hold">
+                            <p:stCondLst>
+                              <p:cond delay="0"/>
+                            </p:stCondLst>
+                            <p:childTnLst>
+                              <p:par>
+                                <p:cTn id="5" presetID="42" presetClass="path" presetSubtype="0" accel="50000" decel="50000" fill="hold" nodeType="clickEffect">
+                                  <p:stCondLst>
+                                    <p:cond delay="0"/>
+                                  </p:stCondLst>
+                                  <p:childTnLst>
+                                    <p:animMotion origin="layout" path="M -1.875E-6 2.59259E-6 L -0.20182 0.16828 " pathEditMode="relative" rAng="0" ptsTypes="AA">
+                                      <p:cBhvr>
+                                        <p:cTn id="6" dur="1000" fill="hold"/>
+                                        <p:tgtEl>
+                                          <p:spTgt spid="6"/>
+                                        </p:tgtEl>
+                                        <p:attrNameLst>
+                                          <p:attrName>ppt_x</p:attrName>
+                                          <p:attrName>ppt_y</p:attrName>
+                                        </p:attrNameLst>
+                                      </p:cBhvr>
+                                      <p:rCtr x="-10091" y="8403"/>
+                                    </p:animMotion>
+                                  </p:childTnLst>
+                                </p:cTn>
+                              </p:par>
+                            </p:childTnLst>
+                          </p:cTn>
+                        </p:par>
+                        <p:par>
+                          <p:cTn id="7" fill="hold">
+                            <p:stCondLst>
+                              <p:cond delay="1000"/>
+                            </p:stCondLst>
+                            <p:childTnLst>
+                              <p:par>
+                                <p:cTn id="8" presetID="42" presetClass="path" presetSubtype="0" accel="50000" decel="50000" fill="hold" nodeType="afterEffect">
+                                  <p:stCondLst>
+                                    <p:cond delay="0"/>
+                                  </p:stCondLst>
+                                  <p:childTnLst>
+                                    <p:animMotion origin="layout" path="M -0.20182 0.16828 L -0.30755 0.17061 " pathEditMode="relative" rAng="0" ptsTypes="AA">
+                                      <p:cBhvr>
+                                        <p:cTn id="9" dur="2000" fill="hold"/>
+                                        <p:tgtEl>
+                                          <p:spTgt spid="6"/>
+                                        </p:tgtEl>
+                                        <p:attrNameLst>
+                                          <p:attrName>ppt_x</p:attrName>
+                                          <p:attrName>ppt_y</p:attrName>
+                                        </p:attrNameLst>
+                                      </p:cBhvr>
+                                      <p:rCtr x="-5273" y="162"/>
+                                    </p:animMotion>
+                                  </p:childTnLst>
+                                </p:cTn>
+                              </p:par>
+                              <p:par>
+                                <p:cTn id="10" presetID="42" presetClass="path" presetSubtype="0" accel="50000" decel="50000" fill="hold" nodeType="withEffect">
+                                  <p:stCondLst>
+                                    <p:cond delay="0"/>
+                                  </p:stCondLst>
+                                  <p:childTnLst>
+                                    <p:animMotion origin="layout" path="M -0.00365 2.59259E-6 L -0.23151 0.17454 " pathEditMode="relative" rAng="0" ptsTypes="AA">
+                                      <p:cBhvr>
+                                        <p:cTn id="11" dur="2000" fill="hold"/>
+                                        <p:tgtEl>
+                                          <p:spTgt spid="17"/>
+                                        </p:tgtEl>
+                                        <p:attrNameLst>
+                                          <p:attrName>ppt_x</p:attrName>
+                                          <p:attrName>ppt_y</p:attrName>
+                                        </p:attrNameLst>
+                                      </p:cBhvr>
+                                      <p:rCtr x="-11146" y="8773"/>
+                                    </p:animMotion>
+                                  </p:childTnLst>
+                                </p:cTn>
+                              </p:par>
+                            </p:childTnLst>
+                          </p:cTn>
+                        </p:par>
+                        <p:par>
+                          <p:cTn id="12" fill="hold">
+                            <p:stCondLst>
+                              <p:cond delay="3000"/>
+                            </p:stCondLst>
+                            <p:childTnLst>
+                              <p:par>
+                                <p:cTn id="13" presetID="42" presetClass="path" presetSubtype="0" accel="50000" decel="50000" fill="hold" nodeType="afterEffect">
+                                  <p:stCondLst>
+                                    <p:cond delay="0"/>
+                                  </p:stCondLst>
+                                  <p:childTnLst>
+                                    <p:animMotion origin="layout" path="M -0.23151 0.17453 L -0.28841 0.17453 " pathEditMode="relative" rAng="0" ptsTypes="AA">
+                                      <p:cBhvr>
+                                        <p:cTn id="14" dur="2000" fill="hold"/>
+                                        <p:tgtEl>
+                                          <p:spTgt spid="17"/>
+                                        </p:tgtEl>
+                                        <p:attrNameLst>
+                                          <p:attrName>ppt_x</p:attrName>
+                                          <p:attrName>ppt_y</p:attrName>
+                                        </p:attrNameLst>
+                                      </p:cBhvr>
+                                      <p:rCtr x="-2852" y="0"/>
+                                    </p:animMotion>
+                                  </p:childTnLst>
+                                </p:cTn>
+                              </p:par>
+                              <p:par>
+                                <p:cTn id="15" presetID="42" presetClass="path" presetSubtype="0" accel="50000" decel="50000" fill="hold" nodeType="withEffect">
+                                  <p:stCondLst>
+                                    <p:cond delay="0"/>
+                                  </p:stCondLst>
+                                  <p:childTnLst>
+                                    <p:animMotion origin="layout" path="M -3.95833E-6 2.59259E-6 L -0.27187 0.16829 " pathEditMode="relative" rAng="0" ptsTypes="AA">
+                                      <p:cBhvr>
+                                        <p:cTn id="16" dur="2000" fill="hold"/>
+                                        <p:tgtEl>
+                                          <p:spTgt spid="20"/>
+                                        </p:tgtEl>
+                                        <p:attrNameLst>
+                                          <p:attrName>ppt_x</p:attrName>
+                                          <p:attrName>ppt_y</p:attrName>
+                                        </p:attrNameLst>
+                                      </p:cBhvr>
+                                      <p:rCtr x="-13268" y="8519"/>
+                                    </p:animMotion>
+                                  </p:childTnLst>
+                                </p:cTn>
+                              </p:par>
+                            </p:childTnLst>
+                          </p:cTn>
+                        </p:par>
+                        <p:par>
+                          <p:cTn id="17" fill="hold">
+                            <p:stCondLst>
+                              <p:cond delay="5000"/>
+                            </p:stCondLst>
+                            <p:childTnLst>
+                              <p:par>
+                                <p:cTn id="18" presetID="37" presetClass="path" presetSubtype="0" accel="50000" decel="50000" fill="hold" nodeType="afterEffect">
+                                  <p:stCondLst>
+                                    <p:cond delay="0"/>
+                                  </p:stCondLst>
+                                  <p:childTnLst>
+                                    <p:animMotion origin="layout" path="M -0.30755 0.1706 C -0.30156 0.1706 -0.48138 0.0824 -0.48112 0.31065 C -0.48008 0.60602 -0.24622 0.58426 -0.18502 0.58171 C -0.12396 0.57893 -0.11797 0.50486 -0.11914 0.5074 C -0.11706 0.50717 -0.1207 0.55532 -0.12018 0.49028 C -0.12357 0.36134 -0.13268 0.1669 -0.04349 0.15254 " pathEditMode="relative" rAng="0" ptsTypes="AAAAAA">
+                                      <p:cBhvr>
+                                        <p:cTn id="19" dur="3000" fill="hold"/>
+                                        <p:tgtEl>
+                                          <p:spTgt spid="6"/>
+                                        </p:tgtEl>
+                                        <p:attrNameLst>
+                                          <p:attrName>ppt_x</p:attrName>
+                                          <p:attrName>ppt_y</p:attrName>
+                                        </p:attrNameLst>
+                                      </p:cBhvr>
+                                      <p:rCtr x="4518" y="19722"/>
+                                    </p:animMotion>
+                                  </p:childTnLst>
+                                </p:cTn>
+                              </p:par>
+                            </p:childTnLst>
+                          </p:cTn>
+                        </p:par>
+                        <p:par>
+                          <p:cTn id="20" fill="hold">
+                            <p:stCondLst>
+                              <p:cond delay="8000"/>
+                            </p:stCondLst>
+                            <p:childTnLst>
+                              <p:par>
+                                <p:cTn id="21" presetID="37" presetClass="path" presetSubtype="0" accel="50000" decel="50000" fill="hold" nodeType="afterEffect">
+                                  <p:stCondLst>
+                                    <p:cond delay="0"/>
+                                  </p:stCondLst>
+                                  <p:childTnLst>
+                                    <p:animMotion origin="layout" path="M -0.28841 0.17453 C -0.2056 0.18657 -0.47656 0.09514 -0.48008 0.19259 C -0.48346 0.29028 -0.50274 0.46134 -0.44336 0.51805 C -0.38399 0.57477 -0.25651 0.53171 -0.12357 0.53287 C -0.12044 0.41065 -0.0987 0.46319 -0.09284 0.33958 " pathEditMode="relative" rAng="0" ptsTypes="AAAAA">
+                                      <p:cBhvr>
+                                        <p:cTn id="22" dur="3000" fill="hold"/>
+                                        <p:tgtEl>
+                                          <p:spTgt spid="17"/>
+                                        </p:tgtEl>
+                                        <p:attrNameLst>
+                                          <p:attrName>ppt_x</p:attrName>
+                                          <p:attrName>ppt_y</p:attrName>
+                                        </p:attrNameLst>
+                                      </p:cBhvr>
+                                      <p:rCtr x="-91" y="17269"/>
+                                    </p:animMotion>
+                                  </p:childTnLst>
+                                </p:cTn>
+                              </p:par>
+                            </p:childTnLst>
+                          </p:cTn>
+                        </p:par>
+                        <p:par>
+                          <p:cTn id="23" fill="hold">
+                            <p:stCondLst>
+                              <p:cond delay="11000"/>
+                            </p:stCondLst>
+                            <p:childTnLst>
+                              <p:par>
+                                <p:cTn id="24" presetID="37" presetClass="path" presetSubtype="0" accel="50000" decel="50000" fill="hold" nodeType="afterEffect">
+                                  <p:stCondLst>
+                                    <p:cond delay="0"/>
+                                  </p:stCondLst>
+                                  <p:childTnLst>
+                                    <p:animMotion origin="layout" path="M -0.27187 0.16828 C -0.27408 0.13796 -0.51614 0.13796 -0.56067 0.14791 C -0.62057 0.15439 -0.62174 0.46713 -0.5789 0.48564 C -0.45625 0.4949 -0.24323 0.49282 -0.27031 0.49074 C -0.29453 0.48912 -0.11237 0.48495 -0.13268 0.48935 " pathEditMode="relative" rAng="0" ptsTypes="AAAAA">
+                                      <p:cBhvr>
+                                        <p:cTn id="25" dur="2000" fill="hold"/>
+                                        <p:tgtEl>
+                                          <p:spTgt spid="20"/>
+                                        </p:tgtEl>
+                                        <p:attrNameLst>
+                                          <p:attrName>ppt_x</p:attrName>
+                                          <p:attrName>ppt_y</p:attrName>
+                                        </p:attrNameLst>
+                                      </p:cBhvr>
+                                      <p:rCtr x="-9805" y="14907"/>
+                                    </p:animMotion>
+                                  </p:childTnLst>
+                                </p:cTn>
+                              </p:par>
+                            </p:childTnLst>
+                          </p:cTn>
+                        </p:par>
+                      </p:childTnLst>
+                    </p:cTn>
+                  </p:par>
+                </p:childTnLst>
+              </p:cTn>
+              <p:prevCondLst>
+                <p:cond evt="onPrev" delay="0">
+                  <p:tgtEl>
+                    <p:sldTgt/>
+                  </p:tgtEl>
+                </p:cond>
+              </p:prevCondLst>
+              <p:nextCondLst>
+                <p:cond evt="onNext" delay="0">
+                  <p:tgtEl>
+                    <p:sldTgt/>
+                  </p:tgtEl>
+                </p:cond>
+              </p:nextCondLst>
+            </p:seq>
+          </p:childTnLst>
+        </p:cTn>
+      </p:par>
+    </p:tnLst>
+  </p:timing>
+</p:sld>
+</file>
+
+<file path=ppt/slides/slide13.xml><?xml version="1.0" encoding="utf-8"?>
 <p:sld xmlns:a="http://schemas.openxmlformats.org/drawingml/2006/main" xmlns:r="http://schemas.openxmlformats.org/officeDocument/2006/relationships" xmlns:p="http://schemas.openxmlformats.org/presentationml/2006/main">
   <p:cSld>
     <p:spTree>
@@ -26724,7 +28915,7 @@
 </p:sld>
 </file>
 
-<file path=ppt/slides/slide12.xml><?xml version="1.0" encoding="utf-8"?>
+<file path=ppt/slides/slide14.xml><?xml version="1.0" encoding="utf-8"?>
 <p:sld xmlns:a="http://schemas.openxmlformats.org/drawingml/2006/main" xmlns:r="http://schemas.openxmlformats.org/officeDocument/2006/relationships" xmlns:p="http://schemas.openxmlformats.org/presentationml/2006/main">
   <p:cSld>
     <p:bg>
@@ -26842,147 +29033,7 @@
 </p:sld>
 </file>
 
-<file path=ppt/slides/slide13.xml><?xml version="1.0" encoding="utf-8"?>
-<p:sld xmlns:a="http://schemas.openxmlformats.org/drawingml/2006/main" xmlns:r="http://schemas.openxmlformats.org/officeDocument/2006/relationships" xmlns:p="http://schemas.openxmlformats.org/presentationml/2006/main">
-  <p:cSld>
-    <p:bg>
-      <p:bgPr>
-        <a:solidFill>
-          <a:schemeClr val="bg1"/>
-        </a:solidFill>
-        <a:effectLst/>
-      </p:bgPr>
-    </p:bg>
-    <p:spTree>
-      <p:nvGrpSpPr>
-        <p:cNvPr id="1" name=""/>
-        <p:cNvGrpSpPr/>
-        <p:nvPr/>
-      </p:nvGrpSpPr>
-      <p:grpSpPr>
-        <a:xfrm>
-          <a:off x="0" y="0"/>
-          <a:ext cx="0" cy="0"/>
-          <a:chOff x="0" y="0"/>
-          <a:chExt cx="0" cy="0"/>
-        </a:xfrm>
-      </p:grpSpPr>
-      <p:sp>
-        <p:nvSpPr>
-          <p:cNvPr id="2" name="Title 1">
-            <a:extLst>
-              <a:ext uri="{FF2B5EF4-FFF2-40B4-BE49-F238E27FC236}">
-                <a16:creationId xmlns:a16="http://schemas.microsoft.com/office/drawing/2014/main" id="{3E0BF12A-25C8-478A-94D9-F56163BC2EB1}"/>
-              </a:ext>
-            </a:extLst>
-          </p:cNvPr>
-          <p:cNvSpPr>
-            <a:spLocks noGrp="1"/>
-          </p:cNvSpPr>
-          <p:nvPr>
-            <p:ph type="title"/>
-          </p:nvPr>
-        </p:nvSpPr>
-        <p:spPr>
-          <a:xfrm>
-            <a:off x="642257" y="634946"/>
-            <a:ext cx="3690257" cy="1450757"/>
-          </a:xfrm>
-        </p:spPr>
-        <p:txBody>
-          <a:bodyPr vert="horz" lIns="91440" tIns="45720" rIns="91440" bIns="45720" rtlCol="0">
-            <a:normAutofit/>
-          </a:bodyPr>
-          <a:lstStyle/>
-          <a:p>
-            <a:r>
-              <a:rPr lang="en-US"/>
-              <a:t>Architecture:</a:t>
-            </a:r>
-          </a:p>
-        </p:txBody>
-      </p:sp>
-      <p:sp>
-        <p:nvSpPr>
-          <p:cNvPr id="28" name="Content Placeholder 27">
-            <a:extLst>
-              <a:ext uri="{FF2B5EF4-FFF2-40B4-BE49-F238E27FC236}">
-                <a16:creationId xmlns:a16="http://schemas.microsoft.com/office/drawing/2014/main" id="{46F398E5-B503-4C88-8507-EC771C111BEB}"/>
-              </a:ext>
-            </a:extLst>
-          </p:cNvPr>
-          <p:cNvSpPr>
-            <a:spLocks noGrp="1"/>
-          </p:cNvSpPr>
-          <p:nvPr>
-            <p:ph idx="1"/>
-          </p:nvPr>
-        </p:nvSpPr>
-        <p:spPr>
-          <a:xfrm>
-            <a:off x="642257" y="2407436"/>
-            <a:ext cx="3690257" cy="3461658"/>
-          </a:xfrm>
-        </p:spPr>
-        <p:txBody>
-          <a:bodyPr>
-            <a:normAutofit/>
-          </a:bodyPr>
-          <a:lstStyle/>
-          <a:p>
-            <a:endParaRPr lang="en-US"/>
-          </a:p>
-        </p:txBody>
-      </p:sp>
-      <p:pic>
-        <p:nvPicPr>
-          <p:cNvPr id="5" name="Content Placeholder 4" descr="A screenshot of a cell phone&#10;&#10;Description automatically generated">
-            <a:extLst>
-              <a:ext uri="{FF2B5EF4-FFF2-40B4-BE49-F238E27FC236}">
-                <a16:creationId xmlns:a16="http://schemas.microsoft.com/office/drawing/2014/main" id="{C5FB51C0-E839-4541-B9EB-B59649381E75}"/>
-              </a:ext>
-            </a:extLst>
-          </p:cNvPr>
-          <p:cNvPicPr>
-            <a:picLocks noChangeAspect="1"/>
-          </p:cNvPicPr>
-          <p:nvPr/>
-        </p:nvPicPr>
-        <p:blipFill rotWithShape="1">
-          <a:blip r:embed="rId2">
-            <a:extLst>
-              <a:ext uri="{28A0092B-C50C-407E-A947-70E740481C1C}">
-                <a14:useLocalDpi xmlns:a14="http://schemas.microsoft.com/office/drawing/2010/main" val="0"/>
-              </a:ext>
-            </a:extLst>
-          </a:blip>
-          <a:srcRect l="2308" r="8630" b="2"/>
-          <a:stretch/>
-        </p:blipFill>
-        <p:spPr>
-          <a:xfrm>
-            <a:off x="4648201" y="640081"/>
-            <a:ext cx="6909801" cy="5314406"/>
-          </a:xfrm>
-          <a:prstGeom prst="rect">
-            <a:avLst/>
-          </a:prstGeom>
-        </p:spPr>
-      </p:pic>
-    </p:spTree>
-    <p:extLst>
-      <p:ext uri="{BB962C8B-B14F-4D97-AF65-F5344CB8AC3E}">
-        <p14:creationId xmlns:p14="http://schemas.microsoft.com/office/powerpoint/2010/main" val="3238597577"/>
-      </p:ext>
-    </p:extLst>
-  </p:cSld>
-  <p:clrMapOvr>
-    <a:masterClrMapping/>
-  </p:clrMapOvr>
-</p:sld>
-</file>
-
-<file path=ppt/slides/slide14.xml><?xml version="1.0" encoding="utf-8"?>
+<file path=ppt/slides/slide15.xml><?xml version="1.0" encoding="utf-8"?>
 <p:sld xmlns:a="http://schemas.openxmlformats.org/drawingml/2006/main" xmlns:r="http://schemas.openxmlformats.org/officeDocument/2006/relationships" xmlns:p="http://schemas.openxmlformats.org/presentationml/2006/main">
   <p:cSld>
     <p:bg>
@@ -27222,7 +29273,7 @@
 </p:sld>
 </file>
 
-<file path=ppt/slides/slide15.xml><?xml version="1.0" encoding="utf-8"?>
+<file path=ppt/slides/slide16.xml><?xml version="1.0" encoding="utf-8"?>
 <p:sld xmlns:a="http://schemas.openxmlformats.org/drawingml/2006/main" xmlns:r="http://schemas.openxmlformats.org/officeDocument/2006/relationships" xmlns:p="http://schemas.openxmlformats.org/presentationml/2006/main">
   <p:cSld>
     <p:bg>
@@ -27252,7 +29303,7 @@
           <p:cNvPr id="2" name="Title 1">
             <a:extLst>
               <a:ext uri="{FF2B5EF4-FFF2-40B4-BE49-F238E27FC236}">
-                <a16:creationId xmlns:a16="http://schemas.microsoft.com/office/drawing/2014/main" id="{93D981D2-3704-46D2-A3E6-644C1BA96ABB}"/>
+                <a16:creationId xmlns:a16="http://schemas.microsoft.com/office/drawing/2014/main" id="{3E0BF12A-25C8-478A-94D9-F56163BC2EB1}"/>
               </a:ext>
             </a:extLst>
           </p:cNvPr>
@@ -27266,28 +29317,28 @@
         <p:spPr>
           <a:xfrm>
             <a:off x="642257" y="634946"/>
-            <a:ext cx="6432434" cy="1450757"/>
+            <a:ext cx="3690257" cy="1450757"/>
           </a:xfrm>
         </p:spPr>
         <p:txBody>
-          <a:bodyPr>
+          <a:bodyPr vert="horz" lIns="91440" tIns="45720" rIns="91440" bIns="45720" rtlCol="0">
             <a:normAutofit/>
           </a:bodyPr>
           <a:lstStyle/>
           <a:p>
             <a:r>
-              <a:rPr lang="en-US" sz="4900" dirty="0"/>
-              <a:t>Organizations that use ActiveMQ</a:t>
+              <a:rPr lang="en-US"/>
+              <a:t>Architecture:</a:t>
             </a:r>
           </a:p>
         </p:txBody>
       </p:sp>
       <p:sp>
         <p:nvSpPr>
-          <p:cNvPr id="3" name="Content Placeholder 2">
+          <p:cNvPr id="28" name="Content Placeholder 27">
             <a:extLst>
               <a:ext uri="{FF2B5EF4-FFF2-40B4-BE49-F238E27FC236}">
-                <a16:creationId xmlns:a16="http://schemas.microsoft.com/office/drawing/2014/main" id="{AF2395B2-7399-4902-B8BA-B8834EC334B7}"/>
+                <a16:creationId xmlns:a16="http://schemas.microsoft.com/office/drawing/2014/main" id="{46F398E5-B503-4C88-8507-EC771C111BEB}"/>
               </a:ext>
             </a:extLst>
           </p:cNvPr>
@@ -27301,7 +29352,7 @@
         <p:spPr>
           <a:xfrm>
             <a:off x="642257" y="2407436"/>
-            <a:ext cx="6432434" cy="3461658"/>
+            <a:ext cx="3690257" cy="3461658"/>
           </a:xfrm>
         </p:spPr>
         <p:txBody>
@@ -27310,89 +29361,16 @@
           </a:bodyPr>
           <a:lstStyle/>
           <a:p>
-            <a:pPr>
-              <a:buFont typeface="Courier New" panose="02070309020205020404" pitchFamily="49" charset="0"/>
-              <a:buChar char="o"/>
-            </a:pPr>
-            <a:r>
-              <a:rPr lang="en-US" dirty="0"/>
-              <a:t>Lockheed :</a:t>
-            </a:r>
-          </a:p>
-          <a:p>
-            <a:pPr marL="384048" lvl="2" indent="0">
-              <a:buNone/>
-            </a:pPr>
-            <a:r>
-              <a:rPr lang="en-US" dirty="0"/>
-              <a:t>	perform COTS integrations</a:t>
-            </a:r>
-          </a:p>
-          <a:p>
-            <a:pPr>
-              <a:buFont typeface="Courier New" panose="02070309020205020404" pitchFamily="49" charset="0"/>
-              <a:buChar char="o"/>
-            </a:pPr>
-            <a:r>
-              <a:rPr lang="en-US" dirty="0"/>
-              <a:t>Trimble</a:t>
-            </a:r>
-          </a:p>
-          <a:p>
-            <a:pPr marL="566928" lvl="3" indent="0">
-              <a:buNone/>
-            </a:pPr>
-            <a:r>
-              <a:rPr lang="en-US" dirty="0"/>
-              <a:t>to fulfill the need to perform the messaging between and the servers.</a:t>
-            </a:r>
-          </a:p>
-          <a:p>
-            <a:pPr>
-              <a:buFont typeface="Courier New" panose="02070309020205020404" pitchFamily="49" charset="0"/>
-              <a:buChar char="o"/>
-            </a:pPr>
-            <a:r>
-              <a:rPr lang="en-US" dirty="0"/>
-              <a:t>Caterpillar:</a:t>
-            </a:r>
-          </a:p>
-          <a:p>
-            <a:pPr marL="566928" lvl="3" indent="0">
-              <a:buNone/>
-            </a:pPr>
-            <a:r>
-              <a:rPr lang="en-US" dirty="0">
-                <a:latin typeface="Calibri" panose="020F0502020204030204" pitchFamily="34" charset="0"/>
-                <a:ea typeface="Calibri" panose="020F0502020204030204" pitchFamily="34" charset="0"/>
-                <a:cs typeface="Iskoola Pota" panose="020B0502040204020203" pitchFamily="34" charset="0"/>
-              </a:rPr>
-              <a:t>as a Message broker</a:t>
-            </a:r>
-            <a:endParaRPr lang="en-US" dirty="0"/>
-          </a:p>
-          <a:p>
-            <a:pPr>
-              <a:buFont typeface="Courier New" panose="02070309020205020404" pitchFamily="49" charset="0"/>
-              <a:buChar char="o"/>
-            </a:pPr>
-            <a:endParaRPr lang="en-US" dirty="0"/>
-          </a:p>
-          <a:p>
-            <a:pPr>
-              <a:buFont typeface="Courier New" panose="02070309020205020404" pitchFamily="49" charset="0"/>
-              <a:buChar char="o"/>
-            </a:pPr>
-            <a:endParaRPr lang="en-US" dirty="0"/>
+            <a:endParaRPr lang="en-US"/>
           </a:p>
         </p:txBody>
       </p:sp>
       <p:pic>
         <p:nvPicPr>
-          <p:cNvPr id="9" name="Picture 8" descr="A close up of a logo&#10;&#10;Description automatically generated">
+          <p:cNvPr id="5" name="Content Placeholder 4" descr="A screenshot of a cell phone&#10;&#10;Description automatically generated">
             <a:extLst>
               <a:ext uri="{FF2B5EF4-FFF2-40B4-BE49-F238E27FC236}">
-                <a16:creationId xmlns:a16="http://schemas.microsoft.com/office/drawing/2014/main" id="{52068E79-E46E-431F-89F4-7AADE62D2F85}"/>
+                <a16:creationId xmlns:a16="http://schemas.microsoft.com/office/drawing/2014/main" id="{C5FB51C0-E839-4541-B9EB-B59649381E75}"/>
               </a:ext>
             </a:extLst>
           </p:cNvPr>
@@ -27401,7 +29379,7 @@
           </p:cNvPicPr>
           <p:nvPr/>
         </p:nvPicPr>
-        <p:blipFill>
+        <p:blipFill rotWithShape="1">
           <a:blip r:embed="rId2">
             <a:extLst>
               <a:ext uri="{28A0092B-C50C-407E-A947-70E740481C1C}">
@@ -27409,86 +29387,13 @@
               </a:ext>
             </a:extLst>
           </a:blip>
-          <a:stretch>
-            <a:fillRect/>
-          </a:stretch>
+          <a:srcRect l="2308" r="8630" b="2"/>
+          <a:stretch/>
         </p:blipFill>
         <p:spPr>
           <a:xfrm>
-            <a:off x="7556687" y="914143"/>
-            <a:ext cx="4001315" cy="1960644"/>
-          </a:xfrm>
-          <a:prstGeom prst="rect">
-            <a:avLst/>
-          </a:prstGeom>
-        </p:spPr>
-      </p:pic>
-      <p:pic>
-        <p:nvPicPr>
-          <p:cNvPr id="11" name="Picture 10" descr="A picture containing airplane&#10;&#10;Description automatically generated">
-            <a:extLst>
-              <a:ext uri="{FF2B5EF4-FFF2-40B4-BE49-F238E27FC236}">
-                <a16:creationId xmlns:a16="http://schemas.microsoft.com/office/drawing/2014/main" id="{CF66A1F8-19E4-4335-913F-D9A08C2F9918}"/>
-              </a:ext>
-            </a:extLst>
-          </p:cNvPr>
-          <p:cNvPicPr>
-            <a:picLocks noChangeAspect="1"/>
-          </p:cNvPicPr>
-          <p:nvPr/>
-        </p:nvPicPr>
-        <p:blipFill>
-          <a:blip r:embed="rId3">
-            <a:extLst>
-              <a:ext uri="{BEBA8EAE-BF5A-486C-A8C5-ECC9F3942E4B}">
-                <a14:imgProps xmlns:a14="http://schemas.microsoft.com/office/drawing/2010/main">
-                  <a14:imgLayer r:embed="rId4">
-                    <a14:imgEffect>
-                      <a14:backgroundRemoval t="10000" b="90000" l="1000" r="97000">
-                        <a14:foregroundMark x1="21667" y1="51800" x2="21667" y2="51800"/>
-                        <a14:foregroundMark x1="16556" y1="50600" x2="16556" y2="50600"/>
-                        <a14:foregroundMark x1="12889" y1="50000" x2="12889" y2="50000"/>
-                        <a14:foregroundMark x1="7667" y1="48600" x2="7667" y2="48600"/>
-                        <a14:foregroundMark x1="1000" y1="51200" x2="1000" y2="51200"/>
-                        <a14:foregroundMark x1="27889" y1="50600" x2="27889" y2="50600"/>
-                        <a14:foregroundMark x1="33111" y1="50000" x2="33111" y2="50000"/>
-                        <a14:foregroundMark x1="38333" y1="51000" x2="38333" y2="51000"/>
-                        <a14:foregroundMark x1="48556" y1="52200" x2="48556" y2="52200"/>
-                        <a14:foregroundMark x1="55111" y1="48800" x2="55111" y2="48800"/>
-                        <a14:foregroundMark x1="59222" y1="49400" x2="59222" y2="49400"/>
-                        <a14:foregroundMark x1="64222" y1="48800" x2="64222" y2="48800"/>
-                        <a14:foregroundMark x1="69000" y1="49800" x2="69000" y2="49800"/>
-                        <a14:foregroundMark x1="72667" y1="49800" x2="72667" y2="49800"/>
-                        <a14:foregroundMark x1="90889" y1="34800" x2="90889" y2="34800"/>
-                        <a14:foregroundMark x1="80222" y1="60000" x2="80222" y2="60000"/>
-                        <a14:foregroundMark x1="97000" y1="44200" x2="97000" y2="44200"/>
-                        <a14:backgroundMark x1="17667" y1="50200" x2="17667" y2="50200"/>
-                        <a14:backgroundMark x1="6556" y1="52200" x2="6556" y2="52200"/>
-                        <a14:backgroundMark x1="39000" y1="52600" x2="39000" y2="52600"/>
-                        <a14:backgroundMark x1="47000" y1="51600" x2="47000" y2="51600"/>
-                        <a14:backgroundMark x1="49333" y1="51800" x2="49333" y2="51800"/>
-                        <a14:backgroundMark x1="54667" y1="51400" x2="54667" y2="51400"/>
-                        <a14:backgroundMark x1="60222" y1="50400" x2="60222" y2="50400"/>
-                        <a14:backgroundMark x1="80000" y1="59800" x2="80000" y2="59800"/>
-                        <a14:backgroundMark x1="91111" y1="47800" x2="91111" y2="47800"/>
-                      </a14:backgroundRemoval>
-                    </a14:imgEffect>
-                  </a14:imgLayer>
-                </a14:imgProps>
-              </a:ext>
-              <a:ext uri="{28A0092B-C50C-407E-A947-70E740481C1C}">
-                <a14:useLocalDpi xmlns:a14="http://schemas.microsoft.com/office/drawing/2010/main" val="0"/>
-              </a:ext>
-            </a:extLst>
-          </a:blip>
-          <a:stretch>
-            <a:fillRect/>
-          </a:stretch>
-        </p:blipFill>
-        <p:spPr>
-          <a:xfrm>
-            <a:off x="7556686" y="3581378"/>
-            <a:ext cx="4001315" cy="2220729"/>
+            <a:off x="4648201" y="640081"/>
+            <a:ext cx="6909801" cy="5314406"/>
           </a:xfrm>
           <a:prstGeom prst="rect">
             <a:avLst/>
@@ -27498,127 +29403,7 @@
     </p:spTree>
     <p:extLst>
       <p:ext uri="{BB962C8B-B14F-4D97-AF65-F5344CB8AC3E}">
-        <p14:creationId xmlns:p14="http://schemas.microsoft.com/office/powerpoint/2010/main" val="2362074978"/>
-      </p:ext>
-    </p:extLst>
-  </p:cSld>
-  <p:clrMapOvr>
-    <a:masterClrMapping/>
-  </p:clrMapOvr>
-</p:sld>
-</file>
-
-<file path=ppt/slides/slide16.xml><?xml version="1.0" encoding="utf-8"?>
-<p:sld xmlns:a="http://schemas.openxmlformats.org/drawingml/2006/main" xmlns:r="http://schemas.openxmlformats.org/officeDocument/2006/relationships" xmlns:p="http://schemas.openxmlformats.org/presentationml/2006/main">
-  <p:cSld>
-    <p:spTree>
-      <p:nvGrpSpPr>
-        <p:cNvPr id="1" name=""/>
-        <p:cNvGrpSpPr/>
-        <p:nvPr/>
-      </p:nvGrpSpPr>
-      <p:grpSpPr>
-        <a:xfrm>
-          <a:off x="0" y="0"/>
-          <a:ext cx="0" cy="0"/>
-          <a:chOff x="0" y="0"/>
-          <a:chExt cx="0" cy="0"/>
-        </a:xfrm>
-      </p:grpSpPr>
-      <p:sp>
-        <p:nvSpPr>
-          <p:cNvPr id="2" name="Title 1">
-            <a:extLst>
-              <a:ext uri="{FF2B5EF4-FFF2-40B4-BE49-F238E27FC236}">
-                <a16:creationId xmlns:a16="http://schemas.microsoft.com/office/drawing/2014/main" id="{A0BF57E4-2370-4045-A834-B3DA6CE1798B}"/>
-              </a:ext>
-            </a:extLst>
-          </p:cNvPr>
-          <p:cNvSpPr>
-            <a:spLocks noGrp="1"/>
-          </p:cNvSpPr>
-          <p:nvPr>
-            <p:ph type="title"/>
-          </p:nvPr>
-        </p:nvSpPr>
-        <p:spPr>
-          <a:xfrm>
-            <a:off x="1097280" y="19744"/>
-            <a:ext cx="10058400" cy="1860508"/>
-          </a:xfrm>
-        </p:spPr>
-        <p:txBody>
-          <a:bodyPr>
-            <a:normAutofit/>
-          </a:bodyPr>
-          <a:lstStyle/>
-          <a:p>
-            <a:r>
-              <a:rPr lang="en-US" dirty="0"/>
-              <a:t>What is Apache ActiveMQ  </a:t>
-            </a:r>
-          </a:p>
-        </p:txBody>
-      </p:sp>
-      <p:sp>
-        <p:nvSpPr>
-          <p:cNvPr id="3" name="Content Placeholder 2">
-            <a:extLst>
-              <a:ext uri="{FF2B5EF4-FFF2-40B4-BE49-F238E27FC236}">
-                <a16:creationId xmlns:a16="http://schemas.microsoft.com/office/drawing/2014/main" id="{3FB7FA1D-6A93-41E2-B2AB-C75F78184B3F}"/>
-              </a:ext>
-            </a:extLst>
-          </p:cNvPr>
-          <p:cNvSpPr>
-            <a:spLocks noGrp="1"/>
-          </p:cNvSpPr>
-          <p:nvPr>
-            <p:ph idx="1"/>
-          </p:nvPr>
-        </p:nvSpPr>
-        <p:spPr>
-          <a:xfrm>
-            <a:off x="1097280" y="2147111"/>
-            <a:ext cx="10058400" cy="3760891"/>
-          </a:xfrm>
-        </p:spPr>
-        <p:txBody>
-          <a:bodyPr/>
-          <a:lstStyle/>
-          <a:p>
-            <a:pPr>
-              <a:buFont typeface="Wingdings" panose="05000000000000000000" pitchFamily="2" charset="2"/>
-              <a:buChar char="§"/>
-            </a:pPr>
-            <a:r>
-              <a:rPr lang="en-US" dirty="0"/>
-              <a:t>Apache </a:t>
-            </a:r>
-            <a:r>
-              <a:rPr lang="en-US" b="1" dirty="0"/>
-              <a:t>ActiveMQ</a:t>
-            </a:r>
-            <a:r>
-              <a:rPr lang="en-US" dirty="0"/>
-              <a:t> </a:t>
-            </a:r>
-          </a:p>
-          <a:p>
-            <a:pPr>
-              <a:buFont typeface="Wingdings" panose="05000000000000000000" pitchFamily="2" charset="2"/>
-              <a:buChar char="§"/>
-            </a:pPr>
-            <a:r>
-              <a:rPr lang="en-US" dirty="0"/>
-              <a:t>It translates messages from sender to receiver. It can connect multiple clients and servers and allows messages to be held in queue, instead of requiring both the client and server to be available simultaneously in order to communicate </a:t>
-            </a:r>
-          </a:p>
-        </p:txBody>
-      </p:sp>
-    </p:spTree>
-    <p:extLst>
-      <p:ext uri="{BB962C8B-B14F-4D97-AF65-F5344CB8AC3E}">
-        <p14:creationId xmlns:p14="http://schemas.microsoft.com/office/powerpoint/2010/main" val="2924102296"/>
+        <p14:creationId xmlns:p14="http://schemas.microsoft.com/office/powerpoint/2010/main" val="3238597577"/>
       </p:ext>
     </p:extLst>
   </p:cSld>
@@ -27647,38 +29432,10 @@
       </p:grpSpPr>
       <p:sp>
         <p:nvSpPr>
-          <p:cNvPr id="2" name="Title 1">
+          <p:cNvPr id="7" name="Content Placeholder 6">
             <a:extLst>
               <a:ext uri="{FF2B5EF4-FFF2-40B4-BE49-F238E27FC236}">
-                <a16:creationId xmlns:a16="http://schemas.microsoft.com/office/drawing/2014/main" id="{CA8B0EF9-FB90-4C75-8DD0-09EFF35E5A56}"/>
-              </a:ext>
-            </a:extLst>
-          </p:cNvPr>
-          <p:cNvSpPr>
-            <a:spLocks noGrp="1"/>
-          </p:cNvSpPr>
-          <p:nvPr>
-            <p:ph type="title"/>
-          </p:nvPr>
-        </p:nvSpPr>
-        <p:spPr/>
-        <p:txBody>
-          <a:bodyPr/>
-          <a:lstStyle/>
-          <a:p>
-            <a:r>
-              <a:rPr lang="en-US" dirty="0"/>
-              <a:t>Advantages and disadvantages</a:t>
-            </a:r>
-          </a:p>
-        </p:txBody>
-      </p:sp>
-      <p:sp>
-        <p:nvSpPr>
-          <p:cNvPr id="3" name="Content Placeholder 2">
-            <a:extLst>
-              <a:ext uri="{FF2B5EF4-FFF2-40B4-BE49-F238E27FC236}">
-                <a16:creationId xmlns:a16="http://schemas.microsoft.com/office/drawing/2014/main" id="{DDF2E1EE-B4CB-4A52-8114-9A13B5B6DE4A}"/>
+                <a16:creationId xmlns:a16="http://schemas.microsoft.com/office/drawing/2014/main" id="{0AED295A-57AD-43A4-AE11-FB33E1724051}"/>
               </a:ext>
             </a:extLst>
           </p:cNvPr>
@@ -27689,23 +29446,80 @@
             <p:ph idx="1"/>
           </p:nvPr>
         </p:nvSpPr>
-        <p:spPr/>
+        <p:spPr>
+          <a:xfrm>
+            <a:off x="839303" y="243191"/>
+            <a:ext cx="9720072" cy="4023360"/>
+          </a:xfrm>
+        </p:spPr>
         <p:txBody>
           <a:bodyPr/>
           <a:lstStyle/>
           <a:p>
             <a:pPr>
-              <a:buFont typeface="Arial" panose="020B0604020202020204" pitchFamily="34" charset="0"/>
-              <a:buChar char="•"/>
+              <a:buFont typeface="Wingdings" panose="05000000000000000000" pitchFamily="2" charset="2"/>
+              <a:buChar char="§"/>
+            </a:pPr>
+            <a:r>
+              <a:rPr lang="en-US" dirty="0"/>
+              <a:t>Once you have installed, the ActiveMQ server  it should be available at  </a:t>
+            </a:r>
+            <a:r>
+              <a:rPr lang="en-US" dirty="0">
+                <a:hlinkClick r:id="rId2"/>
+              </a:rPr>
+              <a:t>http://localhost:8161/admin</a:t>
+            </a:r>
+            <a:endParaRPr lang="en-US" dirty="0"/>
+          </a:p>
+          <a:p>
+            <a:pPr marL="0" indent="0">
+              <a:buNone/>
             </a:pPr>
             <a:endParaRPr lang="en-US" dirty="0"/>
           </a:p>
         </p:txBody>
       </p:sp>
+      <p:pic>
+        <p:nvPicPr>
+          <p:cNvPr id="10" name="Picture 9" descr="A screenshot of a cell phone&#10;&#10;Description automatically generated">
+            <a:extLst>
+              <a:ext uri="{FF2B5EF4-FFF2-40B4-BE49-F238E27FC236}">
+                <a16:creationId xmlns:a16="http://schemas.microsoft.com/office/drawing/2014/main" id="{524C0B49-C44C-4677-8C9A-946F725668AD}"/>
+              </a:ext>
+            </a:extLst>
+          </p:cNvPr>
+          <p:cNvPicPr>
+            <a:picLocks noChangeAspect="1"/>
+          </p:cNvPicPr>
+          <p:nvPr/>
+        </p:nvPicPr>
+        <p:blipFill>
+          <a:blip r:embed="rId3">
+            <a:extLst>
+              <a:ext uri="{28A0092B-C50C-407E-A947-70E740481C1C}">
+                <a14:useLocalDpi xmlns:a14="http://schemas.microsoft.com/office/drawing/2010/main" val="0"/>
+              </a:ext>
+            </a:extLst>
+          </a:blip>
+          <a:stretch>
+            <a:fillRect/>
+          </a:stretch>
+        </p:blipFill>
+        <p:spPr>
+          <a:xfrm>
+            <a:off x="573931" y="920724"/>
+            <a:ext cx="11115573" cy="5937276"/>
+          </a:xfrm>
+          <a:prstGeom prst="rect">
+            <a:avLst/>
+          </a:prstGeom>
+        </p:spPr>
+      </p:pic>
     </p:spTree>
     <p:extLst>
       <p:ext uri="{BB962C8B-B14F-4D97-AF65-F5344CB8AC3E}">
-        <p14:creationId xmlns:p14="http://schemas.microsoft.com/office/powerpoint/2010/main" val="1851174275"/>
+        <p14:creationId xmlns:p14="http://schemas.microsoft.com/office/powerpoint/2010/main" val="936983387"/>
       </p:ext>
     </p:extLst>
   </p:cSld>
@@ -27737,7 +29551,7 @@
           <p:cNvPr id="2" name="Title 1">
             <a:extLst>
               <a:ext uri="{FF2B5EF4-FFF2-40B4-BE49-F238E27FC236}">
-                <a16:creationId xmlns:a16="http://schemas.microsoft.com/office/drawing/2014/main" id="{72CC6842-2168-4C0C-9FC7-951952521A0F}"/>
+                <a16:creationId xmlns:a16="http://schemas.microsoft.com/office/drawing/2014/main" id="{089CC36C-9E2C-4F31-8BF7-0105A10B4D82}"/>
               </a:ext>
             </a:extLst>
           </p:cNvPr>
@@ -27753,39 +29567,52 @@
           <a:bodyPr/>
           <a:lstStyle/>
           <a:p>
-            <a:endParaRPr lang="en-US"/>
+            <a:r>
+              <a:rPr lang="en-US" dirty="0"/>
+              <a:t>Dashboard stats:</a:t>
+            </a:r>
           </a:p>
         </p:txBody>
       </p:sp>
-      <p:sp>
-        <p:nvSpPr>
-          <p:cNvPr id="3" name="Content Placeholder 2">
+      <p:pic>
+        <p:nvPicPr>
+          <p:cNvPr id="5" name="Content Placeholder 4">
             <a:extLst>
               <a:ext uri="{FF2B5EF4-FFF2-40B4-BE49-F238E27FC236}">
-                <a16:creationId xmlns:a16="http://schemas.microsoft.com/office/drawing/2014/main" id="{5EC621D4-6806-46EB-97BE-516B77B8B310}"/>
+                <a16:creationId xmlns:a16="http://schemas.microsoft.com/office/drawing/2014/main" id="{C0BDB933-9557-427A-B116-0BD038448157}"/>
               </a:ext>
             </a:extLst>
           </p:cNvPr>
-          <p:cNvSpPr>
-            <a:spLocks noGrp="1"/>
-          </p:cNvSpPr>
+          <p:cNvPicPr>
+            <a:picLocks noGrp="1" noChangeAspect="1"/>
+          </p:cNvPicPr>
           <p:nvPr>
             <p:ph idx="1"/>
           </p:nvPr>
-        </p:nvSpPr>
-        <p:spPr/>
-        <p:txBody>
-          <a:bodyPr/>
-          <a:lstStyle/>
-          <a:p>
-            <a:endParaRPr lang="en-US"/>
-          </a:p>
-        </p:txBody>
-      </p:sp>
+        </p:nvPicPr>
+        <p:blipFill>
+          <a:blip r:embed="rId2">
+            <a:extLst>
+              <a:ext uri="{28A0092B-C50C-407E-A947-70E740481C1C}">
+                <a14:useLocalDpi xmlns:a14="http://schemas.microsoft.com/office/drawing/2010/main" val="0"/>
+              </a:ext>
+            </a:extLst>
+          </a:blip>
+          <a:stretch>
+            <a:fillRect/>
+          </a:stretch>
+        </p:blipFill>
+        <p:spPr>
+          <a:xfrm>
+            <a:off x="688657" y="2084832"/>
+            <a:ext cx="11122659" cy="3218688"/>
+          </a:xfrm>
+        </p:spPr>
+      </p:pic>
     </p:spTree>
     <p:extLst>
       <p:ext uri="{BB962C8B-B14F-4D97-AF65-F5344CB8AC3E}">
-        <p14:creationId xmlns:p14="http://schemas.microsoft.com/office/powerpoint/2010/main" val="448959031"/>
+        <p14:creationId xmlns:p14="http://schemas.microsoft.com/office/powerpoint/2010/main" val="1580898413"/>
       </p:ext>
     </p:extLst>
   </p:cSld>
@@ -27798,14 +29625,6 @@
 <file path=ppt/slides/slide19.xml><?xml version="1.0" encoding="utf-8"?>
 <p:sld xmlns:a="http://schemas.openxmlformats.org/drawingml/2006/main" xmlns:r="http://schemas.openxmlformats.org/officeDocument/2006/relationships" xmlns:p="http://schemas.openxmlformats.org/presentationml/2006/main">
   <p:cSld>
-    <p:bg>
-      <p:bgPr>
-        <a:solidFill>
-          <a:schemeClr val="bg1"/>
-        </a:solidFill>
-        <a:effectLst/>
-      </p:bgPr>
-    </p:bg>
     <p:spTree>
       <p:nvGrpSpPr>
         <p:cNvPr id="1" name=""/>
@@ -27822,10 +29641,10 @@
       </p:grpSpPr>
       <p:sp>
         <p:nvSpPr>
-          <p:cNvPr id="5" name="Title 4">
+          <p:cNvPr id="2" name="Title 1">
             <a:extLst>
               <a:ext uri="{FF2B5EF4-FFF2-40B4-BE49-F238E27FC236}">
-                <a16:creationId xmlns:a16="http://schemas.microsoft.com/office/drawing/2014/main" id="{EDE98792-0E09-4C10-B5B7-04B5CA8CF4DB}"/>
+                <a16:creationId xmlns:a16="http://schemas.microsoft.com/office/drawing/2014/main" id="{5727E4BC-3A73-4670-B019-F9DDD43C8CD0}"/>
               </a:ext>
             </a:extLst>
           </p:cNvPr>
@@ -27838,42 +29657,98 @@
         </p:nvSpPr>
         <p:spPr>
           <a:xfrm>
-            <a:off x="838199" y="291090"/>
-            <a:ext cx="10515599" cy="932688"/>
+            <a:off x="1024128" y="585216"/>
+            <a:ext cx="9720072" cy="734537"/>
           </a:xfrm>
         </p:spPr>
         <p:txBody>
-          <a:bodyPr vert="horz" lIns="91440" tIns="45720" rIns="91440" bIns="45720" rtlCol="0" anchor="b">
-            <a:normAutofit/>
+          <a:bodyPr>
+            <a:normAutofit fontScale="90000"/>
           </a:bodyPr>
           <a:lstStyle/>
           <a:p>
-            <a:pPr algn="ctr"/>
             <a:r>
-              <a:rPr lang="en-US" sz="4800" kern="1200" dirty="0">
-                <a:solidFill>
-                  <a:schemeClr val="tx1"/>
-                </a:solidFill>
-                <a:latin typeface="+mj-lt"/>
-                <a:ea typeface="+mj-ea"/>
-                <a:cs typeface="+mj-cs"/>
-              </a:rPr>
-              <a:t>One-to many</a:t>
+              <a:rPr lang="en-US" dirty="0"/>
+              <a:t>Memory and storage</a:t>
             </a:r>
+            <a:br>
+              <a:rPr lang="en-US" dirty="0"/>
+            </a:br>
+            <a:endParaRPr lang="en-US" dirty="0"/>
+          </a:p>
+        </p:txBody>
+      </p:sp>
+      <p:sp>
+        <p:nvSpPr>
+          <p:cNvPr id="3" name="Content Placeholder 2">
+            <a:extLst>
+              <a:ext uri="{FF2B5EF4-FFF2-40B4-BE49-F238E27FC236}">
+                <a16:creationId xmlns:a16="http://schemas.microsoft.com/office/drawing/2014/main" id="{7E31026B-A00A-4691-AF33-0996847384B2}"/>
+              </a:ext>
+            </a:extLst>
+          </p:cNvPr>
+          <p:cNvSpPr>
+            <a:spLocks noGrp="1"/>
+          </p:cNvSpPr>
+          <p:nvPr>
+            <p:ph idx="1"/>
+          </p:nvPr>
+        </p:nvSpPr>
+        <p:spPr>
+          <a:xfrm>
+            <a:off x="1024128" y="1417320"/>
+            <a:ext cx="9720073" cy="4023360"/>
+          </a:xfrm>
+        </p:spPr>
+        <p:txBody>
+          <a:bodyPr/>
+          <a:lstStyle/>
+          <a:p>
+            <a:pPr>
+              <a:buFont typeface="Courier New" panose="02070309020205020404" pitchFamily="49" charset="0"/>
+              <a:buChar char="o"/>
+            </a:pPr>
+            <a:r>
+              <a:rPr lang="en-US" dirty="0"/>
+              <a:t>Each message occupies some of the available memory until it is dequeued.</a:t>
+            </a:r>
+          </a:p>
+          <a:p>
+            <a:pPr>
+              <a:buFont typeface="Courier New" panose="02070309020205020404" pitchFamily="49" charset="0"/>
+              <a:buChar char="o"/>
+            </a:pPr>
+            <a:r>
+              <a:rPr lang="en-US" dirty="0"/>
+              <a:t>How much  memory depends on the size of the message.</a:t>
+            </a:r>
+          </a:p>
+          <a:p>
+            <a:pPr marL="0" indent="0">
+              <a:buNone/>
+            </a:pPr>
+            <a:endParaRPr lang="en-US" dirty="0"/>
+          </a:p>
+          <a:p>
+            <a:pPr>
+              <a:buFont typeface="Courier New" panose="02070309020205020404" pitchFamily="49" charset="0"/>
+              <a:buChar char="o"/>
+            </a:pPr>
+            <a:endParaRPr lang="en-US" dirty="0"/>
           </a:p>
         </p:txBody>
       </p:sp>
       <p:pic>
         <p:nvPicPr>
-          <p:cNvPr id="8" name="Content Placeholder 7">
+          <p:cNvPr id="5" name="Picture 4" descr="A screenshot of a social media post&#10;&#10;Description automatically generated">
             <a:extLst>
               <a:ext uri="{FF2B5EF4-FFF2-40B4-BE49-F238E27FC236}">
-                <a16:creationId xmlns:a16="http://schemas.microsoft.com/office/drawing/2014/main" id="{87181A9F-7940-4E14-99A1-DC4425B89259}"/>
+                <a16:creationId xmlns:a16="http://schemas.microsoft.com/office/drawing/2014/main" id="{BFEE8969-2BAF-4BE4-8EF4-3631842372D9}"/>
               </a:ext>
             </a:extLst>
           </p:cNvPr>
           <p:cNvPicPr>
-            <a:picLocks/>
+            <a:picLocks noChangeAspect="1"/>
           </p:cNvPicPr>
           <p:nvPr/>
         </p:nvPicPr>
@@ -27889,21 +29764,20 @@
             <a:fillRect/>
           </a:stretch>
         </p:blipFill>
-        <p:spPr bwMode="auto">
+        <p:spPr>
           <a:xfrm>
-            <a:off x="1517911" y="1863801"/>
-            <a:ext cx="9156177" cy="4440746"/>
+            <a:off x="1024127" y="2171590"/>
+            <a:ext cx="9208899" cy="2850785"/>
           </a:xfrm>
           <a:prstGeom prst="rect">
             <a:avLst/>
           </a:prstGeom>
-          <a:noFill/>
         </p:spPr>
       </p:pic>
     </p:spTree>
     <p:extLst>
       <p:ext uri="{BB962C8B-B14F-4D97-AF65-F5344CB8AC3E}">
-        <p14:creationId xmlns:p14="http://schemas.microsoft.com/office/powerpoint/2010/main" val="1643499995"/>
+        <p14:creationId xmlns:p14="http://schemas.microsoft.com/office/powerpoint/2010/main" val="2882381635"/>
       </p:ext>
     </p:extLst>
   </p:cSld>
@@ -28275,6 +30149,304 @@
 <file path=ppt/slides/slide20.xml><?xml version="1.0" encoding="utf-8"?>
 <p:sld xmlns:a="http://schemas.openxmlformats.org/drawingml/2006/main" xmlns:r="http://schemas.openxmlformats.org/officeDocument/2006/relationships" xmlns:p="http://schemas.openxmlformats.org/presentationml/2006/main">
   <p:cSld>
+    <p:spTree>
+      <p:nvGrpSpPr>
+        <p:cNvPr id="1" name=""/>
+        <p:cNvGrpSpPr/>
+        <p:nvPr/>
+      </p:nvGrpSpPr>
+      <p:grpSpPr>
+        <a:xfrm>
+          <a:off x="0" y="0"/>
+          <a:ext cx="0" cy="0"/>
+          <a:chOff x="0" y="0"/>
+          <a:chExt cx="0" cy="0"/>
+        </a:xfrm>
+      </p:grpSpPr>
+      <p:sp>
+        <p:nvSpPr>
+          <p:cNvPr id="4" name="Title 3">
+            <a:extLst>
+              <a:ext uri="{FF2B5EF4-FFF2-40B4-BE49-F238E27FC236}">
+                <a16:creationId xmlns:a16="http://schemas.microsoft.com/office/drawing/2014/main" id="{6CDE2951-C929-4A99-BB93-6D4DA1D378F0}"/>
+              </a:ext>
+            </a:extLst>
+          </p:cNvPr>
+          <p:cNvSpPr>
+            <a:spLocks noGrp="1"/>
+          </p:cNvSpPr>
+          <p:nvPr>
+            <p:ph type="title"/>
+          </p:nvPr>
+        </p:nvSpPr>
+        <p:spPr/>
+        <p:txBody>
+          <a:bodyPr/>
+          <a:lstStyle/>
+          <a:p>
+            <a:r>
+              <a:rPr lang="en-US" dirty="0"/>
+              <a:t>Storage:</a:t>
+            </a:r>
+          </a:p>
+        </p:txBody>
+      </p:sp>
+      <p:sp>
+        <p:nvSpPr>
+          <p:cNvPr id="5" name="Content Placeholder 4">
+            <a:extLst>
+              <a:ext uri="{FF2B5EF4-FFF2-40B4-BE49-F238E27FC236}">
+                <a16:creationId xmlns:a16="http://schemas.microsoft.com/office/drawing/2014/main" id="{F866869E-F403-4953-AFFC-8C38587999D1}"/>
+              </a:ext>
+            </a:extLst>
+          </p:cNvPr>
+          <p:cNvSpPr>
+            <a:spLocks noGrp="1"/>
+          </p:cNvSpPr>
+          <p:nvPr>
+            <p:ph idx="1"/>
+          </p:nvPr>
+        </p:nvSpPr>
+        <p:spPr/>
+        <p:txBody>
+          <a:bodyPr/>
+          <a:lstStyle/>
+          <a:p>
+            <a:pPr>
+              <a:buFont typeface="Arial" panose="020B0604020202020204" pitchFamily="34" charset="0"/>
+              <a:buChar char="•"/>
+            </a:pPr>
+            <a:r>
+              <a:rPr lang="en-US" dirty="0">
+                <a:hlinkClick r:id="rId2"/>
+              </a:rPr>
+              <a:t> </a:t>
+            </a:r>
+            <a:r>
+              <a:rPr lang="en-US" dirty="0" err="1">
+                <a:hlinkClick r:id="rId2"/>
+              </a:rPr>
+              <a:t>KahaDB</a:t>
+            </a:r>
+            <a:r>
+              <a:rPr lang="en-US" dirty="0"/>
+              <a:t> is ActiveMQ’s default message storage mechanism. It stores both persistent   and non-persistent messages.</a:t>
+            </a:r>
+          </a:p>
+        </p:txBody>
+      </p:sp>
+      <p:pic>
+        <p:nvPicPr>
+          <p:cNvPr id="9" name="Picture 8" descr="A screenshot of a cell phone&#10;&#10;Description automatically generated">
+            <a:extLst>
+              <a:ext uri="{FF2B5EF4-FFF2-40B4-BE49-F238E27FC236}">
+                <a16:creationId xmlns:a16="http://schemas.microsoft.com/office/drawing/2014/main" id="{38A33471-590A-44EC-9F59-D68D34EB27A1}"/>
+              </a:ext>
+            </a:extLst>
+          </p:cNvPr>
+          <p:cNvPicPr>
+            <a:picLocks noChangeAspect="1"/>
+          </p:cNvPicPr>
+          <p:nvPr/>
+        </p:nvPicPr>
+        <p:blipFill>
+          <a:blip r:embed="rId3">
+            <a:extLst>
+              <a:ext uri="{28A0092B-C50C-407E-A947-70E740481C1C}">
+                <a14:useLocalDpi xmlns:a14="http://schemas.microsoft.com/office/drawing/2010/main" val="0"/>
+              </a:ext>
+            </a:extLst>
+          </a:blip>
+          <a:stretch>
+            <a:fillRect/>
+          </a:stretch>
+        </p:blipFill>
+        <p:spPr>
+          <a:xfrm>
+            <a:off x="1337893" y="2910528"/>
+            <a:ext cx="6405323" cy="2970794"/>
+          </a:xfrm>
+          <a:prstGeom prst="rect">
+            <a:avLst/>
+          </a:prstGeom>
+        </p:spPr>
+      </p:pic>
+    </p:spTree>
+    <p:extLst>
+      <p:ext uri="{BB962C8B-B14F-4D97-AF65-F5344CB8AC3E}">
+        <p14:creationId xmlns:p14="http://schemas.microsoft.com/office/powerpoint/2010/main" val="3368899521"/>
+      </p:ext>
+    </p:extLst>
+  </p:cSld>
+  <p:clrMapOvr>
+    <a:masterClrMapping/>
+  </p:clrMapOvr>
+</p:sld>
+</file>
+
+<file path=ppt/slides/slide21.xml><?xml version="1.0" encoding="utf-8"?>
+<p:sld xmlns:a="http://schemas.openxmlformats.org/drawingml/2006/main" xmlns:r="http://schemas.openxmlformats.org/officeDocument/2006/relationships" xmlns:p="http://schemas.openxmlformats.org/presentationml/2006/main">
+  <p:cSld>
+    <p:spTree>
+      <p:nvGrpSpPr>
+        <p:cNvPr id="1" name=""/>
+        <p:cNvGrpSpPr/>
+        <p:nvPr/>
+      </p:nvGrpSpPr>
+      <p:grpSpPr>
+        <a:xfrm>
+          <a:off x="0" y="0"/>
+          <a:ext cx="0" cy="0"/>
+          <a:chOff x="0" y="0"/>
+          <a:chExt cx="0" cy="0"/>
+        </a:xfrm>
+      </p:grpSpPr>
+      <p:sp>
+        <p:nvSpPr>
+          <p:cNvPr id="2" name="Title 1">
+            <a:extLst>
+              <a:ext uri="{FF2B5EF4-FFF2-40B4-BE49-F238E27FC236}">
+                <a16:creationId xmlns:a16="http://schemas.microsoft.com/office/drawing/2014/main" id="{FE2E12D0-659F-4A56-B393-BB1143B0F14C}"/>
+              </a:ext>
+            </a:extLst>
+          </p:cNvPr>
+          <p:cNvSpPr>
+            <a:spLocks noGrp="1"/>
+          </p:cNvSpPr>
+          <p:nvPr>
+            <p:ph type="title"/>
+          </p:nvPr>
+        </p:nvSpPr>
+        <p:spPr>
+          <a:xfrm>
+            <a:off x="1024129" y="81258"/>
+            <a:ext cx="9720072" cy="934763"/>
+          </a:xfrm>
+        </p:spPr>
+        <p:txBody>
+          <a:bodyPr/>
+          <a:lstStyle/>
+          <a:p>
+            <a:r>
+              <a:rPr lang="en-US" dirty="0" err="1"/>
+              <a:t>ActiveMq</a:t>
+            </a:r>
+            <a:r>
+              <a:rPr lang="en-US" dirty="0"/>
+              <a:t> metrics:</a:t>
+            </a:r>
+          </a:p>
+        </p:txBody>
+      </p:sp>
+      <p:sp>
+        <p:nvSpPr>
+          <p:cNvPr id="3" name="Content Placeholder 2">
+            <a:extLst>
+              <a:ext uri="{FF2B5EF4-FFF2-40B4-BE49-F238E27FC236}">
+                <a16:creationId xmlns:a16="http://schemas.microsoft.com/office/drawing/2014/main" id="{ADA6E113-1C4F-41FD-8B54-EA32D1B3F9EC}"/>
+              </a:ext>
+            </a:extLst>
+          </p:cNvPr>
+          <p:cNvSpPr>
+            <a:spLocks noGrp="1"/>
+          </p:cNvSpPr>
+          <p:nvPr>
+            <p:ph idx="1"/>
+          </p:nvPr>
+        </p:nvSpPr>
+        <p:spPr>
+          <a:xfrm>
+            <a:off x="1108969" y="928540"/>
+            <a:ext cx="9720073" cy="4023360"/>
+          </a:xfrm>
+        </p:spPr>
+        <p:txBody>
+          <a:bodyPr>
+            <a:normAutofit/>
+          </a:bodyPr>
+          <a:lstStyle/>
+          <a:p>
+            <a:pPr>
+              <a:buFont typeface="Arial" panose="020B0604020202020204" pitchFamily="34" charset="0"/>
+              <a:buChar char="•"/>
+            </a:pPr>
+            <a:r>
+              <a:rPr lang="en-US" sz="2400" dirty="0"/>
+              <a:t>ActiveMQ metrics is a unique feature which can</a:t>
+            </a:r>
+          </a:p>
+          <a:p>
+            <a:pPr lvl="1">
+              <a:buFont typeface="Arial" panose="020B0604020202020204" pitchFamily="34" charset="0"/>
+              <a:buChar char="•"/>
+            </a:pPr>
+            <a:r>
+              <a:rPr lang="en-US" sz="2000" dirty="0"/>
+              <a:t>help you proactively maintain your messaging infrastructure</a:t>
+            </a:r>
+          </a:p>
+          <a:p>
+            <a:pPr lvl="1">
+              <a:buFont typeface="Arial" panose="020B0604020202020204" pitchFamily="34" charset="0"/>
+              <a:buChar char="•"/>
+            </a:pPr>
+            <a:r>
+              <a:rPr lang="en-US" sz="2000" dirty="0"/>
+              <a:t>provide you with information you need to investigate,</a:t>
+            </a:r>
+          </a:p>
+          <a:p>
+            <a:pPr lvl="2">
+              <a:buFont typeface="Arial" panose="020B0604020202020204" pitchFamily="34" charset="0"/>
+              <a:buChar char="•"/>
+            </a:pPr>
+            <a:r>
+              <a:rPr lang="en-US" sz="1600" dirty="0"/>
+              <a:t> </a:t>
+            </a:r>
+            <a:r>
+              <a:rPr lang="en-US" sz="1800" dirty="0"/>
+              <a:t>errors</a:t>
+            </a:r>
+          </a:p>
+          <a:p>
+            <a:pPr lvl="2">
+              <a:buFont typeface="Arial" panose="020B0604020202020204" pitchFamily="34" charset="0"/>
+              <a:buChar char="•"/>
+            </a:pPr>
+            <a:r>
+              <a:rPr lang="en-US" sz="1800" dirty="0"/>
+              <a:t>missing messages</a:t>
+            </a:r>
+          </a:p>
+          <a:p>
+            <a:pPr lvl="2">
+              <a:buFont typeface="Arial" panose="020B0604020202020204" pitchFamily="34" charset="0"/>
+              <a:buChar char="•"/>
+            </a:pPr>
+            <a:r>
+              <a:rPr lang="en-US" sz="1800" dirty="0"/>
+              <a:t>unexpected latency.</a:t>
+            </a:r>
+          </a:p>
+        </p:txBody>
+      </p:sp>
+    </p:spTree>
+    <p:extLst>
+      <p:ext uri="{BB962C8B-B14F-4D97-AF65-F5344CB8AC3E}">
+        <p14:creationId xmlns:p14="http://schemas.microsoft.com/office/powerpoint/2010/main" val="3078897651"/>
+      </p:ext>
+    </p:extLst>
+  </p:cSld>
+  <p:clrMapOvr>
+    <a:masterClrMapping/>
+  </p:clrMapOvr>
+</p:sld>
+</file>
+
+<file path=ppt/slides/slide22.xml><?xml version="1.0" encoding="utf-8"?>
+<p:sld xmlns:a="http://schemas.openxmlformats.org/drawingml/2006/main" xmlns:r="http://schemas.openxmlformats.org/officeDocument/2006/relationships" xmlns:p="http://schemas.openxmlformats.org/presentationml/2006/main">
+  <p:cSld>
     <p:bg>
       <p:bgPr>
         <a:solidFill>
@@ -28299,10 +30471,10 @@
       </p:grpSpPr>
       <p:sp>
         <p:nvSpPr>
-          <p:cNvPr id="5" name="Title 4">
+          <p:cNvPr id="2" name="Title 1">
             <a:extLst>
               <a:ext uri="{FF2B5EF4-FFF2-40B4-BE49-F238E27FC236}">
-                <a16:creationId xmlns:a16="http://schemas.microsoft.com/office/drawing/2014/main" id="{B182CD21-0FC4-41D7-B03C-D634DCBD5705}"/>
+                <a16:creationId xmlns:a16="http://schemas.microsoft.com/office/drawing/2014/main" id="{93D981D2-3704-46D2-A3E6-644C1BA96ABB}"/>
               </a:ext>
             </a:extLst>
           </p:cNvPr>
@@ -28315,45 +30487,141 @@
         </p:nvSpPr>
         <p:spPr>
           <a:xfrm>
-            <a:off x="1187355" y="4507251"/>
-            <a:ext cx="9818390" cy="1029308"/>
+            <a:off x="642257" y="634946"/>
+            <a:ext cx="6432434" cy="1450757"/>
           </a:xfrm>
         </p:spPr>
         <p:txBody>
-          <a:bodyPr vert="horz" lIns="91440" tIns="45720" rIns="91440" bIns="45720" rtlCol="0" anchor="b">
+          <a:bodyPr>
             <a:normAutofit/>
           </a:bodyPr>
           <a:lstStyle/>
           <a:p>
             <a:r>
-              <a:rPr lang="en-US" sz="6000" dirty="0">
-                <a:solidFill>
-                  <a:schemeClr val="tx1">
-                    <a:lumMod val="85000"/>
-                    <a:lumOff val="15000"/>
-                  </a:schemeClr>
-                </a:solidFill>
+              <a:rPr lang="en-US" sz="4900" dirty="0"/>
+              <a:t>Organizations that use ActiveMQ</a:t>
+            </a:r>
+          </a:p>
+        </p:txBody>
+      </p:sp>
+      <p:sp>
+        <p:nvSpPr>
+          <p:cNvPr id="3" name="Content Placeholder 2">
+            <a:extLst>
+              <a:ext uri="{FF2B5EF4-FFF2-40B4-BE49-F238E27FC236}">
+                <a16:creationId xmlns:a16="http://schemas.microsoft.com/office/drawing/2014/main" id="{AF2395B2-7399-4902-B8BA-B8834EC334B7}"/>
+              </a:ext>
+            </a:extLst>
+          </p:cNvPr>
+          <p:cNvSpPr>
+            <a:spLocks noGrp="1"/>
+          </p:cNvSpPr>
+          <p:nvPr>
+            <p:ph idx="1"/>
+          </p:nvPr>
+        </p:nvSpPr>
+        <p:spPr>
+          <a:xfrm>
+            <a:off x="642257" y="2407436"/>
+            <a:ext cx="6432434" cy="3461658"/>
+          </a:xfrm>
+        </p:spPr>
+        <p:txBody>
+          <a:bodyPr>
+            <a:normAutofit/>
+          </a:bodyPr>
+          <a:lstStyle/>
+          <a:p>
+            <a:pPr>
+              <a:buFont typeface="Courier New" panose="02070309020205020404" pitchFamily="49" charset="0"/>
+              <a:buChar char="o"/>
+            </a:pPr>
+            <a:r>
+              <a:rPr lang="en-US" dirty="0"/>
+              <a:t>Lockheed :</a:t>
+            </a:r>
+          </a:p>
+          <a:p>
+            <a:pPr marL="384048" lvl="2" indent="0">
+              <a:buNone/>
+            </a:pPr>
+            <a:r>
+              <a:rPr lang="en-US" dirty="0"/>
+              <a:t>	perform COTS integrations</a:t>
+            </a:r>
+          </a:p>
+          <a:p>
+            <a:pPr>
+              <a:buFont typeface="Courier New" panose="02070309020205020404" pitchFamily="49" charset="0"/>
+              <a:buChar char="o"/>
+            </a:pPr>
+            <a:r>
+              <a:rPr lang="en-US" dirty="0"/>
+              <a:t>Trimble</a:t>
+            </a:r>
+          </a:p>
+          <a:p>
+            <a:pPr marL="566928" lvl="3" indent="0">
+              <a:buNone/>
+            </a:pPr>
+            <a:r>
+              <a:rPr lang="en-US" dirty="0"/>
+              <a:t>to fulfill the need to perform the messaging between and the servers.</a:t>
+            </a:r>
+          </a:p>
+          <a:p>
+            <a:pPr>
+              <a:buFont typeface="Courier New" panose="02070309020205020404" pitchFamily="49" charset="0"/>
+              <a:buChar char="o"/>
+            </a:pPr>
+            <a:r>
+              <a:rPr lang="en-US" dirty="0"/>
+              <a:t>Caterpillar:</a:t>
+            </a:r>
+          </a:p>
+          <a:p>
+            <a:pPr marL="566928" lvl="3" indent="0">
+              <a:buNone/>
+            </a:pPr>
+            <a:r>
+              <a:rPr lang="en-US" dirty="0">
+                <a:latin typeface="Calibri" panose="020F0502020204030204" pitchFamily="34" charset="0"/>
+                <a:ea typeface="Calibri" panose="020F0502020204030204" pitchFamily="34" charset="0"/>
+                <a:cs typeface="Iskoola Pota" panose="020B0502040204020203" pitchFamily="34" charset="0"/>
               </a:rPr>
-              <a:t>Many-to-many</a:t>
+              <a:t>as a Message broker</a:t>
             </a:r>
+            <a:endParaRPr lang="en-US" dirty="0"/>
+          </a:p>
+          <a:p>
+            <a:pPr>
+              <a:buFont typeface="Courier New" panose="02070309020205020404" pitchFamily="49" charset="0"/>
+              <a:buChar char="o"/>
+            </a:pPr>
+            <a:endParaRPr lang="en-US" dirty="0"/>
+          </a:p>
+          <a:p>
+            <a:pPr>
+              <a:buFont typeface="Courier New" panose="02070309020205020404" pitchFamily="49" charset="0"/>
+              <a:buChar char="o"/>
+            </a:pPr>
+            <a:endParaRPr lang="en-US" dirty="0"/>
           </a:p>
         </p:txBody>
       </p:sp>
       <p:pic>
         <p:nvPicPr>
-          <p:cNvPr id="8" name="Content Placeholder 7">
+          <p:cNvPr id="9" name="Picture 8" descr="A close up of a logo&#10;&#10;Description automatically generated">
             <a:extLst>
               <a:ext uri="{FF2B5EF4-FFF2-40B4-BE49-F238E27FC236}">
-                <a16:creationId xmlns:a16="http://schemas.microsoft.com/office/drawing/2014/main" id="{65DA6ACB-DEC0-4EFB-91D5-5C94B4FF8CE9}"/>
+                <a16:creationId xmlns:a16="http://schemas.microsoft.com/office/drawing/2014/main" id="{52068E79-E46E-431F-89F4-7AADE62D2F85}"/>
               </a:ext>
             </a:extLst>
           </p:cNvPr>
           <p:cNvPicPr>
-            <a:picLocks noGrp="1"/>
+            <a:picLocks noChangeAspect="1"/>
           </p:cNvPicPr>
-          <p:nvPr>
-            <p:ph idx="1"/>
-          </p:nvPr>
+          <p:nvPr/>
         </p:nvPicPr>
         <p:blipFill>
           <a:blip r:embed="rId2">
@@ -28367,21 +30635,259 @@
             <a:fillRect/>
           </a:stretch>
         </p:blipFill>
-        <p:spPr bwMode="auto">
+        <p:spPr>
           <a:xfrm>
-            <a:off x="937769" y="240481"/>
-            <a:ext cx="10677057" cy="3971593"/>
+            <a:off x="7556687" y="914143"/>
+            <a:ext cx="4001315" cy="1960644"/>
           </a:xfrm>
           <a:prstGeom prst="rect">
             <a:avLst/>
           </a:prstGeom>
-          <a:noFill/>
+        </p:spPr>
+      </p:pic>
+      <p:pic>
+        <p:nvPicPr>
+          <p:cNvPr id="11" name="Picture 10" descr="A picture containing airplane&#10;&#10;Description automatically generated">
+            <a:extLst>
+              <a:ext uri="{FF2B5EF4-FFF2-40B4-BE49-F238E27FC236}">
+                <a16:creationId xmlns:a16="http://schemas.microsoft.com/office/drawing/2014/main" id="{CF66A1F8-19E4-4335-913F-D9A08C2F9918}"/>
+              </a:ext>
+            </a:extLst>
+          </p:cNvPr>
+          <p:cNvPicPr>
+            <a:picLocks noChangeAspect="1"/>
+          </p:cNvPicPr>
+          <p:nvPr/>
+        </p:nvPicPr>
+        <p:blipFill>
+          <a:blip r:embed="rId3">
+            <a:extLst>
+              <a:ext uri="{BEBA8EAE-BF5A-486C-A8C5-ECC9F3942E4B}">
+                <a14:imgProps xmlns:a14="http://schemas.microsoft.com/office/drawing/2010/main">
+                  <a14:imgLayer r:embed="rId4">
+                    <a14:imgEffect>
+                      <a14:backgroundRemoval t="10000" b="90000" l="1000" r="97000">
+                        <a14:foregroundMark x1="21667" y1="51800" x2="21667" y2="51800"/>
+                        <a14:foregroundMark x1="16556" y1="50600" x2="16556" y2="50600"/>
+                        <a14:foregroundMark x1="12889" y1="50000" x2="12889" y2="50000"/>
+                        <a14:foregroundMark x1="7667" y1="48600" x2="7667" y2="48600"/>
+                        <a14:foregroundMark x1="1000" y1="51200" x2="1000" y2="51200"/>
+                        <a14:foregroundMark x1="27889" y1="50600" x2="27889" y2="50600"/>
+                        <a14:foregroundMark x1="33111" y1="50000" x2="33111" y2="50000"/>
+                        <a14:foregroundMark x1="38333" y1="51000" x2="38333" y2="51000"/>
+                        <a14:foregroundMark x1="48556" y1="52200" x2="48556" y2="52200"/>
+                        <a14:foregroundMark x1="55111" y1="48800" x2="55111" y2="48800"/>
+                        <a14:foregroundMark x1="59222" y1="49400" x2="59222" y2="49400"/>
+                        <a14:foregroundMark x1="64222" y1="48800" x2="64222" y2="48800"/>
+                        <a14:foregroundMark x1="69000" y1="49800" x2="69000" y2="49800"/>
+                        <a14:foregroundMark x1="72667" y1="49800" x2="72667" y2="49800"/>
+                        <a14:foregroundMark x1="90889" y1="34800" x2="90889" y2="34800"/>
+                        <a14:foregroundMark x1="80222" y1="60000" x2="80222" y2="60000"/>
+                        <a14:foregroundMark x1="97000" y1="44200" x2="97000" y2="44200"/>
+                        <a14:backgroundMark x1="17667" y1="50200" x2="17667" y2="50200"/>
+                        <a14:backgroundMark x1="6556" y1="52200" x2="6556" y2="52200"/>
+                        <a14:backgroundMark x1="39000" y1="52600" x2="39000" y2="52600"/>
+                        <a14:backgroundMark x1="47000" y1="51600" x2="47000" y2="51600"/>
+                        <a14:backgroundMark x1="49333" y1="51800" x2="49333" y2="51800"/>
+                        <a14:backgroundMark x1="54667" y1="51400" x2="54667" y2="51400"/>
+                        <a14:backgroundMark x1="60222" y1="50400" x2="60222" y2="50400"/>
+                        <a14:backgroundMark x1="80000" y1="59800" x2="80000" y2="59800"/>
+                        <a14:backgroundMark x1="91111" y1="47800" x2="91111" y2="47800"/>
+                      </a14:backgroundRemoval>
+                    </a14:imgEffect>
+                  </a14:imgLayer>
+                </a14:imgProps>
+              </a:ext>
+              <a:ext uri="{28A0092B-C50C-407E-A947-70E740481C1C}">
+                <a14:useLocalDpi xmlns:a14="http://schemas.microsoft.com/office/drawing/2010/main" val="0"/>
+              </a:ext>
+            </a:extLst>
+          </a:blip>
+          <a:stretch>
+            <a:fillRect/>
+          </a:stretch>
+        </p:blipFill>
+        <p:spPr>
+          <a:xfrm>
+            <a:off x="7556686" y="3581378"/>
+            <a:ext cx="4001315" cy="2220729"/>
+          </a:xfrm>
+          <a:prstGeom prst="rect">
+            <a:avLst/>
+          </a:prstGeom>
         </p:spPr>
       </p:pic>
     </p:spTree>
     <p:extLst>
       <p:ext uri="{BB962C8B-B14F-4D97-AF65-F5344CB8AC3E}">
-        <p14:creationId xmlns:p14="http://schemas.microsoft.com/office/powerpoint/2010/main" val="1404133747"/>
+        <p14:creationId xmlns:p14="http://schemas.microsoft.com/office/powerpoint/2010/main" val="2362074978"/>
+      </p:ext>
+    </p:extLst>
+  </p:cSld>
+  <p:clrMapOvr>
+    <a:masterClrMapping/>
+  </p:clrMapOvr>
+</p:sld>
+</file>
+
+<file path=ppt/slides/slide23.xml><?xml version="1.0" encoding="utf-8"?>
+<p:sld xmlns:a="http://schemas.openxmlformats.org/drawingml/2006/main" xmlns:r="http://schemas.openxmlformats.org/officeDocument/2006/relationships" xmlns:p="http://schemas.openxmlformats.org/presentationml/2006/main">
+  <p:cSld>
+    <p:spTree>
+      <p:nvGrpSpPr>
+        <p:cNvPr id="1" name=""/>
+        <p:cNvGrpSpPr/>
+        <p:nvPr/>
+      </p:nvGrpSpPr>
+      <p:grpSpPr>
+        <a:xfrm>
+          <a:off x="0" y="0"/>
+          <a:ext cx="0" cy="0"/>
+          <a:chOff x="0" y="0"/>
+          <a:chExt cx="0" cy="0"/>
+        </a:xfrm>
+      </p:grpSpPr>
+      <p:sp>
+        <p:nvSpPr>
+          <p:cNvPr id="2" name="Title 1">
+            <a:extLst>
+              <a:ext uri="{FF2B5EF4-FFF2-40B4-BE49-F238E27FC236}">
+                <a16:creationId xmlns:a16="http://schemas.microsoft.com/office/drawing/2014/main" id="{CA8B0EF9-FB90-4C75-8DD0-09EFF35E5A56}"/>
+              </a:ext>
+            </a:extLst>
+          </p:cNvPr>
+          <p:cNvSpPr>
+            <a:spLocks noGrp="1"/>
+          </p:cNvSpPr>
+          <p:nvPr>
+            <p:ph type="title"/>
+          </p:nvPr>
+        </p:nvSpPr>
+        <p:spPr/>
+        <p:txBody>
+          <a:bodyPr/>
+          <a:lstStyle/>
+          <a:p>
+            <a:r>
+              <a:rPr lang="en-US" dirty="0"/>
+              <a:t>Advantages and disadvantages</a:t>
+            </a:r>
+          </a:p>
+        </p:txBody>
+      </p:sp>
+      <p:sp>
+        <p:nvSpPr>
+          <p:cNvPr id="3" name="Content Placeholder 2">
+            <a:extLst>
+              <a:ext uri="{FF2B5EF4-FFF2-40B4-BE49-F238E27FC236}">
+                <a16:creationId xmlns:a16="http://schemas.microsoft.com/office/drawing/2014/main" id="{DDF2E1EE-B4CB-4A52-8114-9A13B5B6DE4A}"/>
+              </a:ext>
+            </a:extLst>
+          </p:cNvPr>
+          <p:cNvSpPr>
+            <a:spLocks noGrp="1"/>
+          </p:cNvSpPr>
+          <p:nvPr>
+            <p:ph idx="1"/>
+          </p:nvPr>
+        </p:nvSpPr>
+        <p:spPr/>
+        <p:txBody>
+          <a:bodyPr/>
+          <a:lstStyle/>
+          <a:p>
+            <a:pPr>
+              <a:buFont typeface="Arial" panose="020B0604020202020204" pitchFamily="34" charset="0"/>
+              <a:buChar char="•"/>
+            </a:pPr>
+            <a:endParaRPr lang="en-US" dirty="0"/>
+          </a:p>
+        </p:txBody>
+      </p:sp>
+    </p:spTree>
+    <p:extLst>
+      <p:ext uri="{BB962C8B-B14F-4D97-AF65-F5344CB8AC3E}">
+        <p14:creationId xmlns:p14="http://schemas.microsoft.com/office/powerpoint/2010/main" val="1851174275"/>
+      </p:ext>
+    </p:extLst>
+  </p:cSld>
+  <p:clrMapOvr>
+    <a:masterClrMapping/>
+  </p:clrMapOvr>
+</p:sld>
+</file>
+
+<file path=ppt/slides/slide24.xml><?xml version="1.0" encoding="utf-8"?>
+<p:sld xmlns:a="http://schemas.openxmlformats.org/drawingml/2006/main" xmlns:r="http://schemas.openxmlformats.org/officeDocument/2006/relationships" xmlns:p="http://schemas.openxmlformats.org/presentationml/2006/main">
+  <p:cSld>
+    <p:spTree>
+      <p:nvGrpSpPr>
+        <p:cNvPr id="1" name=""/>
+        <p:cNvGrpSpPr/>
+        <p:nvPr/>
+      </p:nvGrpSpPr>
+      <p:grpSpPr>
+        <a:xfrm>
+          <a:off x="0" y="0"/>
+          <a:ext cx="0" cy="0"/>
+          <a:chOff x="0" y="0"/>
+          <a:chExt cx="0" cy="0"/>
+        </a:xfrm>
+      </p:grpSpPr>
+      <p:sp>
+        <p:nvSpPr>
+          <p:cNvPr id="2" name="Title 1">
+            <a:extLst>
+              <a:ext uri="{FF2B5EF4-FFF2-40B4-BE49-F238E27FC236}">
+                <a16:creationId xmlns:a16="http://schemas.microsoft.com/office/drawing/2014/main" id="{72CC6842-2168-4C0C-9FC7-951952521A0F}"/>
+              </a:ext>
+            </a:extLst>
+          </p:cNvPr>
+          <p:cNvSpPr>
+            <a:spLocks noGrp="1"/>
+          </p:cNvSpPr>
+          <p:nvPr>
+            <p:ph type="title"/>
+          </p:nvPr>
+        </p:nvSpPr>
+        <p:spPr/>
+        <p:txBody>
+          <a:bodyPr/>
+          <a:lstStyle/>
+          <a:p>
+            <a:endParaRPr lang="en-US"/>
+          </a:p>
+        </p:txBody>
+      </p:sp>
+      <p:sp>
+        <p:nvSpPr>
+          <p:cNvPr id="3" name="Content Placeholder 2">
+            <a:extLst>
+              <a:ext uri="{FF2B5EF4-FFF2-40B4-BE49-F238E27FC236}">
+                <a16:creationId xmlns:a16="http://schemas.microsoft.com/office/drawing/2014/main" id="{5EC621D4-6806-46EB-97BE-516B77B8B310}"/>
+              </a:ext>
+            </a:extLst>
+          </p:cNvPr>
+          <p:cNvSpPr>
+            <a:spLocks noGrp="1"/>
+          </p:cNvSpPr>
+          <p:nvPr>
+            <p:ph idx="1"/>
+          </p:nvPr>
+        </p:nvSpPr>
+        <p:spPr/>
+        <p:txBody>
+          <a:bodyPr/>
+          <a:lstStyle/>
+          <a:p>
+            <a:endParaRPr lang="en-US"/>
+          </a:p>
+        </p:txBody>
+      </p:sp>
+    </p:spTree>
+    <p:extLst>
+      <p:ext uri="{BB962C8B-B14F-4D97-AF65-F5344CB8AC3E}">
+        <p14:creationId xmlns:p14="http://schemas.microsoft.com/office/powerpoint/2010/main" val="448959031"/>
       </p:ext>
     </p:extLst>
   </p:cSld>
@@ -30221,6 +32727,574 @@
       </p:grpSpPr>
       <p:sp>
         <p:nvSpPr>
+          <p:cNvPr id="5" name="Rectangle 4">
+            <a:extLst>
+              <a:ext uri="{FF2B5EF4-FFF2-40B4-BE49-F238E27FC236}">
+                <a16:creationId xmlns:a16="http://schemas.microsoft.com/office/drawing/2014/main" id="{A1F64D74-56FA-41BC-A794-FFD8600B24A5}"/>
+              </a:ext>
+            </a:extLst>
+          </p:cNvPr>
+          <p:cNvSpPr/>
+          <p:nvPr/>
+        </p:nvSpPr>
+        <p:spPr>
+          <a:xfrm>
+            <a:off x="8972519" y="4773169"/>
+            <a:ext cx="1575881" cy="904673"/>
+          </a:xfrm>
+          <a:prstGeom prst="rect">
+            <a:avLst/>
+          </a:prstGeom>
+        </p:spPr>
+        <p:style>
+          <a:lnRef idx="2">
+            <a:schemeClr val="accent1">
+              <a:shade val="50000"/>
+            </a:schemeClr>
+          </a:lnRef>
+          <a:fillRef idx="1">
+            <a:schemeClr val="accent1"/>
+          </a:fillRef>
+          <a:effectRef idx="0">
+            <a:schemeClr val="accent1"/>
+          </a:effectRef>
+          <a:fontRef idx="minor">
+            <a:schemeClr val="lt1"/>
+          </a:fontRef>
+        </p:style>
+        <p:txBody>
+          <a:bodyPr rtlCol="0" anchor="ctr"/>
+          <a:lstStyle/>
+          <a:p>
+            <a:pPr algn="ctr"/>
+            <a:r>
+              <a:rPr lang="en-US" dirty="0"/>
+              <a:t>Consumer 3 </a:t>
+            </a:r>
+          </a:p>
+        </p:txBody>
+      </p:sp>
+      <p:sp>
+        <p:nvSpPr>
+          <p:cNvPr id="12" name="Rectangle 11">
+            <a:extLst>
+              <a:ext uri="{FF2B5EF4-FFF2-40B4-BE49-F238E27FC236}">
+                <a16:creationId xmlns:a16="http://schemas.microsoft.com/office/drawing/2014/main" id="{9640D2D7-1BDB-4343-BDF6-49651D8573A0}"/>
+              </a:ext>
+            </a:extLst>
+          </p:cNvPr>
+          <p:cNvSpPr/>
+          <p:nvPr/>
+        </p:nvSpPr>
+        <p:spPr>
+          <a:xfrm>
+            <a:off x="1114744" y="2802807"/>
+            <a:ext cx="1575881" cy="904673"/>
+          </a:xfrm>
+          <a:prstGeom prst="rect">
+            <a:avLst/>
+          </a:prstGeom>
+        </p:spPr>
+        <p:style>
+          <a:lnRef idx="2">
+            <a:schemeClr val="accent1">
+              <a:shade val="50000"/>
+            </a:schemeClr>
+          </a:lnRef>
+          <a:fillRef idx="1">
+            <a:schemeClr val="accent1"/>
+          </a:fillRef>
+          <a:effectRef idx="0">
+            <a:schemeClr val="accent1"/>
+          </a:effectRef>
+          <a:fontRef idx="minor">
+            <a:schemeClr val="lt1"/>
+          </a:fontRef>
+        </p:style>
+        <p:txBody>
+          <a:bodyPr rtlCol="0" anchor="ctr"/>
+          <a:lstStyle/>
+          <a:p>
+            <a:pPr algn="ctr"/>
+            <a:r>
+              <a:rPr lang="en-US" dirty="0"/>
+              <a:t>Producer </a:t>
+            </a:r>
+          </a:p>
+        </p:txBody>
+      </p:sp>
+      <p:sp>
+        <p:nvSpPr>
+          <p:cNvPr id="13" name="Rectangle 12">
+            <a:extLst>
+              <a:ext uri="{FF2B5EF4-FFF2-40B4-BE49-F238E27FC236}">
+                <a16:creationId xmlns:a16="http://schemas.microsoft.com/office/drawing/2014/main" id="{056863F4-0244-41D0-B0A3-57BB090EA208}"/>
+              </a:ext>
+            </a:extLst>
+          </p:cNvPr>
+          <p:cNvSpPr/>
+          <p:nvPr/>
+        </p:nvSpPr>
+        <p:spPr>
+          <a:xfrm>
+            <a:off x="8972518" y="2911777"/>
+            <a:ext cx="1575881" cy="904673"/>
+          </a:xfrm>
+          <a:prstGeom prst="rect">
+            <a:avLst/>
+          </a:prstGeom>
+        </p:spPr>
+        <p:style>
+          <a:lnRef idx="2">
+            <a:schemeClr val="accent1">
+              <a:shade val="50000"/>
+            </a:schemeClr>
+          </a:lnRef>
+          <a:fillRef idx="1">
+            <a:schemeClr val="accent1"/>
+          </a:fillRef>
+          <a:effectRef idx="0">
+            <a:schemeClr val="accent1"/>
+          </a:effectRef>
+          <a:fontRef idx="minor">
+            <a:schemeClr val="lt1"/>
+          </a:fontRef>
+        </p:style>
+        <p:txBody>
+          <a:bodyPr rtlCol="0" anchor="ctr"/>
+          <a:lstStyle/>
+          <a:p>
+            <a:pPr algn="ctr"/>
+            <a:r>
+              <a:rPr lang="en-US" dirty="0"/>
+              <a:t>Consumer 2 </a:t>
+            </a:r>
+          </a:p>
+        </p:txBody>
+      </p:sp>
+      <p:cxnSp>
+        <p:nvCxnSpPr>
+          <p:cNvPr id="14" name="Straight Connector 13">
+            <a:extLst>
+              <a:ext uri="{FF2B5EF4-FFF2-40B4-BE49-F238E27FC236}">
+                <a16:creationId xmlns:a16="http://schemas.microsoft.com/office/drawing/2014/main" id="{D9D1EB8A-3935-415D-AF17-EE3E6943BADB}"/>
+              </a:ext>
+            </a:extLst>
+          </p:cNvPr>
+          <p:cNvCxnSpPr>
+            <a:cxnSpLocks/>
+          </p:cNvCxnSpPr>
+          <p:nvPr/>
+        </p:nvCxnSpPr>
+        <p:spPr>
+          <a:xfrm>
+            <a:off x="2690625" y="3236672"/>
+            <a:ext cx="2482737" cy="0"/>
+          </a:xfrm>
+          <a:prstGeom prst="line">
+            <a:avLst/>
+          </a:prstGeom>
+        </p:spPr>
+        <p:style>
+          <a:lnRef idx="1">
+            <a:schemeClr val="accent1"/>
+          </a:lnRef>
+          <a:fillRef idx="0">
+            <a:schemeClr val="accent1"/>
+          </a:fillRef>
+          <a:effectRef idx="0">
+            <a:schemeClr val="accent1"/>
+          </a:effectRef>
+          <a:fontRef idx="minor">
+            <a:schemeClr val="tx1"/>
+          </a:fontRef>
+        </p:style>
+      </p:cxnSp>
+      <p:pic>
+        <p:nvPicPr>
+          <p:cNvPr id="15" name="Content Placeholder 42" descr="Envelope">
+            <a:extLst>
+              <a:ext uri="{FF2B5EF4-FFF2-40B4-BE49-F238E27FC236}">
+                <a16:creationId xmlns:a16="http://schemas.microsoft.com/office/drawing/2014/main" id="{CFCC0ABE-6700-41C2-A801-E9EA937506EF}"/>
+              </a:ext>
+            </a:extLst>
+          </p:cNvPr>
+          <p:cNvPicPr>
+            <a:picLocks noChangeAspect="1"/>
+          </p:cNvPicPr>
+          <p:nvPr/>
+        </p:nvPicPr>
+        <p:blipFill>
+          <a:blip r:embed="rId2">
+            <a:extLst>
+              <a:ext uri="{28A0092B-C50C-407E-A947-70E740481C1C}">
+                <a14:useLocalDpi xmlns:a14="http://schemas.microsoft.com/office/drawing/2010/main" val="0"/>
+              </a:ext>
+              <a:ext uri="{96DAC541-7B7A-43D3-8B79-37D633B846F1}">
+                <asvg:svgBlip xmlns:asvg="http://schemas.microsoft.com/office/drawing/2016/SVG/main" r:embed="rId3"/>
+              </a:ext>
+            </a:extLst>
+          </a:blip>
+          <a:stretch>
+            <a:fillRect/>
+          </a:stretch>
+        </p:blipFill>
+        <p:spPr>
+          <a:xfrm>
+            <a:off x="2690625" y="2629797"/>
+            <a:ext cx="734317" cy="734317"/>
+          </a:xfrm>
+          <a:prstGeom prst="rect">
+            <a:avLst/>
+          </a:prstGeom>
+        </p:spPr>
+      </p:pic>
+      <p:cxnSp>
+        <p:nvCxnSpPr>
+          <p:cNvPr id="19" name="Straight Connector 18">
+            <a:extLst>
+              <a:ext uri="{FF2B5EF4-FFF2-40B4-BE49-F238E27FC236}">
+                <a16:creationId xmlns:a16="http://schemas.microsoft.com/office/drawing/2014/main" id="{98A071E1-8F6B-4B3B-ADF8-41A33F368220}"/>
+              </a:ext>
+            </a:extLst>
+          </p:cNvPr>
+          <p:cNvCxnSpPr>
+            <a:cxnSpLocks/>
+            <a:endCxn id="5" idx="1"/>
+          </p:cNvCxnSpPr>
+          <p:nvPr/>
+        </p:nvCxnSpPr>
+        <p:spPr>
+          <a:xfrm>
+            <a:off x="5627802" y="3621328"/>
+            <a:ext cx="3344717" cy="1604178"/>
+          </a:xfrm>
+          <a:prstGeom prst="line">
+            <a:avLst/>
+          </a:prstGeom>
+        </p:spPr>
+        <p:style>
+          <a:lnRef idx="1">
+            <a:schemeClr val="accent1"/>
+          </a:lnRef>
+          <a:fillRef idx="0">
+            <a:schemeClr val="accent1"/>
+          </a:fillRef>
+          <a:effectRef idx="0">
+            <a:schemeClr val="accent1"/>
+          </a:effectRef>
+          <a:fontRef idx="minor">
+            <a:schemeClr val="tx1"/>
+          </a:fontRef>
+        </p:style>
+      </p:cxnSp>
+      <p:cxnSp>
+        <p:nvCxnSpPr>
+          <p:cNvPr id="22" name="Straight Connector 21">
+            <a:extLst>
+              <a:ext uri="{FF2B5EF4-FFF2-40B4-BE49-F238E27FC236}">
+                <a16:creationId xmlns:a16="http://schemas.microsoft.com/office/drawing/2014/main" id="{C6AB2E33-E6B1-4D36-A6A3-5467E9070F3D}"/>
+              </a:ext>
+            </a:extLst>
+          </p:cNvPr>
+          <p:cNvCxnSpPr>
+            <a:cxnSpLocks/>
+            <a:endCxn id="13" idx="1"/>
+          </p:cNvCxnSpPr>
+          <p:nvPr/>
+        </p:nvCxnSpPr>
+        <p:spPr>
+          <a:xfrm>
+            <a:off x="5627802" y="3304620"/>
+            <a:ext cx="3344716" cy="59494"/>
+          </a:xfrm>
+          <a:prstGeom prst="line">
+            <a:avLst/>
+          </a:prstGeom>
+        </p:spPr>
+        <p:style>
+          <a:lnRef idx="1">
+            <a:schemeClr val="accent1"/>
+          </a:lnRef>
+          <a:fillRef idx="0">
+            <a:schemeClr val="accent1"/>
+          </a:fillRef>
+          <a:effectRef idx="0">
+            <a:schemeClr val="accent1"/>
+          </a:effectRef>
+          <a:fontRef idx="minor">
+            <a:schemeClr val="tx1"/>
+          </a:fontRef>
+        </p:style>
+      </p:cxnSp>
+      <p:sp>
+        <p:nvSpPr>
+          <p:cNvPr id="25" name="Rectangle 24">
+            <a:extLst>
+              <a:ext uri="{FF2B5EF4-FFF2-40B4-BE49-F238E27FC236}">
+                <a16:creationId xmlns:a16="http://schemas.microsoft.com/office/drawing/2014/main" id="{F9255C74-79B8-49D3-9632-6CC2BA72E5BC}"/>
+              </a:ext>
+            </a:extLst>
+          </p:cNvPr>
+          <p:cNvSpPr/>
+          <p:nvPr/>
+        </p:nvSpPr>
+        <p:spPr>
+          <a:xfrm>
+            <a:off x="8972517" y="740526"/>
+            <a:ext cx="1575881" cy="904673"/>
+          </a:xfrm>
+          <a:prstGeom prst="rect">
+            <a:avLst/>
+          </a:prstGeom>
+        </p:spPr>
+        <p:style>
+          <a:lnRef idx="2">
+            <a:schemeClr val="accent1">
+              <a:shade val="50000"/>
+            </a:schemeClr>
+          </a:lnRef>
+          <a:fillRef idx="1">
+            <a:schemeClr val="accent1"/>
+          </a:fillRef>
+          <a:effectRef idx="0">
+            <a:schemeClr val="accent1"/>
+          </a:effectRef>
+          <a:fontRef idx="minor">
+            <a:schemeClr val="lt1"/>
+          </a:fontRef>
+        </p:style>
+        <p:txBody>
+          <a:bodyPr rtlCol="0" anchor="ctr"/>
+          <a:lstStyle/>
+          <a:p>
+            <a:pPr algn="ctr"/>
+            <a:r>
+              <a:rPr lang="en-US" dirty="0"/>
+              <a:t>Consumer 1 </a:t>
+            </a:r>
+          </a:p>
+        </p:txBody>
+      </p:sp>
+      <p:cxnSp>
+        <p:nvCxnSpPr>
+          <p:cNvPr id="26" name="Straight Connector 25">
+            <a:extLst>
+              <a:ext uri="{FF2B5EF4-FFF2-40B4-BE49-F238E27FC236}">
+                <a16:creationId xmlns:a16="http://schemas.microsoft.com/office/drawing/2014/main" id="{B32F25BA-B24C-480D-AF8E-9E28CACBB0DE}"/>
+              </a:ext>
+            </a:extLst>
+          </p:cNvPr>
+          <p:cNvCxnSpPr>
+            <a:cxnSpLocks/>
+          </p:cNvCxnSpPr>
+          <p:nvPr/>
+        </p:nvCxnSpPr>
+        <p:spPr>
+          <a:xfrm flipV="1">
+            <a:off x="5627802" y="1091971"/>
+            <a:ext cx="3344714" cy="1798011"/>
+          </a:xfrm>
+          <a:prstGeom prst="line">
+            <a:avLst/>
+          </a:prstGeom>
+        </p:spPr>
+        <p:style>
+          <a:lnRef idx="1">
+            <a:schemeClr val="accent1"/>
+          </a:lnRef>
+          <a:fillRef idx="0">
+            <a:schemeClr val="accent1"/>
+          </a:fillRef>
+          <a:effectRef idx="0">
+            <a:schemeClr val="accent1"/>
+          </a:effectRef>
+          <a:fontRef idx="minor">
+            <a:schemeClr val="tx1"/>
+          </a:fontRef>
+        </p:style>
+      </p:cxnSp>
+      <p:sp>
+        <p:nvSpPr>
+          <p:cNvPr id="32" name="TextBox 31">
+            <a:extLst>
+              <a:ext uri="{FF2B5EF4-FFF2-40B4-BE49-F238E27FC236}">
+                <a16:creationId xmlns:a16="http://schemas.microsoft.com/office/drawing/2014/main" id="{7C22B124-A154-4061-A4E6-BE5EF8DD6945}"/>
+              </a:ext>
+            </a:extLst>
+          </p:cNvPr>
+          <p:cNvSpPr txBox="1"/>
+          <p:nvPr/>
+        </p:nvSpPr>
+        <p:spPr>
+          <a:xfrm>
+            <a:off x="5046988" y="1977766"/>
+            <a:ext cx="488054" cy="707886"/>
+          </a:xfrm>
+          <a:prstGeom prst="rect">
+            <a:avLst/>
+          </a:prstGeom>
+          <a:noFill/>
+        </p:spPr>
+        <p:txBody>
+          <a:bodyPr wrap="square" rtlCol="0">
+            <a:spAutoFit/>
+          </a:bodyPr>
+          <a:lstStyle/>
+          <a:p>
+            <a:r>
+              <a:rPr lang="en-US" sz="4000" dirty="0">
+                <a:solidFill>
+                  <a:srgbClr val="FF0000"/>
+                </a:solidFill>
+                <a:latin typeface="Arial Rounded MT Bold" panose="020B0604020202020204" pitchFamily="34" charset="0"/>
+              </a:rPr>
+              <a:t>?</a:t>
+            </a:r>
+          </a:p>
+        </p:txBody>
+      </p:sp>
+    </p:spTree>
+    <p:extLst>
+      <p:ext uri="{BB962C8B-B14F-4D97-AF65-F5344CB8AC3E}">
+        <p14:creationId xmlns:p14="http://schemas.microsoft.com/office/powerpoint/2010/main" val="2104733846"/>
+      </p:ext>
+    </p:extLst>
+  </p:cSld>
+  <p:clrMapOvr>
+    <a:masterClrMapping/>
+  </p:clrMapOvr>
+  <p:timing>
+    <p:tnLst>
+      <p:par>
+        <p:cTn id="1" dur="indefinite" restart="never" nodeType="tmRoot">
+          <p:childTnLst>
+            <p:seq concurrent="1" nextAc="seek">
+              <p:cTn id="2" dur="indefinite" nodeType="mainSeq">
+                <p:childTnLst>
+                  <p:par>
+                    <p:cTn id="3" fill="hold">
+                      <p:stCondLst>
+                        <p:cond delay="indefinite"/>
+                      </p:stCondLst>
+                      <p:childTnLst>
+                        <p:par>
+                          <p:cTn id="4" fill="hold">
+                            <p:stCondLst>
+                              <p:cond delay="0"/>
+                            </p:stCondLst>
+                            <p:childTnLst>
+                              <p:par>
+                                <p:cTn id="5" presetID="42" presetClass="path" presetSubtype="0" accel="50000" decel="50000" fill="hold" nodeType="clickEffect">
+                                  <p:stCondLst>
+                                    <p:cond delay="0"/>
+                                  </p:stCondLst>
+                                  <p:childTnLst>
+                                    <p:animMotion origin="layout" path="M -1.25E-6 2.96296E-6 L 0.18138 2.96296E-6 " pathEditMode="relative" rAng="0" ptsTypes="AA">
+                                      <p:cBhvr>
+                                        <p:cTn id="6" dur="1000" fill="hold"/>
+                                        <p:tgtEl>
+                                          <p:spTgt spid="15"/>
+                                        </p:tgtEl>
+                                        <p:attrNameLst>
+                                          <p:attrName>ppt_x</p:attrName>
+                                          <p:attrName>ppt_y</p:attrName>
+                                        </p:attrNameLst>
+                                      </p:cBhvr>
+                                      <p:rCtr x="9063" y="0"/>
+                                    </p:animMotion>
+                                  </p:childTnLst>
+                                </p:cTn>
+                              </p:par>
+                            </p:childTnLst>
+                          </p:cTn>
+                        </p:par>
+                        <p:par>
+                          <p:cTn id="7" fill="hold">
+                            <p:stCondLst>
+                              <p:cond delay="1000"/>
+                            </p:stCondLst>
+                            <p:childTnLst>
+                              <p:par>
+                                <p:cTn id="8" presetID="1" presetClass="entr" presetSubtype="0" fill="hold" grpId="0" nodeType="afterEffect">
+                                  <p:stCondLst>
+                                    <p:cond delay="0"/>
+                                  </p:stCondLst>
+                                  <p:childTnLst>
+                                    <p:set>
+                                      <p:cBhvr>
+                                        <p:cTn id="9" dur="1" fill="hold">
+                                          <p:stCondLst>
+                                            <p:cond delay="0"/>
+                                          </p:stCondLst>
+                                        </p:cTn>
+                                        <p:tgtEl>
+                                          <p:spTgt spid="32"/>
+                                        </p:tgtEl>
+                                        <p:attrNameLst>
+                                          <p:attrName>style.visibility</p:attrName>
+                                        </p:attrNameLst>
+                                      </p:cBhvr>
+                                      <p:to>
+                                        <p:strVal val="visible"/>
+                                      </p:to>
+                                    </p:set>
+                                  </p:childTnLst>
+                                </p:cTn>
+                              </p:par>
+                            </p:childTnLst>
+                          </p:cTn>
+                        </p:par>
+                      </p:childTnLst>
+                    </p:cTn>
+                  </p:par>
+                </p:childTnLst>
+              </p:cTn>
+              <p:prevCondLst>
+                <p:cond evt="onPrev" delay="0">
+                  <p:tgtEl>
+                    <p:sldTgt/>
+                  </p:tgtEl>
+                </p:cond>
+              </p:prevCondLst>
+              <p:nextCondLst>
+                <p:cond evt="onNext" delay="0">
+                  <p:tgtEl>
+                    <p:sldTgt/>
+                  </p:tgtEl>
+                </p:cond>
+              </p:nextCondLst>
+            </p:seq>
+          </p:childTnLst>
+        </p:cTn>
+      </p:par>
+    </p:tnLst>
+    <p:bldLst>
+      <p:bldP spid="32" grpId="0"/>
+    </p:bldLst>
+  </p:timing>
+</p:sld>
+</file>
+
+<file path=ppt/slides/slide8.xml><?xml version="1.0" encoding="utf-8"?>
+<p:sld xmlns:a="http://schemas.openxmlformats.org/drawingml/2006/main" xmlns:r="http://schemas.openxmlformats.org/officeDocument/2006/relationships" xmlns:p="http://schemas.openxmlformats.org/presentationml/2006/main">
+  <p:cSld>
+    <p:spTree>
+      <p:nvGrpSpPr>
+        <p:cNvPr id="1" name=""/>
+        <p:cNvGrpSpPr/>
+        <p:nvPr/>
+      </p:nvGrpSpPr>
+      <p:grpSpPr>
+        <a:xfrm>
+          <a:off x="0" y="0"/>
+          <a:ext cx="0" cy="0"/>
+          <a:chOff x="0" y="0"/>
+          <a:chExt cx="0" cy="0"/>
+        </a:xfrm>
+      </p:grpSpPr>
+      <p:sp>
+        <p:nvSpPr>
           <p:cNvPr id="2" name="Title 1">
             <a:extLst>
               <a:ext uri="{FF2B5EF4-FFF2-40B4-BE49-F238E27FC236}">
@@ -30327,7 +33401,7 @@
 </p:sld>
 </file>
 
-<file path=ppt/slides/slide8.xml><?xml version="1.0" encoding="utf-8"?>
+<file path=ppt/slides/slide9.xml><?xml version="1.0" encoding="utf-8"?>
 <p:sld xmlns:a="http://schemas.openxmlformats.org/drawingml/2006/main" xmlns:r="http://schemas.openxmlformats.org/officeDocument/2006/relationships" xmlns:p="http://schemas.openxmlformats.org/presentationml/2006/main">
   <p:cSld>
     <p:bg>
@@ -30491,734 +33565,6 @@
   <p:clrMapOvr>
     <a:masterClrMapping/>
   </p:clrMapOvr>
-</p:sld>
-</file>
-
-<file path=ppt/slides/slide9.xml><?xml version="1.0" encoding="utf-8"?>
-<p:sld xmlns:a="http://schemas.openxmlformats.org/drawingml/2006/main" xmlns:r="http://schemas.openxmlformats.org/officeDocument/2006/relationships" xmlns:p="http://schemas.openxmlformats.org/presentationml/2006/main">
-  <p:cSld>
-    <p:spTree>
-      <p:nvGrpSpPr>
-        <p:cNvPr id="1" name=""/>
-        <p:cNvGrpSpPr/>
-        <p:nvPr/>
-      </p:nvGrpSpPr>
-      <p:grpSpPr>
-        <a:xfrm>
-          <a:off x="0" y="0"/>
-          <a:ext cx="0" cy="0"/>
-          <a:chOff x="0" y="0"/>
-          <a:chExt cx="0" cy="0"/>
-        </a:xfrm>
-      </p:grpSpPr>
-      <p:sp>
-        <p:nvSpPr>
-          <p:cNvPr id="19" name="Rectangle 18">
-            <a:extLst>
-              <a:ext uri="{FF2B5EF4-FFF2-40B4-BE49-F238E27FC236}">
-                <a16:creationId xmlns:a16="http://schemas.microsoft.com/office/drawing/2014/main" id="{AC77C847-D7A0-4C68-83CC-06E6B9D267B6}"/>
-              </a:ext>
-            </a:extLst>
-          </p:cNvPr>
-          <p:cNvSpPr/>
-          <p:nvPr/>
-        </p:nvSpPr>
-        <p:spPr>
-          <a:xfrm>
-            <a:off x="8463897" y="1833663"/>
-            <a:ext cx="1723812" cy="904673"/>
-          </a:xfrm>
-          <a:prstGeom prst="rect">
-            <a:avLst/>
-          </a:prstGeom>
-        </p:spPr>
-        <p:style>
-          <a:lnRef idx="2">
-            <a:schemeClr val="accent1">
-              <a:shade val="50000"/>
-            </a:schemeClr>
-          </a:lnRef>
-          <a:fillRef idx="1">
-            <a:schemeClr val="accent1"/>
-          </a:fillRef>
-          <a:effectRef idx="0">
-            <a:schemeClr val="accent1"/>
-          </a:effectRef>
-          <a:fontRef idx="minor">
-            <a:schemeClr val="lt1"/>
-          </a:fontRef>
-        </p:style>
-        <p:txBody>
-          <a:bodyPr rtlCol="0" anchor="ctr"/>
-          <a:lstStyle/>
-          <a:p>
-            <a:pPr algn="ctr"/>
-            <a:r>
-              <a:rPr lang="en-US" dirty="0" err="1"/>
-              <a:t>LeadDeveloper</a:t>
-            </a:r>
-            <a:r>
-              <a:rPr lang="en-US" dirty="0"/>
-              <a:t> </a:t>
-            </a:r>
-          </a:p>
-        </p:txBody>
-      </p:sp>
-      <p:sp>
-        <p:nvSpPr>
-          <p:cNvPr id="18" name="Rectangle 17">
-            <a:extLst>
-              <a:ext uri="{FF2B5EF4-FFF2-40B4-BE49-F238E27FC236}">
-                <a16:creationId xmlns:a16="http://schemas.microsoft.com/office/drawing/2014/main" id="{905C2A49-C0FC-433D-B072-C014F836C6DD}"/>
-              </a:ext>
-            </a:extLst>
-          </p:cNvPr>
-          <p:cNvSpPr/>
-          <p:nvPr/>
-        </p:nvSpPr>
-        <p:spPr>
-          <a:xfrm>
-            <a:off x="4711398" y="2224283"/>
-            <a:ext cx="2145593" cy="3071630"/>
-          </a:xfrm>
-          <a:prstGeom prst="rect">
-            <a:avLst/>
-          </a:prstGeom>
-        </p:spPr>
-        <p:style>
-          <a:lnRef idx="2">
-            <a:schemeClr val="accent1">
-              <a:shade val="50000"/>
-            </a:schemeClr>
-          </a:lnRef>
-          <a:fillRef idx="1">
-            <a:schemeClr val="accent1"/>
-          </a:fillRef>
-          <a:effectRef idx="0">
-            <a:schemeClr val="accent1"/>
-          </a:effectRef>
-          <a:fontRef idx="minor">
-            <a:schemeClr val="lt1"/>
-          </a:fontRef>
-        </p:style>
-        <p:txBody>
-          <a:bodyPr rtlCol="0" anchor="ctr"/>
-          <a:lstStyle/>
-          <a:p>
-            <a:pPr algn="ctr"/>
-            <a:endParaRPr lang="en-US"/>
-          </a:p>
-        </p:txBody>
-      </p:sp>
-      <p:sp>
-        <p:nvSpPr>
-          <p:cNvPr id="20" name="Title 19">
-            <a:extLst>
-              <a:ext uri="{FF2B5EF4-FFF2-40B4-BE49-F238E27FC236}">
-                <a16:creationId xmlns:a16="http://schemas.microsoft.com/office/drawing/2014/main" id="{3BC17FBD-F549-4A1B-BF8F-041A262C252E}"/>
-              </a:ext>
-            </a:extLst>
-          </p:cNvPr>
-          <p:cNvSpPr>
-            <a:spLocks noGrp="1"/>
-          </p:cNvSpPr>
-          <p:nvPr>
-            <p:ph type="title"/>
-          </p:nvPr>
-        </p:nvSpPr>
-        <p:spPr>
-          <a:xfrm>
-            <a:off x="972084" y="55801"/>
-            <a:ext cx="9720072" cy="1499616"/>
-          </a:xfrm>
-        </p:spPr>
-        <p:txBody>
-          <a:bodyPr/>
-          <a:lstStyle/>
-          <a:p>
-            <a:r>
-              <a:rPr lang="en-US" dirty="0"/>
-              <a:t>1.Client send requirements to Lead dev</a:t>
-            </a:r>
-          </a:p>
-        </p:txBody>
-      </p:sp>
-      <p:pic>
-        <p:nvPicPr>
-          <p:cNvPr id="43" name="Content Placeholder 42" descr="Envelope">
-            <a:extLst>
-              <a:ext uri="{FF2B5EF4-FFF2-40B4-BE49-F238E27FC236}">
-                <a16:creationId xmlns:a16="http://schemas.microsoft.com/office/drawing/2014/main" id="{569E3787-C5D2-4455-9ABE-C177C5AC1B61}"/>
-              </a:ext>
-            </a:extLst>
-          </p:cNvPr>
-          <p:cNvPicPr>
-            <a:picLocks noGrp="1" noChangeAspect="1"/>
-          </p:cNvPicPr>
-          <p:nvPr>
-            <p:ph idx="1"/>
-          </p:nvPr>
-        </p:nvPicPr>
-        <p:blipFill>
-          <a:blip r:embed="rId2">
-            <a:extLst>
-              <a:ext uri="{28A0092B-C50C-407E-A947-70E740481C1C}">
-                <a14:useLocalDpi xmlns:a14="http://schemas.microsoft.com/office/drawing/2010/main" val="0"/>
-              </a:ext>
-              <a:ext uri="{96DAC541-7B7A-43D3-8B79-37D633B846F1}">
-                <asvg:svgBlip xmlns:asvg="http://schemas.microsoft.com/office/drawing/2016/SVG/main" r:embed="rId3"/>
-              </a:ext>
-            </a:extLst>
-          </a:blip>
-          <a:stretch>
-            <a:fillRect/>
-          </a:stretch>
-        </p:blipFill>
-        <p:spPr>
-          <a:xfrm>
-            <a:off x="2616160" y="2218266"/>
-            <a:ext cx="519357" cy="519357"/>
-          </a:xfrm>
-        </p:spPr>
-      </p:pic>
-      <p:sp>
-        <p:nvSpPr>
-          <p:cNvPr id="14" name="Rectangle 13">
-            <a:extLst>
-              <a:ext uri="{FF2B5EF4-FFF2-40B4-BE49-F238E27FC236}">
-                <a16:creationId xmlns:a16="http://schemas.microsoft.com/office/drawing/2014/main" id="{AEC843BC-9B10-4EFC-97E3-F30986411000}"/>
-              </a:ext>
-            </a:extLst>
-          </p:cNvPr>
-          <p:cNvSpPr/>
-          <p:nvPr/>
-        </p:nvSpPr>
-        <p:spPr>
-          <a:xfrm>
-            <a:off x="989924" y="2265648"/>
-            <a:ext cx="1575881" cy="904673"/>
-          </a:xfrm>
-          <a:prstGeom prst="rect">
-            <a:avLst/>
-          </a:prstGeom>
-        </p:spPr>
-        <p:style>
-          <a:lnRef idx="2">
-            <a:schemeClr val="accent1">
-              <a:shade val="50000"/>
-            </a:schemeClr>
-          </a:lnRef>
-          <a:fillRef idx="1">
-            <a:schemeClr val="accent1"/>
-          </a:fillRef>
-          <a:effectRef idx="0">
-            <a:schemeClr val="accent1"/>
-          </a:effectRef>
-          <a:fontRef idx="minor">
-            <a:schemeClr val="lt1"/>
-          </a:fontRef>
-        </p:style>
-        <p:txBody>
-          <a:bodyPr rtlCol="0" anchor="ctr"/>
-          <a:lstStyle/>
-          <a:p>
-            <a:pPr algn="ctr"/>
-            <a:r>
-              <a:rPr lang="en-US" dirty="0"/>
-              <a:t>Client 1</a:t>
-            </a:r>
-          </a:p>
-        </p:txBody>
-      </p:sp>
-      <p:sp>
-        <p:nvSpPr>
-          <p:cNvPr id="15" name="Rectangle 14">
-            <a:extLst>
-              <a:ext uri="{FF2B5EF4-FFF2-40B4-BE49-F238E27FC236}">
-                <a16:creationId xmlns:a16="http://schemas.microsoft.com/office/drawing/2014/main" id="{9CE504D8-2A5E-44F8-8DEA-B04191D05410}"/>
-              </a:ext>
-            </a:extLst>
-          </p:cNvPr>
-          <p:cNvSpPr/>
-          <p:nvPr/>
-        </p:nvSpPr>
-        <p:spPr>
-          <a:xfrm>
-            <a:off x="1024128" y="4311916"/>
-            <a:ext cx="1575881" cy="904673"/>
-          </a:xfrm>
-          <a:prstGeom prst="rect">
-            <a:avLst/>
-          </a:prstGeom>
-        </p:spPr>
-        <p:style>
-          <a:lnRef idx="2">
-            <a:schemeClr val="accent1">
-              <a:shade val="50000"/>
-            </a:schemeClr>
-          </a:lnRef>
-          <a:fillRef idx="1">
-            <a:schemeClr val="accent1"/>
-          </a:fillRef>
-          <a:effectRef idx="0">
-            <a:schemeClr val="accent1"/>
-          </a:effectRef>
-          <a:fontRef idx="minor">
-            <a:schemeClr val="lt1"/>
-          </a:fontRef>
-        </p:style>
-        <p:txBody>
-          <a:bodyPr rtlCol="0" anchor="ctr"/>
-          <a:lstStyle/>
-          <a:p>
-            <a:pPr algn="ctr"/>
-            <a:r>
-              <a:rPr lang="en-US" dirty="0"/>
-              <a:t>Client 2</a:t>
-            </a:r>
-          </a:p>
-        </p:txBody>
-      </p:sp>
-      <p:sp>
-        <p:nvSpPr>
-          <p:cNvPr id="16" name="Rectangle 15">
-            <a:extLst>
-              <a:ext uri="{FF2B5EF4-FFF2-40B4-BE49-F238E27FC236}">
-                <a16:creationId xmlns:a16="http://schemas.microsoft.com/office/drawing/2014/main" id="{49DF2B84-8A85-43D9-B3DC-F8B2421B784C}"/>
-              </a:ext>
-            </a:extLst>
-          </p:cNvPr>
-          <p:cNvSpPr/>
-          <p:nvPr/>
-        </p:nvSpPr>
-        <p:spPr>
-          <a:xfrm>
-            <a:off x="8427587" y="4907192"/>
-            <a:ext cx="1575881" cy="904673"/>
-          </a:xfrm>
-          <a:prstGeom prst="rect">
-            <a:avLst/>
-          </a:prstGeom>
-        </p:spPr>
-        <p:style>
-          <a:lnRef idx="2">
-            <a:schemeClr val="accent1">
-              <a:shade val="50000"/>
-            </a:schemeClr>
-          </a:lnRef>
-          <a:fillRef idx="1">
-            <a:schemeClr val="accent1"/>
-          </a:fillRef>
-          <a:effectRef idx="0">
-            <a:schemeClr val="accent1"/>
-          </a:effectRef>
-          <a:fontRef idx="minor">
-            <a:schemeClr val="lt1"/>
-          </a:fontRef>
-        </p:style>
-        <p:txBody>
-          <a:bodyPr rtlCol="0" anchor="ctr"/>
-          <a:lstStyle/>
-          <a:p>
-            <a:pPr algn="ctr"/>
-            <a:r>
-              <a:rPr lang="en-US" dirty="0"/>
-              <a:t>Developer 3</a:t>
-            </a:r>
-          </a:p>
-        </p:txBody>
-      </p:sp>
-      <p:sp>
-        <p:nvSpPr>
-          <p:cNvPr id="17" name="Rectangle 16">
-            <a:extLst>
-              <a:ext uri="{FF2B5EF4-FFF2-40B4-BE49-F238E27FC236}">
-                <a16:creationId xmlns:a16="http://schemas.microsoft.com/office/drawing/2014/main" id="{2DF050B6-73C1-4DF2-86F9-8BAE3CD612CC}"/>
-              </a:ext>
-            </a:extLst>
-          </p:cNvPr>
-          <p:cNvSpPr/>
-          <p:nvPr/>
-        </p:nvSpPr>
-        <p:spPr>
-          <a:xfrm>
-            <a:off x="8463897" y="3375353"/>
-            <a:ext cx="1575881" cy="904673"/>
-          </a:xfrm>
-          <a:prstGeom prst="rect">
-            <a:avLst/>
-          </a:prstGeom>
-        </p:spPr>
-        <p:style>
-          <a:lnRef idx="2">
-            <a:schemeClr val="accent1">
-              <a:shade val="50000"/>
-            </a:schemeClr>
-          </a:lnRef>
-          <a:fillRef idx="1">
-            <a:schemeClr val="accent1"/>
-          </a:fillRef>
-          <a:effectRef idx="0">
-            <a:schemeClr val="accent1"/>
-          </a:effectRef>
-          <a:fontRef idx="minor">
-            <a:schemeClr val="lt1"/>
-          </a:fontRef>
-        </p:style>
-        <p:txBody>
-          <a:bodyPr rtlCol="0" anchor="ctr"/>
-          <a:lstStyle/>
-          <a:p>
-            <a:pPr algn="ctr"/>
-            <a:r>
-              <a:rPr lang="en-US" dirty="0"/>
-              <a:t>Developer 2</a:t>
-            </a:r>
-          </a:p>
-        </p:txBody>
-      </p:sp>
-      <p:cxnSp>
-        <p:nvCxnSpPr>
-          <p:cNvPr id="23" name="Straight Connector 22">
-            <a:extLst>
-              <a:ext uri="{FF2B5EF4-FFF2-40B4-BE49-F238E27FC236}">
-                <a16:creationId xmlns:a16="http://schemas.microsoft.com/office/drawing/2014/main" id="{AFA8F0AF-91BC-48C8-9EF5-583ECECE51B8}"/>
-              </a:ext>
-            </a:extLst>
-          </p:cNvPr>
-          <p:cNvCxnSpPr>
-            <a:cxnSpLocks/>
-            <a:stCxn id="14" idx="3"/>
-          </p:cNvCxnSpPr>
-          <p:nvPr/>
-        </p:nvCxnSpPr>
-        <p:spPr>
-          <a:xfrm>
-            <a:off x="2565805" y="2717985"/>
-            <a:ext cx="1978862" cy="653393"/>
-          </a:xfrm>
-          <a:prstGeom prst="line">
-            <a:avLst/>
-          </a:prstGeom>
-        </p:spPr>
-        <p:style>
-          <a:lnRef idx="1">
-            <a:schemeClr val="accent1"/>
-          </a:lnRef>
-          <a:fillRef idx="0">
-            <a:schemeClr val="accent1"/>
-          </a:fillRef>
-          <a:effectRef idx="0">
-            <a:schemeClr val="accent1"/>
-          </a:effectRef>
-          <a:fontRef idx="minor">
-            <a:schemeClr val="tx1"/>
-          </a:fontRef>
-        </p:style>
-      </p:cxnSp>
-      <p:cxnSp>
-        <p:nvCxnSpPr>
-          <p:cNvPr id="24" name="Straight Connector 23">
-            <a:extLst>
-              <a:ext uri="{FF2B5EF4-FFF2-40B4-BE49-F238E27FC236}">
-                <a16:creationId xmlns:a16="http://schemas.microsoft.com/office/drawing/2014/main" id="{3AB406F6-C97F-4541-BBC7-65F3D8D3FD00}"/>
-              </a:ext>
-            </a:extLst>
-          </p:cNvPr>
-          <p:cNvCxnSpPr>
-            <a:cxnSpLocks/>
-            <a:stCxn id="15" idx="3"/>
-            <a:endCxn id="18" idx="1"/>
-          </p:cNvCxnSpPr>
-          <p:nvPr/>
-        </p:nvCxnSpPr>
-        <p:spPr>
-          <a:xfrm flipV="1">
-            <a:off x="2600009" y="3760098"/>
-            <a:ext cx="2111389" cy="1004155"/>
-          </a:xfrm>
-          <a:prstGeom prst="line">
-            <a:avLst/>
-          </a:prstGeom>
-        </p:spPr>
-        <p:style>
-          <a:lnRef idx="1">
-            <a:schemeClr val="accent1"/>
-          </a:lnRef>
-          <a:fillRef idx="0">
-            <a:schemeClr val="accent1"/>
-          </a:fillRef>
-          <a:effectRef idx="0">
-            <a:schemeClr val="accent1"/>
-          </a:effectRef>
-          <a:fontRef idx="minor">
-            <a:schemeClr val="tx1"/>
-          </a:fontRef>
-        </p:style>
-      </p:cxnSp>
-      <p:cxnSp>
-        <p:nvCxnSpPr>
-          <p:cNvPr id="26" name="Straight Connector 25">
-            <a:extLst>
-              <a:ext uri="{FF2B5EF4-FFF2-40B4-BE49-F238E27FC236}">
-                <a16:creationId xmlns:a16="http://schemas.microsoft.com/office/drawing/2014/main" id="{B8C2FA0F-68C6-4085-BAF2-F33CB5401ABA}"/>
-              </a:ext>
-            </a:extLst>
-          </p:cNvPr>
-          <p:cNvCxnSpPr>
-            <a:cxnSpLocks/>
-            <a:stCxn id="18" idx="3"/>
-          </p:cNvCxnSpPr>
-          <p:nvPr/>
-        </p:nvCxnSpPr>
-        <p:spPr>
-          <a:xfrm flipV="1">
-            <a:off x="6856991" y="3678874"/>
-            <a:ext cx="1737327" cy="81224"/>
-          </a:xfrm>
-          <a:prstGeom prst="line">
-            <a:avLst/>
-          </a:prstGeom>
-        </p:spPr>
-        <p:style>
-          <a:lnRef idx="1">
-            <a:schemeClr val="accent1"/>
-          </a:lnRef>
-          <a:fillRef idx="0">
-            <a:schemeClr val="accent1"/>
-          </a:fillRef>
-          <a:effectRef idx="0">
-            <a:schemeClr val="accent1"/>
-          </a:effectRef>
-          <a:fontRef idx="minor">
-            <a:schemeClr val="tx1"/>
-          </a:fontRef>
-        </p:style>
-      </p:cxnSp>
-      <p:cxnSp>
-        <p:nvCxnSpPr>
-          <p:cNvPr id="27" name="Straight Connector 26">
-            <a:extLst>
-              <a:ext uri="{FF2B5EF4-FFF2-40B4-BE49-F238E27FC236}">
-                <a16:creationId xmlns:a16="http://schemas.microsoft.com/office/drawing/2014/main" id="{5943D79C-B3C6-4360-99A3-EF60DE91B68D}"/>
-              </a:ext>
-            </a:extLst>
-          </p:cNvPr>
-          <p:cNvCxnSpPr>
-            <a:cxnSpLocks/>
-            <a:endCxn id="19" idx="1"/>
-          </p:cNvCxnSpPr>
-          <p:nvPr/>
-        </p:nvCxnSpPr>
-        <p:spPr>
-          <a:xfrm flipV="1">
-            <a:off x="6652071" y="2286000"/>
-            <a:ext cx="1811826" cy="296056"/>
-          </a:xfrm>
-          <a:prstGeom prst="line">
-            <a:avLst/>
-          </a:prstGeom>
-        </p:spPr>
-        <p:style>
-          <a:lnRef idx="1">
-            <a:schemeClr val="accent1"/>
-          </a:lnRef>
-          <a:fillRef idx="0">
-            <a:schemeClr val="accent1"/>
-          </a:fillRef>
-          <a:effectRef idx="0">
-            <a:schemeClr val="accent1"/>
-          </a:effectRef>
-          <a:fontRef idx="minor">
-            <a:schemeClr val="tx1"/>
-          </a:fontRef>
-        </p:style>
-      </p:cxnSp>
-      <p:cxnSp>
-        <p:nvCxnSpPr>
-          <p:cNvPr id="39" name="Straight Connector 38">
-            <a:extLst>
-              <a:ext uri="{FF2B5EF4-FFF2-40B4-BE49-F238E27FC236}">
-                <a16:creationId xmlns:a16="http://schemas.microsoft.com/office/drawing/2014/main" id="{68A4E07B-4335-4886-8576-0BC132906274}"/>
-              </a:ext>
-            </a:extLst>
-          </p:cNvPr>
-          <p:cNvCxnSpPr>
-            <a:cxnSpLocks/>
-            <a:endCxn id="16" idx="1"/>
-          </p:cNvCxnSpPr>
-          <p:nvPr/>
-        </p:nvCxnSpPr>
-        <p:spPr>
-          <a:xfrm>
-            <a:off x="6523529" y="4845476"/>
-            <a:ext cx="1904058" cy="514053"/>
-          </a:xfrm>
-          <a:prstGeom prst="line">
-            <a:avLst/>
-          </a:prstGeom>
-        </p:spPr>
-        <p:style>
-          <a:lnRef idx="1">
-            <a:schemeClr val="accent1"/>
-          </a:lnRef>
-          <a:fillRef idx="0">
-            <a:schemeClr val="accent1"/>
-          </a:fillRef>
-          <a:effectRef idx="0">
-            <a:schemeClr val="accent1"/>
-          </a:effectRef>
-          <a:fontRef idx="minor">
-            <a:schemeClr val="tx1"/>
-          </a:fontRef>
-        </p:style>
-      </p:cxnSp>
-      <p:sp>
-        <p:nvSpPr>
-          <p:cNvPr id="41" name="TextBox 40">
-            <a:extLst>
-              <a:ext uri="{FF2B5EF4-FFF2-40B4-BE49-F238E27FC236}">
-                <a16:creationId xmlns:a16="http://schemas.microsoft.com/office/drawing/2014/main" id="{828555BC-CB02-4C9B-91FE-07FC51E54A0E}"/>
-              </a:ext>
-            </a:extLst>
-          </p:cNvPr>
-          <p:cNvSpPr txBox="1"/>
-          <p:nvPr/>
-        </p:nvSpPr>
-        <p:spPr>
-          <a:xfrm>
-            <a:off x="4544667" y="1833663"/>
-            <a:ext cx="1978862" cy="369332"/>
-          </a:xfrm>
-          <a:prstGeom prst="rect">
-            <a:avLst/>
-          </a:prstGeom>
-          <a:noFill/>
-        </p:spPr>
-        <p:txBody>
-          <a:bodyPr wrap="square" rtlCol="0">
-            <a:spAutoFit/>
-          </a:bodyPr>
-          <a:lstStyle/>
-          <a:p>
-            <a:r>
-              <a:rPr lang="en-US" dirty="0"/>
-              <a:t>Active MQ:</a:t>
-            </a:r>
-          </a:p>
-        </p:txBody>
-      </p:sp>
-    </p:spTree>
-    <p:extLst>
-      <p:ext uri="{BB962C8B-B14F-4D97-AF65-F5344CB8AC3E}">
-        <p14:creationId xmlns:p14="http://schemas.microsoft.com/office/powerpoint/2010/main" val="2176029349"/>
-      </p:ext>
-    </p:extLst>
-  </p:cSld>
-  <p:clrMapOvr>
-    <a:masterClrMapping/>
-  </p:clrMapOvr>
-  <p:timing>
-    <p:tnLst>
-      <p:par>
-        <p:cTn id="1" dur="indefinite" restart="never" nodeType="tmRoot">
-          <p:childTnLst>
-            <p:seq concurrent="1" nextAc="seek">
-              <p:cTn id="2" dur="indefinite" nodeType="mainSeq">
-                <p:childTnLst>
-                  <p:par>
-                    <p:cTn id="3" fill="hold">
-                      <p:stCondLst>
-                        <p:cond delay="indefinite"/>
-                      </p:stCondLst>
-                      <p:childTnLst>
-                        <p:par>
-                          <p:cTn id="4" fill="hold">
-                            <p:stCondLst>
-                              <p:cond delay="0"/>
-                            </p:stCondLst>
-                            <p:childTnLst>
-                              <p:par>
-                                <p:cTn id="5" presetID="42" presetClass="path" presetSubtype="0" accel="50000" decel="50000" fill="hold" nodeType="clickEffect">
-                                  <p:stCondLst>
-                                    <p:cond delay="0"/>
-                                  </p:stCondLst>
-                                  <p:childTnLst>
-                                    <p:animMotion origin="layout" path="M 2.70833E-6 -1.11111E-6 L 0.22409 0.13472 " pathEditMode="relative" rAng="0" ptsTypes="AA">
-                                      <p:cBhvr>
-                                        <p:cTn id="6" dur="1000" fill="hold"/>
-                                        <p:tgtEl>
-                                          <p:spTgt spid="43"/>
-                                        </p:tgtEl>
-                                        <p:attrNameLst>
-                                          <p:attrName>ppt_x</p:attrName>
-                                          <p:attrName>ppt_y</p:attrName>
-                                        </p:attrNameLst>
-                                      </p:cBhvr>
-                                      <p:rCtr x="11198" y="6736"/>
-                                    </p:animMotion>
-                                  </p:childTnLst>
-                                </p:cTn>
-                              </p:par>
-                            </p:childTnLst>
-                          </p:cTn>
-                        </p:par>
-                        <p:par>
-                          <p:cTn id="7" fill="hold">
-                            <p:stCondLst>
-                              <p:cond delay="1000"/>
-                            </p:stCondLst>
-                            <p:childTnLst>
-                              <p:par>
-                                <p:cTn id="8" presetID="42" presetClass="path" presetSubtype="0" accel="50000" decel="50000" fill="hold" nodeType="afterEffect">
-                                  <p:stCondLst>
-                                    <p:cond delay="0"/>
-                                  </p:stCondLst>
-                                  <p:childTnLst>
-                                    <p:animMotion origin="layout" path="M 0.22409 0.13473 L 0.47474 0.0007 " pathEditMode="relative" rAng="0" ptsTypes="AA">
-                                      <p:cBhvr>
-                                        <p:cTn id="9" dur="1000" fill="hold"/>
-                                        <p:tgtEl>
-                                          <p:spTgt spid="43"/>
-                                        </p:tgtEl>
-                                        <p:attrNameLst>
-                                          <p:attrName>ppt_x</p:attrName>
-                                          <p:attrName>ppt_y</p:attrName>
-                                        </p:attrNameLst>
-                                      </p:cBhvr>
-                                      <p:rCtr x="12526" y="-7199"/>
-                                    </p:animMotion>
-                                  </p:childTnLst>
-                                </p:cTn>
-                              </p:par>
-                            </p:childTnLst>
-                          </p:cTn>
-                        </p:par>
-                      </p:childTnLst>
-                    </p:cTn>
-                  </p:par>
-                </p:childTnLst>
-              </p:cTn>
-              <p:prevCondLst>
-                <p:cond evt="onPrev" delay="0">
-                  <p:tgtEl>
-                    <p:sldTgt/>
-                  </p:tgtEl>
-                </p:cond>
-              </p:prevCondLst>
-              <p:nextCondLst>
-                <p:cond evt="onNext" delay="0">
-                  <p:tgtEl>
-                    <p:sldTgt/>
-                  </p:tgtEl>
-                </p:cond>
-              </p:nextCondLst>
-            </p:seq>
-          </p:childTnLst>
-        </p:cTn>
-      </p:par>
-    </p:tnLst>
-  </p:timing>
 </p:sld>
 </file>
 

--- a/activemq.pptx
+++ b/activemq.pptx
@@ -5,8 +5,8 @@
     <p:sldMasterId id="2147483772" r:id="rId1"/>
   </p:sldMasterIdLst>
   <p:sldIdLst>
-    <p:sldId id="277" r:id="rId2"/>
-    <p:sldId id="256" r:id="rId3"/>
+    <p:sldId id="256" r:id="rId2"/>
+    <p:sldId id="277" r:id="rId3"/>
     <p:sldId id="260" r:id="rId4"/>
     <p:sldId id="274" r:id="rId5"/>
     <p:sldId id="275" r:id="rId6"/>
@@ -26,9 +26,10 @@
     <p:sldId id="281" r:id="rId20"/>
     <p:sldId id="280" r:id="rId21"/>
     <p:sldId id="285" r:id="rId22"/>
-    <p:sldId id="265" r:id="rId23"/>
-    <p:sldId id="261" r:id="rId24"/>
-    <p:sldId id="271" r:id="rId25"/>
+    <p:sldId id="286" r:id="rId23"/>
+    <p:sldId id="265" r:id="rId24"/>
+    <p:sldId id="261" r:id="rId25"/>
+    <p:sldId id="271" r:id="rId26"/>
   </p:sldIdLst>
   <p:sldSz cx="12192000" cy="6858000"/>
   <p:notesSz cx="6858000" cy="9144000"/>
@@ -12178,7 +12179,7 @@
           <a:p>
             <a:fld id="{9184DA70-C731-4C70-880D-CCD4705E623C}" type="datetime1">
               <a:rPr lang="en-US" smtClean="0"/>
-              <a:t>1/5/2020</a:t>
+              <a:t>1/6/2020</a:t>
             </a:fld>
             <a:endParaRPr lang="en-US" dirty="0"/>
           </a:p>
@@ -12385,7 +12386,7 @@
           <a:p>
             <a:fld id="{B612A279-0833-481D-8C56-F67FD0AC6C50}" type="datetime1">
               <a:rPr lang="en-US" smtClean="0"/>
-              <a:t>1/5/2020</a:t>
+              <a:t>1/6/2020</a:t>
             </a:fld>
             <a:endParaRPr lang="en-US" dirty="0"/>
           </a:p>
@@ -12565,7 +12566,7 @@
           <a:p>
             <a:fld id="{6587DA83-5663-4C9C-B9AA-0B40A3DAFF81}" type="datetime1">
               <a:rPr lang="en-US" smtClean="0"/>
-              <a:t>1/5/2020</a:t>
+              <a:t>1/6/2020</a:t>
             </a:fld>
             <a:endParaRPr lang="en-US" dirty="0"/>
           </a:p>
@@ -12770,7 +12771,7 @@
           <a:p>
             <a:fld id="{4BE1D723-8F53-4F53-90B0-1982A396982E}" type="datetime1">
               <a:rPr lang="en-US" smtClean="0"/>
-              <a:t>1/5/2020</a:t>
+              <a:t>1/6/2020</a:t>
             </a:fld>
             <a:endParaRPr lang="en-US" dirty="0"/>
           </a:p>
@@ -21668,7 +21669,7 @@
           <a:p>
             <a:fld id="{97669AF7-7BEB-44E4-9852-375E34362B5B}" type="datetime1">
               <a:rPr lang="en-US" smtClean="0"/>
-              <a:t>1/5/2020</a:t>
+              <a:t>1/6/2020</a:t>
             </a:fld>
             <a:endParaRPr lang="en-US" dirty="0"/>
           </a:p>
@@ -21942,7 +21943,7 @@
           <a:p>
             <a:fld id="{BAAAC38D-0552-4C82-B593-E6124DFADBE2}" type="datetime1">
               <a:rPr lang="en-US" smtClean="0"/>
-              <a:t>1/5/2020</a:t>
+              <a:t>1/6/2020</a:t>
             </a:fld>
             <a:endParaRPr lang="en-US" dirty="0"/>
           </a:p>
@@ -22340,7 +22341,7 @@
           <a:p>
             <a:fld id="{D9DF0F1C-5577-4ACB-BB62-DF8F3C494C7E}" type="datetime1">
               <a:rPr lang="en-US" smtClean="0"/>
-              <a:t>1/5/2020</a:t>
+              <a:t>1/6/2020</a:t>
             </a:fld>
             <a:endParaRPr lang="en-US" dirty="0"/>
           </a:p>
@@ -22458,7 +22459,7 @@
           <a:p>
             <a:fld id="{1775B394-D9F9-4F0C-B15D-605F45CB9E9F}" type="datetime1">
               <a:rPr lang="en-US" smtClean="0"/>
-              <a:t>1/5/2020</a:t>
+              <a:t>1/6/2020</a:t>
             </a:fld>
             <a:endParaRPr lang="en-US" dirty="0"/>
           </a:p>
@@ -22553,7 +22554,7 @@
           <a:p>
             <a:fld id="{39667345-2558-425A-8533-9BFDBCE15005}" type="datetime1">
               <a:rPr lang="en-US" smtClean="0"/>
-              <a:t>1/5/2020</a:t>
+              <a:t>1/6/2020</a:t>
             </a:fld>
             <a:endParaRPr lang="en-US" dirty="0"/>
           </a:p>
@@ -22843,7 +22844,7 @@
           <a:p>
             <a:fld id="{92BEA474-078D-4E9B-9B14-09A87B19DC46}" type="datetime1">
               <a:rPr lang="en-US" smtClean="0"/>
-              <a:t>1/5/2020</a:t>
+              <a:t>1/6/2020</a:t>
             </a:fld>
             <a:endParaRPr lang="en-US" dirty="0"/>
           </a:p>
@@ -23124,7 +23125,7 @@
           <a:p>
             <a:fld id="{4907D986-8816-4272-A432-0437A28A9828}" type="datetime1">
               <a:rPr lang="en-US" smtClean="0"/>
-              <a:t>1/5/2020</a:t>
+              <a:t>1/6/2020</a:t>
             </a:fld>
             <a:endParaRPr lang="en-US" dirty="0"/>
           </a:p>
@@ -23375,7 +23376,7 @@
           <a:p>
             <a:fld id="{62D6E202-B606-4609-B914-27C9371A1F6D}" type="datetime1">
               <a:rPr lang="en-US" smtClean="0"/>
-              <a:t>1/5/2020</a:t>
+              <a:t>1/6/2020</a:t>
             </a:fld>
             <a:endParaRPr lang="en-US" dirty="0"/>
           </a:p>
@@ -23886,12 +23887,135 @@
           <a:chExt cx="0" cy="0"/>
         </a:xfrm>
       </p:grpSpPr>
+      <p:sp useBgFill="1">
+        <p:nvSpPr>
+          <p:cNvPr id="9" name="Rectangle 8">
+            <a:extLst>
+              <a:ext uri="{FF2B5EF4-FFF2-40B4-BE49-F238E27FC236}">
+                <a16:creationId xmlns:a16="http://schemas.microsoft.com/office/drawing/2014/main" id="{C411DB08-1669-426B-BBEB-FAD285EF80FE}"/>
+              </a:ext>
+              <a:ext uri="{C183D7F6-B498-43B3-948B-1728B52AA6E4}">
+                <adec:decorative xmlns:adec="http://schemas.microsoft.com/office/drawing/2017/decorative" val="1"/>
+              </a:ext>
+            </a:extLst>
+          </p:cNvPr>
+          <p:cNvSpPr>
+            <a:spLocks noGrp="1" noRot="1" noChangeAspect="1" noMove="1" noResize="1" noEditPoints="1" noAdjustHandles="1" noChangeArrowheads="1" noChangeShapeType="1" noTextEdit="1"/>
+          </p:cNvSpPr>
+          <p:nvPr>
+            <p:extLst>
+              <p:ext uri="{386F3935-93C4-4BCD-93E2-E3B085C9AB24}">
+                <p16:designElem xmlns:p16="http://schemas.microsoft.com/office/powerpoint/2015/main" val="1"/>
+              </p:ext>
+            </p:extLst>
+          </p:nvPr>
+        </p:nvSpPr>
+        <p:spPr>
+          <a:xfrm>
+            <a:off x="0" y="0"/>
+            <a:ext cx="12188726" cy="6858975"/>
+          </a:xfrm>
+          <a:prstGeom prst="rect">
+            <a:avLst/>
+          </a:prstGeom>
+          <a:ln>
+            <a:noFill/>
+          </a:ln>
+        </p:spPr>
+        <p:style>
+          <a:lnRef idx="2">
+            <a:schemeClr val="accent1">
+              <a:shade val="50000"/>
+            </a:schemeClr>
+          </a:lnRef>
+          <a:fillRef idx="1">
+            <a:schemeClr val="accent1"/>
+          </a:fillRef>
+          <a:effectRef idx="0">
+            <a:schemeClr val="accent1"/>
+          </a:effectRef>
+          <a:fontRef idx="minor">
+            <a:schemeClr val="lt1"/>
+          </a:fontRef>
+        </p:style>
+        <p:txBody>
+          <a:bodyPr rtlCol="0" anchor="ctr"/>
+          <a:lstStyle/>
+          <a:p>
+            <a:pPr algn="ctr"/>
+            <a:endParaRPr lang="en-US"/>
+          </a:p>
+        </p:txBody>
+      </p:sp>
       <p:sp>
         <p:nvSpPr>
-          <p:cNvPr id="19" name="Content Placeholder 8">
+          <p:cNvPr id="11" name="Rectangle 10">
             <a:extLst>
               <a:ext uri="{FF2B5EF4-FFF2-40B4-BE49-F238E27FC236}">
-                <a16:creationId xmlns:a16="http://schemas.microsoft.com/office/drawing/2014/main" id="{F122B07B-EE60-4787-8D3B-3EE6F81CDDA9}"/>
+                <a16:creationId xmlns:a16="http://schemas.microsoft.com/office/drawing/2014/main" id="{029E4219-121F-4CD1-AA58-24746CD2923C}"/>
+              </a:ext>
+              <a:ext uri="{C183D7F6-B498-43B3-948B-1728B52AA6E4}">
+                <adec:decorative xmlns:adec="http://schemas.microsoft.com/office/drawing/2017/decorative" val="1"/>
+              </a:ext>
+            </a:extLst>
+          </p:cNvPr>
+          <p:cNvSpPr>
+            <a:spLocks noGrp="1" noRot="1" noChangeAspect="1" noMove="1" noResize="1" noEditPoints="1" noAdjustHandles="1" noChangeArrowheads="1" noChangeShapeType="1" noTextEdit="1"/>
+          </p:cNvSpPr>
+          <p:nvPr>
+            <p:extLst>
+              <p:ext uri="{386F3935-93C4-4BCD-93E2-E3B085C9AB24}">
+                <p16:designElem xmlns:p16="http://schemas.microsoft.com/office/powerpoint/2015/main" val="1"/>
+              </p:ext>
+            </p:extLst>
+          </p:nvPr>
+        </p:nvSpPr>
+        <p:spPr>
+          <a:xfrm>
+            <a:off x="0" y="0"/>
+            <a:ext cx="5468548" cy="6858000"/>
+          </a:xfrm>
+          <a:prstGeom prst="rect">
+            <a:avLst/>
+          </a:prstGeom>
+          <a:solidFill>
+            <a:schemeClr val="accent1"/>
+          </a:solidFill>
+          <a:ln>
+            <a:noFill/>
+          </a:ln>
+        </p:spPr>
+        <p:style>
+          <a:lnRef idx="2">
+            <a:schemeClr val="accent1">
+              <a:shade val="50000"/>
+            </a:schemeClr>
+          </a:lnRef>
+          <a:fillRef idx="1">
+            <a:schemeClr val="accent1"/>
+          </a:fillRef>
+          <a:effectRef idx="0">
+            <a:schemeClr val="accent1"/>
+          </a:effectRef>
+          <a:fontRef idx="minor">
+            <a:schemeClr val="lt1"/>
+          </a:fontRef>
+        </p:style>
+        <p:txBody>
+          <a:bodyPr rtlCol="0" anchor="ctr"/>
+          <a:lstStyle/>
+          <a:p>
+            <a:pPr algn="ctr"/>
+            <a:endParaRPr lang="en-US"/>
+          </a:p>
+        </p:txBody>
+      </p:sp>
+      <p:sp>
+        <p:nvSpPr>
+          <p:cNvPr id="2" name="Title 1">
+            <a:extLst>
+              <a:ext uri="{FF2B5EF4-FFF2-40B4-BE49-F238E27FC236}">
+                <a16:creationId xmlns:a16="http://schemas.microsoft.com/office/drawing/2014/main" id="{C3371E3D-6EAF-4FB1-B6C1-EF5274EFDFDF}"/>
               </a:ext>
             </a:extLst>
           </p:cNvPr>
@@ -23899,31 +24023,163 @@
             <a:spLocks noGrp="1"/>
           </p:cNvSpPr>
           <p:nvPr>
-            <p:ph idx="1"/>
+            <p:ph type="ctrTitle"/>
           </p:nvPr>
         </p:nvSpPr>
         <p:spPr>
           <a:xfrm>
-            <a:off x="1024128" y="2286000"/>
-            <a:ext cx="4429615" cy="3931920"/>
+            <a:off x="634276" y="640080"/>
+            <a:ext cx="4208656" cy="3034857"/>
           </a:xfrm>
         </p:spPr>
         <p:txBody>
-          <a:bodyPr>
+          <a:bodyPr anchor="b">
             <a:normAutofit/>
           </a:bodyPr>
           <a:lstStyle/>
           <a:p>
-            <a:endParaRPr lang="en-US"/>
+            <a:r>
+              <a:rPr lang="en-US" sz="4400" dirty="0">
+                <a:solidFill>
+                  <a:srgbClr val="FFFFFF"/>
+                </a:solidFill>
+              </a:rPr>
+              <a:t>Apache</a:t>
+            </a:r>
+            <a:br>
+              <a:rPr lang="en-US" sz="4400" dirty="0">
+                <a:solidFill>
+                  <a:srgbClr val="FFFFFF"/>
+                </a:solidFill>
+              </a:rPr>
+            </a:br>
+            <a:r>
+              <a:rPr lang="en-US" sz="4400" dirty="0">
+                <a:solidFill>
+                  <a:srgbClr val="FFFFFF"/>
+                </a:solidFill>
+              </a:rPr>
+              <a:t> Active Message Queuing</a:t>
+            </a:r>
+            <a:br>
+              <a:rPr lang="en-US" sz="4400" dirty="0">
+                <a:solidFill>
+                  <a:srgbClr val="FFFFFF"/>
+                </a:solidFill>
+              </a:rPr>
+            </a:br>
+            <a:r>
+              <a:rPr lang="en-US" sz="4400" dirty="0">
+                <a:solidFill>
+                  <a:srgbClr val="FFFFFF"/>
+                </a:solidFill>
+              </a:rPr>
+              <a:t>(Active MQ)</a:t>
+            </a:r>
           </a:p>
         </p:txBody>
       </p:sp>
+      <p:sp>
+        <p:nvSpPr>
+          <p:cNvPr id="3" name="Subtitle 2">
+            <a:extLst>
+              <a:ext uri="{FF2B5EF4-FFF2-40B4-BE49-F238E27FC236}">
+                <a16:creationId xmlns:a16="http://schemas.microsoft.com/office/drawing/2014/main" id="{4EEFD804-1814-4560-AC22-A02D4938B3E2}"/>
+              </a:ext>
+            </a:extLst>
+          </p:cNvPr>
+          <p:cNvSpPr>
+            <a:spLocks noGrp="1"/>
+          </p:cNvSpPr>
+          <p:nvPr>
+            <p:ph type="subTitle" idx="1"/>
+          </p:nvPr>
+        </p:nvSpPr>
+        <p:spPr>
+          <a:xfrm>
+            <a:off x="638921" y="3849539"/>
+            <a:ext cx="4204012" cy="2359417"/>
+          </a:xfrm>
+        </p:spPr>
+        <p:txBody>
+          <a:bodyPr anchor="t">
+            <a:normAutofit/>
+          </a:bodyPr>
+          <a:lstStyle/>
+          <a:p>
+            <a:pPr algn="r"/>
+            <a:r>
+              <a:rPr lang="en-US" sz="1600">
+                <a:solidFill>
+                  <a:srgbClr val="FFFFFF"/>
+                </a:solidFill>
+              </a:rPr>
+              <a:t>An overview and usage in the industry</a:t>
+            </a:r>
+          </a:p>
+        </p:txBody>
+      </p:sp>
+      <p:cxnSp>
+        <p:nvCxnSpPr>
+          <p:cNvPr id="13" name="Straight Connector 12">
+            <a:extLst>
+              <a:ext uri="{FF2B5EF4-FFF2-40B4-BE49-F238E27FC236}">
+                <a16:creationId xmlns:a16="http://schemas.microsoft.com/office/drawing/2014/main" id="{52F50912-06FD-4216-BAD3-21050F59564A}"/>
+              </a:ext>
+              <a:ext uri="{C183D7F6-B498-43B3-948B-1728B52AA6E4}">
+                <adec:decorative xmlns:adec="http://schemas.microsoft.com/office/drawing/2017/decorative" val="1"/>
+              </a:ext>
+            </a:extLst>
+          </p:cNvPr>
+          <p:cNvCxnSpPr>
+            <a:cxnSpLocks noGrp="1" noRot="1" noChangeAspect="1" noMove="1" noResize="1" noEditPoints="1" noAdjustHandles="1" noChangeArrowheads="1" noChangeShapeType="1"/>
+          </p:cNvCxnSpPr>
+          <p:nvPr>
+            <p:extLst>
+              <p:ext uri="{386F3935-93C4-4BCD-93E2-E3B085C9AB24}">
+                <p16:designElem xmlns:p16="http://schemas.microsoft.com/office/powerpoint/2015/main" val="1"/>
+              </p:ext>
+            </p:extLst>
+          </p:nvPr>
+        </p:nvCxnSpPr>
+        <p:spPr>
+          <a:xfrm>
+            <a:off x="786679" y="3765314"/>
+            <a:ext cx="3931920" cy="0"/>
+          </a:xfrm>
+          <a:prstGeom prst="line">
+            <a:avLst/>
+          </a:prstGeom>
+          <a:ln w="19050">
+            <a:solidFill>
+              <a:schemeClr val="accent1">
+                <a:lumMod val="20000"/>
+                <a:lumOff val="80000"/>
+              </a:schemeClr>
+            </a:solidFill>
+          </a:ln>
+        </p:spPr>
+        <p:style>
+          <a:lnRef idx="1">
+            <a:schemeClr val="accent1"/>
+          </a:lnRef>
+          <a:fillRef idx="0">
+            <a:schemeClr val="accent1"/>
+          </a:fillRef>
+          <a:effectRef idx="0">
+            <a:schemeClr val="accent1"/>
+          </a:effectRef>
+          <a:fontRef idx="minor">
+            <a:schemeClr val="tx1"/>
+          </a:fontRef>
+        </p:style>
+      </p:cxnSp>
       <p:pic>
         <p:nvPicPr>
-          <p:cNvPr id="5" name="Content Placeholder 4" descr="A picture containing indoor, food&#10;&#10;Description automatically generated">
+          <p:cNvPr id="4" name="Picture 3">
             <a:extLst>
               <a:ext uri="{FF2B5EF4-FFF2-40B4-BE49-F238E27FC236}">
-                <a16:creationId xmlns:a16="http://schemas.microsoft.com/office/drawing/2014/main" id="{8449ABA1-9253-4B48-87E6-7D3E19A87ACA}"/>
+                <a16:creationId xmlns:a16="http://schemas.microsoft.com/office/drawing/2014/main" id="{A3CFC7E7-3C4C-4A4C-BDC6-6DE3C4FA65E6}"/>
               </a:ext>
             </a:extLst>
           </p:cNvPr>
@@ -23932,7 +24188,7 @@
           </p:cNvPicPr>
           <p:nvPr/>
         </p:nvPicPr>
-        <p:blipFill rotWithShape="1">
+        <p:blipFill>
           <a:blip r:embed="rId2">
             <a:extLst>
               <a:ext uri="{28A0092B-C50C-407E-A947-70E740481C1C}">
@@ -23940,13 +24196,12 @@
               </a:ext>
             </a:extLst>
           </a:blip>
-          <a:srcRect t="12348" r="-1" b="12632"/>
           <a:stretch/>
         </p:blipFill>
         <p:spPr>
           <a:xfrm>
-            <a:off x="6096000" y="1894129"/>
-            <a:ext cx="5455921" cy="3069742"/>
+            <a:off x="6096000" y="1200315"/>
+            <a:ext cx="5459470" cy="4458345"/>
           </a:xfrm>
           <a:prstGeom prst="rect">
             <a:avLst/>
@@ -23956,7 +24211,7 @@
     </p:spTree>
     <p:extLst>
       <p:ext uri="{BB962C8B-B14F-4D97-AF65-F5344CB8AC3E}">
-        <p14:creationId xmlns:p14="http://schemas.microsoft.com/office/powerpoint/2010/main" val="950835763"/>
+        <p14:creationId xmlns:p14="http://schemas.microsoft.com/office/powerpoint/2010/main" val="1310197423"/>
       </p:ext>
     </p:extLst>
   </p:cSld>
@@ -27210,7 +27465,11 @@
           <a:p>
             <a:pPr algn="ctr"/>
             <a:r>
-              <a:rPr lang="en-US" dirty="0"/>
+              <a:rPr lang="en-US" dirty="0">
+                <a:solidFill>
+                  <a:srgbClr val="7030A0"/>
+                </a:solidFill>
+              </a:rPr>
               <a:t>Developer 4</a:t>
             </a:r>
           </a:p>
@@ -29812,135 +30071,12 @@
           <a:chExt cx="0" cy="0"/>
         </a:xfrm>
       </p:grpSpPr>
-      <p:sp useBgFill="1">
+      <p:sp>
         <p:nvSpPr>
-          <p:cNvPr id="9" name="Rectangle 8">
+          <p:cNvPr id="19" name="Content Placeholder 8">
             <a:extLst>
               <a:ext uri="{FF2B5EF4-FFF2-40B4-BE49-F238E27FC236}">
-                <a16:creationId xmlns:a16="http://schemas.microsoft.com/office/drawing/2014/main" id="{C411DB08-1669-426B-BBEB-FAD285EF80FE}"/>
-              </a:ext>
-              <a:ext uri="{C183D7F6-B498-43B3-948B-1728B52AA6E4}">
-                <adec:decorative xmlns:adec="http://schemas.microsoft.com/office/drawing/2017/decorative" val="1"/>
-              </a:ext>
-            </a:extLst>
-          </p:cNvPr>
-          <p:cNvSpPr>
-            <a:spLocks noGrp="1" noRot="1" noChangeAspect="1" noMove="1" noResize="1" noEditPoints="1" noAdjustHandles="1" noChangeArrowheads="1" noChangeShapeType="1" noTextEdit="1"/>
-          </p:cNvSpPr>
-          <p:nvPr>
-            <p:extLst>
-              <p:ext uri="{386F3935-93C4-4BCD-93E2-E3B085C9AB24}">
-                <p16:designElem xmlns:p16="http://schemas.microsoft.com/office/powerpoint/2015/main" val="1"/>
-              </p:ext>
-            </p:extLst>
-          </p:nvPr>
-        </p:nvSpPr>
-        <p:spPr>
-          <a:xfrm>
-            <a:off x="0" y="0"/>
-            <a:ext cx="12188726" cy="6858975"/>
-          </a:xfrm>
-          <a:prstGeom prst="rect">
-            <a:avLst/>
-          </a:prstGeom>
-          <a:ln>
-            <a:noFill/>
-          </a:ln>
-        </p:spPr>
-        <p:style>
-          <a:lnRef idx="2">
-            <a:schemeClr val="accent1">
-              <a:shade val="50000"/>
-            </a:schemeClr>
-          </a:lnRef>
-          <a:fillRef idx="1">
-            <a:schemeClr val="accent1"/>
-          </a:fillRef>
-          <a:effectRef idx="0">
-            <a:schemeClr val="accent1"/>
-          </a:effectRef>
-          <a:fontRef idx="minor">
-            <a:schemeClr val="lt1"/>
-          </a:fontRef>
-        </p:style>
-        <p:txBody>
-          <a:bodyPr rtlCol="0" anchor="ctr"/>
-          <a:lstStyle/>
-          <a:p>
-            <a:pPr algn="ctr"/>
-            <a:endParaRPr lang="en-US"/>
-          </a:p>
-        </p:txBody>
-      </p:sp>
-      <p:sp>
-        <p:nvSpPr>
-          <p:cNvPr id="11" name="Rectangle 10">
-            <a:extLst>
-              <a:ext uri="{FF2B5EF4-FFF2-40B4-BE49-F238E27FC236}">
-                <a16:creationId xmlns:a16="http://schemas.microsoft.com/office/drawing/2014/main" id="{029E4219-121F-4CD1-AA58-24746CD2923C}"/>
-              </a:ext>
-              <a:ext uri="{C183D7F6-B498-43B3-948B-1728B52AA6E4}">
-                <adec:decorative xmlns:adec="http://schemas.microsoft.com/office/drawing/2017/decorative" val="1"/>
-              </a:ext>
-            </a:extLst>
-          </p:cNvPr>
-          <p:cNvSpPr>
-            <a:spLocks noGrp="1" noRot="1" noChangeAspect="1" noMove="1" noResize="1" noEditPoints="1" noAdjustHandles="1" noChangeArrowheads="1" noChangeShapeType="1" noTextEdit="1"/>
-          </p:cNvSpPr>
-          <p:nvPr>
-            <p:extLst>
-              <p:ext uri="{386F3935-93C4-4BCD-93E2-E3B085C9AB24}">
-                <p16:designElem xmlns:p16="http://schemas.microsoft.com/office/powerpoint/2015/main" val="1"/>
-              </p:ext>
-            </p:extLst>
-          </p:nvPr>
-        </p:nvSpPr>
-        <p:spPr>
-          <a:xfrm>
-            <a:off x="0" y="0"/>
-            <a:ext cx="5468548" cy="6858000"/>
-          </a:xfrm>
-          <a:prstGeom prst="rect">
-            <a:avLst/>
-          </a:prstGeom>
-          <a:solidFill>
-            <a:schemeClr val="accent1"/>
-          </a:solidFill>
-          <a:ln>
-            <a:noFill/>
-          </a:ln>
-        </p:spPr>
-        <p:style>
-          <a:lnRef idx="2">
-            <a:schemeClr val="accent1">
-              <a:shade val="50000"/>
-            </a:schemeClr>
-          </a:lnRef>
-          <a:fillRef idx="1">
-            <a:schemeClr val="accent1"/>
-          </a:fillRef>
-          <a:effectRef idx="0">
-            <a:schemeClr val="accent1"/>
-          </a:effectRef>
-          <a:fontRef idx="minor">
-            <a:schemeClr val="lt1"/>
-          </a:fontRef>
-        </p:style>
-        <p:txBody>
-          <a:bodyPr rtlCol="0" anchor="ctr"/>
-          <a:lstStyle/>
-          <a:p>
-            <a:pPr algn="ctr"/>
-            <a:endParaRPr lang="en-US"/>
-          </a:p>
-        </p:txBody>
-      </p:sp>
-      <p:sp>
-        <p:nvSpPr>
-          <p:cNvPr id="2" name="Title 1">
-            <a:extLst>
-              <a:ext uri="{FF2B5EF4-FFF2-40B4-BE49-F238E27FC236}">
-                <a16:creationId xmlns:a16="http://schemas.microsoft.com/office/drawing/2014/main" id="{C3371E3D-6EAF-4FB1-B6C1-EF5274EFDFDF}"/>
+                <a16:creationId xmlns:a16="http://schemas.microsoft.com/office/drawing/2014/main" id="{F122B07B-EE60-4787-8D3B-3EE6F81CDDA9}"/>
               </a:ext>
             </a:extLst>
           </p:cNvPr>
@@ -29948,163 +30084,31 @@
             <a:spLocks noGrp="1"/>
           </p:cNvSpPr>
           <p:nvPr>
-            <p:ph type="ctrTitle"/>
+            <p:ph idx="1"/>
           </p:nvPr>
         </p:nvSpPr>
         <p:spPr>
           <a:xfrm>
-            <a:off x="634276" y="640080"/>
-            <a:ext cx="4208656" cy="3034857"/>
+            <a:off x="1024128" y="2286000"/>
+            <a:ext cx="4429615" cy="3931920"/>
           </a:xfrm>
         </p:spPr>
         <p:txBody>
-          <a:bodyPr anchor="b">
+          <a:bodyPr>
             <a:normAutofit/>
           </a:bodyPr>
           <a:lstStyle/>
           <a:p>
-            <a:r>
-              <a:rPr lang="en-US" sz="4400" dirty="0">
-                <a:solidFill>
-                  <a:srgbClr val="FFFFFF"/>
-                </a:solidFill>
-              </a:rPr>
-              <a:t>Apache</a:t>
-            </a:r>
-            <a:br>
-              <a:rPr lang="en-US" sz="4400" dirty="0">
-                <a:solidFill>
-                  <a:srgbClr val="FFFFFF"/>
-                </a:solidFill>
-              </a:rPr>
-            </a:br>
-            <a:r>
-              <a:rPr lang="en-US" sz="4400" dirty="0">
-                <a:solidFill>
-                  <a:srgbClr val="FFFFFF"/>
-                </a:solidFill>
-              </a:rPr>
-              <a:t> Active Message Queuing</a:t>
-            </a:r>
-            <a:br>
-              <a:rPr lang="en-US" sz="4400" dirty="0">
-                <a:solidFill>
-                  <a:srgbClr val="FFFFFF"/>
-                </a:solidFill>
-              </a:rPr>
-            </a:br>
-            <a:r>
-              <a:rPr lang="en-US" sz="4400" dirty="0">
-                <a:solidFill>
-                  <a:srgbClr val="FFFFFF"/>
-                </a:solidFill>
-              </a:rPr>
-              <a:t>(Active MQ)</a:t>
-            </a:r>
+            <a:endParaRPr lang="en-US"/>
           </a:p>
         </p:txBody>
       </p:sp>
-      <p:sp>
-        <p:nvSpPr>
-          <p:cNvPr id="3" name="Subtitle 2">
+      <p:pic>
+        <p:nvPicPr>
+          <p:cNvPr id="5" name="Content Placeholder 4" descr="A picture containing indoor, food&#10;&#10;Description automatically generated">
             <a:extLst>
               <a:ext uri="{FF2B5EF4-FFF2-40B4-BE49-F238E27FC236}">
-                <a16:creationId xmlns:a16="http://schemas.microsoft.com/office/drawing/2014/main" id="{4EEFD804-1814-4560-AC22-A02D4938B3E2}"/>
-              </a:ext>
-            </a:extLst>
-          </p:cNvPr>
-          <p:cNvSpPr>
-            <a:spLocks noGrp="1"/>
-          </p:cNvSpPr>
-          <p:nvPr>
-            <p:ph type="subTitle" idx="1"/>
-          </p:nvPr>
-        </p:nvSpPr>
-        <p:spPr>
-          <a:xfrm>
-            <a:off x="638921" y="3849539"/>
-            <a:ext cx="4204012" cy="2359417"/>
-          </a:xfrm>
-        </p:spPr>
-        <p:txBody>
-          <a:bodyPr anchor="t">
-            <a:normAutofit/>
-          </a:bodyPr>
-          <a:lstStyle/>
-          <a:p>
-            <a:pPr algn="r"/>
-            <a:r>
-              <a:rPr lang="en-US" sz="1600">
-                <a:solidFill>
-                  <a:srgbClr val="FFFFFF"/>
-                </a:solidFill>
-              </a:rPr>
-              <a:t>An overview and usage in the industry</a:t>
-            </a:r>
-          </a:p>
-        </p:txBody>
-      </p:sp>
-      <p:cxnSp>
-        <p:nvCxnSpPr>
-          <p:cNvPr id="13" name="Straight Connector 12">
-            <a:extLst>
-              <a:ext uri="{FF2B5EF4-FFF2-40B4-BE49-F238E27FC236}">
-                <a16:creationId xmlns:a16="http://schemas.microsoft.com/office/drawing/2014/main" id="{52F50912-06FD-4216-BAD3-21050F59564A}"/>
-              </a:ext>
-              <a:ext uri="{C183D7F6-B498-43B3-948B-1728B52AA6E4}">
-                <adec:decorative xmlns:adec="http://schemas.microsoft.com/office/drawing/2017/decorative" val="1"/>
-              </a:ext>
-            </a:extLst>
-          </p:cNvPr>
-          <p:cNvCxnSpPr>
-            <a:cxnSpLocks noGrp="1" noRot="1" noChangeAspect="1" noMove="1" noResize="1" noEditPoints="1" noAdjustHandles="1" noChangeArrowheads="1" noChangeShapeType="1"/>
-          </p:cNvCxnSpPr>
-          <p:nvPr>
-            <p:extLst>
-              <p:ext uri="{386F3935-93C4-4BCD-93E2-E3B085C9AB24}">
-                <p16:designElem xmlns:p16="http://schemas.microsoft.com/office/powerpoint/2015/main" val="1"/>
-              </p:ext>
-            </p:extLst>
-          </p:nvPr>
-        </p:nvCxnSpPr>
-        <p:spPr>
-          <a:xfrm>
-            <a:off x="786679" y="3765314"/>
-            <a:ext cx="3931920" cy="0"/>
-          </a:xfrm>
-          <a:prstGeom prst="line">
-            <a:avLst/>
-          </a:prstGeom>
-          <a:ln w="19050">
-            <a:solidFill>
-              <a:schemeClr val="accent1">
-                <a:lumMod val="20000"/>
-                <a:lumOff val="80000"/>
-              </a:schemeClr>
-            </a:solidFill>
-          </a:ln>
-        </p:spPr>
-        <p:style>
-          <a:lnRef idx="1">
-            <a:schemeClr val="accent1"/>
-          </a:lnRef>
-          <a:fillRef idx="0">
-            <a:schemeClr val="accent1"/>
-          </a:fillRef>
-          <a:effectRef idx="0">
-            <a:schemeClr val="accent1"/>
-          </a:effectRef>
-          <a:fontRef idx="minor">
-            <a:schemeClr val="tx1"/>
-          </a:fontRef>
-        </p:style>
-      </p:cxnSp>
-      <p:pic>
-        <p:nvPicPr>
-          <p:cNvPr id="4" name="Picture 3">
-            <a:extLst>
-              <a:ext uri="{FF2B5EF4-FFF2-40B4-BE49-F238E27FC236}">
-                <a16:creationId xmlns:a16="http://schemas.microsoft.com/office/drawing/2014/main" id="{A3CFC7E7-3C4C-4A4C-BDC6-6DE3C4FA65E6}"/>
+                <a16:creationId xmlns:a16="http://schemas.microsoft.com/office/drawing/2014/main" id="{8449ABA1-9253-4B48-87E6-7D3E19A87ACA}"/>
               </a:ext>
             </a:extLst>
           </p:cNvPr>
@@ -30113,7 +30117,7 @@
           </p:cNvPicPr>
           <p:nvPr/>
         </p:nvPicPr>
-        <p:blipFill>
+        <p:blipFill rotWithShape="1">
           <a:blip r:embed="rId2">
             <a:extLst>
               <a:ext uri="{28A0092B-C50C-407E-A947-70E740481C1C}">
@@ -30121,12 +30125,13 @@
               </a:ext>
             </a:extLst>
           </a:blip>
+          <a:srcRect t="12348" r="-1" b="12632"/>
           <a:stretch/>
         </p:blipFill>
         <p:spPr>
           <a:xfrm>
-            <a:off x="6096000" y="1200315"/>
-            <a:ext cx="5459470" cy="4458345"/>
+            <a:off x="6096000" y="1894129"/>
+            <a:ext cx="5455921" cy="3069742"/>
           </a:xfrm>
           <a:prstGeom prst="rect">
             <a:avLst/>
@@ -30136,7 +30141,7 @@
     </p:spTree>
     <p:extLst>
       <p:ext uri="{BB962C8B-B14F-4D97-AF65-F5344CB8AC3E}">
-        <p14:creationId xmlns:p14="http://schemas.microsoft.com/office/powerpoint/2010/main" val="1310197423"/>
+        <p14:creationId xmlns:p14="http://schemas.microsoft.com/office/powerpoint/2010/main" val="950835763"/>
       </p:ext>
     </p:extLst>
   </p:cSld>
@@ -30447,6 +30452,71 @@
 <file path=ppt/slides/slide22.xml><?xml version="1.0" encoding="utf-8"?>
 <p:sld xmlns:a="http://schemas.openxmlformats.org/drawingml/2006/main" xmlns:r="http://schemas.openxmlformats.org/officeDocument/2006/relationships" xmlns:p="http://schemas.openxmlformats.org/presentationml/2006/main">
   <p:cSld>
+    <p:spTree>
+      <p:nvGrpSpPr>
+        <p:cNvPr id="1" name=""/>
+        <p:cNvGrpSpPr/>
+        <p:nvPr/>
+      </p:nvGrpSpPr>
+      <p:grpSpPr>
+        <a:xfrm>
+          <a:off x="0" y="0"/>
+          <a:ext cx="0" cy="0"/>
+          <a:chOff x="0" y="0"/>
+          <a:chExt cx="0" cy="0"/>
+        </a:xfrm>
+      </p:grpSpPr>
+      <p:pic>
+        <p:nvPicPr>
+          <p:cNvPr id="5" name="Content Placeholder 4" descr="A screenshot of a computer&#10;&#10;Description automatically generated">
+            <a:extLst>
+              <a:ext uri="{FF2B5EF4-FFF2-40B4-BE49-F238E27FC236}">
+                <a16:creationId xmlns:a16="http://schemas.microsoft.com/office/drawing/2014/main" id="{1D9A252E-FF54-4E37-B257-72BC00D505DA}"/>
+              </a:ext>
+            </a:extLst>
+          </p:cNvPr>
+          <p:cNvPicPr>
+            <a:picLocks noGrp="1" noChangeAspect="1"/>
+          </p:cNvPicPr>
+          <p:nvPr>
+            <p:ph idx="1"/>
+          </p:nvPr>
+        </p:nvPicPr>
+        <p:blipFill>
+          <a:blip r:embed="rId2">
+            <a:extLst>
+              <a:ext uri="{28A0092B-C50C-407E-A947-70E740481C1C}">
+                <a14:useLocalDpi xmlns:a14="http://schemas.microsoft.com/office/drawing/2010/main" val="0"/>
+              </a:ext>
+            </a:extLst>
+          </a:blip>
+          <a:stretch>
+            <a:fillRect/>
+          </a:stretch>
+        </p:blipFill>
+        <p:spPr>
+          <a:xfrm>
+            <a:off x="93940" y="70198"/>
+            <a:ext cx="11960899" cy="6330602"/>
+          </a:xfrm>
+        </p:spPr>
+      </p:pic>
+    </p:spTree>
+    <p:extLst>
+      <p:ext uri="{BB962C8B-B14F-4D97-AF65-F5344CB8AC3E}">
+        <p14:creationId xmlns:p14="http://schemas.microsoft.com/office/powerpoint/2010/main" val="2017810319"/>
+      </p:ext>
+    </p:extLst>
+  </p:cSld>
+  <p:clrMapOvr>
+    <a:masterClrMapping/>
+  </p:clrMapOvr>
+</p:sld>
+</file>
+
+<file path=ppt/slides/slide23.xml><?xml version="1.0" encoding="utf-8"?>
+<p:sld xmlns:a="http://schemas.openxmlformats.org/drawingml/2006/main" xmlns:r="http://schemas.openxmlformats.org/officeDocument/2006/relationships" xmlns:p="http://schemas.openxmlformats.org/presentationml/2006/main">
+  <p:cSld>
     <p:bg>
       <p:bgPr>
         <a:solidFill>
@@ -30730,7 +30800,7 @@
 </p:sld>
 </file>
 
-<file path=ppt/slides/slide23.xml><?xml version="1.0" encoding="utf-8"?>
+<file path=ppt/slides/slide24.xml><?xml version="1.0" encoding="utf-8"?>
 <p:sld xmlns:a="http://schemas.openxmlformats.org/drawingml/2006/main" xmlns:r="http://schemas.openxmlformats.org/officeDocument/2006/relationships" xmlns:p="http://schemas.openxmlformats.org/presentationml/2006/main">
   <p:cSld>
     <p:spTree>
@@ -30817,7 +30887,7 @@
 </p:sld>
 </file>
 
-<file path=ppt/slides/slide24.xml><?xml version="1.0" encoding="utf-8"?>
+<file path=ppt/slides/slide25.xml><?xml version="1.0" encoding="utf-8"?>
 <p:sld xmlns:a="http://schemas.openxmlformats.org/drawingml/2006/main" xmlns:r="http://schemas.openxmlformats.org/officeDocument/2006/relationships" xmlns:p="http://schemas.openxmlformats.org/presentationml/2006/main">
   <p:cSld>
     <p:spTree>
